--- a/Project2/Presentation/P2Z20_AGR.pptx
+++ b/Project2/Presentation/P2Z20_AGR.pptx
@@ -5,17 +5,27 @@
     <p:sldMasterId id="2147483648" r:id="rId1"/>
   </p:sldMasterIdLst>
   <p:notesMasterIdLst>
-    <p:notesMasterId r:id="rId7"/>
+    <p:notesMasterId r:id="rId17"/>
   </p:notesMasterIdLst>
   <p:handoutMasterIdLst>
-    <p:handoutMasterId r:id="rId8"/>
+    <p:handoutMasterId r:id="rId18"/>
   </p:handoutMasterIdLst>
   <p:sldIdLst>
     <p:sldId id="256" r:id="rId2"/>
     <p:sldId id="260" r:id="rId3"/>
-    <p:sldId id="267" r:id="rId4"/>
-    <p:sldId id="276" r:id="rId5"/>
-    <p:sldId id="287" r:id="rId6"/>
+    <p:sldId id="289" r:id="rId4"/>
+    <p:sldId id="290" r:id="rId5"/>
+    <p:sldId id="288" r:id="rId6"/>
+    <p:sldId id="291" r:id="rId7"/>
+    <p:sldId id="293" r:id="rId8"/>
+    <p:sldId id="294" r:id="rId9"/>
+    <p:sldId id="295" r:id="rId10"/>
+    <p:sldId id="296" r:id="rId11"/>
+    <p:sldId id="297" r:id="rId12"/>
+    <p:sldId id="298" r:id="rId13"/>
+    <p:sldId id="299" r:id="rId14"/>
+    <p:sldId id="300" r:id="rId15"/>
+    <p:sldId id="287" r:id="rId16"/>
   </p:sldIdLst>
   <p:sldSz cx="12188825" cy="6858000"/>
   <p:notesSz cx="6858000" cy="9144000"/>
@@ -236,7 +246,7 @@
             <a:pPr rtl="0"/>
             <a:fld id="{259B836B-1D14-4898-A0A6-D61FF17C9DBC}" type="datetime1">
               <a:rPr lang="pl-PL" smtClean="0"/>
-              <a:t>26.12.2023</a:t>
+              <a:t>27.12.2023</a:t>
             </a:fld>
             <a:endParaRPr lang="pl-PL" dirty="0"/>
           </a:p>
@@ -413,7 +423,7 @@
             <a:fld id="{0B49425D-C08F-42D2-9661-205968B2C1FB}" type="datetime1">
               <a:rPr lang="pl-PL" smtClean="0"/>
               <a:pPr/>
-              <a:t>26.12.2023</a:t>
+              <a:t>27.12.2023</a:t>
             </a:fld>
             <a:endParaRPr lang="pl-PL" dirty="0"/>
           </a:p>
@@ -856,92 +866,6 @@
     <p:extLst>
       <p:ext uri="{BB962C8B-B14F-4D97-AF65-F5344CB8AC3E}">
         <p14:creationId xmlns:p14="http://schemas.microsoft.com/office/powerpoint/2010/main" val="3959677643"/>
-      </p:ext>
-    </p:extLst>
-  </p:cSld>
-  <p:clrMapOvr>
-    <a:masterClrMapping/>
-  </p:clrMapOvr>
-</p:notes>
-</file>
-
-<file path=ppt/notesSlides/notesSlide3.xml><?xml version="1.0" encoding="utf-8"?>
-<p:notes xmlns:a="http://schemas.openxmlformats.org/drawingml/2006/main" xmlns:r="http://schemas.openxmlformats.org/officeDocument/2006/relationships" xmlns:p="http://schemas.openxmlformats.org/presentationml/2006/main">
-  <p:cSld>
-    <p:spTree>
-      <p:nvGrpSpPr>
-        <p:cNvPr id="1" name=""/>
-        <p:cNvGrpSpPr/>
-        <p:nvPr/>
-      </p:nvGrpSpPr>
-      <p:grpSpPr>
-        <a:xfrm>
-          <a:off x="0" y="0"/>
-          <a:ext cx="0" cy="0"/>
-          <a:chOff x="0" y="0"/>
-          <a:chExt cx="0" cy="0"/>
-        </a:xfrm>
-      </p:grpSpPr>
-      <p:sp>
-        <p:nvSpPr>
-          <p:cNvPr id="2" name="Symbol zastępczy obrazu slajdu 1"/>
-          <p:cNvSpPr>
-            <a:spLocks noGrp="1" noRot="1" noChangeAspect="1"/>
-          </p:cNvSpPr>
-          <p:nvPr>
-            <p:ph type="sldImg"/>
-          </p:nvPr>
-        </p:nvSpPr>
-        <p:spPr/>
-      </p:sp>
-      <p:sp>
-        <p:nvSpPr>
-          <p:cNvPr id="3" name="Symbol zastępczy notatek 2"/>
-          <p:cNvSpPr>
-            <a:spLocks noGrp="1"/>
-          </p:cNvSpPr>
-          <p:nvPr>
-            <p:ph type="body" idx="1"/>
-          </p:nvPr>
-        </p:nvSpPr>
-        <p:spPr/>
-        <p:txBody>
-          <a:bodyPr/>
-          <a:lstStyle/>
-          <a:p>
-            <a:endParaRPr lang="pl-PL" dirty="0"/>
-          </a:p>
-        </p:txBody>
-      </p:sp>
-      <p:sp>
-        <p:nvSpPr>
-          <p:cNvPr id="4" name="Symbol zastępczy numeru slajdu 3"/>
-          <p:cNvSpPr>
-            <a:spLocks noGrp="1"/>
-          </p:cNvSpPr>
-          <p:nvPr>
-            <p:ph type="sldNum" sz="quarter" idx="10"/>
-          </p:nvPr>
-        </p:nvSpPr>
-        <p:spPr/>
-        <p:txBody>
-          <a:bodyPr/>
-          <a:lstStyle/>
-          <a:p>
-            <a:pPr rtl="0"/>
-            <a:fld id="{841221E5-7225-48EB-A4EE-420E7BFCF705}" type="slidenum">
-              <a:rPr lang="pl-PL" smtClean="0"/>
-              <a:pPr rtl="0"/>
-              <a:t>3</a:t>
-            </a:fld>
-            <a:endParaRPr lang="pl-PL" dirty="0"/>
-          </a:p>
-        </p:txBody>
-      </p:sp>
-    </p:spTree>
-    <p:extLst>
-      <p:ext uri="{BB962C8B-B14F-4D97-AF65-F5344CB8AC3E}">
-        <p14:creationId xmlns:p14="http://schemas.microsoft.com/office/powerpoint/2010/main" val="3373038839"/>
       </p:ext>
     </p:extLst>
   </p:cSld>
@@ -1871,7 +1795,7 @@
             <a:fld id="{0891712C-DFA3-4BBB-949A-441F8D94FB78}" type="datetime1">
               <a:rPr lang="pl-PL" smtClean="0"/>
               <a:pPr/>
-              <a:t>26.12.2023</a:t>
+              <a:t>27.12.2023</a:t>
             </a:fld>
             <a:endParaRPr lang="pl-PL" dirty="0"/>
           </a:p>
@@ -2103,7 +2027,7 @@
             <a:fld id="{945AF6E0-399A-47E1-A1DB-7B7324AFFA86}" type="datetime1">
               <a:rPr lang="pl-PL" smtClean="0"/>
               <a:pPr/>
-              <a:t>26.12.2023</a:t>
+              <a:t>27.12.2023</a:t>
             </a:fld>
             <a:endParaRPr lang="pl-PL" dirty="0"/>
           </a:p>
@@ -2931,7 +2855,7 @@
             <a:fld id="{C607926C-DC73-443E-A62B-EE34064092FB}" type="datetime1">
               <a:rPr lang="pl-PL" smtClean="0"/>
               <a:pPr/>
-              <a:t>26.12.2023</a:t>
+              <a:t>27.12.2023</a:t>
             </a:fld>
             <a:endParaRPr lang="pl-PL" dirty="0"/>
           </a:p>
@@ -3141,7 +3065,7 @@
             <a:fld id="{E5FE2A44-E43C-4DB0-9333-8D36003B44E7}" type="datetime1">
               <a:rPr lang="pl-PL" smtClean="0"/>
               <a:pPr/>
-              <a:t>26.12.2023</a:t>
+              <a:t>27.12.2023</a:t>
             </a:fld>
             <a:endParaRPr lang="pl-PL" dirty="0"/>
           </a:p>
@@ -4412,7 +4336,7 @@
             <a:fld id="{73A63387-177D-4170-9A3F-154CB0D93663}" type="datetime1">
               <a:rPr lang="pl-PL" smtClean="0"/>
               <a:pPr/>
-              <a:t>26.12.2023</a:t>
+              <a:t>27.12.2023</a:t>
             </a:fld>
             <a:endParaRPr lang="pl-PL" dirty="0"/>
           </a:p>
@@ -4746,7 +4670,7 @@
             <a:fld id="{1CFAE661-66FE-4314-8504-F784411951F4}" type="datetime1">
               <a:rPr lang="pl-PL" smtClean="0"/>
               <a:pPr/>
-              <a:t>26.12.2023</a:t>
+              <a:t>27.12.2023</a:t>
             </a:fld>
             <a:endParaRPr lang="pl-PL" dirty="0"/>
           </a:p>
@@ -5206,7 +5130,7 @@
             <a:fld id="{33DE8A6F-0E38-430F-8DDD-319E6F7E6EAA}" type="datetime1">
               <a:rPr lang="pl-PL" smtClean="0"/>
               <a:pPr/>
-              <a:t>26.12.2023</a:t>
+              <a:t>27.12.2023</a:t>
             </a:fld>
             <a:endParaRPr lang="pl-PL" dirty="0"/>
           </a:p>
@@ -5348,7 +5272,7 @@
             <a:fld id="{14227057-05C3-4648-ABCB-F25BC875C77C}" type="datetime1">
               <a:rPr lang="pl-PL" smtClean="0"/>
               <a:pPr/>
-              <a:t>26.12.2023</a:t>
+              <a:t>27.12.2023</a:t>
             </a:fld>
             <a:endParaRPr lang="pl-PL" dirty="0"/>
           </a:p>
@@ -5694,7 +5618,7 @@
             <a:fld id="{9DD6C040-6C40-4FE1-A91C-782E8F88FE59}" type="datetime1">
               <a:rPr lang="pl-PL" smtClean="0"/>
               <a:pPr/>
-              <a:t>26.12.2023</a:t>
+              <a:t>27.12.2023</a:t>
             </a:fld>
             <a:endParaRPr lang="pl-PL" dirty="0"/>
           </a:p>
@@ -6198,7 +6122,7 @@
             <a:fld id="{C1F1E1EE-6F53-47AB-A934-DBB9363F4AE6}" type="datetime1">
               <a:rPr lang="pl-PL" smtClean="0"/>
               <a:pPr/>
-              <a:t>26.12.2023</a:t>
+              <a:t>27.12.2023</a:t>
             </a:fld>
             <a:endParaRPr lang="pl-PL" dirty="0"/>
           </a:p>
@@ -6655,7 +6579,7 @@
             <a:fld id="{88F116C8-0054-4794-B06D-CBA61F961298}" type="datetime1">
               <a:rPr lang="pl-PL" smtClean="0"/>
               <a:pPr/>
-              <a:t>26.12.2023</a:t>
+              <a:t>27.12.2023</a:t>
             </a:fld>
             <a:endParaRPr lang="pl-PL" dirty="0"/>
           </a:p>
@@ -7562,7 +7486,7 @@
             <a:fld id="{7513D91F-FF86-4B7D-8E15-3B9D5855F3A0}" type="datetime1">
               <a:rPr lang="pl-PL" smtClean="0"/>
               <a:pPr/>
-              <a:t>26.12.2023</a:t>
+              <a:t>27.12.2023</a:t>
             </a:fld>
             <a:endParaRPr lang="pl-PL" dirty="0"/>
           </a:p>
@@ -8000,8 +7924,8 @@
           <a:chExt cx="0" cy="0"/>
         </a:xfrm>
       </p:grpSpPr>
-      <mc:AlternateContent xmlns:mc="http://schemas.openxmlformats.org/markup-compatibility/2006">
-        <mc:Choice xmlns:a14="http://schemas.microsoft.com/office/drawing/2010/main" Requires="a14">
+      <mc:AlternateContent xmlns:mc="http://schemas.openxmlformats.org/markup-compatibility/2006" xmlns:a14="http://schemas.microsoft.com/office/drawing/2010/main">
+        <mc:Choice Requires="a14">
           <p:sp>
             <p:nvSpPr>
               <p:cNvPr id="2" name="Tytuł 1"/>
@@ -8105,7 +8029,7 @@
                       <m:d>
                         <m:dPr>
                           <m:ctrlPr>
-                            <a:rPr lang="pl-PL" sz="2400" b="0" i="0" smtClean="0">
+                            <a:rPr lang="pl-PL" sz="2400" b="0" i="1" smtClean="0">
                               <a:latin typeface="Cambria Math" panose="02040503050406030204" pitchFamily="18" charset="0"/>
                               <a:ea typeface="Cambria Math" panose="02040503050406030204" pitchFamily="18" charset="0"/>
                               <a:cs typeface="Calibri" panose="020F0502020204030204" pitchFamily="34" charset="0"/>
@@ -8317,15 +8241,7 @@
                             <a:ea typeface="Cambria Math" panose="02040503050406030204" pitchFamily="18" charset="0"/>
                             <a:cs typeface="Calibri" panose="020F0502020204030204" pitchFamily="34" charset="0"/>
                           </a:rPr>
-                          <m:t>𝑚</m:t>
-                        </m:r>
-                        <m:r>
-                          <a:rPr lang="pl-PL" sz="2400" i="1">
-                            <a:latin typeface="Cambria Math" panose="02040503050406030204" pitchFamily="18" charset="0"/>
-                            <a:ea typeface="Cambria Math" panose="02040503050406030204" pitchFamily="18" charset="0"/>
-                            <a:cs typeface="Calibri" panose="020F0502020204030204" pitchFamily="34" charset="0"/>
-                          </a:rPr>
-                          <m:t>𝑖𝑛</m:t>
+                          <m:t>𝑚𝑖𝑛</m:t>
                         </m:r>
                       </m:sub>
                     </m:sSub>
@@ -8430,7 +8346,7 @@
             </p:txBody>
           </p:sp>
         </mc:Choice>
-        <mc:Fallback>
+        <mc:Fallback xmlns="">
           <p:sp>
             <p:nvSpPr>
               <p:cNvPr id="2" name="Tytuł 1"/>
@@ -8607,7 +8523,2899 @@
 </p:sld>
 </file>
 
-<file path=ppt/slides/slide2.xml><?xml version="1.0" encoding="utf-8"?>
+<file path=ppt/slides/slide10.xml><?xml version="1.0" encoding="utf-8"?>
+<p:sld xmlns:a="http://schemas.openxmlformats.org/drawingml/2006/main" xmlns:r="http://schemas.openxmlformats.org/officeDocument/2006/relationships" xmlns:p="http://schemas.openxmlformats.org/presentationml/2006/main">
+  <p:cSld>
+    <p:spTree>
+      <p:nvGrpSpPr>
+        <p:cNvPr id="1" name=""/>
+        <p:cNvGrpSpPr/>
+        <p:nvPr/>
+      </p:nvGrpSpPr>
+      <p:grpSpPr>
+        <a:xfrm>
+          <a:off x="0" y="0"/>
+          <a:ext cx="0" cy="0"/>
+          <a:chOff x="0" y="0"/>
+          <a:chExt cx="0" cy="0"/>
+        </a:xfrm>
+      </p:grpSpPr>
+      <mc:AlternateContent xmlns:mc="http://schemas.openxmlformats.org/markup-compatibility/2006">
+        <mc:Choice xmlns:a14="http://schemas.microsoft.com/office/drawing/2010/main" Requires="a14">
+          <p:sp>
+            <p:nvSpPr>
+              <p:cNvPr id="3" name="Symbol zastępczy zawartości 2"/>
+              <p:cNvSpPr>
+                <a:spLocks noGrp="1"/>
+              </p:cNvSpPr>
+              <p:nvPr>
+                <p:ph idx="1"/>
+              </p:nvPr>
+            </p:nvSpPr>
+            <p:spPr>
+              <a:xfrm>
+                <a:off x="1593436" y="1844824"/>
+                <a:ext cx="6229168" cy="2836912"/>
+              </a:xfrm>
+            </p:spPr>
+            <p:txBody>
+              <a:bodyPr>
+                <a:normAutofit/>
+              </a:bodyPr>
+              <a:lstStyle/>
+              <a:p>
+                <a:r>
+                  <a:rPr lang="pl-PL" sz="1800" dirty="0" smtClean="0"/>
+                  <a:t>Macierz </a:t>
+                </a:r>
+                <a14:m>
+                  <m:oMath xmlns:m="http://schemas.openxmlformats.org/officeDocument/2006/math">
+                    <m:r>
+                      <a:rPr lang="pl-PL" sz="1800" i="1">
+                        <a:latin typeface="Cambria Math" panose="02040503050406030204" pitchFamily="18" charset="0"/>
+                        <a:ea typeface="Cambria Math" panose="02040503050406030204" pitchFamily="18" charset="0"/>
+                        <a:cs typeface="Calibri" panose="020F0502020204030204" pitchFamily="34" charset="0"/>
+                      </a:rPr>
+                      <m:t>𝐴</m:t>
+                    </m:r>
+                  </m:oMath>
+                </a14:m>
+                <a:r>
+                  <a:rPr lang="pl-PL" sz="1800" dirty="0" smtClean="0"/>
+                  <a:t> jest nieosobliwa, czyli </a:t>
+                </a:r>
+                <a14:m>
+                  <m:oMath xmlns:m="http://schemas.openxmlformats.org/officeDocument/2006/math">
+                    <m:func>
+                      <m:funcPr>
+                        <m:ctrlPr>
+                          <a:rPr lang="pl-PL" sz="1800" b="0" i="1" smtClean="0">
+                            <a:latin typeface="Cambria Math" panose="02040503050406030204" pitchFamily="18" charset="0"/>
+                          </a:rPr>
+                        </m:ctrlPr>
+                      </m:funcPr>
+                      <m:fName>
+                        <m:r>
+                          <m:rPr>
+                            <m:sty m:val="p"/>
+                          </m:rPr>
+                          <a:rPr lang="pl-PL" sz="1800" b="0" i="0" smtClean="0">
+                            <a:latin typeface="Cambria Math" panose="02040503050406030204" pitchFamily="18" charset="0"/>
+                          </a:rPr>
+                          <m:t>det</m:t>
+                        </m:r>
+                      </m:fName>
+                      <m:e>
+                        <m:d>
+                          <m:dPr>
+                            <m:ctrlPr>
+                              <a:rPr lang="pl-PL" sz="1800" b="0" i="1" smtClean="0">
+                                <a:latin typeface="Cambria Math" panose="02040503050406030204" pitchFamily="18" charset="0"/>
+                              </a:rPr>
+                            </m:ctrlPr>
+                          </m:dPr>
+                          <m:e>
+                            <m:r>
+                              <a:rPr lang="pl-PL" sz="1800" b="0" i="1" smtClean="0">
+                                <a:latin typeface="Cambria Math" panose="02040503050406030204" pitchFamily="18" charset="0"/>
+                              </a:rPr>
+                              <m:t>𝐴</m:t>
+                            </m:r>
+                          </m:e>
+                        </m:d>
+                      </m:e>
+                    </m:func>
+                    <m:r>
+                      <a:rPr lang="pl-PL" sz="1800" i="1">
+                        <a:latin typeface="Cambria Math" panose="02040503050406030204" pitchFamily="18" charset="0"/>
+                        <a:ea typeface="Cambria Math" panose="02040503050406030204" pitchFamily="18" charset="0"/>
+                      </a:rPr>
+                      <m:t>≠</m:t>
+                    </m:r>
+                    <m:r>
+                      <a:rPr lang="pl-PL" sz="1800" b="0" i="1" smtClean="0">
+                        <a:latin typeface="Cambria Math" panose="02040503050406030204" pitchFamily="18" charset="0"/>
+                        <a:ea typeface="Cambria Math" panose="02040503050406030204" pitchFamily="18" charset="0"/>
+                      </a:rPr>
+                      <m:t>0</m:t>
+                    </m:r>
+                  </m:oMath>
+                </a14:m>
+                <a:r>
+                  <a:rPr lang="pl-PL" sz="1800" dirty="0" smtClean="0"/>
+                  <a:t>.</a:t>
+                </a:r>
+              </a:p>
+              <a:p>
+                <a:r>
+                  <a:rPr lang="pl-PL" sz="1800" dirty="0" smtClean="0"/>
+                  <a:t>Macierz </a:t>
+                </a:r>
+                <a14:m>
+                  <m:oMath xmlns:m="http://schemas.openxmlformats.org/officeDocument/2006/math">
+                    <m:r>
+                      <a:rPr lang="pl-PL" sz="1800" i="1">
+                        <a:latin typeface="Cambria Math" panose="02040503050406030204" pitchFamily="18" charset="0"/>
+                        <a:ea typeface="Cambria Math" panose="02040503050406030204" pitchFamily="18" charset="0"/>
+                        <a:cs typeface="Calibri" panose="020F0502020204030204" pitchFamily="34" charset="0"/>
+                      </a:rPr>
+                      <m:t>𝐴</m:t>
+                    </m:r>
+                  </m:oMath>
+                </a14:m>
+                <a:r>
+                  <a:rPr lang="pl-PL" sz="1800" dirty="0" smtClean="0"/>
+                  <a:t> posiada najmniejszą co do modułu wartość własną </a:t>
+                </a:r>
+                <a14:m>
+                  <m:oMath xmlns:m="http://schemas.openxmlformats.org/officeDocument/2006/math">
+                    <m:sSub>
+                      <m:sSubPr>
+                        <m:ctrlPr>
+                          <a:rPr lang="pl-PL" sz="1800" i="1">
+                            <a:latin typeface="Cambria Math" panose="02040503050406030204" pitchFamily="18" charset="0"/>
+                            <a:ea typeface="Cambria Math" panose="02040503050406030204" pitchFamily="18" charset="0"/>
+                            <a:cs typeface="Calibri" panose="020F0502020204030204" pitchFamily="34" charset="0"/>
+                          </a:rPr>
+                        </m:ctrlPr>
+                      </m:sSubPr>
+                      <m:e>
+                        <m:r>
+                          <a:rPr lang="pl-PL" sz="1800" i="1">
+                            <a:latin typeface="Cambria Math" panose="02040503050406030204" pitchFamily="18" charset="0"/>
+                            <a:ea typeface="Cambria Math" panose="02040503050406030204" pitchFamily="18" charset="0"/>
+                            <a:cs typeface="Calibri" panose="020F0502020204030204" pitchFamily="34" charset="0"/>
+                          </a:rPr>
+                          <m:t>𝜆</m:t>
+                        </m:r>
+                      </m:e>
+                      <m:sub>
+                        <m:r>
+                          <a:rPr lang="pl-PL" sz="1800" b="0" i="1" smtClean="0">
+                            <a:latin typeface="Cambria Math" panose="02040503050406030204" pitchFamily="18" charset="0"/>
+                            <a:ea typeface="Cambria Math" panose="02040503050406030204" pitchFamily="18" charset="0"/>
+                            <a:cs typeface="Calibri" panose="020F0502020204030204" pitchFamily="34" charset="0"/>
+                          </a:rPr>
+                          <m:t>𝑛</m:t>
+                        </m:r>
+                      </m:sub>
+                    </m:sSub>
+                  </m:oMath>
+                </a14:m>
+                <a:r>
+                  <a:rPr lang="pl-PL" sz="1800" dirty="0" smtClean="0"/>
+                  <a:t>, czyli </a:t>
+                </a:r>
+                <a14:m>
+                  <m:oMath xmlns:m="http://schemas.openxmlformats.org/officeDocument/2006/math">
+                    <m:d>
+                      <m:dPr>
+                        <m:begChr m:val="|"/>
+                        <m:endChr m:val="|"/>
+                        <m:ctrlPr>
+                          <a:rPr lang="pl-PL" sz="1800" i="1" smtClean="0">
+                            <a:latin typeface="Cambria Math" panose="02040503050406030204" pitchFamily="18" charset="0"/>
+                            <a:ea typeface="Cambria Math" panose="02040503050406030204" pitchFamily="18" charset="0"/>
+                            <a:cs typeface="Calibri" panose="020F0502020204030204" pitchFamily="34" charset="0"/>
+                          </a:rPr>
+                        </m:ctrlPr>
+                      </m:dPr>
+                      <m:e>
+                        <m:sSub>
+                          <m:sSubPr>
+                            <m:ctrlPr>
+                              <a:rPr lang="pl-PL" sz="1800" i="1">
+                                <a:latin typeface="Cambria Math" panose="02040503050406030204" pitchFamily="18" charset="0"/>
+                                <a:ea typeface="Cambria Math" panose="02040503050406030204" pitchFamily="18" charset="0"/>
+                                <a:cs typeface="Calibri" panose="020F0502020204030204" pitchFamily="34" charset="0"/>
+                              </a:rPr>
+                            </m:ctrlPr>
+                          </m:sSubPr>
+                          <m:e>
+                            <m:r>
+                              <a:rPr lang="pl-PL" sz="1800" i="1">
+                                <a:latin typeface="Cambria Math" panose="02040503050406030204" pitchFamily="18" charset="0"/>
+                                <a:ea typeface="Cambria Math" panose="02040503050406030204" pitchFamily="18" charset="0"/>
+                                <a:cs typeface="Calibri" panose="020F0502020204030204" pitchFamily="34" charset="0"/>
+                              </a:rPr>
+                              <m:t>𝜆</m:t>
+                            </m:r>
+                          </m:e>
+                          <m:sub>
+                            <m:r>
+                              <a:rPr lang="pl-PL" sz="1800" i="1">
+                                <a:latin typeface="Cambria Math" panose="02040503050406030204" pitchFamily="18" charset="0"/>
+                                <a:ea typeface="Cambria Math" panose="02040503050406030204" pitchFamily="18" charset="0"/>
+                                <a:cs typeface="Calibri" panose="020F0502020204030204" pitchFamily="34" charset="0"/>
+                              </a:rPr>
+                              <m:t>1</m:t>
+                            </m:r>
+                          </m:sub>
+                        </m:sSub>
+                      </m:e>
+                    </m:d>
+                    <m:r>
+                      <a:rPr lang="pl-PL" sz="1800" b="0" i="1" smtClean="0">
+                        <a:latin typeface="Cambria Math" panose="02040503050406030204" pitchFamily="18" charset="0"/>
+                        <a:ea typeface="Cambria Math" panose="02040503050406030204" pitchFamily="18" charset="0"/>
+                        <a:cs typeface="Calibri" panose="020F0502020204030204" pitchFamily="34" charset="0"/>
+                      </a:rPr>
+                      <m:t>≤…≤</m:t>
+                    </m:r>
+                    <m:d>
+                      <m:dPr>
+                        <m:begChr m:val="|"/>
+                        <m:endChr m:val="|"/>
+                        <m:ctrlPr>
+                          <a:rPr lang="pl-PL" sz="1800" i="1">
+                            <a:latin typeface="Cambria Math" panose="02040503050406030204" pitchFamily="18" charset="0"/>
+                            <a:ea typeface="Cambria Math" panose="02040503050406030204" pitchFamily="18" charset="0"/>
+                            <a:cs typeface="Calibri" panose="020F0502020204030204" pitchFamily="34" charset="0"/>
+                          </a:rPr>
+                        </m:ctrlPr>
+                      </m:dPr>
+                      <m:e>
+                        <m:sSub>
+                          <m:sSubPr>
+                            <m:ctrlPr>
+                              <a:rPr lang="pl-PL" sz="1800" i="1">
+                                <a:latin typeface="Cambria Math" panose="02040503050406030204" pitchFamily="18" charset="0"/>
+                                <a:ea typeface="Cambria Math" panose="02040503050406030204" pitchFamily="18" charset="0"/>
+                                <a:cs typeface="Calibri" panose="020F0502020204030204" pitchFamily="34" charset="0"/>
+                              </a:rPr>
+                            </m:ctrlPr>
+                          </m:sSubPr>
+                          <m:e>
+                            <m:r>
+                              <a:rPr lang="pl-PL" sz="1800" i="1">
+                                <a:latin typeface="Cambria Math" panose="02040503050406030204" pitchFamily="18" charset="0"/>
+                                <a:ea typeface="Cambria Math" panose="02040503050406030204" pitchFamily="18" charset="0"/>
+                                <a:cs typeface="Calibri" panose="020F0502020204030204" pitchFamily="34" charset="0"/>
+                              </a:rPr>
+                              <m:t>𝜆</m:t>
+                            </m:r>
+                          </m:e>
+                          <m:sub>
+                            <m:r>
+                              <a:rPr lang="pl-PL" sz="1800" b="0" i="1" smtClean="0">
+                                <a:latin typeface="Cambria Math" panose="02040503050406030204" pitchFamily="18" charset="0"/>
+                                <a:ea typeface="Cambria Math" panose="02040503050406030204" pitchFamily="18" charset="0"/>
+                                <a:cs typeface="Calibri" panose="020F0502020204030204" pitchFamily="34" charset="0"/>
+                              </a:rPr>
+                              <m:t>𝑛</m:t>
+                            </m:r>
+                            <m:r>
+                              <a:rPr lang="pl-PL" sz="1800" b="0" i="1" smtClean="0">
+                                <a:latin typeface="Cambria Math" panose="02040503050406030204" pitchFamily="18" charset="0"/>
+                                <a:ea typeface="Cambria Math" panose="02040503050406030204" pitchFamily="18" charset="0"/>
+                                <a:cs typeface="Calibri" panose="020F0502020204030204" pitchFamily="34" charset="0"/>
+                              </a:rPr>
+                              <m:t>−1</m:t>
+                            </m:r>
+                          </m:sub>
+                        </m:sSub>
+                      </m:e>
+                    </m:d>
+                    <m:r>
+                      <a:rPr lang="pl-PL" sz="1800" i="1">
+                        <a:latin typeface="Cambria Math" panose="02040503050406030204" pitchFamily="18" charset="0"/>
+                        <a:ea typeface="Cambria Math" panose="02040503050406030204" pitchFamily="18" charset="0"/>
+                        <a:cs typeface="Calibri" panose="020F0502020204030204" pitchFamily="34" charset="0"/>
+                      </a:rPr>
+                      <m:t>≤</m:t>
+                    </m:r>
+                    <m:d>
+                      <m:dPr>
+                        <m:begChr m:val="|"/>
+                        <m:endChr m:val="|"/>
+                        <m:ctrlPr>
+                          <a:rPr lang="pl-PL" sz="1800" i="1">
+                            <a:latin typeface="Cambria Math" panose="02040503050406030204" pitchFamily="18" charset="0"/>
+                            <a:ea typeface="Cambria Math" panose="02040503050406030204" pitchFamily="18" charset="0"/>
+                            <a:cs typeface="Calibri" panose="020F0502020204030204" pitchFamily="34" charset="0"/>
+                          </a:rPr>
+                        </m:ctrlPr>
+                      </m:dPr>
+                      <m:e>
+                        <m:sSub>
+                          <m:sSubPr>
+                            <m:ctrlPr>
+                              <a:rPr lang="pl-PL" sz="1800" i="1">
+                                <a:latin typeface="Cambria Math" panose="02040503050406030204" pitchFamily="18" charset="0"/>
+                                <a:ea typeface="Cambria Math" panose="02040503050406030204" pitchFamily="18" charset="0"/>
+                                <a:cs typeface="Calibri" panose="020F0502020204030204" pitchFamily="34" charset="0"/>
+                              </a:rPr>
+                            </m:ctrlPr>
+                          </m:sSubPr>
+                          <m:e>
+                            <m:r>
+                              <a:rPr lang="pl-PL" sz="1800" i="1">
+                                <a:latin typeface="Cambria Math" panose="02040503050406030204" pitchFamily="18" charset="0"/>
+                                <a:ea typeface="Cambria Math" panose="02040503050406030204" pitchFamily="18" charset="0"/>
+                                <a:cs typeface="Calibri" panose="020F0502020204030204" pitchFamily="34" charset="0"/>
+                              </a:rPr>
+                              <m:t>𝜆</m:t>
+                            </m:r>
+                          </m:e>
+                          <m:sub>
+                            <m:r>
+                              <a:rPr lang="pl-PL" sz="1800" b="0" i="1" smtClean="0">
+                                <a:latin typeface="Cambria Math" panose="02040503050406030204" pitchFamily="18" charset="0"/>
+                                <a:ea typeface="Cambria Math" panose="02040503050406030204" pitchFamily="18" charset="0"/>
+                                <a:cs typeface="Calibri" panose="020F0502020204030204" pitchFamily="34" charset="0"/>
+                              </a:rPr>
+                              <m:t>𝑛</m:t>
+                            </m:r>
+                          </m:sub>
+                        </m:sSub>
+                      </m:e>
+                    </m:d>
+                  </m:oMath>
+                </a14:m>
+                <a:r>
+                  <a:rPr lang="pl-PL" sz="1800" dirty="0" smtClean="0"/>
+                  <a:t>.</a:t>
+                </a:r>
+              </a:p>
+              <a:p>
+                <a:r>
+                  <a:rPr lang="pl-PL" sz="1800" dirty="0"/>
+                  <a:t>Macierz </a:t>
+                </a:r>
+                <a14:m>
+                  <m:oMath xmlns:m="http://schemas.openxmlformats.org/officeDocument/2006/math">
+                    <m:r>
+                      <a:rPr lang="pl-PL" sz="1800" i="1">
+                        <a:latin typeface="Cambria Math" panose="02040503050406030204" pitchFamily="18" charset="0"/>
+                        <a:ea typeface="Cambria Math" panose="02040503050406030204" pitchFamily="18" charset="0"/>
+                        <a:cs typeface="Calibri" panose="020F0502020204030204" pitchFamily="34" charset="0"/>
+                      </a:rPr>
+                      <m:t>𝐴</m:t>
+                    </m:r>
+                  </m:oMath>
+                </a14:m>
+                <a:r>
+                  <a:rPr lang="pl-PL" sz="1800" dirty="0" smtClean="0"/>
+                  <a:t> posiada </a:t>
+                </a:r>
+                <a14:m>
+                  <m:oMath xmlns:m="http://schemas.openxmlformats.org/officeDocument/2006/math">
+                    <m:r>
+                      <a:rPr lang="pl-PL" sz="1800" b="0" i="1" smtClean="0">
+                        <a:latin typeface="Cambria Math" panose="02040503050406030204" pitchFamily="18" charset="0"/>
+                      </a:rPr>
+                      <m:t>𝑛</m:t>
+                    </m:r>
+                  </m:oMath>
+                </a14:m>
+                <a:r>
+                  <a:rPr lang="pl-PL" sz="1800" dirty="0" smtClean="0"/>
+                  <a:t> liniowo niezależnych wektorów własnych </a:t>
+                </a:r>
+                <a14:m>
+                  <m:oMath xmlns:m="http://schemas.openxmlformats.org/officeDocument/2006/math">
+                    <m:sSup>
+                      <m:sSupPr>
+                        <m:ctrlPr>
+                          <a:rPr lang="pl-PL" sz="1800" i="1" smtClean="0">
+                            <a:latin typeface="Cambria Math" panose="02040503050406030204" pitchFamily="18" charset="0"/>
+                          </a:rPr>
+                        </m:ctrlPr>
+                      </m:sSupPr>
+                      <m:e>
+                        <m:r>
+                          <a:rPr lang="pl-PL" sz="1800" b="0" i="1" smtClean="0">
+                            <a:latin typeface="Cambria Math" panose="02040503050406030204" pitchFamily="18" charset="0"/>
+                          </a:rPr>
+                          <m:t>𝑣</m:t>
+                        </m:r>
+                      </m:e>
+                      <m:sup>
+                        <m:r>
+                          <a:rPr lang="pl-PL" sz="1800" b="0" i="1" smtClean="0">
+                            <a:latin typeface="Cambria Math" panose="02040503050406030204" pitchFamily="18" charset="0"/>
+                          </a:rPr>
+                          <m:t>[1]</m:t>
+                        </m:r>
+                      </m:sup>
+                    </m:sSup>
+                    <m:r>
+                      <a:rPr lang="pl-PL" sz="1800" b="0" i="1" smtClean="0">
+                        <a:latin typeface="Cambria Math" panose="02040503050406030204" pitchFamily="18" charset="0"/>
+                      </a:rPr>
+                      <m:t>,</m:t>
+                    </m:r>
+                    <m:sSup>
+                      <m:sSupPr>
+                        <m:ctrlPr>
+                          <a:rPr lang="pl-PL" sz="1800" i="1">
+                            <a:latin typeface="Cambria Math" panose="02040503050406030204" pitchFamily="18" charset="0"/>
+                          </a:rPr>
+                        </m:ctrlPr>
+                      </m:sSupPr>
+                      <m:e>
+                        <m:r>
+                          <a:rPr lang="pl-PL" sz="1800" i="1">
+                            <a:latin typeface="Cambria Math" panose="02040503050406030204" pitchFamily="18" charset="0"/>
+                          </a:rPr>
+                          <m:t>𝑣</m:t>
+                        </m:r>
+                      </m:e>
+                      <m:sup>
+                        <m:r>
+                          <a:rPr lang="pl-PL" sz="1800" i="1">
+                            <a:latin typeface="Cambria Math" panose="02040503050406030204" pitchFamily="18" charset="0"/>
+                          </a:rPr>
+                          <m:t>[</m:t>
+                        </m:r>
+                        <m:r>
+                          <a:rPr lang="pl-PL" sz="1800" b="0" i="1" smtClean="0">
+                            <a:latin typeface="Cambria Math" panose="02040503050406030204" pitchFamily="18" charset="0"/>
+                          </a:rPr>
+                          <m:t>2</m:t>
+                        </m:r>
+                        <m:r>
+                          <a:rPr lang="pl-PL" sz="1800" i="1">
+                            <a:latin typeface="Cambria Math" panose="02040503050406030204" pitchFamily="18" charset="0"/>
+                          </a:rPr>
+                          <m:t>]</m:t>
+                        </m:r>
+                      </m:sup>
+                    </m:sSup>
+                    <m:r>
+                      <a:rPr lang="pl-PL" sz="1800" b="0" i="1" smtClean="0">
+                        <a:latin typeface="Cambria Math" panose="02040503050406030204" pitchFamily="18" charset="0"/>
+                      </a:rPr>
+                      <m:t>, …,</m:t>
+                    </m:r>
+                    <m:sSup>
+                      <m:sSupPr>
+                        <m:ctrlPr>
+                          <a:rPr lang="pl-PL" sz="1800" i="1">
+                            <a:latin typeface="Cambria Math" panose="02040503050406030204" pitchFamily="18" charset="0"/>
+                          </a:rPr>
+                        </m:ctrlPr>
+                      </m:sSupPr>
+                      <m:e>
+                        <m:r>
+                          <a:rPr lang="pl-PL" sz="1800" i="1">
+                            <a:latin typeface="Cambria Math" panose="02040503050406030204" pitchFamily="18" charset="0"/>
+                          </a:rPr>
+                          <m:t>𝑣</m:t>
+                        </m:r>
+                      </m:e>
+                      <m:sup>
+                        <m:r>
+                          <a:rPr lang="pl-PL" sz="1800" i="1">
+                            <a:latin typeface="Cambria Math" panose="02040503050406030204" pitchFamily="18" charset="0"/>
+                          </a:rPr>
+                          <m:t>[</m:t>
+                        </m:r>
+                        <m:r>
+                          <a:rPr lang="pl-PL" sz="1800" b="0" i="1" smtClean="0">
+                            <a:latin typeface="Cambria Math" panose="02040503050406030204" pitchFamily="18" charset="0"/>
+                          </a:rPr>
+                          <m:t>𝑛</m:t>
+                        </m:r>
+                        <m:r>
+                          <a:rPr lang="pl-PL" sz="1800" i="1">
+                            <a:latin typeface="Cambria Math" panose="02040503050406030204" pitchFamily="18" charset="0"/>
+                          </a:rPr>
+                          <m:t>]</m:t>
+                        </m:r>
+                      </m:sup>
+                    </m:sSup>
+                  </m:oMath>
+                </a14:m>
+                <a:r>
+                  <a:rPr lang="pl-PL" sz="1800" dirty="0" smtClean="0"/>
+                  <a:t>.</a:t>
+                </a:r>
+              </a:p>
+            </p:txBody>
+          </p:sp>
+        </mc:Choice>
+        <mc:Fallback>
+          <p:sp>
+            <p:nvSpPr>
+              <p:cNvPr id="3" name="Symbol zastępczy zawartości 2"/>
+              <p:cNvSpPr>
+                <a:spLocks noGrp="1" noRot="1" noChangeAspect="1" noMove="1" noResize="1" noEditPoints="1" noAdjustHandles="1" noChangeArrowheads="1" noChangeShapeType="1" noTextEdit="1"/>
+              </p:cNvSpPr>
+              <p:nvPr>
+                <p:ph idx="1"/>
+              </p:nvPr>
+            </p:nvSpPr>
+            <p:spPr>
+              <a:xfrm>
+                <a:off x="1593436" y="1844824"/>
+                <a:ext cx="6229168" cy="2836912"/>
+              </a:xfrm>
+              <a:blipFill>
+                <a:blip r:embed="rId2"/>
+                <a:stretch>
+                  <a:fillRect l="-587" t="-2151"/>
+                </a:stretch>
+              </a:blipFill>
+            </p:spPr>
+            <p:txBody>
+              <a:bodyPr/>
+              <a:lstStyle/>
+              <a:p>
+                <a:r>
+                  <a:rPr lang="pl-PL">
+                    <a:noFill/>
+                  </a:rPr>
+                  <a:t> </a:t>
+                </a:r>
+              </a:p>
+            </p:txBody>
+          </p:sp>
+        </mc:Fallback>
+      </mc:AlternateContent>
+      <p:sp>
+        <p:nvSpPr>
+          <p:cNvPr id="4" name="Tytuł 3"/>
+          <p:cNvSpPr>
+            <a:spLocks noGrp="1"/>
+          </p:cNvSpPr>
+          <p:nvPr>
+            <p:ph type="title"/>
+          </p:nvPr>
+        </p:nvSpPr>
+        <p:spPr/>
+        <p:txBody>
+          <a:bodyPr/>
+          <a:lstStyle/>
+          <a:p>
+            <a:r>
+              <a:rPr lang="pl-PL" dirty="0"/>
+              <a:t>Założenia</a:t>
+            </a:r>
+            <a:r>
+              <a:rPr lang="pl-PL" dirty="0" smtClean="0"/>
+              <a:t>:</a:t>
+            </a:r>
+            <a:endParaRPr lang="pl-PL" dirty="0"/>
+          </a:p>
+        </p:txBody>
+      </p:sp>
+    </p:spTree>
+    <p:extLst>
+      <p:ext uri="{BB962C8B-B14F-4D97-AF65-F5344CB8AC3E}">
+        <p14:creationId xmlns:p14="http://schemas.microsoft.com/office/powerpoint/2010/main" val="3676740737"/>
+      </p:ext>
+    </p:extLst>
+  </p:cSld>
+  <p:clrMapOvr>
+    <a:masterClrMapping/>
+  </p:clrMapOvr>
+  <mc:AlternateContent xmlns:mc="http://schemas.openxmlformats.org/markup-compatibility/2006" xmlns:p14="http://schemas.microsoft.com/office/powerpoint/2010/main">
+    <mc:Choice Requires="p14">
+      <p:transition spd="med" p14:dur="700">
+        <p:fade/>
+      </p:transition>
+    </mc:Choice>
+    <mc:Fallback xmlns="">
+      <p:transition spd="med">
+        <p:fade/>
+      </p:transition>
+    </mc:Fallback>
+  </mc:AlternateContent>
+</p:sld>
+</file>
+
+<file path=ppt/slides/slide11.xml><?xml version="1.0" encoding="utf-8"?>
+<p:sld xmlns:a="http://schemas.openxmlformats.org/drawingml/2006/main" xmlns:r="http://schemas.openxmlformats.org/officeDocument/2006/relationships" xmlns:p="http://schemas.openxmlformats.org/presentationml/2006/main">
+  <p:cSld>
+    <p:spTree>
+      <p:nvGrpSpPr>
+        <p:cNvPr id="1" name=""/>
+        <p:cNvGrpSpPr/>
+        <p:nvPr/>
+      </p:nvGrpSpPr>
+      <p:grpSpPr>
+        <a:xfrm>
+          <a:off x="0" y="0"/>
+          <a:ext cx="0" cy="0"/>
+          <a:chOff x="0" y="0"/>
+          <a:chExt cx="0" cy="0"/>
+        </a:xfrm>
+      </p:grpSpPr>
+      <p:sp>
+        <p:nvSpPr>
+          <p:cNvPr id="2" name="Tytuł 1"/>
+          <p:cNvSpPr>
+            <a:spLocks noGrp="1"/>
+          </p:cNvSpPr>
+          <p:nvPr>
+            <p:ph type="title"/>
+          </p:nvPr>
+        </p:nvSpPr>
+        <p:spPr/>
+        <p:txBody>
+          <a:bodyPr/>
+          <a:lstStyle/>
+          <a:p>
+            <a:r>
+              <a:rPr lang="pl-PL" dirty="0" smtClean="0"/>
+              <a:t>Krok iteracyjny:</a:t>
+            </a:r>
+            <a:endParaRPr lang="pl-PL" dirty="0"/>
+          </a:p>
+        </p:txBody>
+      </p:sp>
+      <mc:AlternateContent xmlns:mc="http://schemas.openxmlformats.org/markup-compatibility/2006">
+        <mc:Choice xmlns:a14="http://schemas.microsoft.com/office/drawing/2010/main" Requires="a14">
+          <p:sp>
+            <p:nvSpPr>
+              <p:cNvPr id="5" name="Prostokąt 4"/>
+              <p:cNvSpPr/>
+              <p:nvPr/>
+            </p:nvSpPr>
+            <p:spPr>
+              <a:xfrm>
+                <a:off x="2782044" y="2060848"/>
+                <a:ext cx="3066993" cy="438262"/>
+              </a:xfrm>
+              <a:prstGeom prst="rect">
+                <a:avLst/>
+              </a:prstGeom>
+            </p:spPr>
+            <p:txBody>
+              <a:bodyPr wrap="none">
+                <a:spAutoFit/>
+              </a:bodyPr>
+              <a:lstStyle/>
+              <a:p>
+                <a14:m>
+                  <m:oMathPara xmlns:m="http://schemas.openxmlformats.org/officeDocument/2006/math">
+                    <m:oMathParaPr>
+                      <m:jc m:val="centerGroup"/>
+                    </m:oMathParaPr>
+                    <m:oMath xmlns:m="http://schemas.openxmlformats.org/officeDocument/2006/math">
+                      <m:sSub>
+                        <m:sSubPr>
+                          <m:ctrlPr>
+                            <a:rPr lang="pl-PL" i="1" smtClean="0">
+                              <a:latin typeface="Cambria Math" panose="02040503050406030204" pitchFamily="18" charset="0"/>
+                              <a:ea typeface="Cambria Math" panose="02040503050406030204" pitchFamily="18" charset="0"/>
+                              <a:cs typeface="Calibri" panose="020F0502020204030204" pitchFamily="34" charset="0"/>
+                            </a:rPr>
+                          </m:ctrlPr>
+                        </m:sSubPr>
+                        <m:e>
+                          <m:r>
+                            <a:rPr lang="pl-PL" i="1">
+                              <a:latin typeface="Cambria Math" panose="02040503050406030204" pitchFamily="18" charset="0"/>
+                              <a:ea typeface="Cambria Math" panose="02040503050406030204" pitchFamily="18" charset="0"/>
+                              <a:cs typeface="Calibri" panose="020F0502020204030204" pitchFamily="34" charset="0"/>
+                            </a:rPr>
+                            <m:t>𝑥</m:t>
+                          </m:r>
+                        </m:e>
+                        <m:sub>
+                          <m:r>
+                            <a:rPr lang="pl-PL" i="1">
+                              <a:latin typeface="Cambria Math" panose="02040503050406030204" pitchFamily="18" charset="0"/>
+                              <a:ea typeface="Cambria Math" panose="02040503050406030204" pitchFamily="18" charset="0"/>
+                              <a:cs typeface="Calibri" panose="020F0502020204030204" pitchFamily="34" charset="0"/>
+                            </a:rPr>
+                            <m:t>0</m:t>
+                          </m:r>
+                        </m:sub>
+                      </m:sSub>
+                      <m:r>
+                        <a:rPr lang="pl-PL" i="1">
+                          <a:latin typeface="Cambria Math" panose="02040503050406030204" pitchFamily="18" charset="0"/>
+                          <a:ea typeface="Cambria Math" panose="02040503050406030204" pitchFamily="18" charset="0"/>
+                          <a:cs typeface="Calibri" panose="020F0502020204030204" pitchFamily="34" charset="0"/>
+                        </a:rPr>
+                        <m:t>= </m:t>
+                      </m:r>
+                      <m:sSubSup>
+                        <m:sSubSupPr>
+                          <m:ctrlPr>
+                            <a:rPr lang="pl-PL" i="1">
+                              <a:latin typeface="Cambria Math" panose="02040503050406030204" pitchFamily="18" charset="0"/>
+                              <a:ea typeface="Cambria Math" panose="02040503050406030204" pitchFamily="18" charset="0"/>
+                              <a:cs typeface="Calibri" panose="020F0502020204030204" pitchFamily="34" charset="0"/>
+                            </a:rPr>
+                          </m:ctrlPr>
+                        </m:sSubSupPr>
+                        <m:e>
+                          <m:r>
+                            <a:rPr lang="pl-PL" i="1">
+                              <a:latin typeface="Cambria Math" panose="02040503050406030204" pitchFamily="18" charset="0"/>
+                              <a:ea typeface="Cambria Math" panose="02040503050406030204" pitchFamily="18" charset="0"/>
+                              <a:cs typeface="Calibri" panose="020F0502020204030204" pitchFamily="34" charset="0"/>
+                            </a:rPr>
+                            <m:t>𝑐</m:t>
+                          </m:r>
+                        </m:e>
+                        <m:sub>
+                          <m:r>
+                            <a:rPr lang="pl-PL" i="1">
+                              <a:latin typeface="Cambria Math" panose="02040503050406030204" pitchFamily="18" charset="0"/>
+                              <a:ea typeface="Cambria Math" panose="02040503050406030204" pitchFamily="18" charset="0"/>
+                              <a:cs typeface="Calibri" panose="020F0502020204030204" pitchFamily="34" charset="0"/>
+                            </a:rPr>
+                            <m:t>1</m:t>
+                          </m:r>
+                        </m:sub>
+                        <m:sup>
+                          <m:r>
+                            <a:rPr lang="pl-PL" i="1">
+                              <a:latin typeface="Cambria Math" panose="02040503050406030204" pitchFamily="18" charset="0"/>
+                              <a:ea typeface="Cambria Math" panose="02040503050406030204" pitchFamily="18" charset="0"/>
+                              <a:cs typeface="Calibri" panose="020F0502020204030204" pitchFamily="34" charset="0"/>
+                            </a:rPr>
+                            <m:t>(0)</m:t>
+                          </m:r>
+                        </m:sup>
+                      </m:sSubSup>
+                      <m:sSup>
+                        <m:sSupPr>
+                          <m:ctrlPr>
+                            <a:rPr lang="pl-PL" i="1">
+                              <a:latin typeface="Cambria Math" panose="02040503050406030204" pitchFamily="18" charset="0"/>
+                            </a:rPr>
+                          </m:ctrlPr>
+                        </m:sSupPr>
+                        <m:e>
+                          <m:r>
+                            <a:rPr lang="pl-PL" i="1">
+                              <a:latin typeface="Cambria Math" panose="02040503050406030204" pitchFamily="18" charset="0"/>
+                            </a:rPr>
+                            <m:t>𝑣</m:t>
+                          </m:r>
+                        </m:e>
+                        <m:sup>
+                          <m:r>
+                            <a:rPr lang="pl-PL" i="1">
+                              <a:latin typeface="Cambria Math" panose="02040503050406030204" pitchFamily="18" charset="0"/>
+                            </a:rPr>
+                            <m:t>[1]</m:t>
+                          </m:r>
+                        </m:sup>
+                      </m:sSup>
+                      <m:r>
+                        <a:rPr lang="pl-PL" i="1">
+                          <a:latin typeface="Cambria Math" panose="02040503050406030204" pitchFamily="18" charset="0"/>
+                        </a:rPr>
+                        <m:t>+ …+</m:t>
+                      </m:r>
+                      <m:sSubSup>
+                        <m:sSubSupPr>
+                          <m:ctrlPr>
+                            <a:rPr lang="pl-PL" i="1">
+                              <a:latin typeface="Cambria Math" panose="02040503050406030204" pitchFamily="18" charset="0"/>
+                              <a:ea typeface="Cambria Math" panose="02040503050406030204" pitchFamily="18" charset="0"/>
+                              <a:cs typeface="Calibri" panose="020F0502020204030204" pitchFamily="34" charset="0"/>
+                            </a:rPr>
+                          </m:ctrlPr>
+                        </m:sSubSupPr>
+                        <m:e>
+                          <m:r>
+                            <a:rPr lang="pl-PL" i="1">
+                              <a:latin typeface="Cambria Math" panose="02040503050406030204" pitchFamily="18" charset="0"/>
+                              <a:ea typeface="Cambria Math" panose="02040503050406030204" pitchFamily="18" charset="0"/>
+                              <a:cs typeface="Calibri" panose="020F0502020204030204" pitchFamily="34" charset="0"/>
+                            </a:rPr>
+                            <m:t>𝑐</m:t>
+                          </m:r>
+                        </m:e>
+                        <m:sub>
+                          <m:r>
+                            <a:rPr lang="pl-PL" i="1">
+                              <a:latin typeface="Cambria Math" panose="02040503050406030204" pitchFamily="18" charset="0"/>
+                              <a:ea typeface="Cambria Math" panose="02040503050406030204" pitchFamily="18" charset="0"/>
+                              <a:cs typeface="Calibri" panose="020F0502020204030204" pitchFamily="34" charset="0"/>
+                            </a:rPr>
+                            <m:t>𝑛</m:t>
+                          </m:r>
+                        </m:sub>
+                        <m:sup>
+                          <m:r>
+                            <a:rPr lang="pl-PL" i="1">
+                              <a:latin typeface="Cambria Math" panose="02040503050406030204" pitchFamily="18" charset="0"/>
+                              <a:ea typeface="Cambria Math" panose="02040503050406030204" pitchFamily="18" charset="0"/>
+                              <a:cs typeface="Calibri" panose="020F0502020204030204" pitchFamily="34" charset="0"/>
+                            </a:rPr>
+                            <m:t>(0)</m:t>
+                          </m:r>
+                        </m:sup>
+                      </m:sSubSup>
+                      <m:sSup>
+                        <m:sSupPr>
+                          <m:ctrlPr>
+                            <a:rPr lang="pl-PL" i="1">
+                              <a:latin typeface="Cambria Math" panose="02040503050406030204" pitchFamily="18" charset="0"/>
+                            </a:rPr>
+                          </m:ctrlPr>
+                        </m:sSupPr>
+                        <m:e>
+                          <m:r>
+                            <a:rPr lang="pl-PL" i="1">
+                              <a:latin typeface="Cambria Math" panose="02040503050406030204" pitchFamily="18" charset="0"/>
+                            </a:rPr>
+                            <m:t>𝑣</m:t>
+                          </m:r>
+                        </m:e>
+                        <m:sup>
+                          <m:r>
+                            <a:rPr lang="pl-PL" i="1">
+                              <a:latin typeface="Cambria Math" panose="02040503050406030204" pitchFamily="18" charset="0"/>
+                            </a:rPr>
+                            <m:t>[</m:t>
+                          </m:r>
+                          <m:r>
+                            <a:rPr lang="pl-PL" i="1">
+                              <a:latin typeface="Cambria Math" panose="02040503050406030204" pitchFamily="18" charset="0"/>
+                            </a:rPr>
+                            <m:t>𝑛</m:t>
+                          </m:r>
+                          <m:r>
+                            <a:rPr lang="pl-PL" i="1">
+                              <a:latin typeface="Cambria Math" panose="02040503050406030204" pitchFamily="18" charset="0"/>
+                            </a:rPr>
+                            <m:t>]</m:t>
+                          </m:r>
+                        </m:sup>
+                      </m:sSup>
+                    </m:oMath>
+                  </m:oMathPara>
+                </a14:m>
+                <a:endParaRPr lang="pl-PL" dirty="0"/>
+              </a:p>
+            </p:txBody>
+          </p:sp>
+        </mc:Choice>
+        <mc:Fallback>
+          <p:sp>
+            <p:nvSpPr>
+              <p:cNvPr id="5" name="Prostokąt 4"/>
+              <p:cNvSpPr>
+                <a:spLocks noRot="1" noChangeAspect="1" noMove="1" noResize="1" noEditPoints="1" noAdjustHandles="1" noChangeArrowheads="1" noChangeShapeType="1" noTextEdit="1"/>
+              </p:cNvSpPr>
+              <p:nvPr/>
+            </p:nvSpPr>
+            <p:spPr>
+              <a:xfrm>
+                <a:off x="2782044" y="2060848"/>
+                <a:ext cx="3066993" cy="438262"/>
+              </a:xfrm>
+              <a:prstGeom prst="rect">
+                <a:avLst/>
+              </a:prstGeom>
+              <a:blipFill>
+                <a:blip r:embed="rId2"/>
+                <a:stretch>
+                  <a:fillRect b="-2778"/>
+                </a:stretch>
+              </a:blipFill>
+            </p:spPr>
+            <p:txBody>
+              <a:bodyPr/>
+              <a:lstStyle/>
+              <a:p>
+                <a:r>
+                  <a:rPr lang="pl-PL">
+                    <a:noFill/>
+                  </a:rPr>
+                  <a:t> </a:t>
+                </a:r>
+              </a:p>
+            </p:txBody>
+          </p:sp>
+        </mc:Fallback>
+      </mc:AlternateContent>
+      <mc:AlternateContent xmlns:mc="http://schemas.openxmlformats.org/markup-compatibility/2006">
+        <mc:Choice xmlns:a14="http://schemas.microsoft.com/office/drawing/2010/main" Requires="a14">
+          <p:sp>
+            <p:nvSpPr>
+              <p:cNvPr id="6" name="pole tekstowe 5"/>
+              <p:cNvSpPr txBox="1"/>
+              <p:nvPr/>
+            </p:nvSpPr>
+            <p:spPr>
+              <a:xfrm>
+                <a:off x="2854052" y="4103208"/>
+                <a:ext cx="2094997" cy="367473"/>
+              </a:xfrm>
+              <a:prstGeom prst="rect">
+                <a:avLst/>
+              </a:prstGeom>
+              <a:noFill/>
+            </p:spPr>
+            <p:txBody>
+              <a:bodyPr wrap="none" lIns="0" tIns="0" rIns="0" bIns="0" rtlCol="0">
+                <a:spAutoFit/>
+              </a:bodyPr>
+              <a:lstStyle/>
+              <a:p>
+                <a14:m>
+                  <m:oMathPara xmlns:m="http://schemas.openxmlformats.org/officeDocument/2006/math">
+                    <m:oMathParaPr>
+                      <m:jc m:val="centerGroup"/>
+                    </m:oMathParaPr>
+                    <m:oMath xmlns:m="http://schemas.openxmlformats.org/officeDocument/2006/math">
+                      <m:sSub>
+                        <m:sSubPr>
+                          <m:ctrlPr>
+                            <a:rPr lang="pl-PL" i="1" smtClean="0">
+                              <a:latin typeface="Cambria Math" panose="02040503050406030204" pitchFamily="18" charset="0"/>
+                              <a:ea typeface="Cambria Math" panose="02040503050406030204" pitchFamily="18" charset="0"/>
+                              <a:cs typeface="Calibri" panose="020F0502020204030204" pitchFamily="34" charset="0"/>
+                            </a:rPr>
+                          </m:ctrlPr>
+                        </m:sSubPr>
+                        <m:e>
+                          <m:r>
+                            <a:rPr lang="pl-PL" i="1">
+                              <a:latin typeface="Cambria Math" panose="02040503050406030204" pitchFamily="18" charset="0"/>
+                              <a:ea typeface="Cambria Math" panose="02040503050406030204" pitchFamily="18" charset="0"/>
+                              <a:cs typeface="Calibri" panose="020F0502020204030204" pitchFamily="34" charset="0"/>
+                            </a:rPr>
+                            <m:t>𝜆</m:t>
+                          </m:r>
+                        </m:e>
+                        <m:sub>
+                          <m:r>
+                            <a:rPr lang="pl-PL" i="1">
+                              <a:latin typeface="Cambria Math" panose="02040503050406030204" pitchFamily="18" charset="0"/>
+                              <a:ea typeface="Cambria Math" panose="02040503050406030204" pitchFamily="18" charset="0"/>
+                              <a:cs typeface="Calibri" panose="020F0502020204030204" pitchFamily="34" charset="0"/>
+                            </a:rPr>
+                            <m:t>𝑚</m:t>
+                          </m:r>
+                          <m:r>
+                            <a:rPr lang="pl-PL" b="0" i="1" smtClean="0">
+                              <a:latin typeface="Cambria Math" panose="02040503050406030204" pitchFamily="18" charset="0"/>
+                              <a:ea typeface="Cambria Math" panose="02040503050406030204" pitchFamily="18" charset="0"/>
+                              <a:cs typeface="Calibri" panose="020F0502020204030204" pitchFamily="34" charset="0"/>
+                            </a:rPr>
+                            <m:t>𝑖𝑛</m:t>
+                          </m:r>
+                        </m:sub>
+                      </m:sSub>
+                      <m:r>
+                        <a:rPr lang="pl-PL" b="0" i="1" smtClean="0">
+                          <a:latin typeface="Cambria Math" panose="02040503050406030204" pitchFamily="18" charset="0"/>
+                          <a:ea typeface="Cambria Math" panose="02040503050406030204" pitchFamily="18" charset="0"/>
+                        </a:rPr>
+                        <m:t>=</m:t>
+                      </m:r>
+                      <m:sSup>
+                        <m:sSupPr>
+                          <m:ctrlPr>
+                            <a:rPr lang="pl-PL" b="0" i="1" smtClean="0">
+                              <a:latin typeface="Cambria Math" panose="02040503050406030204" pitchFamily="18" charset="0"/>
+                              <a:ea typeface="Cambria Math" panose="02040503050406030204" pitchFamily="18" charset="0"/>
+                            </a:rPr>
+                          </m:ctrlPr>
+                        </m:sSupPr>
+                        <m:e>
+                          <m:d>
+                            <m:dPr>
+                              <m:ctrlPr>
+                                <a:rPr lang="pl-PL" i="1">
+                                  <a:latin typeface="Cambria Math" panose="02040503050406030204" pitchFamily="18" charset="0"/>
+                                  <a:ea typeface="Cambria Math" panose="02040503050406030204" pitchFamily="18" charset="0"/>
+                                </a:rPr>
+                              </m:ctrlPr>
+                            </m:dPr>
+                            <m:e>
+                              <m:sSup>
+                                <m:sSupPr>
+                                  <m:ctrlPr>
+                                    <a:rPr lang="pl-PL" i="1">
+                                      <a:latin typeface="Cambria Math" panose="02040503050406030204" pitchFamily="18" charset="0"/>
+                                    </a:rPr>
+                                  </m:ctrlPr>
+                                </m:sSupPr>
+                                <m:e>
+                                  <m:acc>
+                                    <m:accPr>
+                                      <m:chr m:val="̃"/>
+                                      <m:ctrlPr>
+                                        <a:rPr lang="pl-PL" i="1">
+                                          <a:latin typeface="Cambria Math" panose="02040503050406030204" pitchFamily="18" charset="0"/>
+                                        </a:rPr>
+                                      </m:ctrlPr>
+                                    </m:accPr>
+                                    <m:e>
+                                      <m:r>
+                                        <a:rPr lang="pl-PL" i="1">
+                                          <a:latin typeface="Cambria Math" panose="02040503050406030204" pitchFamily="18" charset="0"/>
+                                        </a:rPr>
+                                        <m:t>𝑥</m:t>
+                                      </m:r>
+                                    </m:e>
+                                  </m:acc>
+                                </m:e>
+                                <m:sup>
+                                  <m:r>
+                                    <a:rPr lang="pl-PL" i="1">
+                                      <a:latin typeface="Cambria Math" panose="02040503050406030204" pitchFamily="18" charset="0"/>
+                                    </a:rPr>
+                                    <m:t>(</m:t>
+                                  </m:r>
+                                  <m:r>
+                                    <a:rPr lang="pl-PL" i="1">
+                                      <a:latin typeface="Cambria Math" panose="02040503050406030204" pitchFamily="18" charset="0"/>
+                                    </a:rPr>
+                                    <m:t>𝑛</m:t>
+                                  </m:r>
+                                  <m:r>
+                                    <a:rPr lang="pl-PL" i="1">
+                                      <a:latin typeface="Cambria Math" panose="02040503050406030204" pitchFamily="18" charset="0"/>
+                                    </a:rPr>
+                                    <m:t>)</m:t>
+                                  </m:r>
+                                </m:sup>
+                              </m:sSup>
+                            </m:e>
+                          </m:d>
+                        </m:e>
+                        <m:sup>
+                          <m:r>
+                            <a:rPr lang="pl-PL" b="0" i="1" smtClean="0">
+                              <a:latin typeface="Cambria Math" panose="02040503050406030204" pitchFamily="18" charset="0"/>
+                              <a:ea typeface="Cambria Math" panose="02040503050406030204" pitchFamily="18" charset="0"/>
+                            </a:rPr>
+                            <m:t>𝑇</m:t>
+                          </m:r>
+                        </m:sup>
+                      </m:sSup>
+                      <m:r>
+                        <a:rPr lang="pl-PL" i="1">
+                          <a:latin typeface="Cambria Math" panose="02040503050406030204" pitchFamily="18" charset="0"/>
+                        </a:rPr>
+                        <m:t>𝐴</m:t>
+                      </m:r>
+                      <m:sSup>
+                        <m:sSupPr>
+                          <m:ctrlPr>
+                            <a:rPr lang="pl-PL" i="1">
+                              <a:latin typeface="Cambria Math" panose="02040503050406030204" pitchFamily="18" charset="0"/>
+                            </a:rPr>
+                          </m:ctrlPr>
+                        </m:sSupPr>
+                        <m:e>
+                          <m:acc>
+                            <m:accPr>
+                              <m:chr m:val="̃"/>
+                              <m:ctrlPr>
+                                <a:rPr lang="pl-PL" i="1">
+                                  <a:latin typeface="Cambria Math" panose="02040503050406030204" pitchFamily="18" charset="0"/>
+                                </a:rPr>
+                              </m:ctrlPr>
+                            </m:accPr>
+                            <m:e>
+                              <m:r>
+                                <a:rPr lang="pl-PL" i="1">
+                                  <a:latin typeface="Cambria Math" panose="02040503050406030204" pitchFamily="18" charset="0"/>
+                                </a:rPr>
+                                <m:t>𝑥</m:t>
+                              </m:r>
+                            </m:e>
+                          </m:acc>
+                        </m:e>
+                        <m:sup>
+                          <m:r>
+                            <a:rPr lang="pl-PL" i="1">
+                              <a:latin typeface="Cambria Math" panose="02040503050406030204" pitchFamily="18" charset="0"/>
+                            </a:rPr>
+                            <m:t>(</m:t>
+                          </m:r>
+                          <m:r>
+                            <a:rPr lang="pl-PL" i="1">
+                              <a:latin typeface="Cambria Math" panose="02040503050406030204" pitchFamily="18" charset="0"/>
+                            </a:rPr>
+                            <m:t>𝑛</m:t>
+                          </m:r>
+                          <m:r>
+                            <a:rPr lang="pl-PL" i="1">
+                              <a:latin typeface="Cambria Math" panose="02040503050406030204" pitchFamily="18" charset="0"/>
+                            </a:rPr>
+                            <m:t>)</m:t>
+                          </m:r>
+                        </m:sup>
+                      </m:sSup>
+                    </m:oMath>
+                  </m:oMathPara>
+                </a14:m>
+                <a:endParaRPr lang="pl-PL" dirty="0"/>
+              </a:p>
+            </p:txBody>
+          </p:sp>
+        </mc:Choice>
+        <mc:Fallback>
+          <p:sp>
+            <p:nvSpPr>
+              <p:cNvPr id="6" name="pole tekstowe 5"/>
+              <p:cNvSpPr txBox="1">
+                <a:spLocks noRot="1" noChangeAspect="1" noMove="1" noResize="1" noEditPoints="1" noAdjustHandles="1" noChangeArrowheads="1" noChangeShapeType="1" noTextEdit="1"/>
+              </p:cNvSpPr>
+              <p:nvPr/>
+            </p:nvSpPr>
+            <p:spPr>
+              <a:xfrm>
+                <a:off x="2854052" y="4103208"/>
+                <a:ext cx="2094997" cy="367473"/>
+              </a:xfrm>
+              <a:prstGeom prst="rect">
+                <a:avLst/>
+              </a:prstGeom>
+              <a:blipFill>
+                <a:blip r:embed="rId3"/>
+                <a:stretch>
+                  <a:fillRect l="-2035" r="-1744" b="-11667"/>
+                </a:stretch>
+              </a:blipFill>
+            </p:spPr>
+            <p:txBody>
+              <a:bodyPr/>
+              <a:lstStyle/>
+              <a:p>
+                <a:r>
+                  <a:rPr lang="pl-PL">
+                    <a:noFill/>
+                  </a:rPr>
+                  <a:t> </a:t>
+                </a:r>
+              </a:p>
+            </p:txBody>
+          </p:sp>
+        </mc:Fallback>
+      </mc:AlternateContent>
+      <mc:AlternateContent xmlns:mc="http://schemas.openxmlformats.org/markup-compatibility/2006">
+        <mc:Choice xmlns:a14="http://schemas.microsoft.com/office/drawing/2010/main" Requires="a14">
+          <p:sp>
+            <p:nvSpPr>
+              <p:cNvPr id="7" name="pole tekstowe 6"/>
+              <p:cNvSpPr txBox="1"/>
+              <p:nvPr/>
+            </p:nvSpPr>
+            <p:spPr>
+              <a:xfrm>
+                <a:off x="2782044" y="2771596"/>
+                <a:ext cx="1668405" cy="1025665"/>
+              </a:xfrm>
+              <a:prstGeom prst="rect">
+                <a:avLst/>
+              </a:prstGeom>
+              <a:noFill/>
+            </p:spPr>
+            <p:txBody>
+              <a:bodyPr wrap="none" lIns="0" tIns="0" rIns="0" bIns="0" rtlCol="0">
+                <a:spAutoFit/>
+              </a:bodyPr>
+              <a:lstStyle/>
+              <a:p>
+                <a14:m>
+                  <m:oMathPara xmlns:m="http://schemas.openxmlformats.org/officeDocument/2006/math">
+                    <m:oMathParaPr>
+                      <m:jc m:val="centerGroup"/>
+                    </m:oMathParaPr>
+                    <m:oMath xmlns:m="http://schemas.openxmlformats.org/officeDocument/2006/math">
+                      <m:d>
+                        <m:dPr>
+                          <m:begChr m:val="{"/>
+                          <m:endChr m:val=""/>
+                          <m:ctrlPr>
+                            <a:rPr lang="pl-PL" i="1" smtClean="0">
+                              <a:latin typeface="Cambria Math" panose="02040503050406030204" pitchFamily="18" charset="0"/>
+                            </a:rPr>
+                          </m:ctrlPr>
+                        </m:dPr>
+                        <m:e>
+                          <m:eqArr>
+                            <m:eqArrPr>
+                              <m:ctrlPr>
+                                <a:rPr lang="pl-PL" i="1" smtClean="0">
+                                  <a:latin typeface="Cambria Math" panose="02040503050406030204" pitchFamily="18" charset="0"/>
+                                </a:rPr>
+                              </m:ctrlPr>
+                            </m:eqArrPr>
+                            <m:e>
+                              <m:sSup>
+                                <m:sSupPr>
+                                  <m:ctrlPr>
+                                    <a:rPr lang="pl-PL" i="1">
+                                      <a:latin typeface="Cambria Math" panose="02040503050406030204" pitchFamily="18" charset="0"/>
+                                    </a:rPr>
+                                  </m:ctrlPr>
+                                </m:sSupPr>
+                                <m:e>
+                                  <m:acc>
+                                    <m:accPr>
+                                      <m:chr m:val="̃"/>
+                                      <m:ctrlPr>
+                                        <a:rPr lang="pl-PL" i="1">
+                                          <a:latin typeface="Cambria Math" panose="02040503050406030204" pitchFamily="18" charset="0"/>
+                                        </a:rPr>
+                                      </m:ctrlPr>
+                                    </m:accPr>
+                                    <m:e>
+                                      <m:r>
+                                        <a:rPr lang="pl-PL" i="1">
+                                          <a:latin typeface="Cambria Math" panose="02040503050406030204" pitchFamily="18" charset="0"/>
+                                        </a:rPr>
+                                        <m:t>𝑥</m:t>
+                                      </m:r>
+                                    </m:e>
+                                  </m:acc>
+                                </m:e>
+                                <m:sup>
+                                  <m:r>
+                                    <a:rPr lang="pl-PL" i="1">
+                                      <a:latin typeface="Cambria Math" panose="02040503050406030204" pitchFamily="18" charset="0"/>
+                                    </a:rPr>
+                                    <m:t>(</m:t>
+                                  </m:r>
+                                  <m:r>
+                                    <a:rPr lang="pl-PL" i="1">
+                                      <a:latin typeface="Cambria Math" panose="02040503050406030204" pitchFamily="18" charset="0"/>
+                                    </a:rPr>
+                                    <m:t>𝑘</m:t>
+                                  </m:r>
+                                  <m:r>
+                                    <a:rPr lang="pl-PL" i="1">
+                                      <a:latin typeface="Cambria Math" panose="02040503050406030204" pitchFamily="18" charset="0"/>
+                                    </a:rPr>
+                                    <m:t>)</m:t>
+                                  </m:r>
+                                </m:sup>
+                              </m:sSup>
+                              <m:r>
+                                <a:rPr lang="pl-PL">
+                                  <a:latin typeface="Cambria Math" panose="02040503050406030204" pitchFamily="18" charset="0"/>
+                                </a:rPr>
+                                <m:t>=</m:t>
+                              </m:r>
+                              <m:f>
+                                <m:fPr>
+                                  <m:ctrlPr>
+                                    <a:rPr lang="pl-PL" i="1">
+                                      <a:latin typeface="Cambria Math" panose="02040503050406030204" pitchFamily="18" charset="0"/>
+                                    </a:rPr>
+                                  </m:ctrlPr>
+                                </m:fPr>
+                                <m:num>
+                                  <m:sSup>
+                                    <m:sSupPr>
+                                      <m:ctrlPr>
+                                        <a:rPr lang="pl-PL" i="1">
+                                          <a:latin typeface="Cambria Math" panose="02040503050406030204" pitchFamily="18" charset="0"/>
+                                        </a:rPr>
+                                      </m:ctrlPr>
+                                    </m:sSupPr>
+                                    <m:e>
+                                      <m:r>
+                                        <a:rPr lang="pl-PL" i="1">
+                                          <a:latin typeface="Cambria Math" panose="02040503050406030204" pitchFamily="18" charset="0"/>
+                                        </a:rPr>
+                                        <m:t>𝑥</m:t>
+                                      </m:r>
+                                    </m:e>
+                                    <m:sup>
+                                      <m:r>
+                                        <a:rPr lang="pl-PL" i="1">
+                                          <a:latin typeface="Cambria Math" panose="02040503050406030204" pitchFamily="18" charset="0"/>
+                                        </a:rPr>
+                                        <m:t>(</m:t>
+                                      </m:r>
+                                      <m:r>
+                                        <a:rPr lang="pl-PL" i="1">
+                                          <a:latin typeface="Cambria Math" panose="02040503050406030204" pitchFamily="18" charset="0"/>
+                                        </a:rPr>
+                                        <m:t>𝑘</m:t>
+                                      </m:r>
+                                      <m:r>
+                                        <a:rPr lang="pl-PL" i="1">
+                                          <a:latin typeface="Cambria Math" panose="02040503050406030204" pitchFamily="18" charset="0"/>
+                                        </a:rPr>
+                                        <m:t>)</m:t>
+                                      </m:r>
+                                    </m:sup>
+                                  </m:sSup>
+                                </m:num>
+                                <m:den>
+                                  <m:d>
+                                    <m:dPr>
+                                      <m:begChr m:val="‖"/>
+                                      <m:endChr m:val="‖"/>
+                                      <m:ctrlPr>
+                                        <a:rPr lang="pl-PL" i="1">
+                                          <a:latin typeface="Cambria Math" panose="02040503050406030204" pitchFamily="18" charset="0"/>
+                                        </a:rPr>
+                                      </m:ctrlPr>
+                                    </m:dPr>
+                                    <m:e>
+                                      <m:sSup>
+                                        <m:sSupPr>
+                                          <m:ctrlPr>
+                                            <a:rPr lang="pl-PL" i="1">
+                                              <a:latin typeface="Cambria Math" panose="02040503050406030204" pitchFamily="18" charset="0"/>
+                                            </a:rPr>
+                                          </m:ctrlPr>
+                                        </m:sSupPr>
+                                        <m:e>
+                                          <m:r>
+                                            <a:rPr lang="pl-PL" i="1">
+                                              <a:latin typeface="Cambria Math" panose="02040503050406030204" pitchFamily="18" charset="0"/>
+                                            </a:rPr>
+                                            <m:t>𝑥</m:t>
+                                          </m:r>
+                                        </m:e>
+                                        <m:sup>
+                                          <m:r>
+                                            <a:rPr lang="pl-PL" i="1">
+                                              <a:latin typeface="Cambria Math" panose="02040503050406030204" pitchFamily="18" charset="0"/>
+                                            </a:rPr>
+                                            <m:t>(</m:t>
+                                          </m:r>
+                                          <m:r>
+                                            <a:rPr lang="pl-PL" i="1">
+                                              <a:latin typeface="Cambria Math" panose="02040503050406030204" pitchFamily="18" charset="0"/>
+                                            </a:rPr>
+                                            <m:t>𝑘</m:t>
+                                          </m:r>
+                                          <m:r>
+                                            <a:rPr lang="pl-PL" i="1">
+                                              <a:latin typeface="Cambria Math" panose="02040503050406030204" pitchFamily="18" charset="0"/>
+                                            </a:rPr>
+                                            <m:t>)</m:t>
+                                          </m:r>
+                                        </m:sup>
+                                      </m:sSup>
+                                    </m:e>
+                                  </m:d>
+                                </m:den>
+                              </m:f>
+                            </m:e>
+                            <m:e>
+                              <m:sSup>
+                                <m:sSupPr>
+                                  <m:ctrlPr>
+                                    <a:rPr lang="pl-PL" i="1">
+                                      <a:latin typeface="Cambria Math" panose="02040503050406030204" pitchFamily="18" charset="0"/>
+                                    </a:rPr>
+                                  </m:ctrlPr>
+                                </m:sSupPr>
+                                <m:e>
+                                  <m:r>
+                                    <a:rPr lang="pl-PL" b="0" i="1" smtClean="0">
+                                      <a:latin typeface="Cambria Math" panose="02040503050406030204" pitchFamily="18" charset="0"/>
+                                    </a:rPr>
+                                    <m:t>𝐴</m:t>
+                                  </m:r>
+                                  <m:r>
+                                    <a:rPr lang="pl-PL" i="1">
+                                      <a:latin typeface="Cambria Math" panose="02040503050406030204" pitchFamily="18" charset="0"/>
+                                    </a:rPr>
+                                    <m:t>𝑥</m:t>
+                                  </m:r>
+                                </m:e>
+                                <m:sup>
+                                  <m:r>
+                                    <a:rPr lang="pl-PL" i="1">
+                                      <a:latin typeface="Cambria Math" panose="02040503050406030204" pitchFamily="18" charset="0"/>
+                                    </a:rPr>
+                                    <m:t>(</m:t>
+                                  </m:r>
+                                  <m:r>
+                                    <a:rPr lang="pl-PL" i="1">
+                                      <a:latin typeface="Cambria Math" panose="02040503050406030204" pitchFamily="18" charset="0"/>
+                                    </a:rPr>
+                                    <m:t>𝑘</m:t>
+                                  </m:r>
+                                  <m:r>
+                                    <a:rPr lang="pl-PL" i="1">
+                                      <a:latin typeface="Cambria Math" panose="02040503050406030204" pitchFamily="18" charset="0"/>
+                                    </a:rPr>
+                                    <m:t>+1</m:t>
+                                  </m:r>
+                                  <m:r>
+                                    <a:rPr lang="pl-PL" i="1">
+                                      <a:latin typeface="Cambria Math" panose="02040503050406030204" pitchFamily="18" charset="0"/>
+                                    </a:rPr>
+                                    <m:t>)</m:t>
+                                  </m:r>
+                                </m:sup>
+                              </m:sSup>
+                              <m:r>
+                                <a:rPr lang="pl-PL">
+                                  <a:latin typeface="Cambria Math" panose="02040503050406030204" pitchFamily="18" charset="0"/>
+                                </a:rPr>
+                                <m:t>=</m:t>
+                              </m:r>
+                              <m:sSup>
+                                <m:sSupPr>
+                                  <m:ctrlPr>
+                                    <a:rPr lang="pl-PL" i="1">
+                                      <a:latin typeface="Cambria Math" panose="02040503050406030204" pitchFamily="18" charset="0"/>
+                                    </a:rPr>
+                                  </m:ctrlPr>
+                                </m:sSupPr>
+                                <m:e>
+                                  <m:acc>
+                                    <m:accPr>
+                                      <m:chr m:val="̃"/>
+                                      <m:ctrlPr>
+                                        <a:rPr lang="pl-PL" i="1">
+                                          <a:latin typeface="Cambria Math" panose="02040503050406030204" pitchFamily="18" charset="0"/>
+                                        </a:rPr>
+                                      </m:ctrlPr>
+                                    </m:accPr>
+                                    <m:e>
+                                      <m:r>
+                                        <a:rPr lang="pl-PL" i="1">
+                                          <a:latin typeface="Cambria Math" panose="02040503050406030204" pitchFamily="18" charset="0"/>
+                                        </a:rPr>
+                                        <m:t>𝑥</m:t>
+                                      </m:r>
+                                    </m:e>
+                                  </m:acc>
+                                </m:e>
+                                <m:sup>
+                                  <m:r>
+                                    <a:rPr lang="pl-PL" i="1">
+                                      <a:latin typeface="Cambria Math" panose="02040503050406030204" pitchFamily="18" charset="0"/>
+                                    </a:rPr>
+                                    <m:t>(</m:t>
+                                  </m:r>
+                                  <m:r>
+                                    <a:rPr lang="pl-PL" i="1">
+                                      <a:latin typeface="Cambria Math" panose="02040503050406030204" pitchFamily="18" charset="0"/>
+                                    </a:rPr>
+                                    <m:t>𝑘</m:t>
+                                  </m:r>
+                                  <m:r>
+                                    <a:rPr lang="pl-PL" i="1">
+                                      <a:latin typeface="Cambria Math" panose="02040503050406030204" pitchFamily="18" charset="0"/>
+                                    </a:rPr>
+                                    <m:t>)</m:t>
+                                  </m:r>
+                                </m:sup>
+                              </m:sSup>
+                            </m:e>
+                          </m:eqArr>
+                        </m:e>
+                      </m:d>
+                    </m:oMath>
+                  </m:oMathPara>
+                </a14:m>
+                <a:endParaRPr lang="pl-PL" dirty="0"/>
+              </a:p>
+            </p:txBody>
+          </p:sp>
+        </mc:Choice>
+        <mc:Fallback>
+          <p:sp>
+            <p:nvSpPr>
+              <p:cNvPr id="7" name="pole tekstowe 6"/>
+              <p:cNvSpPr txBox="1">
+                <a:spLocks noRot="1" noChangeAspect="1" noMove="1" noResize="1" noEditPoints="1" noAdjustHandles="1" noChangeArrowheads="1" noChangeShapeType="1" noTextEdit="1"/>
+              </p:cNvSpPr>
+              <p:nvPr/>
+            </p:nvSpPr>
+            <p:spPr>
+              <a:xfrm>
+                <a:off x="2782044" y="2771596"/>
+                <a:ext cx="1668405" cy="1025665"/>
+              </a:xfrm>
+              <a:prstGeom prst="rect">
+                <a:avLst/>
+              </a:prstGeom>
+              <a:blipFill>
+                <a:blip r:embed="rId4"/>
+                <a:stretch>
+                  <a:fillRect/>
+                </a:stretch>
+              </a:blipFill>
+            </p:spPr>
+            <p:txBody>
+              <a:bodyPr/>
+              <a:lstStyle/>
+              <a:p>
+                <a:r>
+                  <a:rPr lang="pl-PL">
+                    <a:noFill/>
+                  </a:rPr>
+                  <a:t> </a:t>
+                </a:r>
+              </a:p>
+            </p:txBody>
+          </p:sp>
+        </mc:Fallback>
+      </mc:AlternateContent>
+      <p:sp>
+        <p:nvSpPr>
+          <p:cNvPr id="3" name="pole tekstowe 2"/>
+          <p:cNvSpPr txBox="1"/>
+          <p:nvPr/>
+        </p:nvSpPr>
+        <p:spPr>
+          <a:xfrm>
+            <a:off x="1621893" y="5229200"/>
+            <a:ext cx="8454288" cy="923330"/>
+          </a:xfrm>
+          <a:prstGeom prst="rect">
+            <a:avLst/>
+          </a:prstGeom>
+          <a:noFill/>
+        </p:spPr>
+        <p:txBody>
+          <a:bodyPr wrap="square" rtlCol="0">
+            <a:spAutoFit/>
+          </a:bodyPr>
+          <a:lstStyle/>
+          <a:p>
+            <a:r>
+              <a:rPr lang="pl-PL" dirty="0" smtClean="0"/>
+              <a:t>Do rozwiązywania układów równań liniowych wykorzystujemy metody oparte na rozkładach macierzy na czynniki lub przekształceniach ortogonalnych takich jak na przykład transformacje </a:t>
+            </a:r>
+            <a:r>
+              <a:rPr lang="pl-PL" dirty="0" err="1" smtClean="0"/>
+              <a:t>Householdera</a:t>
+            </a:r>
+            <a:r>
+              <a:rPr lang="pl-PL" dirty="0" smtClean="0"/>
+              <a:t>.</a:t>
+            </a:r>
+            <a:endParaRPr lang="pl-PL" dirty="0"/>
+          </a:p>
+        </p:txBody>
+      </p:sp>
+    </p:spTree>
+    <p:extLst>
+      <p:ext uri="{BB962C8B-B14F-4D97-AF65-F5344CB8AC3E}">
+        <p14:creationId xmlns:p14="http://schemas.microsoft.com/office/powerpoint/2010/main" val="3817078349"/>
+      </p:ext>
+    </p:extLst>
+  </p:cSld>
+  <p:clrMapOvr>
+    <a:masterClrMapping/>
+  </p:clrMapOvr>
+  <mc:AlternateContent xmlns:mc="http://schemas.openxmlformats.org/markup-compatibility/2006" xmlns:p14="http://schemas.microsoft.com/office/powerpoint/2010/main">
+    <mc:Choice Requires="p14">
+      <p:transition spd="med" p14:dur="700">
+        <p:fade/>
+      </p:transition>
+    </mc:Choice>
+    <mc:Fallback xmlns="">
+      <p:transition spd="med">
+        <p:fade/>
+      </p:transition>
+    </mc:Fallback>
+  </mc:AlternateContent>
+</p:sld>
+</file>
+
+<file path=ppt/slides/slide12.xml><?xml version="1.0" encoding="utf-8"?>
+<p:sld xmlns:a="http://schemas.openxmlformats.org/drawingml/2006/main" xmlns:r="http://schemas.openxmlformats.org/officeDocument/2006/relationships" xmlns:p="http://schemas.openxmlformats.org/presentationml/2006/main">
+  <p:cSld>
+    <p:spTree>
+      <p:nvGrpSpPr>
+        <p:cNvPr id="1" name=""/>
+        <p:cNvGrpSpPr/>
+        <p:nvPr/>
+      </p:nvGrpSpPr>
+      <p:grpSpPr>
+        <a:xfrm>
+          <a:off x="0" y="0"/>
+          <a:ext cx="0" cy="0"/>
+          <a:chOff x="0" y="0"/>
+          <a:chExt cx="0" cy="0"/>
+        </a:xfrm>
+      </p:grpSpPr>
+      <p:sp>
+        <p:nvSpPr>
+          <p:cNvPr id="2" name="Tytuł 1"/>
+          <p:cNvSpPr>
+            <a:spLocks noGrp="1"/>
+          </p:cNvSpPr>
+          <p:nvPr>
+            <p:ph type="title"/>
+          </p:nvPr>
+        </p:nvSpPr>
+        <p:spPr/>
+        <p:txBody>
+          <a:bodyPr/>
+          <a:lstStyle/>
+          <a:p>
+            <a:r>
+              <a:rPr lang="pl-PL" dirty="0" smtClean="0"/>
+              <a:t>Warunek stopu:</a:t>
+            </a:r>
+            <a:endParaRPr lang="pl-PL" dirty="0"/>
+          </a:p>
+        </p:txBody>
+      </p:sp>
+      <mc:AlternateContent xmlns:mc="http://schemas.openxmlformats.org/markup-compatibility/2006">
+        <mc:Choice xmlns:a14="http://schemas.microsoft.com/office/drawing/2010/main" Requires="a14">
+          <p:sp>
+            <p:nvSpPr>
+              <p:cNvPr id="3" name="Symbol zastępczy zawartości 2"/>
+              <p:cNvSpPr>
+                <a:spLocks noGrp="1"/>
+              </p:cNvSpPr>
+              <p:nvPr>
+                <p:ph idx="1"/>
+              </p:nvPr>
+            </p:nvSpPr>
+            <p:spPr>
+              <a:xfrm>
+                <a:off x="1593436" y="1916832"/>
+                <a:ext cx="9782801" cy="2260848"/>
+              </a:xfrm>
+            </p:spPr>
+            <p:txBody>
+              <a:bodyPr>
+                <a:normAutofit/>
+              </a:bodyPr>
+              <a:lstStyle/>
+              <a:p>
+                <a:pPr marL="0" indent="0">
+                  <a:buNone/>
+                </a:pPr>
+                <a14:m>
+                  <m:oMathPara xmlns:m="http://schemas.openxmlformats.org/officeDocument/2006/math">
+                    <m:oMathParaPr>
+                      <m:jc m:val="centerGroup"/>
+                    </m:oMathParaPr>
+                    <m:oMath xmlns:m="http://schemas.openxmlformats.org/officeDocument/2006/math">
+                      <m:d>
+                        <m:dPr>
+                          <m:begChr m:val="‖"/>
+                          <m:endChr m:val="‖"/>
+                          <m:ctrlPr>
+                            <a:rPr lang="pl-PL" sz="1600" i="1" smtClean="0">
+                              <a:latin typeface="Cambria Math" panose="02040503050406030204" pitchFamily="18" charset="0"/>
+                            </a:rPr>
+                          </m:ctrlPr>
+                        </m:dPr>
+                        <m:e>
+                          <m:r>
+                            <a:rPr lang="pl-PL" sz="1600" i="1" smtClean="0">
+                              <a:latin typeface="Cambria Math" panose="02040503050406030204" pitchFamily="18" charset="0"/>
+                            </a:rPr>
+                            <m:t>𝑠</m:t>
+                          </m:r>
+                          <m:r>
+                            <a:rPr lang="pl-PL" sz="1600" b="0" i="1" smtClean="0">
+                              <a:latin typeface="Cambria Math" panose="02040503050406030204" pitchFamily="18" charset="0"/>
+                            </a:rPr>
+                            <m:t>𝑖𝑔𝑛</m:t>
+                          </m:r>
+                          <m:d>
+                            <m:dPr>
+                              <m:ctrlPr>
+                                <a:rPr lang="pl-PL" sz="1600" b="0" i="1" smtClean="0">
+                                  <a:latin typeface="Cambria Math" panose="02040503050406030204" pitchFamily="18" charset="0"/>
+                                </a:rPr>
+                              </m:ctrlPr>
+                            </m:dPr>
+                            <m:e>
+                              <m:sSubSup>
+                                <m:sSubSupPr>
+                                  <m:ctrlPr>
+                                    <a:rPr lang="pl-PL" sz="1600" b="0" i="1" smtClean="0">
+                                      <a:latin typeface="Cambria Math" panose="02040503050406030204" pitchFamily="18" charset="0"/>
+                                    </a:rPr>
+                                  </m:ctrlPr>
+                                </m:sSubSupPr>
+                                <m:e>
+                                  <m:acc>
+                                    <m:accPr>
+                                      <m:chr m:val="̃"/>
+                                      <m:ctrlPr>
+                                        <a:rPr lang="pl-PL" sz="1600" i="1">
+                                          <a:latin typeface="Cambria Math" panose="02040503050406030204" pitchFamily="18" charset="0"/>
+                                        </a:rPr>
+                                      </m:ctrlPr>
+                                    </m:accPr>
+                                    <m:e>
+                                      <m:r>
+                                        <a:rPr lang="pl-PL" sz="1600" i="1">
+                                          <a:latin typeface="Cambria Math" panose="02040503050406030204" pitchFamily="18" charset="0"/>
+                                        </a:rPr>
+                                        <m:t>𝑥</m:t>
+                                      </m:r>
+                                    </m:e>
+                                  </m:acc>
+                                </m:e>
+                                <m:sub>
+                                  <m:r>
+                                    <a:rPr lang="pl-PL" sz="1600" b="0" i="1" smtClean="0">
+                                      <a:latin typeface="Cambria Math" panose="02040503050406030204" pitchFamily="18" charset="0"/>
+                                    </a:rPr>
+                                    <m:t>𝑖</m:t>
+                                  </m:r>
+                                </m:sub>
+                                <m:sup>
+                                  <m:d>
+                                    <m:dPr>
+                                      <m:ctrlPr>
+                                        <a:rPr lang="pl-PL" sz="1600" b="0" i="1" smtClean="0">
+                                          <a:latin typeface="Cambria Math" panose="02040503050406030204" pitchFamily="18" charset="0"/>
+                                        </a:rPr>
+                                      </m:ctrlPr>
+                                    </m:dPr>
+                                    <m:e>
+                                      <m:r>
+                                        <a:rPr lang="pl-PL" sz="1600" b="0" i="1" smtClean="0">
+                                          <a:latin typeface="Cambria Math" panose="02040503050406030204" pitchFamily="18" charset="0"/>
+                                        </a:rPr>
+                                        <m:t>𝑘</m:t>
+                                      </m:r>
+                                      <m:r>
+                                        <a:rPr lang="pl-PL" sz="1600" b="0" i="1" smtClean="0">
+                                          <a:latin typeface="Cambria Math" panose="02040503050406030204" pitchFamily="18" charset="0"/>
+                                        </a:rPr>
+                                        <m:t>+1</m:t>
+                                      </m:r>
+                                    </m:e>
+                                  </m:d>
+                                </m:sup>
+                              </m:sSubSup>
+                            </m:e>
+                          </m:d>
+                          <m:r>
+                            <a:rPr lang="pl-PL" sz="1600" b="0" i="1" smtClean="0">
+                              <a:latin typeface="Cambria Math" panose="02040503050406030204" pitchFamily="18" charset="0"/>
+                              <a:ea typeface="Cambria Math" panose="02040503050406030204" pitchFamily="18" charset="0"/>
+                            </a:rPr>
+                            <m:t>∙</m:t>
+                          </m:r>
+                          <m:sSup>
+                            <m:sSupPr>
+                              <m:ctrlPr>
+                                <a:rPr lang="pl-PL" sz="1600" i="1">
+                                  <a:latin typeface="Cambria Math" panose="02040503050406030204" pitchFamily="18" charset="0"/>
+                                </a:rPr>
+                              </m:ctrlPr>
+                            </m:sSupPr>
+                            <m:e>
+                              <m:acc>
+                                <m:accPr>
+                                  <m:chr m:val="̃"/>
+                                  <m:ctrlPr>
+                                    <a:rPr lang="pl-PL" sz="1600" i="1">
+                                      <a:latin typeface="Cambria Math" panose="02040503050406030204" pitchFamily="18" charset="0"/>
+                                    </a:rPr>
+                                  </m:ctrlPr>
+                                </m:accPr>
+                                <m:e>
+                                  <m:r>
+                                    <a:rPr lang="pl-PL" sz="1600" i="1">
+                                      <a:latin typeface="Cambria Math" panose="02040503050406030204" pitchFamily="18" charset="0"/>
+                                    </a:rPr>
+                                    <m:t>𝑥</m:t>
+                                  </m:r>
+                                </m:e>
+                              </m:acc>
+                            </m:e>
+                            <m:sup>
+                              <m:r>
+                                <a:rPr lang="pl-PL" sz="1600" i="1">
+                                  <a:latin typeface="Cambria Math" panose="02040503050406030204" pitchFamily="18" charset="0"/>
+                                </a:rPr>
+                                <m:t>(</m:t>
+                              </m:r>
+                              <m:r>
+                                <a:rPr lang="pl-PL" sz="1600" i="1">
+                                  <a:latin typeface="Cambria Math" panose="02040503050406030204" pitchFamily="18" charset="0"/>
+                                </a:rPr>
+                                <m:t>𝑘</m:t>
+                              </m:r>
+                              <m:r>
+                                <a:rPr lang="pl-PL" sz="1600" b="0" i="1" smtClean="0">
+                                  <a:latin typeface="Cambria Math" panose="02040503050406030204" pitchFamily="18" charset="0"/>
+                                </a:rPr>
+                                <m:t>+1</m:t>
+                              </m:r>
+                              <m:r>
+                                <a:rPr lang="pl-PL" sz="1600" i="1">
+                                  <a:latin typeface="Cambria Math" panose="02040503050406030204" pitchFamily="18" charset="0"/>
+                                </a:rPr>
+                                <m:t>)</m:t>
+                              </m:r>
+                            </m:sup>
+                          </m:sSup>
+                          <m:r>
+                            <a:rPr lang="pl-PL" sz="1600" b="0" i="1" smtClean="0">
+                              <a:latin typeface="Cambria Math" panose="02040503050406030204" pitchFamily="18" charset="0"/>
+                            </a:rPr>
+                            <m:t>−</m:t>
+                          </m:r>
+                          <m:r>
+                            <a:rPr lang="pl-PL" sz="1600" i="1">
+                              <a:latin typeface="Cambria Math" panose="02040503050406030204" pitchFamily="18" charset="0"/>
+                            </a:rPr>
+                            <m:t>𝑠𝑖𝑔𝑛</m:t>
+                          </m:r>
+                          <m:d>
+                            <m:dPr>
+                              <m:ctrlPr>
+                                <a:rPr lang="pl-PL" sz="1600" i="1">
+                                  <a:latin typeface="Cambria Math" panose="02040503050406030204" pitchFamily="18" charset="0"/>
+                                </a:rPr>
+                              </m:ctrlPr>
+                            </m:dPr>
+                            <m:e>
+                              <m:sSubSup>
+                                <m:sSubSupPr>
+                                  <m:ctrlPr>
+                                    <a:rPr lang="pl-PL" sz="1600" i="1">
+                                      <a:latin typeface="Cambria Math" panose="02040503050406030204" pitchFamily="18" charset="0"/>
+                                    </a:rPr>
+                                  </m:ctrlPr>
+                                </m:sSubSupPr>
+                                <m:e>
+                                  <m:acc>
+                                    <m:accPr>
+                                      <m:chr m:val="̃"/>
+                                      <m:ctrlPr>
+                                        <a:rPr lang="pl-PL" sz="1600" i="1">
+                                          <a:latin typeface="Cambria Math" panose="02040503050406030204" pitchFamily="18" charset="0"/>
+                                        </a:rPr>
+                                      </m:ctrlPr>
+                                    </m:accPr>
+                                    <m:e>
+                                      <m:r>
+                                        <a:rPr lang="pl-PL" sz="1600" i="1">
+                                          <a:latin typeface="Cambria Math" panose="02040503050406030204" pitchFamily="18" charset="0"/>
+                                        </a:rPr>
+                                        <m:t>𝑥</m:t>
+                                      </m:r>
+                                    </m:e>
+                                  </m:acc>
+                                </m:e>
+                                <m:sub>
+                                  <m:r>
+                                    <a:rPr lang="pl-PL" sz="1600" i="1">
+                                      <a:latin typeface="Cambria Math" panose="02040503050406030204" pitchFamily="18" charset="0"/>
+                                    </a:rPr>
+                                    <m:t>𝑖</m:t>
+                                  </m:r>
+                                </m:sub>
+                                <m:sup>
+                                  <m:d>
+                                    <m:dPr>
+                                      <m:ctrlPr>
+                                        <a:rPr lang="pl-PL" sz="1600" i="1">
+                                          <a:latin typeface="Cambria Math" panose="02040503050406030204" pitchFamily="18" charset="0"/>
+                                        </a:rPr>
+                                      </m:ctrlPr>
+                                    </m:dPr>
+                                    <m:e>
+                                      <m:r>
+                                        <a:rPr lang="pl-PL" sz="1600" i="1">
+                                          <a:latin typeface="Cambria Math" panose="02040503050406030204" pitchFamily="18" charset="0"/>
+                                        </a:rPr>
+                                        <m:t>𝑘</m:t>
+                                      </m:r>
+                                    </m:e>
+                                  </m:d>
+                                </m:sup>
+                              </m:sSubSup>
+                            </m:e>
+                          </m:d>
+                          <m:r>
+                            <a:rPr lang="pl-PL" sz="1600" i="1">
+                              <a:latin typeface="Cambria Math" panose="02040503050406030204" pitchFamily="18" charset="0"/>
+                              <a:ea typeface="Cambria Math" panose="02040503050406030204" pitchFamily="18" charset="0"/>
+                            </a:rPr>
+                            <m:t>∙</m:t>
+                          </m:r>
+                          <m:sSup>
+                            <m:sSupPr>
+                              <m:ctrlPr>
+                                <a:rPr lang="pl-PL" sz="1600" i="1">
+                                  <a:latin typeface="Cambria Math" panose="02040503050406030204" pitchFamily="18" charset="0"/>
+                                </a:rPr>
+                              </m:ctrlPr>
+                            </m:sSupPr>
+                            <m:e>
+                              <m:acc>
+                                <m:accPr>
+                                  <m:chr m:val="̃"/>
+                                  <m:ctrlPr>
+                                    <a:rPr lang="pl-PL" sz="1600" i="1">
+                                      <a:latin typeface="Cambria Math" panose="02040503050406030204" pitchFamily="18" charset="0"/>
+                                    </a:rPr>
+                                  </m:ctrlPr>
+                                </m:accPr>
+                                <m:e>
+                                  <m:r>
+                                    <a:rPr lang="pl-PL" sz="1600" i="1">
+                                      <a:latin typeface="Cambria Math" panose="02040503050406030204" pitchFamily="18" charset="0"/>
+                                    </a:rPr>
+                                    <m:t>𝑥</m:t>
+                                  </m:r>
+                                </m:e>
+                              </m:acc>
+                            </m:e>
+                            <m:sup>
+                              <m:r>
+                                <a:rPr lang="pl-PL" sz="1600" i="1">
+                                  <a:latin typeface="Cambria Math" panose="02040503050406030204" pitchFamily="18" charset="0"/>
+                                </a:rPr>
+                                <m:t>(</m:t>
+                              </m:r>
+                              <m:r>
+                                <a:rPr lang="pl-PL" sz="1600" i="1">
+                                  <a:latin typeface="Cambria Math" panose="02040503050406030204" pitchFamily="18" charset="0"/>
+                                </a:rPr>
+                                <m:t>𝑘</m:t>
+                              </m:r>
+                              <m:r>
+                                <a:rPr lang="pl-PL" sz="1600" i="1">
+                                  <a:latin typeface="Cambria Math" panose="02040503050406030204" pitchFamily="18" charset="0"/>
+                                </a:rPr>
+                                <m:t>)</m:t>
+                              </m:r>
+                            </m:sup>
+                          </m:sSup>
+                        </m:e>
+                      </m:d>
+                      <m:r>
+                        <a:rPr lang="pl-PL" sz="1600" b="0" i="1" smtClean="0">
+                          <a:latin typeface="Cambria Math" panose="02040503050406030204" pitchFamily="18" charset="0"/>
+                        </a:rPr>
+                        <m:t>&lt;</m:t>
+                      </m:r>
+                      <m:r>
+                        <a:rPr lang="pl-PL" sz="1600" b="0" i="1" smtClean="0">
+                          <a:latin typeface="Cambria Math" panose="02040503050406030204" pitchFamily="18" charset="0"/>
+                        </a:rPr>
+                        <m:t>𝑑</m:t>
+                      </m:r>
+                    </m:oMath>
+                  </m:oMathPara>
+                </a14:m>
+                <a:endParaRPr lang="pl-PL" sz="1600" dirty="0" smtClean="0"/>
+              </a:p>
+              <a:p>
+                <a:pPr marL="0" indent="0">
+                  <a:buNone/>
+                </a:pPr>
+                <a:r>
+                  <a:rPr lang="pl-PL" sz="1600" dirty="0"/>
+                  <a:t>g</a:t>
+                </a:r>
+                <a:r>
+                  <a:rPr lang="pl-PL" sz="1600" dirty="0" smtClean="0"/>
+                  <a:t>dzie:</a:t>
+                </a:r>
+              </a:p>
+              <a:p>
+                <a:pPr marL="0" indent="0">
+                  <a:buNone/>
+                </a:pPr>
+                <a14:m>
+                  <m:oMathPara xmlns:m="http://schemas.openxmlformats.org/officeDocument/2006/math">
+                    <m:oMathParaPr>
+                      <m:jc m:val="left"/>
+                    </m:oMathParaPr>
+                    <m:oMath xmlns:m="http://schemas.openxmlformats.org/officeDocument/2006/math">
+                      <m:r>
+                        <a:rPr lang="pl-PL" sz="1600" i="1">
+                          <a:latin typeface="Cambria Math" panose="02040503050406030204" pitchFamily="18" charset="0"/>
+                        </a:rPr>
+                        <m:t>𝑠𝑖𝑔𝑛</m:t>
+                      </m:r>
+                      <m:d>
+                        <m:dPr>
+                          <m:ctrlPr>
+                            <a:rPr lang="pl-PL" sz="1600" b="0" i="1" smtClean="0">
+                              <a:latin typeface="Cambria Math" panose="02040503050406030204" pitchFamily="18" charset="0"/>
+                            </a:rPr>
+                          </m:ctrlPr>
+                        </m:dPr>
+                        <m:e>
+                          <m:r>
+                            <a:rPr lang="pl-PL" sz="1600" b="0" i="1" smtClean="0">
+                              <a:latin typeface="Cambria Math" panose="02040503050406030204" pitchFamily="18" charset="0"/>
+                            </a:rPr>
+                            <m:t>𝑥</m:t>
+                          </m:r>
+                        </m:e>
+                      </m:d>
+                      <m:r>
+                        <a:rPr lang="pl-PL" sz="1600" b="0" i="1" smtClean="0">
+                          <a:latin typeface="Cambria Math" panose="02040503050406030204" pitchFamily="18" charset="0"/>
+                        </a:rPr>
+                        <m:t>= </m:t>
+                      </m:r>
+                      <m:d>
+                        <m:dPr>
+                          <m:begChr m:val="{"/>
+                          <m:endChr m:val=""/>
+                          <m:ctrlPr>
+                            <a:rPr lang="pl-PL" sz="1600" b="0" i="1" smtClean="0">
+                              <a:latin typeface="Cambria Math" panose="02040503050406030204" pitchFamily="18" charset="0"/>
+                            </a:rPr>
+                          </m:ctrlPr>
+                        </m:dPr>
+                        <m:e>
+                          <m:eqArr>
+                            <m:eqArrPr>
+                              <m:ctrlPr>
+                                <a:rPr lang="pl-PL" sz="1600" b="0" i="1" smtClean="0">
+                                  <a:latin typeface="Cambria Math" panose="02040503050406030204" pitchFamily="18" charset="0"/>
+                                </a:rPr>
+                              </m:ctrlPr>
+                            </m:eqArrPr>
+                            <m:e>
+                              <m:r>
+                                <a:rPr lang="pl-PL" sz="1600" b="0" i="1" smtClean="0">
+                                  <a:latin typeface="Cambria Math" panose="02040503050406030204" pitchFamily="18" charset="0"/>
+                                </a:rPr>
+                                <m:t>   1,  </m:t>
+                              </m:r>
+                              <m:r>
+                                <a:rPr lang="pl-PL" sz="1600" b="0" i="1" smtClean="0">
+                                  <a:latin typeface="Cambria Math" panose="02040503050406030204" pitchFamily="18" charset="0"/>
+                                </a:rPr>
+                                <m:t>𝑥</m:t>
+                              </m:r>
+                              <m:r>
+                                <a:rPr lang="pl-PL" sz="1600" b="0" i="1" smtClean="0">
+                                  <a:latin typeface="Cambria Math" panose="02040503050406030204" pitchFamily="18" charset="0"/>
+                                </a:rPr>
+                                <m:t>≥0</m:t>
+                              </m:r>
+                            </m:e>
+                            <m:e>
+                              <m:r>
+                                <a:rPr lang="pl-PL" sz="1600" b="0" i="1" smtClean="0">
+                                  <a:latin typeface="Cambria Math" panose="02040503050406030204" pitchFamily="18" charset="0"/>
+                                </a:rPr>
+                                <m:t>−1,  </m:t>
+                              </m:r>
+                              <m:r>
+                                <a:rPr lang="pl-PL" sz="1600" i="1">
+                                  <a:latin typeface="Cambria Math" panose="02040503050406030204" pitchFamily="18" charset="0"/>
+                                </a:rPr>
+                                <m:t>𝑥</m:t>
+                              </m:r>
+                              <m:r>
+                                <a:rPr lang="pl-PL" sz="1600" b="0" i="1" smtClean="0">
+                                  <a:latin typeface="Cambria Math" panose="02040503050406030204" pitchFamily="18" charset="0"/>
+                                </a:rPr>
+                                <m:t>&lt;</m:t>
+                              </m:r>
+                              <m:r>
+                                <a:rPr lang="pl-PL" sz="1600" i="1">
+                                  <a:latin typeface="Cambria Math" panose="02040503050406030204" pitchFamily="18" charset="0"/>
+                                </a:rPr>
+                                <m:t>0</m:t>
+                              </m:r>
+                            </m:e>
+                          </m:eqArr>
+                        </m:e>
+                      </m:d>
+                    </m:oMath>
+                  </m:oMathPara>
+                </a14:m>
+                <a:endParaRPr lang="pl-PL" sz="1600" dirty="0" smtClean="0"/>
+              </a:p>
+              <a:p>
+                <a:pPr marL="0" indent="0">
+                  <a:buNone/>
+                </a:pPr>
+                <a14:m>
+                  <m:oMath xmlns:m="http://schemas.openxmlformats.org/officeDocument/2006/math">
+                    <m:sSubSup>
+                      <m:sSubSupPr>
+                        <m:ctrlPr>
+                          <a:rPr lang="pl-PL" sz="1600" i="1">
+                            <a:latin typeface="Cambria Math" panose="02040503050406030204" pitchFamily="18" charset="0"/>
+                          </a:rPr>
+                        </m:ctrlPr>
+                      </m:sSubSupPr>
+                      <m:e>
+                        <m:acc>
+                          <m:accPr>
+                            <m:chr m:val="̃"/>
+                            <m:ctrlPr>
+                              <a:rPr lang="pl-PL" sz="1600" i="1">
+                                <a:latin typeface="Cambria Math" panose="02040503050406030204" pitchFamily="18" charset="0"/>
+                              </a:rPr>
+                            </m:ctrlPr>
+                          </m:accPr>
+                          <m:e>
+                            <m:r>
+                              <a:rPr lang="pl-PL" sz="1600" i="1">
+                                <a:latin typeface="Cambria Math" panose="02040503050406030204" pitchFamily="18" charset="0"/>
+                              </a:rPr>
+                              <m:t>𝑥</m:t>
+                            </m:r>
+                          </m:e>
+                        </m:acc>
+                      </m:e>
+                      <m:sub>
+                        <m:r>
+                          <a:rPr lang="pl-PL" sz="1600" i="1">
+                            <a:latin typeface="Cambria Math" panose="02040503050406030204" pitchFamily="18" charset="0"/>
+                          </a:rPr>
+                          <m:t>𝑖</m:t>
+                        </m:r>
+                      </m:sub>
+                      <m:sup>
+                        <m:d>
+                          <m:dPr>
+                            <m:ctrlPr>
+                              <a:rPr lang="pl-PL" sz="1600" i="1">
+                                <a:latin typeface="Cambria Math" panose="02040503050406030204" pitchFamily="18" charset="0"/>
+                              </a:rPr>
+                            </m:ctrlPr>
+                          </m:dPr>
+                          <m:e>
+                            <m:r>
+                              <a:rPr lang="pl-PL" sz="1600" i="1">
+                                <a:latin typeface="Cambria Math" panose="02040503050406030204" pitchFamily="18" charset="0"/>
+                              </a:rPr>
+                              <m:t>𝑘</m:t>
+                            </m:r>
+                          </m:e>
+                        </m:d>
+                      </m:sup>
+                    </m:sSubSup>
+                  </m:oMath>
+                </a14:m>
+                <a:r>
+                  <a:rPr lang="pl-PL" sz="1600" dirty="0" smtClean="0"/>
+                  <a:t>	- maksymalna co do modułu współrzędna wektora </a:t>
+                </a:r>
+                <a14:m>
+                  <m:oMath xmlns:m="http://schemas.openxmlformats.org/officeDocument/2006/math">
+                    <m:sSup>
+                      <m:sSupPr>
+                        <m:ctrlPr>
+                          <a:rPr lang="pl-PL" sz="1600" i="1">
+                            <a:latin typeface="Cambria Math" panose="02040503050406030204" pitchFamily="18" charset="0"/>
+                          </a:rPr>
+                        </m:ctrlPr>
+                      </m:sSupPr>
+                      <m:e>
+                        <m:acc>
+                          <m:accPr>
+                            <m:chr m:val="̃"/>
+                            <m:ctrlPr>
+                              <a:rPr lang="pl-PL" sz="1600" i="1">
+                                <a:latin typeface="Cambria Math" panose="02040503050406030204" pitchFamily="18" charset="0"/>
+                              </a:rPr>
+                            </m:ctrlPr>
+                          </m:accPr>
+                          <m:e>
+                            <m:r>
+                              <a:rPr lang="pl-PL" sz="1600" i="1">
+                                <a:latin typeface="Cambria Math" panose="02040503050406030204" pitchFamily="18" charset="0"/>
+                              </a:rPr>
+                              <m:t>𝑥</m:t>
+                            </m:r>
+                          </m:e>
+                        </m:acc>
+                      </m:e>
+                      <m:sup>
+                        <m:r>
+                          <a:rPr lang="pl-PL" sz="1600" i="1">
+                            <a:latin typeface="Cambria Math" panose="02040503050406030204" pitchFamily="18" charset="0"/>
+                          </a:rPr>
+                          <m:t>(</m:t>
+                        </m:r>
+                        <m:r>
+                          <a:rPr lang="pl-PL" sz="1600" i="1">
+                            <a:latin typeface="Cambria Math" panose="02040503050406030204" pitchFamily="18" charset="0"/>
+                          </a:rPr>
+                          <m:t>𝑘</m:t>
+                        </m:r>
+                        <m:r>
+                          <a:rPr lang="pl-PL" sz="1600" i="1">
+                            <a:latin typeface="Cambria Math" panose="02040503050406030204" pitchFamily="18" charset="0"/>
+                          </a:rPr>
+                          <m:t>)</m:t>
+                        </m:r>
+                      </m:sup>
+                    </m:sSup>
+                  </m:oMath>
+                </a14:m>
+                <a:endParaRPr lang="pl-PL" sz="1600" dirty="0" smtClean="0"/>
+              </a:p>
+              <a:p>
+                <a:pPr marL="0" indent="0">
+                  <a:buNone/>
+                </a:pPr>
+                <a14:m>
+                  <m:oMath xmlns:m="http://schemas.openxmlformats.org/officeDocument/2006/math">
+                    <m:r>
+                      <a:rPr lang="pl-PL" sz="1600" i="1">
+                        <a:latin typeface="Cambria Math" panose="02040503050406030204" pitchFamily="18" charset="0"/>
+                      </a:rPr>
+                      <m:t>𝑑</m:t>
+                    </m:r>
+                  </m:oMath>
+                </a14:m>
+                <a:r>
+                  <a:rPr lang="pl-PL" sz="1600" dirty="0"/>
+                  <a:t>	- parametr określający dokładność</a:t>
+                </a:r>
+              </a:p>
+              <a:p>
+                <a:pPr marL="0" indent="0">
+                  <a:buNone/>
+                </a:pPr>
+                <a:endParaRPr lang="pl-PL" sz="1600" dirty="0"/>
+              </a:p>
+            </p:txBody>
+          </p:sp>
+        </mc:Choice>
+        <mc:Fallback>
+          <p:sp>
+            <p:nvSpPr>
+              <p:cNvPr id="3" name="Symbol zastępczy zawartości 2"/>
+              <p:cNvSpPr>
+                <a:spLocks noGrp="1" noRot="1" noChangeAspect="1" noMove="1" noResize="1" noEditPoints="1" noAdjustHandles="1" noChangeArrowheads="1" noChangeShapeType="1" noTextEdit="1"/>
+              </p:cNvSpPr>
+              <p:nvPr>
+                <p:ph idx="1"/>
+              </p:nvPr>
+            </p:nvSpPr>
+            <p:spPr>
+              <a:xfrm>
+                <a:off x="1593436" y="1916832"/>
+                <a:ext cx="9782801" cy="2260848"/>
+              </a:xfrm>
+              <a:blipFill>
+                <a:blip r:embed="rId2"/>
+                <a:stretch>
+                  <a:fillRect l="-312" t="-21833" b="-35040"/>
+                </a:stretch>
+              </a:blipFill>
+            </p:spPr>
+            <p:txBody>
+              <a:bodyPr/>
+              <a:lstStyle/>
+              <a:p>
+                <a:r>
+                  <a:rPr lang="pl-PL">
+                    <a:noFill/>
+                  </a:rPr>
+                  <a:t> </a:t>
+                </a:r>
+              </a:p>
+            </p:txBody>
+          </p:sp>
+        </mc:Fallback>
+      </mc:AlternateContent>
+    </p:spTree>
+    <p:extLst>
+      <p:ext uri="{BB962C8B-B14F-4D97-AF65-F5344CB8AC3E}">
+        <p14:creationId xmlns:p14="http://schemas.microsoft.com/office/powerpoint/2010/main" val="3874404765"/>
+      </p:ext>
+    </p:extLst>
+  </p:cSld>
+  <p:clrMapOvr>
+    <a:masterClrMapping/>
+  </p:clrMapOvr>
+  <mc:AlternateContent xmlns:mc="http://schemas.openxmlformats.org/markup-compatibility/2006" xmlns:p14="http://schemas.microsoft.com/office/powerpoint/2010/main">
+    <mc:Choice Requires="p14">
+      <p:transition spd="med" p14:dur="700">
+        <p:fade/>
+      </p:transition>
+    </mc:Choice>
+    <mc:Fallback xmlns="">
+      <p:transition spd="med">
+        <p:fade/>
+      </p:transition>
+    </mc:Fallback>
+  </mc:AlternateContent>
+</p:sld>
+</file>
+
+<file path=ppt/slides/slide13.xml><?xml version="1.0" encoding="utf-8"?>
+<p:sld xmlns:a="http://schemas.openxmlformats.org/drawingml/2006/main" xmlns:r="http://schemas.openxmlformats.org/officeDocument/2006/relationships" xmlns:p="http://schemas.openxmlformats.org/presentationml/2006/main">
+  <p:cSld>
+    <p:spTree>
+      <p:nvGrpSpPr>
+        <p:cNvPr id="1" name=""/>
+        <p:cNvGrpSpPr/>
+        <p:nvPr/>
+      </p:nvGrpSpPr>
+      <p:grpSpPr>
+        <a:xfrm>
+          <a:off x="0" y="0"/>
+          <a:ext cx="0" cy="0"/>
+          <a:chOff x="0" y="0"/>
+          <a:chExt cx="0" cy="0"/>
+        </a:xfrm>
+      </p:grpSpPr>
+      <p:sp>
+        <p:nvSpPr>
+          <p:cNvPr id="2" name="Tytuł 1"/>
+          <p:cNvSpPr>
+            <a:spLocks noGrp="1"/>
+          </p:cNvSpPr>
+          <p:nvPr>
+            <p:ph type="title"/>
+          </p:nvPr>
+        </p:nvSpPr>
+        <p:spPr/>
+        <p:txBody>
+          <a:bodyPr/>
+          <a:lstStyle/>
+          <a:p>
+            <a:r>
+              <a:rPr lang="pl-PL" dirty="0" smtClean="0"/>
+              <a:t>Własności:</a:t>
+            </a:r>
+            <a:endParaRPr lang="pl-PL" dirty="0"/>
+          </a:p>
+        </p:txBody>
+      </p:sp>
+      <mc:AlternateContent xmlns:mc="http://schemas.openxmlformats.org/markup-compatibility/2006">
+        <mc:Choice xmlns:a14="http://schemas.microsoft.com/office/drawing/2010/main" Requires="a14">
+          <p:sp>
+            <p:nvSpPr>
+              <p:cNvPr id="4" name="Symbol zastępczy zawartości 2"/>
+              <p:cNvSpPr>
+                <a:spLocks noGrp="1"/>
+              </p:cNvSpPr>
+              <p:nvPr>
+                <p:ph idx="1"/>
+              </p:nvPr>
+            </p:nvSpPr>
+            <p:spPr>
+              <a:xfrm>
+                <a:off x="1629916" y="1844824"/>
+                <a:ext cx="6912768" cy="2836912"/>
+              </a:xfrm>
+            </p:spPr>
+            <p:txBody>
+              <a:bodyPr>
+                <a:normAutofit/>
+              </a:bodyPr>
+              <a:lstStyle/>
+              <a:p>
+                <a:r>
+                  <a:rPr lang="pl-PL" sz="1800" dirty="0" smtClean="0"/>
+                  <a:t>Odwrotna metoda potęgowa korzysta ze znanej własności mówiącej, że jeżeli </a:t>
+                </a:r>
+                <a14:m>
+                  <m:oMath xmlns:m="http://schemas.openxmlformats.org/officeDocument/2006/math">
+                    <m:r>
+                      <a:rPr lang="pl-PL" sz="1800" i="1">
+                        <a:latin typeface="Cambria Math" panose="02040503050406030204" pitchFamily="18" charset="0"/>
+                        <a:ea typeface="Cambria Math" panose="02040503050406030204" pitchFamily="18" charset="0"/>
+                        <a:cs typeface="Calibri" panose="020F0502020204030204" pitchFamily="34" charset="0"/>
+                      </a:rPr>
+                      <m:t>𝜆</m:t>
+                    </m:r>
+                  </m:oMath>
+                </a14:m>
+                <a:r>
+                  <a:rPr lang="pl-PL" sz="1800" dirty="0"/>
+                  <a:t> jest wartością własną nieosobliwej macierzy </a:t>
+                </a:r>
+                <a14:m>
+                  <m:oMath xmlns:m="http://schemas.openxmlformats.org/officeDocument/2006/math">
+                    <m:r>
+                      <a:rPr lang="pl-PL" sz="1800" i="1">
+                        <a:latin typeface="Cambria Math" panose="02040503050406030204" pitchFamily="18" charset="0"/>
+                        <a:ea typeface="Cambria Math" panose="02040503050406030204" pitchFamily="18" charset="0"/>
+                        <a:cs typeface="Calibri" panose="020F0502020204030204" pitchFamily="34" charset="0"/>
+                      </a:rPr>
+                      <m:t>𝐴</m:t>
+                    </m:r>
+                  </m:oMath>
+                </a14:m>
+                <a:r>
+                  <a:rPr lang="pl-PL" sz="1800" dirty="0"/>
+                  <a:t>, to </a:t>
+                </a:r>
+                <a14:m>
+                  <m:oMath xmlns:m="http://schemas.openxmlformats.org/officeDocument/2006/math">
+                    <m:sSup>
+                      <m:sSupPr>
+                        <m:ctrlPr>
+                          <a:rPr lang="pl-PL" sz="1800" i="1">
+                            <a:latin typeface="Cambria Math" panose="02040503050406030204" pitchFamily="18" charset="0"/>
+                            <a:ea typeface="Cambria Math" panose="02040503050406030204" pitchFamily="18" charset="0"/>
+                            <a:cs typeface="Calibri" panose="020F0502020204030204" pitchFamily="34" charset="0"/>
+                          </a:rPr>
+                        </m:ctrlPr>
+                      </m:sSupPr>
+                      <m:e>
+                        <m:r>
+                          <a:rPr lang="pl-PL" sz="1800" i="1">
+                            <a:latin typeface="Cambria Math" panose="02040503050406030204" pitchFamily="18" charset="0"/>
+                            <a:ea typeface="Cambria Math" panose="02040503050406030204" pitchFamily="18" charset="0"/>
+                            <a:cs typeface="Calibri" panose="020F0502020204030204" pitchFamily="34" charset="0"/>
+                          </a:rPr>
+                          <m:t>𝜆</m:t>
+                        </m:r>
+                        <m:r>
+                          <m:rPr>
+                            <m:nor/>
+                          </m:rPr>
+                          <a:rPr lang="pl-PL" sz="1800" dirty="0"/>
+                          <m:t> </m:t>
+                        </m:r>
+                      </m:e>
+                      <m:sup>
+                        <m:r>
+                          <a:rPr lang="pl-PL" sz="1800" i="1">
+                            <a:latin typeface="Cambria Math" panose="02040503050406030204" pitchFamily="18" charset="0"/>
+                            <a:ea typeface="Cambria Math" panose="02040503050406030204" pitchFamily="18" charset="0"/>
+                            <a:cs typeface="Calibri" panose="020F0502020204030204" pitchFamily="34" charset="0"/>
+                          </a:rPr>
+                          <m:t>−1</m:t>
+                        </m:r>
+                      </m:sup>
+                    </m:sSup>
+                  </m:oMath>
+                </a14:m>
+                <a:r>
+                  <a:rPr lang="pl-PL" sz="1800" dirty="0"/>
+                  <a:t> jest wartością własną macierzy </a:t>
+                </a:r>
+                <a14:m>
+                  <m:oMath xmlns:m="http://schemas.openxmlformats.org/officeDocument/2006/math">
+                    <m:sSup>
+                      <m:sSupPr>
+                        <m:ctrlPr>
+                          <a:rPr lang="pl-PL" sz="1800" i="1">
+                            <a:latin typeface="Cambria Math" panose="02040503050406030204" pitchFamily="18" charset="0"/>
+                            <a:ea typeface="Cambria Math" panose="02040503050406030204" pitchFamily="18" charset="0"/>
+                            <a:cs typeface="Calibri" panose="020F0502020204030204" pitchFamily="34" charset="0"/>
+                          </a:rPr>
+                        </m:ctrlPr>
+                      </m:sSupPr>
+                      <m:e>
+                        <m:r>
+                          <m:rPr>
+                            <m:nor/>
+                          </m:rPr>
+                          <a:rPr lang="pl-PL" sz="1800">
+                            <a:latin typeface="Cambria Math" panose="02040503050406030204" pitchFamily="18" charset="0"/>
+                            <a:ea typeface="Cambria Math" panose="02040503050406030204" pitchFamily="18" charset="0"/>
+                            <a:cs typeface="Calibri" panose="020F0502020204030204" pitchFamily="34" charset="0"/>
+                          </a:rPr>
+                          <m:t>A</m:t>
+                        </m:r>
+                      </m:e>
+                      <m:sup>
+                        <m:r>
+                          <a:rPr lang="pl-PL" sz="1800" i="1">
+                            <a:latin typeface="Cambria Math" panose="02040503050406030204" pitchFamily="18" charset="0"/>
+                            <a:ea typeface="Cambria Math" panose="02040503050406030204" pitchFamily="18" charset="0"/>
+                            <a:cs typeface="Calibri" panose="020F0502020204030204" pitchFamily="34" charset="0"/>
+                          </a:rPr>
+                          <m:t>−1</m:t>
+                        </m:r>
+                      </m:sup>
+                    </m:sSup>
+                  </m:oMath>
+                </a14:m>
+                <a:r>
+                  <a:rPr lang="pl-PL" sz="1800" dirty="0" smtClean="0"/>
+                  <a:t>.</a:t>
+                </a:r>
+              </a:p>
+              <a:p>
+                <a:r>
+                  <a:rPr lang="pl-PL" sz="1800" dirty="0" smtClean="0"/>
+                  <a:t>Szybkość zbieżności metody potęgowej zależy od ilorazu </a:t>
+                </a:r>
+                <a14:m>
+                  <m:oMath xmlns:m="http://schemas.openxmlformats.org/officeDocument/2006/math">
+                    <m:d>
+                      <m:dPr>
+                        <m:begChr m:val="|"/>
+                        <m:endChr m:val="|"/>
+                        <m:ctrlPr>
+                          <a:rPr lang="pl-PL" sz="1800" i="1" smtClean="0">
+                            <a:latin typeface="Cambria Math" panose="02040503050406030204" pitchFamily="18" charset="0"/>
+                          </a:rPr>
+                        </m:ctrlPr>
+                      </m:dPr>
+                      <m:e>
+                        <m:f>
+                          <m:fPr>
+                            <m:ctrlPr>
+                              <a:rPr lang="pl-PL" sz="1800" i="1" smtClean="0">
+                                <a:latin typeface="Cambria Math" panose="02040503050406030204" pitchFamily="18" charset="0"/>
+                              </a:rPr>
+                            </m:ctrlPr>
+                          </m:fPr>
+                          <m:num>
+                            <m:sSub>
+                              <m:sSubPr>
+                                <m:ctrlPr>
+                                  <a:rPr lang="pl-PL" sz="1800" i="1" smtClean="0">
+                                    <a:latin typeface="Cambria Math" panose="02040503050406030204" pitchFamily="18" charset="0"/>
+                                  </a:rPr>
+                                </m:ctrlPr>
+                              </m:sSubPr>
+                              <m:e>
+                                <m:r>
+                                  <a:rPr lang="pl-PL" sz="1800" i="1" smtClean="0">
+                                    <a:latin typeface="Cambria Math" panose="02040503050406030204" pitchFamily="18" charset="0"/>
+                                    <a:ea typeface="Cambria Math" panose="02040503050406030204" pitchFamily="18" charset="0"/>
+                                  </a:rPr>
+                                  <m:t>𝜆</m:t>
+                                </m:r>
+                              </m:e>
+                              <m:sub>
+                                <m:r>
+                                  <a:rPr lang="pl-PL" sz="1800" b="0" i="1" smtClean="0">
+                                    <a:latin typeface="Cambria Math" panose="02040503050406030204" pitchFamily="18" charset="0"/>
+                                  </a:rPr>
+                                  <m:t>𝑛</m:t>
+                                </m:r>
+                              </m:sub>
+                            </m:sSub>
+                          </m:num>
+                          <m:den>
+                            <m:sSub>
+                              <m:sSubPr>
+                                <m:ctrlPr>
+                                  <a:rPr lang="pl-PL" sz="1800" i="1">
+                                    <a:latin typeface="Cambria Math" panose="02040503050406030204" pitchFamily="18" charset="0"/>
+                                  </a:rPr>
+                                </m:ctrlPr>
+                              </m:sSubPr>
+                              <m:e>
+                                <m:r>
+                                  <a:rPr lang="pl-PL" sz="1800" i="1">
+                                    <a:latin typeface="Cambria Math" panose="02040503050406030204" pitchFamily="18" charset="0"/>
+                                    <a:ea typeface="Cambria Math" panose="02040503050406030204" pitchFamily="18" charset="0"/>
+                                  </a:rPr>
+                                  <m:t>𝜆</m:t>
+                                </m:r>
+                              </m:e>
+                              <m:sub>
+                                <m:r>
+                                  <a:rPr lang="pl-PL" sz="1800" b="0" i="1" smtClean="0">
+                                    <a:latin typeface="Cambria Math" panose="02040503050406030204" pitchFamily="18" charset="0"/>
+                                    <a:ea typeface="Cambria Math" panose="02040503050406030204" pitchFamily="18" charset="0"/>
+                                  </a:rPr>
+                                  <m:t>𝑛</m:t>
+                                </m:r>
+                                <m:r>
+                                  <a:rPr lang="pl-PL" sz="1800" b="0" i="1" smtClean="0">
+                                    <a:latin typeface="Cambria Math" panose="02040503050406030204" pitchFamily="18" charset="0"/>
+                                    <a:ea typeface="Cambria Math" panose="02040503050406030204" pitchFamily="18" charset="0"/>
+                                  </a:rPr>
+                                  <m:t>−1</m:t>
+                                </m:r>
+                              </m:sub>
+                            </m:sSub>
+                          </m:den>
+                        </m:f>
+                      </m:e>
+                    </m:d>
+                  </m:oMath>
+                </a14:m>
+                <a:r>
+                  <a:rPr lang="pl-PL" sz="1800" dirty="0" smtClean="0"/>
+                  <a:t>.</a:t>
+                </a:r>
+              </a:p>
+              <a:p>
+                <a:r>
+                  <a:rPr lang="pl-PL" sz="1800" dirty="0" smtClean="0"/>
+                  <a:t>Błąd przybliżenia maleje tak szybko, jak </a:t>
+                </a:r>
+                <a14:m>
+                  <m:oMath xmlns:m="http://schemas.openxmlformats.org/officeDocument/2006/math">
+                    <m:sSup>
+                      <m:sSupPr>
+                        <m:ctrlPr>
+                          <a:rPr lang="pl-PL" sz="1800" i="1" smtClean="0">
+                            <a:latin typeface="Cambria Math" panose="02040503050406030204" pitchFamily="18" charset="0"/>
+                          </a:rPr>
+                        </m:ctrlPr>
+                      </m:sSupPr>
+                      <m:e>
+                        <m:d>
+                          <m:dPr>
+                            <m:begChr m:val="|"/>
+                            <m:endChr m:val="|"/>
+                            <m:ctrlPr>
+                              <a:rPr lang="pl-PL" sz="1800" i="1">
+                                <a:latin typeface="Cambria Math" panose="02040503050406030204" pitchFamily="18" charset="0"/>
+                              </a:rPr>
+                            </m:ctrlPr>
+                          </m:dPr>
+                          <m:e>
+                            <m:f>
+                              <m:fPr>
+                                <m:ctrlPr>
+                                  <a:rPr lang="pl-PL" sz="1800" i="1">
+                                    <a:latin typeface="Cambria Math" panose="02040503050406030204" pitchFamily="18" charset="0"/>
+                                  </a:rPr>
+                                </m:ctrlPr>
+                              </m:fPr>
+                              <m:num>
+                                <m:sSub>
+                                  <m:sSubPr>
+                                    <m:ctrlPr>
+                                      <a:rPr lang="pl-PL" sz="1800" i="1">
+                                        <a:latin typeface="Cambria Math" panose="02040503050406030204" pitchFamily="18" charset="0"/>
+                                      </a:rPr>
+                                    </m:ctrlPr>
+                                  </m:sSubPr>
+                                  <m:e>
+                                    <m:r>
+                                      <a:rPr lang="pl-PL" sz="1800" i="1">
+                                        <a:latin typeface="Cambria Math" panose="02040503050406030204" pitchFamily="18" charset="0"/>
+                                        <a:ea typeface="Cambria Math" panose="02040503050406030204" pitchFamily="18" charset="0"/>
+                                      </a:rPr>
+                                      <m:t>𝜆</m:t>
+                                    </m:r>
+                                  </m:e>
+                                  <m:sub>
+                                    <m:r>
+                                      <a:rPr lang="pl-PL" sz="1800" i="1">
+                                        <a:latin typeface="Cambria Math" panose="02040503050406030204" pitchFamily="18" charset="0"/>
+                                      </a:rPr>
+                                      <m:t>𝑛</m:t>
+                                    </m:r>
+                                  </m:sub>
+                                </m:sSub>
+                              </m:num>
+                              <m:den>
+                                <m:sSub>
+                                  <m:sSubPr>
+                                    <m:ctrlPr>
+                                      <a:rPr lang="pl-PL" sz="1800" i="1">
+                                        <a:latin typeface="Cambria Math" panose="02040503050406030204" pitchFamily="18" charset="0"/>
+                                      </a:rPr>
+                                    </m:ctrlPr>
+                                  </m:sSubPr>
+                                  <m:e>
+                                    <m:r>
+                                      <a:rPr lang="pl-PL" sz="1800" i="1">
+                                        <a:latin typeface="Cambria Math" panose="02040503050406030204" pitchFamily="18" charset="0"/>
+                                        <a:ea typeface="Cambria Math" panose="02040503050406030204" pitchFamily="18" charset="0"/>
+                                      </a:rPr>
+                                      <m:t>𝜆</m:t>
+                                    </m:r>
+                                  </m:e>
+                                  <m:sub>
+                                    <m:r>
+                                      <a:rPr lang="pl-PL" sz="1800" i="1">
+                                        <a:latin typeface="Cambria Math" panose="02040503050406030204" pitchFamily="18" charset="0"/>
+                                        <a:ea typeface="Cambria Math" panose="02040503050406030204" pitchFamily="18" charset="0"/>
+                                      </a:rPr>
+                                      <m:t>𝑛</m:t>
+                                    </m:r>
+                                    <m:r>
+                                      <a:rPr lang="pl-PL" sz="1800" i="1">
+                                        <a:latin typeface="Cambria Math" panose="02040503050406030204" pitchFamily="18" charset="0"/>
+                                        <a:ea typeface="Cambria Math" panose="02040503050406030204" pitchFamily="18" charset="0"/>
+                                      </a:rPr>
+                                      <m:t>−1</m:t>
+                                    </m:r>
+                                  </m:sub>
+                                </m:sSub>
+                              </m:den>
+                            </m:f>
+                          </m:e>
+                        </m:d>
+                      </m:e>
+                      <m:sup>
+                        <m:r>
+                          <a:rPr lang="pl-PL" sz="1800" b="0" i="1" smtClean="0">
+                            <a:latin typeface="Cambria Math" panose="02040503050406030204" pitchFamily="18" charset="0"/>
+                          </a:rPr>
+                          <m:t>𝑘</m:t>
+                        </m:r>
+                      </m:sup>
+                    </m:sSup>
+                  </m:oMath>
+                </a14:m>
+                <a:r>
+                  <a:rPr lang="pl-PL" sz="1800" dirty="0" smtClean="0"/>
+                  <a:t>.</a:t>
+                </a:r>
+              </a:p>
+              <a:p>
+                <a:r>
+                  <a:rPr lang="pl-PL" sz="1800" dirty="0" smtClean="0"/>
+                  <a:t>Metoda potęgowa jest bardzo wolno zbieżna, jeżeli </a:t>
+                </a:r>
+                <a14:m>
+                  <m:oMath xmlns:m="http://schemas.openxmlformats.org/officeDocument/2006/math">
+                    <m:f>
+                      <m:fPr>
+                        <m:ctrlPr>
+                          <a:rPr lang="pl-PL" sz="1800" i="1">
+                            <a:latin typeface="Cambria Math" panose="02040503050406030204" pitchFamily="18" charset="0"/>
+                          </a:rPr>
+                        </m:ctrlPr>
+                      </m:fPr>
+                      <m:num>
+                        <m:sSub>
+                          <m:sSubPr>
+                            <m:ctrlPr>
+                              <a:rPr lang="pl-PL" sz="1800" i="1">
+                                <a:latin typeface="Cambria Math" panose="02040503050406030204" pitchFamily="18" charset="0"/>
+                              </a:rPr>
+                            </m:ctrlPr>
+                          </m:sSubPr>
+                          <m:e>
+                            <m:r>
+                              <a:rPr lang="pl-PL" sz="1800" i="1">
+                                <a:latin typeface="Cambria Math" panose="02040503050406030204" pitchFamily="18" charset="0"/>
+                                <a:ea typeface="Cambria Math" panose="02040503050406030204" pitchFamily="18" charset="0"/>
+                              </a:rPr>
+                              <m:t>𝜆</m:t>
+                            </m:r>
+                          </m:e>
+                          <m:sub>
+                            <m:r>
+                              <a:rPr lang="pl-PL" sz="1800" i="1">
+                                <a:latin typeface="Cambria Math" panose="02040503050406030204" pitchFamily="18" charset="0"/>
+                              </a:rPr>
+                              <m:t>𝑛</m:t>
+                            </m:r>
+                          </m:sub>
+                        </m:sSub>
+                      </m:num>
+                      <m:den>
+                        <m:sSub>
+                          <m:sSubPr>
+                            <m:ctrlPr>
+                              <a:rPr lang="pl-PL" sz="1800" i="1">
+                                <a:latin typeface="Cambria Math" panose="02040503050406030204" pitchFamily="18" charset="0"/>
+                              </a:rPr>
+                            </m:ctrlPr>
+                          </m:sSubPr>
+                          <m:e>
+                            <m:r>
+                              <a:rPr lang="pl-PL" sz="1800" i="1">
+                                <a:latin typeface="Cambria Math" panose="02040503050406030204" pitchFamily="18" charset="0"/>
+                                <a:ea typeface="Cambria Math" panose="02040503050406030204" pitchFamily="18" charset="0"/>
+                              </a:rPr>
+                              <m:t>𝜆</m:t>
+                            </m:r>
+                          </m:e>
+                          <m:sub>
+                            <m:r>
+                              <a:rPr lang="pl-PL" sz="1800" i="1">
+                                <a:latin typeface="Cambria Math" panose="02040503050406030204" pitchFamily="18" charset="0"/>
+                                <a:ea typeface="Cambria Math" panose="02040503050406030204" pitchFamily="18" charset="0"/>
+                              </a:rPr>
+                              <m:t>𝑛</m:t>
+                            </m:r>
+                            <m:r>
+                              <a:rPr lang="pl-PL" sz="1800" i="1">
+                                <a:latin typeface="Cambria Math" panose="02040503050406030204" pitchFamily="18" charset="0"/>
+                                <a:ea typeface="Cambria Math" panose="02040503050406030204" pitchFamily="18" charset="0"/>
+                              </a:rPr>
+                              <m:t>−1</m:t>
+                            </m:r>
+                          </m:sub>
+                        </m:sSub>
+                      </m:den>
+                    </m:f>
+                    <m:r>
+                      <a:rPr lang="el-GR" sz="1800" i="1" smtClean="0">
+                        <a:latin typeface="Cambria Math" panose="02040503050406030204" pitchFamily="18" charset="0"/>
+                        <a:ea typeface="Cambria Math" panose="02040503050406030204" pitchFamily="18" charset="0"/>
+                      </a:rPr>
+                      <m:t>≈</m:t>
+                    </m:r>
+                    <m:r>
+                      <a:rPr lang="pl-PL" sz="1800" b="0" i="1" smtClean="0">
+                        <a:latin typeface="Cambria Math" panose="02040503050406030204" pitchFamily="18" charset="0"/>
+                        <a:ea typeface="Cambria Math" panose="02040503050406030204" pitchFamily="18" charset="0"/>
+                      </a:rPr>
+                      <m:t>1</m:t>
+                    </m:r>
+                  </m:oMath>
+                </a14:m>
+                <a:r>
+                  <a:rPr lang="pl-PL" sz="1800" dirty="0" smtClean="0"/>
+                  <a:t>.</a:t>
+                </a:r>
+                <a:endParaRPr lang="pl-PL" sz="1800" dirty="0"/>
+              </a:p>
+            </p:txBody>
+          </p:sp>
+        </mc:Choice>
+        <mc:Fallback>
+          <p:sp>
+            <p:nvSpPr>
+              <p:cNvPr id="4" name="Symbol zastępczy zawartości 2"/>
+              <p:cNvSpPr>
+                <a:spLocks noGrp="1" noRot="1" noChangeAspect="1" noMove="1" noResize="1" noEditPoints="1" noAdjustHandles="1" noChangeArrowheads="1" noChangeShapeType="1" noTextEdit="1"/>
+              </p:cNvSpPr>
+              <p:nvPr>
+                <p:ph idx="1"/>
+              </p:nvPr>
+            </p:nvSpPr>
+            <p:spPr>
+              <a:xfrm>
+                <a:off x="1629916" y="1844824"/>
+                <a:ext cx="6912768" cy="2836912"/>
+              </a:xfrm>
+              <a:blipFill>
+                <a:blip r:embed="rId2"/>
+                <a:stretch>
+                  <a:fillRect l="-529" t="-2151" r="-353"/>
+                </a:stretch>
+              </a:blipFill>
+            </p:spPr>
+            <p:txBody>
+              <a:bodyPr/>
+              <a:lstStyle/>
+              <a:p>
+                <a:r>
+                  <a:rPr lang="pl-PL">
+                    <a:noFill/>
+                  </a:rPr>
+                  <a:t> </a:t>
+                </a:r>
+              </a:p>
+            </p:txBody>
+          </p:sp>
+        </mc:Fallback>
+      </mc:AlternateContent>
+    </p:spTree>
+    <p:extLst>
+      <p:ext uri="{BB962C8B-B14F-4D97-AF65-F5344CB8AC3E}">
+        <p14:creationId xmlns:p14="http://schemas.microsoft.com/office/powerpoint/2010/main" val="2927630725"/>
+      </p:ext>
+    </p:extLst>
+  </p:cSld>
+  <p:clrMapOvr>
+    <a:masterClrMapping/>
+  </p:clrMapOvr>
+  <mc:AlternateContent xmlns:mc="http://schemas.openxmlformats.org/markup-compatibility/2006" xmlns:p14="http://schemas.microsoft.com/office/powerpoint/2010/main">
+    <mc:Choice Requires="p14">
+      <p:transition spd="med" p14:dur="700">
+        <p:fade/>
+      </p:transition>
+    </mc:Choice>
+    <mc:Fallback xmlns="">
+      <p:transition spd="med">
+        <p:fade/>
+      </p:transition>
+    </mc:Fallback>
+  </mc:AlternateContent>
+</p:sld>
+</file>
+
+<file path=ppt/slides/slide14.xml><?xml version="1.0" encoding="utf-8"?>
 <p:sld xmlns:a="http://schemas.openxmlformats.org/drawingml/2006/main" xmlns:r="http://schemas.openxmlformats.org/officeDocument/2006/relationships" xmlns:p="http://schemas.openxmlformats.org/presentationml/2006/main">
   <p:cSld>
     <p:spTree>
@@ -8636,728 +11444,32 @@
         </p:nvSpPr>
         <p:spPr>
           <a:xfrm>
-            <a:off x="1593436" y="620688"/>
-            <a:ext cx="9782801" cy="652933"/>
+            <a:off x="1485900" y="3356992"/>
+            <a:ext cx="8283272" cy="897273"/>
           </a:xfrm>
         </p:spPr>
         <p:txBody>
-          <a:bodyPr rtlCol="0">
-            <a:normAutofit/>
+          <a:bodyPr>
+            <a:normAutofit fontScale="90000"/>
           </a:bodyPr>
           <a:lstStyle/>
           <a:p>
-            <a:pPr rtl="0"/>
             <a:r>
-              <a:rPr lang="pl-PL" sz="2800" dirty="0" smtClean="0">
-                <a:latin typeface="Calibri" panose="020F0502020204030204" pitchFamily="34" charset="0"/>
-                <a:cs typeface="Calibri" panose="020F0502020204030204" pitchFamily="34" charset="0"/>
-              </a:rPr>
-              <a:t>Stosowane oznaczenia:</a:t>
+              <a:rPr lang="pl-PL" dirty="0" smtClean="0"/>
+              <a:t>Transformacje </a:t>
             </a:r>
-            <a:endParaRPr lang="pl-PL" sz="2800" dirty="0">
-              <a:latin typeface="Calibri" panose="020F0502020204030204" pitchFamily="34" charset="0"/>
-              <a:cs typeface="Calibri" panose="020F0502020204030204" pitchFamily="34" charset="0"/>
-            </a:endParaRPr>
+            <a:r>
+              <a:rPr lang="pl-PL" dirty="0" err="1" smtClean="0"/>
+              <a:t>Householdera</a:t>
+            </a:r>
+            <a:endParaRPr lang="pl-PL" dirty="0"/>
           </a:p>
         </p:txBody>
       </p:sp>
-      <mc:AlternateContent xmlns:mc="http://schemas.openxmlformats.org/markup-compatibility/2006">
-        <mc:Choice xmlns:a14="http://schemas.microsoft.com/office/drawing/2010/main" Requires="a14">
-          <p:sp>
-            <p:nvSpPr>
-              <p:cNvPr id="7" name="pole tekstowe 6"/>
-              <p:cNvSpPr txBox="1"/>
-              <p:nvPr/>
-            </p:nvSpPr>
-            <p:spPr>
-              <a:xfrm>
-                <a:off x="1593436" y="1772816"/>
-                <a:ext cx="6878806" cy="3416320"/>
-              </a:xfrm>
-              <a:prstGeom prst="rect">
-                <a:avLst/>
-              </a:prstGeom>
-              <a:noFill/>
-            </p:spPr>
-            <p:txBody>
-              <a:bodyPr wrap="none" rtlCol="0">
-                <a:spAutoFit/>
-              </a:bodyPr>
-              <a:lstStyle/>
-              <a:p>
-                <a:pPr/>
-                <a14:m>
-                  <m:oMath xmlns:m="http://schemas.openxmlformats.org/officeDocument/2006/math">
-                    <m:r>
-                      <a:rPr lang="pl-PL" b="0" i="1" smtClean="0">
-                        <a:latin typeface="Cambria Math" panose="02040503050406030204" pitchFamily="18" charset="0"/>
-                        <a:ea typeface="Cambria Math" panose="02040503050406030204" pitchFamily="18" charset="0"/>
-                        <a:cs typeface="Calibri" panose="020F0502020204030204" pitchFamily="34" charset="0"/>
-                      </a:rPr>
-                      <m:t>𝐴</m:t>
-                    </m:r>
-                  </m:oMath>
-                </a14:m>
-                <a:r>
-                  <a:rPr lang="pl-PL" dirty="0"/>
-                  <a:t>	- </a:t>
-                </a:r>
-                <a:r>
-                  <a:rPr lang="pl-PL" dirty="0" smtClean="0"/>
-                  <a:t>macierz, </a:t>
-                </a:r>
-                <a14:m>
-                  <m:oMath xmlns:m="http://schemas.openxmlformats.org/officeDocument/2006/math">
-                    <m:r>
-                      <a:rPr lang="pl-PL" i="1">
-                        <a:latin typeface="Cambria Math" panose="02040503050406030204" pitchFamily="18" charset="0"/>
-                        <a:ea typeface="Cambria Math" panose="02040503050406030204" pitchFamily="18" charset="0"/>
-                        <a:cs typeface="Calibri" panose="020F0502020204030204" pitchFamily="34" charset="0"/>
-                      </a:rPr>
-                      <m:t>𝐴</m:t>
-                    </m:r>
-                    <m:r>
-                      <a:rPr lang="pl-PL" i="1" smtClean="0">
-                        <a:latin typeface="Cambria Math" panose="02040503050406030204" pitchFamily="18" charset="0"/>
-                        <a:ea typeface="Cambria Math" panose="02040503050406030204" pitchFamily="18" charset="0"/>
-                        <a:cs typeface="Calibri" panose="020F0502020204030204" pitchFamily="34" charset="0"/>
-                      </a:rPr>
-                      <m:t>∈</m:t>
-                    </m:r>
-                    <m:sSup>
-                      <m:sSupPr>
-                        <m:ctrlPr>
-                          <a:rPr lang="pl-PL" i="1" smtClean="0">
-                            <a:latin typeface="Cambria Math" panose="02040503050406030204" pitchFamily="18" charset="0"/>
-                            <a:ea typeface="Cambria Math" panose="02040503050406030204" pitchFamily="18" charset="0"/>
-                            <a:cs typeface="Calibri" panose="020F0502020204030204" pitchFamily="34" charset="0"/>
-                          </a:rPr>
-                        </m:ctrlPr>
-                      </m:sSupPr>
-                      <m:e>
-                        <m:r>
-                          <a:rPr lang="pl-PL" b="0" i="1" smtClean="0">
-                            <a:latin typeface="Cambria Math" panose="02040503050406030204" pitchFamily="18" charset="0"/>
-                            <a:ea typeface="Cambria Math" panose="02040503050406030204" pitchFamily="18" charset="0"/>
-                            <a:cs typeface="Calibri" panose="020F0502020204030204" pitchFamily="34" charset="0"/>
-                          </a:rPr>
-                          <m:t>𝑅</m:t>
-                        </m:r>
-                      </m:e>
-                      <m:sup>
-                        <m:r>
-                          <a:rPr lang="pl-PL" b="0" i="1" smtClean="0">
-                            <a:latin typeface="Cambria Math" panose="02040503050406030204" pitchFamily="18" charset="0"/>
-                            <a:ea typeface="Cambria Math" panose="02040503050406030204" pitchFamily="18" charset="0"/>
-                            <a:cs typeface="Calibri" panose="020F0502020204030204" pitchFamily="34" charset="0"/>
-                          </a:rPr>
-                          <m:t>𝑛</m:t>
-                        </m:r>
-                        <m:r>
-                          <a:rPr lang="pl-PL" b="0" i="1" smtClean="0">
-                            <a:latin typeface="Cambria Math" panose="02040503050406030204" pitchFamily="18" charset="0"/>
-                            <a:ea typeface="Cambria Math" panose="02040503050406030204" pitchFamily="18" charset="0"/>
-                            <a:cs typeface="Calibri" panose="020F0502020204030204" pitchFamily="34" charset="0"/>
-                          </a:rPr>
-                          <m:t>×</m:t>
-                        </m:r>
-                        <m:r>
-                          <a:rPr lang="pl-PL" b="0" i="1" smtClean="0">
-                            <a:latin typeface="Cambria Math" panose="02040503050406030204" pitchFamily="18" charset="0"/>
-                            <a:ea typeface="Cambria Math" panose="02040503050406030204" pitchFamily="18" charset="0"/>
-                            <a:cs typeface="Calibri" panose="020F0502020204030204" pitchFamily="34" charset="0"/>
-                          </a:rPr>
-                          <m:t>𝑛</m:t>
-                        </m:r>
-                      </m:sup>
-                    </m:sSup>
-                  </m:oMath>
-                </a14:m>
-                <a:endParaRPr lang="pl-PL" dirty="0"/>
-              </a:p>
-              <a:p>
-                <a14:m>
-                  <m:oMath xmlns:m="http://schemas.openxmlformats.org/officeDocument/2006/math">
-                    <m:sSub>
-                      <m:sSubPr>
-                        <m:ctrlPr>
-                          <a:rPr lang="pl-PL" i="1" smtClean="0">
-                            <a:latin typeface="Cambria Math" panose="02040503050406030204" pitchFamily="18" charset="0"/>
-                            <a:ea typeface="Cambria Math" panose="02040503050406030204" pitchFamily="18" charset="0"/>
-                            <a:cs typeface="Calibri" panose="020F0502020204030204" pitchFamily="34" charset="0"/>
-                          </a:rPr>
-                        </m:ctrlPr>
-                      </m:sSubPr>
-                      <m:e>
-                        <m:r>
-                          <a:rPr lang="pl-PL" i="1">
-                            <a:latin typeface="Cambria Math" panose="02040503050406030204" pitchFamily="18" charset="0"/>
-                            <a:ea typeface="Cambria Math" panose="02040503050406030204" pitchFamily="18" charset="0"/>
-                            <a:cs typeface="Calibri" panose="020F0502020204030204" pitchFamily="34" charset="0"/>
-                          </a:rPr>
-                          <m:t>𝜆</m:t>
-                        </m:r>
-                      </m:e>
-                      <m:sub>
-                        <m:r>
-                          <a:rPr lang="pl-PL" i="1">
-                            <a:latin typeface="Cambria Math" panose="02040503050406030204" pitchFamily="18" charset="0"/>
-                            <a:ea typeface="Cambria Math" panose="02040503050406030204" pitchFamily="18" charset="0"/>
-                            <a:cs typeface="Calibri" panose="020F0502020204030204" pitchFamily="34" charset="0"/>
-                          </a:rPr>
-                          <m:t>𝑚𝑎𝑥</m:t>
-                        </m:r>
-                      </m:sub>
-                    </m:sSub>
-                  </m:oMath>
-                </a14:m>
-                <a:r>
-                  <a:rPr lang="pl-PL" dirty="0" smtClean="0"/>
-                  <a:t>	- wartość własna macierzy </a:t>
-                </a:r>
-                <a14:m>
-                  <m:oMath xmlns:m="http://schemas.openxmlformats.org/officeDocument/2006/math">
-                    <m:r>
-                      <a:rPr lang="pl-PL" i="1">
-                        <a:latin typeface="Cambria Math" panose="02040503050406030204" pitchFamily="18" charset="0"/>
-                        <a:ea typeface="Cambria Math" panose="02040503050406030204" pitchFamily="18" charset="0"/>
-                        <a:cs typeface="Calibri" panose="020F0502020204030204" pitchFamily="34" charset="0"/>
-                      </a:rPr>
-                      <m:t>𝐴</m:t>
-                    </m:r>
-                  </m:oMath>
-                </a14:m>
-                <a:r>
-                  <a:rPr lang="pl-PL" dirty="0" smtClean="0"/>
-                  <a:t>, </a:t>
-                </a:r>
-              </a:p>
-              <a:p>
-                <a:r>
-                  <a:rPr lang="pl-PL" dirty="0" smtClean="0"/>
-                  <a:t>	  wyznaczona przy pomocy metody potęgowej</a:t>
-                </a:r>
-              </a:p>
-              <a:p>
-                <a14:m>
-                  <m:oMath xmlns:m="http://schemas.openxmlformats.org/officeDocument/2006/math">
-                    <m:sSub>
-                      <m:sSubPr>
-                        <m:ctrlPr>
-                          <a:rPr lang="pl-PL" i="1">
-                            <a:latin typeface="Cambria Math" panose="02040503050406030204" pitchFamily="18" charset="0"/>
-                            <a:ea typeface="Cambria Math" panose="02040503050406030204" pitchFamily="18" charset="0"/>
-                            <a:cs typeface="Calibri" panose="020F0502020204030204" pitchFamily="34" charset="0"/>
-                          </a:rPr>
-                        </m:ctrlPr>
-                      </m:sSubPr>
-                      <m:e>
-                        <m:r>
-                          <a:rPr lang="pl-PL" i="1">
-                            <a:latin typeface="Cambria Math" panose="02040503050406030204" pitchFamily="18" charset="0"/>
-                            <a:ea typeface="Cambria Math" panose="02040503050406030204" pitchFamily="18" charset="0"/>
-                            <a:cs typeface="Calibri" panose="020F0502020204030204" pitchFamily="34" charset="0"/>
-                          </a:rPr>
-                          <m:t>𝜆</m:t>
-                        </m:r>
-                      </m:e>
-                      <m:sub>
-                        <m:r>
-                          <a:rPr lang="pl-PL" i="1">
-                            <a:latin typeface="Cambria Math" panose="02040503050406030204" pitchFamily="18" charset="0"/>
-                            <a:ea typeface="Cambria Math" panose="02040503050406030204" pitchFamily="18" charset="0"/>
-                            <a:cs typeface="Calibri" panose="020F0502020204030204" pitchFamily="34" charset="0"/>
-                          </a:rPr>
-                          <m:t>𝑚</m:t>
-                        </m:r>
-                        <m:r>
-                          <a:rPr lang="pl-PL" b="0" i="1" smtClean="0">
-                            <a:latin typeface="Cambria Math" panose="02040503050406030204" pitchFamily="18" charset="0"/>
-                            <a:ea typeface="Cambria Math" panose="02040503050406030204" pitchFamily="18" charset="0"/>
-                            <a:cs typeface="Calibri" panose="020F0502020204030204" pitchFamily="34" charset="0"/>
-                          </a:rPr>
-                          <m:t>𝑖𝑛</m:t>
-                        </m:r>
-                      </m:sub>
-                    </m:sSub>
-                  </m:oMath>
-                </a14:m>
-                <a:r>
-                  <a:rPr lang="pl-PL" dirty="0"/>
-                  <a:t>	- wartość własna </a:t>
-                </a:r>
-                <a:r>
-                  <a:rPr lang="pl-PL" dirty="0" smtClean="0"/>
-                  <a:t>macierzy </a:t>
-                </a:r>
-                <a14:m>
-                  <m:oMath xmlns:m="http://schemas.openxmlformats.org/officeDocument/2006/math">
-                    <m:r>
-                      <a:rPr lang="pl-PL" i="1">
-                        <a:latin typeface="Cambria Math" panose="02040503050406030204" pitchFamily="18" charset="0"/>
-                        <a:ea typeface="Cambria Math" panose="02040503050406030204" pitchFamily="18" charset="0"/>
-                        <a:cs typeface="Calibri" panose="020F0502020204030204" pitchFamily="34" charset="0"/>
-                      </a:rPr>
-                      <m:t>𝐴</m:t>
-                    </m:r>
-                  </m:oMath>
-                </a14:m>
-                <a:r>
-                  <a:rPr lang="pl-PL" dirty="0" smtClean="0"/>
-                  <a:t>, </a:t>
-                </a:r>
-              </a:p>
-              <a:p>
-                <a:r>
-                  <a:rPr lang="pl-PL" dirty="0"/>
-                  <a:t>	</a:t>
-                </a:r>
-                <a:r>
-                  <a:rPr lang="pl-PL" dirty="0" smtClean="0"/>
-                  <a:t>  wyznaczona </a:t>
-                </a:r>
-                <a:r>
-                  <a:rPr lang="pl-PL" dirty="0"/>
-                  <a:t>przy pomocy </a:t>
-                </a:r>
-                <a:r>
-                  <a:rPr lang="pl-PL" dirty="0" smtClean="0"/>
-                  <a:t>odwrotnej metody potęgowej</a:t>
-                </a:r>
-              </a:p>
-              <a:p>
-                <a14:m>
-                  <m:oMath xmlns:m="http://schemas.openxmlformats.org/officeDocument/2006/math">
-                    <m:r>
-                      <a:rPr lang="pl-PL" b="0" i="1" smtClean="0">
-                        <a:latin typeface="Cambria Math" panose="02040503050406030204" pitchFamily="18" charset="0"/>
-                      </a:rPr>
-                      <m:t>𝑣</m:t>
-                    </m:r>
-                  </m:oMath>
-                </a14:m>
-                <a:r>
-                  <a:rPr lang="pl-PL" dirty="0" smtClean="0"/>
-                  <a:t> 	- wektor własny macierzy </a:t>
-                </a:r>
-                <a14:m>
-                  <m:oMath xmlns:m="http://schemas.openxmlformats.org/officeDocument/2006/math">
-                    <m:r>
-                      <a:rPr lang="pl-PL" i="1">
-                        <a:latin typeface="Cambria Math" panose="02040503050406030204" pitchFamily="18" charset="0"/>
-                        <a:ea typeface="Cambria Math" panose="02040503050406030204" pitchFamily="18" charset="0"/>
-                        <a:cs typeface="Calibri" panose="020F0502020204030204" pitchFamily="34" charset="0"/>
-                      </a:rPr>
-                      <m:t>𝐴</m:t>
-                    </m:r>
-                  </m:oMath>
-                </a14:m>
-                <a:endParaRPr lang="pl-PL" dirty="0" smtClean="0"/>
-              </a:p>
-              <a:p>
-                <a14:m>
-                  <m:oMath xmlns:m="http://schemas.openxmlformats.org/officeDocument/2006/math">
-                    <m:acc>
-                      <m:accPr>
-                        <m:chr m:val="̃"/>
-                        <m:ctrlPr>
-                          <a:rPr lang="pl-PL" i="1" smtClean="0">
-                            <a:latin typeface="Cambria Math" panose="02040503050406030204" pitchFamily="18" charset="0"/>
-                          </a:rPr>
-                        </m:ctrlPr>
-                      </m:accPr>
-                      <m:e>
-                        <m:r>
-                          <a:rPr lang="pl-PL" b="0" i="1" smtClean="0">
-                            <a:latin typeface="Cambria Math" panose="02040503050406030204" pitchFamily="18" charset="0"/>
-                          </a:rPr>
-                          <m:t>𝑥</m:t>
-                        </m:r>
-                      </m:e>
-                    </m:acc>
-                  </m:oMath>
-                </a14:m>
-                <a:r>
-                  <a:rPr lang="pl-PL" dirty="0" smtClean="0"/>
-                  <a:t>	- wektor unormowany</a:t>
-                </a:r>
-              </a:p>
-              <a:p>
-                <a14:m>
-                  <m:oMath xmlns:m="http://schemas.openxmlformats.org/officeDocument/2006/math">
-                    <m:d>
-                      <m:dPr>
-                        <m:begChr m:val="‖"/>
-                        <m:endChr m:val="‖"/>
-                        <m:ctrlPr>
-                          <a:rPr lang="pl-PL" i="1" smtClean="0">
-                            <a:latin typeface="Cambria Math" panose="02040503050406030204" pitchFamily="18" charset="0"/>
-                          </a:rPr>
-                        </m:ctrlPr>
-                      </m:dPr>
-                      <m:e>
-                        <m:r>
-                          <a:rPr lang="pl-PL" b="0" i="1" smtClean="0">
-                            <a:latin typeface="Cambria Math" panose="02040503050406030204" pitchFamily="18" charset="0"/>
-                          </a:rPr>
-                          <m:t>𝑥</m:t>
-                        </m:r>
-                      </m:e>
-                    </m:d>
-                  </m:oMath>
-                </a14:m>
-                <a:r>
-                  <a:rPr lang="pl-PL" dirty="0" smtClean="0"/>
-                  <a:t>	- norma wektora </a:t>
-                </a:r>
-                <a14:m>
-                  <m:oMath xmlns:m="http://schemas.openxmlformats.org/officeDocument/2006/math">
-                    <m:r>
-                      <a:rPr lang="pl-PL" i="1">
-                        <a:latin typeface="Cambria Math" panose="02040503050406030204" pitchFamily="18" charset="0"/>
-                      </a:rPr>
-                      <m:t>𝑥</m:t>
-                    </m:r>
-                  </m:oMath>
-                </a14:m>
-                <a:endParaRPr lang="pl-PL" dirty="0" smtClean="0"/>
-              </a:p>
-              <a:p>
-                <a14:m>
-                  <m:oMath xmlns:m="http://schemas.openxmlformats.org/officeDocument/2006/math">
-                    <m:sSup>
-                      <m:sSupPr>
-                        <m:ctrlPr>
-                          <a:rPr lang="pl-PL" i="1" smtClean="0">
-                            <a:latin typeface="Cambria Math" panose="02040503050406030204" pitchFamily="18" charset="0"/>
-                          </a:rPr>
-                        </m:ctrlPr>
-                      </m:sSupPr>
-                      <m:e>
-                        <m:r>
-                          <a:rPr lang="pl-PL" b="0" i="1" smtClean="0">
-                            <a:latin typeface="Cambria Math" panose="02040503050406030204" pitchFamily="18" charset="0"/>
-                          </a:rPr>
-                          <m:t>𝑥</m:t>
-                        </m:r>
-                      </m:e>
-                      <m:sup>
-                        <m:r>
-                          <a:rPr lang="pl-PL" b="0" i="1" smtClean="0">
-                            <a:latin typeface="Cambria Math" panose="02040503050406030204" pitchFamily="18" charset="0"/>
-                          </a:rPr>
-                          <m:t>∗</m:t>
-                        </m:r>
-                      </m:sup>
-                    </m:sSup>
-                  </m:oMath>
-                </a14:m>
-                <a:r>
-                  <a:rPr lang="pl-PL" dirty="0" smtClean="0"/>
-                  <a:t>	- sprzężenie hermitowskie </a:t>
-                </a:r>
-                <a:r>
-                  <a:rPr lang="pl-PL" dirty="0"/>
-                  <a:t>wektora </a:t>
-                </a:r>
-                <a14:m>
-                  <m:oMath xmlns:m="http://schemas.openxmlformats.org/officeDocument/2006/math">
-                    <m:r>
-                      <a:rPr lang="pl-PL" i="1">
-                        <a:latin typeface="Cambria Math" panose="02040503050406030204" pitchFamily="18" charset="0"/>
-                      </a:rPr>
-                      <m:t>𝑥</m:t>
-                    </m:r>
-                  </m:oMath>
-                </a14:m>
-                <a:endParaRPr lang="pl-PL" dirty="0" smtClean="0"/>
-              </a:p>
-              <a:p>
-                <a14:m>
-                  <m:oMath xmlns:m="http://schemas.openxmlformats.org/officeDocument/2006/math">
-                    <m:sSup>
-                      <m:sSupPr>
-                        <m:ctrlPr>
-                          <a:rPr lang="pl-PL" i="1" smtClean="0">
-                            <a:latin typeface="Cambria Math" panose="02040503050406030204" pitchFamily="18" charset="0"/>
-                            <a:ea typeface="Cambria Math" panose="02040503050406030204" pitchFamily="18" charset="0"/>
-                            <a:cs typeface="Calibri" panose="020F0502020204030204" pitchFamily="34" charset="0"/>
-                          </a:rPr>
-                        </m:ctrlPr>
-                      </m:sSupPr>
-                      <m:e>
-                        <m:r>
-                          <a:rPr lang="pl-PL" b="0" i="1" smtClean="0">
-                            <a:latin typeface="Cambria Math" panose="02040503050406030204" pitchFamily="18" charset="0"/>
-                            <a:ea typeface="Cambria Math" panose="02040503050406030204" pitchFamily="18" charset="0"/>
-                            <a:cs typeface="Calibri" panose="020F0502020204030204" pitchFamily="34" charset="0"/>
-                          </a:rPr>
-                          <m:t>𝐴</m:t>
-                        </m:r>
-                      </m:e>
-                      <m:sup>
-                        <m:r>
-                          <a:rPr lang="pl-PL" b="0" i="1" smtClean="0">
-                            <a:latin typeface="Cambria Math" panose="02040503050406030204" pitchFamily="18" charset="0"/>
-                            <a:ea typeface="Cambria Math" panose="02040503050406030204" pitchFamily="18" charset="0"/>
-                            <a:cs typeface="Calibri" panose="020F0502020204030204" pitchFamily="34" charset="0"/>
-                          </a:rPr>
-                          <m:t>−1</m:t>
-                        </m:r>
-                      </m:sup>
-                    </m:sSup>
-                  </m:oMath>
-                </a14:m>
-                <a:r>
-                  <a:rPr lang="pl-PL" dirty="0"/>
-                  <a:t>	- </a:t>
-                </a:r>
-                <a:r>
-                  <a:rPr lang="pl-PL" dirty="0" smtClean="0"/>
-                  <a:t>macierz odwrotna do nieosobliwej macierzy </a:t>
-                </a:r>
-                <a14:m>
-                  <m:oMath xmlns:m="http://schemas.openxmlformats.org/officeDocument/2006/math">
-                    <m:r>
-                      <a:rPr lang="pl-PL" b="0" i="1" smtClean="0">
-                        <a:latin typeface="Cambria Math" panose="02040503050406030204" pitchFamily="18" charset="0"/>
-                      </a:rPr>
-                      <m:t>𝐴</m:t>
-                    </m:r>
-                  </m:oMath>
-                </a14:m>
-                <a:endParaRPr lang="pl-PL" dirty="0" smtClean="0"/>
-              </a:p>
-              <a:p>
-                <a14:m>
-                  <m:oMath xmlns:m="http://schemas.openxmlformats.org/officeDocument/2006/math">
-                    <m:r>
-                      <a:rPr lang="pl-PL" b="0" i="1" smtClean="0">
-                        <a:latin typeface="Cambria Math" panose="02040503050406030204" pitchFamily="18" charset="0"/>
-                      </a:rPr>
-                      <m:t>𝐻</m:t>
-                    </m:r>
-                  </m:oMath>
-                </a14:m>
-                <a:r>
-                  <a:rPr lang="pl-PL" dirty="0"/>
-                  <a:t>	- </a:t>
-                </a:r>
-                <a:r>
-                  <a:rPr lang="pl-PL" dirty="0"/>
-                  <a:t>macierz </a:t>
-                </a:r>
-                <a:r>
-                  <a:rPr lang="pl-PL" dirty="0" err="1" smtClean="0"/>
-                  <a:t>Householdera</a:t>
-                </a:r>
-                <a:r>
-                  <a:rPr lang="pl-PL" dirty="0" smtClean="0"/>
-                  <a:t>, </a:t>
-                </a:r>
-                <a14:m>
-                  <m:oMath xmlns:m="http://schemas.openxmlformats.org/officeDocument/2006/math">
-                    <m:r>
-                      <a:rPr lang="pl-PL" b="0" i="1" smtClean="0">
-                        <a:latin typeface="Cambria Math" panose="02040503050406030204" pitchFamily="18" charset="0"/>
-                        <a:ea typeface="Cambria Math" panose="02040503050406030204" pitchFamily="18" charset="0"/>
-                        <a:cs typeface="Calibri" panose="020F0502020204030204" pitchFamily="34" charset="0"/>
-                      </a:rPr>
-                      <m:t>𝐻</m:t>
-                    </m:r>
-                    <m:r>
-                      <a:rPr lang="pl-PL" i="1">
-                        <a:latin typeface="Cambria Math" panose="02040503050406030204" pitchFamily="18" charset="0"/>
-                        <a:ea typeface="Cambria Math" panose="02040503050406030204" pitchFamily="18" charset="0"/>
-                        <a:cs typeface="Calibri" panose="020F0502020204030204" pitchFamily="34" charset="0"/>
-                      </a:rPr>
-                      <m:t>∈</m:t>
-                    </m:r>
-                    <m:sSup>
-                      <m:sSupPr>
-                        <m:ctrlPr>
-                          <a:rPr lang="pl-PL" i="1">
-                            <a:latin typeface="Cambria Math" panose="02040503050406030204" pitchFamily="18" charset="0"/>
-                            <a:ea typeface="Cambria Math" panose="02040503050406030204" pitchFamily="18" charset="0"/>
-                            <a:cs typeface="Calibri" panose="020F0502020204030204" pitchFamily="34" charset="0"/>
-                          </a:rPr>
-                        </m:ctrlPr>
-                      </m:sSupPr>
-                      <m:e>
-                        <m:r>
-                          <a:rPr lang="pl-PL" i="1">
-                            <a:latin typeface="Cambria Math" panose="02040503050406030204" pitchFamily="18" charset="0"/>
-                            <a:ea typeface="Cambria Math" panose="02040503050406030204" pitchFamily="18" charset="0"/>
-                            <a:cs typeface="Calibri" panose="020F0502020204030204" pitchFamily="34" charset="0"/>
-                          </a:rPr>
-                          <m:t>𝑅</m:t>
-                        </m:r>
-                      </m:e>
-                      <m:sup>
-                        <m:r>
-                          <a:rPr lang="pl-PL" i="1">
-                            <a:latin typeface="Cambria Math" panose="02040503050406030204" pitchFamily="18" charset="0"/>
-                            <a:ea typeface="Cambria Math" panose="02040503050406030204" pitchFamily="18" charset="0"/>
-                            <a:cs typeface="Calibri" panose="020F0502020204030204" pitchFamily="34" charset="0"/>
-                          </a:rPr>
-                          <m:t>𝑛</m:t>
-                        </m:r>
-                        <m:r>
-                          <a:rPr lang="pl-PL" i="1">
-                            <a:latin typeface="Cambria Math" panose="02040503050406030204" pitchFamily="18" charset="0"/>
-                            <a:ea typeface="Cambria Math" panose="02040503050406030204" pitchFamily="18" charset="0"/>
-                            <a:cs typeface="Calibri" panose="020F0502020204030204" pitchFamily="34" charset="0"/>
-                          </a:rPr>
-                          <m:t>×</m:t>
-                        </m:r>
-                        <m:r>
-                          <a:rPr lang="pl-PL" i="1">
-                            <a:latin typeface="Cambria Math" panose="02040503050406030204" pitchFamily="18" charset="0"/>
-                            <a:ea typeface="Cambria Math" panose="02040503050406030204" pitchFamily="18" charset="0"/>
-                            <a:cs typeface="Calibri" panose="020F0502020204030204" pitchFamily="34" charset="0"/>
-                          </a:rPr>
-                          <m:t>𝑛</m:t>
-                        </m:r>
-                      </m:sup>
-                    </m:sSup>
-                  </m:oMath>
-                </a14:m>
-                <a:endParaRPr lang="pl-PL" dirty="0" smtClean="0"/>
-              </a:p>
-              <a:p>
-                <a14:m>
-                  <m:oMath xmlns:m="http://schemas.openxmlformats.org/officeDocument/2006/math">
-                    <m:r>
-                      <a:rPr lang="pl-PL" b="0" i="1" smtClean="0">
-                        <a:latin typeface="Cambria Math" panose="02040503050406030204" pitchFamily="18" charset="0"/>
-                      </a:rPr>
-                      <m:t>𝐼</m:t>
-                    </m:r>
-                  </m:oMath>
-                </a14:m>
-                <a:r>
-                  <a:rPr lang="pl-PL" dirty="0"/>
-                  <a:t>	- </a:t>
-                </a:r>
-                <a:r>
-                  <a:rPr lang="pl-PL" dirty="0" smtClean="0"/>
-                  <a:t>macierz jednostkowa, </a:t>
-                </a:r>
-                <a14:m>
-                  <m:oMath xmlns:m="http://schemas.openxmlformats.org/officeDocument/2006/math">
-                    <m:r>
-                      <a:rPr lang="pl-PL" b="0" i="1" smtClean="0">
-                        <a:latin typeface="Cambria Math" panose="02040503050406030204" pitchFamily="18" charset="0"/>
-                        <a:ea typeface="Cambria Math" panose="02040503050406030204" pitchFamily="18" charset="0"/>
-                        <a:cs typeface="Calibri" panose="020F0502020204030204" pitchFamily="34" charset="0"/>
-                      </a:rPr>
-                      <m:t>𝐼</m:t>
-                    </m:r>
-                    <m:r>
-                      <a:rPr lang="pl-PL" i="1">
-                        <a:latin typeface="Cambria Math" panose="02040503050406030204" pitchFamily="18" charset="0"/>
-                        <a:ea typeface="Cambria Math" panose="02040503050406030204" pitchFamily="18" charset="0"/>
-                        <a:cs typeface="Calibri" panose="020F0502020204030204" pitchFamily="34" charset="0"/>
-                      </a:rPr>
-                      <m:t>∈</m:t>
-                    </m:r>
-                    <m:sSup>
-                      <m:sSupPr>
-                        <m:ctrlPr>
-                          <a:rPr lang="pl-PL" i="1">
-                            <a:latin typeface="Cambria Math" panose="02040503050406030204" pitchFamily="18" charset="0"/>
-                            <a:ea typeface="Cambria Math" panose="02040503050406030204" pitchFamily="18" charset="0"/>
-                            <a:cs typeface="Calibri" panose="020F0502020204030204" pitchFamily="34" charset="0"/>
-                          </a:rPr>
-                        </m:ctrlPr>
-                      </m:sSupPr>
-                      <m:e>
-                        <m:r>
-                          <a:rPr lang="pl-PL" i="1">
-                            <a:latin typeface="Cambria Math" panose="02040503050406030204" pitchFamily="18" charset="0"/>
-                            <a:ea typeface="Cambria Math" panose="02040503050406030204" pitchFamily="18" charset="0"/>
-                            <a:cs typeface="Calibri" panose="020F0502020204030204" pitchFamily="34" charset="0"/>
-                          </a:rPr>
-                          <m:t>𝑅</m:t>
-                        </m:r>
-                      </m:e>
-                      <m:sup>
-                        <m:r>
-                          <a:rPr lang="pl-PL" i="1">
-                            <a:latin typeface="Cambria Math" panose="02040503050406030204" pitchFamily="18" charset="0"/>
-                            <a:ea typeface="Cambria Math" panose="02040503050406030204" pitchFamily="18" charset="0"/>
-                            <a:cs typeface="Calibri" panose="020F0502020204030204" pitchFamily="34" charset="0"/>
-                          </a:rPr>
-                          <m:t>𝑛</m:t>
-                        </m:r>
-                        <m:r>
-                          <a:rPr lang="pl-PL" i="1">
-                            <a:latin typeface="Cambria Math" panose="02040503050406030204" pitchFamily="18" charset="0"/>
-                            <a:ea typeface="Cambria Math" panose="02040503050406030204" pitchFamily="18" charset="0"/>
-                            <a:cs typeface="Calibri" panose="020F0502020204030204" pitchFamily="34" charset="0"/>
-                          </a:rPr>
-                          <m:t>×</m:t>
-                        </m:r>
-                        <m:r>
-                          <a:rPr lang="pl-PL" i="1">
-                            <a:latin typeface="Cambria Math" panose="02040503050406030204" pitchFamily="18" charset="0"/>
-                            <a:ea typeface="Cambria Math" panose="02040503050406030204" pitchFamily="18" charset="0"/>
-                            <a:cs typeface="Calibri" panose="020F0502020204030204" pitchFamily="34" charset="0"/>
-                          </a:rPr>
-                          <m:t>𝑛</m:t>
-                        </m:r>
-                      </m:sup>
-                    </m:sSup>
-                  </m:oMath>
-                </a14:m>
-                <a:endParaRPr lang="pl-PL" i="1" dirty="0" smtClean="0"/>
-              </a:p>
-            </p:txBody>
-          </p:sp>
-        </mc:Choice>
-        <mc:Fallback>
-          <p:sp>
-            <p:nvSpPr>
-              <p:cNvPr id="7" name="pole tekstowe 6"/>
-              <p:cNvSpPr txBox="1">
-                <a:spLocks noRot="1" noChangeAspect="1" noMove="1" noResize="1" noEditPoints="1" noAdjustHandles="1" noChangeArrowheads="1" noChangeShapeType="1" noTextEdit="1"/>
-              </p:cNvSpPr>
-              <p:nvPr/>
-            </p:nvSpPr>
-            <p:spPr>
-              <a:xfrm>
-                <a:off x="1593436" y="1772816"/>
-                <a:ext cx="6878806" cy="3416320"/>
-              </a:xfrm>
-              <a:prstGeom prst="rect">
-                <a:avLst/>
-              </a:prstGeom>
-              <a:blipFill>
-                <a:blip r:embed="rId3"/>
-                <a:stretch>
-                  <a:fillRect t="-1071" b="-1964"/>
-                </a:stretch>
-              </a:blipFill>
-            </p:spPr>
-            <p:txBody>
-              <a:bodyPr/>
-              <a:lstStyle/>
-              <a:p>
-                <a:r>
-                  <a:rPr lang="pl-PL">
-                    <a:noFill/>
-                  </a:rPr>
-                  <a:t> </a:t>
-                </a:r>
-              </a:p>
-            </p:txBody>
-          </p:sp>
-        </mc:Fallback>
-      </mc:AlternateContent>
     </p:spTree>
     <p:extLst>
       <p:ext uri="{BB962C8B-B14F-4D97-AF65-F5344CB8AC3E}">
-        <p14:creationId xmlns:p14="http://schemas.microsoft.com/office/powerpoint/2010/main" val="1061194279"/>
+        <p14:creationId xmlns:p14="http://schemas.microsoft.com/office/powerpoint/2010/main" val="817923091"/>
       </p:ext>
     </p:extLst>
   </p:cSld>
@@ -9376,245 +11488,10 @@
       </p:transition>
     </mc:Fallback>
   </mc:AlternateContent>
-  <p:timing>
-    <p:tnLst>
-      <p:par>
-        <p:cTn id="1" dur="indefinite" restart="never" nodeType="tmRoot"/>
-      </p:par>
-    </p:tnLst>
-  </p:timing>
 </p:sld>
 </file>
 
-<file path=ppt/slides/slide3.xml><?xml version="1.0" encoding="utf-8"?>
-<p:sld xmlns:a="http://schemas.openxmlformats.org/drawingml/2006/main" xmlns:r="http://schemas.openxmlformats.org/officeDocument/2006/relationships" xmlns:p="http://schemas.openxmlformats.org/presentationml/2006/main">
-  <p:cSld>
-    <p:spTree>
-      <p:nvGrpSpPr>
-        <p:cNvPr id="1" name=""/>
-        <p:cNvGrpSpPr/>
-        <p:nvPr/>
-      </p:nvGrpSpPr>
-      <p:grpSpPr>
-        <a:xfrm>
-          <a:off x="0" y="0"/>
-          <a:ext cx="0" cy="0"/>
-          <a:chOff x="0" y="0"/>
-          <a:chExt cx="0" cy="0"/>
-        </a:xfrm>
-      </p:grpSpPr>
-      <p:sp>
-        <p:nvSpPr>
-          <p:cNvPr id="13" name="Tytuł 12"/>
-          <p:cNvSpPr>
-            <a:spLocks noGrp="1"/>
-          </p:cNvSpPr>
-          <p:nvPr>
-            <p:ph type="title"/>
-          </p:nvPr>
-        </p:nvSpPr>
-        <p:spPr>
-          <a:xfrm>
-            <a:off x="1593436" y="759843"/>
-            <a:ext cx="9782801" cy="580925"/>
-          </a:xfrm>
-        </p:spPr>
-        <p:txBody>
-          <a:bodyPr rtlCol="0">
-            <a:normAutofit/>
-          </a:bodyPr>
-          <a:lstStyle/>
-          <a:p>
-            <a:pPr rtl="0"/>
-            <a:r>
-              <a:rPr lang="pl-PL" sz="2800" dirty="0" smtClean="0">
-                <a:latin typeface="Calibri" panose="020F0502020204030204" pitchFamily="34" charset="0"/>
-                <a:cs typeface="Calibri" panose="020F0502020204030204" pitchFamily="34" charset="0"/>
-              </a:rPr>
-              <a:t>Idea </a:t>
-            </a:r>
-            <a:r>
-              <a:rPr lang="pl-PL" sz="2800" dirty="0" smtClean="0">
-                <a:latin typeface="Calibri" panose="020F0502020204030204" pitchFamily="34" charset="0"/>
-                <a:cs typeface="Calibri" panose="020F0502020204030204" pitchFamily="34" charset="0"/>
-              </a:rPr>
-              <a:t>zastosowanych metod numerycznych:</a:t>
-            </a:r>
-            <a:endParaRPr lang="pl-PL" sz="2800" dirty="0">
-              <a:latin typeface="Calibri" panose="020F0502020204030204" pitchFamily="34" charset="0"/>
-              <a:cs typeface="Calibri" panose="020F0502020204030204" pitchFamily="34" charset="0"/>
-            </a:endParaRPr>
-          </a:p>
-        </p:txBody>
-      </p:sp>
-      <p:sp>
-        <p:nvSpPr>
-          <p:cNvPr id="9" name="Symbol zastępczy zawartości 3"/>
-          <p:cNvSpPr>
-            <a:spLocks noGrp="1"/>
-          </p:cNvSpPr>
-          <p:nvPr>
-            <p:ph idx="1"/>
-          </p:nvPr>
-        </p:nvSpPr>
-        <p:spPr>
-          <a:xfrm>
-            <a:off x="1593436" y="1600200"/>
-            <a:ext cx="9782801" cy="4572000"/>
-          </a:xfrm>
-        </p:spPr>
-        <p:txBody>
-          <a:bodyPr/>
-          <a:lstStyle/>
-          <a:p>
-            <a:endParaRPr lang="pl-PL" dirty="0"/>
-          </a:p>
-        </p:txBody>
-      </p:sp>
-    </p:spTree>
-    <p:extLst>
-      <p:ext uri="{BB962C8B-B14F-4D97-AF65-F5344CB8AC3E}">
-        <p14:creationId xmlns:p14="http://schemas.microsoft.com/office/powerpoint/2010/main" val="1720426387"/>
-      </p:ext>
-    </p:extLst>
-  </p:cSld>
-  <p:clrMapOvr>
-    <a:masterClrMapping/>
-  </p:clrMapOvr>
-  <mc:AlternateContent xmlns:mc="http://schemas.openxmlformats.org/markup-compatibility/2006" xmlns:p14="http://schemas.microsoft.com/office/powerpoint/2010/main">
-    <mc:Choice Requires="p14">
-      <p:transition spd="med" p14:dur="700">
-        <p:fade/>
-      </p:transition>
-    </mc:Choice>
-    <mc:Fallback xmlns="">
-      <p:transition spd="med">
-        <p:fade/>
-      </p:transition>
-    </mc:Fallback>
-  </mc:AlternateContent>
-  <p:timing>
-    <p:tnLst>
-      <p:par>
-        <p:cTn id="1" dur="indefinite" restart="never" nodeType="tmRoot"/>
-      </p:par>
-    </p:tnLst>
-  </p:timing>
-</p:sld>
-</file>
-
-<file path=ppt/slides/slide4.xml><?xml version="1.0" encoding="utf-8"?>
-<p:sld xmlns:a="http://schemas.openxmlformats.org/drawingml/2006/main" xmlns:r="http://schemas.openxmlformats.org/officeDocument/2006/relationships" xmlns:p="http://schemas.openxmlformats.org/presentationml/2006/main">
-  <p:cSld>
-    <p:spTree>
-      <p:nvGrpSpPr>
-        <p:cNvPr id="1" name=""/>
-        <p:cNvGrpSpPr/>
-        <p:nvPr/>
-      </p:nvGrpSpPr>
-      <p:grpSpPr>
-        <a:xfrm>
-          <a:off x="0" y="0"/>
-          <a:ext cx="0" cy="0"/>
-          <a:chOff x="0" y="0"/>
-          <a:chExt cx="0" cy="0"/>
-        </a:xfrm>
-      </p:grpSpPr>
-      <p:sp>
-        <p:nvSpPr>
-          <p:cNvPr id="2" name="Tytuł 1"/>
-          <p:cNvSpPr>
-            <a:spLocks noGrp="1"/>
-          </p:cNvSpPr>
-          <p:nvPr>
-            <p:ph type="title"/>
-          </p:nvPr>
-        </p:nvSpPr>
-        <p:spPr>
-          <a:xfrm>
-            <a:off x="1593436" y="836712"/>
-            <a:ext cx="9782801" cy="436909"/>
-          </a:xfrm>
-        </p:spPr>
-        <p:txBody>
-          <a:bodyPr>
-            <a:noAutofit/>
-          </a:bodyPr>
-          <a:lstStyle/>
-          <a:p>
-            <a:r>
-              <a:rPr lang="pl-PL" sz="2800" dirty="0" smtClean="0">
-                <a:latin typeface="Calibri" panose="020F0502020204030204" pitchFamily="34" charset="0"/>
-                <a:cs typeface="Calibri" panose="020F0502020204030204" pitchFamily="34" charset="0"/>
-              </a:rPr>
-              <a:t>Własności </a:t>
-            </a:r>
-            <a:r>
-              <a:rPr lang="pl-PL" sz="2800" dirty="0" smtClean="0">
-                <a:latin typeface="Calibri" panose="020F0502020204030204" pitchFamily="34" charset="0"/>
-                <a:cs typeface="Calibri" panose="020F0502020204030204" pitchFamily="34" charset="0"/>
-              </a:rPr>
-              <a:t>implementowanych metod numerycznych:</a:t>
-            </a:r>
-            <a:endParaRPr lang="pl-PL" sz="2800" dirty="0">
-              <a:latin typeface="Calibri" panose="020F0502020204030204" pitchFamily="34" charset="0"/>
-              <a:cs typeface="Calibri" panose="020F0502020204030204" pitchFamily="34" charset="0"/>
-            </a:endParaRPr>
-          </a:p>
-        </p:txBody>
-      </p:sp>
-      <p:sp>
-        <p:nvSpPr>
-          <p:cNvPr id="4" name="Symbol zastępczy zawartości 3"/>
-          <p:cNvSpPr>
-            <a:spLocks noGrp="1"/>
-          </p:cNvSpPr>
-          <p:nvPr>
-            <p:ph idx="1"/>
-          </p:nvPr>
-        </p:nvSpPr>
-        <p:spPr/>
-        <p:txBody>
-          <a:bodyPr/>
-          <a:lstStyle/>
-          <a:p>
-            <a:endParaRPr lang="pl-PL" dirty="0"/>
-          </a:p>
-        </p:txBody>
-      </p:sp>
-    </p:spTree>
-    <p:extLst>
-      <p:ext uri="{BB962C8B-B14F-4D97-AF65-F5344CB8AC3E}">
-        <p14:creationId xmlns:p14="http://schemas.microsoft.com/office/powerpoint/2010/main" val="2038170253"/>
-      </p:ext>
-    </p:extLst>
-  </p:cSld>
-  <p:clrMapOvr>
-    <a:masterClrMapping/>
-  </p:clrMapOvr>
-  <mc:AlternateContent xmlns:mc="http://schemas.openxmlformats.org/markup-compatibility/2006" xmlns:p14="http://schemas.microsoft.com/office/powerpoint/2010/main">
-    <mc:Choice Requires="p14">
-      <p:transition spd="med" p14:dur="700">
-        <p:fade/>
-      </p:transition>
-    </mc:Choice>
-    <mc:Fallback xmlns="">
-      <p:transition spd="med">
-        <p:fade/>
-      </p:transition>
-    </mc:Fallback>
-  </mc:AlternateContent>
-  <p:timing>
-    <p:tnLst>
-      <p:par>
-        <p:cTn id="1" dur="indefinite" restart="never" nodeType="tmRoot"/>
-      </p:par>
-    </p:tnLst>
-  </p:timing>
-</p:sld>
-</file>
-
-<file path=ppt/slides/slide5.xml><?xml version="1.0" encoding="utf-8"?>
+<file path=ppt/slides/slide15.xml><?xml version="1.0" encoding="utf-8"?>
 <p:sld xmlns:a="http://schemas.openxmlformats.org/drawingml/2006/main" xmlns:r="http://schemas.openxmlformats.org/officeDocument/2006/relationships" xmlns:p="http://schemas.openxmlformats.org/presentationml/2006/main">
   <p:cSld>
     <p:spTree>
@@ -11011,6 +12888,3924 @@
 </p:sld>
 </file>
 
+<file path=ppt/slides/slide2.xml><?xml version="1.0" encoding="utf-8"?>
+<p:sld xmlns:a="http://schemas.openxmlformats.org/drawingml/2006/main" xmlns:r="http://schemas.openxmlformats.org/officeDocument/2006/relationships" xmlns:p="http://schemas.openxmlformats.org/presentationml/2006/main">
+  <p:cSld>
+    <p:spTree>
+      <p:nvGrpSpPr>
+        <p:cNvPr id="1" name=""/>
+        <p:cNvGrpSpPr/>
+        <p:nvPr/>
+      </p:nvGrpSpPr>
+      <p:grpSpPr>
+        <a:xfrm>
+          <a:off x="0" y="0"/>
+          <a:ext cx="0" cy="0"/>
+          <a:chOff x="0" y="0"/>
+          <a:chExt cx="0" cy="0"/>
+        </a:xfrm>
+      </p:grpSpPr>
+      <p:sp>
+        <p:nvSpPr>
+          <p:cNvPr id="2" name="Tytuł 1"/>
+          <p:cNvSpPr>
+            <a:spLocks noGrp="1"/>
+          </p:cNvSpPr>
+          <p:nvPr>
+            <p:ph type="title"/>
+          </p:nvPr>
+        </p:nvSpPr>
+        <p:spPr>
+          <a:xfrm>
+            <a:off x="1593436" y="620688"/>
+            <a:ext cx="9782801" cy="652933"/>
+          </a:xfrm>
+        </p:spPr>
+        <p:txBody>
+          <a:bodyPr rtlCol="0">
+            <a:normAutofit/>
+          </a:bodyPr>
+          <a:lstStyle/>
+          <a:p>
+            <a:pPr rtl="0"/>
+            <a:r>
+              <a:rPr lang="pl-PL" sz="2800" dirty="0" smtClean="0">
+                <a:latin typeface="Calibri" panose="020F0502020204030204" pitchFamily="34" charset="0"/>
+                <a:cs typeface="Calibri" panose="020F0502020204030204" pitchFamily="34" charset="0"/>
+              </a:rPr>
+              <a:t>Stosowane oznaczenia:</a:t>
+            </a:r>
+            <a:endParaRPr lang="pl-PL" sz="2800" dirty="0">
+              <a:latin typeface="Calibri" panose="020F0502020204030204" pitchFamily="34" charset="0"/>
+              <a:cs typeface="Calibri" panose="020F0502020204030204" pitchFamily="34" charset="0"/>
+            </a:endParaRPr>
+          </a:p>
+        </p:txBody>
+      </p:sp>
+      <mc:AlternateContent xmlns:mc="http://schemas.openxmlformats.org/markup-compatibility/2006" xmlns:a14="http://schemas.microsoft.com/office/drawing/2010/main">
+        <mc:Choice Requires="a14">
+          <p:sp>
+            <p:nvSpPr>
+              <p:cNvPr id="7" name="pole tekstowe 6"/>
+              <p:cNvSpPr txBox="1"/>
+              <p:nvPr/>
+            </p:nvSpPr>
+            <p:spPr>
+              <a:xfrm>
+                <a:off x="1593436" y="1772816"/>
+                <a:ext cx="6878806" cy="3416320"/>
+              </a:xfrm>
+              <a:prstGeom prst="rect">
+                <a:avLst/>
+              </a:prstGeom>
+              <a:noFill/>
+            </p:spPr>
+            <p:txBody>
+              <a:bodyPr wrap="none" rtlCol="0">
+                <a:spAutoFit/>
+              </a:bodyPr>
+              <a:lstStyle/>
+              <a:p>
+                <a14:m>
+                  <m:oMath xmlns:m="http://schemas.openxmlformats.org/officeDocument/2006/math">
+                    <m:r>
+                      <a:rPr lang="pl-PL" b="0" i="1" smtClean="0">
+                        <a:latin typeface="Cambria Math" panose="02040503050406030204" pitchFamily="18" charset="0"/>
+                        <a:ea typeface="Cambria Math" panose="02040503050406030204" pitchFamily="18" charset="0"/>
+                        <a:cs typeface="Calibri" panose="020F0502020204030204" pitchFamily="34" charset="0"/>
+                      </a:rPr>
+                      <m:t>𝐴</m:t>
+                    </m:r>
+                  </m:oMath>
+                </a14:m>
+                <a:r>
+                  <a:rPr lang="pl-PL" dirty="0"/>
+                  <a:t>	- </a:t>
+                </a:r>
+                <a:r>
+                  <a:rPr lang="pl-PL" dirty="0" smtClean="0"/>
+                  <a:t>macierz, </a:t>
+                </a:r>
+                <a14:m>
+                  <m:oMath xmlns:m="http://schemas.openxmlformats.org/officeDocument/2006/math">
+                    <m:r>
+                      <a:rPr lang="pl-PL" i="1">
+                        <a:latin typeface="Cambria Math" panose="02040503050406030204" pitchFamily="18" charset="0"/>
+                        <a:ea typeface="Cambria Math" panose="02040503050406030204" pitchFamily="18" charset="0"/>
+                        <a:cs typeface="Calibri" panose="020F0502020204030204" pitchFamily="34" charset="0"/>
+                      </a:rPr>
+                      <m:t>𝐴</m:t>
+                    </m:r>
+                    <m:r>
+                      <a:rPr lang="pl-PL" i="1" smtClean="0">
+                        <a:latin typeface="Cambria Math" panose="02040503050406030204" pitchFamily="18" charset="0"/>
+                        <a:ea typeface="Cambria Math" panose="02040503050406030204" pitchFamily="18" charset="0"/>
+                        <a:cs typeface="Calibri" panose="020F0502020204030204" pitchFamily="34" charset="0"/>
+                      </a:rPr>
+                      <m:t>∈</m:t>
+                    </m:r>
+                    <m:sSup>
+                      <m:sSupPr>
+                        <m:ctrlPr>
+                          <a:rPr lang="pl-PL" i="1" smtClean="0">
+                            <a:latin typeface="Cambria Math" panose="02040503050406030204" pitchFamily="18" charset="0"/>
+                            <a:ea typeface="Cambria Math" panose="02040503050406030204" pitchFamily="18" charset="0"/>
+                            <a:cs typeface="Calibri" panose="020F0502020204030204" pitchFamily="34" charset="0"/>
+                          </a:rPr>
+                        </m:ctrlPr>
+                      </m:sSupPr>
+                      <m:e>
+                        <m:r>
+                          <a:rPr lang="pl-PL" b="0" i="1" smtClean="0">
+                            <a:latin typeface="Cambria Math" panose="02040503050406030204" pitchFamily="18" charset="0"/>
+                            <a:ea typeface="Cambria Math" panose="02040503050406030204" pitchFamily="18" charset="0"/>
+                            <a:cs typeface="Calibri" panose="020F0502020204030204" pitchFamily="34" charset="0"/>
+                          </a:rPr>
+                          <m:t>𝑅</m:t>
+                        </m:r>
+                      </m:e>
+                      <m:sup>
+                        <m:r>
+                          <a:rPr lang="pl-PL" b="0" i="1" smtClean="0">
+                            <a:latin typeface="Cambria Math" panose="02040503050406030204" pitchFamily="18" charset="0"/>
+                            <a:ea typeface="Cambria Math" panose="02040503050406030204" pitchFamily="18" charset="0"/>
+                            <a:cs typeface="Calibri" panose="020F0502020204030204" pitchFamily="34" charset="0"/>
+                          </a:rPr>
+                          <m:t>𝑛</m:t>
+                        </m:r>
+                        <m:r>
+                          <a:rPr lang="pl-PL" b="0" i="1" smtClean="0">
+                            <a:latin typeface="Cambria Math" panose="02040503050406030204" pitchFamily="18" charset="0"/>
+                            <a:ea typeface="Cambria Math" panose="02040503050406030204" pitchFamily="18" charset="0"/>
+                            <a:cs typeface="Calibri" panose="020F0502020204030204" pitchFamily="34" charset="0"/>
+                          </a:rPr>
+                          <m:t>×</m:t>
+                        </m:r>
+                        <m:r>
+                          <a:rPr lang="pl-PL" b="0" i="1" smtClean="0">
+                            <a:latin typeface="Cambria Math" panose="02040503050406030204" pitchFamily="18" charset="0"/>
+                            <a:ea typeface="Cambria Math" panose="02040503050406030204" pitchFamily="18" charset="0"/>
+                            <a:cs typeface="Calibri" panose="020F0502020204030204" pitchFamily="34" charset="0"/>
+                          </a:rPr>
+                          <m:t>𝑛</m:t>
+                        </m:r>
+                      </m:sup>
+                    </m:sSup>
+                  </m:oMath>
+                </a14:m>
+                <a:endParaRPr lang="pl-PL" dirty="0"/>
+              </a:p>
+              <a:p>
+                <a14:m>
+                  <m:oMath xmlns:m="http://schemas.openxmlformats.org/officeDocument/2006/math">
+                    <m:sSub>
+                      <m:sSubPr>
+                        <m:ctrlPr>
+                          <a:rPr lang="pl-PL" i="1" smtClean="0">
+                            <a:latin typeface="Cambria Math" panose="02040503050406030204" pitchFamily="18" charset="0"/>
+                            <a:ea typeface="Cambria Math" panose="02040503050406030204" pitchFamily="18" charset="0"/>
+                            <a:cs typeface="Calibri" panose="020F0502020204030204" pitchFamily="34" charset="0"/>
+                          </a:rPr>
+                        </m:ctrlPr>
+                      </m:sSubPr>
+                      <m:e>
+                        <m:r>
+                          <a:rPr lang="pl-PL" i="1">
+                            <a:latin typeface="Cambria Math" panose="02040503050406030204" pitchFamily="18" charset="0"/>
+                            <a:ea typeface="Cambria Math" panose="02040503050406030204" pitchFamily="18" charset="0"/>
+                            <a:cs typeface="Calibri" panose="020F0502020204030204" pitchFamily="34" charset="0"/>
+                          </a:rPr>
+                          <m:t>𝜆</m:t>
+                        </m:r>
+                      </m:e>
+                      <m:sub>
+                        <m:r>
+                          <a:rPr lang="pl-PL" i="1">
+                            <a:latin typeface="Cambria Math" panose="02040503050406030204" pitchFamily="18" charset="0"/>
+                            <a:ea typeface="Cambria Math" panose="02040503050406030204" pitchFamily="18" charset="0"/>
+                            <a:cs typeface="Calibri" panose="020F0502020204030204" pitchFamily="34" charset="0"/>
+                          </a:rPr>
+                          <m:t>𝑚𝑎𝑥</m:t>
+                        </m:r>
+                      </m:sub>
+                    </m:sSub>
+                  </m:oMath>
+                </a14:m>
+                <a:r>
+                  <a:rPr lang="pl-PL" dirty="0" smtClean="0"/>
+                  <a:t>	- wartość własna macierzy </a:t>
+                </a:r>
+                <a14:m>
+                  <m:oMath xmlns:m="http://schemas.openxmlformats.org/officeDocument/2006/math">
+                    <m:r>
+                      <a:rPr lang="pl-PL" i="1">
+                        <a:latin typeface="Cambria Math" panose="02040503050406030204" pitchFamily="18" charset="0"/>
+                        <a:ea typeface="Cambria Math" panose="02040503050406030204" pitchFamily="18" charset="0"/>
+                        <a:cs typeface="Calibri" panose="020F0502020204030204" pitchFamily="34" charset="0"/>
+                      </a:rPr>
+                      <m:t>𝐴</m:t>
+                    </m:r>
+                  </m:oMath>
+                </a14:m>
+                <a:r>
+                  <a:rPr lang="pl-PL" dirty="0" smtClean="0"/>
+                  <a:t>, </a:t>
+                </a:r>
+              </a:p>
+              <a:p>
+                <a:r>
+                  <a:rPr lang="pl-PL" dirty="0" smtClean="0"/>
+                  <a:t>	  wyznaczona przy pomocy metody potęgowej</a:t>
+                </a:r>
+              </a:p>
+              <a:p>
+                <a14:m>
+                  <m:oMath xmlns:m="http://schemas.openxmlformats.org/officeDocument/2006/math">
+                    <m:sSub>
+                      <m:sSubPr>
+                        <m:ctrlPr>
+                          <a:rPr lang="pl-PL" i="1">
+                            <a:latin typeface="Cambria Math" panose="02040503050406030204" pitchFamily="18" charset="0"/>
+                            <a:ea typeface="Cambria Math" panose="02040503050406030204" pitchFamily="18" charset="0"/>
+                            <a:cs typeface="Calibri" panose="020F0502020204030204" pitchFamily="34" charset="0"/>
+                          </a:rPr>
+                        </m:ctrlPr>
+                      </m:sSubPr>
+                      <m:e>
+                        <m:r>
+                          <a:rPr lang="pl-PL" i="1">
+                            <a:latin typeface="Cambria Math" panose="02040503050406030204" pitchFamily="18" charset="0"/>
+                            <a:ea typeface="Cambria Math" panose="02040503050406030204" pitchFamily="18" charset="0"/>
+                            <a:cs typeface="Calibri" panose="020F0502020204030204" pitchFamily="34" charset="0"/>
+                          </a:rPr>
+                          <m:t>𝜆</m:t>
+                        </m:r>
+                      </m:e>
+                      <m:sub>
+                        <m:r>
+                          <a:rPr lang="pl-PL" i="1">
+                            <a:latin typeface="Cambria Math" panose="02040503050406030204" pitchFamily="18" charset="0"/>
+                            <a:ea typeface="Cambria Math" panose="02040503050406030204" pitchFamily="18" charset="0"/>
+                            <a:cs typeface="Calibri" panose="020F0502020204030204" pitchFamily="34" charset="0"/>
+                          </a:rPr>
+                          <m:t>𝑚</m:t>
+                        </m:r>
+                        <m:r>
+                          <a:rPr lang="pl-PL" b="0" i="1" smtClean="0">
+                            <a:latin typeface="Cambria Math" panose="02040503050406030204" pitchFamily="18" charset="0"/>
+                            <a:ea typeface="Cambria Math" panose="02040503050406030204" pitchFamily="18" charset="0"/>
+                            <a:cs typeface="Calibri" panose="020F0502020204030204" pitchFamily="34" charset="0"/>
+                          </a:rPr>
+                          <m:t>𝑖𝑛</m:t>
+                        </m:r>
+                      </m:sub>
+                    </m:sSub>
+                  </m:oMath>
+                </a14:m>
+                <a:r>
+                  <a:rPr lang="pl-PL" dirty="0"/>
+                  <a:t>	- wartość własna </a:t>
+                </a:r>
+                <a:r>
+                  <a:rPr lang="pl-PL" dirty="0" smtClean="0"/>
+                  <a:t>macierzy </a:t>
+                </a:r>
+                <a14:m>
+                  <m:oMath xmlns:m="http://schemas.openxmlformats.org/officeDocument/2006/math">
+                    <m:r>
+                      <a:rPr lang="pl-PL" i="1">
+                        <a:latin typeface="Cambria Math" panose="02040503050406030204" pitchFamily="18" charset="0"/>
+                        <a:ea typeface="Cambria Math" panose="02040503050406030204" pitchFamily="18" charset="0"/>
+                        <a:cs typeface="Calibri" panose="020F0502020204030204" pitchFamily="34" charset="0"/>
+                      </a:rPr>
+                      <m:t>𝐴</m:t>
+                    </m:r>
+                  </m:oMath>
+                </a14:m>
+                <a:r>
+                  <a:rPr lang="pl-PL" dirty="0" smtClean="0"/>
+                  <a:t>, </a:t>
+                </a:r>
+              </a:p>
+              <a:p>
+                <a:r>
+                  <a:rPr lang="pl-PL" dirty="0"/>
+                  <a:t>	</a:t>
+                </a:r>
+                <a:r>
+                  <a:rPr lang="pl-PL" dirty="0" smtClean="0"/>
+                  <a:t>  wyznaczona </a:t>
+                </a:r>
+                <a:r>
+                  <a:rPr lang="pl-PL" dirty="0"/>
+                  <a:t>przy pomocy </a:t>
+                </a:r>
+                <a:r>
+                  <a:rPr lang="pl-PL" dirty="0" smtClean="0"/>
+                  <a:t>odwrotnej metody potęgowej</a:t>
+                </a:r>
+              </a:p>
+              <a:p>
+                <a14:m>
+                  <m:oMath xmlns:m="http://schemas.openxmlformats.org/officeDocument/2006/math">
+                    <m:r>
+                      <a:rPr lang="pl-PL" b="0" i="1" smtClean="0">
+                        <a:latin typeface="Cambria Math" panose="02040503050406030204" pitchFamily="18" charset="0"/>
+                      </a:rPr>
+                      <m:t>𝑣</m:t>
+                    </m:r>
+                  </m:oMath>
+                </a14:m>
+                <a:r>
+                  <a:rPr lang="pl-PL" dirty="0" smtClean="0"/>
+                  <a:t> 	- wektor własny macierzy </a:t>
+                </a:r>
+                <a14:m>
+                  <m:oMath xmlns:m="http://schemas.openxmlformats.org/officeDocument/2006/math">
+                    <m:r>
+                      <a:rPr lang="pl-PL" i="1">
+                        <a:latin typeface="Cambria Math" panose="02040503050406030204" pitchFamily="18" charset="0"/>
+                        <a:ea typeface="Cambria Math" panose="02040503050406030204" pitchFamily="18" charset="0"/>
+                        <a:cs typeface="Calibri" panose="020F0502020204030204" pitchFamily="34" charset="0"/>
+                      </a:rPr>
+                      <m:t>𝐴</m:t>
+                    </m:r>
+                  </m:oMath>
+                </a14:m>
+                <a:endParaRPr lang="pl-PL" dirty="0" smtClean="0"/>
+              </a:p>
+              <a:p>
+                <a14:m>
+                  <m:oMath xmlns:m="http://schemas.openxmlformats.org/officeDocument/2006/math">
+                    <m:acc>
+                      <m:accPr>
+                        <m:chr m:val="̃"/>
+                        <m:ctrlPr>
+                          <a:rPr lang="pl-PL" i="1" smtClean="0">
+                            <a:latin typeface="Cambria Math" panose="02040503050406030204" pitchFamily="18" charset="0"/>
+                          </a:rPr>
+                        </m:ctrlPr>
+                      </m:accPr>
+                      <m:e>
+                        <m:r>
+                          <a:rPr lang="pl-PL" b="0" i="1" smtClean="0">
+                            <a:latin typeface="Cambria Math" panose="02040503050406030204" pitchFamily="18" charset="0"/>
+                          </a:rPr>
+                          <m:t>𝑥</m:t>
+                        </m:r>
+                      </m:e>
+                    </m:acc>
+                  </m:oMath>
+                </a14:m>
+                <a:r>
+                  <a:rPr lang="pl-PL" dirty="0" smtClean="0"/>
+                  <a:t>	- wektor unormowany</a:t>
+                </a:r>
+              </a:p>
+              <a:p>
+                <a14:m>
+                  <m:oMath xmlns:m="http://schemas.openxmlformats.org/officeDocument/2006/math">
+                    <m:d>
+                      <m:dPr>
+                        <m:begChr m:val="‖"/>
+                        <m:endChr m:val="‖"/>
+                        <m:ctrlPr>
+                          <a:rPr lang="pl-PL" i="1" smtClean="0">
+                            <a:latin typeface="Cambria Math" panose="02040503050406030204" pitchFamily="18" charset="0"/>
+                          </a:rPr>
+                        </m:ctrlPr>
+                      </m:dPr>
+                      <m:e>
+                        <m:r>
+                          <a:rPr lang="pl-PL" b="0" i="1" smtClean="0">
+                            <a:latin typeface="Cambria Math" panose="02040503050406030204" pitchFamily="18" charset="0"/>
+                          </a:rPr>
+                          <m:t>𝑥</m:t>
+                        </m:r>
+                      </m:e>
+                    </m:d>
+                  </m:oMath>
+                </a14:m>
+                <a:r>
+                  <a:rPr lang="pl-PL" dirty="0" smtClean="0"/>
+                  <a:t>	- norma wektora </a:t>
+                </a:r>
+                <a14:m>
+                  <m:oMath xmlns:m="http://schemas.openxmlformats.org/officeDocument/2006/math">
+                    <m:r>
+                      <a:rPr lang="pl-PL" i="1">
+                        <a:latin typeface="Cambria Math" panose="02040503050406030204" pitchFamily="18" charset="0"/>
+                      </a:rPr>
+                      <m:t>𝑥</m:t>
+                    </m:r>
+                  </m:oMath>
+                </a14:m>
+                <a:endParaRPr lang="pl-PL" dirty="0" smtClean="0"/>
+              </a:p>
+              <a:p>
+                <a14:m>
+                  <m:oMath xmlns:m="http://schemas.openxmlformats.org/officeDocument/2006/math">
+                    <m:sSup>
+                      <m:sSupPr>
+                        <m:ctrlPr>
+                          <a:rPr lang="pl-PL" i="1" smtClean="0">
+                            <a:latin typeface="Cambria Math" panose="02040503050406030204" pitchFamily="18" charset="0"/>
+                          </a:rPr>
+                        </m:ctrlPr>
+                      </m:sSupPr>
+                      <m:e>
+                        <m:r>
+                          <a:rPr lang="pl-PL" b="0" i="1" smtClean="0">
+                            <a:latin typeface="Cambria Math" panose="02040503050406030204" pitchFamily="18" charset="0"/>
+                          </a:rPr>
+                          <m:t>𝑥</m:t>
+                        </m:r>
+                      </m:e>
+                      <m:sup>
+                        <m:r>
+                          <a:rPr lang="pl-PL" b="0" i="1" smtClean="0">
+                            <a:latin typeface="Cambria Math" panose="02040503050406030204" pitchFamily="18" charset="0"/>
+                          </a:rPr>
+                          <m:t>∗</m:t>
+                        </m:r>
+                      </m:sup>
+                    </m:sSup>
+                  </m:oMath>
+                </a14:m>
+                <a:r>
+                  <a:rPr lang="pl-PL" dirty="0" smtClean="0"/>
+                  <a:t>	- sprzężenie hermitowskie </a:t>
+                </a:r>
+                <a:r>
+                  <a:rPr lang="pl-PL" dirty="0"/>
+                  <a:t>wektora </a:t>
+                </a:r>
+                <a14:m>
+                  <m:oMath xmlns:m="http://schemas.openxmlformats.org/officeDocument/2006/math">
+                    <m:r>
+                      <a:rPr lang="pl-PL" i="1">
+                        <a:latin typeface="Cambria Math" panose="02040503050406030204" pitchFamily="18" charset="0"/>
+                      </a:rPr>
+                      <m:t>𝑥</m:t>
+                    </m:r>
+                  </m:oMath>
+                </a14:m>
+                <a:endParaRPr lang="pl-PL" dirty="0" smtClean="0"/>
+              </a:p>
+              <a:p>
+                <a14:m>
+                  <m:oMath xmlns:m="http://schemas.openxmlformats.org/officeDocument/2006/math">
+                    <m:sSup>
+                      <m:sSupPr>
+                        <m:ctrlPr>
+                          <a:rPr lang="pl-PL" i="1" smtClean="0">
+                            <a:latin typeface="Cambria Math" panose="02040503050406030204" pitchFamily="18" charset="0"/>
+                            <a:ea typeface="Cambria Math" panose="02040503050406030204" pitchFamily="18" charset="0"/>
+                            <a:cs typeface="Calibri" panose="020F0502020204030204" pitchFamily="34" charset="0"/>
+                          </a:rPr>
+                        </m:ctrlPr>
+                      </m:sSupPr>
+                      <m:e>
+                        <m:r>
+                          <a:rPr lang="pl-PL" b="0" i="1" smtClean="0">
+                            <a:latin typeface="Cambria Math" panose="02040503050406030204" pitchFamily="18" charset="0"/>
+                            <a:ea typeface="Cambria Math" panose="02040503050406030204" pitchFamily="18" charset="0"/>
+                            <a:cs typeface="Calibri" panose="020F0502020204030204" pitchFamily="34" charset="0"/>
+                          </a:rPr>
+                          <m:t>𝐴</m:t>
+                        </m:r>
+                      </m:e>
+                      <m:sup>
+                        <m:r>
+                          <a:rPr lang="pl-PL" b="0" i="1" smtClean="0">
+                            <a:latin typeface="Cambria Math" panose="02040503050406030204" pitchFamily="18" charset="0"/>
+                            <a:ea typeface="Cambria Math" panose="02040503050406030204" pitchFamily="18" charset="0"/>
+                            <a:cs typeface="Calibri" panose="020F0502020204030204" pitchFamily="34" charset="0"/>
+                          </a:rPr>
+                          <m:t>−1</m:t>
+                        </m:r>
+                      </m:sup>
+                    </m:sSup>
+                  </m:oMath>
+                </a14:m>
+                <a:r>
+                  <a:rPr lang="pl-PL" dirty="0"/>
+                  <a:t>	- </a:t>
+                </a:r>
+                <a:r>
+                  <a:rPr lang="pl-PL" dirty="0" smtClean="0"/>
+                  <a:t>macierz odwrotna do nieosobliwej macierzy </a:t>
+                </a:r>
+                <a14:m>
+                  <m:oMath xmlns:m="http://schemas.openxmlformats.org/officeDocument/2006/math">
+                    <m:r>
+                      <a:rPr lang="pl-PL" b="0" i="1" smtClean="0">
+                        <a:latin typeface="Cambria Math" panose="02040503050406030204" pitchFamily="18" charset="0"/>
+                      </a:rPr>
+                      <m:t>𝐴</m:t>
+                    </m:r>
+                  </m:oMath>
+                </a14:m>
+                <a:endParaRPr lang="pl-PL" dirty="0" smtClean="0"/>
+              </a:p>
+              <a:p>
+                <a14:m>
+                  <m:oMath xmlns:m="http://schemas.openxmlformats.org/officeDocument/2006/math">
+                    <m:r>
+                      <a:rPr lang="pl-PL" b="0" i="1" smtClean="0">
+                        <a:latin typeface="Cambria Math" panose="02040503050406030204" pitchFamily="18" charset="0"/>
+                      </a:rPr>
+                      <m:t>𝐻</m:t>
+                    </m:r>
+                  </m:oMath>
+                </a14:m>
+                <a:r>
+                  <a:rPr lang="pl-PL" dirty="0"/>
+                  <a:t>	- macierz </a:t>
+                </a:r>
+                <a:r>
+                  <a:rPr lang="pl-PL" dirty="0" err="1" smtClean="0"/>
+                  <a:t>Householdera</a:t>
+                </a:r>
+                <a:r>
+                  <a:rPr lang="pl-PL" dirty="0" smtClean="0"/>
+                  <a:t>, </a:t>
+                </a:r>
+                <a14:m>
+                  <m:oMath xmlns:m="http://schemas.openxmlformats.org/officeDocument/2006/math">
+                    <m:r>
+                      <a:rPr lang="pl-PL" b="0" i="1" smtClean="0">
+                        <a:latin typeface="Cambria Math" panose="02040503050406030204" pitchFamily="18" charset="0"/>
+                        <a:ea typeface="Cambria Math" panose="02040503050406030204" pitchFamily="18" charset="0"/>
+                        <a:cs typeface="Calibri" panose="020F0502020204030204" pitchFamily="34" charset="0"/>
+                      </a:rPr>
+                      <m:t>𝐻</m:t>
+                    </m:r>
+                    <m:r>
+                      <a:rPr lang="pl-PL" i="1">
+                        <a:latin typeface="Cambria Math" panose="02040503050406030204" pitchFamily="18" charset="0"/>
+                        <a:ea typeface="Cambria Math" panose="02040503050406030204" pitchFamily="18" charset="0"/>
+                        <a:cs typeface="Calibri" panose="020F0502020204030204" pitchFamily="34" charset="0"/>
+                      </a:rPr>
+                      <m:t>∈</m:t>
+                    </m:r>
+                    <m:sSup>
+                      <m:sSupPr>
+                        <m:ctrlPr>
+                          <a:rPr lang="pl-PL" i="1">
+                            <a:latin typeface="Cambria Math" panose="02040503050406030204" pitchFamily="18" charset="0"/>
+                            <a:ea typeface="Cambria Math" panose="02040503050406030204" pitchFamily="18" charset="0"/>
+                            <a:cs typeface="Calibri" panose="020F0502020204030204" pitchFamily="34" charset="0"/>
+                          </a:rPr>
+                        </m:ctrlPr>
+                      </m:sSupPr>
+                      <m:e>
+                        <m:r>
+                          <a:rPr lang="pl-PL" i="1">
+                            <a:latin typeface="Cambria Math" panose="02040503050406030204" pitchFamily="18" charset="0"/>
+                            <a:ea typeface="Cambria Math" panose="02040503050406030204" pitchFamily="18" charset="0"/>
+                            <a:cs typeface="Calibri" panose="020F0502020204030204" pitchFamily="34" charset="0"/>
+                          </a:rPr>
+                          <m:t>𝑅</m:t>
+                        </m:r>
+                      </m:e>
+                      <m:sup>
+                        <m:r>
+                          <a:rPr lang="pl-PL" i="1">
+                            <a:latin typeface="Cambria Math" panose="02040503050406030204" pitchFamily="18" charset="0"/>
+                            <a:ea typeface="Cambria Math" panose="02040503050406030204" pitchFamily="18" charset="0"/>
+                            <a:cs typeface="Calibri" panose="020F0502020204030204" pitchFamily="34" charset="0"/>
+                          </a:rPr>
+                          <m:t>𝑛</m:t>
+                        </m:r>
+                        <m:r>
+                          <a:rPr lang="pl-PL" i="1">
+                            <a:latin typeface="Cambria Math" panose="02040503050406030204" pitchFamily="18" charset="0"/>
+                            <a:ea typeface="Cambria Math" panose="02040503050406030204" pitchFamily="18" charset="0"/>
+                            <a:cs typeface="Calibri" panose="020F0502020204030204" pitchFamily="34" charset="0"/>
+                          </a:rPr>
+                          <m:t>×</m:t>
+                        </m:r>
+                        <m:r>
+                          <a:rPr lang="pl-PL" i="1">
+                            <a:latin typeface="Cambria Math" panose="02040503050406030204" pitchFamily="18" charset="0"/>
+                            <a:ea typeface="Cambria Math" panose="02040503050406030204" pitchFamily="18" charset="0"/>
+                            <a:cs typeface="Calibri" panose="020F0502020204030204" pitchFamily="34" charset="0"/>
+                          </a:rPr>
+                          <m:t>𝑛</m:t>
+                        </m:r>
+                      </m:sup>
+                    </m:sSup>
+                  </m:oMath>
+                </a14:m>
+                <a:endParaRPr lang="pl-PL" dirty="0" smtClean="0"/>
+              </a:p>
+              <a:p>
+                <a14:m>
+                  <m:oMath xmlns:m="http://schemas.openxmlformats.org/officeDocument/2006/math">
+                    <m:r>
+                      <a:rPr lang="pl-PL" b="0" i="1" smtClean="0">
+                        <a:latin typeface="Cambria Math" panose="02040503050406030204" pitchFamily="18" charset="0"/>
+                      </a:rPr>
+                      <m:t>𝐼</m:t>
+                    </m:r>
+                  </m:oMath>
+                </a14:m>
+                <a:r>
+                  <a:rPr lang="pl-PL" dirty="0"/>
+                  <a:t>	- </a:t>
+                </a:r>
+                <a:r>
+                  <a:rPr lang="pl-PL" dirty="0" smtClean="0"/>
+                  <a:t>macierz jednostkowa, </a:t>
+                </a:r>
+                <a14:m>
+                  <m:oMath xmlns:m="http://schemas.openxmlformats.org/officeDocument/2006/math">
+                    <m:r>
+                      <a:rPr lang="pl-PL" b="0" i="1" smtClean="0">
+                        <a:latin typeface="Cambria Math" panose="02040503050406030204" pitchFamily="18" charset="0"/>
+                        <a:ea typeface="Cambria Math" panose="02040503050406030204" pitchFamily="18" charset="0"/>
+                        <a:cs typeface="Calibri" panose="020F0502020204030204" pitchFamily="34" charset="0"/>
+                      </a:rPr>
+                      <m:t>𝐼</m:t>
+                    </m:r>
+                    <m:r>
+                      <a:rPr lang="pl-PL" i="1">
+                        <a:latin typeface="Cambria Math" panose="02040503050406030204" pitchFamily="18" charset="0"/>
+                        <a:ea typeface="Cambria Math" panose="02040503050406030204" pitchFamily="18" charset="0"/>
+                        <a:cs typeface="Calibri" panose="020F0502020204030204" pitchFamily="34" charset="0"/>
+                      </a:rPr>
+                      <m:t>∈</m:t>
+                    </m:r>
+                    <m:sSup>
+                      <m:sSupPr>
+                        <m:ctrlPr>
+                          <a:rPr lang="pl-PL" i="1">
+                            <a:latin typeface="Cambria Math" panose="02040503050406030204" pitchFamily="18" charset="0"/>
+                            <a:ea typeface="Cambria Math" panose="02040503050406030204" pitchFamily="18" charset="0"/>
+                            <a:cs typeface="Calibri" panose="020F0502020204030204" pitchFamily="34" charset="0"/>
+                          </a:rPr>
+                        </m:ctrlPr>
+                      </m:sSupPr>
+                      <m:e>
+                        <m:r>
+                          <a:rPr lang="pl-PL" i="1">
+                            <a:latin typeface="Cambria Math" panose="02040503050406030204" pitchFamily="18" charset="0"/>
+                            <a:ea typeface="Cambria Math" panose="02040503050406030204" pitchFamily="18" charset="0"/>
+                            <a:cs typeface="Calibri" panose="020F0502020204030204" pitchFamily="34" charset="0"/>
+                          </a:rPr>
+                          <m:t>𝑅</m:t>
+                        </m:r>
+                      </m:e>
+                      <m:sup>
+                        <m:r>
+                          <a:rPr lang="pl-PL" i="1">
+                            <a:latin typeface="Cambria Math" panose="02040503050406030204" pitchFamily="18" charset="0"/>
+                            <a:ea typeface="Cambria Math" panose="02040503050406030204" pitchFamily="18" charset="0"/>
+                            <a:cs typeface="Calibri" panose="020F0502020204030204" pitchFamily="34" charset="0"/>
+                          </a:rPr>
+                          <m:t>𝑛</m:t>
+                        </m:r>
+                        <m:r>
+                          <a:rPr lang="pl-PL" i="1">
+                            <a:latin typeface="Cambria Math" panose="02040503050406030204" pitchFamily="18" charset="0"/>
+                            <a:ea typeface="Cambria Math" panose="02040503050406030204" pitchFamily="18" charset="0"/>
+                            <a:cs typeface="Calibri" panose="020F0502020204030204" pitchFamily="34" charset="0"/>
+                          </a:rPr>
+                          <m:t>×</m:t>
+                        </m:r>
+                        <m:r>
+                          <a:rPr lang="pl-PL" i="1">
+                            <a:latin typeface="Cambria Math" panose="02040503050406030204" pitchFamily="18" charset="0"/>
+                            <a:ea typeface="Cambria Math" panose="02040503050406030204" pitchFamily="18" charset="0"/>
+                            <a:cs typeface="Calibri" panose="020F0502020204030204" pitchFamily="34" charset="0"/>
+                          </a:rPr>
+                          <m:t>𝑛</m:t>
+                        </m:r>
+                      </m:sup>
+                    </m:sSup>
+                  </m:oMath>
+                </a14:m>
+                <a:endParaRPr lang="pl-PL" i="1" dirty="0" smtClean="0"/>
+              </a:p>
+            </p:txBody>
+          </p:sp>
+        </mc:Choice>
+        <mc:Fallback xmlns="">
+          <p:sp>
+            <p:nvSpPr>
+              <p:cNvPr id="7" name="pole tekstowe 6"/>
+              <p:cNvSpPr txBox="1">
+                <a:spLocks noRot="1" noChangeAspect="1" noMove="1" noResize="1" noEditPoints="1" noAdjustHandles="1" noChangeArrowheads="1" noChangeShapeType="1" noTextEdit="1"/>
+              </p:cNvSpPr>
+              <p:nvPr/>
+            </p:nvSpPr>
+            <p:spPr>
+              <a:xfrm>
+                <a:off x="1593436" y="1772816"/>
+                <a:ext cx="6878806" cy="3416320"/>
+              </a:xfrm>
+              <a:prstGeom prst="rect">
+                <a:avLst/>
+              </a:prstGeom>
+              <a:blipFill>
+                <a:blip r:embed="rId3"/>
+                <a:stretch>
+                  <a:fillRect t="-1071" b="-1964"/>
+                </a:stretch>
+              </a:blipFill>
+            </p:spPr>
+            <p:txBody>
+              <a:bodyPr/>
+              <a:lstStyle/>
+              <a:p>
+                <a:r>
+                  <a:rPr lang="pl-PL">
+                    <a:noFill/>
+                  </a:rPr>
+                  <a:t> </a:t>
+                </a:r>
+              </a:p>
+            </p:txBody>
+          </p:sp>
+        </mc:Fallback>
+      </mc:AlternateContent>
+    </p:spTree>
+    <p:extLst>
+      <p:ext uri="{BB962C8B-B14F-4D97-AF65-F5344CB8AC3E}">
+        <p14:creationId xmlns:p14="http://schemas.microsoft.com/office/powerpoint/2010/main" val="1061194279"/>
+      </p:ext>
+    </p:extLst>
+  </p:cSld>
+  <p:clrMapOvr>
+    <a:masterClrMapping/>
+  </p:clrMapOvr>
+  <mc:AlternateContent xmlns:mc="http://schemas.openxmlformats.org/markup-compatibility/2006" xmlns:p14="http://schemas.microsoft.com/office/powerpoint/2010/main">
+    <mc:Choice Requires="p14">
+      <p:transition spd="med" p14:dur="700">
+        <p:fade/>
+      </p:transition>
+    </mc:Choice>
+    <mc:Fallback xmlns="">
+      <p:transition spd="med">
+        <p:fade/>
+      </p:transition>
+    </mc:Fallback>
+  </mc:AlternateContent>
+  <p:timing>
+    <p:tnLst>
+      <p:par>
+        <p:cTn id="1" dur="indefinite" restart="never" nodeType="tmRoot"/>
+      </p:par>
+    </p:tnLst>
+  </p:timing>
+</p:sld>
+</file>
+
+<file path=ppt/slides/slide3.xml><?xml version="1.0" encoding="utf-8"?>
+<p:sld xmlns:a="http://schemas.openxmlformats.org/drawingml/2006/main" xmlns:r="http://schemas.openxmlformats.org/officeDocument/2006/relationships" xmlns:p="http://schemas.openxmlformats.org/presentationml/2006/main">
+  <p:cSld>
+    <p:spTree>
+      <p:nvGrpSpPr>
+        <p:cNvPr id="1" name=""/>
+        <p:cNvGrpSpPr/>
+        <p:nvPr/>
+      </p:nvGrpSpPr>
+      <p:grpSpPr>
+        <a:xfrm>
+          <a:off x="0" y="0"/>
+          <a:ext cx="0" cy="0"/>
+          <a:chOff x="0" y="0"/>
+          <a:chExt cx="0" cy="0"/>
+        </a:xfrm>
+      </p:grpSpPr>
+      <p:sp>
+        <p:nvSpPr>
+          <p:cNvPr id="2" name="Tytuł 1"/>
+          <p:cNvSpPr>
+            <a:spLocks noGrp="1"/>
+          </p:cNvSpPr>
+          <p:nvPr>
+            <p:ph type="ctrTitle"/>
+          </p:nvPr>
+        </p:nvSpPr>
+        <p:spPr>
+          <a:xfrm>
+            <a:off x="2428669" y="2780928"/>
+            <a:ext cx="8329031" cy="1499399"/>
+          </a:xfrm>
+        </p:spPr>
+        <p:txBody>
+          <a:bodyPr/>
+          <a:lstStyle/>
+          <a:p>
+            <a:r>
+              <a:rPr lang="pl-PL" dirty="0" smtClean="0"/>
+              <a:t>Idea zaimplementowanych metod numerycznych</a:t>
+            </a:r>
+            <a:endParaRPr lang="pl-PL" dirty="0"/>
+          </a:p>
+        </p:txBody>
+      </p:sp>
+    </p:spTree>
+    <p:extLst>
+      <p:ext uri="{BB962C8B-B14F-4D97-AF65-F5344CB8AC3E}">
+        <p14:creationId xmlns:p14="http://schemas.microsoft.com/office/powerpoint/2010/main" val="2147618247"/>
+      </p:ext>
+    </p:extLst>
+  </p:cSld>
+  <p:clrMapOvr>
+    <a:masterClrMapping/>
+  </p:clrMapOvr>
+  <mc:AlternateContent xmlns:mc="http://schemas.openxmlformats.org/markup-compatibility/2006" xmlns:p14="http://schemas.microsoft.com/office/powerpoint/2010/main">
+    <mc:Choice Requires="p14">
+      <p:transition spd="med" p14:dur="700">
+        <p:fade/>
+      </p:transition>
+    </mc:Choice>
+    <mc:Fallback xmlns="">
+      <p:transition spd="med">
+        <p:fade/>
+      </p:transition>
+    </mc:Fallback>
+  </mc:AlternateContent>
+</p:sld>
+</file>
+
+<file path=ppt/slides/slide4.xml><?xml version="1.0" encoding="utf-8"?>
+<p:sld xmlns:a="http://schemas.openxmlformats.org/drawingml/2006/main" xmlns:r="http://schemas.openxmlformats.org/officeDocument/2006/relationships" xmlns:p="http://schemas.openxmlformats.org/presentationml/2006/main">
+  <p:cSld>
+    <p:spTree>
+      <p:nvGrpSpPr>
+        <p:cNvPr id="1" name=""/>
+        <p:cNvGrpSpPr/>
+        <p:nvPr/>
+      </p:nvGrpSpPr>
+      <p:grpSpPr>
+        <a:xfrm>
+          <a:off x="0" y="0"/>
+          <a:ext cx="0" cy="0"/>
+          <a:chOff x="0" y="0"/>
+          <a:chExt cx="0" cy="0"/>
+        </a:xfrm>
+      </p:grpSpPr>
+      <p:sp>
+        <p:nvSpPr>
+          <p:cNvPr id="2" name="Tytuł 1"/>
+          <p:cNvSpPr>
+            <a:spLocks noGrp="1"/>
+          </p:cNvSpPr>
+          <p:nvPr>
+            <p:ph type="title"/>
+          </p:nvPr>
+        </p:nvSpPr>
+        <p:spPr>
+          <a:xfrm>
+            <a:off x="1598613" y="3356991"/>
+            <a:ext cx="8283272" cy="897273"/>
+          </a:xfrm>
+        </p:spPr>
+        <p:txBody>
+          <a:bodyPr/>
+          <a:lstStyle/>
+          <a:p>
+            <a:r>
+              <a:rPr lang="pl-PL" dirty="0" smtClean="0"/>
+              <a:t>Metoda Potęgowa</a:t>
+            </a:r>
+            <a:endParaRPr lang="pl-PL" dirty="0"/>
+          </a:p>
+        </p:txBody>
+      </p:sp>
+    </p:spTree>
+    <p:extLst>
+      <p:ext uri="{BB962C8B-B14F-4D97-AF65-F5344CB8AC3E}">
+        <p14:creationId xmlns:p14="http://schemas.microsoft.com/office/powerpoint/2010/main" val="2600534143"/>
+      </p:ext>
+    </p:extLst>
+  </p:cSld>
+  <p:clrMapOvr>
+    <a:masterClrMapping/>
+  </p:clrMapOvr>
+  <mc:AlternateContent xmlns:mc="http://schemas.openxmlformats.org/markup-compatibility/2006" xmlns:p14="http://schemas.microsoft.com/office/powerpoint/2010/main">
+    <mc:Choice Requires="p14">
+      <p:transition spd="med" p14:dur="700">
+        <p:fade/>
+      </p:transition>
+    </mc:Choice>
+    <mc:Fallback xmlns="">
+      <p:transition spd="med">
+        <p:fade/>
+      </p:transition>
+    </mc:Fallback>
+  </mc:AlternateContent>
+</p:sld>
+</file>
+
+<file path=ppt/slides/slide5.xml><?xml version="1.0" encoding="utf-8"?>
+<p:sld xmlns:a="http://schemas.openxmlformats.org/drawingml/2006/main" xmlns:r="http://schemas.openxmlformats.org/officeDocument/2006/relationships" xmlns:p="http://schemas.openxmlformats.org/presentationml/2006/main">
+  <p:cSld>
+    <p:spTree>
+      <p:nvGrpSpPr>
+        <p:cNvPr id="1" name=""/>
+        <p:cNvGrpSpPr/>
+        <p:nvPr/>
+      </p:nvGrpSpPr>
+      <p:grpSpPr>
+        <a:xfrm>
+          <a:off x="0" y="0"/>
+          <a:ext cx="0" cy="0"/>
+          <a:chOff x="0" y="0"/>
+          <a:chExt cx="0" cy="0"/>
+        </a:xfrm>
+      </p:grpSpPr>
+      <mc:AlternateContent xmlns:mc="http://schemas.openxmlformats.org/markup-compatibility/2006">
+        <mc:Choice xmlns:a14="http://schemas.microsoft.com/office/drawing/2010/main" Requires="a14">
+          <p:sp>
+            <p:nvSpPr>
+              <p:cNvPr id="3" name="Symbol zastępczy zawartości 2"/>
+              <p:cNvSpPr>
+                <a:spLocks noGrp="1"/>
+              </p:cNvSpPr>
+              <p:nvPr>
+                <p:ph idx="1"/>
+              </p:nvPr>
+            </p:nvSpPr>
+            <p:spPr>
+              <a:xfrm>
+                <a:off x="1593436" y="1844824"/>
+                <a:ext cx="6229168" cy="2836912"/>
+              </a:xfrm>
+            </p:spPr>
+            <p:txBody>
+              <a:bodyPr>
+                <a:normAutofit/>
+              </a:bodyPr>
+              <a:lstStyle/>
+              <a:p>
+                <a:r>
+                  <a:rPr lang="pl-PL" sz="1800" dirty="0" smtClean="0"/>
+                  <a:t>Macierz </a:t>
+                </a:r>
+                <a14:m>
+                  <m:oMath xmlns:m="http://schemas.openxmlformats.org/officeDocument/2006/math">
+                    <m:r>
+                      <a:rPr lang="pl-PL" sz="1800" i="1">
+                        <a:latin typeface="Cambria Math" panose="02040503050406030204" pitchFamily="18" charset="0"/>
+                        <a:ea typeface="Cambria Math" panose="02040503050406030204" pitchFamily="18" charset="0"/>
+                        <a:cs typeface="Calibri" panose="020F0502020204030204" pitchFamily="34" charset="0"/>
+                      </a:rPr>
+                      <m:t>𝐴</m:t>
+                    </m:r>
+                  </m:oMath>
+                </a14:m>
+                <a:r>
+                  <a:rPr lang="pl-PL" sz="1800" dirty="0" smtClean="0"/>
+                  <a:t> posiada dominującą wartość własną </a:t>
+                </a:r>
+                <a14:m>
+                  <m:oMath xmlns:m="http://schemas.openxmlformats.org/officeDocument/2006/math">
+                    <m:sSub>
+                      <m:sSubPr>
+                        <m:ctrlPr>
+                          <a:rPr lang="pl-PL" sz="1800" i="1">
+                            <a:latin typeface="Cambria Math" panose="02040503050406030204" pitchFamily="18" charset="0"/>
+                            <a:ea typeface="Cambria Math" panose="02040503050406030204" pitchFamily="18" charset="0"/>
+                            <a:cs typeface="Calibri" panose="020F0502020204030204" pitchFamily="34" charset="0"/>
+                          </a:rPr>
+                        </m:ctrlPr>
+                      </m:sSubPr>
+                      <m:e>
+                        <m:r>
+                          <a:rPr lang="pl-PL" sz="1800" i="1">
+                            <a:latin typeface="Cambria Math" panose="02040503050406030204" pitchFamily="18" charset="0"/>
+                            <a:ea typeface="Cambria Math" panose="02040503050406030204" pitchFamily="18" charset="0"/>
+                            <a:cs typeface="Calibri" panose="020F0502020204030204" pitchFamily="34" charset="0"/>
+                          </a:rPr>
+                          <m:t>𝜆</m:t>
+                        </m:r>
+                      </m:e>
+                      <m:sub>
+                        <m:r>
+                          <a:rPr lang="pl-PL" sz="1800" b="0" i="1" smtClean="0">
+                            <a:latin typeface="Cambria Math" panose="02040503050406030204" pitchFamily="18" charset="0"/>
+                            <a:ea typeface="Cambria Math" panose="02040503050406030204" pitchFamily="18" charset="0"/>
+                            <a:cs typeface="Calibri" panose="020F0502020204030204" pitchFamily="34" charset="0"/>
+                          </a:rPr>
+                          <m:t>1</m:t>
+                        </m:r>
+                      </m:sub>
+                    </m:sSub>
+                  </m:oMath>
+                </a14:m>
+                <a:r>
+                  <a:rPr lang="pl-PL" sz="1800" dirty="0" smtClean="0"/>
+                  <a:t>, czyli </a:t>
+                </a:r>
+                <a14:m>
+                  <m:oMath xmlns:m="http://schemas.openxmlformats.org/officeDocument/2006/math">
+                    <m:d>
+                      <m:dPr>
+                        <m:begChr m:val="|"/>
+                        <m:endChr m:val="|"/>
+                        <m:ctrlPr>
+                          <a:rPr lang="pl-PL" sz="1800" i="1" smtClean="0">
+                            <a:latin typeface="Cambria Math" panose="02040503050406030204" pitchFamily="18" charset="0"/>
+                            <a:ea typeface="Cambria Math" panose="02040503050406030204" pitchFamily="18" charset="0"/>
+                            <a:cs typeface="Calibri" panose="020F0502020204030204" pitchFamily="34" charset="0"/>
+                          </a:rPr>
+                        </m:ctrlPr>
+                      </m:dPr>
+                      <m:e>
+                        <m:sSub>
+                          <m:sSubPr>
+                            <m:ctrlPr>
+                              <a:rPr lang="pl-PL" sz="1800" i="1">
+                                <a:latin typeface="Cambria Math" panose="02040503050406030204" pitchFamily="18" charset="0"/>
+                                <a:ea typeface="Cambria Math" panose="02040503050406030204" pitchFamily="18" charset="0"/>
+                                <a:cs typeface="Calibri" panose="020F0502020204030204" pitchFamily="34" charset="0"/>
+                              </a:rPr>
+                            </m:ctrlPr>
+                          </m:sSubPr>
+                          <m:e>
+                            <m:r>
+                              <a:rPr lang="pl-PL" sz="1800" i="1">
+                                <a:latin typeface="Cambria Math" panose="02040503050406030204" pitchFamily="18" charset="0"/>
+                                <a:ea typeface="Cambria Math" panose="02040503050406030204" pitchFamily="18" charset="0"/>
+                                <a:cs typeface="Calibri" panose="020F0502020204030204" pitchFamily="34" charset="0"/>
+                              </a:rPr>
+                              <m:t>𝜆</m:t>
+                            </m:r>
+                          </m:e>
+                          <m:sub>
+                            <m:r>
+                              <a:rPr lang="pl-PL" sz="1800" i="1">
+                                <a:latin typeface="Cambria Math" panose="02040503050406030204" pitchFamily="18" charset="0"/>
+                                <a:ea typeface="Cambria Math" panose="02040503050406030204" pitchFamily="18" charset="0"/>
+                                <a:cs typeface="Calibri" panose="020F0502020204030204" pitchFamily="34" charset="0"/>
+                              </a:rPr>
+                              <m:t>1</m:t>
+                            </m:r>
+                          </m:sub>
+                        </m:sSub>
+                      </m:e>
+                    </m:d>
+                    <m:r>
+                      <a:rPr lang="pl-PL" sz="1800" b="0" i="1" smtClean="0">
+                        <a:latin typeface="Cambria Math" panose="02040503050406030204" pitchFamily="18" charset="0"/>
+                        <a:ea typeface="Cambria Math" panose="02040503050406030204" pitchFamily="18" charset="0"/>
+                        <a:cs typeface="Calibri" panose="020F0502020204030204" pitchFamily="34" charset="0"/>
+                      </a:rPr>
+                      <m:t>&gt;</m:t>
+                    </m:r>
+                    <m:d>
+                      <m:dPr>
+                        <m:begChr m:val="|"/>
+                        <m:endChr m:val="|"/>
+                        <m:ctrlPr>
+                          <a:rPr lang="pl-PL" sz="1800" i="1">
+                            <a:latin typeface="Cambria Math" panose="02040503050406030204" pitchFamily="18" charset="0"/>
+                            <a:ea typeface="Cambria Math" panose="02040503050406030204" pitchFamily="18" charset="0"/>
+                            <a:cs typeface="Calibri" panose="020F0502020204030204" pitchFamily="34" charset="0"/>
+                          </a:rPr>
+                        </m:ctrlPr>
+                      </m:dPr>
+                      <m:e>
+                        <m:sSub>
+                          <m:sSubPr>
+                            <m:ctrlPr>
+                              <a:rPr lang="pl-PL" sz="1800" i="1">
+                                <a:latin typeface="Cambria Math" panose="02040503050406030204" pitchFamily="18" charset="0"/>
+                                <a:ea typeface="Cambria Math" panose="02040503050406030204" pitchFamily="18" charset="0"/>
+                                <a:cs typeface="Calibri" panose="020F0502020204030204" pitchFamily="34" charset="0"/>
+                              </a:rPr>
+                            </m:ctrlPr>
+                          </m:sSubPr>
+                          <m:e>
+                            <m:r>
+                              <a:rPr lang="pl-PL" sz="1800" i="1">
+                                <a:latin typeface="Cambria Math" panose="02040503050406030204" pitchFamily="18" charset="0"/>
+                                <a:ea typeface="Cambria Math" panose="02040503050406030204" pitchFamily="18" charset="0"/>
+                                <a:cs typeface="Calibri" panose="020F0502020204030204" pitchFamily="34" charset="0"/>
+                              </a:rPr>
+                              <m:t>𝜆</m:t>
+                            </m:r>
+                          </m:e>
+                          <m:sub>
+                            <m:r>
+                              <a:rPr lang="pl-PL" sz="1800" b="0" i="1" smtClean="0">
+                                <a:latin typeface="Cambria Math" panose="02040503050406030204" pitchFamily="18" charset="0"/>
+                                <a:ea typeface="Cambria Math" panose="02040503050406030204" pitchFamily="18" charset="0"/>
+                                <a:cs typeface="Calibri" panose="020F0502020204030204" pitchFamily="34" charset="0"/>
+                              </a:rPr>
+                              <m:t>2</m:t>
+                            </m:r>
+                          </m:sub>
+                        </m:sSub>
+                      </m:e>
+                    </m:d>
+                    <m:r>
+                      <a:rPr lang="pl-PL" sz="1800" b="0" i="1" smtClean="0">
+                        <a:latin typeface="Cambria Math" panose="02040503050406030204" pitchFamily="18" charset="0"/>
+                        <a:ea typeface="Cambria Math" panose="02040503050406030204" pitchFamily="18" charset="0"/>
+                        <a:cs typeface="Calibri" panose="020F0502020204030204" pitchFamily="34" charset="0"/>
+                      </a:rPr>
+                      <m:t>≥ …≥</m:t>
+                    </m:r>
+                    <m:d>
+                      <m:dPr>
+                        <m:begChr m:val="|"/>
+                        <m:endChr m:val="|"/>
+                        <m:ctrlPr>
+                          <a:rPr lang="pl-PL" sz="1800" i="1">
+                            <a:latin typeface="Cambria Math" panose="02040503050406030204" pitchFamily="18" charset="0"/>
+                            <a:ea typeface="Cambria Math" panose="02040503050406030204" pitchFamily="18" charset="0"/>
+                            <a:cs typeface="Calibri" panose="020F0502020204030204" pitchFamily="34" charset="0"/>
+                          </a:rPr>
+                        </m:ctrlPr>
+                      </m:dPr>
+                      <m:e>
+                        <m:sSub>
+                          <m:sSubPr>
+                            <m:ctrlPr>
+                              <a:rPr lang="pl-PL" sz="1800" i="1">
+                                <a:latin typeface="Cambria Math" panose="02040503050406030204" pitchFamily="18" charset="0"/>
+                                <a:ea typeface="Cambria Math" panose="02040503050406030204" pitchFamily="18" charset="0"/>
+                                <a:cs typeface="Calibri" panose="020F0502020204030204" pitchFamily="34" charset="0"/>
+                              </a:rPr>
+                            </m:ctrlPr>
+                          </m:sSubPr>
+                          <m:e>
+                            <m:r>
+                              <a:rPr lang="pl-PL" sz="1800" i="1">
+                                <a:latin typeface="Cambria Math" panose="02040503050406030204" pitchFamily="18" charset="0"/>
+                                <a:ea typeface="Cambria Math" panose="02040503050406030204" pitchFamily="18" charset="0"/>
+                                <a:cs typeface="Calibri" panose="020F0502020204030204" pitchFamily="34" charset="0"/>
+                              </a:rPr>
+                              <m:t>𝜆</m:t>
+                            </m:r>
+                          </m:e>
+                          <m:sub>
+                            <m:r>
+                              <a:rPr lang="pl-PL" sz="1800" b="0" i="1" smtClean="0">
+                                <a:latin typeface="Cambria Math" panose="02040503050406030204" pitchFamily="18" charset="0"/>
+                                <a:ea typeface="Cambria Math" panose="02040503050406030204" pitchFamily="18" charset="0"/>
+                                <a:cs typeface="Calibri" panose="020F0502020204030204" pitchFamily="34" charset="0"/>
+                              </a:rPr>
+                              <m:t>𝑛</m:t>
+                            </m:r>
+                          </m:sub>
+                        </m:sSub>
+                      </m:e>
+                    </m:d>
+                  </m:oMath>
+                </a14:m>
+                <a:r>
+                  <a:rPr lang="pl-PL" sz="1800" dirty="0" smtClean="0"/>
+                  <a:t>.</a:t>
+                </a:r>
+              </a:p>
+              <a:p>
+                <a:r>
+                  <a:rPr lang="pl-PL" sz="1800" dirty="0"/>
+                  <a:t>Macierz </a:t>
+                </a:r>
+                <a14:m>
+                  <m:oMath xmlns:m="http://schemas.openxmlformats.org/officeDocument/2006/math">
+                    <m:r>
+                      <a:rPr lang="pl-PL" sz="1800" i="1">
+                        <a:latin typeface="Cambria Math" panose="02040503050406030204" pitchFamily="18" charset="0"/>
+                        <a:ea typeface="Cambria Math" panose="02040503050406030204" pitchFamily="18" charset="0"/>
+                        <a:cs typeface="Calibri" panose="020F0502020204030204" pitchFamily="34" charset="0"/>
+                      </a:rPr>
+                      <m:t>𝐴</m:t>
+                    </m:r>
+                  </m:oMath>
+                </a14:m>
+                <a:r>
+                  <a:rPr lang="pl-PL" sz="1800" dirty="0" smtClean="0"/>
+                  <a:t> posiada </a:t>
+                </a:r>
+                <a14:m>
+                  <m:oMath xmlns:m="http://schemas.openxmlformats.org/officeDocument/2006/math">
+                    <m:r>
+                      <a:rPr lang="pl-PL" sz="1800" b="0" i="1" smtClean="0">
+                        <a:latin typeface="Cambria Math" panose="02040503050406030204" pitchFamily="18" charset="0"/>
+                      </a:rPr>
+                      <m:t>𝑛</m:t>
+                    </m:r>
+                  </m:oMath>
+                </a14:m>
+                <a:r>
+                  <a:rPr lang="pl-PL" sz="1800" dirty="0" smtClean="0"/>
+                  <a:t> liniowo niezależnych wektorów własnych </a:t>
+                </a:r>
+                <a14:m>
+                  <m:oMath xmlns:m="http://schemas.openxmlformats.org/officeDocument/2006/math">
+                    <m:sSup>
+                      <m:sSupPr>
+                        <m:ctrlPr>
+                          <a:rPr lang="pl-PL" sz="1800" i="1" smtClean="0">
+                            <a:latin typeface="Cambria Math" panose="02040503050406030204" pitchFamily="18" charset="0"/>
+                          </a:rPr>
+                        </m:ctrlPr>
+                      </m:sSupPr>
+                      <m:e>
+                        <m:r>
+                          <a:rPr lang="pl-PL" sz="1800" b="0" i="1" smtClean="0">
+                            <a:latin typeface="Cambria Math" panose="02040503050406030204" pitchFamily="18" charset="0"/>
+                          </a:rPr>
+                          <m:t>𝑣</m:t>
+                        </m:r>
+                      </m:e>
+                      <m:sup>
+                        <m:r>
+                          <a:rPr lang="pl-PL" sz="1800" b="0" i="1" smtClean="0">
+                            <a:latin typeface="Cambria Math" panose="02040503050406030204" pitchFamily="18" charset="0"/>
+                          </a:rPr>
+                          <m:t>[1]</m:t>
+                        </m:r>
+                      </m:sup>
+                    </m:sSup>
+                    <m:r>
+                      <a:rPr lang="pl-PL" sz="1800" b="0" i="1" smtClean="0">
+                        <a:latin typeface="Cambria Math" panose="02040503050406030204" pitchFamily="18" charset="0"/>
+                      </a:rPr>
+                      <m:t>,</m:t>
+                    </m:r>
+                    <m:sSup>
+                      <m:sSupPr>
+                        <m:ctrlPr>
+                          <a:rPr lang="pl-PL" sz="1800" i="1">
+                            <a:latin typeface="Cambria Math" panose="02040503050406030204" pitchFamily="18" charset="0"/>
+                          </a:rPr>
+                        </m:ctrlPr>
+                      </m:sSupPr>
+                      <m:e>
+                        <m:r>
+                          <a:rPr lang="pl-PL" sz="1800" i="1">
+                            <a:latin typeface="Cambria Math" panose="02040503050406030204" pitchFamily="18" charset="0"/>
+                          </a:rPr>
+                          <m:t>𝑣</m:t>
+                        </m:r>
+                      </m:e>
+                      <m:sup>
+                        <m:r>
+                          <a:rPr lang="pl-PL" sz="1800" i="1">
+                            <a:latin typeface="Cambria Math" panose="02040503050406030204" pitchFamily="18" charset="0"/>
+                          </a:rPr>
+                          <m:t>[</m:t>
+                        </m:r>
+                        <m:r>
+                          <a:rPr lang="pl-PL" sz="1800" b="0" i="1" smtClean="0">
+                            <a:latin typeface="Cambria Math" panose="02040503050406030204" pitchFamily="18" charset="0"/>
+                          </a:rPr>
+                          <m:t>2</m:t>
+                        </m:r>
+                        <m:r>
+                          <a:rPr lang="pl-PL" sz="1800" i="1">
+                            <a:latin typeface="Cambria Math" panose="02040503050406030204" pitchFamily="18" charset="0"/>
+                          </a:rPr>
+                          <m:t>]</m:t>
+                        </m:r>
+                      </m:sup>
+                    </m:sSup>
+                    <m:r>
+                      <a:rPr lang="pl-PL" sz="1800" b="0" i="1" smtClean="0">
+                        <a:latin typeface="Cambria Math" panose="02040503050406030204" pitchFamily="18" charset="0"/>
+                      </a:rPr>
+                      <m:t>, …,</m:t>
+                    </m:r>
+                    <m:sSup>
+                      <m:sSupPr>
+                        <m:ctrlPr>
+                          <a:rPr lang="pl-PL" sz="1800" i="1">
+                            <a:latin typeface="Cambria Math" panose="02040503050406030204" pitchFamily="18" charset="0"/>
+                          </a:rPr>
+                        </m:ctrlPr>
+                      </m:sSupPr>
+                      <m:e>
+                        <m:r>
+                          <a:rPr lang="pl-PL" sz="1800" i="1">
+                            <a:latin typeface="Cambria Math" panose="02040503050406030204" pitchFamily="18" charset="0"/>
+                          </a:rPr>
+                          <m:t>𝑣</m:t>
+                        </m:r>
+                      </m:e>
+                      <m:sup>
+                        <m:r>
+                          <a:rPr lang="pl-PL" sz="1800" i="1">
+                            <a:latin typeface="Cambria Math" panose="02040503050406030204" pitchFamily="18" charset="0"/>
+                          </a:rPr>
+                          <m:t>[</m:t>
+                        </m:r>
+                        <m:r>
+                          <a:rPr lang="pl-PL" sz="1800" b="0" i="1" smtClean="0">
+                            <a:latin typeface="Cambria Math" panose="02040503050406030204" pitchFamily="18" charset="0"/>
+                          </a:rPr>
+                          <m:t>𝑛</m:t>
+                        </m:r>
+                        <m:r>
+                          <a:rPr lang="pl-PL" sz="1800" i="1">
+                            <a:latin typeface="Cambria Math" panose="02040503050406030204" pitchFamily="18" charset="0"/>
+                          </a:rPr>
+                          <m:t>]</m:t>
+                        </m:r>
+                      </m:sup>
+                    </m:sSup>
+                  </m:oMath>
+                </a14:m>
+                <a:r>
+                  <a:rPr lang="pl-PL" sz="1800" dirty="0" smtClean="0"/>
+                  <a:t>.</a:t>
+                </a:r>
+              </a:p>
+              <a:p>
+                <a:r>
+                  <a:rPr lang="pl-PL" sz="1800" dirty="0" smtClean="0"/>
+                  <a:t>Dla wektora początkowego </a:t>
+                </a:r>
+                <a14:m>
+                  <m:oMath xmlns:m="http://schemas.openxmlformats.org/officeDocument/2006/math">
+                    <m:sSub>
+                      <m:sSubPr>
+                        <m:ctrlPr>
+                          <a:rPr lang="pl-PL" sz="1800" i="1">
+                            <a:latin typeface="Cambria Math" panose="02040503050406030204" pitchFamily="18" charset="0"/>
+                            <a:ea typeface="Cambria Math" panose="02040503050406030204" pitchFamily="18" charset="0"/>
+                            <a:cs typeface="Calibri" panose="020F0502020204030204" pitchFamily="34" charset="0"/>
+                          </a:rPr>
+                        </m:ctrlPr>
+                      </m:sSubPr>
+                      <m:e>
+                        <m:r>
+                          <a:rPr lang="pl-PL" sz="1800" b="0" i="1" smtClean="0">
+                            <a:latin typeface="Cambria Math" panose="02040503050406030204" pitchFamily="18" charset="0"/>
+                            <a:ea typeface="Cambria Math" panose="02040503050406030204" pitchFamily="18" charset="0"/>
+                            <a:cs typeface="Calibri" panose="020F0502020204030204" pitchFamily="34" charset="0"/>
+                          </a:rPr>
+                          <m:t>𝑥</m:t>
+                        </m:r>
+                      </m:e>
+                      <m:sub>
+                        <m:r>
+                          <a:rPr lang="pl-PL" sz="1800" b="0" i="1" smtClean="0">
+                            <a:latin typeface="Cambria Math" panose="02040503050406030204" pitchFamily="18" charset="0"/>
+                            <a:ea typeface="Cambria Math" panose="02040503050406030204" pitchFamily="18" charset="0"/>
+                            <a:cs typeface="Calibri" panose="020F0502020204030204" pitchFamily="34" charset="0"/>
+                          </a:rPr>
+                          <m:t>0</m:t>
+                        </m:r>
+                      </m:sub>
+                    </m:sSub>
+                    <m:r>
+                      <a:rPr lang="pl-PL" sz="1800" b="0" i="1" smtClean="0">
+                        <a:latin typeface="Cambria Math" panose="02040503050406030204" pitchFamily="18" charset="0"/>
+                        <a:ea typeface="Cambria Math" panose="02040503050406030204" pitchFamily="18" charset="0"/>
+                        <a:cs typeface="Calibri" panose="020F0502020204030204" pitchFamily="34" charset="0"/>
+                      </a:rPr>
+                      <m:t>= </m:t>
+                    </m:r>
+                    <m:sSubSup>
+                      <m:sSubSupPr>
+                        <m:ctrlPr>
+                          <a:rPr lang="pl-PL" sz="1800" b="0" i="1" smtClean="0">
+                            <a:latin typeface="Cambria Math" panose="02040503050406030204" pitchFamily="18" charset="0"/>
+                            <a:ea typeface="Cambria Math" panose="02040503050406030204" pitchFamily="18" charset="0"/>
+                            <a:cs typeface="Calibri" panose="020F0502020204030204" pitchFamily="34" charset="0"/>
+                          </a:rPr>
+                        </m:ctrlPr>
+                      </m:sSubSupPr>
+                      <m:e>
+                        <m:r>
+                          <a:rPr lang="pl-PL" sz="1800" b="0" i="1" smtClean="0">
+                            <a:latin typeface="Cambria Math" panose="02040503050406030204" pitchFamily="18" charset="0"/>
+                            <a:ea typeface="Cambria Math" panose="02040503050406030204" pitchFamily="18" charset="0"/>
+                            <a:cs typeface="Calibri" panose="020F0502020204030204" pitchFamily="34" charset="0"/>
+                          </a:rPr>
+                          <m:t>𝑐</m:t>
+                        </m:r>
+                      </m:e>
+                      <m:sub>
+                        <m:r>
+                          <a:rPr lang="pl-PL" sz="1800" b="0" i="1" smtClean="0">
+                            <a:latin typeface="Cambria Math" panose="02040503050406030204" pitchFamily="18" charset="0"/>
+                            <a:ea typeface="Cambria Math" panose="02040503050406030204" pitchFamily="18" charset="0"/>
+                            <a:cs typeface="Calibri" panose="020F0502020204030204" pitchFamily="34" charset="0"/>
+                          </a:rPr>
+                          <m:t>1</m:t>
+                        </m:r>
+                      </m:sub>
+                      <m:sup>
+                        <m:r>
+                          <a:rPr lang="pl-PL" sz="1800" b="0" i="1" smtClean="0">
+                            <a:latin typeface="Cambria Math" panose="02040503050406030204" pitchFamily="18" charset="0"/>
+                            <a:ea typeface="Cambria Math" panose="02040503050406030204" pitchFamily="18" charset="0"/>
+                            <a:cs typeface="Calibri" panose="020F0502020204030204" pitchFamily="34" charset="0"/>
+                          </a:rPr>
+                          <m:t>(0)</m:t>
+                        </m:r>
+                      </m:sup>
+                    </m:sSubSup>
+                    <m:sSup>
+                      <m:sSupPr>
+                        <m:ctrlPr>
+                          <a:rPr lang="pl-PL" sz="1800" i="1">
+                            <a:latin typeface="Cambria Math" panose="02040503050406030204" pitchFamily="18" charset="0"/>
+                          </a:rPr>
+                        </m:ctrlPr>
+                      </m:sSupPr>
+                      <m:e>
+                        <m:r>
+                          <a:rPr lang="pl-PL" sz="1800" i="1">
+                            <a:latin typeface="Cambria Math" panose="02040503050406030204" pitchFamily="18" charset="0"/>
+                          </a:rPr>
+                          <m:t>𝑣</m:t>
+                        </m:r>
+                      </m:e>
+                      <m:sup>
+                        <m:r>
+                          <a:rPr lang="pl-PL" sz="1800" i="1">
+                            <a:latin typeface="Cambria Math" panose="02040503050406030204" pitchFamily="18" charset="0"/>
+                          </a:rPr>
+                          <m:t>[1]</m:t>
+                        </m:r>
+                      </m:sup>
+                    </m:sSup>
+                    <m:r>
+                      <a:rPr lang="pl-PL" sz="1800" b="0" i="1" smtClean="0">
+                        <a:latin typeface="Cambria Math" panose="02040503050406030204" pitchFamily="18" charset="0"/>
+                      </a:rPr>
+                      <m:t>+ …+</m:t>
+                    </m:r>
+                    <m:sSubSup>
+                      <m:sSubSupPr>
+                        <m:ctrlPr>
+                          <a:rPr lang="pl-PL" sz="1800" i="1">
+                            <a:latin typeface="Cambria Math" panose="02040503050406030204" pitchFamily="18" charset="0"/>
+                            <a:ea typeface="Cambria Math" panose="02040503050406030204" pitchFamily="18" charset="0"/>
+                            <a:cs typeface="Calibri" panose="020F0502020204030204" pitchFamily="34" charset="0"/>
+                          </a:rPr>
+                        </m:ctrlPr>
+                      </m:sSubSupPr>
+                      <m:e>
+                        <m:r>
+                          <a:rPr lang="pl-PL" sz="1800" i="1">
+                            <a:latin typeface="Cambria Math" panose="02040503050406030204" pitchFamily="18" charset="0"/>
+                            <a:ea typeface="Cambria Math" panose="02040503050406030204" pitchFamily="18" charset="0"/>
+                            <a:cs typeface="Calibri" panose="020F0502020204030204" pitchFamily="34" charset="0"/>
+                          </a:rPr>
+                          <m:t>𝑐</m:t>
+                        </m:r>
+                      </m:e>
+                      <m:sub>
+                        <m:r>
+                          <a:rPr lang="pl-PL" sz="1800" b="0" i="1" smtClean="0">
+                            <a:latin typeface="Cambria Math" panose="02040503050406030204" pitchFamily="18" charset="0"/>
+                            <a:ea typeface="Cambria Math" panose="02040503050406030204" pitchFamily="18" charset="0"/>
+                            <a:cs typeface="Calibri" panose="020F0502020204030204" pitchFamily="34" charset="0"/>
+                          </a:rPr>
+                          <m:t>𝑛</m:t>
+                        </m:r>
+                      </m:sub>
+                      <m:sup>
+                        <m:r>
+                          <a:rPr lang="pl-PL" sz="1800" i="1">
+                            <a:latin typeface="Cambria Math" panose="02040503050406030204" pitchFamily="18" charset="0"/>
+                            <a:ea typeface="Cambria Math" panose="02040503050406030204" pitchFamily="18" charset="0"/>
+                            <a:cs typeface="Calibri" panose="020F0502020204030204" pitchFamily="34" charset="0"/>
+                          </a:rPr>
+                          <m:t>(0)</m:t>
+                        </m:r>
+                      </m:sup>
+                    </m:sSubSup>
+                    <m:sSup>
+                      <m:sSupPr>
+                        <m:ctrlPr>
+                          <a:rPr lang="pl-PL" sz="1800" i="1">
+                            <a:latin typeface="Cambria Math" panose="02040503050406030204" pitchFamily="18" charset="0"/>
+                          </a:rPr>
+                        </m:ctrlPr>
+                      </m:sSupPr>
+                      <m:e>
+                        <m:r>
+                          <a:rPr lang="pl-PL" sz="1800" i="1">
+                            <a:latin typeface="Cambria Math" panose="02040503050406030204" pitchFamily="18" charset="0"/>
+                          </a:rPr>
+                          <m:t>𝑣</m:t>
+                        </m:r>
+                      </m:e>
+                      <m:sup>
+                        <m:r>
+                          <a:rPr lang="pl-PL" sz="1800" i="1">
+                            <a:latin typeface="Cambria Math" panose="02040503050406030204" pitchFamily="18" charset="0"/>
+                          </a:rPr>
+                          <m:t>[</m:t>
+                        </m:r>
+                        <m:r>
+                          <a:rPr lang="pl-PL" sz="1800" b="0" i="1" smtClean="0">
+                            <a:latin typeface="Cambria Math" panose="02040503050406030204" pitchFamily="18" charset="0"/>
+                          </a:rPr>
+                          <m:t>𝑛</m:t>
+                        </m:r>
+                        <m:r>
+                          <a:rPr lang="pl-PL" sz="1800" i="1">
+                            <a:latin typeface="Cambria Math" panose="02040503050406030204" pitchFamily="18" charset="0"/>
+                          </a:rPr>
+                          <m:t>]</m:t>
+                        </m:r>
+                      </m:sup>
+                    </m:sSup>
+                  </m:oMath>
+                </a14:m>
+                <a:r>
+                  <a:rPr lang="pl-PL" sz="1800" dirty="0" smtClean="0"/>
+                  <a:t> zachodzi </a:t>
+                </a:r>
+                <a14:m>
+                  <m:oMath xmlns:m="http://schemas.openxmlformats.org/officeDocument/2006/math">
+                    <m:sSubSup>
+                      <m:sSubSupPr>
+                        <m:ctrlPr>
+                          <a:rPr lang="pl-PL" sz="1800" i="1">
+                            <a:latin typeface="Cambria Math" panose="02040503050406030204" pitchFamily="18" charset="0"/>
+                            <a:ea typeface="Cambria Math" panose="02040503050406030204" pitchFamily="18" charset="0"/>
+                            <a:cs typeface="Calibri" panose="020F0502020204030204" pitchFamily="34" charset="0"/>
+                          </a:rPr>
+                        </m:ctrlPr>
+                      </m:sSubSupPr>
+                      <m:e>
+                        <m:r>
+                          <a:rPr lang="pl-PL" sz="1800" i="1">
+                            <a:latin typeface="Cambria Math" panose="02040503050406030204" pitchFamily="18" charset="0"/>
+                            <a:ea typeface="Cambria Math" panose="02040503050406030204" pitchFamily="18" charset="0"/>
+                            <a:cs typeface="Calibri" panose="020F0502020204030204" pitchFamily="34" charset="0"/>
+                          </a:rPr>
+                          <m:t>𝑐</m:t>
+                        </m:r>
+                      </m:e>
+                      <m:sub>
+                        <m:r>
+                          <a:rPr lang="pl-PL" sz="1800" i="1">
+                            <a:latin typeface="Cambria Math" panose="02040503050406030204" pitchFamily="18" charset="0"/>
+                            <a:ea typeface="Cambria Math" panose="02040503050406030204" pitchFamily="18" charset="0"/>
+                            <a:cs typeface="Calibri" panose="020F0502020204030204" pitchFamily="34" charset="0"/>
+                          </a:rPr>
+                          <m:t>1</m:t>
+                        </m:r>
+                      </m:sub>
+                      <m:sup>
+                        <m:r>
+                          <a:rPr lang="pl-PL" sz="1800" i="1">
+                            <a:latin typeface="Cambria Math" panose="02040503050406030204" pitchFamily="18" charset="0"/>
+                            <a:ea typeface="Cambria Math" panose="02040503050406030204" pitchFamily="18" charset="0"/>
+                            <a:cs typeface="Calibri" panose="020F0502020204030204" pitchFamily="34" charset="0"/>
+                          </a:rPr>
+                          <m:t>(0)</m:t>
+                        </m:r>
+                      </m:sup>
+                    </m:sSubSup>
+                    <m:r>
+                      <a:rPr lang="pl-PL" sz="1800" i="1" smtClean="0">
+                        <a:latin typeface="Cambria Math" panose="02040503050406030204" pitchFamily="18" charset="0"/>
+                        <a:ea typeface="Cambria Math" panose="02040503050406030204" pitchFamily="18" charset="0"/>
+                        <a:cs typeface="Calibri" panose="020F0502020204030204" pitchFamily="34" charset="0"/>
+                      </a:rPr>
+                      <m:t>≠</m:t>
+                    </m:r>
+                    <m:r>
+                      <a:rPr lang="pl-PL" sz="1800" b="0" i="1" smtClean="0">
+                        <a:latin typeface="Cambria Math" panose="02040503050406030204" pitchFamily="18" charset="0"/>
+                        <a:ea typeface="Cambria Math" panose="02040503050406030204" pitchFamily="18" charset="0"/>
+                        <a:cs typeface="Calibri" panose="020F0502020204030204" pitchFamily="34" charset="0"/>
+                      </a:rPr>
+                      <m:t>0</m:t>
+                    </m:r>
+                  </m:oMath>
+                </a14:m>
+                <a:r>
+                  <a:rPr lang="pl-PL" sz="1800" dirty="0" smtClean="0"/>
+                  <a:t>.</a:t>
+                </a:r>
+                <a:endParaRPr lang="pl-PL" sz="1800" dirty="0"/>
+              </a:p>
+            </p:txBody>
+          </p:sp>
+        </mc:Choice>
+        <mc:Fallback>
+          <p:sp>
+            <p:nvSpPr>
+              <p:cNvPr id="3" name="Symbol zastępczy zawartości 2"/>
+              <p:cNvSpPr>
+                <a:spLocks noGrp="1" noRot="1" noChangeAspect="1" noMove="1" noResize="1" noEditPoints="1" noAdjustHandles="1" noChangeArrowheads="1" noChangeShapeType="1" noTextEdit="1"/>
+              </p:cNvSpPr>
+              <p:nvPr>
+                <p:ph idx="1"/>
+              </p:nvPr>
+            </p:nvSpPr>
+            <p:spPr>
+              <a:xfrm>
+                <a:off x="1593436" y="1844824"/>
+                <a:ext cx="6229168" cy="2836912"/>
+              </a:xfrm>
+              <a:blipFill>
+                <a:blip r:embed="rId2"/>
+                <a:stretch>
+                  <a:fillRect l="-587" t="-2151"/>
+                </a:stretch>
+              </a:blipFill>
+            </p:spPr>
+            <p:txBody>
+              <a:bodyPr/>
+              <a:lstStyle/>
+              <a:p>
+                <a:r>
+                  <a:rPr lang="pl-PL">
+                    <a:noFill/>
+                  </a:rPr>
+                  <a:t> </a:t>
+                </a:r>
+              </a:p>
+            </p:txBody>
+          </p:sp>
+        </mc:Fallback>
+      </mc:AlternateContent>
+      <p:sp>
+        <p:nvSpPr>
+          <p:cNvPr id="4" name="Tytuł 3"/>
+          <p:cNvSpPr>
+            <a:spLocks noGrp="1"/>
+          </p:cNvSpPr>
+          <p:nvPr>
+            <p:ph type="title"/>
+          </p:nvPr>
+        </p:nvSpPr>
+        <p:spPr/>
+        <p:txBody>
+          <a:bodyPr/>
+          <a:lstStyle/>
+          <a:p>
+            <a:r>
+              <a:rPr lang="pl-PL" dirty="0"/>
+              <a:t>Założenia</a:t>
+            </a:r>
+            <a:r>
+              <a:rPr lang="pl-PL" dirty="0" smtClean="0"/>
+              <a:t>:</a:t>
+            </a:r>
+            <a:endParaRPr lang="pl-PL" dirty="0"/>
+          </a:p>
+        </p:txBody>
+      </p:sp>
+    </p:spTree>
+    <p:extLst>
+      <p:ext uri="{BB962C8B-B14F-4D97-AF65-F5344CB8AC3E}">
+        <p14:creationId xmlns:p14="http://schemas.microsoft.com/office/powerpoint/2010/main" val="87712217"/>
+      </p:ext>
+    </p:extLst>
+  </p:cSld>
+  <p:clrMapOvr>
+    <a:masterClrMapping/>
+  </p:clrMapOvr>
+  <mc:AlternateContent xmlns:mc="http://schemas.openxmlformats.org/markup-compatibility/2006" xmlns:p14="http://schemas.microsoft.com/office/powerpoint/2010/main">
+    <mc:Choice Requires="p14">
+      <p:transition spd="med" p14:dur="700">
+        <p:fade/>
+      </p:transition>
+    </mc:Choice>
+    <mc:Fallback xmlns="">
+      <p:transition spd="med">
+        <p:fade/>
+      </p:transition>
+    </mc:Fallback>
+  </mc:AlternateContent>
+</p:sld>
+</file>
+
+<file path=ppt/slides/slide6.xml><?xml version="1.0" encoding="utf-8"?>
+<p:sld xmlns:a="http://schemas.openxmlformats.org/drawingml/2006/main" xmlns:r="http://schemas.openxmlformats.org/officeDocument/2006/relationships" xmlns:p="http://schemas.openxmlformats.org/presentationml/2006/main">
+  <p:cSld>
+    <p:spTree>
+      <p:nvGrpSpPr>
+        <p:cNvPr id="1" name=""/>
+        <p:cNvGrpSpPr/>
+        <p:nvPr/>
+      </p:nvGrpSpPr>
+      <p:grpSpPr>
+        <a:xfrm>
+          <a:off x="0" y="0"/>
+          <a:ext cx="0" cy="0"/>
+          <a:chOff x="0" y="0"/>
+          <a:chExt cx="0" cy="0"/>
+        </a:xfrm>
+      </p:grpSpPr>
+      <p:sp>
+        <p:nvSpPr>
+          <p:cNvPr id="2" name="Tytuł 1"/>
+          <p:cNvSpPr>
+            <a:spLocks noGrp="1"/>
+          </p:cNvSpPr>
+          <p:nvPr>
+            <p:ph type="title"/>
+          </p:nvPr>
+        </p:nvSpPr>
+        <p:spPr/>
+        <p:txBody>
+          <a:bodyPr/>
+          <a:lstStyle/>
+          <a:p>
+            <a:r>
+              <a:rPr lang="pl-PL" dirty="0" smtClean="0"/>
+              <a:t>Krok iteracyjny:</a:t>
+            </a:r>
+            <a:endParaRPr lang="pl-PL" dirty="0"/>
+          </a:p>
+        </p:txBody>
+      </p:sp>
+      <mc:AlternateContent xmlns:mc="http://schemas.openxmlformats.org/markup-compatibility/2006">
+        <mc:Choice xmlns:a14="http://schemas.microsoft.com/office/drawing/2010/main" Requires="a14">
+          <p:sp>
+            <p:nvSpPr>
+              <p:cNvPr id="5" name="Prostokąt 4"/>
+              <p:cNvSpPr/>
+              <p:nvPr/>
+            </p:nvSpPr>
+            <p:spPr>
+              <a:xfrm>
+                <a:off x="2782044" y="2060848"/>
+                <a:ext cx="4182683" cy="438262"/>
+              </a:xfrm>
+              <a:prstGeom prst="rect">
+                <a:avLst/>
+              </a:prstGeom>
+            </p:spPr>
+            <p:txBody>
+              <a:bodyPr wrap="none">
+                <a:spAutoFit/>
+              </a:bodyPr>
+              <a:lstStyle/>
+              <a:p>
+                <a14:m>
+                  <m:oMath xmlns:m="http://schemas.openxmlformats.org/officeDocument/2006/math">
+                    <m:sSub>
+                      <m:sSubPr>
+                        <m:ctrlPr>
+                          <a:rPr lang="pl-PL" i="1" smtClean="0">
+                            <a:latin typeface="Cambria Math" panose="02040503050406030204" pitchFamily="18" charset="0"/>
+                            <a:ea typeface="Cambria Math" panose="02040503050406030204" pitchFamily="18" charset="0"/>
+                            <a:cs typeface="Calibri" panose="020F0502020204030204" pitchFamily="34" charset="0"/>
+                          </a:rPr>
+                        </m:ctrlPr>
+                      </m:sSubPr>
+                      <m:e>
+                        <m:r>
+                          <a:rPr lang="pl-PL" i="1">
+                            <a:latin typeface="Cambria Math" panose="02040503050406030204" pitchFamily="18" charset="0"/>
+                            <a:ea typeface="Cambria Math" panose="02040503050406030204" pitchFamily="18" charset="0"/>
+                            <a:cs typeface="Calibri" panose="020F0502020204030204" pitchFamily="34" charset="0"/>
+                          </a:rPr>
+                          <m:t>𝑥</m:t>
+                        </m:r>
+                      </m:e>
+                      <m:sub>
+                        <m:r>
+                          <a:rPr lang="pl-PL" i="1">
+                            <a:latin typeface="Cambria Math" panose="02040503050406030204" pitchFamily="18" charset="0"/>
+                            <a:ea typeface="Cambria Math" panose="02040503050406030204" pitchFamily="18" charset="0"/>
+                            <a:cs typeface="Calibri" panose="020F0502020204030204" pitchFamily="34" charset="0"/>
+                          </a:rPr>
+                          <m:t>0</m:t>
+                        </m:r>
+                      </m:sub>
+                    </m:sSub>
+                    <m:r>
+                      <a:rPr lang="pl-PL" i="1">
+                        <a:latin typeface="Cambria Math" panose="02040503050406030204" pitchFamily="18" charset="0"/>
+                        <a:ea typeface="Cambria Math" panose="02040503050406030204" pitchFamily="18" charset="0"/>
+                        <a:cs typeface="Calibri" panose="020F0502020204030204" pitchFamily="34" charset="0"/>
+                      </a:rPr>
+                      <m:t>= </m:t>
+                    </m:r>
+                    <m:sSubSup>
+                      <m:sSubSupPr>
+                        <m:ctrlPr>
+                          <a:rPr lang="pl-PL" i="1">
+                            <a:latin typeface="Cambria Math" panose="02040503050406030204" pitchFamily="18" charset="0"/>
+                            <a:ea typeface="Cambria Math" panose="02040503050406030204" pitchFamily="18" charset="0"/>
+                            <a:cs typeface="Calibri" panose="020F0502020204030204" pitchFamily="34" charset="0"/>
+                          </a:rPr>
+                        </m:ctrlPr>
+                      </m:sSubSupPr>
+                      <m:e>
+                        <m:r>
+                          <a:rPr lang="pl-PL" i="1">
+                            <a:latin typeface="Cambria Math" panose="02040503050406030204" pitchFamily="18" charset="0"/>
+                            <a:ea typeface="Cambria Math" panose="02040503050406030204" pitchFamily="18" charset="0"/>
+                            <a:cs typeface="Calibri" panose="020F0502020204030204" pitchFamily="34" charset="0"/>
+                          </a:rPr>
+                          <m:t>𝑐</m:t>
+                        </m:r>
+                      </m:e>
+                      <m:sub>
+                        <m:r>
+                          <a:rPr lang="pl-PL" i="1">
+                            <a:latin typeface="Cambria Math" panose="02040503050406030204" pitchFamily="18" charset="0"/>
+                            <a:ea typeface="Cambria Math" panose="02040503050406030204" pitchFamily="18" charset="0"/>
+                            <a:cs typeface="Calibri" panose="020F0502020204030204" pitchFamily="34" charset="0"/>
+                          </a:rPr>
+                          <m:t>1</m:t>
+                        </m:r>
+                      </m:sub>
+                      <m:sup>
+                        <m:r>
+                          <a:rPr lang="pl-PL" i="1">
+                            <a:latin typeface="Cambria Math" panose="02040503050406030204" pitchFamily="18" charset="0"/>
+                            <a:ea typeface="Cambria Math" panose="02040503050406030204" pitchFamily="18" charset="0"/>
+                            <a:cs typeface="Calibri" panose="020F0502020204030204" pitchFamily="34" charset="0"/>
+                          </a:rPr>
+                          <m:t>(0)</m:t>
+                        </m:r>
+                      </m:sup>
+                    </m:sSubSup>
+                    <m:sSup>
+                      <m:sSupPr>
+                        <m:ctrlPr>
+                          <a:rPr lang="pl-PL" i="1">
+                            <a:latin typeface="Cambria Math" panose="02040503050406030204" pitchFamily="18" charset="0"/>
+                          </a:rPr>
+                        </m:ctrlPr>
+                      </m:sSupPr>
+                      <m:e>
+                        <m:r>
+                          <a:rPr lang="pl-PL" i="1">
+                            <a:latin typeface="Cambria Math" panose="02040503050406030204" pitchFamily="18" charset="0"/>
+                          </a:rPr>
+                          <m:t>𝑣</m:t>
+                        </m:r>
+                      </m:e>
+                      <m:sup>
+                        <m:r>
+                          <a:rPr lang="pl-PL" i="1">
+                            <a:latin typeface="Cambria Math" panose="02040503050406030204" pitchFamily="18" charset="0"/>
+                          </a:rPr>
+                          <m:t>[1]</m:t>
+                        </m:r>
+                      </m:sup>
+                    </m:sSup>
+                    <m:r>
+                      <a:rPr lang="pl-PL" i="1">
+                        <a:latin typeface="Cambria Math" panose="02040503050406030204" pitchFamily="18" charset="0"/>
+                      </a:rPr>
+                      <m:t>+ …+</m:t>
+                    </m:r>
+                    <m:sSubSup>
+                      <m:sSubSupPr>
+                        <m:ctrlPr>
+                          <a:rPr lang="pl-PL" i="1">
+                            <a:latin typeface="Cambria Math" panose="02040503050406030204" pitchFamily="18" charset="0"/>
+                            <a:ea typeface="Cambria Math" panose="02040503050406030204" pitchFamily="18" charset="0"/>
+                            <a:cs typeface="Calibri" panose="020F0502020204030204" pitchFamily="34" charset="0"/>
+                          </a:rPr>
+                        </m:ctrlPr>
+                      </m:sSubSupPr>
+                      <m:e>
+                        <m:r>
+                          <a:rPr lang="pl-PL" i="1">
+                            <a:latin typeface="Cambria Math" panose="02040503050406030204" pitchFamily="18" charset="0"/>
+                            <a:ea typeface="Cambria Math" panose="02040503050406030204" pitchFamily="18" charset="0"/>
+                            <a:cs typeface="Calibri" panose="020F0502020204030204" pitchFamily="34" charset="0"/>
+                          </a:rPr>
+                          <m:t>𝑐</m:t>
+                        </m:r>
+                      </m:e>
+                      <m:sub>
+                        <m:r>
+                          <a:rPr lang="pl-PL" i="1">
+                            <a:latin typeface="Cambria Math" panose="02040503050406030204" pitchFamily="18" charset="0"/>
+                            <a:ea typeface="Cambria Math" panose="02040503050406030204" pitchFamily="18" charset="0"/>
+                            <a:cs typeface="Calibri" panose="020F0502020204030204" pitchFamily="34" charset="0"/>
+                          </a:rPr>
+                          <m:t>𝑛</m:t>
+                        </m:r>
+                      </m:sub>
+                      <m:sup>
+                        <m:r>
+                          <a:rPr lang="pl-PL" i="1">
+                            <a:latin typeface="Cambria Math" panose="02040503050406030204" pitchFamily="18" charset="0"/>
+                            <a:ea typeface="Cambria Math" panose="02040503050406030204" pitchFamily="18" charset="0"/>
+                            <a:cs typeface="Calibri" panose="020F0502020204030204" pitchFamily="34" charset="0"/>
+                          </a:rPr>
+                          <m:t>(0)</m:t>
+                        </m:r>
+                      </m:sup>
+                    </m:sSubSup>
+                    <m:sSup>
+                      <m:sSupPr>
+                        <m:ctrlPr>
+                          <a:rPr lang="pl-PL" i="1">
+                            <a:latin typeface="Cambria Math" panose="02040503050406030204" pitchFamily="18" charset="0"/>
+                          </a:rPr>
+                        </m:ctrlPr>
+                      </m:sSupPr>
+                      <m:e>
+                        <m:r>
+                          <a:rPr lang="pl-PL" i="1">
+                            <a:latin typeface="Cambria Math" panose="02040503050406030204" pitchFamily="18" charset="0"/>
+                          </a:rPr>
+                          <m:t>𝑣</m:t>
+                        </m:r>
+                      </m:e>
+                      <m:sup>
+                        <m:r>
+                          <a:rPr lang="pl-PL" i="1">
+                            <a:latin typeface="Cambria Math" panose="02040503050406030204" pitchFamily="18" charset="0"/>
+                          </a:rPr>
+                          <m:t>[</m:t>
+                        </m:r>
+                        <m:r>
+                          <a:rPr lang="pl-PL" i="1">
+                            <a:latin typeface="Cambria Math" panose="02040503050406030204" pitchFamily="18" charset="0"/>
+                          </a:rPr>
+                          <m:t>𝑛</m:t>
+                        </m:r>
+                        <m:r>
+                          <a:rPr lang="pl-PL" i="1">
+                            <a:latin typeface="Cambria Math" panose="02040503050406030204" pitchFamily="18" charset="0"/>
+                          </a:rPr>
+                          <m:t>]</m:t>
+                        </m:r>
+                      </m:sup>
+                    </m:sSup>
+                  </m:oMath>
+                </a14:m>
+                <a:r>
+                  <a:rPr lang="pl-PL" dirty="0" smtClean="0"/>
+                  <a:t>,     </a:t>
+                </a:r>
+                <a14:m>
+                  <m:oMath xmlns:m="http://schemas.openxmlformats.org/officeDocument/2006/math">
+                    <m:sSubSup>
+                      <m:sSubSupPr>
+                        <m:ctrlPr>
+                          <a:rPr lang="pl-PL" i="1">
+                            <a:latin typeface="Cambria Math" panose="02040503050406030204" pitchFamily="18" charset="0"/>
+                            <a:ea typeface="Cambria Math" panose="02040503050406030204" pitchFamily="18" charset="0"/>
+                            <a:cs typeface="Calibri" panose="020F0502020204030204" pitchFamily="34" charset="0"/>
+                          </a:rPr>
+                        </m:ctrlPr>
+                      </m:sSubSupPr>
+                      <m:e>
+                        <m:r>
+                          <a:rPr lang="pl-PL" i="1">
+                            <a:latin typeface="Cambria Math" panose="02040503050406030204" pitchFamily="18" charset="0"/>
+                            <a:ea typeface="Cambria Math" panose="02040503050406030204" pitchFamily="18" charset="0"/>
+                            <a:cs typeface="Calibri" panose="020F0502020204030204" pitchFamily="34" charset="0"/>
+                          </a:rPr>
+                          <m:t>𝑐</m:t>
+                        </m:r>
+                      </m:e>
+                      <m:sub>
+                        <m:r>
+                          <a:rPr lang="pl-PL" i="1">
+                            <a:latin typeface="Cambria Math" panose="02040503050406030204" pitchFamily="18" charset="0"/>
+                            <a:ea typeface="Cambria Math" panose="02040503050406030204" pitchFamily="18" charset="0"/>
+                            <a:cs typeface="Calibri" panose="020F0502020204030204" pitchFamily="34" charset="0"/>
+                          </a:rPr>
+                          <m:t>1</m:t>
+                        </m:r>
+                      </m:sub>
+                      <m:sup>
+                        <m:r>
+                          <a:rPr lang="pl-PL" i="1">
+                            <a:latin typeface="Cambria Math" panose="02040503050406030204" pitchFamily="18" charset="0"/>
+                            <a:ea typeface="Cambria Math" panose="02040503050406030204" pitchFamily="18" charset="0"/>
+                            <a:cs typeface="Calibri" panose="020F0502020204030204" pitchFamily="34" charset="0"/>
+                          </a:rPr>
+                          <m:t>(0)</m:t>
+                        </m:r>
+                      </m:sup>
+                    </m:sSubSup>
+                    <m:r>
+                      <a:rPr lang="pl-PL" i="1">
+                        <a:latin typeface="Cambria Math" panose="02040503050406030204" pitchFamily="18" charset="0"/>
+                        <a:ea typeface="Cambria Math" panose="02040503050406030204" pitchFamily="18" charset="0"/>
+                        <a:cs typeface="Calibri" panose="020F0502020204030204" pitchFamily="34" charset="0"/>
+                      </a:rPr>
+                      <m:t>≠0</m:t>
+                    </m:r>
+                  </m:oMath>
+                </a14:m>
+                <a:endParaRPr lang="pl-PL" dirty="0"/>
+              </a:p>
+            </p:txBody>
+          </p:sp>
+        </mc:Choice>
+        <mc:Fallback>
+          <p:sp>
+            <p:nvSpPr>
+              <p:cNvPr id="5" name="Prostokąt 4"/>
+              <p:cNvSpPr>
+                <a:spLocks noRot="1" noChangeAspect="1" noMove="1" noResize="1" noEditPoints="1" noAdjustHandles="1" noChangeArrowheads="1" noChangeShapeType="1" noTextEdit="1"/>
+              </p:cNvSpPr>
+              <p:nvPr/>
+            </p:nvSpPr>
+            <p:spPr>
+              <a:xfrm>
+                <a:off x="2782044" y="2060848"/>
+                <a:ext cx="4182683" cy="438262"/>
+              </a:xfrm>
+              <a:prstGeom prst="rect">
+                <a:avLst/>
+              </a:prstGeom>
+              <a:blipFill>
+                <a:blip r:embed="rId2"/>
+                <a:stretch>
+                  <a:fillRect b="-18056"/>
+                </a:stretch>
+              </a:blipFill>
+            </p:spPr>
+            <p:txBody>
+              <a:bodyPr/>
+              <a:lstStyle/>
+              <a:p>
+                <a:r>
+                  <a:rPr lang="pl-PL">
+                    <a:noFill/>
+                  </a:rPr>
+                  <a:t> </a:t>
+                </a:r>
+              </a:p>
+            </p:txBody>
+          </p:sp>
+        </mc:Fallback>
+      </mc:AlternateContent>
+      <mc:AlternateContent xmlns:mc="http://schemas.openxmlformats.org/markup-compatibility/2006">
+        <mc:Choice xmlns:a14="http://schemas.microsoft.com/office/drawing/2010/main" Requires="a14">
+          <p:sp>
+            <p:nvSpPr>
+              <p:cNvPr id="6" name="pole tekstowe 5"/>
+              <p:cNvSpPr txBox="1"/>
+              <p:nvPr/>
+            </p:nvSpPr>
+            <p:spPr>
+              <a:xfrm>
+                <a:off x="2854052" y="4103208"/>
+                <a:ext cx="2133469" cy="367473"/>
+              </a:xfrm>
+              <a:prstGeom prst="rect">
+                <a:avLst/>
+              </a:prstGeom>
+              <a:noFill/>
+            </p:spPr>
+            <p:txBody>
+              <a:bodyPr wrap="none" lIns="0" tIns="0" rIns="0" bIns="0" rtlCol="0">
+                <a:spAutoFit/>
+              </a:bodyPr>
+              <a:lstStyle/>
+              <a:p>
+                <a14:m>
+                  <m:oMathPara xmlns:m="http://schemas.openxmlformats.org/officeDocument/2006/math">
+                    <m:oMathParaPr>
+                      <m:jc m:val="centerGroup"/>
+                    </m:oMathParaPr>
+                    <m:oMath xmlns:m="http://schemas.openxmlformats.org/officeDocument/2006/math">
+                      <m:sSub>
+                        <m:sSubPr>
+                          <m:ctrlPr>
+                            <a:rPr lang="pl-PL" i="1">
+                              <a:latin typeface="Cambria Math" panose="02040503050406030204" pitchFamily="18" charset="0"/>
+                              <a:ea typeface="Cambria Math" panose="02040503050406030204" pitchFamily="18" charset="0"/>
+                              <a:cs typeface="Calibri" panose="020F0502020204030204" pitchFamily="34" charset="0"/>
+                            </a:rPr>
+                          </m:ctrlPr>
+                        </m:sSubPr>
+                        <m:e>
+                          <m:r>
+                            <a:rPr lang="pl-PL" i="1">
+                              <a:latin typeface="Cambria Math" panose="02040503050406030204" pitchFamily="18" charset="0"/>
+                              <a:ea typeface="Cambria Math" panose="02040503050406030204" pitchFamily="18" charset="0"/>
+                              <a:cs typeface="Calibri" panose="020F0502020204030204" pitchFamily="34" charset="0"/>
+                            </a:rPr>
+                            <m:t>𝜆</m:t>
+                          </m:r>
+                        </m:e>
+                        <m:sub>
+                          <m:r>
+                            <a:rPr lang="pl-PL" i="1">
+                              <a:latin typeface="Cambria Math" panose="02040503050406030204" pitchFamily="18" charset="0"/>
+                              <a:ea typeface="Cambria Math" panose="02040503050406030204" pitchFamily="18" charset="0"/>
+                              <a:cs typeface="Calibri" panose="020F0502020204030204" pitchFamily="34" charset="0"/>
+                            </a:rPr>
+                            <m:t>𝑚𝑎𝑥</m:t>
+                          </m:r>
+                        </m:sub>
+                      </m:sSub>
+                      <m:r>
+                        <a:rPr lang="pl-PL" b="0" i="1" smtClean="0">
+                          <a:latin typeface="Cambria Math" panose="02040503050406030204" pitchFamily="18" charset="0"/>
+                          <a:ea typeface="Cambria Math" panose="02040503050406030204" pitchFamily="18" charset="0"/>
+                        </a:rPr>
+                        <m:t>=</m:t>
+                      </m:r>
+                      <m:sSup>
+                        <m:sSupPr>
+                          <m:ctrlPr>
+                            <a:rPr lang="pl-PL" b="0" i="1" smtClean="0">
+                              <a:latin typeface="Cambria Math" panose="02040503050406030204" pitchFamily="18" charset="0"/>
+                              <a:ea typeface="Cambria Math" panose="02040503050406030204" pitchFamily="18" charset="0"/>
+                            </a:rPr>
+                          </m:ctrlPr>
+                        </m:sSupPr>
+                        <m:e>
+                          <m:d>
+                            <m:dPr>
+                              <m:ctrlPr>
+                                <a:rPr lang="pl-PL" i="1">
+                                  <a:latin typeface="Cambria Math" panose="02040503050406030204" pitchFamily="18" charset="0"/>
+                                  <a:ea typeface="Cambria Math" panose="02040503050406030204" pitchFamily="18" charset="0"/>
+                                </a:rPr>
+                              </m:ctrlPr>
+                            </m:dPr>
+                            <m:e>
+                              <m:sSup>
+                                <m:sSupPr>
+                                  <m:ctrlPr>
+                                    <a:rPr lang="pl-PL" i="1">
+                                      <a:latin typeface="Cambria Math" panose="02040503050406030204" pitchFamily="18" charset="0"/>
+                                    </a:rPr>
+                                  </m:ctrlPr>
+                                </m:sSupPr>
+                                <m:e>
+                                  <m:acc>
+                                    <m:accPr>
+                                      <m:chr m:val="̃"/>
+                                      <m:ctrlPr>
+                                        <a:rPr lang="pl-PL" i="1">
+                                          <a:latin typeface="Cambria Math" panose="02040503050406030204" pitchFamily="18" charset="0"/>
+                                        </a:rPr>
+                                      </m:ctrlPr>
+                                    </m:accPr>
+                                    <m:e>
+                                      <m:r>
+                                        <a:rPr lang="pl-PL" i="1">
+                                          <a:latin typeface="Cambria Math" panose="02040503050406030204" pitchFamily="18" charset="0"/>
+                                        </a:rPr>
+                                        <m:t>𝑥</m:t>
+                                      </m:r>
+                                    </m:e>
+                                  </m:acc>
+                                </m:e>
+                                <m:sup>
+                                  <m:r>
+                                    <a:rPr lang="pl-PL" i="1">
+                                      <a:latin typeface="Cambria Math" panose="02040503050406030204" pitchFamily="18" charset="0"/>
+                                    </a:rPr>
+                                    <m:t>(</m:t>
+                                  </m:r>
+                                  <m:r>
+                                    <a:rPr lang="pl-PL" i="1">
+                                      <a:latin typeface="Cambria Math" panose="02040503050406030204" pitchFamily="18" charset="0"/>
+                                    </a:rPr>
+                                    <m:t>𝑛</m:t>
+                                  </m:r>
+                                  <m:r>
+                                    <a:rPr lang="pl-PL" i="1">
+                                      <a:latin typeface="Cambria Math" panose="02040503050406030204" pitchFamily="18" charset="0"/>
+                                    </a:rPr>
+                                    <m:t>)</m:t>
+                                  </m:r>
+                                </m:sup>
+                              </m:sSup>
+                            </m:e>
+                          </m:d>
+                        </m:e>
+                        <m:sup>
+                          <m:r>
+                            <a:rPr lang="pl-PL" b="0" i="1" smtClean="0">
+                              <a:latin typeface="Cambria Math" panose="02040503050406030204" pitchFamily="18" charset="0"/>
+                              <a:ea typeface="Cambria Math" panose="02040503050406030204" pitchFamily="18" charset="0"/>
+                            </a:rPr>
+                            <m:t>𝑇</m:t>
+                          </m:r>
+                        </m:sup>
+                      </m:sSup>
+                      <m:r>
+                        <a:rPr lang="pl-PL" i="1">
+                          <a:latin typeface="Cambria Math" panose="02040503050406030204" pitchFamily="18" charset="0"/>
+                        </a:rPr>
+                        <m:t>𝐴</m:t>
+                      </m:r>
+                      <m:sSup>
+                        <m:sSupPr>
+                          <m:ctrlPr>
+                            <a:rPr lang="pl-PL" i="1">
+                              <a:latin typeface="Cambria Math" panose="02040503050406030204" pitchFamily="18" charset="0"/>
+                            </a:rPr>
+                          </m:ctrlPr>
+                        </m:sSupPr>
+                        <m:e>
+                          <m:acc>
+                            <m:accPr>
+                              <m:chr m:val="̃"/>
+                              <m:ctrlPr>
+                                <a:rPr lang="pl-PL" i="1">
+                                  <a:latin typeface="Cambria Math" panose="02040503050406030204" pitchFamily="18" charset="0"/>
+                                </a:rPr>
+                              </m:ctrlPr>
+                            </m:accPr>
+                            <m:e>
+                              <m:r>
+                                <a:rPr lang="pl-PL" i="1">
+                                  <a:latin typeface="Cambria Math" panose="02040503050406030204" pitchFamily="18" charset="0"/>
+                                </a:rPr>
+                                <m:t>𝑥</m:t>
+                              </m:r>
+                            </m:e>
+                          </m:acc>
+                        </m:e>
+                        <m:sup>
+                          <m:r>
+                            <a:rPr lang="pl-PL" i="1">
+                              <a:latin typeface="Cambria Math" panose="02040503050406030204" pitchFamily="18" charset="0"/>
+                            </a:rPr>
+                            <m:t>(</m:t>
+                          </m:r>
+                          <m:r>
+                            <a:rPr lang="pl-PL" i="1">
+                              <a:latin typeface="Cambria Math" panose="02040503050406030204" pitchFamily="18" charset="0"/>
+                            </a:rPr>
+                            <m:t>𝑛</m:t>
+                          </m:r>
+                          <m:r>
+                            <a:rPr lang="pl-PL" i="1">
+                              <a:latin typeface="Cambria Math" panose="02040503050406030204" pitchFamily="18" charset="0"/>
+                            </a:rPr>
+                            <m:t>)</m:t>
+                          </m:r>
+                        </m:sup>
+                      </m:sSup>
+                    </m:oMath>
+                  </m:oMathPara>
+                </a14:m>
+                <a:endParaRPr lang="pl-PL" dirty="0"/>
+              </a:p>
+            </p:txBody>
+          </p:sp>
+        </mc:Choice>
+        <mc:Fallback>
+          <p:sp>
+            <p:nvSpPr>
+              <p:cNvPr id="6" name="pole tekstowe 5"/>
+              <p:cNvSpPr txBox="1">
+                <a:spLocks noRot="1" noChangeAspect="1" noMove="1" noResize="1" noEditPoints="1" noAdjustHandles="1" noChangeArrowheads="1" noChangeShapeType="1" noTextEdit="1"/>
+              </p:cNvSpPr>
+              <p:nvPr/>
+            </p:nvSpPr>
+            <p:spPr>
+              <a:xfrm>
+                <a:off x="2854052" y="4103208"/>
+                <a:ext cx="2133469" cy="367473"/>
+              </a:xfrm>
+              <a:prstGeom prst="rect">
+                <a:avLst/>
+              </a:prstGeom>
+              <a:blipFill>
+                <a:blip r:embed="rId3"/>
+                <a:stretch>
+                  <a:fillRect l="-2000" r="-1714" b="-6667"/>
+                </a:stretch>
+              </a:blipFill>
+            </p:spPr>
+            <p:txBody>
+              <a:bodyPr/>
+              <a:lstStyle/>
+              <a:p>
+                <a:r>
+                  <a:rPr lang="pl-PL">
+                    <a:noFill/>
+                  </a:rPr>
+                  <a:t> </a:t>
+                </a:r>
+              </a:p>
+            </p:txBody>
+          </p:sp>
+        </mc:Fallback>
+      </mc:AlternateContent>
+      <mc:AlternateContent xmlns:mc="http://schemas.openxmlformats.org/markup-compatibility/2006">
+        <mc:Choice xmlns:a14="http://schemas.microsoft.com/office/drawing/2010/main" Requires="a14">
+          <p:sp>
+            <p:nvSpPr>
+              <p:cNvPr id="7" name="pole tekstowe 6"/>
+              <p:cNvSpPr txBox="1"/>
+              <p:nvPr/>
+            </p:nvSpPr>
+            <p:spPr>
+              <a:xfrm>
+                <a:off x="2782044" y="2771596"/>
+                <a:ext cx="1666803" cy="1025665"/>
+              </a:xfrm>
+              <a:prstGeom prst="rect">
+                <a:avLst/>
+              </a:prstGeom>
+              <a:noFill/>
+            </p:spPr>
+            <p:txBody>
+              <a:bodyPr wrap="none" lIns="0" tIns="0" rIns="0" bIns="0" rtlCol="0">
+                <a:spAutoFit/>
+              </a:bodyPr>
+              <a:lstStyle/>
+              <a:p>
+                <a14:m>
+                  <m:oMathPara xmlns:m="http://schemas.openxmlformats.org/officeDocument/2006/math">
+                    <m:oMathParaPr>
+                      <m:jc m:val="centerGroup"/>
+                    </m:oMathParaPr>
+                    <m:oMath xmlns:m="http://schemas.openxmlformats.org/officeDocument/2006/math">
+                      <m:d>
+                        <m:dPr>
+                          <m:begChr m:val="{"/>
+                          <m:endChr m:val=""/>
+                          <m:ctrlPr>
+                            <a:rPr lang="pl-PL" i="1" smtClean="0">
+                              <a:latin typeface="Cambria Math" panose="02040503050406030204" pitchFamily="18" charset="0"/>
+                            </a:rPr>
+                          </m:ctrlPr>
+                        </m:dPr>
+                        <m:e>
+                          <m:eqArr>
+                            <m:eqArrPr>
+                              <m:ctrlPr>
+                                <a:rPr lang="pl-PL" i="1" smtClean="0">
+                                  <a:latin typeface="Cambria Math" panose="02040503050406030204" pitchFamily="18" charset="0"/>
+                                </a:rPr>
+                              </m:ctrlPr>
+                            </m:eqArrPr>
+                            <m:e>
+                              <m:sSup>
+                                <m:sSupPr>
+                                  <m:ctrlPr>
+                                    <a:rPr lang="pl-PL" i="1">
+                                      <a:latin typeface="Cambria Math" panose="02040503050406030204" pitchFamily="18" charset="0"/>
+                                    </a:rPr>
+                                  </m:ctrlPr>
+                                </m:sSupPr>
+                                <m:e>
+                                  <m:acc>
+                                    <m:accPr>
+                                      <m:chr m:val="̃"/>
+                                      <m:ctrlPr>
+                                        <a:rPr lang="pl-PL" i="1">
+                                          <a:latin typeface="Cambria Math" panose="02040503050406030204" pitchFamily="18" charset="0"/>
+                                        </a:rPr>
+                                      </m:ctrlPr>
+                                    </m:accPr>
+                                    <m:e>
+                                      <m:r>
+                                        <a:rPr lang="pl-PL" i="1">
+                                          <a:latin typeface="Cambria Math" panose="02040503050406030204" pitchFamily="18" charset="0"/>
+                                        </a:rPr>
+                                        <m:t>𝑥</m:t>
+                                      </m:r>
+                                    </m:e>
+                                  </m:acc>
+                                </m:e>
+                                <m:sup>
+                                  <m:r>
+                                    <a:rPr lang="pl-PL" i="1">
+                                      <a:latin typeface="Cambria Math" panose="02040503050406030204" pitchFamily="18" charset="0"/>
+                                    </a:rPr>
+                                    <m:t>(</m:t>
+                                  </m:r>
+                                  <m:r>
+                                    <a:rPr lang="pl-PL" i="1">
+                                      <a:latin typeface="Cambria Math" panose="02040503050406030204" pitchFamily="18" charset="0"/>
+                                    </a:rPr>
+                                    <m:t>𝑘</m:t>
+                                  </m:r>
+                                  <m:r>
+                                    <a:rPr lang="pl-PL" i="1">
+                                      <a:latin typeface="Cambria Math" panose="02040503050406030204" pitchFamily="18" charset="0"/>
+                                    </a:rPr>
+                                    <m:t>)</m:t>
+                                  </m:r>
+                                </m:sup>
+                              </m:sSup>
+                              <m:r>
+                                <a:rPr lang="pl-PL">
+                                  <a:latin typeface="Cambria Math" panose="02040503050406030204" pitchFamily="18" charset="0"/>
+                                </a:rPr>
+                                <m:t>=</m:t>
+                              </m:r>
+                              <m:f>
+                                <m:fPr>
+                                  <m:ctrlPr>
+                                    <a:rPr lang="pl-PL" i="1">
+                                      <a:latin typeface="Cambria Math" panose="02040503050406030204" pitchFamily="18" charset="0"/>
+                                    </a:rPr>
+                                  </m:ctrlPr>
+                                </m:fPr>
+                                <m:num>
+                                  <m:sSup>
+                                    <m:sSupPr>
+                                      <m:ctrlPr>
+                                        <a:rPr lang="pl-PL" i="1">
+                                          <a:latin typeface="Cambria Math" panose="02040503050406030204" pitchFamily="18" charset="0"/>
+                                        </a:rPr>
+                                      </m:ctrlPr>
+                                    </m:sSupPr>
+                                    <m:e>
+                                      <m:r>
+                                        <a:rPr lang="pl-PL" i="1">
+                                          <a:latin typeface="Cambria Math" panose="02040503050406030204" pitchFamily="18" charset="0"/>
+                                        </a:rPr>
+                                        <m:t>𝑥</m:t>
+                                      </m:r>
+                                    </m:e>
+                                    <m:sup>
+                                      <m:r>
+                                        <a:rPr lang="pl-PL" i="1">
+                                          <a:latin typeface="Cambria Math" panose="02040503050406030204" pitchFamily="18" charset="0"/>
+                                        </a:rPr>
+                                        <m:t>(</m:t>
+                                      </m:r>
+                                      <m:r>
+                                        <a:rPr lang="pl-PL" i="1">
+                                          <a:latin typeface="Cambria Math" panose="02040503050406030204" pitchFamily="18" charset="0"/>
+                                        </a:rPr>
+                                        <m:t>𝑘</m:t>
+                                      </m:r>
+                                      <m:r>
+                                        <a:rPr lang="pl-PL" i="1">
+                                          <a:latin typeface="Cambria Math" panose="02040503050406030204" pitchFamily="18" charset="0"/>
+                                        </a:rPr>
+                                        <m:t>)</m:t>
+                                      </m:r>
+                                    </m:sup>
+                                  </m:sSup>
+                                </m:num>
+                                <m:den>
+                                  <m:d>
+                                    <m:dPr>
+                                      <m:begChr m:val="‖"/>
+                                      <m:endChr m:val="‖"/>
+                                      <m:ctrlPr>
+                                        <a:rPr lang="pl-PL" i="1">
+                                          <a:latin typeface="Cambria Math" panose="02040503050406030204" pitchFamily="18" charset="0"/>
+                                        </a:rPr>
+                                      </m:ctrlPr>
+                                    </m:dPr>
+                                    <m:e>
+                                      <m:sSup>
+                                        <m:sSupPr>
+                                          <m:ctrlPr>
+                                            <a:rPr lang="pl-PL" i="1">
+                                              <a:latin typeface="Cambria Math" panose="02040503050406030204" pitchFamily="18" charset="0"/>
+                                            </a:rPr>
+                                          </m:ctrlPr>
+                                        </m:sSupPr>
+                                        <m:e>
+                                          <m:r>
+                                            <a:rPr lang="pl-PL" i="1">
+                                              <a:latin typeface="Cambria Math" panose="02040503050406030204" pitchFamily="18" charset="0"/>
+                                            </a:rPr>
+                                            <m:t>𝑥</m:t>
+                                          </m:r>
+                                        </m:e>
+                                        <m:sup>
+                                          <m:r>
+                                            <a:rPr lang="pl-PL" i="1">
+                                              <a:latin typeface="Cambria Math" panose="02040503050406030204" pitchFamily="18" charset="0"/>
+                                            </a:rPr>
+                                            <m:t>(</m:t>
+                                          </m:r>
+                                          <m:r>
+                                            <a:rPr lang="pl-PL" i="1">
+                                              <a:latin typeface="Cambria Math" panose="02040503050406030204" pitchFamily="18" charset="0"/>
+                                            </a:rPr>
+                                            <m:t>𝑘</m:t>
+                                          </m:r>
+                                          <m:r>
+                                            <a:rPr lang="pl-PL" i="1">
+                                              <a:latin typeface="Cambria Math" panose="02040503050406030204" pitchFamily="18" charset="0"/>
+                                            </a:rPr>
+                                            <m:t>)</m:t>
+                                          </m:r>
+                                        </m:sup>
+                                      </m:sSup>
+                                    </m:e>
+                                  </m:d>
+                                </m:den>
+                              </m:f>
+                            </m:e>
+                            <m:e>
+                              <m:sSup>
+                                <m:sSupPr>
+                                  <m:ctrlPr>
+                                    <a:rPr lang="pl-PL" i="1">
+                                      <a:latin typeface="Cambria Math" panose="02040503050406030204" pitchFamily="18" charset="0"/>
+                                    </a:rPr>
+                                  </m:ctrlPr>
+                                </m:sSupPr>
+                                <m:e>
+                                  <m:r>
+                                    <a:rPr lang="pl-PL" i="1">
+                                      <a:latin typeface="Cambria Math" panose="02040503050406030204" pitchFamily="18" charset="0"/>
+                                    </a:rPr>
+                                    <m:t>𝑥</m:t>
+                                  </m:r>
+                                </m:e>
+                                <m:sup>
+                                  <m:r>
+                                    <a:rPr lang="pl-PL" i="1">
+                                      <a:latin typeface="Cambria Math" panose="02040503050406030204" pitchFamily="18" charset="0"/>
+                                    </a:rPr>
+                                    <m:t>(</m:t>
+                                  </m:r>
+                                  <m:r>
+                                    <a:rPr lang="pl-PL" i="1">
+                                      <a:latin typeface="Cambria Math" panose="02040503050406030204" pitchFamily="18" charset="0"/>
+                                    </a:rPr>
+                                    <m:t>𝑘</m:t>
+                                  </m:r>
+                                  <m:r>
+                                    <a:rPr lang="pl-PL" i="1">
+                                      <a:latin typeface="Cambria Math" panose="02040503050406030204" pitchFamily="18" charset="0"/>
+                                    </a:rPr>
+                                    <m:t>+1</m:t>
+                                  </m:r>
+                                  <m:r>
+                                    <a:rPr lang="pl-PL" i="1">
+                                      <a:latin typeface="Cambria Math" panose="02040503050406030204" pitchFamily="18" charset="0"/>
+                                    </a:rPr>
+                                    <m:t>)</m:t>
+                                  </m:r>
+                                </m:sup>
+                              </m:sSup>
+                              <m:r>
+                                <a:rPr lang="pl-PL">
+                                  <a:latin typeface="Cambria Math" panose="02040503050406030204" pitchFamily="18" charset="0"/>
+                                </a:rPr>
+                                <m:t>=</m:t>
+                              </m:r>
+                              <m:r>
+                                <m:rPr>
+                                  <m:sty m:val="p"/>
+                                </m:rPr>
+                                <a:rPr lang="pl-PL">
+                                  <a:latin typeface="Cambria Math" panose="02040503050406030204" pitchFamily="18" charset="0"/>
+                                </a:rPr>
+                                <m:t>A</m:t>
+                              </m:r>
+                              <m:sSup>
+                                <m:sSupPr>
+                                  <m:ctrlPr>
+                                    <a:rPr lang="pl-PL" i="1">
+                                      <a:latin typeface="Cambria Math" panose="02040503050406030204" pitchFamily="18" charset="0"/>
+                                    </a:rPr>
+                                  </m:ctrlPr>
+                                </m:sSupPr>
+                                <m:e>
+                                  <m:acc>
+                                    <m:accPr>
+                                      <m:chr m:val="̃"/>
+                                      <m:ctrlPr>
+                                        <a:rPr lang="pl-PL" i="1">
+                                          <a:latin typeface="Cambria Math" panose="02040503050406030204" pitchFamily="18" charset="0"/>
+                                        </a:rPr>
+                                      </m:ctrlPr>
+                                    </m:accPr>
+                                    <m:e>
+                                      <m:r>
+                                        <a:rPr lang="pl-PL" i="1">
+                                          <a:latin typeface="Cambria Math" panose="02040503050406030204" pitchFamily="18" charset="0"/>
+                                        </a:rPr>
+                                        <m:t>𝑥</m:t>
+                                      </m:r>
+                                    </m:e>
+                                  </m:acc>
+                                </m:e>
+                                <m:sup>
+                                  <m:r>
+                                    <a:rPr lang="pl-PL" i="1">
+                                      <a:latin typeface="Cambria Math" panose="02040503050406030204" pitchFamily="18" charset="0"/>
+                                    </a:rPr>
+                                    <m:t>(</m:t>
+                                  </m:r>
+                                  <m:r>
+                                    <a:rPr lang="pl-PL" i="1">
+                                      <a:latin typeface="Cambria Math" panose="02040503050406030204" pitchFamily="18" charset="0"/>
+                                    </a:rPr>
+                                    <m:t>𝑘</m:t>
+                                  </m:r>
+                                  <m:r>
+                                    <a:rPr lang="pl-PL" i="1">
+                                      <a:latin typeface="Cambria Math" panose="02040503050406030204" pitchFamily="18" charset="0"/>
+                                    </a:rPr>
+                                    <m:t>)</m:t>
+                                  </m:r>
+                                </m:sup>
+                              </m:sSup>
+                            </m:e>
+                          </m:eqArr>
+                        </m:e>
+                      </m:d>
+                    </m:oMath>
+                  </m:oMathPara>
+                </a14:m>
+                <a:endParaRPr lang="pl-PL" dirty="0"/>
+              </a:p>
+            </p:txBody>
+          </p:sp>
+        </mc:Choice>
+        <mc:Fallback>
+          <p:sp>
+            <p:nvSpPr>
+              <p:cNvPr id="7" name="pole tekstowe 6"/>
+              <p:cNvSpPr txBox="1">
+                <a:spLocks noRot="1" noChangeAspect="1" noMove="1" noResize="1" noEditPoints="1" noAdjustHandles="1" noChangeArrowheads="1" noChangeShapeType="1" noTextEdit="1"/>
+              </p:cNvSpPr>
+              <p:nvPr/>
+            </p:nvSpPr>
+            <p:spPr>
+              <a:xfrm>
+                <a:off x="2782044" y="2771596"/>
+                <a:ext cx="1666803" cy="1025665"/>
+              </a:xfrm>
+              <a:prstGeom prst="rect">
+                <a:avLst/>
+              </a:prstGeom>
+              <a:blipFill>
+                <a:blip r:embed="rId4"/>
+                <a:stretch>
+                  <a:fillRect/>
+                </a:stretch>
+              </a:blipFill>
+            </p:spPr>
+            <p:txBody>
+              <a:bodyPr/>
+              <a:lstStyle/>
+              <a:p>
+                <a:r>
+                  <a:rPr lang="pl-PL">
+                    <a:noFill/>
+                  </a:rPr>
+                  <a:t> </a:t>
+                </a:r>
+              </a:p>
+            </p:txBody>
+          </p:sp>
+        </mc:Fallback>
+      </mc:AlternateContent>
+    </p:spTree>
+    <p:extLst>
+      <p:ext uri="{BB962C8B-B14F-4D97-AF65-F5344CB8AC3E}">
+        <p14:creationId xmlns:p14="http://schemas.microsoft.com/office/powerpoint/2010/main" val="3085949"/>
+      </p:ext>
+    </p:extLst>
+  </p:cSld>
+  <p:clrMapOvr>
+    <a:masterClrMapping/>
+  </p:clrMapOvr>
+  <mc:AlternateContent xmlns:mc="http://schemas.openxmlformats.org/markup-compatibility/2006" xmlns:p14="http://schemas.microsoft.com/office/powerpoint/2010/main">
+    <mc:Choice Requires="p14">
+      <p:transition spd="med" p14:dur="700">
+        <p:fade/>
+      </p:transition>
+    </mc:Choice>
+    <mc:Fallback xmlns="">
+      <p:transition spd="med">
+        <p:fade/>
+      </p:transition>
+    </mc:Fallback>
+  </mc:AlternateContent>
+</p:sld>
+</file>
+
+<file path=ppt/slides/slide7.xml><?xml version="1.0" encoding="utf-8"?>
+<p:sld xmlns:a="http://schemas.openxmlformats.org/drawingml/2006/main" xmlns:r="http://schemas.openxmlformats.org/officeDocument/2006/relationships" xmlns:p="http://schemas.openxmlformats.org/presentationml/2006/main">
+  <p:cSld>
+    <p:spTree>
+      <p:nvGrpSpPr>
+        <p:cNvPr id="1" name=""/>
+        <p:cNvGrpSpPr/>
+        <p:nvPr/>
+      </p:nvGrpSpPr>
+      <p:grpSpPr>
+        <a:xfrm>
+          <a:off x="0" y="0"/>
+          <a:ext cx="0" cy="0"/>
+          <a:chOff x="0" y="0"/>
+          <a:chExt cx="0" cy="0"/>
+        </a:xfrm>
+      </p:grpSpPr>
+      <p:sp>
+        <p:nvSpPr>
+          <p:cNvPr id="2" name="Tytuł 1"/>
+          <p:cNvSpPr>
+            <a:spLocks noGrp="1"/>
+          </p:cNvSpPr>
+          <p:nvPr>
+            <p:ph type="title"/>
+          </p:nvPr>
+        </p:nvSpPr>
+        <p:spPr/>
+        <p:txBody>
+          <a:bodyPr/>
+          <a:lstStyle/>
+          <a:p>
+            <a:r>
+              <a:rPr lang="pl-PL" dirty="0" smtClean="0"/>
+              <a:t>Warunek stopu:</a:t>
+            </a:r>
+            <a:endParaRPr lang="pl-PL" dirty="0"/>
+          </a:p>
+        </p:txBody>
+      </p:sp>
+      <mc:AlternateContent xmlns:mc="http://schemas.openxmlformats.org/markup-compatibility/2006">
+        <mc:Choice xmlns:a14="http://schemas.microsoft.com/office/drawing/2010/main" Requires="a14">
+          <p:sp>
+            <p:nvSpPr>
+              <p:cNvPr id="3" name="Symbol zastępczy zawartości 2"/>
+              <p:cNvSpPr>
+                <a:spLocks noGrp="1"/>
+              </p:cNvSpPr>
+              <p:nvPr>
+                <p:ph idx="1"/>
+              </p:nvPr>
+            </p:nvSpPr>
+            <p:spPr>
+              <a:xfrm>
+                <a:off x="1593436" y="1916832"/>
+                <a:ext cx="9782801" cy="2260848"/>
+              </a:xfrm>
+            </p:spPr>
+            <p:txBody>
+              <a:bodyPr>
+                <a:normAutofit/>
+              </a:bodyPr>
+              <a:lstStyle/>
+              <a:p>
+                <a:pPr marL="0" indent="0">
+                  <a:buNone/>
+                </a:pPr>
+                <a14:m>
+                  <m:oMathPara xmlns:m="http://schemas.openxmlformats.org/officeDocument/2006/math">
+                    <m:oMathParaPr>
+                      <m:jc m:val="centerGroup"/>
+                    </m:oMathParaPr>
+                    <m:oMath xmlns:m="http://schemas.openxmlformats.org/officeDocument/2006/math">
+                      <m:d>
+                        <m:dPr>
+                          <m:begChr m:val="‖"/>
+                          <m:endChr m:val="‖"/>
+                          <m:ctrlPr>
+                            <a:rPr lang="pl-PL" sz="1600" i="1" smtClean="0">
+                              <a:latin typeface="Cambria Math" panose="02040503050406030204" pitchFamily="18" charset="0"/>
+                            </a:rPr>
+                          </m:ctrlPr>
+                        </m:dPr>
+                        <m:e>
+                          <m:r>
+                            <a:rPr lang="pl-PL" sz="1600" i="1" smtClean="0">
+                              <a:latin typeface="Cambria Math" panose="02040503050406030204" pitchFamily="18" charset="0"/>
+                            </a:rPr>
+                            <m:t>𝑠</m:t>
+                          </m:r>
+                          <m:r>
+                            <a:rPr lang="pl-PL" sz="1600" b="0" i="1" smtClean="0">
+                              <a:latin typeface="Cambria Math" panose="02040503050406030204" pitchFamily="18" charset="0"/>
+                            </a:rPr>
+                            <m:t>𝑖𝑔𝑛</m:t>
+                          </m:r>
+                          <m:d>
+                            <m:dPr>
+                              <m:ctrlPr>
+                                <a:rPr lang="pl-PL" sz="1600" b="0" i="1" smtClean="0">
+                                  <a:latin typeface="Cambria Math" panose="02040503050406030204" pitchFamily="18" charset="0"/>
+                                </a:rPr>
+                              </m:ctrlPr>
+                            </m:dPr>
+                            <m:e>
+                              <m:sSubSup>
+                                <m:sSubSupPr>
+                                  <m:ctrlPr>
+                                    <a:rPr lang="pl-PL" sz="1600" b="0" i="1" smtClean="0">
+                                      <a:latin typeface="Cambria Math" panose="02040503050406030204" pitchFamily="18" charset="0"/>
+                                    </a:rPr>
+                                  </m:ctrlPr>
+                                </m:sSubSupPr>
+                                <m:e>
+                                  <m:acc>
+                                    <m:accPr>
+                                      <m:chr m:val="̃"/>
+                                      <m:ctrlPr>
+                                        <a:rPr lang="pl-PL" sz="1600" i="1">
+                                          <a:latin typeface="Cambria Math" panose="02040503050406030204" pitchFamily="18" charset="0"/>
+                                        </a:rPr>
+                                      </m:ctrlPr>
+                                    </m:accPr>
+                                    <m:e>
+                                      <m:r>
+                                        <a:rPr lang="pl-PL" sz="1600" i="1">
+                                          <a:latin typeface="Cambria Math" panose="02040503050406030204" pitchFamily="18" charset="0"/>
+                                        </a:rPr>
+                                        <m:t>𝑥</m:t>
+                                      </m:r>
+                                    </m:e>
+                                  </m:acc>
+                                </m:e>
+                                <m:sub>
+                                  <m:r>
+                                    <a:rPr lang="pl-PL" sz="1600" b="0" i="1" smtClean="0">
+                                      <a:latin typeface="Cambria Math" panose="02040503050406030204" pitchFamily="18" charset="0"/>
+                                    </a:rPr>
+                                    <m:t>𝑖</m:t>
+                                  </m:r>
+                                </m:sub>
+                                <m:sup>
+                                  <m:d>
+                                    <m:dPr>
+                                      <m:ctrlPr>
+                                        <a:rPr lang="pl-PL" sz="1600" b="0" i="1" smtClean="0">
+                                          <a:latin typeface="Cambria Math" panose="02040503050406030204" pitchFamily="18" charset="0"/>
+                                        </a:rPr>
+                                      </m:ctrlPr>
+                                    </m:dPr>
+                                    <m:e>
+                                      <m:r>
+                                        <a:rPr lang="pl-PL" sz="1600" b="0" i="1" smtClean="0">
+                                          <a:latin typeface="Cambria Math" panose="02040503050406030204" pitchFamily="18" charset="0"/>
+                                        </a:rPr>
+                                        <m:t>𝑘</m:t>
+                                      </m:r>
+                                      <m:r>
+                                        <a:rPr lang="pl-PL" sz="1600" b="0" i="1" smtClean="0">
+                                          <a:latin typeface="Cambria Math" panose="02040503050406030204" pitchFamily="18" charset="0"/>
+                                        </a:rPr>
+                                        <m:t>+1</m:t>
+                                      </m:r>
+                                    </m:e>
+                                  </m:d>
+                                </m:sup>
+                              </m:sSubSup>
+                            </m:e>
+                          </m:d>
+                          <m:r>
+                            <a:rPr lang="pl-PL" sz="1600" b="0" i="1" smtClean="0">
+                              <a:latin typeface="Cambria Math" panose="02040503050406030204" pitchFamily="18" charset="0"/>
+                              <a:ea typeface="Cambria Math" panose="02040503050406030204" pitchFamily="18" charset="0"/>
+                            </a:rPr>
+                            <m:t>∙</m:t>
+                          </m:r>
+                          <m:sSup>
+                            <m:sSupPr>
+                              <m:ctrlPr>
+                                <a:rPr lang="pl-PL" sz="1600" i="1">
+                                  <a:latin typeface="Cambria Math" panose="02040503050406030204" pitchFamily="18" charset="0"/>
+                                </a:rPr>
+                              </m:ctrlPr>
+                            </m:sSupPr>
+                            <m:e>
+                              <m:acc>
+                                <m:accPr>
+                                  <m:chr m:val="̃"/>
+                                  <m:ctrlPr>
+                                    <a:rPr lang="pl-PL" sz="1600" i="1">
+                                      <a:latin typeface="Cambria Math" panose="02040503050406030204" pitchFamily="18" charset="0"/>
+                                    </a:rPr>
+                                  </m:ctrlPr>
+                                </m:accPr>
+                                <m:e>
+                                  <m:r>
+                                    <a:rPr lang="pl-PL" sz="1600" i="1">
+                                      <a:latin typeface="Cambria Math" panose="02040503050406030204" pitchFamily="18" charset="0"/>
+                                    </a:rPr>
+                                    <m:t>𝑥</m:t>
+                                  </m:r>
+                                </m:e>
+                              </m:acc>
+                            </m:e>
+                            <m:sup>
+                              <m:r>
+                                <a:rPr lang="pl-PL" sz="1600" i="1">
+                                  <a:latin typeface="Cambria Math" panose="02040503050406030204" pitchFamily="18" charset="0"/>
+                                </a:rPr>
+                                <m:t>(</m:t>
+                              </m:r>
+                              <m:r>
+                                <a:rPr lang="pl-PL" sz="1600" i="1">
+                                  <a:latin typeface="Cambria Math" panose="02040503050406030204" pitchFamily="18" charset="0"/>
+                                </a:rPr>
+                                <m:t>𝑘</m:t>
+                              </m:r>
+                              <m:r>
+                                <a:rPr lang="pl-PL" sz="1600" b="0" i="1" smtClean="0">
+                                  <a:latin typeface="Cambria Math" panose="02040503050406030204" pitchFamily="18" charset="0"/>
+                                </a:rPr>
+                                <m:t>+1</m:t>
+                              </m:r>
+                              <m:r>
+                                <a:rPr lang="pl-PL" sz="1600" i="1">
+                                  <a:latin typeface="Cambria Math" panose="02040503050406030204" pitchFamily="18" charset="0"/>
+                                </a:rPr>
+                                <m:t>)</m:t>
+                              </m:r>
+                            </m:sup>
+                          </m:sSup>
+                          <m:r>
+                            <a:rPr lang="pl-PL" sz="1600" b="0" i="1" smtClean="0">
+                              <a:latin typeface="Cambria Math" panose="02040503050406030204" pitchFamily="18" charset="0"/>
+                            </a:rPr>
+                            <m:t>−</m:t>
+                          </m:r>
+                          <m:r>
+                            <a:rPr lang="pl-PL" sz="1600" i="1">
+                              <a:latin typeface="Cambria Math" panose="02040503050406030204" pitchFamily="18" charset="0"/>
+                            </a:rPr>
+                            <m:t>𝑠𝑖𝑔𝑛</m:t>
+                          </m:r>
+                          <m:d>
+                            <m:dPr>
+                              <m:ctrlPr>
+                                <a:rPr lang="pl-PL" sz="1600" i="1">
+                                  <a:latin typeface="Cambria Math" panose="02040503050406030204" pitchFamily="18" charset="0"/>
+                                </a:rPr>
+                              </m:ctrlPr>
+                            </m:dPr>
+                            <m:e>
+                              <m:sSubSup>
+                                <m:sSubSupPr>
+                                  <m:ctrlPr>
+                                    <a:rPr lang="pl-PL" sz="1600" i="1">
+                                      <a:latin typeface="Cambria Math" panose="02040503050406030204" pitchFamily="18" charset="0"/>
+                                    </a:rPr>
+                                  </m:ctrlPr>
+                                </m:sSubSupPr>
+                                <m:e>
+                                  <m:acc>
+                                    <m:accPr>
+                                      <m:chr m:val="̃"/>
+                                      <m:ctrlPr>
+                                        <a:rPr lang="pl-PL" sz="1600" i="1">
+                                          <a:latin typeface="Cambria Math" panose="02040503050406030204" pitchFamily="18" charset="0"/>
+                                        </a:rPr>
+                                      </m:ctrlPr>
+                                    </m:accPr>
+                                    <m:e>
+                                      <m:r>
+                                        <a:rPr lang="pl-PL" sz="1600" i="1">
+                                          <a:latin typeface="Cambria Math" panose="02040503050406030204" pitchFamily="18" charset="0"/>
+                                        </a:rPr>
+                                        <m:t>𝑥</m:t>
+                                      </m:r>
+                                    </m:e>
+                                  </m:acc>
+                                </m:e>
+                                <m:sub>
+                                  <m:r>
+                                    <a:rPr lang="pl-PL" sz="1600" i="1">
+                                      <a:latin typeface="Cambria Math" panose="02040503050406030204" pitchFamily="18" charset="0"/>
+                                    </a:rPr>
+                                    <m:t>𝑖</m:t>
+                                  </m:r>
+                                </m:sub>
+                                <m:sup>
+                                  <m:d>
+                                    <m:dPr>
+                                      <m:ctrlPr>
+                                        <a:rPr lang="pl-PL" sz="1600" i="1">
+                                          <a:latin typeface="Cambria Math" panose="02040503050406030204" pitchFamily="18" charset="0"/>
+                                        </a:rPr>
+                                      </m:ctrlPr>
+                                    </m:dPr>
+                                    <m:e>
+                                      <m:r>
+                                        <a:rPr lang="pl-PL" sz="1600" i="1">
+                                          <a:latin typeface="Cambria Math" panose="02040503050406030204" pitchFamily="18" charset="0"/>
+                                        </a:rPr>
+                                        <m:t>𝑘</m:t>
+                                      </m:r>
+                                    </m:e>
+                                  </m:d>
+                                </m:sup>
+                              </m:sSubSup>
+                            </m:e>
+                          </m:d>
+                          <m:r>
+                            <a:rPr lang="pl-PL" sz="1600" i="1">
+                              <a:latin typeface="Cambria Math" panose="02040503050406030204" pitchFamily="18" charset="0"/>
+                              <a:ea typeface="Cambria Math" panose="02040503050406030204" pitchFamily="18" charset="0"/>
+                            </a:rPr>
+                            <m:t>∙</m:t>
+                          </m:r>
+                          <m:sSup>
+                            <m:sSupPr>
+                              <m:ctrlPr>
+                                <a:rPr lang="pl-PL" sz="1600" i="1">
+                                  <a:latin typeface="Cambria Math" panose="02040503050406030204" pitchFamily="18" charset="0"/>
+                                </a:rPr>
+                              </m:ctrlPr>
+                            </m:sSupPr>
+                            <m:e>
+                              <m:acc>
+                                <m:accPr>
+                                  <m:chr m:val="̃"/>
+                                  <m:ctrlPr>
+                                    <a:rPr lang="pl-PL" sz="1600" i="1">
+                                      <a:latin typeface="Cambria Math" panose="02040503050406030204" pitchFamily="18" charset="0"/>
+                                    </a:rPr>
+                                  </m:ctrlPr>
+                                </m:accPr>
+                                <m:e>
+                                  <m:r>
+                                    <a:rPr lang="pl-PL" sz="1600" i="1">
+                                      <a:latin typeface="Cambria Math" panose="02040503050406030204" pitchFamily="18" charset="0"/>
+                                    </a:rPr>
+                                    <m:t>𝑥</m:t>
+                                  </m:r>
+                                </m:e>
+                              </m:acc>
+                            </m:e>
+                            <m:sup>
+                              <m:r>
+                                <a:rPr lang="pl-PL" sz="1600" i="1">
+                                  <a:latin typeface="Cambria Math" panose="02040503050406030204" pitchFamily="18" charset="0"/>
+                                </a:rPr>
+                                <m:t>(</m:t>
+                              </m:r>
+                              <m:r>
+                                <a:rPr lang="pl-PL" sz="1600" i="1">
+                                  <a:latin typeface="Cambria Math" panose="02040503050406030204" pitchFamily="18" charset="0"/>
+                                </a:rPr>
+                                <m:t>𝑘</m:t>
+                              </m:r>
+                              <m:r>
+                                <a:rPr lang="pl-PL" sz="1600" i="1">
+                                  <a:latin typeface="Cambria Math" panose="02040503050406030204" pitchFamily="18" charset="0"/>
+                                </a:rPr>
+                                <m:t>)</m:t>
+                              </m:r>
+                            </m:sup>
+                          </m:sSup>
+                        </m:e>
+                      </m:d>
+                      <m:r>
+                        <a:rPr lang="pl-PL" sz="1600" b="0" i="1" smtClean="0">
+                          <a:latin typeface="Cambria Math" panose="02040503050406030204" pitchFamily="18" charset="0"/>
+                        </a:rPr>
+                        <m:t>&lt;</m:t>
+                      </m:r>
+                      <m:r>
+                        <a:rPr lang="pl-PL" sz="1600" b="0" i="1" smtClean="0">
+                          <a:latin typeface="Cambria Math" panose="02040503050406030204" pitchFamily="18" charset="0"/>
+                        </a:rPr>
+                        <m:t>𝑑</m:t>
+                      </m:r>
+                    </m:oMath>
+                  </m:oMathPara>
+                </a14:m>
+                <a:endParaRPr lang="pl-PL" sz="1600" dirty="0" smtClean="0"/>
+              </a:p>
+              <a:p>
+                <a:pPr marL="0" indent="0">
+                  <a:buNone/>
+                </a:pPr>
+                <a:r>
+                  <a:rPr lang="pl-PL" sz="1600" dirty="0"/>
+                  <a:t>g</a:t>
+                </a:r>
+                <a:r>
+                  <a:rPr lang="pl-PL" sz="1600" dirty="0" smtClean="0"/>
+                  <a:t>dzie:</a:t>
+                </a:r>
+              </a:p>
+              <a:p>
+                <a:pPr marL="0" indent="0">
+                  <a:buNone/>
+                </a:pPr>
+                <a14:m>
+                  <m:oMathPara xmlns:m="http://schemas.openxmlformats.org/officeDocument/2006/math">
+                    <m:oMathParaPr>
+                      <m:jc m:val="left"/>
+                    </m:oMathParaPr>
+                    <m:oMath xmlns:m="http://schemas.openxmlformats.org/officeDocument/2006/math">
+                      <m:r>
+                        <a:rPr lang="pl-PL" sz="1600" i="1">
+                          <a:latin typeface="Cambria Math" panose="02040503050406030204" pitchFamily="18" charset="0"/>
+                        </a:rPr>
+                        <m:t>𝑠𝑖𝑔𝑛</m:t>
+                      </m:r>
+                      <m:d>
+                        <m:dPr>
+                          <m:ctrlPr>
+                            <a:rPr lang="pl-PL" sz="1600" b="0" i="1" smtClean="0">
+                              <a:latin typeface="Cambria Math" panose="02040503050406030204" pitchFamily="18" charset="0"/>
+                            </a:rPr>
+                          </m:ctrlPr>
+                        </m:dPr>
+                        <m:e>
+                          <m:r>
+                            <a:rPr lang="pl-PL" sz="1600" b="0" i="1" smtClean="0">
+                              <a:latin typeface="Cambria Math" panose="02040503050406030204" pitchFamily="18" charset="0"/>
+                            </a:rPr>
+                            <m:t>𝑥</m:t>
+                          </m:r>
+                        </m:e>
+                      </m:d>
+                      <m:r>
+                        <a:rPr lang="pl-PL" sz="1600" b="0" i="1" smtClean="0">
+                          <a:latin typeface="Cambria Math" panose="02040503050406030204" pitchFamily="18" charset="0"/>
+                        </a:rPr>
+                        <m:t>= </m:t>
+                      </m:r>
+                      <m:d>
+                        <m:dPr>
+                          <m:begChr m:val="{"/>
+                          <m:endChr m:val=""/>
+                          <m:ctrlPr>
+                            <a:rPr lang="pl-PL" sz="1600" b="0" i="1" smtClean="0">
+                              <a:latin typeface="Cambria Math" panose="02040503050406030204" pitchFamily="18" charset="0"/>
+                            </a:rPr>
+                          </m:ctrlPr>
+                        </m:dPr>
+                        <m:e>
+                          <m:eqArr>
+                            <m:eqArrPr>
+                              <m:ctrlPr>
+                                <a:rPr lang="pl-PL" sz="1600" b="0" i="1" smtClean="0">
+                                  <a:latin typeface="Cambria Math" panose="02040503050406030204" pitchFamily="18" charset="0"/>
+                                </a:rPr>
+                              </m:ctrlPr>
+                            </m:eqArrPr>
+                            <m:e>
+                              <m:r>
+                                <a:rPr lang="pl-PL" sz="1600" b="0" i="1" smtClean="0">
+                                  <a:latin typeface="Cambria Math" panose="02040503050406030204" pitchFamily="18" charset="0"/>
+                                </a:rPr>
+                                <m:t>   1,  </m:t>
+                              </m:r>
+                              <m:r>
+                                <a:rPr lang="pl-PL" sz="1600" b="0" i="1" smtClean="0">
+                                  <a:latin typeface="Cambria Math" panose="02040503050406030204" pitchFamily="18" charset="0"/>
+                                </a:rPr>
+                                <m:t>𝑥</m:t>
+                              </m:r>
+                              <m:r>
+                                <a:rPr lang="pl-PL" sz="1600" b="0" i="1" smtClean="0">
+                                  <a:latin typeface="Cambria Math" panose="02040503050406030204" pitchFamily="18" charset="0"/>
+                                </a:rPr>
+                                <m:t>≥0</m:t>
+                              </m:r>
+                            </m:e>
+                            <m:e>
+                              <m:r>
+                                <a:rPr lang="pl-PL" sz="1600" b="0" i="1" smtClean="0">
+                                  <a:latin typeface="Cambria Math" panose="02040503050406030204" pitchFamily="18" charset="0"/>
+                                </a:rPr>
+                                <m:t>−1,  </m:t>
+                              </m:r>
+                              <m:r>
+                                <a:rPr lang="pl-PL" sz="1600" i="1">
+                                  <a:latin typeface="Cambria Math" panose="02040503050406030204" pitchFamily="18" charset="0"/>
+                                </a:rPr>
+                                <m:t>𝑥</m:t>
+                              </m:r>
+                              <m:r>
+                                <a:rPr lang="pl-PL" sz="1600" b="0" i="1" smtClean="0">
+                                  <a:latin typeface="Cambria Math" panose="02040503050406030204" pitchFamily="18" charset="0"/>
+                                </a:rPr>
+                                <m:t>&lt;</m:t>
+                              </m:r>
+                              <m:r>
+                                <a:rPr lang="pl-PL" sz="1600" i="1">
+                                  <a:latin typeface="Cambria Math" panose="02040503050406030204" pitchFamily="18" charset="0"/>
+                                </a:rPr>
+                                <m:t>0</m:t>
+                              </m:r>
+                            </m:e>
+                          </m:eqArr>
+                        </m:e>
+                      </m:d>
+                    </m:oMath>
+                  </m:oMathPara>
+                </a14:m>
+                <a:endParaRPr lang="pl-PL" sz="1600" dirty="0" smtClean="0"/>
+              </a:p>
+              <a:p>
+                <a:pPr marL="0" indent="0">
+                  <a:buNone/>
+                </a:pPr>
+                <a14:m>
+                  <m:oMath xmlns:m="http://schemas.openxmlformats.org/officeDocument/2006/math">
+                    <m:sSubSup>
+                      <m:sSubSupPr>
+                        <m:ctrlPr>
+                          <a:rPr lang="pl-PL" sz="1600" i="1">
+                            <a:latin typeface="Cambria Math" panose="02040503050406030204" pitchFamily="18" charset="0"/>
+                          </a:rPr>
+                        </m:ctrlPr>
+                      </m:sSubSupPr>
+                      <m:e>
+                        <m:acc>
+                          <m:accPr>
+                            <m:chr m:val="̃"/>
+                            <m:ctrlPr>
+                              <a:rPr lang="pl-PL" sz="1600" i="1">
+                                <a:latin typeface="Cambria Math" panose="02040503050406030204" pitchFamily="18" charset="0"/>
+                              </a:rPr>
+                            </m:ctrlPr>
+                          </m:accPr>
+                          <m:e>
+                            <m:r>
+                              <a:rPr lang="pl-PL" sz="1600" i="1">
+                                <a:latin typeface="Cambria Math" panose="02040503050406030204" pitchFamily="18" charset="0"/>
+                              </a:rPr>
+                              <m:t>𝑥</m:t>
+                            </m:r>
+                          </m:e>
+                        </m:acc>
+                      </m:e>
+                      <m:sub>
+                        <m:r>
+                          <a:rPr lang="pl-PL" sz="1600" i="1">
+                            <a:latin typeface="Cambria Math" panose="02040503050406030204" pitchFamily="18" charset="0"/>
+                          </a:rPr>
+                          <m:t>𝑖</m:t>
+                        </m:r>
+                      </m:sub>
+                      <m:sup>
+                        <m:d>
+                          <m:dPr>
+                            <m:ctrlPr>
+                              <a:rPr lang="pl-PL" sz="1600" i="1">
+                                <a:latin typeface="Cambria Math" panose="02040503050406030204" pitchFamily="18" charset="0"/>
+                              </a:rPr>
+                            </m:ctrlPr>
+                          </m:dPr>
+                          <m:e>
+                            <m:r>
+                              <a:rPr lang="pl-PL" sz="1600" i="1">
+                                <a:latin typeface="Cambria Math" panose="02040503050406030204" pitchFamily="18" charset="0"/>
+                              </a:rPr>
+                              <m:t>𝑘</m:t>
+                            </m:r>
+                          </m:e>
+                        </m:d>
+                      </m:sup>
+                    </m:sSubSup>
+                  </m:oMath>
+                </a14:m>
+                <a:r>
+                  <a:rPr lang="pl-PL" sz="1600" dirty="0" smtClean="0"/>
+                  <a:t>	- maksymalna co do modułu współrzędna wektora </a:t>
+                </a:r>
+                <a14:m>
+                  <m:oMath xmlns:m="http://schemas.openxmlformats.org/officeDocument/2006/math">
+                    <m:sSup>
+                      <m:sSupPr>
+                        <m:ctrlPr>
+                          <a:rPr lang="pl-PL" sz="1600" i="1">
+                            <a:latin typeface="Cambria Math" panose="02040503050406030204" pitchFamily="18" charset="0"/>
+                          </a:rPr>
+                        </m:ctrlPr>
+                      </m:sSupPr>
+                      <m:e>
+                        <m:acc>
+                          <m:accPr>
+                            <m:chr m:val="̃"/>
+                            <m:ctrlPr>
+                              <a:rPr lang="pl-PL" sz="1600" i="1">
+                                <a:latin typeface="Cambria Math" panose="02040503050406030204" pitchFamily="18" charset="0"/>
+                              </a:rPr>
+                            </m:ctrlPr>
+                          </m:accPr>
+                          <m:e>
+                            <m:r>
+                              <a:rPr lang="pl-PL" sz="1600" i="1">
+                                <a:latin typeface="Cambria Math" panose="02040503050406030204" pitchFamily="18" charset="0"/>
+                              </a:rPr>
+                              <m:t>𝑥</m:t>
+                            </m:r>
+                          </m:e>
+                        </m:acc>
+                      </m:e>
+                      <m:sup>
+                        <m:r>
+                          <a:rPr lang="pl-PL" sz="1600" i="1">
+                            <a:latin typeface="Cambria Math" panose="02040503050406030204" pitchFamily="18" charset="0"/>
+                          </a:rPr>
+                          <m:t>(</m:t>
+                        </m:r>
+                        <m:r>
+                          <a:rPr lang="pl-PL" sz="1600" i="1">
+                            <a:latin typeface="Cambria Math" panose="02040503050406030204" pitchFamily="18" charset="0"/>
+                          </a:rPr>
+                          <m:t>𝑘</m:t>
+                        </m:r>
+                        <m:r>
+                          <a:rPr lang="pl-PL" sz="1600" i="1">
+                            <a:latin typeface="Cambria Math" panose="02040503050406030204" pitchFamily="18" charset="0"/>
+                          </a:rPr>
+                          <m:t>)</m:t>
+                        </m:r>
+                      </m:sup>
+                    </m:sSup>
+                  </m:oMath>
+                </a14:m>
+                <a:endParaRPr lang="pl-PL" sz="1600" dirty="0" smtClean="0"/>
+              </a:p>
+              <a:p>
+                <a:pPr marL="0" indent="0">
+                  <a:buNone/>
+                </a:pPr>
+                <a14:m>
+                  <m:oMath xmlns:m="http://schemas.openxmlformats.org/officeDocument/2006/math">
+                    <m:r>
+                      <a:rPr lang="pl-PL" sz="1600" i="1">
+                        <a:latin typeface="Cambria Math" panose="02040503050406030204" pitchFamily="18" charset="0"/>
+                      </a:rPr>
+                      <m:t>𝑑</m:t>
+                    </m:r>
+                  </m:oMath>
+                </a14:m>
+                <a:r>
+                  <a:rPr lang="pl-PL" sz="1600" dirty="0"/>
+                  <a:t>	- parametr określający dokładność</a:t>
+                </a:r>
+              </a:p>
+              <a:p>
+                <a:pPr marL="0" indent="0">
+                  <a:buNone/>
+                </a:pPr>
+                <a:endParaRPr lang="pl-PL" sz="1600" dirty="0"/>
+              </a:p>
+            </p:txBody>
+          </p:sp>
+        </mc:Choice>
+        <mc:Fallback>
+          <p:sp>
+            <p:nvSpPr>
+              <p:cNvPr id="3" name="Symbol zastępczy zawartości 2"/>
+              <p:cNvSpPr>
+                <a:spLocks noGrp="1" noRot="1" noChangeAspect="1" noMove="1" noResize="1" noEditPoints="1" noAdjustHandles="1" noChangeArrowheads="1" noChangeShapeType="1" noTextEdit="1"/>
+              </p:cNvSpPr>
+              <p:nvPr>
+                <p:ph idx="1"/>
+              </p:nvPr>
+            </p:nvSpPr>
+            <p:spPr>
+              <a:xfrm>
+                <a:off x="1593436" y="1916832"/>
+                <a:ext cx="9782801" cy="2260848"/>
+              </a:xfrm>
+              <a:blipFill>
+                <a:blip r:embed="rId2"/>
+                <a:stretch>
+                  <a:fillRect l="-312" t="-21833" b="-35040"/>
+                </a:stretch>
+              </a:blipFill>
+            </p:spPr>
+            <p:txBody>
+              <a:bodyPr/>
+              <a:lstStyle/>
+              <a:p>
+                <a:r>
+                  <a:rPr lang="pl-PL">
+                    <a:noFill/>
+                  </a:rPr>
+                  <a:t> </a:t>
+                </a:r>
+              </a:p>
+            </p:txBody>
+          </p:sp>
+        </mc:Fallback>
+      </mc:AlternateContent>
+    </p:spTree>
+    <p:extLst>
+      <p:ext uri="{BB962C8B-B14F-4D97-AF65-F5344CB8AC3E}">
+        <p14:creationId xmlns:p14="http://schemas.microsoft.com/office/powerpoint/2010/main" val="1174869203"/>
+      </p:ext>
+    </p:extLst>
+  </p:cSld>
+  <p:clrMapOvr>
+    <a:masterClrMapping/>
+  </p:clrMapOvr>
+  <mc:AlternateContent xmlns:mc="http://schemas.openxmlformats.org/markup-compatibility/2006" xmlns:p14="http://schemas.microsoft.com/office/powerpoint/2010/main">
+    <mc:Choice Requires="p14">
+      <p:transition spd="med" p14:dur="700">
+        <p:fade/>
+      </p:transition>
+    </mc:Choice>
+    <mc:Fallback xmlns="">
+      <p:transition spd="med">
+        <p:fade/>
+      </p:transition>
+    </mc:Fallback>
+  </mc:AlternateContent>
+</p:sld>
+</file>
+
+<file path=ppt/slides/slide8.xml><?xml version="1.0" encoding="utf-8"?>
+<p:sld xmlns:a="http://schemas.openxmlformats.org/drawingml/2006/main" xmlns:r="http://schemas.openxmlformats.org/officeDocument/2006/relationships" xmlns:p="http://schemas.openxmlformats.org/presentationml/2006/main">
+  <p:cSld>
+    <p:spTree>
+      <p:nvGrpSpPr>
+        <p:cNvPr id="1" name=""/>
+        <p:cNvGrpSpPr/>
+        <p:nvPr/>
+      </p:nvGrpSpPr>
+      <p:grpSpPr>
+        <a:xfrm>
+          <a:off x="0" y="0"/>
+          <a:ext cx="0" cy="0"/>
+          <a:chOff x="0" y="0"/>
+          <a:chExt cx="0" cy="0"/>
+        </a:xfrm>
+      </p:grpSpPr>
+      <p:sp>
+        <p:nvSpPr>
+          <p:cNvPr id="2" name="Tytuł 1"/>
+          <p:cNvSpPr>
+            <a:spLocks noGrp="1"/>
+          </p:cNvSpPr>
+          <p:nvPr>
+            <p:ph type="title"/>
+          </p:nvPr>
+        </p:nvSpPr>
+        <p:spPr/>
+        <p:txBody>
+          <a:bodyPr/>
+          <a:lstStyle/>
+          <a:p>
+            <a:r>
+              <a:rPr lang="pl-PL" dirty="0" smtClean="0"/>
+              <a:t>Własności:</a:t>
+            </a:r>
+            <a:endParaRPr lang="pl-PL" dirty="0"/>
+          </a:p>
+        </p:txBody>
+      </p:sp>
+      <mc:AlternateContent xmlns:mc="http://schemas.openxmlformats.org/markup-compatibility/2006">
+        <mc:Choice xmlns:a14="http://schemas.microsoft.com/office/drawing/2010/main" Requires="a14">
+          <p:sp>
+            <p:nvSpPr>
+              <p:cNvPr id="4" name="Symbol zastępczy zawartości 2"/>
+              <p:cNvSpPr>
+                <a:spLocks noGrp="1"/>
+              </p:cNvSpPr>
+              <p:nvPr>
+                <p:ph idx="1"/>
+              </p:nvPr>
+            </p:nvSpPr>
+            <p:spPr>
+              <a:xfrm>
+                <a:off x="1629916" y="1844824"/>
+                <a:ext cx="6768752" cy="2836912"/>
+              </a:xfrm>
+            </p:spPr>
+            <p:txBody>
+              <a:bodyPr>
+                <a:normAutofit/>
+              </a:bodyPr>
+              <a:lstStyle/>
+              <a:p>
+                <a:r>
+                  <a:rPr lang="pl-PL" sz="1800" dirty="0" smtClean="0"/>
+                  <a:t>Szybkość zbieżności metody potęgowej zależy od ilorazu </a:t>
+                </a:r>
+                <a14:m>
+                  <m:oMath xmlns:m="http://schemas.openxmlformats.org/officeDocument/2006/math">
+                    <m:d>
+                      <m:dPr>
+                        <m:begChr m:val="|"/>
+                        <m:endChr m:val="|"/>
+                        <m:ctrlPr>
+                          <a:rPr lang="pl-PL" sz="1800" i="1" smtClean="0">
+                            <a:latin typeface="Cambria Math" panose="02040503050406030204" pitchFamily="18" charset="0"/>
+                          </a:rPr>
+                        </m:ctrlPr>
+                      </m:dPr>
+                      <m:e>
+                        <m:f>
+                          <m:fPr>
+                            <m:ctrlPr>
+                              <a:rPr lang="pl-PL" sz="1800" i="1" smtClean="0">
+                                <a:latin typeface="Cambria Math" panose="02040503050406030204" pitchFamily="18" charset="0"/>
+                              </a:rPr>
+                            </m:ctrlPr>
+                          </m:fPr>
+                          <m:num>
+                            <m:sSub>
+                              <m:sSubPr>
+                                <m:ctrlPr>
+                                  <a:rPr lang="pl-PL" sz="1800" i="1" smtClean="0">
+                                    <a:latin typeface="Cambria Math" panose="02040503050406030204" pitchFamily="18" charset="0"/>
+                                  </a:rPr>
+                                </m:ctrlPr>
+                              </m:sSubPr>
+                              <m:e>
+                                <m:r>
+                                  <a:rPr lang="pl-PL" sz="1800" i="1" smtClean="0">
+                                    <a:latin typeface="Cambria Math" panose="02040503050406030204" pitchFamily="18" charset="0"/>
+                                    <a:ea typeface="Cambria Math" panose="02040503050406030204" pitchFamily="18" charset="0"/>
+                                  </a:rPr>
+                                  <m:t>𝜆</m:t>
+                                </m:r>
+                              </m:e>
+                              <m:sub>
+                                <m:r>
+                                  <a:rPr lang="pl-PL" sz="1800" b="0" i="1" smtClean="0">
+                                    <a:latin typeface="Cambria Math" panose="02040503050406030204" pitchFamily="18" charset="0"/>
+                                  </a:rPr>
+                                  <m:t>2</m:t>
+                                </m:r>
+                              </m:sub>
+                            </m:sSub>
+                          </m:num>
+                          <m:den>
+                            <m:sSub>
+                              <m:sSubPr>
+                                <m:ctrlPr>
+                                  <a:rPr lang="pl-PL" sz="1800" i="1">
+                                    <a:latin typeface="Cambria Math" panose="02040503050406030204" pitchFamily="18" charset="0"/>
+                                  </a:rPr>
+                                </m:ctrlPr>
+                              </m:sSubPr>
+                              <m:e>
+                                <m:r>
+                                  <a:rPr lang="pl-PL" sz="1800" i="1">
+                                    <a:latin typeface="Cambria Math" panose="02040503050406030204" pitchFamily="18" charset="0"/>
+                                    <a:ea typeface="Cambria Math" panose="02040503050406030204" pitchFamily="18" charset="0"/>
+                                  </a:rPr>
+                                  <m:t>𝜆</m:t>
+                                </m:r>
+                              </m:e>
+                              <m:sub>
+                                <m:r>
+                                  <a:rPr lang="pl-PL" sz="1800" b="0" i="1" smtClean="0">
+                                    <a:latin typeface="Cambria Math" panose="02040503050406030204" pitchFamily="18" charset="0"/>
+                                    <a:ea typeface="Cambria Math" panose="02040503050406030204" pitchFamily="18" charset="0"/>
+                                  </a:rPr>
+                                  <m:t>1</m:t>
+                                </m:r>
+                              </m:sub>
+                            </m:sSub>
+                          </m:den>
+                        </m:f>
+                      </m:e>
+                    </m:d>
+                  </m:oMath>
+                </a14:m>
+                <a:r>
+                  <a:rPr lang="pl-PL" sz="1800" dirty="0" smtClean="0"/>
+                  <a:t>.</a:t>
+                </a:r>
+              </a:p>
+              <a:p>
+                <a:r>
+                  <a:rPr lang="pl-PL" sz="1800" dirty="0" smtClean="0"/>
+                  <a:t>Błąd przybliżenia maleje tak szybko, jak </a:t>
+                </a:r>
+                <a14:m>
+                  <m:oMath xmlns:m="http://schemas.openxmlformats.org/officeDocument/2006/math">
+                    <m:sSup>
+                      <m:sSupPr>
+                        <m:ctrlPr>
+                          <a:rPr lang="pl-PL" sz="1800" i="1" smtClean="0">
+                            <a:latin typeface="Cambria Math" panose="02040503050406030204" pitchFamily="18" charset="0"/>
+                          </a:rPr>
+                        </m:ctrlPr>
+                      </m:sSupPr>
+                      <m:e>
+                        <m:d>
+                          <m:dPr>
+                            <m:begChr m:val="|"/>
+                            <m:endChr m:val="|"/>
+                            <m:ctrlPr>
+                              <a:rPr lang="pl-PL" sz="1800" i="1">
+                                <a:latin typeface="Cambria Math" panose="02040503050406030204" pitchFamily="18" charset="0"/>
+                              </a:rPr>
+                            </m:ctrlPr>
+                          </m:dPr>
+                          <m:e>
+                            <m:f>
+                              <m:fPr>
+                                <m:ctrlPr>
+                                  <a:rPr lang="pl-PL" sz="1800" i="1">
+                                    <a:latin typeface="Cambria Math" panose="02040503050406030204" pitchFamily="18" charset="0"/>
+                                  </a:rPr>
+                                </m:ctrlPr>
+                              </m:fPr>
+                              <m:num>
+                                <m:sSub>
+                                  <m:sSubPr>
+                                    <m:ctrlPr>
+                                      <a:rPr lang="pl-PL" sz="1800" i="1">
+                                        <a:latin typeface="Cambria Math" panose="02040503050406030204" pitchFamily="18" charset="0"/>
+                                      </a:rPr>
+                                    </m:ctrlPr>
+                                  </m:sSubPr>
+                                  <m:e>
+                                    <m:r>
+                                      <a:rPr lang="pl-PL" sz="1800" i="1">
+                                        <a:latin typeface="Cambria Math" panose="02040503050406030204" pitchFamily="18" charset="0"/>
+                                        <a:ea typeface="Cambria Math" panose="02040503050406030204" pitchFamily="18" charset="0"/>
+                                      </a:rPr>
+                                      <m:t>𝜆</m:t>
+                                    </m:r>
+                                  </m:e>
+                                  <m:sub>
+                                    <m:r>
+                                      <a:rPr lang="pl-PL" sz="1800" i="1">
+                                        <a:latin typeface="Cambria Math" panose="02040503050406030204" pitchFamily="18" charset="0"/>
+                                      </a:rPr>
+                                      <m:t>2</m:t>
+                                    </m:r>
+                                  </m:sub>
+                                </m:sSub>
+                              </m:num>
+                              <m:den>
+                                <m:sSub>
+                                  <m:sSubPr>
+                                    <m:ctrlPr>
+                                      <a:rPr lang="pl-PL" sz="1800" i="1">
+                                        <a:latin typeface="Cambria Math" panose="02040503050406030204" pitchFamily="18" charset="0"/>
+                                      </a:rPr>
+                                    </m:ctrlPr>
+                                  </m:sSubPr>
+                                  <m:e>
+                                    <m:r>
+                                      <a:rPr lang="pl-PL" sz="1800" i="1">
+                                        <a:latin typeface="Cambria Math" panose="02040503050406030204" pitchFamily="18" charset="0"/>
+                                        <a:ea typeface="Cambria Math" panose="02040503050406030204" pitchFamily="18" charset="0"/>
+                                      </a:rPr>
+                                      <m:t>𝜆</m:t>
+                                    </m:r>
+                                  </m:e>
+                                  <m:sub>
+                                    <m:r>
+                                      <a:rPr lang="pl-PL" sz="1800" i="1">
+                                        <a:latin typeface="Cambria Math" panose="02040503050406030204" pitchFamily="18" charset="0"/>
+                                        <a:ea typeface="Cambria Math" panose="02040503050406030204" pitchFamily="18" charset="0"/>
+                                      </a:rPr>
+                                      <m:t>1</m:t>
+                                    </m:r>
+                                  </m:sub>
+                                </m:sSub>
+                              </m:den>
+                            </m:f>
+                          </m:e>
+                        </m:d>
+                      </m:e>
+                      <m:sup>
+                        <m:r>
+                          <a:rPr lang="pl-PL" sz="1800" b="0" i="1" smtClean="0">
+                            <a:latin typeface="Cambria Math" panose="02040503050406030204" pitchFamily="18" charset="0"/>
+                          </a:rPr>
+                          <m:t>𝑘</m:t>
+                        </m:r>
+                      </m:sup>
+                    </m:sSup>
+                  </m:oMath>
+                </a14:m>
+                <a:r>
+                  <a:rPr lang="pl-PL" sz="1800" dirty="0" smtClean="0"/>
+                  <a:t>.</a:t>
+                </a:r>
+              </a:p>
+              <a:p>
+                <a:r>
+                  <a:rPr lang="pl-PL" sz="1800" dirty="0" smtClean="0"/>
+                  <a:t>Metoda potęgowa jest bardzo wolno zbieżna, jeżeli </a:t>
+                </a:r>
+                <a14:m>
+                  <m:oMath xmlns:m="http://schemas.openxmlformats.org/officeDocument/2006/math">
+                    <m:f>
+                      <m:fPr>
+                        <m:ctrlPr>
+                          <a:rPr lang="pl-PL" sz="1800" i="1">
+                            <a:latin typeface="Cambria Math" panose="02040503050406030204" pitchFamily="18" charset="0"/>
+                          </a:rPr>
+                        </m:ctrlPr>
+                      </m:fPr>
+                      <m:num>
+                        <m:sSub>
+                          <m:sSubPr>
+                            <m:ctrlPr>
+                              <a:rPr lang="pl-PL" sz="1800" i="1">
+                                <a:latin typeface="Cambria Math" panose="02040503050406030204" pitchFamily="18" charset="0"/>
+                              </a:rPr>
+                            </m:ctrlPr>
+                          </m:sSubPr>
+                          <m:e>
+                            <m:r>
+                              <a:rPr lang="pl-PL" sz="1800" i="1">
+                                <a:latin typeface="Cambria Math" panose="02040503050406030204" pitchFamily="18" charset="0"/>
+                                <a:ea typeface="Cambria Math" panose="02040503050406030204" pitchFamily="18" charset="0"/>
+                              </a:rPr>
+                              <m:t>𝜆</m:t>
+                            </m:r>
+                          </m:e>
+                          <m:sub>
+                            <m:r>
+                              <a:rPr lang="pl-PL" sz="1800" i="1">
+                                <a:latin typeface="Cambria Math" panose="02040503050406030204" pitchFamily="18" charset="0"/>
+                              </a:rPr>
+                              <m:t>2</m:t>
+                            </m:r>
+                          </m:sub>
+                        </m:sSub>
+                      </m:num>
+                      <m:den>
+                        <m:sSub>
+                          <m:sSubPr>
+                            <m:ctrlPr>
+                              <a:rPr lang="pl-PL" sz="1800" i="1">
+                                <a:latin typeface="Cambria Math" panose="02040503050406030204" pitchFamily="18" charset="0"/>
+                              </a:rPr>
+                            </m:ctrlPr>
+                          </m:sSubPr>
+                          <m:e>
+                            <m:r>
+                              <a:rPr lang="pl-PL" sz="1800" i="1">
+                                <a:latin typeface="Cambria Math" panose="02040503050406030204" pitchFamily="18" charset="0"/>
+                                <a:ea typeface="Cambria Math" panose="02040503050406030204" pitchFamily="18" charset="0"/>
+                              </a:rPr>
+                              <m:t>𝜆</m:t>
+                            </m:r>
+                          </m:e>
+                          <m:sub>
+                            <m:r>
+                              <a:rPr lang="pl-PL" sz="1800" i="1">
+                                <a:latin typeface="Cambria Math" panose="02040503050406030204" pitchFamily="18" charset="0"/>
+                                <a:ea typeface="Cambria Math" panose="02040503050406030204" pitchFamily="18" charset="0"/>
+                              </a:rPr>
+                              <m:t>1</m:t>
+                            </m:r>
+                          </m:sub>
+                        </m:sSub>
+                      </m:den>
+                    </m:f>
+                    <m:r>
+                      <a:rPr lang="el-GR" sz="1800" i="1" smtClean="0">
+                        <a:latin typeface="Cambria Math" panose="02040503050406030204" pitchFamily="18" charset="0"/>
+                        <a:ea typeface="Cambria Math" panose="02040503050406030204" pitchFamily="18" charset="0"/>
+                      </a:rPr>
+                      <m:t>≈</m:t>
+                    </m:r>
+                    <m:r>
+                      <a:rPr lang="pl-PL" sz="1800" b="0" i="1" smtClean="0">
+                        <a:latin typeface="Cambria Math" panose="02040503050406030204" pitchFamily="18" charset="0"/>
+                        <a:ea typeface="Cambria Math" panose="02040503050406030204" pitchFamily="18" charset="0"/>
+                      </a:rPr>
+                      <m:t>1</m:t>
+                    </m:r>
+                  </m:oMath>
+                </a14:m>
+                <a:r>
+                  <a:rPr lang="pl-PL" sz="1800" dirty="0" smtClean="0"/>
+                  <a:t>.</a:t>
+                </a:r>
+                <a:endParaRPr lang="pl-PL" sz="1800" dirty="0"/>
+              </a:p>
+            </p:txBody>
+          </p:sp>
+        </mc:Choice>
+        <mc:Fallback>
+          <p:sp>
+            <p:nvSpPr>
+              <p:cNvPr id="4" name="Symbol zastępczy zawartości 2"/>
+              <p:cNvSpPr>
+                <a:spLocks noGrp="1" noRot="1" noChangeAspect="1" noMove="1" noResize="1" noEditPoints="1" noAdjustHandles="1" noChangeArrowheads="1" noChangeShapeType="1" noTextEdit="1"/>
+              </p:cNvSpPr>
+              <p:nvPr>
+                <p:ph idx="1"/>
+              </p:nvPr>
+            </p:nvSpPr>
+            <p:spPr>
+              <a:xfrm>
+                <a:off x="1629916" y="1844824"/>
+                <a:ext cx="6768752" cy="2836912"/>
+              </a:xfrm>
+              <a:blipFill>
+                <a:blip r:embed="rId2"/>
+                <a:stretch>
+                  <a:fillRect l="-540"/>
+                </a:stretch>
+              </a:blipFill>
+            </p:spPr>
+            <p:txBody>
+              <a:bodyPr/>
+              <a:lstStyle/>
+              <a:p>
+                <a:r>
+                  <a:rPr lang="pl-PL">
+                    <a:noFill/>
+                  </a:rPr>
+                  <a:t> </a:t>
+                </a:r>
+              </a:p>
+            </p:txBody>
+          </p:sp>
+        </mc:Fallback>
+      </mc:AlternateContent>
+    </p:spTree>
+    <p:extLst>
+      <p:ext uri="{BB962C8B-B14F-4D97-AF65-F5344CB8AC3E}">
+        <p14:creationId xmlns:p14="http://schemas.microsoft.com/office/powerpoint/2010/main" val="240434219"/>
+      </p:ext>
+    </p:extLst>
+  </p:cSld>
+  <p:clrMapOvr>
+    <a:masterClrMapping/>
+  </p:clrMapOvr>
+  <mc:AlternateContent xmlns:mc="http://schemas.openxmlformats.org/markup-compatibility/2006" xmlns:p14="http://schemas.microsoft.com/office/powerpoint/2010/main">
+    <mc:Choice Requires="p14">
+      <p:transition spd="med" p14:dur="700">
+        <p:fade/>
+      </p:transition>
+    </mc:Choice>
+    <mc:Fallback xmlns="">
+      <p:transition spd="med">
+        <p:fade/>
+      </p:transition>
+    </mc:Fallback>
+  </mc:AlternateContent>
+</p:sld>
+</file>
+
+<file path=ppt/slides/slide9.xml><?xml version="1.0" encoding="utf-8"?>
+<p:sld xmlns:a="http://schemas.openxmlformats.org/drawingml/2006/main" xmlns:r="http://schemas.openxmlformats.org/officeDocument/2006/relationships" xmlns:p="http://schemas.openxmlformats.org/presentationml/2006/main">
+  <p:cSld>
+    <p:spTree>
+      <p:nvGrpSpPr>
+        <p:cNvPr id="1" name=""/>
+        <p:cNvGrpSpPr/>
+        <p:nvPr/>
+      </p:nvGrpSpPr>
+      <p:grpSpPr>
+        <a:xfrm>
+          <a:off x="0" y="0"/>
+          <a:ext cx="0" cy="0"/>
+          <a:chOff x="0" y="0"/>
+          <a:chExt cx="0" cy="0"/>
+        </a:xfrm>
+      </p:grpSpPr>
+      <p:sp>
+        <p:nvSpPr>
+          <p:cNvPr id="2" name="Tytuł 1"/>
+          <p:cNvSpPr>
+            <a:spLocks noGrp="1"/>
+          </p:cNvSpPr>
+          <p:nvPr>
+            <p:ph type="title"/>
+          </p:nvPr>
+        </p:nvSpPr>
+        <p:spPr>
+          <a:xfrm>
+            <a:off x="1485900" y="3356992"/>
+            <a:ext cx="8283272" cy="897273"/>
+          </a:xfrm>
+        </p:spPr>
+        <p:txBody>
+          <a:bodyPr>
+            <a:normAutofit fontScale="90000"/>
+          </a:bodyPr>
+          <a:lstStyle/>
+          <a:p>
+            <a:r>
+              <a:rPr lang="pl-PL" dirty="0" smtClean="0"/>
+              <a:t>Odwrotna Metoda Potęgowa</a:t>
+            </a:r>
+            <a:endParaRPr lang="pl-PL" dirty="0"/>
+          </a:p>
+        </p:txBody>
+      </p:sp>
+    </p:spTree>
+    <p:extLst>
+      <p:ext uri="{BB962C8B-B14F-4D97-AF65-F5344CB8AC3E}">
+        <p14:creationId xmlns:p14="http://schemas.microsoft.com/office/powerpoint/2010/main" val="1232095531"/>
+      </p:ext>
+    </p:extLst>
+  </p:cSld>
+  <p:clrMapOvr>
+    <a:masterClrMapping/>
+  </p:clrMapOvr>
+  <mc:AlternateContent xmlns:mc="http://schemas.openxmlformats.org/markup-compatibility/2006" xmlns:p14="http://schemas.microsoft.com/office/powerpoint/2010/main">
+    <mc:Choice Requires="p14">
+      <p:transition spd="med" p14:dur="700">
+        <p:fade/>
+      </p:transition>
+    </mc:Choice>
+    <mc:Fallback xmlns="">
+      <p:transition spd="med">
+        <p:fade/>
+      </p:transition>
+    </mc:Fallback>
+  </mc:AlternateContent>
+</p:sld>
+</file>
+
 <file path=ppt/theme/theme1.xml><?xml version="1.0" encoding="utf-8"?>
 <a:theme xmlns:a="http://schemas.openxmlformats.org/drawingml/2006/main" name="Matematyka 16:9">
   <a:themeElements>

--- a/Project2/Presentation/P2Z20_AGR.pptx
+++ b/Project2/Presentation/P2Z20_AGR.pptx
@@ -5,10 +5,10 @@
     <p:sldMasterId id="2147483648" r:id="rId1"/>
   </p:sldMasterIdLst>
   <p:notesMasterIdLst>
-    <p:notesMasterId r:id="rId17"/>
+    <p:notesMasterId r:id="rId21"/>
   </p:notesMasterIdLst>
   <p:handoutMasterIdLst>
-    <p:handoutMasterId r:id="rId18"/>
+    <p:handoutMasterId r:id="rId22"/>
   </p:handoutMasterIdLst>
   <p:sldIdLst>
     <p:sldId id="256" r:id="rId2"/>
@@ -25,7 +25,11 @@
     <p:sldId id="298" r:id="rId13"/>
     <p:sldId id="299" r:id="rId14"/>
     <p:sldId id="300" r:id="rId15"/>
-    <p:sldId id="287" r:id="rId16"/>
+    <p:sldId id="301" r:id="rId16"/>
+    <p:sldId id="304" r:id="rId17"/>
+    <p:sldId id="305" r:id="rId18"/>
+    <p:sldId id="306" r:id="rId19"/>
+    <p:sldId id="287" r:id="rId20"/>
   </p:sldIdLst>
   <p:sldSz cx="12188825" cy="6858000"/>
   <p:notesSz cx="6858000" cy="9144000"/>
@@ -8540,8 +8544,8 @@
           <a:chExt cx="0" cy="0"/>
         </a:xfrm>
       </p:grpSpPr>
-      <mc:AlternateContent xmlns:mc="http://schemas.openxmlformats.org/markup-compatibility/2006">
-        <mc:Choice xmlns:a14="http://schemas.microsoft.com/office/drawing/2010/main" Requires="a14">
+      <mc:AlternateContent xmlns:mc="http://schemas.openxmlformats.org/markup-compatibility/2006" xmlns:a14="http://schemas.microsoft.com/office/drawing/2010/main">
+        <mc:Choice Requires="a14">
           <p:sp>
             <p:nvSpPr>
               <p:cNvPr id="3" name="Symbol zastępczy zawartości 2"/>
@@ -9035,7 +9039,7 @@
             </p:txBody>
           </p:sp>
         </mc:Choice>
-        <mc:Fallback>
+        <mc:Fallback xmlns="">
           <p:sp>
             <p:nvSpPr>
               <p:cNvPr id="3" name="Symbol zastępczy zawartości 2"/>
@@ -9122,6 +9126,13 @@
       </p:transition>
     </mc:Fallback>
   </mc:AlternateContent>
+  <p:timing>
+    <p:tnLst>
+      <p:par>
+        <p:cTn id="1" dur="indefinite" restart="never" nodeType="tmRoot"/>
+      </p:par>
+    </p:tnLst>
+  </p:timing>
 </p:sld>
 </file>
 
@@ -9165,8 +9176,8 @@
           </a:p>
         </p:txBody>
       </p:sp>
-      <mc:AlternateContent xmlns:mc="http://schemas.openxmlformats.org/markup-compatibility/2006">
-        <mc:Choice xmlns:a14="http://schemas.microsoft.com/office/drawing/2010/main" Requires="a14">
+      <mc:AlternateContent xmlns:mc="http://schemas.openxmlformats.org/markup-compatibility/2006" xmlns:a14="http://schemas.microsoft.com/office/drawing/2010/main">
+        <mc:Choice Requires="a14">
           <p:sp>
             <p:nvSpPr>
               <p:cNvPr id="5" name="Prostokąt 4"/>
@@ -9188,6 +9199,7 @@
               </a:bodyPr>
               <a:lstStyle/>
               <a:p>
+                <a:pPr/>
                 <a14:m>
                   <m:oMathPara xmlns:m="http://schemas.openxmlformats.org/officeDocument/2006/math">
                     <m:oMathParaPr>
@@ -9391,7 +9403,7 @@
             </p:txBody>
           </p:sp>
         </mc:Choice>
-        <mc:Fallback>
+        <mc:Fallback xmlns="">
           <p:sp>
             <p:nvSpPr>
               <p:cNvPr id="5" name="Prostokąt 4"/>
@@ -9430,8 +9442,8 @@
           </p:sp>
         </mc:Fallback>
       </mc:AlternateContent>
-      <mc:AlternateContent xmlns:mc="http://schemas.openxmlformats.org/markup-compatibility/2006">
-        <mc:Choice xmlns:a14="http://schemas.microsoft.com/office/drawing/2010/main" Requires="a14">
+      <mc:AlternateContent xmlns:mc="http://schemas.openxmlformats.org/markup-compatibility/2006" xmlns:a14="http://schemas.microsoft.com/office/drawing/2010/main">
+        <mc:Choice Requires="a14">
           <p:sp>
             <p:nvSpPr>
               <p:cNvPr id="6" name="pole tekstowe 5"/>
@@ -9454,6 +9466,7 @@
               </a:bodyPr>
               <a:lstStyle/>
               <a:p>
+                <a:pPr/>
                 <a14:m>
                   <m:oMathPara xmlns:m="http://schemas.openxmlformats.org/officeDocument/2006/math">
                     <m:oMathParaPr>
@@ -9651,7 +9664,7 @@
             </p:txBody>
           </p:sp>
         </mc:Choice>
-        <mc:Fallback>
+        <mc:Fallback xmlns="">
           <p:sp>
             <p:nvSpPr>
               <p:cNvPr id="6" name="pole tekstowe 5"/>
@@ -9690,8 +9703,8 @@
           </p:sp>
         </mc:Fallback>
       </mc:AlternateContent>
-      <mc:AlternateContent xmlns:mc="http://schemas.openxmlformats.org/markup-compatibility/2006">
-        <mc:Choice xmlns:a14="http://schemas.microsoft.com/office/drawing/2010/main" Requires="a14">
+      <mc:AlternateContent xmlns:mc="http://schemas.openxmlformats.org/markup-compatibility/2006" xmlns:a14="http://schemas.microsoft.com/office/drawing/2010/main">
+        <mc:Choice Requires="a14">
           <p:sp>
             <p:nvSpPr>
               <p:cNvPr id="7" name="pole tekstowe 6"/>
@@ -9714,6 +9727,7 @@
               </a:bodyPr>
               <a:lstStyle/>
               <a:p>
+                <a:pPr/>
                 <a14:m>
                   <m:oMathPara xmlns:m="http://schemas.openxmlformats.org/officeDocument/2006/math">
                     <m:oMathParaPr>
@@ -9936,13 +9950,7 @@
                                     <a:rPr lang="pl-PL" i="1">
                                       <a:latin typeface="Cambria Math" panose="02040503050406030204" pitchFamily="18" charset="0"/>
                                     </a:rPr>
-                                    <m:t>+1</m:t>
-                                  </m:r>
-                                  <m:r>
-                                    <a:rPr lang="pl-PL" i="1">
-                                      <a:latin typeface="Cambria Math" panose="02040503050406030204" pitchFamily="18" charset="0"/>
-                                    </a:rPr>
-                                    <m:t>)</m:t>
+                                    <m:t>+1)</m:t>
                                   </m:r>
                                 </m:sup>
                               </m:sSup>
@@ -10013,7 +10021,7 @@
             </p:txBody>
           </p:sp>
         </mc:Choice>
-        <mc:Fallback>
+        <mc:Fallback xmlns="">
           <p:sp>
             <p:nvSpPr>
               <p:cNvPr id="7" name="pole tekstowe 6"/>
@@ -10112,6 +10120,13 @@
       </p:transition>
     </mc:Fallback>
   </mc:AlternateContent>
+  <p:timing>
+    <p:tnLst>
+      <p:par>
+        <p:cTn id="1" dur="indefinite" restart="never" nodeType="tmRoot"/>
+      </p:par>
+    </p:tnLst>
+  </p:timing>
 </p:sld>
 </file>
 
@@ -10155,8 +10170,8 @@
           </a:p>
         </p:txBody>
       </p:sp>
-      <mc:AlternateContent xmlns:mc="http://schemas.openxmlformats.org/markup-compatibility/2006">
-        <mc:Choice xmlns:a14="http://schemas.microsoft.com/office/drawing/2010/main" Requires="a14">
+      <mc:AlternateContent xmlns:mc="http://schemas.openxmlformats.org/markup-compatibility/2006" xmlns:a14="http://schemas.microsoft.com/office/drawing/2010/main">
+        <mc:Choice Requires="a14">
           <p:sp>
             <p:nvSpPr>
               <p:cNvPr id="3" name="Symbol zastępczy zawartości 2"/>
@@ -10776,7 +10791,7 @@
             </p:txBody>
           </p:sp>
         </mc:Choice>
-        <mc:Fallback>
+        <mc:Fallback xmlns="">
           <p:sp>
             <p:nvSpPr>
               <p:cNvPr id="3" name="Symbol zastępczy zawartości 2"/>
@@ -10836,6 +10851,13 @@
       </p:transition>
     </mc:Fallback>
   </mc:AlternateContent>
+  <p:timing>
+    <p:tnLst>
+      <p:par>
+        <p:cTn id="1" dur="indefinite" restart="never" nodeType="tmRoot"/>
+      </p:par>
+    </p:tnLst>
+  </p:timing>
 </p:sld>
 </file>
 
@@ -10879,8 +10901,8 @@
           </a:p>
         </p:txBody>
       </p:sp>
-      <mc:AlternateContent xmlns:mc="http://schemas.openxmlformats.org/markup-compatibility/2006">
-        <mc:Choice xmlns:a14="http://schemas.microsoft.com/office/drawing/2010/main" Requires="a14">
+      <mc:AlternateContent xmlns:mc="http://schemas.openxmlformats.org/markup-compatibility/2006" xmlns:a14="http://schemas.microsoft.com/office/drawing/2010/main">
+        <mc:Choice Requires="a14">
           <p:sp>
             <p:nvSpPr>
               <p:cNvPr id="4" name="Symbol zastępczy zawartości 2"/>
@@ -11352,7 +11374,7 @@
             </p:txBody>
           </p:sp>
         </mc:Choice>
-        <mc:Fallback>
+        <mc:Fallback xmlns="">
           <p:sp>
             <p:nvSpPr>
               <p:cNvPr id="4" name="Symbol zastępczy zawartości 2"/>
@@ -11412,6 +11434,13 @@
       </p:transition>
     </mc:Fallback>
   </mc:AlternateContent>
+  <p:timing>
+    <p:tnLst>
+      <p:par>
+        <p:cTn id="1" dur="indefinite" restart="never" nodeType="tmRoot"/>
+      </p:par>
+    </p:tnLst>
+  </p:timing>
 </p:sld>
 </file>
 
@@ -11488,10 +11517,6507 @@
       </p:transition>
     </mc:Fallback>
   </mc:AlternateContent>
+  <p:timing>
+    <p:tnLst>
+      <p:par>
+        <p:cTn id="1" dur="indefinite" restart="never" nodeType="tmRoot"/>
+      </p:par>
+    </p:tnLst>
+  </p:timing>
 </p:sld>
 </file>
 
 <file path=ppt/slides/slide15.xml><?xml version="1.0" encoding="utf-8"?>
+<p:sld xmlns:a="http://schemas.openxmlformats.org/drawingml/2006/main" xmlns:r="http://schemas.openxmlformats.org/officeDocument/2006/relationships" xmlns:p="http://schemas.openxmlformats.org/presentationml/2006/main">
+  <p:cSld>
+    <p:spTree>
+      <p:nvGrpSpPr>
+        <p:cNvPr id="1" name=""/>
+        <p:cNvGrpSpPr/>
+        <p:nvPr/>
+      </p:nvGrpSpPr>
+      <p:grpSpPr>
+        <a:xfrm>
+          <a:off x="0" y="0"/>
+          <a:ext cx="0" cy="0"/>
+          <a:chOff x="0" y="0"/>
+          <a:chExt cx="0" cy="0"/>
+        </a:xfrm>
+      </p:grpSpPr>
+      <mc:AlternateContent xmlns:mc="http://schemas.openxmlformats.org/markup-compatibility/2006">
+        <mc:Choice xmlns:a14="http://schemas.microsoft.com/office/drawing/2010/main" Requires="a14">
+          <p:sp>
+            <p:nvSpPr>
+              <p:cNvPr id="3" name="Symbol zastępczy zawartości 2"/>
+              <p:cNvSpPr>
+                <a:spLocks noGrp="1"/>
+              </p:cNvSpPr>
+              <p:nvPr>
+                <p:ph idx="1"/>
+              </p:nvPr>
+            </p:nvSpPr>
+            <p:spPr>
+              <a:xfrm>
+                <a:off x="1629916" y="2132856"/>
+                <a:ext cx="7200800" cy="4032448"/>
+              </a:xfrm>
+            </p:spPr>
+            <p:txBody>
+              <a:bodyPr>
+                <a:normAutofit/>
+              </a:bodyPr>
+              <a:lstStyle/>
+              <a:p>
+                <a:pPr marL="0" indent="0">
+                  <a:buNone/>
+                </a:pPr>
+                <a14:m>
+                  <m:oMathPara xmlns:m="http://schemas.openxmlformats.org/officeDocument/2006/math">
+                    <m:oMathParaPr>
+                      <m:jc m:val="centerGroup"/>
+                    </m:oMathParaPr>
+                    <m:oMath xmlns:m="http://schemas.openxmlformats.org/officeDocument/2006/math">
+                      <m:r>
+                        <a:rPr lang="pl-PL" sz="1800" b="0" i="1" smtClean="0">
+                          <a:latin typeface="Cambria Math" panose="02040503050406030204" pitchFamily="18" charset="0"/>
+                        </a:rPr>
+                        <m:t>𝐻</m:t>
+                      </m:r>
+                      <m:r>
+                        <a:rPr lang="pl-PL" sz="1800" b="0" i="1" smtClean="0">
+                          <a:latin typeface="Cambria Math" panose="02040503050406030204" pitchFamily="18" charset="0"/>
+                        </a:rPr>
+                        <m:t>=</m:t>
+                      </m:r>
+                      <m:r>
+                        <a:rPr lang="pl-PL" sz="1800" b="0" i="1" smtClean="0">
+                          <a:latin typeface="Cambria Math" panose="02040503050406030204" pitchFamily="18" charset="0"/>
+                        </a:rPr>
+                        <m:t>𝐼</m:t>
+                      </m:r>
+                      <m:r>
+                        <a:rPr lang="pl-PL" sz="1800" b="0" i="1" smtClean="0">
+                          <a:latin typeface="Cambria Math" panose="02040503050406030204" pitchFamily="18" charset="0"/>
+                        </a:rPr>
+                        <m:t>−</m:t>
+                      </m:r>
+                      <m:f>
+                        <m:fPr>
+                          <m:ctrlPr>
+                            <a:rPr lang="pl-PL" sz="1800" b="0" i="1" smtClean="0">
+                              <a:latin typeface="Cambria Math" panose="02040503050406030204" pitchFamily="18" charset="0"/>
+                            </a:rPr>
+                          </m:ctrlPr>
+                        </m:fPr>
+                        <m:num>
+                          <m:r>
+                            <a:rPr lang="pl-PL" sz="1800" i="1">
+                              <a:latin typeface="Cambria Math" panose="02040503050406030204" pitchFamily="18" charset="0"/>
+                            </a:rPr>
+                            <m:t>2</m:t>
+                          </m:r>
+                        </m:num>
+                        <m:den>
+                          <m:sSup>
+                            <m:sSupPr>
+                              <m:ctrlPr>
+                                <a:rPr lang="pl-PL" sz="1800" i="1">
+                                  <a:latin typeface="Cambria Math" panose="02040503050406030204" pitchFamily="18" charset="0"/>
+                                </a:rPr>
+                              </m:ctrlPr>
+                            </m:sSupPr>
+                            <m:e>
+                              <m:r>
+                                <a:rPr lang="pl-PL" sz="1800" i="1">
+                                  <a:latin typeface="Cambria Math" panose="02040503050406030204" pitchFamily="18" charset="0"/>
+                                </a:rPr>
+                                <m:t>𝑢</m:t>
+                              </m:r>
+                            </m:e>
+                            <m:sup>
+                              <m:r>
+                                <a:rPr lang="pl-PL" sz="1800" i="1">
+                                  <a:latin typeface="Cambria Math" panose="02040503050406030204" pitchFamily="18" charset="0"/>
+                                </a:rPr>
+                                <m:t>∗</m:t>
+                              </m:r>
+                            </m:sup>
+                          </m:sSup>
+                          <m:r>
+                            <a:rPr lang="pl-PL" sz="1800" i="1">
+                              <a:latin typeface="Cambria Math" panose="02040503050406030204" pitchFamily="18" charset="0"/>
+                            </a:rPr>
+                            <m:t>𝑢</m:t>
+                          </m:r>
+                        </m:den>
+                      </m:f>
+                      <m:sSup>
+                        <m:sSupPr>
+                          <m:ctrlPr>
+                            <a:rPr lang="pl-PL" sz="1800" i="1">
+                              <a:latin typeface="Cambria Math" panose="02040503050406030204" pitchFamily="18" charset="0"/>
+                            </a:rPr>
+                          </m:ctrlPr>
+                        </m:sSupPr>
+                        <m:e>
+                          <m:r>
+                            <a:rPr lang="pl-PL" sz="1800" i="1">
+                              <a:latin typeface="Cambria Math" panose="02040503050406030204" pitchFamily="18" charset="0"/>
+                            </a:rPr>
+                            <m:t>𝑢</m:t>
+                          </m:r>
+                          <m:r>
+                            <a:rPr lang="pl-PL" sz="1800" i="1">
+                              <a:latin typeface="Cambria Math" panose="02040503050406030204" pitchFamily="18" charset="0"/>
+                            </a:rPr>
+                            <m:t>𝑢</m:t>
+                          </m:r>
+                        </m:e>
+                        <m:sup>
+                          <m:r>
+                            <a:rPr lang="pl-PL" sz="1800" i="1">
+                              <a:latin typeface="Cambria Math" panose="02040503050406030204" pitchFamily="18" charset="0"/>
+                            </a:rPr>
+                            <m:t>∗</m:t>
+                          </m:r>
+                        </m:sup>
+                      </m:sSup>
+                    </m:oMath>
+                  </m:oMathPara>
+                </a14:m>
+                <a:endParaRPr lang="pl-PL" sz="1800" dirty="0" smtClean="0"/>
+              </a:p>
+              <a:p>
+                <a:pPr marL="0" indent="0">
+                  <a:buNone/>
+                </a:pPr>
+                <a:r>
+                  <a:rPr lang="pl-PL" sz="1800" dirty="0"/>
+                  <a:t>g</a:t>
+                </a:r>
+                <a:r>
+                  <a:rPr lang="pl-PL" sz="1800" dirty="0" smtClean="0"/>
+                  <a:t>dzie:</a:t>
+                </a:r>
+              </a:p>
+              <a:p>
+                <a:pPr marL="0" indent="0">
+                  <a:buNone/>
+                </a:pPr>
+                <a14:m>
+                  <m:oMath xmlns:m="http://schemas.openxmlformats.org/officeDocument/2006/math">
+                    <m:r>
+                      <a:rPr lang="pl-PL" sz="1800" i="1">
+                        <a:latin typeface="Cambria Math" panose="02040503050406030204" pitchFamily="18" charset="0"/>
+                      </a:rPr>
+                      <m:t>𝑢</m:t>
+                    </m:r>
+                  </m:oMath>
+                </a14:m>
+                <a:r>
+                  <a:rPr lang="pl-PL" sz="1800" dirty="0" smtClean="0"/>
+                  <a:t>	- niezerowy wektor, ortogonalny do hiperpłaszczyzny 	  	  względem której ma nastąpić odbicie</a:t>
+                </a:r>
+              </a:p>
+              <a:p>
+                <a:pPr marL="0" indent="0">
+                  <a:buNone/>
+                </a:pPr>
+                <a:endParaRPr lang="pl-PL" sz="1800" dirty="0" smtClean="0"/>
+              </a:p>
+            </p:txBody>
+          </p:sp>
+        </mc:Choice>
+        <mc:Fallback>
+          <p:sp>
+            <p:nvSpPr>
+              <p:cNvPr id="3" name="Symbol zastępczy zawartości 2"/>
+              <p:cNvSpPr>
+                <a:spLocks noGrp="1" noRot="1" noChangeAspect="1" noMove="1" noResize="1" noEditPoints="1" noAdjustHandles="1" noChangeArrowheads="1" noChangeShapeType="1" noTextEdit="1"/>
+              </p:cNvSpPr>
+              <p:nvPr>
+                <p:ph idx="1"/>
+              </p:nvPr>
+            </p:nvSpPr>
+            <p:spPr>
+              <a:xfrm>
+                <a:off x="1629916" y="2132856"/>
+                <a:ext cx="7200800" cy="4032448"/>
+              </a:xfrm>
+              <a:blipFill>
+                <a:blip r:embed="rId2"/>
+                <a:stretch>
+                  <a:fillRect l="-677"/>
+                </a:stretch>
+              </a:blipFill>
+            </p:spPr>
+            <p:txBody>
+              <a:bodyPr/>
+              <a:lstStyle/>
+              <a:p>
+                <a:r>
+                  <a:rPr lang="pl-PL">
+                    <a:noFill/>
+                  </a:rPr>
+                  <a:t> </a:t>
+                </a:r>
+              </a:p>
+            </p:txBody>
+          </p:sp>
+        </mc:Fallback>
+      </mc:AlternateContent>
+      <p:sp>
+        <p:nvSpPr>
+          <p:cNvPr id="4" name="Tytuł 3"/>
+          <p:cNvSpPr>
+            <a:spLocks noGrp="1"/>
+          </p:cNvSpPr>
+          <p:nvPr>
+            <p:ph type="title"/>
+          </p:nvPr>
+        </p:nvSpPr>
+        <p:spPr/>
+        <p:txBody>
+          <a:bodyPr/>
+          <a:lstStyle/>
+          <a:p>
+            <a:r>
+              <a:rPr lang="pl-PL" dirty="0" smtClean="0"/>
+              <a:t>Macierz </a:t>
+            </a:r>
+            <a:r>
+              <a:rPr lang="pl-PL" dirty="0" err="1" smtClean="0"/>
+              <a:t>Householdera</a:t>
+            </a:r>
+            <a:r>
+              <a:rPr lang="pl-PL" dirty="0" smtClean="0"/>
+              <a:t>:</a:t>
+            </a:r>
+            <a:endParaRPr lang="pl-PL" dirty="0"/>
+          </a:p>
+        </p:txBody>
+      </p:sp>
+    </p:spTree>
+    <p:extLst>
+      <p:ext uri="{BB962C8B-B14F-4D97-AF65-F5344CB8AC3E}">
+        <p14:creationId xmlns:p14="http://schemas.microsoft.com/office/powerpoint/2010/main" val="1642927047"/>
+      </p:ext>
+    </p:extLst>
+  </p:cSld>
+  <p:clrMapOvr>
+    <a:masterClrMapping/>
+  </p:clrMapOvr>
+  <mc:AlternateContent xmlns:mc="http://schemas.openxmlformats.org/markup-compatibility/2006" xmlns:p14="http://schemas.microsoft.com/office/powerpoint/2010/main">
+    <mc:Choice Requires="p14">
+      <p:transition spd="med" p14:dur="700">
+        <p:fade/>
+      </p:transition>
+    </mc:Choice>
+    <mc:Fallback xmlns="">
+      <p:transition spd="med">
+        <p:fade/>
+      </p:transition>
+    </mc:Fallback>
+  </mc:AlternateContent>
+  <p:timing>
+    <p:tnLst>
+      <p:par>
+        <p:cTn id="1" dur="indefinite" restart="never" nodeType="tmRoot"/>
+      </p:par>
+    </p:tnLst>
+  </p:timing>
+</p:sld>
+</file>
+
+<file path=ppt/slides/slide16.xml><?xml version="1.0" encoding="utf-8"?>
+<p:sld xmlns:a="http://schemas.openxmlformats.org/drawingml/2006/main" xmlns:r="http://schemas.openxmlformats.org/officeDocument/2006/relationships" xmlns:p="http://schemas.openxmlformats.org/presentationml/2006/main">
+  <p:cSld>
+    <p:spTree>
+      <p:nvGrpSpPr>
+        <p:cNvPr id="1" name=""/>
+        <p:cNvGrpSpPr/>
+        <p:nvPr/>
+      </p:nvGrpSpPr>
+      <p:grpSpPr>
+        <a:xfrm>
+          <a:off x="0" y="0"/>
+          <a:ext cx="0" cy="0"/>
+          <a:chOff x="0" y="0"/>
+          <a:chExt cx="0" cy="0"/>
+        </a:xfrm>
+      </p:grpSpPr>
+      <p:sp>
+        <p:nvSpPr>
+          <p:cNvPr id="2" name="Tytuł 1"/>
+          <p:cNvSpPr>
+            <a:spLocks noGrp="1"/>
+          </p:cNvSpPr>
+          <p:nvPr>
+            <p:ph type="title"/>
+          </p:nvPr>
+        </p:nvSpPr>
+        <p:spPr/>
+        <p:txBody>
+          <a:bodyPr/>
+          <a:lstStyle/>
+          <a:p>
+            <a:r>
+              <a:rPr lang="pl-PL" dirty="0" smtClean="0"/>
+              <a:t>Zastosowanie dla macierzy </a:t>
+            </a:r>
+            <a:r>
+              <a:rPr lang="pl-PL" dirty="0" err="1" smtClean="0"/>
+              <a:t>trójdiagonalnych</a:t>
+            </a:r>
+            <a:r>
+              <a:rPr lang="pl-PL" dirty="0" smtClean="0"/>
+              <a:t>:</a:t>
+            </a:r>
+            <a:endParaRPr lang="pl-PL" dirty="0"/>
+          </a:p>
+        </p:txBody>
+      </p:sp>
+      <mc:AlternateContent xmlns:mc="http://schemas.openxmlformats.org/markup-compatibility/2006">
+        <mc:Choice xmlns:a14="http://schemas.microsoft.com/office/drawing/2010/main" Requires="a14">
+          <p:sp>
+            <p:nvSpPr>
+              <p:cNvPr id="3" name="Prostokąt 2"/>
+              <p:cNvSpPr/>
+              <p:nvPr/>
+            </p:nvSpPr>
+            <p:spPr>
+              <a:xfrm>
+                <a:off x="2566020" y="2133696"/>
+                <a:ext cx="1944216" cy="1754326"/>
+              </a:xfrm>
+              <a:prstGeom prst="rect">
+                <a:avLst/>
+              </a:prstGeom>
+            </p:spPr>
+            <p:txBody>
+              <a:bodyPr wrap="square">
+                <a:spAutoFit/>
+              </a:bodyPr>
+              <a:lstStyle/>
+              <a:p>
+                <a14:m>
+                  <m:oMath xmlns:m="http://schemas.openxmlformats.org/officeDocument/2006/math">
+                    <m:r>
+                      <a:rPr lang="pl-PL" i="1" smtClean="0">
+                        <a:latin typeface="Cambria Math" panose="02040503050406030204" pitchFamily="18" charset="0"/>
+                      </a:rPr>
+                      <m:t>𝑥</m:t>
+                    </m:r>
+                  </m:oMath>
+                </a14:m>
+                <a:r>
+                  <a:rPr lang="pl-PL" dirty="0" smtClean="0"/>
+                  <a:t>   </a:t>
+                </a:r>
+                <a14:m>
+                  <m:oMath xmlns:m="http://schemas.openxmlformats.org/officeDocument/2006/math">
+                    <m:r>
+                      <a:rPr lang="pl-PL" i="1">
+                        <a:latin typeface="Cambria Math" panose="02040503050406030204" pitchFamily="18" charset="0"/>
+                      </a:rPr>
+                      <m:t>𝑥</m:t>
+                    </m:r>
+                  </m:oMath>
+                </a14:m>
+                <a:r>
+                  <a:rPr lang="pl-PL" dirty="0" smtClean="0"/>
+                  <a:t>   </a:t>
+                </a:r>
+                <a14:m>
+                  <m:oMath xmlns:m="http://schemas.openxmlformats.org/officeDocument/2006/math">
+                    <m:r>
+                      <a:rPr lang="pl-PL" b="0" i="1" dirty="0" smtClean="0">
+                        <a:latin typeface="Cambria Math" panose="02040503050406030204" pitchFamily="18" charset="0"/>
+                      </a:rPr>
+                      <m:t>0</m:t>
+                    </m:r>
+                  </m:oMath>
+                </a14:m>
+                <a:r>
+                  <a:rPr lang="pl-PL" dirty="0" smtClean="0"/>
+                  <a:t>   </a:t>
+                </a:r>
+                <a14:m>
+                  <m:oMath xmlns:m="http://schemas.openxmlformats.org/officeDocument/2006/math">
+                    <m:r>
+                      <a:rPr lang="pl-PL" b="0" i="1" dirty="0" smtClean="0">
+                        <a:latin typeface="Cambria Math" panose="02040503050406030204" pitchFamily="18" charset="0"/>
+                      </a:rPr>
+                      <m:t>0</m:t>
+                    </m:r>
+                  </m:oMath>
+                </a14:m>
+                <a:r>
+                  <a:rPr lang="pl-PL" dirty="0" smtClean="0"/>
+                  <a:t>   </a:t>
+                </a:r>
+                <a14:m>
+                  <m:oMath xmlns:m="http://schemas.openxmlformats.org/officeDocument/2006/math">
+                    <m:r>
+                      <a:rPr lang="pl-PL" b="0" i="1" dirty="0" smtClean="0">
+                        <a:latin typeface="Cambria Math" panose="02040503050406030204" pitchFamily="18" charset="0"/>
+                      </a:rPr>
+                      <m:t>0</m:t>
+                    </m:r>
+                  </m:oMath>
+                </a14:m>
+                <a:r>
+                  <a:rPr lang="pl-PL" dirty="0" smtClean="0"/>
+                  <a:t>   </a:t>
+                </a:r>
+                <a14:m>
+                  <m:oMath xmlns:m="http://schemas.openxmlformats.org/officeDocument/2006/math">
+                    <m:r>
+                      <a:rPr lang="pl-PL" b="0" i="1" dirty="0" smtClean="0">
+                        <a:latin typeface="Cambria Math" panose="02040503050406030204" pitchFamily="18" charset="0"/>
+                      </a:rPr>
+                      <m:t>0</m:t>
+                    </m:r>
+                  </m:oMath>
+                </a14:m>
+                <a:endParaRPr lang="pl-PL" dirty="0"/>
+              </a:p>
+              <a:p>
+                <a14:m>
+                  <m:oMath xmlns:m="http://schemas.openxmlformats.org/officeDocument/2006/math">
+                    <m:r>
+                      <a:rPr lang="pl-PL" i="1">
+                        <a:latin typeface="Cambria Math" panose="02040503050406030204" pitchFamily="18" charset="0"/>
+                      </a:rPr>
+                      <m:t>𝑥</m:t>
+                    </m:r>
+                  </m:oMath>
+                </a14:m>
+                <a:r>
+                  <a:rPr lang="pl-PL" dirty="0"/>
+                  <a:t>   </a:t>
+                </a:r>
+                <a14:m>
+                  <m:oMath xmlns:m="http://schemas.openxmlformats.org/officeDocument/2006/math">
+                    <m:r>
+                      <a:rPr lang="pl-PL" i="1">
+                        <a:latin typeface="Cambria Math" panose="02040503050406030204" pitchFamily="18" charset="0"/>
+                      </a:rPr>
+                      <m:t>𝑥</m:t>
+                    </m:r>
+                  </m:oMath>
+                </a14:m>
+                <a:r>
+                  <a:rPr lang="pl-PL" dirty="0"/>
+                  <a:t>   </a:t>
+                </a:r>
+                <a14:m>
+                  <m:oMath xmlns:m="http://schemas.openxmlformats.org/officeDocument/2006/math">
+                    <m:r>
+                      <a:rPr lang="pl-PL" i="1">
+                        <a:latin typeface="Cambria Math" panose="02040503050406030204" pitchFamily="18" charset="0"/>
+                      </a:rPr>
+                      <m:t>𝑥</m:t>
+                    </m:r>
+                  </m:oMath>
+                </a14:m>
+                <a:r>
+                  <a:rPr lang="pl-PL" dirty="0"/>
+                  <a:t>   </a:t>
+                </a:r>
+                <a14:m>
+                  <m:oMath xmlns:m="http://schemas.openxmlformats.org/officeDocument/2006/math">
+                    <m:r>
+                      <a:rPr lang="pl-PL" i="1" dirty="0">
+                        <a:latin typeface="Cambria Math" panose="02040503050406030204" pitchFamily="18" charset="0"/>
+                      </a:rPr>
+                      <m:t>0</m:t>
+                    </m:r>
+                  </m:oMath>
+                </a14:m>
+                <a:r>
+                  <a:rPr lang="pl-PL" dirty="0"/>
+                  <a:t>   </a:t>
+                </a:r>
+                <a14:m>
+                  <m:oMath xmlns:m="http://schemas.openxmlformats.org/officeDocument/2006/math">
+                    <m:r>
+                      <a:rPr lang="pl-PL" i="1" dirty="0">
+                        <a:latin typeface="Cambria Math" panose="02040503050406030204" pitchFamily="18" charset="0"/>
+                      </a:rPr>
+                      <m:t>0</m:t>
+                    </m:r>
+                  </m:oMath>
+                </a14:m>
+                <a:r>
+                  <a:rPr lang="pl-PL" dirty="0"/>
+                  <a:t>   </a:t>
+                </a:r>
+                <a14:m>
+                  <m:oMath xmlns:m="http://schemas.openxmlformats.org/officeDocument/2006/math">
+                    <m:r>
+                      <a:rPr lang="pl-PL" i="1" dirty="0">
+                        <a:latin typeface="Cambria Math" panose="02040503050406030204" pitchFamily="18" charset="0"/>
+                      </a:rPr>
+                      <m:t>0</m:t>
+                    </m:r>
+                  </m:oMath>
+                </a14:m>
+                <a:endParaRPr lang="pl-PL" dirty="0"/>
+              </a:p>
+              <a:p>
+                <a14:m>
+                  <m:oMath xmlns:m="http://schemas.openxmlformats.org/officeDocument/2006/math">
+                    <m:r>
+                      <a:rPr lang="pl-PL" b="0" i="1" smtClean="0">
+                        <a:latin typeface="Cambria Math" panose="02040503050406030204" pitchFamily="18" charset="0"/>
+                      </a:rPr>
+                      <m:t>0</m:t>
+                    </m:r>
+                  </m:oMath>
+                </a14:m>
+                <a:r>
+                  <a:rPr lang="pl-PL" dirty="0" smtClean="0"/>
+                  <a:t>   </a:t>
+                </a:r>
+                <a14:m>
+                  <m:oMath xmlns:m="http://schemas.openxmlformats.org/officeDocument/2006/math">
+                    <m:r>
+                      <a:rPr lang="pl-PL" i="1">
+                        <a:latin typeface="Cambria Math" panose="02040503050406030204" pitchFamily="18" charset="0"/>
+                      </a:rPr>
+                      <m:t>𝑥</m:t>
+                    </m:r>
+                  </m:oMath>
+                </a14:m>
+                <a:r>
+                  <a:rPr lang="pl-PL" dirty="0"/>
+                  <a:t>   </a:t>
+                </a:r>
+                <a14:m>
+                  <m:oMath xmlns:m="http://schemas.openxmlformats.org/officeDocument/2006/math">
+                    <m:r>
+                      <a:rPr lang="pl-PL" i="1">
+                        <a:latin typeface="Cambria Math" panose="02040503050406030204" pitchFamily="18" charset="0"/>
+                      </a:rPr>
+                      <m:t>𝑥</m:t>
+                    </m:r>
+                  </m:oMath>
+                </a14:m>
+                <a:r>
+                  <a:rPr lang="pl-PL" dirty="0"/>
+                  <a:t>   </a:t>
+                </a:r>
+                <a14:m>
+                  <m:oMath xmlns:m="http://schemas.openxmlformats.org/officeDocument/2006/math">
+                    <m:r>
+                      <a:rPr lang="pl-PL" i="1">
+                        <a:latin typeface="Cambria Math" panose="02040503050406030204" pitchFamily="18" charset="0"/>
+                      </a:rPr>
+                      <m:t>𝑥</m:t>
+                    </m:r>
+                  </m:oMath>
+                </a14:m>
+                <a:r>
+                  <a:rPr lang="pl-PL" dirty="0"/>
+                  <a:t> </a:t>
+                </a:r>
+                <a:r>
+                  <a:rPr lang="pl-PL" dirty="0" smtClean="0"/>
+                  <a:t>  </a:t>
+                </a:r>
+                <a14:m>
+                  <m:oMath xmlns:m="http://schemas.openxmlformats.org/officeDocument/2006/math">
+                    <m:r>
+                      <a:rPr lang="pl-PL" b="0" i="1" dirty="0" smtClean="0">
+                        <a:latin typeface="Cambria Math" panose="02040503050406030204" pitchFamily="18" charset="0"/>
+                      </a:rPr>
+                      <m:t>0</m:t>
+                    </m:r>
+                  </m:oMath>
+                </a14:m>
+                <a:r>
+                  <a:rPr lang="pl-PL" dirty="0" smtClean="0"/>
+                  <a:t>   </a:t>
+                </a:r>
+                <a14:m>
+                  <m:oMath xmlns:m="http://schemas.openxmlformats.org/officeDocument/2006/math">
+                    <m:r>
+                      <a:rPr lang="pl-PL" b="0" i="1" dirty="0" smtClean="0">
+                        <a:latin typeface="Cambria Math" panose="02040503050406030204" pitchFamily="18" charset="0"/>
+                      </a:rPr>
+                      <m:t>0</m:t>
+                    </m:r>
+                  </m:oMath>
+                </a14:m>
+                <a:endParaRPr lang="pl-PL" dirty="0"/>
+              </a:p>
+              <a:p>
+                <a14:m>
+                  <m:oMath xmlns:m="http://schemas.openxmlformats.org/officeDocument/2006/math">
+                    <m:r>
+                      <a:rPr lang="pl-PL" b="0" i="1" smtClean="0">
+                        <a:latin typeface="Cambria Math" panose="02040503050406030204" pitchFamily="18" charset="0"/>
+                      </a:rPr>
+                      <m:t>0</m:t>
+                    </m:r>
+                  </m:oMath>
+                </a14:m>
+                <a:r>
+                  <a:rPr lang="pl-PL" dirty="0" smtClean="0"/>
+                  <a:t>   </a:t>
+                </a:r>
+                <a14:m>
+                  <m:oMath xmlns:m="http://schemas.openxmlformats.org/officeDocument/2006/math">
+                    <m:r>
+                      <a:rPr lang="pl-PL" b="0" i="1" dirty="0" smtClean="0">
+                        <a:latin typeface="Cambria Math" panose="02040503050406030204" pitchFamily="18" charset="0"/>
+                      </a:rPr>
+                      <m:t>0</m:t>
+                    </m:r>
+                  </m:oMath>
+                </a14:m>
+                <a:r>
+                  <a:rPr lang="pl-PL" dirty="0" smtClean="0"/>
+                  <a:t>   </a:t>
+                </a:r>
+                <a14:m>
+                  <m:oMath xmlns:m="http://schemas.openxmlformats.org/officeDocument/2006/math">
+                    <m:r>
+                      <a:rPr lang="pl-PL" i="1">
+                        <a:latin typeface="Cambria Math" panose="02040503050406030204" pitchFamily="18" charset="0"/>
+                      </a:rPr>
+                      <m:t>𝑥</m:t>
+                    </m:r>
+                  </m:oMath>
+                </a14:m>
+                <a:r>
+                  <a:rPr lang="pl-PL" dirty="0"/>
+                  <a:t>   </a:t>
+                </a:r>
+                <a14:m>
+                  <m:oMath xmlns:m="http://schemas.openxmlformats.org/officeDocument/2006/math">
+                    <m:r>
+                      <a:rPr lang="pl-PL" i="1">
+                        <a:latin typeface="Cambria Math" panose="02040503050406030204" pitchFamily="18" charset="0"/>
+                      </a:rPr>
+                      <m:t>𝑥</m:t>
+                    </m:r>
+                  </m:oMath>
+                </a14:m>
+                <a:r>
+                  <a:rPr lang="pl-PL" dirty="0"/>
+                  <a:t>   </a:t>
+                </a:r>
+                <a14:m>
+                  <m:oMath xmlns:m="http://schemas.openxmlformats.org/officeDocument/2006/math">
+                    <m:r>
+                      <a:rPr lang="pl-PL" i="1">
+                        <a:latin typeface="Cambria Math" panose="02040503050406030204" pitchFamily="18" charset="0"/>
+                      </a:rPr>
+                      <m:t>𝑥</m:t>
+                    </m:r>
+                  </m:oMath>
+                </a14:m>
+                <a:r>
+                  <a:rPr lang="pl-PL" dirty="0"/>
+                  <a:t>   </a:t>
+                </a:r>
+                <a14:m>
+                  <m:oMath xmlns:m="http://schemas.openxmlformats.org/officeDocument/2006/math">
+                    <m:r>
+                      <a:rPr lang="pl-PL" b="0" i="1" dirty="0" smtClean="0">
+                        <a:latin typeface="Cambria Math" panose="02040503050406030204" pitchFamily="18" charset="0"/>
+                      </a:rPr>
+                      <m:t>0</m:t>
+                    </m:r>
+                  </m:oMath>
+                </a14:m>
+                <a:endParaRPr lang="pl-PL" dirty="0"/>
+              </a:p>
+              <a:p>
+                <a14:m>
+                  <m:oMath xmlns:m="http://schemas.openxmlformats.org/officeDocument/2006/math">
+                    <m:r>
+                      <a:rPr lang="pl-PL" b="0" i="1" smtClean="0">
+                        <a:latin typeface="Cambria Math" panose="02040503050406030204" pitchFamily="18" charset="0"/>
+                      </a:rPr>
+                      <m:t>0</m:t>
+                    </m:r>
+                  </m:oMath>
+                </a14:m>
+                <a:r>
+                  <a:rPr lang="pl-PL" dirty="0" smtClean="0"/>
+                  <a:t>   </a:t>
+                </a:r>
+                <a14:m>
+                  <m:oMath xmlns:m="http://schemas.openxmlformats.org/officeDocument/2006/math">
+                    <m:r>
+                      <a:rPr lang="pl-PL" b="0" i="1" dirty="0" smtClean="0">
+                        <a:latin typeface="Cambria Math" panose="02040503050406030204" pitchFamily="18" charset="0"/>
+                      </a:rPr>
+                      <m:t>0</m:t>
+                    </m:r>
+                  </m:oMath>
+                </a14:m>
+                <a:r>
+                  <a:rPr lang="pl-PL" dirty="0" smtClean="0"/>
+                  <a:t>   </a:t>
+                </a:r>
+                <a14:m>
+                  <m:oMath xmlns:m="http://schemas.openxmlformats.org/officeDocument/2006/math">
+                    <m:r>
+                      <a:rPr lang="pl-PL" b="0" i="1" dirty="0" smtClean="0">
+                        <a:latin typeface="Cambria Math" panose="02040503050406030204" pitchFamily="18" charset="0"/>
+                      </a:rPr>
+                      <m:t>0</m:t>
+                    </m:r>
+                  </m:oMath>
+                </a14:m>
+                <a:r>
+                  <a:rPr lang="pl-PL" dirty="0" smtClean="0"/>
+                  <a:t>   </a:t>
+                </a:r>
+                <a14:m>
+                  <m:oMath xmlns:m="http://schemas.openxmlformats.org/officeDocument/2006/math">
+                    <m:r>
+                      <a:rPr lang="pl-PL" i="1">
+                        <a:latin typeface="Cambria Math" panose="02040503050406030204" pitchFamily="18" charset="0"/>
+                      </a:rPr>
+                      <m:t>𝑥</m:t>
+                    </m:r>
+                  </m:oMath>
+                </a14:m>
+                <a:r>
+                  <a:rPr lang="pl-PL" dirty="0"/>
+                  <a:t>   </a:t>
+                </a:r>
+                <a14:m>
+                  <m:oMath xmlns:m="http://schemas.openxmlformats.org/officeDocument/2006/math">
+                    <m:r>
+                      <a:rPr lang="pl-PL" i="1">
+                        <a:latin typeface="Cambria Math" panose="02040503050406030204" pitchFamily="18" charset="0"/>
+                      </a:rPr>
+                      <m:t>𝑥</m:t>
+                    </m:r>
+                  </m:oMath>
+                </a14:m>
+                <a:r>
+                  <a:rPr lang="pl-PL" dirty="0"/>
+                  <a:t>   </a:t>
+                </a:r>
+                <a14:m>
+                  <m:oMath xmlns:m="http://schemas.openxmlformats.org/officeDocument/2006/math">
+                    <m:r>
+                      <a:rPr lang="pl-PL" i="1">
+                        <a:latin typeface="Cambria Math" panose="02040503050406030204" pitchFamily="18" charset="0"/>
+                      </a:rPr>
+                      <m:t>𝑥</m:t>
+                    </m:r>
+                  </m:oMath>
+                </a14:m>
+                <a:endParaRPr lang="pl-PL" dirty="0"/>
+              </a:p>
+              <a:p>
+                <a14:m>
+                  <m:oMath xmlns:m="http://schemas.openxmlformats.org/officeDocument/2006/math">
+                    <m:r>
+                      <a:rPr lang="pl-PL" b="0" i="1" smtClean="0">
+                        <a:latin typeface="Cambria Math" panose="02040503050406030204" pitchFamily="18" charset="0"/>
+                      </a:rPr>
+                      <m:t>0</m:t>
+                    </m:r>
+                  </m:oMath>
+                </a14:m>
+                <a:r>
+                  <a:rPr lang="pl-PL" dirty="0" smtClean="0"/>
+                  <a:t>   </a:t>
+                </a:r>
+                <a14:m>
+                  <m:oMath xmlns:m="http://schemas.openxmlformats.org/officeDocument/2006/math">
+                    <m:r>
+                      <a:rPr lang="pl-PL" b="0" i="1" dirty="0" smtClean="0">
+                        <a:latin typeface="Cambria Math" panose="02040503050406030204" pitchFamily="18" charset="0"/>
+                      </a:rPr>
+                      <m:t>0</m:t>
+                    </m:r>
+                  </m:oMath>
+                </a14:m>
+                <a:r>
+                  <a:rPr lang="pl-PL" dirty="0" smtClean="0"/>
+                  <a:t>   </a:t>
+                </a:r>
+                <a14:m>
+                  <m:oMath xmlns:m="http://schemas.openxmlformats.org/officeDocument/2006/math">
+                    <m:r>
+                      <a:rPr lang="pl-PL" b="0" i="1" dirty="0" smtClean="0">
+                        <a:latin typeface="Cambria Math" panose="02040503050406030204" pitchFamily="18" charset="0"/>
+                      </a:rPr>
+                      <m:t>0</m:t>
+                    </m:r>
+                  </m:oMath>
+                </a14:m>
+                <a:r>
+                  <a:rPr lang="pl-PL" dirty="0" smtClean="0"/>
+                  <a:t>   </a:t>
+                </a:r>
+                <a14:m>
+                  <m:oMath xmlns:m="http://schemas.openxmlformats.org/officeDocument/2006/math">
+                    <m:r>
+                      <a:rPr lang="pl-PL" b="0" i="1" dirty="0" smtClean="0">
+                        <a:latin typeface="Cambria Math" panose="02040503050406030204" pitchFamily="18" charset="0"/>
+                      </a:rPr>
+                      <m:t>0</m:t>
+                    </m:r>
+                  </m:oMath>
+                </a14:m>
+                <a:r>
+                  <a:rPr lang="pl-PL" dirty="0" smtClean="0"/>
+                  <a:t>   </a:t>
+                </a:r>
+                <a14:m>
+                  <m:oMath xmlns:m="http://schemas.openxmlformats.org/officeDocument/2006/math">
+                    <m:r>
+                      <a:rPr lang="pl-PL" i="1">
+                        <a:latin typeface="Cambria Math" panose="02040503050406030204" pitchFamily="18" charset="0"/>
+                      </a:rPr>
+                      <m:t>𝑥</m:t>
+                    </m:r>
+                  </m:oMath>
+                </a14:m>
+                <a:r>
+                  <a:rPr lang="pl-PL" dirty="0"/>
+                  <a:t>   </a:t>
+                </a:r>
+                <a14:m>
+                  <m:oMath xmlns:m="http://schemas.openxmlformats.org/officeDocument/2006/math">
+                    <m:r>
+                      <a:rPr lang="pl-PL" i="1">
+                        <a:latin typeface="Cambria Math" panose="02040503050406030204" pitchFamily="18" charset="0"/>
+                      </a:rPr>
+                      <m:t>𝑥</m:t>
+                    </m:r>
+                  </m:oMath>
+                </a14:m>
+                <a:endParaRPr lang="pl-PL" dirty="0"/>
+              </a:p>
+            </p:txBody>
+          </p:sp>
+        </mc:Choice>
+        <mc:Fallback>
+          <p:sp>
+            <p:nvSpPr>
+              <p:cNvPr id="3" name="Prostokąt 2"/>
+              <p:cNvSpPr>
+                <a:spLocks noRot="1" noChangeAspect="1" noMove="1" noResize="1" noEditPoints="1" noAdjustHandles="1" noChangeArrowheads="1" noChangeShapeType="1" noTextEdit="1"/>
+              </p:cNvSpPr>
+              <p:nvPr/>
+            </p:nvSpPr>
+            <p:spPr>
+              <a:xfrm>
+                <a:off x="2566020" y="2133696"/>
+                <a:ext cx="1944216" cy="1754326"/>
+              </a:xfrm>
+              <a:prstGeom prst="rect">
+                <a:avLst/>
+              </a:prstGeom>
+              <a:blipFill>
+                <a:blip r:embed="rId2"/>
+                <a:stretch>
+                  <a:fillRect/>
+                </a:stretch>
+              </a:blipFill>
+            </p:spPr>
+            <p:txBody>
+              <a:bodyPr/>
+              <a:lstStyle/>
+              <a:p>
+                <a:r>
+                  <a:rPr lang="pl-PL">
+                    <a:noFill/>
+                  </a:rPr>
+                  <a:t> </a:t>
+                </a:r>
+              </a:p>
+            </p:txBody>
+          </p:sp>
+        </mc:Fallback>
+      </mc:AlternateContent>
+      <mc:AlternateContent xmlns:mc="http://schemas.openxmlformats.org/markup-compatibility/2006">
+        <mc:Choice xmlns:a14="http://schemas.microsoft.com/office/drawing/2010/main" Requires="a14">
+          <p:sp>
+            <p:nvSpPr>
+              <p:cNvPr id="4" name="Prostokąt 3"/>
+              <p:cNvSpPr/>
+              <p:nvPr/>
+            </p:nvSpPr>
+            <p:spPr>
+              <a:xfrm>
+                <a:off x="5302324" y="2132856"/>
+                <a:ext cx="1944216" cy="1754326"/>
+              </a:xfrm>
+              <a:prstGeom prst="rect">
+                <a:avLst/>
+              </a:prstGeom>
+            </p:spPr>
+            <p:txBody>
+              <a:bodyPr wrap="square">
+                <a:spAutoFit/>
+              </a:bodyPr>
+              <a:lstStyle/>
+              <a:p>
+                <a14:m>
+                  <m:oMath xmlns:m="http://schemas.openxmlformats.org/officeDocument/2006/math">
+                    <m:r>
+                      <a:rPr lang="pl-PL" i="1" smtClean="0">
+                        <a:latin typeface="Cambria Math" panose="02040503050406030204" pitchFamily="18" charset="0"/>
+                      </a:rPr>
+                      <m:t>𝑥</m:t>
+                    </m:r>
+                  </m:oMath>
+                </a14:m>
+                <a:r>
+                  <a:rPr lang="pl-PL" dirty="0" smtClean="0"/>
+                  <a:t>   </a:t>
+                </a:r>
+                <a14:m>
+                  <m:oMath xmlns:m="http://schemas.openxmlformats.org/officeDocument/2006/math">
+                    <m:r>
+                      <a:rPr lang="pl-PL" i="1">
+                        <a:latin typeface="Cambria Math" panose="02040503050406030204" pitchFamily="18" charset="0"/>
+                      </a:rPr>
+                      <m:t>𝑥</m:t>
+                    </m:r>
+                  </m:oMath>
+                </a14:m>
+                <a:r>
+                  <a:rPr lang="pl-PL" dirty="0" smtClean="0"/>
+                  <a:t>   </a:t>
+                </a:r>
+                <a14:m>
+                  <m:oMath xmlns:m="http://schemas.openxmlformats.org/officeDocument/2006/math">
+                    <m:r>
+                      <a:rPr lang="pl-PL" b="0" i="1" dirty="0" smtClean="0">
+                        <a:solidFill>
+                          <a:srgbClr val="FF0000"/>
+                        </a:solidFill>
+                        <a:latin typeface="Cambria Math" panose="02040503050406030204" pitchFamily="18" charset="0"/>
+                      </a:rPr>
+                      <m:t>𝑥</m:t>
+                    </m:r>
+                  </m:oMath>
+                </a14:m>
+                <a:r>
+                  <a:rPr lang="pl-PL" dirty="0" smtClean="0"/>
+                  <a:t>   </a:t>
+                </a:r>
+                <a14:m>
+                  <m:oMath xmlns:m="http://schemas.openxmlformats.org/officeDocument/2006/math">
+                    <m:r>
+                      <a:rPr lang="pl-PL" b="0" i="1" dirty="0" smtClean="0">
+                        <a:latin typeface="Cambria Math" panose="02040503050406030204" pitchFamily="18" charset="0"/>
+                      </a:rPr>
+                      <m:t>0</m:t>
+                    </m:r>
+                  </m:oMath>
+                </a14:m>
+                <a:r>
+                  <a:rPr lang="pl-PL" dirty="0" smtClean="0"/>
+                  <a:t>   </a:t>
+                </a:r>
+                <a14:m>
+                  <m:oMath xmlns:m="http://schemas.openxmlformats.org/officeDocument/2006/math">
+                    <m:r>
+                      <a:rPr lang="pl-PL" b="0" i="1" dirty="0" smtClean="0">
+                        <a:latin typeface="Cambria Math" panose="02040503050406030204" pitchFamily="18" charset="0"/>
+                      </a:rPr>
+                      <m:t>0</m:t>
+                    </m:r>
+                  </m:oMath>
+                </a14:m>
+                <a:r>
+                  <a:rPr lang="pl-PL" dirty="0" smtClean="0"/>
+                  <a:t>   </a:t>
+                </a:r>
+                <a14:m>
+                  <m:oMath xmlns:m="http://schemas.openxmlformats.org/officeDocument/2006/math">
+                    <m:r>
+                      <a:rPr lang="pl-PL" b="0" i="1" dirty="0" smtClean="0">
+                        <a:latin typeface="Cambria Math" panose="02040503050406030204" pitchFamily="18" charset="0"/>
+                      </a:rPr>
+                      <m:t>0</m:t>
+                    </m:r>
+                  </m:oMath>
+                </a14:m>
+                <a:endParaRPr lang="pl-PL" dirty="0"/>
+              </a:p>
+              <a:p>
+                <a14:m>
+                  <m:oMath xmlns:m="http://schemas.openxmlformats.org/officeDocument/2006/math">
+                    <m:r>
+                      <a:rPr lang="pl-PL" b="0" i="1" smtClean="0">
+                        <a:solidFill>
+                          <a:srgbClr val="FF0000"/>
+                        </a:solidFill>
+                        <a:latin typeface="Cambria Math" panose="02040503050406030204" pitchFamily="18" charset="0"/>
+                      </a:rPr>
+                      <m:t>0</m:t>
+                    </m:r>
+                  </m:oMath>
+                </a14:m>
+                <a:r>
+                  <a:rPr lang="pl-PL" dirty="0" smtClean="0"/>
+                  <a:t>   </a:t>
+                </a:r>
+                <a14:m>
+                  <m:oMath xmlns:m="http://schemas.openxmlformats.org/officeDocument/2006/math">
+                    <m:r>
+                      <a:rPr lang="pl-PL" i="1">
+                        <a:latin typeface="Cambria Math" panose="02040503050406030204" pitchFamily="18" charset="0"/>
+                      </a:rPr>
+                      <m:t>𝑥</m:t>
+                    </m:r>
+                  </m:oMath>
+                </a14:m>
+                <a:r>
+                  <a:rPr lang="pl-PL" dirty="0"/>
+                  <a:t>   </a:t>
+                </a:r>
+                <a14:m>
+                  <m:oMath xmlns:m="http://schemas.openxmlformats.org/officeDocument/2006/math">
+                    <m:r>
+                      <a:rPr lang="pl-PL" i="1">
+                        <a:latin typeface="Cambria Math" panose="02040503050406030204" pitchFamily="18" charset="0"/>
+                      </a:rPr>
+                      <m:t>𝑥</m:t>
+                    </m:r>
+                  </m:oMath>
+                </a14:m>
+                <a:r>
+                  <a:rPr lang="pl-PL" dirty="0"/>
+                  <a:t>   </a:t>
+                </a:r>
+                <a14:m>
+                  <m:oMath xmlns:m="http://schemas.openxmlformats.org/officeDocument/2006/math">
+                    <m:r>
+                      <a:rPr lang="pl-PL" i="1" dirty="0">
+                        <a:latin typeface="Cambria Math" panose="02040503050406030204" pitchFamily="18" charset="0"/>
+                      </a:rPr>
+                      <m:t>0</m:t>
+                    </m:r>
+                  </m:oMath>
+                </a14:m>
+                <a:r>
+                  <a:rPr lang="pl-PL" dirty="0"/>
+                  <a:t>   </a:t>
+                </a:r>
+                <a14:m>
+                  <m:oMath xmlns:m="http://schemas.openxmlformats.org/officeDocument/2006/math">
+                    <m:r>
+                      <a:rPr lang="pl-PL" i="1" dirty="0">
+                        <a:latin typeface="Cambria Math" panose="02040503050406030204" pitchFamily="18" charset="0"/>
+                      </a:rPr>
+                      <m:t>0</m:t>
+                    </m:r>
+                  </m:oMath>
+                </a14:m>
+                <a:r>
+                  <a:rPr lang="pl-PL" dirty="0"/>
+                  <a:t>   </a:t>
+                </a:r>
+                <a14:m>
+                  <m:oMath xmlns:m="http://schemas.openxmlformats.org/officeDocument/2006/math">
+                    <m:r>
+                      <a:rPr lang="pl-PL" i="1" dirty="0">
+                        <a:latin typeface="Cambria Math" panose="02040503050406030204" pitchFamily="18" charset="0"/>
+                      </a:rPr>
+                      <m:t>0</m:t>
+                    </m:r>
+                  </m:oMath>
+                </a14:m>
+                <a:endParaRPr lang="pl-PL" dirty="0"/>
+              </a:p>
+              <a:p>
+                <a14:m>
+                  <m:oMath xmlns:m="http://schemas.openxmlformats.org/officeDocument/2006/math">
+                    <m:r>
+                      <a:rPr lang="pl-PL" b="0" i="1" smtClean="0">
+                        <a:latin typeface="Cambria Math" panose="02040503050406030204" pitchFamily="18" charset="0"/>
+                      </a:rPr>
+                      <m:t>0</m:t>
+                    </m:r>
+                  </m:oMath>
+                </a14:m>
+                <a:r>
+                  <a:rPr lang="pl-PL" dirty="0" smtClean="0"/>
+                  <a:t>   </a:t>
+                </a:r>
+                <a14:m>
+                  <m:oMath xmlns:m="http://schemas.openxmlformats.org/officeDocument/2006/math">
+                    <m:r>
+                      <a:rPr lang="pl-PL" i="1">
+                        <a:latin typeface="Cambria Math" panose="02040503050406030204" pitchFamily="18" charset="0"/>
+                      </a:rPr>
+                      <m:t>𝑥</m:t>
+                    </m:r>
+                  </m:oMath>
+                </a14:m>
+                <a:r>
+                  <a:rPr lang="pl-PL" dirty="0"/>
+                  <a:t>   </a:t>
+                </a:r>
+                <a14:m>
+                  <m:oMath xmlns:m="http://schemas.openxmlformats.org/officeDocument/2006/math">
+                    <m:r>
+                      <a:rPr lang="pl-PL" i="1">
+                        <a:latin typeface="Cambria Math" panose="02040503050406030204" pitchFamily="18" charset="0"/>
+                      </a:rPr>
+                      <m:t>𝑥</m:t>
+                    </m:r>
+                  </m:oMath>
+                </a14:m>
+                <a:r>
+                  <a:rPr lang="pl-PL" dirty="0"/>
+                  <a:t>   </a:t>
+                </a:r>
+                <a14:m>
+                  <m:oMath xmlns:m="http://schemas.openxmlformats.org/officeDocument/2006/math">
+                    <m:r>
+                      <a:rPr lang="pl-PL" i="1">
+                        <a:latin typeface="Cambria Math" panose="02040503050406030204" pitchFamily="18" charset="0"/>
+                      </a:rPr>
+                      <m:t>𝑥</m:t>
+                    </m:r>
+                  </m:oMath>
+                </a14:m>
+                <a:r>
+                  <a:rPr lang="pl-PL" dirty="0"/>
+                  <a:t> </a:t>
+                </a:r>
+                <a:r>
+                  <a:rPr lang="pl-PL" dirty="0" smtClean="0"/>
+                  <a:t>  </a:t>
+                </a:r>
+                <a14:m>
+                  <m:oMath xmlns:m="http://schemas.openxmlformats.org/officeDocument/2006/math">
+                    <m:r>
+                      <a:rPr lang="pl-PL" b="0" i="1" dirty="0" smtClean="0">
+                        <a:latin typeface="Cambria Math" panose="02040503050406030204" pitchFamily="18" charset="0"/>
+                      </a:rPr>
+                      <m:t>0</m:t>
+                    </m:r>
+                  </m:oMath>
+                </a14:m>
+                <a:r>
+                  <a:rPr lang="pl-PL" dirty="0" smtClean="0"/>
+                  <a:t>   </a:t>
+                </a:r>
+                <a14:m>
+                  <m:oMath xmlns:m="http://schemas.openxmlformats.org/officeDocument/2006/math">
+                    <m:r>
+                      <a:rPr lang="pl-PL" b="0" i="1" dirty="0" smtClean="0">
+                        <a:latin typeface="Cambria Math" panose="02040503050406030204" pitchFamily="18" charset="0"/>
+                      </a:rPr>
+                      <m:t>0</m:t>
+                    </m:r>
+                  </m:oMath>
+                </a14:m>
+                <a:endParaRPr lang="pl-PL" dirty="0"/>
+              </a:p>
+              <a:p>
+                <a14:m>
+                  <m:oMath xmlns:m="http://schemas.openxmlformats.org/officeDocument/2006/math">
+                    <m:r>
+                      <a:rPr lang="pl-PL" b="0" i="1" smtClean="0">
+                        <a:latin typeface="Cambria Math" panose="02040503050406030204" pitchFamily="18" charset="0"/>
+                      </a:rPr>
+                      <m:t>0</m:t>
+                    </m:r>
+                  </m:oMath>
+                </a14:m>
+                <a:r>
+                  <a:rPr lang="pl-PL" dirty="0" smtClean="0"/>
+                  <a:t>   </a:t>
+                </a:r>
+                <a14:m>
+                  <m:oMath xmlns:m="http://schemas.openxmlformats.org/officeDocument/2006/math">
+                    <m:r>
+                      <a:rPr lang="pl-PL" b="0" i="1" dirty="0" smtClean="0">
+                        <a:latin typeface="Cambria Math" panose="02040503050406030204" pitchFamily="18" charset="0"/>
+                      </a:rPr>
+                      <m:t>0</m:t>
+                    </m:r>
+                  </m:oMath>
+                </a14:m>
+                <a:r>
+                  <a:rPr lang="pl-PL" dirty="0" smtClean="0"/>
+                  <a:t>   </a:t>
+                </a:r>
+                <a14:m>
+                  <m:oMath xmlns:m="http://schemas.openxmlformats.org/officeDocument/2006/math">
+                    <m:r>
+                      <a:rPr lang="pl-PL" i="1">
+                        <a:latin typeface="Cambria Math" panose="02040503050406030204" pitchFamily="18" charset="0"/>
+                      </a:rPr>
+                      <m:t>𝑥</m:t>
+                    </m:r>
+                  </m:oMath>
+                </a14:m>
+                <a:r>
+                  <a:rPr lang="pl-PL" dirty="0"/>
+                  <a:t>   </a:t>
+                </a:r>
+                <a14:m>
+                  <m:oMath xmlns:m="http://schemas.openxmlformats.org/officeDocument/2006/math">
+                    <m:r>
+                      <a:rPr lang="pl-PL" i="1">
+                        <a:latin typeface="Cambria Math" panose="02040503050406030204" pitchFamily="18" charset="0"/>
+                      </a:rPr>
+                      <m:t>𝑥</m:t>
+                    </m:r>
+                  </m:oMath>
+                </a14:m>
+                <a:r>
+                  <a:rPr lang="pl-PL" dirty="0"/>
+                  <a:t>   </a:t>
+                </a:r>
+                <a14:m>
+                  <m:oMath xmlns:m="http://schemas.openxmlformats.org/officeDocument/2006/math">
+                    <m:r>
+                      <a:rPr lang="pl-PL" i="1">
+                        <a:latin typeface="Cambria Math" panose="02040503050406030204" pitchFamily="18" charset="0"/>
+                      </a:rPr>
+                      <m:t>𝑥</m:t>
+                    </m:r>
+                  </m:oMath>
+                </a14:m>
+                <a:r>
+                  <a:rPr lang="pl-PL" dirty="0"/>
+                  <a:t>   </a:t>
+                </a:r>
+                <a14:m>
+                  <m:oMath xmlns:m="http://schemas.openxmlformats.org/officeDocument/2006/math">
+                    <m:r>
+                      <a:rPr lang="pl-PL" b="0" i="1" dirty="0" smtClean="0">
+                        <a:latin typeface="Cambria Math" panose="02040503050406030204" pitchFamily="18" charset="0"/>
+                      </a:rPr>
+                      <m:t>0</m:t>
+                    </m:r>
+                  </m:oMath>
+                </a14:m>
+                <a:endParaRPr lang="pl-PL" dirty="0"/>
+              </a:p>
+              <a:p>
+                <a14:m>
+                  <m:oMath xmlns:m="http://schemas.openxmlformats.org/officeDocument/2006/math">
+                    <m:r>
+                      <a:rPr lang="pl-PL" b="0" i="1" smtClean="0">
+                        <a:latin typeface="Cambria Math" panose="02040503050406030204" pitchFamily="18" charset="0"/>
+                      </a:rPr>
+                      <m:t>0</m:t>
+                    </m:r>
+                  </m:oMath>
+                </a14:m>
+                <a:r>
+                  <a:rPr lang="pl-PL" dirty="0" smtClean="0"/>
+                  <a:t>   </a:t>
+                </a:r>
+                <a14:m>
+                  <m:oMath xmlns:m="http://schemas.openxmlformats.org/officeDocument/2006/math">
+                    <m:r>
+                      <a:rPr lang="pl-PL" b="0" i="1" dirty="0" smtClean="0">
+                        <a:latin typeface="Cambria Math" panose="02040503050406030204" pitchFamily="18" charset="0"/>
+                      </a:rPr>
+                      <m:t>0</m:t>
+                    </m:r>
+                  </m:oMath>
+                </a14:m>
+                <a:r>
+                  <a:rPr lang="pl-PL" dirty="0" smtClean="0"/>
+                  <a:t>   </a:t>
+                </a:r>
+                <a14:m>
+                  <m:oMath xmlns:m="http://schemas.openxmlformats.org/officeDocument/2006/math">
+                    <m:r>
+                      <a:rPr lang="pl-PL" b="0" i="1" dirty="0" smtClean="0">
+                        <a:latin typeface="Cambria Math" panose="02040503050406030204" pitchFamily="18" charset="0"/>
+                      </a:rPr>
+                      <m:t>0</m:t>
+                    </m:r>
+                  </m:oMath>
+                </a14:m>
+                <a:r>
+                  <a:rPr lang="pl-PL" dirty="0" smtClean="0"/>
+                  <a:t>   </a:t>
+                </a:r>
+                <a14:m>
+                  <m:oMath xmlns:m="http://schemas.openxmlformats.org/officeDocument/2006/math">
+                    <m:r>
+                      <a:rPr lang="pl-PL" i="1">
+                        <a:latin typeface="Cambria Math" panose="02040503050406030204" pitchFamily="18" charset="0"/>
+                      </a:rPr>
+                      <m:t>𝑥</m:t>
+                    </m:r>
+                  </m:oMath>
+                </a14:m>
+                <a:r>
+                  <a:rPr lang="pl-PL" dirty="0"/>
+                  <a:t>   </a:t>
+                </a:r>
+                <a14:m>
+                  <m:oMath xmlns:m="http://schemas.openxmlformats.org/officeDocument/2006/math">
+                    <m:r>
+                      <a:rPr lang="pl-PL" i="1">
+                        <a:latin typeface="Cambria Math" panose="02040503050406030204" pitchFamily="18" charset="0"/>
+                      </a:rPr>
+                      <m:t>𝑥</m:t>
+                    </m:r>
+                  </m:oMath>
+                </a14:m>
+                <a:r>
+                  <a:rPr lang="pl-PL" dirty="0"/>
+                  <a:t>   </a:t>
+                </a:r>
+                <a14:m>
+                  <m:oMath xmlns:m="http://schemas.openxmlformats.org/officeDocument/2006/math">
+                    <m:r>
+                      <a:rPr lang="pl-PL" i="1">
+                        <a:latin typeface="Cambria Math" panose="02040503050406030204" pitchFamily="18" charset="0"/>
+                      </a:rPr>
+                      <m:t>𝑥</m:t>
+                    </m:r>
+                  </m:oMath>
+                </a14:m>
+                <a:endParaRPr lang="pl-PL" dirty="0"/>
+              </a:p>
+              <a:p>
+                <a14:m>
+                  <m:oMath xmlns:m="http://schemas.openxmlformats.org/officeDocument/2006/math">
+                    <m:r>
+                      <a:rPr lang="pl-PL" b="0" i="1" smtClean="0">
+                        <a:latin typeface="Cambria Math" panose="02040503050406030204" pitchFamily="18" charset="0"/>
+                      </a:rPr>
+                      <m:t>0</m:t>
+                    </m:r>
+                  </m:oMath>
+                </a14:m>
+                <a:r>
+                  <a:rPr lang="pl-PL" dirty="0" smtClean="0"/>
+                  <a:t>   </a:t>
+                </a:r>
+                <a14:m>
+                  <m:oMath xmlns:m="http://schemas.openxmlformats.org/officeDocument/2006/math">
+                    <m:r>
+                      <a:rPr lang="pl-PL" b="0" i="1" dirty="0" smtClean="0">
+                        <a:latin typeface="Cambria Math" panose="02040503050406030204" pitchFamily="18" charset="0"/>
+                      </a:rPr>
+                      <m:t>0</m:t>
+                    </m:r>
+                  </m:oMath>
+                </a14:m>
+                <a:r>
+                  <a:rPr lang="pl-PL" dirty="0" smtClean="0"/>
+                  <a:t>   </a:t>
+                </a:r>
+                <a14:m>
+                  <m:oMath xmlns:m="http://schemas.openxmlformats.org/officeDocument/2006/math">
+                    <m:r>
+                      <a:rPr lang="pl-PL" b="0" i="1" dirty="0" smtClean="0">
+                        <a:latin typeface="Cambria Math" panose="02040503050406030204" pitchFamily="18" charset="0"/>
+                      </a:rPr>
+                      <m:t>0</m:t>
+                    </m:r>
+                  </m:oMath>
+                </a14:m>
+                <a:r>
+                  <a:rPr lang="pl-PL" dirty="0" smtClean="0"/>
+                  <a:t>   </a:t>
+                </a:r>
+                <a14:m>
+                  <m:oMath xmlns:m="http://schemas.openxmlformats.org/officeDocument/2006/math">
+                    <m:r>
+                      <a:rPr lang="pl-PL" b="0" i="1" dirty="0" smtClean="0">
+                        <a:latin typeface="Cambria Math" panose="02040503050406030204" pitchFamily="18" charset="0"/>
+                      </a:rPr>
+                      <m:t>0</m:t>
+                    </m:r>
+                  </m:oMath>
+                </a14:m>
+                <a:r>
+                  <a:rPr lang="pl-PL" dirty="0" smtClean="0"/>
+                  <a:t>   </a:t>
+                </a:r>
+                <a14:m>
+                  <m:oMath xmlns:m="http://schemas.openxmlformats.org/officeDocument/2006/math">
+                    <m:r>
+                      <a:rPr lang="pl-PL" i="1">
+                        <a:latin typeface="Cambria Math" panose="02040503050406030204" pitchFamily="18" charset="0"/>
+                      </a:rPr>
+                      <m:t>𝑥</m:t>
+                    </m:r>
+                  </m:oMath>
+                </a14:m>
+                <a:r>
+                  <a:rPr lang="pl-PL" dirty="0"/>
+                  <a:t>   </a:t>
+                </a:r>
+                <a14:m>
+                  <m:oMath xmlns:m="http://schemas.openxmlformats.org/officeDocument/2006/math">
+                    <m:r>
+                      <a:rPr lang="pl-PL" i="1">
+                        <a:latin typeface="Cambria Math" panose="02040503050406030204" pitchFamily="18" charset="0"/>
+                      </a:rPr>
+                      <m:t>𝑥</m:t>
+                    </m:r>
+                  </m:oMath>
+                </a14:m>
+                <a:endParaRPr lang="pl-PL" dirty="0"/>
+              </a:p>
+            </p:txBody>
+          </p:sp>
+        </mc:Choice>
+        <mc:Fallback>
+          <p:sp>
+            <p:nvSpPr>
+              <p:cNvPr id="4" name="Prostokąt 3"/>
+              <p:cNvSpPr>
+                <a:spLocks noRot="1" noChangeAspect="1" noMove="1" noResize="1" noEditPoints="1" noAdjustHandles="1" noChangeArrowheads="1" noChangeShapeType="1" noTextEdit="1"/>
+              </p:cNvSpPr>
+              <p:nvPr/>
+            </p:nvSpPr>
+            <p:spPr>
+              <a:xfrm>
+                <a:off x="5302324" y="2132856"/>
+                <a:ext cx="1944216" cy="1754326"/>
+              </a:xfrm>
+              <a:prstGeom prst="rect">
+                <a:avLst/>
+              </a:prstGeom>
+              <a:blipFill>
+                <a:blip r:embed="rId3"/>
+                <a:stretch>
+                  <a:fillRect/>
+                </a:stretch>
+              </a:blipFill>
+            </p:spPr>
+            <p:txBody>
+              <a:bodyPr/>
+              <a:lstStyle/>
+              <a:p>
+                <a:r>
+                  <a:rPr lang="pl-PL">
+                    <a:noFill/>
+                  </a:rPr>
+                  <a:t> </a:t>
+                </a:r>
+              </a:p>
+            </p:txBody>
+          </p:sp>
+        </mc:Fallback>
+      </mc:AlternateContent>
+      <mc:AlternateContent xmlns:mc="http://schemas.openxmlformats.org/markup-compatibility/2006">
+        <mc:Choice xmlns:a14="http://schemas.microsoft.com/office/drawing/2010/main" Requires="a14">
+          <p:sp>
+            <p:nvSpPr>
+              <p:cNvPr id="5" name="Prostokąt 4"/>
+              <p:cNvSpPr/>
+              <p:nvPr/>
+            </p:nvSpPr>
+            <p:spPr>
+              <a:xfrm>
+                <a:off x="8038628" y="2132856"/>
+                <a:ext cx="1944216" cy="1754326"/>
+              </a:xfrm>
+              <a:prstGeom prst="rect">
+                <a:avLst/>
+              </a:prstGeom>
+            </p:spPr>
+            <p:txBody>
+              <a:bodyPr wrap="square">
+                <a:spAutoFit/>
+              </a:bodyPr>
+              <a:lstStyle/>
+              <a:p>
+                <a14:m>
+                  <m:oMath xmlns:m="http://schemas.openxmlformats.org/officeDocument/2006/math">
+                    <m:r>
+                      <a:rPr lang="pl-PL" i="1" smtClean="0">
+                        <a:latin typeface="Cambria Math" panose="02040503050406030204" pitchFamily="18" charset="0"/>
+                      </a:rPr>
+                      <m:t>𝑥</m:t>
+                    </m:r>
+                  </m:oMath>
+                </a14:m>
+                <a:r>
+                  <a:rPr lang="pl-PL" dirty="0" smtClean="0"/>
+                  <a:t>   </a:t>
+                </a:r>
+                <a14:m>
+                  <m:oMath xmlns:m="http://schemas.openxmlformats.org/officeDocument/2006/math">
+                    <m:r>
+                      <a:rPr lang="pl-PL" i="1">
+                        <a:latin typeface="Cambria Math" panose="02040503050406030204" pitchFamily="18" charset="0"/>
+                      </a:rPr>
+                      <m:t>𝑥</m:t>
+                    </m:r>
+                  </m:oMath>
+                </a14:m>
+                <a:r>
+                  <a:rPr lang="pl-PL" dirty="0" smtClean="0"/>
+                  <a:t>   </a:t>
+                </a:r>
+                <a14:m>
+                  <m:oMath xmlns:m="http://schemas.openxmlformats.org/officeDocument/2006/math">
+                    <m:r>
+                      <a:rPr lang="pl-PL" b="0" i="1" dirty="0" smtClean="0">
+                        <a:solidFill>
+                          <a:schemeClr val="tx1"/>
+                        </a:solidFill>
+                        <a:latin typeface="Cambria Math" panose="02040503050406030204" pitchFamily="18" charset="0"/>
+                      </a:rPr>
+                      <m:t>𝑥</m:t>
+                    </m:r>
+                  </m:oMath>
+                </a14:m>
+                <a:r>
+                  <a:rPr lang="pl-PL" dirty="0" smtClean="0"/>
+                  <a:t>   </a:t>
+                </a:r>
+                <a14:m>
+                  <m:oMath xmlns:m="http://schemas.openxmlformats.org/officeDocument/2006/math">
+                    <m:r>
+                      <a:rPr lang="pl-PL" b="0" i="1" dirty="0" smtClean="0">
+                        <a:latin typeface="Cambria Math" panose="02040503050406030204" pitchFamily="18" charset="0"/>
+                      </a:rPr>
+                      <m:t>0</m:t>
+                    </m:r>
+                  </m:oMath>
+                </a14:m>
+                <a:r>
+                  <a:rPr lang="pl-PL" dirty="0" smtClean="0"/>
+                  <a:t>   </a:t>
+                </a:r>
+                <a14:m>
+                  <m:oMath xmlns:m="http://schemas.openxmlformats.org/officeDocument/2006/math">
+                    <m:r>
+                      <a:rPr lang="pl-PL" b="0" i="1" dirty="0" smtClean="0">
+                        <a:latin typeface="Cambria Math" panose="02040503050406030204" pitchFamily="18" charset="0"/>
+                      </a:rPr>
+                      <m:t>0</m:t>
+                    </m:r>
+                  </m:oMath>
+                </a14:m>
+                <a:r>
+                  <a:rPr lang="pl-PL" dirty="0" smtClean="0"/>
+                  <a:t>   </a:t>
+                </a:r>
+                <a14:m>
+                  <m:oMath xmlns:m="http://schemas.openxmlformats.org/officeDocument/2006/math">
+                    <m:r>
+                      <a:rPr lang="pl-PL" b="0" i="1" dirty="0" smtClean="0">
+                        <a:latin typeface="Cambria Math" panose="02040503050406030204" pitchFamily="18" charset="0"/>
+                      </a:rPr>
+                      <m:t>0</m:t>
+                    </m:r>
+                  </m:oMath>
+                </a14:m>
+                <a:endParaRPr lang="pl-PL" dirty="0"/>
+              </a:p>
+              <a:p>
+                <a14:m>
+                  <m:oMath xmlns:m="http://schemas.openxmlformats.org/officeDocument/2006/math">
+                    <m:r>
+                      <a:rPr lang="pl-PL" b="0" i="1" smtClean="0">
+                        <a:solidFill>
+                          <a:schemeClr val="tx1"/>
+                        </a:solidFill>
+                        <a:latin typeface="Cambria Math" panose="02040503050406030204" pitchFamily="18" charset="0"/>
+                      </a:rPr>
+                      <m:t>0</m:t>
+                    </m:r>
+                  </m:oMath>
+                </a14:m>
+                <a:r>
+                  <a:rPr lang="pl-PL" dirty="0" smtClean="0"/>
+                  <a:t>   </a:t>
+                </a:r>
+                <a14:m>
+                  <m:oMath xmlns:m="http://schemas.openxmlformats.org/officeDocument/2006/math">
+                    <m:r>
+                      <a:rPr lang="pl-PL" i="1">
+                        <a:latin typeface="Cambria Math" panose="02040503050406030204" pitchFamily="18" charset="0"/>
+                      </a:rPr>
+                      <m:t>𝑥</m:t>
+                    </m:r>
+                  </m:oMath>
+                </a14:m>
+                <a:r>
+                  <a:rPr lang="pl-PL" dirty="0"/>
+                  <a:t>   </a:t>
+                </a:r>
+                <a14:m>
+                  <m:oMath xmlns:m="http://schemas.openxmlformats.org/officeDocument/2006/math">
+                    <m:r>
+                      <a:rPr lang="pl-PL" i="1">
+                        <a:latin typeface="Cambria Math" panose="02040503050406030204" pitchFamily="18" charset="0"/>
+                      </a:rPr>
+                      <m:t>𝑥</m:t>
+                    </m:r>
+                  </m:oMath>
+                </a14:m>
+                <a:r>
+                  <a:rPr lang="pl-PL" dirty="0"/>
+                  <a:t>   </a:t>
+                </a:r>
+                <a14:m>
+                  <m:oMath xmlns:m="http://schemas.openxmlformats.org/officeDocument/2006/math">
+                    <m:r>
+                      <a:rPr lang="pl-PL" b="0" i="1" dirty="0" smtClean="0">
+                        <a:solidFill>
+                          <a:srgbClr val="FF0000"/>
+                        </a:solidFill>
+                        <a:latin typeface="Cambria Math" panose="02040503050406030204" pitchFamily="18" charset="0"/>
+                      </a:rPr>
+                      <m:t>𝑥</m:t>
+                    </m:r>
+                  </m:oMath>
+                </a14:m>
+                <a:r>
+                  <a:rPr lang="pl-PL" dirty="0" smtClean="0"/>
+                  <a:t>   </a:t>
+                </a:r>
+                <a14:m>
+                  <m:oMath xmlns:m="http://schemas.openxmlformats.org/officeDocument/2006/math">
+                    <m:r>
+                      <a:rPr lang="pl-PL" i="1" dirty="0">
+                        <a:latin typeface="Cambria Math" panose="02040503050406030204" pitchFamily="18" charset="0"/>
+                      </a:rPr>
+                      <m:t>0</m:t>
+                    </m:r>
+                  </m:oMath>
+                </a14:m>
+                <a:r>
+                  <a:rPr lang="pl-PL" dirty="0"/>
+                  <a:t>   </a:t>
+                </a:r>
+                <a14:m>
+                  <m:oMath xmlns:m="http://schemas.openxmlformats.org/officeDocument/2006/math">
+                    <m:r>
+                      <a:rPr lang="pl-PL" i="1" dirty="0">
+                        <a:latin typeface="Cambria Math" panose="02040503050406030204" pitchFamily="18" charset="0"/>
+                      </a:rPr>
+                      <m:t>0</m:t>
+                    </m:r>
+                  </m:oMath>
+                </a14:m>
+                <a:endParaRPr lang="pl-PL" dirty="0"/>
+              </a:p>
+              <a:p>
+                <a14:m>
+                  <m:oMath xmlns:m="http://schemas.openxmlformats.org/officeDocument/2006/math">
+                    <m:r>
+                      <a:rPr lang="pl-PL" b="0" i="1" smtClean="0">
+                        <a:latin typeface="Cambria Math" panose="02040503050406030204" pitchFamily="18" charset="0"/>
+                      </a:rPr>
+                      <m:t>0</m:t>
+                    </m:r>
+                  </m:oMath>
+                </a14:m>
+                <a:r>
+                  <a:rPr lang="pl-PL" dirty="0" smtClean="0"/>
+                  <a:t>   </a:t>
+                </a:r>
+                <a14:m>
+                  <m:oMath xmlns:m="http://schemas.openxmlformats.org/officeDocument/2006/math">
+                    <m:r>
+                      <a:rPr lang="pl-PL" b="0" i="1" dirty="0" smtClean="0">
+                        <a:solidFill>
+                          <a:srgbClr val="FF0000"/>
+                        </a:solidFill>
+                        <a:latin typeface="Cambria Math" panose="02040503050406030204" pitchFamily="18" charset="0"/>
+                      </a:rPr>
+                      <m:t>0</m:t>
+                    </m:r>
+                  </m:oMath>
+                </a14:m>
+                <a:r>
+                  <a:rPr lang="pl-PL" dirty="0" smtClean="0"/>
+                  <a:t>   </a:t>
+                </a:r>
+                <a14:m>
+                  <m:oMath xmlns:m="http://schemas.openxmlformats.org/officeDocument/2006/math">
+                    <m:r>
+                      <a:rPr lang="pl-PL" i="1">
+                        <a:latin typeface="Cambria Math" panose="02040503050406030204" pitchFamily="18" charset="0"/>
+                      </a:rPr>
+                      <m:t>𝑥</m:t>
+                    </m:r>
+                  </m:oMath>
+                </a14:m>
+                <a:r>
+                  <a:rPr lang="pl-PL" dirty="0"/>
+                  <a:t>   </a:t>
+                </a:r>
+                <a14:m>
+                  <m:oMath xmlns:m="http://schemas.openxmlformats.org/officeDocument/2006/math">
+                    <m:r>
+                      <a:rPr lang="pl-PL" i="1">
+                        <a:latin typeface="Cambria Math" panose="02040503050406030204" pitchFamily="18" charset="0"/>
+                      </a:rPr>
+                      <m:t>𝑥</m:t>
+                    </m:r>
+                  </m:oMath>
+                </a14:m>
+                <a:r>
+                  <a:rPr lang="pl-PL" dirty="0"/>
+                  <a:t> </a:t>
+                </a:r>
+                <a:r>
+                  <a:rPr lang="pl-PL" dirty="0" smtClean="0"/>
+                  <a:t>  </a:t>
+                </a:r>
+                <a14:m>
+                  <m:oMath xmlns:m="http://schemas.openxmlformats.org/officeDocument/2006/math">
+                    <m:r>
+                      <a:rPr lang="pl-PL" b="0" i="1" dirty="0" smtClean="0">
+                        <a:latin typeface="Cambria Math" panose="02040503050406030204" pitchFamily="18" charset="0"/>
+                      </a:rPr>
+                      <m:t>0</m:t>
+                    </m:r>
+                  </m:oMath>
+                </a14:m>
+                <a:r>
+                  <a:rPr lang="pl-PL" dirty="0" smtClean="0"/>
+                  <a:t>   </a:t>
+                </a:r>
+                <a14:m>
+                  <m:oMath xmlns:m="http://schemas.openxmlformats.org/officeDocument/2006/math">
+                    <m:r>
+                      <a:rPr lang="pl-PL" b="0" i="1" dirty="0" smtClean="0">
+                        <a:latin typeface="Cambria Math" panose="02040503050406030204" pitchFamily="18" charset="0"/>
+                      </a:rPr>
+                      <m:t>0</m:t>
+                    </m:r>
+                  </m:oMath>
+                </a14:m>
+                <a:endParaRPr lang="pl-PL" dirty="0"/>
+              </a:p>
+              <a:p>
+                <a14:m>
+                  <m:oMath xmlns:m="http://schemas.openxmlformats.org/officeDocument/2006/math">
+                    <m:r>
+                      <a:rPr lang="pl-PL" b="0" i="1" smtClean="0">
+                        <a:latin typeface="Cambria Math" panose="02040503050406030204" pitchFamily="18" charset="0"/>
+                      </a:rPr>
+                      <m:t>0</m:t>
+                    </m:r>
+                  </m:oMath>
+                </a14:m>
+                <a:r>
+                  <a:rPr lang="pl-PL" dirty="0" smtClean="0"/>
+                  <a:t>   </a:t>
+                </a:r>
+                <a14:m>
+                  <m:oMath xmlns:m="http://schemas.openxmlformats.org/officeDocument/2006/math">
+                    <m:r>
+                      <a:rPr lang="pl-PL" b="0" i="1" dirty="0" smtClean="0">
+                        <a:latin typeface="Cambria Math" panose="02040503050406030204" pitchFamily="18" charset="0"/>
+                      </a:rPr>
+                      <m:t>0</m:t>
+                    </m:r>
+                  </m:oMath>
+                </a14:m>
+                <a:r>
+                  <a:rPr lang="pl-PL" dirty="0" smtClean="0"/>
+                  <a:t>   </a:t>
+                </a:r>
+                <a14:m>
+                  <m:oMath xmlns:m="http://schemas.openxmlformats.org/officeDocument/2006/math">
+                    <m:r>
+                      <a:rPr lang="pl-PL" i="1">
+                        <a:latin typeface="Cambria Math" panose="02040503050406030204" pitchFamily="18" charset="0"/>
+                      </a:rPr>
+                      <m:t>𝑥</m:t>
+                    </m:r>
+                  </m:oMath>
+                </a14:m>
+                <a:r>
+                  <a:rPr lang="pl-PL" dirty="0"/>
+                  <a:t>   </a:t>
+                </a:r>
+                <a14:m>
+                  <m:oMath xmlns:m="http://schemas.openxmlformats.org/officeDocument/2006/math">
+                    <m:r>
+                      <a:rPr lang="pl-PL" i="1">
+                        <a:latin typeface="Cambria Math" panose="02040503050406030204" pitchFamily="18" charset="0"/>
+                      </a:rPr>
+                      <m:t>𝑥</m:t>
+                    </m:r>
+                  </m:oMath>
+                </a14:m>
+                <a:r>
+                  <a:rPr lang="pl-PL" dirty="0"/>
+                  <a:t>   </a:t>
+                </a:r>
+                <a14:m>
+                  <m:oMath xmlns:m="http://schemas.openxmlformats.org/officeDocument/2006/math">
+                    <m:r>
+                      <a:rPr lang="pl-PL" i="1">
+                        <a:latin typeface="Cambria Math" panose="02040503050406030204" pitchFamily="18" charset="0"/>
+                      </a:rPr>
+                      <m:t>𝑥</m:t>
+                    </m:r>
+                  </m:oMath>
+                </a14:m>
+                <a:r>
+                  <a:rPr lang="pl-PL" dirty="0"/>
+                  <a:t>   </a:t>
+                </a:r>
+                <a14:m>
+                  <m:oMath xmlns:m="http://schemas.openxmlformats.org/officeDocument/2006/math">
+                    <m:r>
+                      <a:rPr lang="pl-PL" b="0" i="1" dirty="0" smtClean="0">
+                        <a:latin typeface="Cambria Math" panose="02040503050406030204" pitchFamily="18" charset="0"/>
+                      </a:rPr>
+                      <m:t>0</m:t>
+                    </m:r>
+                  </m:oMath>
+                </a14:m>
+                <a:endParaRPr lang="pl-PL" dirty="0"/>
+              </a:p>
+              <a:p>
+                <a14:m>
+                  <m:oMath xmlns:m="http://schemas.openxmlformats.org/officeDocument/2006/math">
+                    <m:r>
+                      <a:rPr lang="pl-PL" b="0" i="1" smtClean="0">
+                        <a:latin typeface="Cambria Math" panose="02040503050406030204" pitchFamily="18" charset="0"/>
+                      </a:rPr>
+                      <m:t>0</m:t>
+                    </m:r>
+                  </m:oMath>
+                </a14:m>
+                <a:r>
+                  <a:rPr lang="pl-PL" dirty="0" smtClean="0"/>
+                  <a:t>   </a:t>
+                </a:r>
+                <a14:m>
+                  <m:oMath xmlns:m="http://schemas.openxmlformats.org/officeDocument/2006/math">
+                    <m:r>
+                      <a:rPr lang="pl-PL" b="0" i="1" dirty="0" smtClean="0">
+                        <a:latin typeface="Cambria Math" panose="02040503050406030204" pitchFamily="18" charset="0"/>
+                      </a:rPr>
+                      <m:t>0</m:t>
+                    </m:r>
+                  </m:oMath>
+                </a14:m>
+                <a:r>
+                  <a:rPr lang="pl-PL" dirty="0" smtClean="0"/>
+                  <a:t>   </a:t>
+                </a:r>
+                <a14:m>
+                  <m:oMath xmlns:m="http://schemas.openxmlformats.org/officeDocument/2006/math">
+                    <m:r>
+                      <a:rPr lang="pl-PL" b="0" i="1" dirty="0" smtClean="0">
+                        <a:latin typeface="Cambria Math" panose="02040503050406030204" pitchFamily="18" charset="0"/>
+                      </a:rPr>
+                      <m:t>0</m:t>
+                    </m:r>
+                  </m:oMath>
+                </a14:m>
+                <a:r>
+                  <a:rPr lang="pl-PL" dirty="0" smtClean="0"/>
+                  <a:t>   </a:t>
+                </a:r>
+                <a14:m>
+                  <m:oMath xmlns:m="http://schemas.openxmlformats.org/officeDocument/2006/math">
+                    <m:r>
+                      <a:rPr lang="pl-PL" i="1">
+                        <a:latin typeface="Cambria Math" panose="02040503050406030204" pitchFamily="18" charset="0"/>
+                      </a:rPr>
+                      <m:t>𝑥</m:t>
+                    </m:r>
+                  </m:oMath>
+                </a14:m>
+                <a:r>
+                  <a:rPr lang="pl-PL" dirty="0"/>
+                  <a:t>   </a:t>
+                </a:r>
+                <a14:m>
+                  <m:oMath xmlns:m="http://schemas.openxmlformats.org/officeDocument/2006/math">
+                    <m:r>
+                      <a:rPr lang="pl-PL" i="1">
+                        <a:latin typeface="Cambria Math" panose="02040503050406030204" pitchFamily="18" charset="0"/>
+                      </a:rPr>
+                      <m:t>𝑥</m:t>
+                    </m:r>
+                  </m:oMath>
+                </a14:m>
+                <a:r>
+                  <a:rPr lang="pl-PL" dirty="0"/>
+                  <a:t>   </a:t>
+                </a:r>
+                <a14:m>
+                  <m:oMath xmlns:m="http://schemas.openxmlformats.org/officeDocument/2006/math">
+                    <m:r>
+                      <a:rPr lang="pl-PL" i="1">
+                        <a:latin typeface="Cambria Math" panose="02040503050406030204" pitchFamily="18" charset="0"/>
+                      </a:rPr>
+                      <m:t>𝑥</m:t>
+                    </m:r>
+                  </m:oMath>
+                </a14:m>
+                <a:endParaRPr lang="pl-PL" dirty="0"/>
+              </a:p>
+              <a:p>
+                <a14:m>
+                  <m:oMath xmlns:m="http://schemas.openxmlformats.org/officeDocument/2006/math">
+                    <m:r>
+                      <a:rPr lang="pl-PL" b="0" i="1" smtClean="0">
+                        <a:latin typeface="Cambria Math" panose="02040503050406030204" pitchFamily="18" charset="0"/>
+                      </a:rPr>
+                      <m:t>0</m:t>
+                    </m:r>
+                  </m:oMath>
+                </a14:m>
+                <a:r>
+                  <a:rPr lang="pl-PL" dirty="0" smtClean="0"/>
+                  <a:t>   </a:t>
+                </a:r>
+                <a14:m>
+                  <m:oMath xmlns:m="http://schemas.openxmlformats.org/officeDocument/2006/math">
+                    <m:r>
+                      <a:rPr lang="pl-PL" b="0" i="1" dirty="0" smtClean="0">
+                        <a:latin typeface="Cambria Math" panose="02040503050406030204" pitchFamily="18" charset="0"/>
+                      </a:rPr>
+                      <m:t>0</m:t>
+                    </m:r>
+                  </m:oMath>
+                </a14:m>
+                <a:r>
+                  <a:rPr lang="pl-PL" dirty="0" smtClean="0"/>
+                  <a:t>   </a:t>
+                </a:r>
+                <a14:m>
+                  <m:oMath xmlns:m="http://schemas.openxmlformats.org/officeDocument/2006/math">
+                    <m:r>
+                      <a:rPr lang="pl-PL" b="0" i="1" dirty="0" smtClean="0">
+                        <a:latin typeface="Cambria Math" panose="02040503050406030204" pitchFamily="18" charset="0"/>
+                      </a:rPr>
+                      <m:t>0</m:t>
+                    </m:r>
+                  </m:oMath>
+                </a14:m>
+                <a:r>
+                  <a:rPr lang="pl-PL" dirty="0" smtClean="0"/>
+                  <a:t>   </a:t>
+                </a:r>
+                <a14:m>
+                  <m:oMath xmlns:m="http://schemas.openxmlformats.org/officeDocument/2006/math">
+                    <m:r>
+                      <a:rPr lang="pl-PL" b="0" i="1" dirty="0" smtClean="0">
+                        <a:latin typeface="Cambria Math" panose="02040503050406030204" pitchFamily="18" charset="0"/>
+                      </a:rPr>
+                      <m:t>0</m:t>
+                    </m:r>
+                  </m:oMath>
+                </a14:m>
+                <a:r>
+                  <a:rPr lang="pl-PL" dirty="0" smtClean="0"/>
+                  <a:t>   </a:t>
+                </a:r>
+                <a14:m>
+                  <m:oMath xmlns:m="http://schemas.openxmlformats.org/officeDocument/2006/math">
+                    <m:r>
+                      <a:rPr lang="pl-PL" i="1">
+                        <a:latin typeface="Cambria Math" panose="02040503050406030204" pitchFamily="18" charset="0"/>
+                      </a:rPr>
+                      <m:t>𝑥</m:t>
+                    </m:r>
+                  </m:oMath>
+                </a14:m>
+                <a:r>
+                  <a:rPr lang="pl-PL" dirty="0"/>
+                  <a:t>   </a:t>
+                </a:r>
+                <a14:m>
+                  <m:oMath xmlns:m="http://schemas.openxmlformats.org/officeDocument/2006/math">
+                    <m:r>
+                      <a:rPr lang="pl-PL" i="1">
+                        <a:latin typeface="Cambria Math" panose="02040503050406030204" pitchFamily="18" charset="0"/>
+                      </a:rPr>
+                      <m:t>𝑥</m:t>
+                    </m:r>
+                  </m:oMath>
+                </a14:m>
+                <a:endParaRPr lang="pl-PL" dirty="0"/>
+              </a:p>
+            </p:txBody>
+          </p:sp>
+        </mc:Choice>
+        <mc:Fallback>
+          <p:sp>
+            <p:nvSpPr>
+              <p:cNvPr id="5" name="Prostokąt 4"/>
+              <p:cNvSpPr>
+                <a:spLocks noRot="1" noChangeAspect="1" noMove="1" noResize="1" noEditPoints="1" noAdjustHandles="1" noChangeArrowheads="1" noChangeShapeType="1" noTextEdit="1"/>
+              </p:cNvSpPr>
+              <p:nvPr/>
+            </p:nvSpPr>
+            <p:spPr>
+              <a:xfrm>
+                <a:off x="8038628" y="2132856"/>
+                <a:ext cx="1944216" cy="1754326"/>
+              </a:xfrm>
+              <a:prstGeom prst="rect">
+                <a:avLst/>
+              </a:prstGeom>
+              <a:blipFill>
+                <a:blip r:embed="rId4"/>
+                <a:stretch>
+                  <a:fillRect/>
+                </a:stretch>
+              </a:blipFill>
+            </p:spPr>
+            <p:txBody>
+              <a:bodyPr/>
+              <a:lstStyle/>
+              <a:p>
+                <a:r>
+                  <a:rPr lang="pl-PL">
+                    <a:noFill/>
+                  </a:rPr>
+                  <a:t> </a:t>
+                </a:r>
+              </a:p>
+            </p:txBody>
+          </p:sp>
+        </mc:Fallback>
+      </mc:AlternateContent>
+      <mc:AlternateContent xmlns:mc="http://schemas.openxmlformats.org/markup-compatibility/2006">
+        <mc:Choice xmlns:a14="http://schemas.microsoft.com/office/drawing/2010/main" Requires="a14">
+          <p:sp>
+            <p:nvSpPr>
+              <p:cNvPr id="6" name="Prostokąt 5"/>
+              <p:cNvSpPr/>
+              <p:nvPr/>
+            </p:nvSpPr>
+            <p:spPr>
+              <a:xfrm>
+                <a:off x="2566020" y="4581968"/>
+                <a:ext cx="1944216" cy="1754326"/>
+              </a:xfrm>
+              <a:prstGeom prst="rect">
+                <a:avLst/>
+              </a:prstGeom>
+            </p:spPr>
+            <p:txBody>
+              <a:bodyPr wrap="square">
+                <a:spAutoFit/>
+              </a:bodyPr>
+              <a:lstStyle/>
+              <a:p>
+                <a14:m>
+                  <m:oMath xmlns:m="http://schemas.openxmlformats.org/officeDocument/2006/math">
+                    <m:r>
+                      <a:rPr lang="pl-PL" i="1" smtClean="0">
+                        <a:latin typeface="Cambria Math" panose="02040503050406030204" pitchFamily="18" charset="0"/>
+                      </a:rPr>
+                      <m:t>𝑥</m:t>
+                    </m:r>
+                  </m:oMath>
+                </a14:m>
+                <a:r>
+                  <a:rPr lang="pl-PL" dirty="0" smtClean="0"/>
+                  <a:t>   </a:t>
+                </a:r>
+                <a14:m>
+                  <m:oMath xmlns:m="http://schemas.openxmlformats.org/officeDocument/2006/math">
+                    <m:r>
+                      <a:rPr lang="pl-PL" i="1">
+                        <a:latin typeface="Cambria Math" panose="02040503050406030204" pitchFamily="18" charset="0"/>
+                      </a:rPr>
+                      <m:t>𝑥</m:t>
+                    </m:r>
+                  </m:oMath>
+                </a14:m>
+                <a:r>
+                  <a:rPr lang="pl-PL" dirty="0" smtClean="0"/>
+                  <a:t>   </a:t>
+                </a:r>
+                <a14:m>
+                  <m:oMath xmlns:m="http://schemas.openxmlformats.org/officeDocument/2006/math">
+                    <m:r>
+                      <a:rPr lang="pl-PL" b="0" i="1" dirty="0" smtClean="0">
+                        <a:solidFill>
+                          <a:schemeClr val="tx1"/>
+                        </a:solidFill>
+                        <a:latin typeface="Cambria Math" panose="02040503050406030204" pitchFamily="18" charset="0"/>
+                      </a:rPr>
+                      <m:t>𝑥</m:t>
+                    </m:r>
+                  </m:oMath>
+                </a14:m>
+                <a:r>
+                  <a:rPr lang="pl-PL" dirty="0" smtClean="0"/>
+                  <a:t>   </a:t>
+                </a:r>
+                <a14:m>
+                  <m:oMath xmlns:m="http://schemas.openxmlformats.org/officeDocument/2006/math">
+                    <m:r>
+                      <a:rPr lang="pl-PL" b="0" i="1" dirty="0" smtClean="0">
+                        <a:latin typeface="Cambria Math" panose="02040503050406030204" pitchFamily="18" charset="0"/>
+                      </a:rPr>
+                      <m:t>0</m:t>
+                    </m:r>
+                  </m:oMath>
+                </a14:m>
+                <a:r>
+                  <a:rPr lang="pl-PL" dirty="0" smtClean="0"/>
+                  <a:t>   </a:t>
+                </a:r>
+                <a14:m>
+                  <m:oMath xmlns:m="http://schemas.openxmlformats.org/officeDocument/2006/math">
+                    <m:r>
+                      <a:rPr lang="pl-PL" b="0" i="1" dirty="0" smtClean="0">
+                        <a:latin typeface="Cambria Math" panose="02040503050406030204" pitchFamily="18" charset="0"/>
+                      </a:rPr>
+                      <m:t>0</m:t>
+                    </m:r>
+                  </m:oMath>
+                </a14:m>
+                <a:r>
+                  <a:rPr lang="pl-PL" dirty="0" smtClean="0"/>
+                  <a:t>   </a:t>
+                </a:r>
+                <a14:m>
+                  <m:oMath xmlns:m="http://schemas.openxmlformats.org/officeDocument/2006/math">
+                    <m:r>
+                      <a:rPr lang="pl-PL" b="0" i="1" dirty="0" smtClean="0">
+                        <a:latin typeface="Cambria Math" panose="02040503050406030204" pitchFamily="18" charset="0"/>
+                      </a:rPr>
+                      <m:t>0</m:t>
+                    </m:r>
+                  </m:oMath>
+                </a14:m>
+                <a:endParaRPr lang="pl-PL" dirty="0"/>
+              </a:p>
+              <a:p>
+                <a14:m>
+                  <m:oMath xmlns:m="http://schemas.openxmlformats.org/officeDocument/2006/math">
+                    <m:r>
+                      <a:rPr lang="pl-PL" b="0" i="1" smtClean="0">
+                        <a:solidFill>
+                          <a:schemeClr val="tx1"/>
+                        </a:solidFill>
+                        <a:latin typeface="Cambria Math" panose="02040503050406030204" pitchFamily="18" charset="0"/>
+                      </a:rPr>
+                      <m:t>0</m:t>
+                    </m:r>
+                  </m:oMath>
+                </a14:m>
+                <a:r>
+                  <a:rPr lang="pl-PL" dirty="0" smtClean="0"/>
+                  <a:t>   </a:t>
+                </a:r>
+                <a14:m>
+                  <m:oMath xmlns:m="http://schemas.openxmlformats.org/officeDocument/2006/math">
+                    <m:r>
+                      <a:rPr lang="pl-PL" i="1">
+                        <a:latin typeface="Cambria Math" panose="02040503050406030204" pitchFamily="18" charset="0"/>
+                      </a:rPr>
+                      <m:t>𝑥</m:t>
+                    </m:r>
+                  </m:oMath>
+                </a14:m>
+                <a:r>
+                  <a:rPr lang="pl-PL" dirty="0"/>
+                  <a:t>   </a:t>
+                </a:r>
+                <a14:m>
+                  <m:oMath xmlns:m="http://schemas.openxmlformats.org/officeDocument/2006/math">
+                    <m:r>
+                      <a:rPr lang="pl-PL" i="1">
+                        <a:latin typeface="Cambria Math" panose="02040503050406030204" pitchFamily="18" charset="0"/>
+                      </a:rPr>
+                      <m:t>𝑥</m:t>
+                    </m:r>
+                  </m:oMath>
+                </a14:m>
+                <a:r>
+                  <a:rPr lang="pl-PL" dirty="0"/>
+                  <a:t>   </a:t>
+                </a:r>
+                <a14:m>
+                  <m:oMath xmlns:m="http://schemas.openxmlformats.org/officeDocument/2006/math">
+                    <m:r>
+                      <a:rPr lang="pl-PL" b="0" i="1" dirty="0" smtClean="0">
+                        <a:latin typeface="Cambria Math" panose="02040503050406030204" pitchFamily="18" charset="0"/>
+                      </a:rPr>
+                      <m:t>𝑥</m:t>
+                    </m:r>
+                  </m:oMath>
+                </a14:m>
+                <a:r>
+                  <a:rPr lang="pl-PL" dirty="0" smtClean="0"/>
+                  <a:t>   </a:t>
+                </a:r>
+                <a14:m>
+                  <m:oMath xmlns:m="http://schemas.openxmlformats.org/officeDocument/2006/math">
+                    <m:r>
+                      <a:rPr lang="pl-PL" i="1" dirty="0">
+                        <a:latin typeface="Cambria Math" panose="02040503050406030204" pitchFamily="18" charset="0"/>
+                      </a:rPr>
+                      <m:t>0</m:t>
+                    </m:r>
+                  </m:oMath>
+                </a14:m>
+                <a:r>
+                  <a:rPr lang="pl-PL" dirty="0"/>
+                  <a:t>   </a:t>
+                </a:r>
+                <a14:m>
+                  <m:oMath xmlns:m="http://schemas.openxmlformats.org/officeDocument/2006/math">
+                    <m:r>
+                      <a:rPr lang="pl-PL" i="1" dirty="0">
+                        <a:latin typeface="Cambria Math" panose="02040503050406030204" pitchFamily="18" charset="0"/>
+                      </a:rPr>
+                      <m:t>0</m:t>
+                    </m:r>
+                  </m:oMath>
+                </a14:m>
+                <a:endParaRPr lang="pl-PL" dirty="0"/>
+              </a:p>
+              <a:p>
+                <a14:m>
+                  <m:oMath xmlns:m="http://schemas.openxmlformats.org/officeDocument/2006/math">
+                    <m:r>
+                      <a:rPr lang="pl-PL" b="0" i="1" smtClean="0">
+                        <a:latin typeface="Cambria Math" panose="02040503050406030204" pitchFamily="18" charset="0"/>
+                      </a:rPr>
+                      <m:t>0</m:t>
+                    </m:r>
+                  </m:oMath>
+                </a14:m>
+                <a:r>
+                  <a:rPr lang="pl-PL" dirty="0" smtClean="0"/>
+                  <a:t>   </a:t>
+                </a:r>
+                <a14:m>
+                  <m:oMath xmlns:m="http://schemas.openxmlformats.org/officeDocument/2006/math">
+                    <m:r>
+                      <a:rPr lang="pl-PL" b="0" i="1" dirty="0" smtClean="0">
+                        <a:latin typeface="Cambria Math" panose="02040503050406030204" pitchFamily="18" charset="0"/>
+                      </a:rPr>
+                      <m:t>0</m:t>
+                    </m:r>
+                  </m:oMath>
+                </a14:m>
+                <a:r>
+                  <a:rPr lang="pl-PL" dirty="0" smtClean="0"/>
+                  <a:t>   </a:t>
+                </a:r>
+                <a14:m>
+                  <m:oMath xmlns:m="http://schemas.openxmlformats.org/officeDocument/2006/math">
+                    <m:r>
+                      <a:rPr lang="pl-PL" i="1">
+                        <a:latin typeface="Cambria Math" panose="02040503050406030204" pitchFamily="18" charset="0"/>
+                      </a:rPr>
+                      <m:t>𝑥</m:t>
+                    </m:r>
+                  </m:oMath>
+                </a14:m>
+                <a:r>
+                  <a:rPr lang="pl-PL" dirty="0"/>
+                  <a:t>   </a:t>
+                </a:r>
+                <a14:m>
+                  <m:oMath xmlns:m="http://schemas.openxmlformats.org/officeDocument/2006/math">
+                    <m:r>
+                      <a:rPr lang="pl-PL" i="1">
+                        <a:latin typeface="Cambria Math" panose="02040503050406030204" pitchFamily="18" charset="0"/>
+                      </a:rPr>
+                      <m:t>𝑥</m:t>
+                    </m:r>
+                  </m:oMath>
+                </a14:m>
+                <a:r>
+                  <a:rPr lang="pl-PL" dirty="0" smtClean="0"/>
+                  <a:t>   </a:t>
+                </a:r>
+                <a14:m>
+                  <m:oMath xmlns:m="http://schemas.openxmlformats.org/officeDocument/2006/math">
+                    <m:r>
+                      <a:rPr lang="pl-PL" b="0" i="1" dirty="0" smtClean="0">
+                        <a:solidFill>
+                          <a:srgbClr val="FF0000"/>
+                        </a:solidFill>
+                        <a:latin typeface="Cambria Math" panose="02040503050406030204" pitchFamily="18" charset="0"/>
+                      </a:rPr>
+                      <m:t>𝑥</m:t>
+                    </m:r>
+                  </m:oMath>
+                </a14:m>
+                <a:r>
+                  <a:rPr lang="pl-PL" dirty="0" smtClean="0"/>
+                  <a:t>   </a:t>
+                </a:r>
+                <a14:m>
+                  <m:oMath xmlns:m="http://schemas.openxmlformats.org/officeDocument/2006/math">
+                    <m:r>
+                      <a:rPr lang="pl-PL" b="0" i="1" dirty="0" smtClean="0">
+                        <a:latin typeface="Cambria Math" panose="02040503050406030204" pitchFamily="18" charset="0"/>
+                      </a:rPr>
+                      <m:t>0</m:t>
+                    </m:r>
+                  </m:oMath>
+                </a14:m>
+                <a:endParaRPr lang="pl-PL" dirty="0"/>
+              </a:p>
+              <a:p>
+                <a14:m>
+                  <m:oMath xmlns:m="http://schemas.openxmlformats.org/officeDocument/2006/math">
+                    <m:r>
+                      <a:rPr lang="pl-PL" b="0" i="1" smtClean="0">
+                        <a:latin typeface="Cambria Math" panose="02040503050406030204" pitchFamily="18" charset="0"/>
+                      </a:rPr>
+                      <m:t>0</m:t>
+                    </m:r>
+                  </m:oMath>
+                </a14:m>
+                <a:r>
+                  <a:rPr lang="pl-PL" dirty="0" smtClean="0"/>
+                  <a:t>   </a:t>
+                </a:r>
+                <a14:m>
+                  <m:oMath xmlns:m="http://schemas.openxmlformats.org/officeDocument/2006/math">
+                    <m:r>
+                      <a:rPr lang="pl-PL" b="0" i="1" dirty="0" smtClean="0">
+                        <a:latin typeface="Cambria Math" panose="02040503050406030204" pitchFamily="18" charset="0"/>
+                      </a:rPr>
+                      <m:t>0</m:t>
+                    </m:r>
+                  </m:oMath>
+                </a14:m>
+                <a:r>
+                  <a:rPr lang="pl-PL" dirty="0" smtClean="0"/>
+                  <a:t>   </a:t>
+                </a:r>
+                <a14:m>
+                  <m:oMath xmlns:m="http://schemas.openxmlformats.org/officeDocument/2006/math">
+                    <m:r>
+                      <a:rPr lang="pl-PL" b="0" i="1" dirty="0" smtClean="0">
+                        <a:solidFill>
+                          <a:srgbClr val="FF0000"/>
+                        </a:solidFill>
+                        <a:latin typeface="Cambria Math" panose="02040503050406030204" pitchFamily="18" charset="0"/>
+                      </a:rPr>
+                      <m:t>0</m:t>
+                    </m:r>
+                  </m:oMath>
+                </a14:m>
+                <a:r>
+                  <a:rPr lang="pl-PL" dirty="0" smtClean="0"/>
+                  <a:t>   </a:t>
+                </a:r>
+                <a14:m>
+                  <m:oMath xmlns:m="http://schemas.openxmlformats.org/officeDocument/2006/math">
+                    <m:r>
+                      <a:rPr lang="pl-PL" i="1">
+                        <a:latin typeface="Cambria Math" panose="02040503050406030204" pitchFamily="18" charset="0"/>
+                      </a:rPr>
+                      <m:t>𝑥</m:t>
+                    </m:r>
+                  </m:oMath>
+                </a14:m>
+                <a:r>
+                  <a:rPr lang="pl-PL" dirty="0"/>
+                  <a:t>   </a:t>
+                </a:r>
+                <a14:m>
+                  <m:oMath xmlns:m="http://schemas.openxmlformats.org/officeDocument/2006/math">
+                    <m:r>
+                      <a:rPr lang="pl-PL" i="1">
+                        <a:latin typeface="Cambria Math" panose="02040503050406030204" pitchFamily="18" charset="0"/>
+                      </a:rPr>
+                      <m:t>𝑥</m:t>
+                    </m:r>
+                  </m:oMath>
+                </a14:m>
+                <a:r>
+                  <a:rPr lang="pl-PL" dirty="0"/>
+                  <a:t>   </a:t>
+                </a:r>
+                <a14:m>
+                  <m:oMath xmlns:m="http://schemas.openxmlformats.org/officeDocument/2006/math">
+                    <m:r>
+                      <a:rPr lang="pl-PL" b="0" i="1" dirty="0" smtClean="0">
+                        <a:latin typeface="Cambria Math" panose="02040503050406030204" pitchFamily="18" charset="0"/>
+                      </a:rPr>
+                      <m:t>0</m:t>
+                    </m:r>
+                  </m:oMath>
+                </a14:m>
+                <a:endParaRPr lang="pl-PL" dirty="0"/>
+              </a:p>
+              <a:p>
+                <a14:m>
+                  <m:oMath xmlns:m="http://schemas.openxmlformats.org/officeDocument/2006/math">
+                    <m:r>
+                      <a:rPr lang="pl-PL" b="0" i="1" smtClean="0">
+                        <a:latin typeface="Cambria Math" panose="02040503050406030204" pitchFamily="18" charset="0"/>
+                      </a:rPr>
+                      <m:t>0</m:t>
+                    </m:r>
+                  </m:oMath>
+                </a14:m>
+                <a:r>
+                  <a:rPr lang="pl-PL" dirty="0" smtClean="0"/>
+                  <a:t>   </a:t>
+                </a:r>
+                <a14:m>
+                  <m:oMath xmlns:m="http://schemas.openxmlformats.org/officeDocument/2006/math">
+                    <m:r>
+                      <a:rPr lang="pl-PL" b="0" i="1" dirty="0" smtClean="0">
+                        <a:latin typeface="Cambria Math" panose="02040503050406030204" pitchFamily="18" charset="0"/>
+                      </a:rPr>
+                      <m:t>0</m:t>
+                    </m:r>
+                  </m:oMath>
+                </a14:m>
+                <a:r>
+                  <a:rPr lang="pl-PL" dirty="0" smtClean="0"/>
+                  <a:t>   </a:t>
+                </a:r>
+                <a14:m>
+                  <m:oMath xmlns:m="http://schemas.openxmlformats.org/officeDocument/2006/math">
+                    <m:r>
+                      <a:rPr lang="pl-PL" b="0" i="1" dirty="0" smtClean="0">
+                        <a:latin typeface="Cambria Math" panose="02040503050406030204" pitchFamily="18" charset="0"/>
+                      </a:rPr>
+                      <m:t>0</m:t>
+                    </m:r>
+                  </m:oMath>
+                </a14:m>
+                <a:r>
+                  <a:rPr lang="pl-PL" dirty="0" smtClean="0"/>
+                  <a:t>   </a:t>
+                </a:r>
+                <a14:m>
+                  <m:oMath xmlns:m="http://schemas.openxmlformats.org/officeDocument/2006/math">
+                    <m:r>
+                      <a:rPr lang="pl-PL" i="1">
+                        <a:latin typeface="Cambria Math" panose="02040503050406030204" pitchFamily="18" charset="0"/>
+                      </a:rPr>
+                      <m:t>𝑥</m:t>
+                    </m:r>
+                  </m:oMath>
+                </a14:m>
+                <a:r>
+                  <a:rPr lang="pl-PL" dirty="0"/>
+                  <a:t>   </a:t>
+                </a:r>
+                <a14:m>
+                  <m:oMath xmlns:m="http://schemas.openxmlformats.org/officeDocument/2006/math">
+                    <m:r>
+                      <a:rPr lang="pl-PL" i="1">
+                        <a:latin typeface="Cambria Math" panose="02040503050406030204" pitchFamily="18" charset="0"/>
+                      </a:rPr>
+                      <m:t>𝑥</m:t>
+                    </m:r>
+                  </m:oMath>
+                </a14:m>
+                <a:r>
+                  <a:rPr lang="pl-PL" dirty="0"/>
+                  <a:t>   </a:t>
+                </a:r>
+                <a14:m>
+                  <m:oMath xmlns:m="http://schemas.openxmlformats.org/officeDocument/2006/math">
+                    <m:r>
+                      <a:rPr lang="pl-PL" i="1">
+                        <a:latin typeface="Cambria Math" panose="02040503050406030204" pitchFamily="18" charset="0"/>
+                      </a:rPr>
+                      <m:t>𝑥</m:t>
+                    </m:r>
+                  </m:oMath>
+                </a14:m>
+                <a:endParaRPr lang="pl-PL" dirty="0"/>
+              </a:p>
+              <a:p>
+                <a14:m>
+                  <m:oMath xmlns:m="http://schemas.openxmlformats.org/officeDocument/2006/math">
+                    <m:r>
+                      <a:rPr lang="pl-PL" b="0" i="1" smtClean="0">
+                        <a:latin typeface="Cambria Math" panose="02040503050406030204" pitchFamily="18" charset="0"/>
+                      </a:rPr>
+                      <m:t>0</m:t>
+                    </m:r>
+                  </m:oMath>
+                </a14:m>
+                <a:r>
+                  <a:rPr lang="pl-PL" dirty="0" smtClean="0"/>
+                  <a:t>   </a:t>
+                </a:r>
+                <a14:m>
+                  <m:oMath xmlns:m="http://schemas.openxmlformats.org/officeDocument/2006/math">
+                    <m:r>
+                      <a:rPr lang="pl-PL" b="0" i="1" dirty="0" smtClean="0">
+                        <a:latin typeface="Cambria Math" panose="02040503050406030204" pitchFamily="18" charset="0"/>
+                      </a:rPr>
+                      <m:t>0</m:t>
+                    </m:r>
+                  </m:oMath>
+                </a14:m>
+                <a:r>
+                  <a:rPr lang="pl-PL" dirty="0" smtClean="0"/>
+                  <a:t>   </a:t>
+                </a:r>
+                <a14:m>
+                  <m:oMath xmlns:m="http://schemas.openxmlformats.org/officeDocument/2006/math">
+                    <m:r>
+                      <a:rPr lang="pl-PL" b="0" i="1" dirty="0" smtClean="0">
+                        <a:latin typeface="Cambria Math" panose="02040503050406030204" pitchFamily="18" charset="0"/>
+                      </a:rPr>
+                      <m:t>0</m:t>
+                    </m:r>
+                  </m:oMath>
+                </a14:m>
+                <a:r>
+                  <a:rPr lang="pl-PL" dirty="0" smtClean="0"/>
+                  <a:t>   </a:t>
+                </a:r>
+                <a14:m>
+                  <m:oMath xmlns:m="http://schemas.openxmlformats.org/officeDocument/2006/math">
+                    <m:r>
+                      <a:rPr lang="pl-PL" b="0" i="1" dirty="0" smtClean="0">
+                        <a:latin typeface="Cambria Math" panose="02040503050406030204" pitchFamily="18" charset="0"/>
+                      </a:rPr>
+                      <m:t>0</m:t>
+                    </m:r>
+                  </m:oMath>
+                </a14:m>
+                <a:r>
+                  <a:rPr lang="pl-PL" dirty="0" smtClean="0"/>
+                  <a:t>   </a:t>
+                </a:r>
+                <a14:m>
+                  <m:oMath xmlns:m="http://schemas.openxmlformats.org/officeDocument/2006/math">
+                    <m:r>
+                      <a:rPr lang="pl-PL" i="1">
+                        <a:latin typeface="Cambria Math" panose="02040503050406030204" pitchFamily="18" charset="0"/>
+                      </a:rPr>
+                      <m:t>𝑥</m:t>
+                    </m:r>
+                  </m:oMath>
+                </a14:m>
+                <a:r>
+                  <a:rPr lang="pl-PL" dirty="0"/>
+                  <a:t>   </a:t>
+                </a:r>
+                <a14:m>
+                  <m:oMath xmlns:m="http://schemas.openxmlformats.org/officeDocument/2006/math">
+                    <m:r>
+                      <a:rPr lang="pl-PL" i="1">
+                        <a:latin typeface="Cambria Math" panose="02040503050406030204" pitchFamily="18" charset="0"/>
+                      </a:rPr>
+                      <m:t>𝑥</m:t>
+                    </m:r>
+                  </m:oMath>
+                </a14:m>
+                <a:endParaRPr lang="pl-PL" dirty="0"/>
+              </a:p>
+            </p:txBody>
+          </p:sp>
+        </mc:Choice>
+        <mc:Fallback>
+          <p:sp>
+            <p:nvSpPr>
+              <p:cNvPr id="6" name="Prostokąt 5"/>
+              <p:cNvSpPr>
+                <a:spLocks noRot="1" noChangeAspect="1" noMove="1" noResize="1" noEditPoints="1" noAdjustHandles="1" noChangeArrowheads="1" noChangeShapeType="1" noTextEdit="1"/>
+              </p:cNvSpPr>
+              <p:nvPr/>
+            </p:nvSpPr>
+            <p:spPr>
+              <a:xfrm>
+                <a:off x="2566020" y="4581968"/>
+                <a:ext cx="1944216" cy="1754326"/>
+              </a:xfrm>
+              <a:prstGeom prst="rect">
+                <a:avLst/>
+              </a:prstGeom>
+              <a:blipFill>
+                <a:blip r:embed="rId5"/>
+                <a:stretch>
+                  <a:fillRect/>
+                </a:stretch>
+              </a:blipFill>
+            </p:spPr>
+            <p:txBody>
+              <a:bodyPr/>
+              <a:lstStyle/>
+              <a:p>
+                <a:r>
+                  <a:rPr lang="pl-PL">
+                    <a:noFill/>
+                  </a:rPr>
+                  <a:t> </a:t>
+                </a:r>
+              </a:p>
+            </p:txBody>
+          </p:sp>
+        </mc:Fallback>
+      </mc:AlternateContent>
+      <mc:AlternateContent xmlns:mc="http://schemas.openxmlformats.org/markup-compatibility/2006">
+        <mc:Choice xmlns:a14="http://schemas.microsoft.com/office/drawing/2010/main" Requires="a14">
+          <p:sp>
+            <p:nvSpPr>
+              <p:cNvPr id="7" name="Prostokąt 6"/>
+              <p:cNvSpPr/>
+              <p:nvPr/>
+            </p:nvSpPr>
+            <p:spPr>
+              <a:xfrm>
+                <a:off x="5302324" y="4576823"/>
+                <a:ext cx="1944216" cy="1754326"/>
+              </a:xfrm>
+              <a:prstGeom prst="rect">
+                <a:avLst/>
+              </a:prstGeom>
+            </p:spPr>
+            <p:txBody>
+              <a:bodyPr wrap="square">
+                <a:spAutoFit/>
+              </a:bodyPr>
+              <a:lstStyle/>
+              <a:p>
+                <a14:m>
+                  <m:oMath xmlns:m="http://schemas.openxmlformats.org/officeDocument/2006/math">
+                    <m:r>
+                      <a:rPr lang="pl-PL" i="1" smtClean="0">
+                        <a:latin typeface="Cambria Math" panose="02040503050406030204" pitchFamily="18" charset="0"/>
+                      </a:rPr>
+                      <m:t>𝑥</m:t>
+                    </m:r>
+                  </m:oMath>
+                </a14:m>
+                <a:r>
+                  <a:rPr lang="pl-PL" dirty="0" smtClean="0"/>
+                  <a:t>   </a:t>
+                </a:r>
+                <a14:m>
+                  <m:oMath xmlns:m="http://schemas.openxmlformats.org/officeDocument/2006/math">
+                    <m:r>
+                      <a:rPr lang="pl-PL" i="1">
+                        <a:latin typeface="Cambria Math" panose="02040503050406030204" pitchFamily="18" charset="0"/>
+                      </a:rPr>
+                      <m:t>𝑥</m:t>
+                    </m:r>
+                  </m:oMath>
+                </a14:m>
+                <a:r>
+                  <a:rPr lang="pl-PL" dirty="0" smtClean="0"/>
+                  <a:t>   </a:t>
+                </a:r>
+                <a14:m>
+                  <m:oMath xmlns:m="http://schemas.openxmlformats.org/officeDocument/2006/math">
+                    <m:r>
+                      <a:rPr lang="pl-PL" b="0" i="1" dirty="0" smtClean="0">
+                        <a:solidFill>
+                          <a:schemeClr val="tx1"/>
+                        </a:solidFill>
+                        <a:latin typeface="Cambria Math" panose="02040503050406030204" pitchFamily="18" charset="0"/>
+                      </a:rPr>
+                      <m:t>𝑥</m:t>
+                    </m:r>
+                  </m:oMath>
+                </a14:m>
+                <a:r>
+                  <a:rPr lang="pl-PL" dirty="0" smtClean="0"/>
+                  <a:t>   </a:t>
+                </a:r>
+                <a14:m>
+                  <m:oMath xmlns:m="http://schemas.openxmlformats.org/officeDocument/2006/math">
+                    <m:r>
+                      <a:rPr lang="pl-PL" b="0" i="1" dirty="0" smtClean="0">
+                        <a:latin typeface="Cambria Math" panose="02040503050406030204" pitchFamily="18" charset="0"/>
+                      </a:rPr>
+                      <m:t>0</m:t>
+                    </m:r>
+                  </m:oMath>
+                </a14:m>
+                <a:r>
+                  <a:rPr lang="pl-PL" dirty="0" smtClean="0"/>
+                  <a:t>   </a:t>
+                </a:r>
+                <a14:m>
+                  <m:oMath xmlns:m="http://schemas.openxmlformats.org/officeDocument/2006/math">
+                    <m:r>
+                      <a:rPr lang="pl-PL" b="0" i="1" dirty="0" smtClean="0">
+                        <a:latin typeface="Cambria Math" panose="02040503050406030204" pitchFamily="18" charset="0"/>
+                      </a:rPr>
+                      <m:t>0</m:t>
+                    </m:r>
+                  </m:oMath>
+                </a14:m>
+                <a:r>
+                  <a:rPr lang="pl-PL" dirty="0" smtClean="0"/>
+                  <a:t>   </a:t>
+                </a:r>
+                <a14:m>
+                  <m:oMath xmlns:m="http://schemas.openxmlformats.org/officeDocument/2006/math">
+                    <m:r>
+                      <a:rPr lang="pl-PL" b="0" i="1" dirty="0" smtClean="0">
+                        <a:latin typeface="Cambria Math" panose="02040503050406030204" pitchFamily="18" charset="0"/>
+                      </a:rPr>
+                      <m:t>0</m:t>
+                    </m:r>
+                  </m:oMath>
+                </a14:m>
+                <a:endParaRPr lang="pl-PL" dirty="0"/>
+              </a:p>
+              <a:p>
+                <a14:m>
+                  <m:oMath xmlns:m="http://schemas.openxmlformats.org/officeDocument/2006/math">
+                    <m:r>
+                      <a:rPr lang="pl-PL" b="0" i="1" smtClean="0">
+                        <a:solidFill>
+                          <a:schemeClr val="tx1"/>
+                        </a:solidFill>
+                        <a:latin typeface="Cambria Math" panose="02040503050406030204" pitchFamily="18" charset="0"/>
+                      </a:rPr>
+                      <m:t>0</m:t>
+                    </m:r>
+                  </m:oMath>
+                </a14:m>
+                <a:r>
+                  <a:rPr lang="pl-PL" dirty="0" smtClean="0"/>
+                  <a:t>   </a:t>
+                </a:r>
+                <a14:m>
+                  <m:oMath xmlns:m="http://schemas.openxmlformats.org/officeDocument/2006/math">
+                    <m:r>
+                      <a:rPr lang="pl-PL" i="1">
+                        <a:latin typeface="Cambria Math" panose="02040503050406030204" pitchFamily="18" charset="0"/>
+                      </a:rPr>
+                      <m:t>𝑥</m:t>
+                    </m:r>
+                  </m:oMath>
+                </a14:m>
+                <a:r>
+                  <a:rPr lang="pl-PL" dirty="0"/>
+                  <a:t>   </a:t>
+                </a:r>
+                <a14:m>
+                  <m:oMath xmlns:m="http://schemas.openxmlformats.org/officeDocument/2006/math">
+                    <m:r>
+                      <a:rPr lang="pl-PL" i="1">
+                        <a:latin typeface="Cambria Math" panose="02040503050406030204" pitchFamily="18" charset="0"/>
+                      </a:rPr>
+                      <m:t>𝑥</m:t>
+                    </m:r>
+                  </m:oMath>
+                </a14:m>
+                <a:r>
+                  <a:rPr lang="pl-PL" dirty="0"/>
+                  <a:t>   </a:t>
+                </a:r>
+                <a14:m>
+                  <m:oMath xmlns:m="http://schemas.openxmlformats.org/officeDocument/2006/math">
+                    <m:r>
+                      <a:rPr lang="pl-PL" b="0" i="1" dirty="0" smtClean="0">
+                        <a:latin typeface="Cambria Math" panose="02040503050406030204" pitchFamily="18" charset="0"/>
+                      </a:rPr>
+                      <m:t>𝑥</m:t>
+                    </m:r>
+                  </m:oMath>
+                </a14:m>
+                <a:r>
+                  <a:rPr lang="pl-PL" dirty="0" smtClean="0"/>
+                  <a:t>   </a:t>
+                </a:r>
+                <a14:m>
+                  <m:oMath xmlns:m="http://schemas.openxmlformats.org/officeDocument/2006/math">
+                    <m:r>
+                      <a:rPr lang="pl-PL" i="1" dirty="0">
+                        <a:latin typeface="Cambria Math" panose="02040503050406030204" pitchFamily="18" charset="0"/>
+                      </a:rPr>
+                      <m:t>0</m:t>
+                    </m:r>
+                  </m:oMath>
+                </a14:m>
+                <a:r>
+                  <a:rPr lang="pl-PL" dirty="0"/>
+                  <a:t>   </a:t>
+                </a:r>
+                <a14:m>
+                  <m:oMath xmlns:m="http://schemas.openxmlformats.org/officeDocument/2006/math">
+                    <m:r>
+                      <a:rPr lang="pl-PL" i="1" dirty="0">
+                        <a:latin typeface="Cambria Math" panose="02040503050406030204" pitchFamily="18" charset="0"/>
+                      </a:rPr>
+                      <m:t>0</m:t>
+                    </m:r>
+                  </m:oMath>
+                </a14:m>
+                <a:endParaRPr lang="pl-PL" dirty="0"/>
+              </a:p>
+              <a:p>
+                <a14:m>
+                  <m:oMath xmlns:m="http://schemas.openxmlformats.org/officeDocument/2006/math">
+                    <m:r>
+                      <a:rPr lang="pl-PL" b="0" i="1" smtClean="0">
+                        <a:latin typeface="Cambria Math" panose="02040503050406030204" pitchFamily="18" charset="0"/>
+                      </a:rPr>
+                      <m:t>0</m:t>
+                    </m:r>
+                  </m:oMath>
+                </a14:m>
+                <a:r>
+                  <a:rPr lang="pl-PL" dirty="0" smtClean="0"/>
+                  <a:t>   </a:t>
+                </a:r>
+                <a14:m>
+                  <m:oMath xmlns:m="http://schemas.openxmlformats.org/officeDocument/2006/math">
+                    <m:r>
+                      <a:rPr lang="pl-PL" b="0" i="1" dirty="0" smtClean="0">
+                        <a:latin typeface="Cambria Math" panose="02040503050406030204" pitchFamily="18" charset="0"/>
+                      </a:rPr>
+                      <m:t>0</m:t>
+                    </m:r>
+                  </m:oMath>
+                </a14:m>
+                <a:r>
+                  <a:rPr lang="pl-PL" dirty="0" smtClean="0"/>
+                  <a:t>   </a:t>
+                </a:r>
+                <a14:m>
+                  <m:oMath xmlns:m="http://schemas.openxmlformats.org/officeDocument/2006/math">
+                    <m:r>
+                      <a:rPr lang="pl-PL" i="1">
+                        <a:latin typeface="Cambria Math" panose="02040503050406030204" pitchFamily="18" charset="0"/>
+                      </a:rPr>
+                      <m:t>𝑥</m:t>
+                    </m:r>
+                  </m:oMath>
+                </a14:m>
+                <a:r>
+                  <a:rPr lang="pl-PL" dirty="0"/>
+                  <a:t>   </a:t>
+                </a:r>
+                <a14:m>
+                  <m:oMath xmlns:m="http://schemas.openxmlformats.org/officeDocument/2006/math">
+                    <m:r>
+                      <a:rPr lang="pl-PL" i="1">
+                        <a:latin typeface="Cambria Math" panose="02040503050406030204" pitchFamily="18" charset="0"/>
+                      </a:rPr>
+                      <m:t>𝑥</m:t>
+                    </m:r>
+                  </m:oMath>
+                </a14:m>
+                <a:r>
+                  <a:rPr lang="pl-PL" dirty="0" smtClean="0"/>
+                  <a:t>   </a:t>
+                </a:r>
+                <a14:m>
+                  <m:oMath xmlns:m="http://schemas.openxmlformats.org/officeDocument/2006/math">
+                    <m:r>
+                      <a:rPr lang="pl-PL" b="0" i="1" dirty="0" smtClean="0">
+                        <a:latin typeface="Cambria Math" panose="02040503050406030204" pitchFamily="18" charset="0"/>
+                      </a:rPr>
+                      <m:t>𝑥</m:t>
+                    </m:r>
+                  </m:oMath>
+                </a14:m>
+                <a:r>
+                  <a:rPr lang="pl-PL" dirty="0" smtClean="0"/>
+                  <a:t>   </a:t>
+                </a:r>
+                <a14:m>
+                  <m:oMath xmlns:m="http://schemas.openxmlformats.org/officeDocument/2006/math">
+                    <m:r>
+                      <a:rPr lang="pl-PL" b="0" i="1" dirty="0" smtClean="0">
+                        <a:latin typeface="Cambria Math" panose="02040503050406030204" pitchFamily="18" charset="0"/>
+                      </a:rPr>
+                      <m:t>0</m:t>
+                    </m:r>
+                  </m:oMath>
+                </a14:m>
+                <a:endParaRPr lang="pl-PL" dirty="0"/>
+              </a:p>
+              <a:p>
+                <a14:m>
+                  <m:oMath xmlns:m="http://schemas.openxmlformats.org/officeDocument/2006/math">
+                    <m:r>
+                      <a:rPr lang="pl-PL" b="0" i="1" smtClean="0">
+                        <a:latin typeface="Cambria Math" panose="02040503050406030204" pitchFamily="18" charset="0"/>
+                      </a:rPr>
+                      <m:t>0</m:t>
+                    </m:r>
+                  </m:oMath>
+                </a14:m>
+                <a:r>
+                  <a:rPr lang="pl-PL" dirty="0" smtClean="0"/>
+                  <a:t>   </a:t>
+                </a:r>
+                <a14:m>
+                  <m:oMath xmlns:m="http://schemas.openxmlformats.org/officeDocument/2006/math">
+                    <m:r>
+                      <a:rPr lang="pl-PL" b="0" i="1" dirty="0" smtClean="0">
+                        <a:latin typeface="Cambria Math" panose="02040503050406030204" pitchFamily="18" charset="0"/>
+                      </a:rPr>
+                      <m:t>0</m:t>
+                    </m:r>
+                  </m:oMath>
+                </a14:m>
+                <a:r>
+                  <a:rPr lang="pl-PL" dirty="0" smtClean="0"/>
+                  <a:t>   </a:t>
+                </a:r>
+                <a14:m>
+                  <m:oMath xmlns:m="http://schemas.openxmlformats.org/officeDocument/2006/math">
+                    <m:r>
+                      <a:rPr lang="pl-PL" b="0" i="1" dirty="0" smtClean="0">
+                        <a:latin typeface="Cambria Math" panose="02040503050406030204" pitchFamily="18" charset="0"/>
+                      </a:rPr>
+                      <m:t>0</m:t>
+                    </m:r>
+                  </m:oMath>
+                </a14:m>
+                <a:r>
+                  <a:rPr lang="pl-PL" dirty="0" smtClean="0"/>
+                  <a:t>   </a:t>
+                </a:r>
+                <a14:m>
+                  <m:oMath xmlns:m="http://schemas.openxmlformats.org/officeDocument/2006/math">
+                    <m:r>
+                      <a:rPr lang="pl-PL" i="1">
+                        <a:latin typeface="Cambria Math" panose="02040503050406030204" pitchFamily="18" charset="0"/>
+                      </a:rPr>
+                      <m:t>𝑥</m:t>
+                    </m:r>
+                  </m:oMath>
+                </a14:m>
+                <a:r>
+                  <a:rPr lang="pl-PL" dirty="0"/>
+                  <a:t>   </a:t>
+                </a:r>
+                <a14:m>
+                  <m:oMath xmlns:m="http://schemas.openxmlformats.org/officeDocument/2006/math">
+                    <m:r>
+                      <a:rPr lang="pl-PL" i="1">
+                        <a:latin typeface="Cambria Math" panose="02040503050406030204" pitchFamily="18" charset="0"/>
+                      </a:rPr>
+                      <m:t>𝑥</m:t>
+                    </m:r>
+                  </m:oMath>
+                </a14:m>
+                <a:r>
+                  <a:rPr lang="pl-PL" dirty="0"/>
+                  <a:t>   </a:t>
+                </a:r>
+                <a14:m>
+                  <m:oMath xmlns:m="http://schemas.openxmlformats.org/officeDocument/2006/math">
+                    <m:r>
+                      <a:rPr lang="pl-PL" b="0" i="1" dirty="0" smtClean="0">
+                        <a:solidFill>
+                          <a:srgbClr val="FF0000"/>
+                        </a:solidFill>
+                        <a:latin typeface="Cambria Math" panose="02040503050406030204" pitchFamily="18" charset="0"/>
+                      </a:rPr>
+                      <m:t>𝑥</m:t>
+                    </m:r>
+                  </m:oMath>
+                </a14:m>
+                <a:endParaRPr lang="pl-PL" dirty="0">
+                  <a:solidFill>
+                    <a:srgbClr val="FF0000"/>
+                  </a:solidFill>
+                </a:endParaRPr>
+              </a:p>
+              <a:p>
+                <a14:m>
+                  <m:oMath xmlns:m="http://schemas.openxmlformats.org/officeDocument/2006/math">
+                    <m:r>
+                      <a:rPr lang="pl-PL" b="0" i="1" smtClean="0">
+                        <a:latin typeface="Cambria Math" panose="02040503050406030204" pitchFamily="18" charset="0"/>
+                      </a:rPr>
+                      <m:t>0</m:t>
+                    </m:r>
+                  </m:oMath>
+                </a14:m>
+                <a:r>
+                  <a:rPr lang="pl-PL" dirty="0" smtClean="0"/>
+                  <a:t>   </a:t>
+                </a:r>
+                <a14:m>
+                  <m:oMath xmlns:m="http://schemas.openxmlformats.org/officeDocument/2006/math">
+                    <m:r>
+                      <a:rPr lang="pl-PL" b="0" i="1" dirty="0" smtClean="0">
+                        <a:latin typeface="Cambria Math" panose="02040503050406030204" pitchFamily="18" charset="0"/>
+                      </a:rPr>
+                      <m:t>0</m:t>
+                    </m:r>
+                  </m:oMath>
+                </a14:m>
+                <a:r>
+                  <a:rPr lang="pl-PL" dirty="0" smtClean="0"/>
+                  <a:t>   </a:t>
+                </a:r>
+                <a14:m>
+                  <m:oMath xmlns:m="http://schemas.openxmlformats.org/officeDocument/2006/math">
+                    <m:r>
+                      <a:rPr lang="pl-PL" b="0" i="1" dirty="0" smtClean="0">
+                        <a:latin typeface="Cambria Math" panose="02040503050406030204" pitchFamily="18" charset="0"/>
+                      </a:rPr>
+                      <m:t>0</m:t>
+                    </m:r>
+                  </m:oMath>
+                </a14:m>
+                <a:r>
+                  <a:rPr lang="pl-PL" dirty="0" smtClean="0"/>
+                  <a:t>   </a:t>
+                </a:r>
+                <a14:m>
+                  <m:oMath xmlns:m="http://schemas.openxmlformats.org/officeDocument/2006/math">
+                    <m:r>
+                      <a:rPr lang="pl-PL" b="0" i="1" dirty="0" smtClean="0">
+                        <a:solidFill>
+                          <a:srgbClr val="FF0000"/>
+                        </a:solidFill>
+                        <a:latin typeface="Cambria Math" panose="02040503050406030204" pitchFamily="18" charset="0"/>
+                      </a:rPr>
+                      <m:t>0</m:t>
+                    </m:r>
+                  </m:oMath>
+                </a14:m>
+                <a:r>
+                  <a:rPr lang="pl-PL" dirty="0" smtClean="0"/>
+                  <a:t>   </a:t>
+                </a:r>
+                <a14:m>
+                  <m:oMath xmlns:m="http://schemas.openxmlformats.org/officeDocument/2006/math">
+                    <m:r>
+                      <a:rPr lang="pl-PL" i="1">
+                        <a:latin typeface="Cambria Math" panose="02040503050406030204" pitchFamily="18" charset="0"/>
+                      </a:rPr>
+                      <m:t>𝑥</m:t>
+                    </m:r>
+                  </m:oMath>
+                </a14:m>
+                <a:r>
+                  <a:rPr lang="pl-PL" dirty="0"/>
+                  <a:t>   </a:t>
+                </a:r>
+                <a14:m>
+                  <m:oMath xmlns:m="http://schemas.openxmlformats.org/officeDocument/2006/math">
+                    <m:r>
+                      <a:rPr lang="pl-PL" i="1">
+                        <a:latin typeface="Cambria Math" panose="02040503050406030204" pitchFamily="18" charset="0"/>
+                      </a:rPr>
+                      <m:t>𝑥</m:t>
+                    </m:r>
+                  </m:oMath>
+                </a14:m>
+                <a:endParaRPr lang="pl-PL" dirty="0"/>
+              </a:p>
+              <a:p>
+                <a14:m>
+                  <m:oMath xmlns:m="http://schemas.openxmlformats.org/officeDocument/2006/math">
+                    <m:r>
+                      <a:rPr lang="pl-PL" b="0" i="1" smtClean="0">
+                        <a:latin typeface="Cambria Math" panose="02040503050406030204" pitchFamily="18" charset="0"/>
+                      </a:rPr>
+                      <m:t>0</m:t>
+                    </m:r>
+                  </m:oMath>
+                </a14:m>
+                <a:r>
+                  <a:rPr lang="pl-PL" dirty="0" smtClean="0"/>
+                  <a:t>   </a:t>
+                </a:r>
+                <a14:m>
+                  <m:oMath xmlns:m="http://schemas.openxmlformats.org/officeDocument/2006/math">
+                    <m:r>
+                      <a:rPr lang="pl-PL" b="0" i="1" dirty="0" smtClean="0">
+                        <a:latin typeface="Cambria Math" panose="02040503050406030204" pitchFamily="18" charset="0"/>
+                      </a:rPr>
+                      <m:t>0</m:t>
+                    </m:r>
+                  </m:oMath>
+                </a14:m>
+                <a:r>
+                  <a:rPr lang="pl-PL" dirty="0" smtClean="0"/>
+                  <a:t>   </a:t>
+                </a:r>
+                <a14:m>
+                  <m:oMath xmlns:m="http://schemas.openxmlformats.org/officeDocument/2006/math">
+                    <m:r>
+                      <a:rPr lang="pl-PL" b="0" i="1" dirty="0" smtClean="0">
+                        <a:latin typeface="Cambria Math" panose="02040503050406030204" pitchFamily="18" charset="0"/>
+                      </a:rPr>
+                      <m:t>0</m:t>
+                    </m:r>
+                  </m:oMath>
+                </a14:m>
+                <a:r>
+                  <a:rPr lang="pl-PL" dirty="0" smtClean="0"/>
+                  <a:t>   </a:t>
+                </a:r>
+                <a14:m>
+                  <m:oMath xmlns:m="http://schemas.openxmlformats.org/officeDocument/2006/math">
+                    <m:r>
+                      <a:rPr lang="pl-PL" b="0" i="1" dirty="0" smtClean="0">
+                        <a:latin typeface="Cambria Math" panose="02040503050406030204" pitchFamily="18" charset="0"/>
+                      </a:rPr>
+                      <m:t>0</m:t>
+                    </m:r>
+                  </m:oMath>
+                </a14:m>
+                <a:r>
+                  <a:rPr lang="pl-PL" dirty="0" smtClean="0"/>
+                  <a:t>   </a:t>
+                </a:r>
+                <a14:m>
+                  <m:oMath xmlns:m="http://schemas.openxmlformats.org/officeDocument/2006/math">
+                    <m:r>
+                      <a:rPr lang="pl-PL" i="1">
+                        <a:latin typeface="Cambria Math" panose="02040503050406030204" pitchFamily="18" charset="0"/>
+                      </a:rPr>
+                      <m:t>𝑥</m:t>
+                    </m:r>
+                  </m:oMath>
+                </a14:m>
+                <a:r>
+                  <a:rPr lang="pl-PL" dirty="0"/>
+                  <a:t>   </a:t>
+                </a:r>
+                <a14:m>
+                  <m:oMath xmlns:m="http://schemas.openxmlformats.org/officeDocument/2006/math">
+                    <m:r>
+                      <a:rPr lang="pl-PL" i="1">
+                        <a:latin typeface="Cambria Math" panose="02040503050406030204" pitchFamily="18" charset="0"/>
+                      </a:rPr>
+                      <m:t>𝑥</m:t>
+                    </m:r>
+                  </m:oMath>
+                </a14:m>
+                <a:endParaRPr lang="pl-PL" dirty="0"/>
+              </a:p>
+            </p:txBody>
+          </p:sp>
+        </mc:Choice>
+        <mc:Fallback>
+          <p:sp>
+            <p:nvSpPr>
+              <p:cNvPr id="7" name="Prostokąt 6"/>
+              <p:cNvSpPr>
+                <a:spLocks noRot="1" noChangeAspect="1" noMove="1" noResize="1" noEditPoints="1" noAdjustHandles="1" noChangeArrowheads="1" noChangeShapeType="1" noTextEdit="1"/>
+              </p:cNvSpPr>
+              <p:nvPr/>
+            </p:nvSpPr>
+            <p:spPr>
+              <a:xfrm>
+                <a:off x="5302324" y="4576823"/>
+                <a:ext cx="1944216" cy="1754326"/>
+              </a:xfrm>
+              <a:prstGeom prst="rect">
+                <a:avLst/>
+              </a:prstGeom>
+              <a:blipFill>
+                <a:blip r:embed="rId6"/>
+                <a:stretch>
+                  <a:fillRect/>
+                </a:stretch>
+              </a:blipFill>
+            </p:spPr>
+            <p:txBody>
+              <a:bodyPr/>
+              <a:lstStyle/>
+              <a:p>
+                <a:r>
+                  <a:rPr lang="pl-PL">
+                    <a:noFill/>
+                  </a:rPr>
+                  <a:t> </a:t>
+                </a:r>
+              </a:p>
+            </p:txBody>
+          </p:sp>
+        </mc:Fallback>
+      </mc:AlternateContent>
+      <mc:AlternateContent xmlns:mc="http://schemas.openxmlformats.org/markup-compatibility/2006">
+        <mc:Choice xmlns:a14="http://schemas.microsoft.com/office/drawing/2010/main" Requires="a14">
+          <p:sp>
+            <p:nvSpPr>
+              <p:cNvPr id="8" name="Prostokąt 7"/>
+              <p:cNvSpPr/>
+              <p:nvPr/>
+            </p:nvSpPr>
+            <p:spPr>
+              <a:xfrm>
+                <a:off x="8038628" y="4571678"/>
+                <a:ext cx="1944216" cy="1754326"/>
+              </a:xfrm>
+              <a:prstGeom prst="rect">
+                <a:avLst/>
+              </a:prstGeom>
+            </p:spPr>
+            <p:txBody>
+              <a:bodyPr wrap="square">
+                <a:spAutoFit/>
+              </a:bodyPr>
+              <a:lstStyle/>
+              <a:p>
+                <a14:m>
+                  <m:oMath xmlns:m="http://schemas.openxmlformats.org/officeDocument/2006/math">
+                    <m:r>
+                      <a:rPr lang="pl-PL" i="1" smtClean="0">
+                        <a:latin typeface="Cambria Math" panose="02040503050406030204" pitchFamily="18" charset="0"/>
+                      </a:rPr>
+                      <m:t>𝑥</m:t>
+                    </m:r>
+                  </m:oMath>
+                </a14:m>
+                <a:r>
+                  <a:rPr lang="pl-PL" dirty="0" smtClean="0"/>
+                  <a:t>   </a:t>
+                </a:r>
+                <a14:m>
+                  <m:oMath xmlns:m="http://schemas.openxmlformats.org/officeDocument/2006/math">
+                    <m:r>
+                      <a:rPr lang="pl-PL" i="1">
+                        <a:latin typeface="Cambria Math" panose="02040503050406030204" pitchFamily="18" charset="0"/>
+                      </a:rPr>
+                      <m:t>𝑥</m:t>
+                    </m:r>
+                  </m:oMath>
+                </a14:m>
+                <a:r>
+                  <a:rPr lang="pl-PL" dirty="0" smtClean="0"/>
+                  <a:t>   </a:t>
+                </a:r>
+                <a14:m>
+                  <m:oMath xmlns:m="http://schemas.openxmlformats.org/officeDocument/2006/math">
+                    <m:r>
+                      <a:rPr lang="pl-PL" b="0" i="1" dirty="0" smtClean="0">
+                        <a:solidFill>
+                          <a:schemeClr val="tx1"/>
+                        </a:solidFill>
+                        <a:latin typeface="Cambria Math" panose="02040503050406030204" pitchFamily="18" charset="0"/>
+                      </a:rPr>
+                      <m:t>𝑥</m:t>
+                    </m:r>
+                  </m:oMath>
+                </a14:m>
+                <a:r>
+                  <a:rPr lang="pl-PL" dirty="0" smtClean="0"/>
+                  <a:t>   </a:t>
+                </a:r>
+                <a14:m>
+                  <m:oMath xmlns:m="http://schemas.openxmlformats.org/officeDocument/2006/math">
+                    <m:r>
+                      <a:rPr lang="pl-PL" b="0" i="1" dirty="0" smtClean="0">
+                        <a:latin typeface="Cambria Math" panose="02040503050406030204" pitchFamily="18" charset="0"/>
+                      </a:rPr>
+                      <m:t>0</m:t>
+                    </m:r>
+                  </m:oMath>
+                </a14:m>
+                <a:r>
+                  <a:rPr lang="pl-PL" dirty="0" smtClean="0"/>
+                  <a:t>   </a:t>
+                </a:r>
+                <a14:m>
+                  <m:oMath xmlns:m="http://schemas.openxmlformats.org/officeDocument/2006/math">
+                    <m:r>
+                      <a:rPr lang="pl-PL" b="0" i="1" dirty="0" smtClean="0">
+                        <a:latin typeface="Cambria Math" panose="02040503050406030204" pitchFamily="18" charset="0"/>
+                      </a:rPr>
+                      <m:t>0</m:t>
+                    </m:r>
+                  </m:oMath>
+                </a14:m>
+                <a:r>
+                  <a:rPr lang="pl-PL" dirty="0" smtClean="0"/>
+                  <a:t>   </a:t>
+                </a:r>
+                <a14:m>
+                  <m:oMath xmlns:m="http://schemas.openxmlformats.org/officeDocument/2006/math">
+                    <m:r>
+                      <a:rPr lang="pl-PL" b="0" i="1" dirty="0" smtClean="0">
+                        <a:latin typeface="Cambria Math" panose="02040503050406030204" pitchFamily="18" charset="0"/>
+                      </a:rPr>
+                      <m:t>0</m:t>
+                    </m:r>
+                  </m:oMath>
+                </a14:m>
+                <a:endParaRPr lang="pl-PL" dirty="0"/>
+              </a:p>
+              <a:p>
+                <a14:m>
+                  <m:oMath xmlns:m="http://schemas.openxmlformats.org/officeDocument/2006/math">
+                    <m:r>
+                      <a:rPr lang="pl-PL" b="0" i="1" smtClean="0">
+                        <a:solidFill>
+                          <a:schemeClr val="tx1"/>
+                        </a:solidFill>
+                        <a:latin typeface="Cambria Math" panose="02040503050406030204" pitchFamily="18" charset="0"/>
+                      </a:rPr>
+                      <m:t>0</m:t>
+                    </m:r>
+                  </m:oMath>
+                </a14:m>
+                <a:r>
+                  <a:rPr lang="pl-PL" dirty="0" smtClean="0"/>
+                  <a:t>   </a:t>
+                </a:r>
+                <a14:m>
+                  <m:oMath xmlns:m="http://schemas.openxmlformats.org/officeDocument/2006/math">
+                    <m:r>
+                      <a:rPr lang="pl-PL" i="1">
+                        <a:latin typeface="Cambria Math" panose="02040503050406030204" pitchFamily="18" charset="0"/>
+                      </a:rPr>
+                      <m:t>𝑥</m:t>
+                    </m:r>
+                  </m:oMath>
+                </a14:m>
+                <a:r>
+                  <a:rPr lang="pl-PL" dirty="0"/>
+                  <a:t>   </a:t>
+                </a:r>
+                <a14:m>
+                  <m:oMath xmlns:m="http://schemas.openxmlformats.org/officeDocument/2006/math">
+                    <m:r>
+                      <a:rPr lang="pl-PL" i="1">
+                        <a:latin typeface="Cambria Math" panose="02040503050406030204" pitchFamily="18" charset="0"/>
+                      </a:rPr>
+                      <m:t>𝑥</m:t>
+                    </m:r>
+                  </m:oMath>
+                </a14:m>
+                <a:r>
+                  <a:rPr lang="pl-PL" dirty="0"/>
+                  <a:t>   </a:t>
+                </a:r>
+                <a14:m>
+                  <m:oMath xmlns:m="http://schemas.openxmlformats.org/officeDocument/2006/math">
+                    <m:r>
+                      <a:rPr lang="pl-PL" b="0" i="1" dirty="0" smtClean="0">
+                        <a:latin typeface="Cambria Math" panose="02040503050406030204" pitchFamily="18" charset="0"/>
+                      </a:rPr>
+                      <m:t>𝑥</m:t>
+                    </m:r>
+                  </m:oMath>
+                </a14:m>
+                <a:r>
+                  <a:rPr lang="pl-PL" dirty="0" smtClean="0"/>
+                  <a:t>   </a:t>
+                </a:r>
+                <a14:m>
+                  <m:oMath xmlns:m="http://schemas.openxmlformats.org/officeDocument/2006/math">
+                    <m:r>
+                      <a:rPr lang="pl-PL" i="1" dirty="0">
+                        <a:latin typeface="Cambria Math" panose="02040503050406030204" pitchFamily="18" charset="0"/>
+                      </a:rPr>
+                      <m:t>0</m:t>
+                    </m:r>
+                  </m:oMath>
+                </a14:m>
+                <a:r>
+                  <a:rPr lang="pl-PL" dirty="0"/>
+                  <a:t>   </a:t>
+                </a:r>
+                <a14:m>
+                  <m:oMath xmlns:m="http://schemas.openxmlformats.org/officeDocument/2006/math">
+                    <m:r>
+                      <a:rPr lang="pl-PL" i="1" dirty="0">
+                        <a:latin typeface="Cambria Math" panose="02040503050406030204" pitchFamily="18" charset="0"/>
+                      </a:rPr>
+                      <m:t>0</m:t>
+                    </m:r>
+                  </m:oMath>
+                </a14:m>
+                <a:endParaRPr lang="pl-PL" dirty="0"/>
+              </a:p>
+              <a:p>
+                <a14:m>
+                  <m:oMath xmlns:m="http://schemas.openxmlformats.org/officeDocument/2006/math">
+                    <m:r>
+                      <a:rPr lang="pl-PL" b="0" i="1" smtClean="0">
+                        <a:latin typeface="Cambria Math" panose="02040503050406030204" pitchFamily="18" charset="0"/>
+                      </a:rPr>
+                      <m:t>0</m:t>
+                    </m:r>
+                  </m:oMath>
+                </a14:m>
+                <a:r>
+                  <a:rPr lang="pl-PL" dirty="0" smtClean="0"/>
+                  <a:t>   </a:t>
+                </a:r>
+                <a14:m>
+                  <m:oMath xmlns:m="http://schemas.openxmlformats.org/officeDocument/2006/math">
+                    <m:r>
+                      <a:rPr lang="pl-PL" b="0" i="1" dirty="0" smtClean="0">
+                        <a:latin typeface="Cambria Math" panose="02040503050406030204" pitchFamily="18" charset="0"/>
+                      </a:rPr>
+                      <m:t>0</m:t>
+                    </m:r>
+                  </m:oMath>
+                </a14:m>
+                <a:r>
+                  <a:rPr lang="pl-PL" dirty="0" smtClean="0"/>
+                  <a:t>   </a:t>
+                </a:r>
+                <a14:m>
+                  <m:oMath xmlns:m="http://schemas.openxmlformats.org/officeDocument/2006/math">
+                    <m:r>
+                      <a:rPr lang="pl-PL" i="1">
+                        <a:latin typeface="Cambria Math" panose="02040503050406030204" pitchFamily="18" charset="0"/>
+                      </a:rPr>
+                      <m:t>𝑥</m:t>
+                    </m:r>
+                  </m:oMath>
+                </a14:m>
+                <a:r>
+                  <a:rPr lang="pl-PL" dirty="0"/>
+                  <a:t>   </a:t>
+                </a:r>
+                <a14:m>
+                  <m:oMath xmlns:m="http://schemas.openxmlformats.org/officeDocument/2006/math">
+                    <m:r>
+                      <a:rPr lang="pl-PL" i="1">
+                        <a:latin typeface="Cambria Math" panose="02040503050406030204" pitchFamily="18" charset="0"/>
+                      </a:rPr>
+                      <m:t>𝑥</m:t>
+                    </m:r>
+                  </m:oMath>
+                </a14:m>
+                <a:r>
+                  <a:rPr lang="pl-PL" dirty="0" smtClean="0"/>
+                  <a:t>   </a:t>
+                </a:r>
+                <a14:m>
+                  <m:oMath xmlns:m="http://schemas.openxmlformats.org/officeDocument/2006/math">
+                    <m:r>
+                      <a:rPr lang="pl-PL" b="0" i="1" dirty="0" smtClean="0">
+                        <a:latin typeface="Cambria Math" panose="02040503050406030204" pitchFamily="18" charset="0"/>
+                      </a:rPr>
+                      <m:t>𝑥</m:t>
+                    </m:r>
+                  </m:oMath>
+                </a14:m>
+                <a:r>
+                  <a:rPr lang="pl-PL" dirty="0" smtClean="0"/>
+                  <a:t>   </a:t>
+                </a:r>
+                <a14:m>
+                  <m:oMath xmlns:m="http://schemas.openxmlformats.org/officeDocument/2006/math">
+                    <m:r>
+                      <a:rPr lang="pl-PL" b="0" i="1" dirty="0" smtClean="0">
+                        <a:latin typeface="Cambria Math" panose="02040503050406030204" pitchFamily="18" charset="0"/>
+                      </a:rPr>
+                      <m:t>0</m:t>
+                    </m:r>
+                  </m:oMath>
+                </a14:m>
+                <a:endParaRPr lang="pl-PL" dirty="0"/>
+              </a:p>
+              <a:p>
+                <a14:m>
+                  <m:oMath xmlns:m="http://schemas.openxmlformats.org/officeDocument/2006/math">
+                    <m:r>
+                      <a:rPr lang="pl-PL" b="0" i="1" smtClean="0">
+                        <a:latin typeface="Cambria Math" panose="02040503050406030204" pitchFamily="18" charset="0"/>
+                      </a:rPr>
+                      <m:t>0</m:t>
+                    </m:r>
+                  </m:oMath>
+                </a14:m>
+                <a:r>
+                  <a:rPr lang="pl-PL" dirty="0" smtClean="0"/>
+                  <a:t>   </a:t>
+                </a:r>
+                <a14:m>
+                  <m:oMath xmlns:m="http://schemas.openxmlformats.org/officeDocument/2006/math">
+                    <m:r>
+                      <a:rPr lang="pl-PL" b="0" i="1" dirty="0" smtClean="0">
+                        <a:latin typeface="Cambria Math" panose="02040503050406030204" pitchFamily="18" charset="0"/>
+                      </a:rPr>
+                      <m:t>0</m:t>
+                    </m:r>
+                  </m:oMath>
+                </a14:m>
+                <a:r>
+                  <a:rPr lang="pl-PL" dirty="0" smtClean="0"/>
+                  <a:t>   </a:t>
+                </a:r>
+                <a14:m>
+                  <m:oMath xmlns:m="http://schemas.openxmlformats.org/officeDocument/2006/math">
+                    <m:r>
+                      <a:rPr lang="pl-PL" b="0" i="1" dirty="0" smtClean="0">
+                        <a:latin typeface="Cambria Math" panose="02040503050406030204" pitchFamily="18" charset="0"/>
+                      </a:rPr>
+                      <m:t>0</m:t>
+                    </m:r>
+                  </m:oMath>
+                </a14:m>
+                <a:r>
+                  <a:rPr lang="pl-PL" dirty="0" smtClean="0"/>
+                  <a:t>   </a:t>
+                </a:r>
+                <a14:m>
+                  <m:oMath xmlns:m="http://schemas.openxmlformats.org/officeDocument/2006/math">
+                    <m:r>
+                      <a:rPr lang="pl-PL" i="1">
+                        <a:latin typeface="Cambria Math" panose="02040503050406030204" pitchFamily="18" charset="0"/>
+                      </a:rPr>
+                      <m:t>𝑥</m:t>
+                    </m:r>
+                  </m:oMath>
+                </a14:m>
+                <a:r>
+                  <a:rPr lang="pl-PL" dirty="0"/>
+                  <a:t>   </a:t>
+                </a:r>
+                <a14:m>
+                  <m:oMath xmlns:m="http://schemas.openxmlformats.org/officeDocument/2006/math">
+                    <m:r>
+                      <a:rPr lang="pl-PL" i="1">
+                        <a:latin typeface="Cambria Math" panose="02040503050406030204" pitchFamily="18" charset="0"/>
+                      </a:rPr>
+                      <m:t>𝑥</m:t>
+                    </m:r>
+                  </m:oMath>
+                </a14:m>
+                <a:r>
+                  <a:rPr lang="pl-PL" dirty="0"/>
+                  <a:t>   </a:t>
+                </a:r>
+                <a14:m>
+                  <m:oMath xmlns:m="http://schemas.openxmlformats.org/officeDocument/2006/math">
+                    <m:r>
+                      <a:rPr lang="pl-PL" b="0" i="1" dirty="0" smtClean="0">
+                        <a:latin typeface="Cambria Math" panose="02040503050406030204" pitchFamily="18" charset="0"/>
+                      </a:rPr>
+                      <m:t>𝑥</m:t>
+                    </m:r>
+                  </m:oMath>
+                </a14:m>
+                <a:endParaRPr lang="pl-PL" dirty="0"/>
+              </a:p>
+              <a:p>
+                <a14:m>
+                  <m:oMath xmlns:m="http://schemas.openxmlformats.org/officeDocument/2006/math">
+                    <m:r>
+                      <a:rPr lang="pl-PL" b="0" i="1" smtClean="0">
+                        <a:latin typeface="Cambria Math" panose="02040503050406030204" pitchFamily="18" charset="0"/>
+                      </a:rPr>
+                      <m:t>0</m:t>
+                    </m:r>
+                  </m:oMath>
+                </a14:m>
+                <a:r>
+                  <a:rPr lang="pl-PL" dirty="0" smtClean="0"/>
+                  <a:t>   </a:t>
+                </a:r>
+                <a14:m>
+                  <m:oMath xmlns:m="http://schemas.openxmlformats.org/officeDocument/2006/math">
+                    <m:r>
+                      <a:rPr lang="pl-PL" b="0" i="1" dirty="0" smtClean="0">
+                        <a:latin typeface="Cambria Math" panose="02040503050406030204" pitchFamily="18" charset="0"/>
+                      </a:rPr>
+                      <m:t>0</m:t>
+                    </m:r>
+                  </m:oMath>
+                </a14:m>
+                <a:r>
+                  <a:rPr lang="pl-PL" dirty="0" smtClean="0"/>
+                  <a:t>   </a:t>
+                </a:r>
+                <a14:m>
+                  <m:oMath xmlns:m="http://schemas.openxmlformats.org/officeDocument/2006/math">
+                    <m:r>
+                      <a:rPr lang="pl-PL" b="0" i="1" dirty="0" smtClean="0">
+                        <a:latin typeface="Cambria Math" panose="02040503050406030204" pitchFamily="18" charset="0"/>
+                      </a:rPr>
+                      <m:t>0</m:t>
+                    </m:r>
+                  </m:oMath>
+                </a14:m>
+                <a:r>
+                  <a:rPr lang="pl-PL" dirty="0" smtClean="0"/>
+                  <a:t>   </a:t>
+                </a:r>
+                <a14:m>
+                  <m:oMath xmlns:m="http://schemas.openxmlformats.org/officeDocument/2006/math">
+                    <m:r>
+                      <a:rPr lang="pl-PL" b="0" i="1" dirty="0" smtClean="0">
+                        <a:latin typeface="Cambria Math" panose="02040503050406030204" pitchFamily="18" charset="0"/>
+                      </a:rPr>
+                      <m:t>0</m:t>
+                    </m:r>
+                  </m:oMath>
+                </a14:m>
+                <a:r>
+                  <a:rPr lang="pl-PL" dirty="0" smtClean="0"/>
+                  <a:t>   </a:t>
+                </a:r>
+                <a14:m>
+                  <m:oMath xmlns:m="http://schemas.openxmlformats.org/officeDocument/2006/math">
+                    <m:r>
+                      <a:rPr lang="pl-PL" i="1">
+                        <a:latin typeface="Cambria Math" panose="02040503050406030204" pitchFamily="18" charset="0"/>
+                      </a:rPr>
+                      <m:t>𝑥</m:t>
+                    </m:r>
+                  </m:oMath>
+                </a14:m>
+                <a:r>
+                  <a:rPr lang="pl-PL" dirty="0"/>
+                  <a:t>   </a:t>
+                </a:r>
+                <a14:m>
+                  <m:oMath xmlns:m="http://schemas.openxmlformats.org/officeDocument/2006/math">
+                    <m:r>
+                      <a:rPr lang="pl-PL" i="1">
+                        <a:latin typeface="Cambria Math" panose="02040503050406030204" pitchFamily="18" charset="0"/>
+                      </a:rPr>
+                      <m:t>𝑥</m:t>
+                    </m:r>
+                  </m:oMath>
+                </a14:m>
+                <a:endParaRPr lang="pl-PL" dirty="0"/>
+              </a:p>
+              <a:p>
+                <a14:m>
+                  <m:oMath xmlns:m="http://schemas.openxmlformats.org/officeDocument/2006/math">
+                    <m:r>
+                      <a:rPr lang="pl-PL" b="0" i="1" smtClean="0">
+                        <a:latin typeface="Cambria Math" panose="02040503050406030204" pitchFamily="18" charset="0"/>
+                      </a:rPr>
+                      <m:t>0</m:t>
+                    </m:r>
+                  </m:oMath>
+                </a14:m>
+                <a:r>
+                  <a:rPr lang="pl-PL" dirty="0" smtClean="0"/>
+                  <a:t>   </a:t>
+                </a:r>
+                <a14:m>
+                  <m:oMath xmlns:m="http://schemas.openxmlformats.org/officeDocument/2006/math">
+                    <m:r>
+                      <a:rPr lang="pl-PL" b="0" i="1" dirty="0" smtClean="0">
+                        <a:latin typeface="Cambria Math" panose="02040503050406030204" pitchFamily="18" charset="0"/>
+                      </a:rPr>
+                      <m:t>0</m:t>
+                    </m:r>
+                  </m:oMath>
+                </a14:m>
+                <a:r>
+                  <a:rPr lang="pl-PL" dirty="0" smtClean="0"/>
+                  <a:t>   </a:t>
+                </a:r>
+                <a14:m>
+                  <m:oMath xmlns:m="http://schemas.openxmlformats.org/officeDocument/2006/math">
+                    <m:r>
+                      <a:rPr lang="pl-PL" b="0" i="1" dirty="0" smtClean="0">
+                        <a:latin typeface="Cambria Math" panose="02040503050406030204" pitchFamily="18" charset="0"/>
+                      </a:rPr>
+                      <m:t>0</m:t>
+                    </m:r>
+                  </m:oMath>
+                </a14:m>
+                <a:r>
+                  <a:rPr lang="pl-PL" dirty="0" smtClean="0"/>
+                  <a:t>   </a:t>
+                </a:r>
+                <a14:m>
+                  <m:oMath xmlns:m="http://schemas.openxmlformats.org/officeDocument/2006/math">
+                    <m:r>
+                      <a:rPr lang="pl-PL" b="0" i="1" dirty="0" smtClean="0">
+                        <a:latin typeface="Cambria Math" panose="02040503050406030204" pitchFamily="18" charset="0"/>
+                      </a:rPr>
+                      <m:t>0</m:t>
+                    </m:r>
+                  </m:oMath>
+                </a14:m>
+                <a:r>
+                  <a:rPr lang="pl-PL" dirty="0" smtClean="0"/>
+                  <a:t>   </a:t>
+                </a:r>
+                <a14:m>
+                  <m:oMath xmlns:m="http://schemas.openxmlformats.org/officeDocument/2006/math">
+                    <m:r>
+                      <a:rPr lang="pl-PL" b="0" i="1" dirty="0" smtClean="0">
+                        <a:solidFill>
+                          <a:srgbClr val="FF0000"/>
+                        </a:solidFill>
+                        <a:latin typeface="Cambria Math" panose="02040503050406030204" pitchFamily="18" charset="0"/>
+                      </a:rPr>
+                      <m:t>0</m:t>
+                    </m:r>
+                  </m:oMath>
+                </a14:m>
+                <a:r>
+                  <a:rPr lang="pl-PL" dirty="0" smtClean="0"/>
+                  <a:t>   </a:t>
+                </a:r>
+                <a14:m>
+                  <m:oMath xmlns:m="http://schemas.openxmlformats.org/officeDocument/2006/math">
+                    <m:r>
+                      <a:rPr lang="pl-PL" i="1">
+                        <a:latin typeface="Cambria Math" panose="02040503050406030204" pitchFamily="18" charset="0"/>
+                      </a:rPr>
+                      <m:t>𝑥</m:t>
+                    </m:r>
+                  </m:oMath>
+                </a14:m>
+                <a:endParaRPr lang="pl-PL" dirty="0"/>
+              </a:p>
+            </p:txBody>
+          </p:sp>
+        </mc:Choice>
+        <mc:Fallback>
+          <p:sp>
+            <p:nvSpPr>
+              <p:cNvPr id="8" name="Prostokąt 7"/>
+              <p:cNvSpPr>
+                <a:spLocks noRot="1" noChangeAspect="1" noMove="1" noResize="1" noEditPoints="1" noAdjustHandles="1" noChangeArrowheads="1" noChangeShapeType="1" noTextEdit="1"/>
+              </p:cNvSpPr>
+              <p:nvPr/>
+            </p:nvSpPr>
+            <p:spPr>
+              <a:xfrm>
+                <a:off x="8038628" y="4571678"/>
+                <a:ext cx="1944216" cy="1754326"/>
+              </a:xfrm>
+              <a:prstGeom prst="rect">
+                <a:avLst/>
+              </a:prstGeom>
+              <a:blipFill>
+                <a:blip r:embed="rId7"/>
+                <a:stretch>
+                  <a:fillRect/>
+                </a:stretch>
+              </a:blipFill>
+            </p:spPr>
+            <p:txBody>
+              <a:bodyPr/>
+              <a:lstStyle/>
+              <a:p>
+                <a:r>
+                  <a:rPr lang="pl-PL">
+                    <a:noFill/>
+                  </a:rPr>
+                  <a:t> </a:t>
+                </a:r>
+              </a:p>
+            </p:txBody>
+          </p:sp>
+        </mc:Fallback>
+      </mc:AlternateContent>
+      <mc:AlternateContent xmlns:mc="http://schemas.openxmlformats.org/markup-compatibility/2006">
+        <mc:Choice xmlns:a14="http://schemas.microsoft.com/office/drawing/2010/main" Requires="a14">
+          <p:sp>
+            <p:nvSpPr>
+              <p:cNvPr id="9" name="Prostokąt 8"/>
+              <p:cNvSpPr/>
+              <p:nvPr/>
+            </p:nvSpPr>
+            <p:spPr>
+              <a:xfrm>
+                <a:off x="4942284" y="1787857"/>
+                <a:ext cx="496674" cy="369332"/>
+              </a:xfrm>
+              <a:prstGeom prst="rect">
+                <a:avLst/>
+              </a:prstGeom>
+            </p:spPr>
+            <p:txBody>
+              <a:bodyPr wrap="none">
+                <a:spAutoFit/>
+              </a:bodyPr>
+              <a:lstStyle/>
+              <a:p>
+                <a14:m>
+                  <m:oMathPara xmlns:m="http://schemas.openxmlformats.org/officeDocument/2006/math">
+                    <m:oMathParaPr>
+                      <m:jc m:val="centerGroup"/>
+                    </m:oMathParaPr>
+                    <m:oMath xmlns:m="http://schemas.openxmlformats.org/officeDocument/2006/math">
+                      <m:sSub>
+                        <m:sSubPr>
+                          <m:ctrlPr>
+                            <a:rPr lang="pl-PL" i="1">
+                              <a:latin typeface="Cambria Math" panose="02040503050406030204" pitchFamily="18" charset="0"/>
+                            </a:rPr>
+                          </m:ctrlPr>
+                        </m:sSubPr>
+                        <m:e>
+                          <m:r>
+                            <a:rPr lang="pl-PL" i="1">
+                              <a:latin typeface="Cambria Math" panose="02040503050406030204" pitchFamily="18" charset="0"/>
+                            </a:rPr>
+                            <m:t>𝐴</m:t>
+                          </m:r>
+                        </m:e>
+                        <m:sub>
+                          <m:r>
+                            <a:rPr lang="pl-PL" i="1">
+                              <a:latin typeface="Cambria Math" panose="02040503050406030204" pitchFamily="18" charset="0"/>
+                            </a:rPr>
+                            <m:t>1</m:t>
+                          </m:r>
+                        </m:sub>
+                      </m:sSub>
+                    </m:oMath>
+                  </m:oMathPara>
+                </a14:m>
+                <a:endParaRPr lang="pl-PL" dirty="0"/>
+              </a:p>
+            </p:txBody>
+          </p:sp>
+        </mc:Choice>
+        <mc:Fallback>
+          <p:sp>
+            <p:nvSpPr>
+              <p:cNvPr id="9" name="Prostokąt 8"/>
+              <p:cNvSpPr>
+                <a:spLocks noRot="1" noChangeAspect="1" noMove="1" noResize="1" noEditPoints="1" noAdjustHandles="1" noChangeArrowheads="1" noChangeShapeType="1" noTextEdit="1"/>
+              </p:cNvSpPr>
+              <p:nvPr/>
+            </p:nvSpPr>
+            <p:spPr>
+              <a:xfrm>
+                <a:off x="4942284" y="1787857"/>
+                <a:ext cx="496674" cy="369332"/>
+              </a:xfrm>
+              <a:prstGeom prst="rect">
+                <a:avLst/>
+              </a:prstGeom>
+              <a:blipFill>
+                <a:blip r:embed="rId8"/>
+                <a:stretch>
+                  <a:fillRect/>
+                </a:stretch>
+              </a:blipFill>
+            </p:spPr>
+            <p:txBody>
+              <a:bodyPr/>
+              <a:lstStyle/>
+              <a:p>
+                <a:r>
+                  <a:rPr lang="pl-PL">
+                    <a:noFill/>
+                  </a:rPr>
+                  <a:t> </a:t>
+                </a:r>
+              </a:p>
+            </p:txBody>
+          </p:sp>
+        </mc:Fallback>
+      </mc:AlternateContent>
+      <mc:AlternateContent xmlns:mc="http://schemas.openxmlformats.org/markup-compatibility/2006">
+        <mc:Choice xmlns:a14="http://schemas.microsoft.com/office/drawing/2010/main" Requires="a14">
+          <p:sp>
+            <p:nvSpPr>
+              <p:cNvPr id="10" name="Prostokąt 9"/>
+              <p:cNvSpPr/>
+              <p:nvPr/>
+            </p:nvSpPr>
+            <p:spPr>
+              <a:xfrm>
+                <a:off x="7678588" y="1793833"/>
+                <a:ext cx="501997" cy="369332"/>
+              </a:xfrm>
+              <a:prstGeom prst="rect">
+                <a:avLst/>
+              </a:prstGeom>
+            </p:spPr>
+            <p:txBody>
+              <a:bodyPr wrap="none">
+                <a:spAutoFit/>
+              </a:bodyPr>
+              <a:lstStyle/>
+              <a:p>
+                <a14:m>
+                  <m:oMathPara xmlns:m="http://schemas.openxmlformats.org/officeDocument/2006/math">
+                    <m:oMathParaPr>
+                      <m:jc m:val="centerGroup"/>
+                    </m:oMathParaPr>
+                    <m:oMath xmlns:m="http://schemas.openxmlformats.org/officeDocument/2006/math">
+                      <m:sSub>
+                        <m:sSubPr>
+                          <m:ctrlPr>
+                            <a:rPr lang="pl-PL" i="1" smtClean="0">
+                              <a:latin typeface="Cambria Math" panose="02040503050406030204" pitchFamily="18" charset="0"/>
+                            </a:rPr>
+                          </m:ctrlPr>
+                        </m:sSubPr>
+                        <m:e>
+                          <m:r>
+                            <a:rPr lang="pl-PL" i="1">
+                              <a:latin typeface="Cambria Math" panose="02040503050406030204" pitchFamily="18" charset="0"/>
+                            </a:rPr>
+                            <m:t>𝐴</m:t>
+                          </m:r>
+                        </m:e>
+                        <m:sub>
+                          <m:r>
+                            <a:rPr lang="pl-PL" b="0" i="1" smtClean="0">
+                              <a:latin typeface="Cambria Math" panose="02040503050406030204" pitchFamily="18" charset="0"/>
+                            </a:rPr>
+                            <m:t>2</m:t>
+                          </m:r>
+                        </m:sub>
+                      </m:sSub>
+                    </m:oMath>
+                  </m:oMathPara>
+                </a14:m>
+                <a:endParaRPr lang="pl-PL" dirty="0"/>
+              </a:p>
+            </p:txBody>
+          </p:sp>
+        </mc:Choice>
+        <mc:Fallback>
+          <p:sp>
+            <p:nvSpPr>
+              <p:cNvPr id="10" name="Prostokąt 9"/>
+              <p:cNvSpPr>
+                <a:spLocks noRot="1" noChangeAspect="1" noMove="1" noResize="1" noEditPoints="1" noAdjustHandles="1" noChangeArrowheads="1" noChangeShapeType="1" noTextEdit="1"/>
+              </p:cNvSpPr>
+              <p:nvPr/>
+            </p:nvSpPr>
+            <p:spPr>
+              <a:xfrm>
+                <a:off x="7678588" y="1793833"/>
+                <a:ext cx="501997" cy="369332"/>
+              </a:xfrm>
+              <a:prstGeom prst="rect">
+                <a:avLst/>
+              </a:prstGeom>
+              <a:blipFill>
+                <a:blip r:embed="rId9"/>
+                <a:stretch>
+                  <a:fillRect/>
+                </a:stretch>
+              </a:blipFill>
+            </p:spPr>
+            <p:txBody>
+              <a:bodyPr/>
+              <a:lstStyle/>
+              <a:p>
+                <a:r>
+                  <a:rPr lang="pl-PL">
+                    <a:noFill/>
+                  </a:rPr>
+                  <a:t> </a:t>
+                </a:r>
+              </a:p>
+            </p:txBody>
+          </p:sp>
+        </mc:Fallback>
+      </mc:AlternateContent>
+      <mc:AlternateContent xmlns:mc="http://schemas.openxmlformats.org/markup-compatibility/2006">
+        <mc:Choice xmlns:a14="http://schemas.microsoft.com/office/drawing/2010/main" Requires="a14">
+          <p:sp>
+            <p:nvSpPr>
+              <p:cNvPr id="11" name="Prostokąt 10"/>
+              <p:cNvSpPr/>
+              <p:nvPr/>
+            </p:nvSpPr>
+            <p:spPr>
+              <a:xfrm>
+                <a:off x="2133972" y="4293096"/>
+                <a:ext cx="501997" cy="369332"/>
+              </a:xfrm>
+              <a:prstGeom prst="rect">
+                <a:avLst/>
+              </a:prstGeom>
+            </p:spPr>
+            <p:txBody>
+              <a:bodyPr wrap="none">
+                <a:spAutoFit/>
+              </a:bodyPr>
+              <a:lstStyle/>
+              <a:p>
+                <a14:m>
+                  <m:oMathPara xmlns:m="http://schemas.openxmlformats.org/officeDocument/2006/math">
+                    <m:oMathParaPr>
+                      <m:jc m:val="centerGroup"/>
+                    </m:oMathParaPr>
+                    <m:oMath xmlns:m="http://schemas.openxmlformats.org/officeDocument/2006/math">
+                      <m:sSub>
+                        <m:sSubPr>
+                          <m:ctrlPr>
+                            <a:rPr lang="pl-PL" i="1" smtClean="0">
+                              <a:latin typeface="Cambria Math" panose="02040503050406030204" pitchFamily="18" charset="0"/>
+                            </a:rPr>
+                          </m:ctrlPr>
+                        </m:sSubPr>
+                        <m:e>
+                          <m:r>
+                            <a:rPr lang="pl-PL" i="1">
+                              <a:latin typeface="Cambria Math" panose="02040503050406030204" pitchFamily="18" charset="0"/>
+                            </a:rPr>
+                            <m:t>𝐴</m:t>
+                          </m:r>
+                        </m:e>
+                        <m:sub>
+                          <m:r>
+                            <a:rPr lang="pl-PL" b="0" i="1" smtClean="0">
+                              <a:latin typeface="Cambria Math" panose="02040503050406030204" pitchFamily="18" charset="0"/>
+                            </a:rPr>
+                            <m:t>3</m:t>
+                          </m:r>
+                        </m:sub>
+                      </m:sSub>
+                    </m:oMath>
+                  </m:oMathPara>
+                </a14:m>
+                <a:endParaRPr lang="pl-PL" dirty="0"/>
+              </a:p>
+            </p:txBody>
+          </p:sp>
+        </mc:Choice>
+        <mc:Fallback>
+          <p:sp>
+            <p:nvSpPr>
+              <p:cNvPr id="11" name="Prostokąt 10"/>
+              <p:cNvSpPr>
+                <a:spLocks noRot="1" noChangeAspect="1" noMove="1" noResize="1" noEditPoints="1" noAdjustHandles="1" noChangeArrowheads="1" noChangeShapeType="1" noTextEdit="1"/>
+              </p:cNvSpPr>
+              <p:nvPr/>
+            </p:nvSpPr>
+            <p:spPr>
+              <a:xfrm>
+                <a:off x="2133972" y="4293096"/>
+                <a:ext cx="501997" cy="369332"/>
+              </a:xfrm>
+              <a:prstGeom prst="rect">
+                <a:avLst/>
+              </a:prstGeom>
+              <a:blipFill>
+                <a:blip r:embed="rId10"/>
+                <a:stretch>
+                  <a:fillRect/>
+                </a:stretch>
+              </a:blipFill>
+            </p:spPr>
+            <p:txBody>
+              <a:bodyPr/>
+              <a:lstStyle/>
+              <a:p>
+                <a:r>
+                  <a:rPr lang="pl-PL">
+                    <a:noFill/>
+                  </a:rPr>
+                  <a:t> </a:t>
+                </a:r>
+              </a:p>
+            </p:txBody>
+          </p:sp>
+        </mc:Fallback>
+      </mc:AlternateContent>
+      <mc:AlternateContent xmlns:mc="http://schemas.openxmlformats.org/markup-compatibility/2006">
+        <mc:Choice xmlns:a14="http://schemas.microsoft.com/office/drawing/2010/main" Requires="a14">
+          <p:sp>
+            <p:nvSpPr>
+              <p:cNvPr id="12" name="Prostokąt 11"/>
+              <p:cNvSpPr/>
+              <p:nvPr/>
+            </p:nvSpPr>
+            <p:spPr>
+              <a:xfrm>
+                <a:off x="4936961" y="4279710"/>
+                <a:ext cx="501997" cy="369332"/>
+              </a:xfrm>
+              <a:prstGeom prst="rect">
+                <a:avLst/>
+              </a:prstGeom>
+            </p:spPr>
+            <p:txBody>
+              <a:bodyPr wrap="none">
+                <a:spAutoFit/>
+              </a:bodyPr>
+              <a:lstStyle/>
+              <a:p>
+                <a14:m>
+                  <m:oMathPara xmlns:m="http://schemas.openxmlformats.org/officeDocument/2006/math">
+                    <m:oMathParaPr>
+                      <m:jc m:val="centerGroup"/>
+                    </m:oMathParaPr>
+                    <m:oMath xmlns:m="http://schemas.openxmlformats.org/officeDocument/2006/math">
+                      <m:sSub>
+                        <m:sSubPr>
+                          <m:ctrlPr>
+                            <a:rPr lang="pl-PL" i="1" smtClean="0">
+                              <a:latin typeface="Cambria Math" panose="02040503050406030204" pitchFamily="18" charset="0"/>
+                            </a:rPr>
+                          </m:ctrlPr>
+                        </m:sSubPr>
+                        <m:e>
+                          <m:r>
+                            <a:rPr lang="pl-PL" i="1">
+                              <a:latin typeface="Cambria Math" panose="02040503050406030204" pitchFamily="18" charset="0"/>
+                            </a:rPr>
+                            <m:t>𝐴</m:t>
+                          </m:r>
+                        </m:e>
+                        <m:sub>
+                          <m:r>
+                            <a:rPr lang="pl-PL" b="0" i="1" smtClean="0">
+                              <a:latin typeface="Cambria Math" panose="02040503050406030204" pitchFamily="18" charset="0"/>
+                            </a:rPr>
+                            <m:t>4</m:t>
+                          </m:r>
+                        </m:sub>
+                      </m:sSub>
+                    </m:oMath>
+                  </m:oMathPara>
+                </a14:m>
+                <a:endParaRPr lang="pl-PL" dirty="0"/>
+              </a:p>
+            </p:txBody>
+          </p:sp>
+        </mc:Choice>
+        <mc:Fallback>
+          <p:sp>
+            <p:nvSpPr>
+              <p:cNvPr id="12" name="Prostokąt 11"/>
+              <p:cNvSpPr>
+                <a:spLocks noRot="1" noChangeAspect="1" noMove="1" noResize="1" noEditPoints="1" noAdjustHandles="1" noChangeArrowheads="1" noChangeShapeType="1" noTextEdit="1"/>
+              </p:cNvSpPr>
+              <p:nvPr/>
+            </p:nvSpPr>
+            <p:spPr>
+              <a:xfrm>
+                <a:off x="4936961" y="4279710"/>
+                <a:ext cx="501997" cy="369332"/>
+              </a:xfrm>
+              <a:prstGeom prst="rect">
+                <a:avLst/>
+              </a:prstGeom>
+              <a:blipFill>
+                <a:blip r:embed="rId11"/>
+                <a:stretch>
+                  <a:fillRect/>
+                </a:stretch>
+              </a:blipFill>
+            </p:spPr>
+            <p:txBody>
+              <a:bodyPr/>
+              <a:lstStyle/>
+              <a:p>
+                <a:r>
+                  <a:rPr lang="pl-PL">
+                    <a:noFill/>
+                  </a:rPr>
+                  <a:t> </a:t>
+                </a:r>
+              </a:p>
+            </p:txBody>
+          </p:sp>
+        </mc:Fallback>
+      </mc:AlternateContent>
+      <mc:AlternateContent xmlns:mc="http://schemas.openxmlformats.org/markup-compatibility/2006">
+        <mc:Choice xmlns:a14="http://schemas.microsoft.com/office/drawing/2010/main" Requires="a14">
+          <p:sp>
+            <p:nvSpPr>
+              <p:cNvPr id="13" name="Prostokąt 12"/>
+              <p:cNvSpPr/>
+              <p:nvPr/>
+            </p:nvSpPr>
+            <p:spPr>
+              <a:xfrm>
+                <a:off x="7678588" y="4261214"/>
+                <a:ext cx="501997" cy="369332"/>
+              </a:xfrm>
+              <a:prstGeom prst="rect">
+                <a:avLst/>
+              </a:prstGeom>
+            </p:spPr>
+            <p:txBody>
+              <a:bodyPr wrap="none">
+                <a:spAutoFit/>
+              </a:bodyPr>
+              <a:lstStyle/>
+              <a:p>
+                <a14:m>
+                  <m:oMathPara xmlns:m="http://schemas.openxmlformats.org/officeDocument/2006/math">
+                    <m:oMathParaPr>
+                      <m:jc m:val="centerGroup"/>
+                    </m:oMathParaPr>
+                    <m:oMath xmlns:m="http://schemas.openxmlformats.org/officeDocument/2006/math">
+                      <m:sSub>
+                        <m:sSubPr>
+                          <m:ctrlPr>
+                            <a:rPr lang="pl-PL" i="1" smtClean="0">
+                              <a:latin typeface="Cambria Math" panose="02040503050406030204" pitchFamily="18" charset="0"/>
+                            </a:rPr>
+                          </m:ctrlPr>
+                        </m:sSubPr>
+                        <m:e>
+                          <m:r>
+                            <a:rPr lang="pl-PL" i="1">
+                              <a:latin typeface="Cambria Math" panose="02040503050406030204" pitchFamily="18" charset="0"/>
+                            </a:rPr>
+                            <m:t>𝐴</m:t>
+                          </m:r>
+                        </m:e>
+                        <m:sub>
+                          <m:r>
+                            <a:rPr lang="pl-PL" b="0" i="1" smtClean="0">
+                              <a:latin typeface="Cambria Math" panose="02040503050406030204" pitchFamily="18" charset="0"/>
+                            </a:rPr>
+                            <m:t>5</m:t>
+                          </m:r>
+                        </m:sub>
+                      </m:sSub>
+                    </m:oMath>
+                  </m:oMathPara>
+                </a14:m>
+                <a:endParaRPr lang="pl-PL" dirty="0"/>
+              </a:p>
+            </p:txBody>
+          </p:sp>
+        </mc:Choice>
+        <mc:Fallback>
+          <p:sp>
+            <p:nvSpPr>
+              <p:cNvPr id="13" name="Prostokąt 12"/>
+              <p:cNvSpPr>
+                <a:spLocks noRot="1" noChangeAspect="1" noMove="1" noResize="1" noEditPoints="1" noAdjustHandles="1" noChangeArrowheads="1" noChangeShapeType="1" noTextEdit="1"/>
+              </p:cNvSpPr>
+              <p:nvPr/>
+            </p:nvSpPr>
+            <p:spPr>
+              <a:xfrm>
+                <a:off x="7678588" y="4261214"/>
+                <a:ext cx="501997" cy="369332"/>
+              </a:xfrm>
+              <a:prstGeom prst="rect">
+                <a:avLst/>
+              </a:prstGeom>
+              <a:blipFill>
+                <a:blip r:embed="rId12"/>
+                <a:stretch>
+                  <a:fillRect b="-1639"/>
+                </a:stretch>
+              </a:blipFill>
+            </p:spPr>
+            <p:txBody>
+              <a:bodyPr/>
+              <a:lstStyle/>
+              <a:p>
+                <a:r>
+                  <a:rPr lang="pl-PL">
+                    <a:noFill/>
+                  </a:rPr>
+                  <a:t> </a:t>
+                </a:r>
+              </a:p>
+            </p:txBody>
+          </p:sp>
+        </mc:Fallback>
+      </mc:AlternateContent>
+      <mc:AlternateContent xmlns:mc="http://schemas.openxmlformats.org/markup-compatibility/2006">
+        <mc:Choice xmlns:a14="http://schemas.microsoft.com/office/drawing/2010/main" Requires="a14">
+          <p:sp>
+            <p:nvSpPr>
+              <p:cNvPr id="14" name="Prostokąt 13"/>
+              <p:cNvSpPr/>
+              <p:nvPr/>
+            </p:nvSpPr>
+            <p:spPr>
+              <a:xfrm>
+                <a:off x="2133971" y="1822711"/>
+                <a:ext cx="396904" cy="369332"/>
+              </a:xfrm>
+              <a:prstGeom prst="rect">
+                <a:avLst/>
+              </a:prstGeom>
+            </p:spPr>
+            <p:txBody>
+              <a:bodyPr wrap="none">
+                <a:spAutoFit/>
+              </a:bodyPr>
+              <a:lstStyle/>
+              <a:p>
+                <a14:m>
+                  <m:oMathPara xmlns:m="http://schemas.openxmlformats.org/officeDocument/2006/math">
+                    <m:oMathParaPr>
+                      <m:jc m:val="centerGroup"/>
+                    </m:oMathParaPr>
+                    <m:oMath xmlns:m="http://schemas.openxmlformats.org/officeDocument/2006/math">
+                      <m:r>
+                        <a:rPr lang="pl-PL" i="1" smtClean="0">
+                          <a:latin typeface="Cambria Math" panose="02040503050406030204" pitchFamily="18" charset="0"/>
+                        </a:rPr>
+                        <m:t>𝐴</m:t>
+                      </m:r>
+                    </m:oMath>
+                  </m:oMathPara>
+                </a14:m>
+                <a:endParaRPr lang="pl-PL" dirty="0"/>
+              </a:p>
+            </p:txBody>
+          </p:sp>
+        </mc:Choice>
+        <mc:Fallback>
+          <p:sp>
+            <p:nvSpPr>
+              <p:cNvPr id="14" name="Prostokąt 13"/>
+              <p:cNvSpPr>
+                <a:spLocks noRot="1" noChangeAspect="1" noMove="1" noResize="1" noEditPoints="1" noAdjustHandles="1" noChangeArrowheads="1" noChangeShapeType="1" noTextEdit="1"/>
+              </p:cNvSpPr>
+              <p:nvPr/>
+            </p:nvSpPr>
+            <p:spPr>
+              <a:xfrm>
+                <a:off x="2133971" y="1822711"/>
+                <a:ext cx="396904" cy="369332"/>
+              </a:xfrm>
+              <a:prstGeom prst="rect">
+                <a:avLst/>
+              </a:prstGeom>
+              <a:blipFill>
+                <a:blip r:embed="rId13"/>
+                <a:stretch>
+                  <a:fillRect/>
+                </a:stretch>
+              </a:blipFill>
+            </p:spPr>
+            <p:txBody>
+              <a:bodyPr/>
+              <a:lstStyle/>
+              <a:p>
+                <a:r>
+                  <a:rPr lang="pl-PL">
+                    <a:noFill/>
+                  </a:rPr>
+                  <a:t> </a:t>
+                </a:r>
+              </a:p>
+            </p:txBody>
+          </p:sp>
+        </mc:Fallback>
+      </mc:AlternateContent>
+    </p:spTree>
+    <p:extLst>
+      <p:ext uri="{BB962C8B-B14F-4D97-AF65-F5344CB8AC3E}">
+        <p14:creationId xmlns:p14="http://schemas.microsoft.com/office/powerpoint/2010/main" val="3367412351"/>
+      </p:ext>
+    </p:extLst>
+  </p:cSld>
+  <p:clrMapOvr>
+    <a:masterClrMapping/>
+  </p:clrMapOvr>
+  <mc:AlternateContent xmlns:mc="http://schemas.openxmlformats.org/markup-compatibility/2006" xmlns:p14="http://schemas.microsoft.com/office/powerpoint/2010/main">
+    <mc:Choice Requires="p14">
+      <p:transition spd="med" p14:dur="700">
+        <p:fade/>
+      </p:transition>
+    </mc:Choice>
+    <mc:Fallback xmlns="">
+      <p:transition spd="med">
+        <p:fade/>
+      </p:transition>
+    </mc:Fallback>
+  </mc:AlternateContent>
+  <p:timing>
+    <p:tnLst>
+      <p:par>
+        <p:cTn id="1" dur="indefinite" restart="never" nodeType="tmRoot"/>
+      </p:par>
+    </p:tnLst>
+  </p:timing>
+</p:sld>
+</file>
+
+<file path=ppt/slides/slide17.xml><?xml version="1.0" encoding="utf-8"?>
+<p:sld xmlns:a="http://schemas.openxmlformats.org/drawingml/2006/main" xmlns:r="http://schemas.openxmlformats.org/officeDocument/2006/relationships" xmlns:p="http://schemas.openxmlformats.org/presentationml/2006/main">
+  <p:cSld>
+    <p:spTree>
+      <p:nvGrpSpPr>
+        <p:cNvPr id="1" name=""/>
+        <p:cNvGrpSpPr/>
+        <p:nvPr/>
+      </p:nvGrpSpPr>
+      <p:grpSpPr>
+        <a:xfrm>
+          <a:off x="0" y="0"/>
+          <a:ext cx="0" cy="0"/>
+          <a:chOff x="0" y="0"/>
+          <a:chExt cx="0" cy="0"/>
+        </a:xfrm>
+      </p:grpSpPr>
+      <p:sp>
+        <p:nvSpPr>
+          <p:cNvPr id="2" name="Tytuł 1"/>
+          <p:cNvSpPr>
+            <a:spLocks noGrp="1"/>
+          </p:cNvSpPr>
+          <p:nvPr>
+            <p:ph type="title"/>
+          </p:nvPr>
+        </p:nvSpPr>
+        <p:spPr/>
+        <p:txBody>
+          <a:bodyPr/>
+          <a:lstStyle/>
+          <a:p>
+            <a:r>
+              <a:rPr lang="pl-PL" dirty="0"/>
+              <a:t>Zastosowanie dla macierzy </a:t>
+            </a:r>
+            <a:r>
+              <a:rPr lang="pl-PL" dirty="0" err="1"/>
+              <a:t>trójdiagonalnych</a:t>
+            </a:r>
+            <a:r>
+              <a:rPr lang="pl-PL" dirty="0"/>
+              <a:t>:</a:t>
+            </a:r>
+          </a:p>
+        </p:txBody>
+      </p:sp>
+      <mc:AlternateContent xmlns:mc="http://schemas.openxmlformats.org/markup-compatibility/2006">
+        <mc:Choice xmlns:a14="http://schemas.microsoft.com/office/drawing/2010/main" Requires="a14">
+          <p:sp>
+            <p:nvSpPr>
+              <p:cNvPr id="3" name="Symbol zastępczy zawartości 2"/>
+              <p:cNvSpPr>
+                <a:spLocks noGrp="1"/>
+              </p:cNvSpPr>
+              <p:nvPr>
+                <p:ph idx="1"/>
+              </p:nvPr>
+            </p:nvSpPr>
+            <p:spPr>
+              <a:xfrm>
+                <a:off x="1593436" y="1844824"/>
+                <a:ext cx="8605432" cy="460648"/>
+              </a:xfrm>
+            </p:spPr>
+            <p:txBody>
+              <a:bodyPr>
+                <a:normAutofit fontScale="92500" lnSpcReduction="10000"/>
+              </a:bodyPr>
+              <a:lstStyle/>
+              <a:p>
+                <a:pPr marL="0" indent="0">
+                  <a:buNone/>
+                </a:pPr>
+                <a:r>
+                  <a:rPr lang="pl-PL" sz="1600" dirty="0" smtClean="0"/>
+                  <a:t>Odbicia </a:t>
+                </a:r>
+                <a:r>
+                  <a:rPr lang="pl-PL" sz="1600" dirty="0" err="1" smtClean="0"/>
+                  <a:t>Householdera</a:t>
+                </a:r>
+                <a:r>
+                  <a:rPr lang="pl-PL" sz="1600" dirty="0" smtClean="0"/>
+                  <a:t> stosujemy w celu przekształcenia macierzy </a:t>
+                </a:r>
+                <a14:m>
+                  <m:oMath xmlns:m="http://schemas.openxmlformats.org/officeDocument/2006/math">
+                    <m:r>
+                      <a:rPr lang="pl-PL" sz="1600" i="1" dirty="0" smtClean="0">
+                        <a:latin typeface="Cambria Math" panose="02040503050406030204" pitchFamily="18" charset="0"/>
+                      </a:rPr>
+                      <m:t>𝐴</m:t>
+                    </m:r>
+                  </m:oMath>
+                </a14:m>
+                <a:r>
+                  <a:rPr lang="pl-PL" sz="1600" dirty="0" smtClean="0"/>
+                  <a:t> do macierzy górnej macierzy trójkątnej </a:t>
+                </a:r>
+                <a:r>
+                  <a:rPr lang="pl-PL" sz="1600" dirty="0"/>
+                  <a:t>(</a:t>
+                </a:r>
+                <a:r>
+                  <a:rPr lang="pl-PL" sz="1600" dirty="0" smtClean="0"/>
+                  <a:t>wykonujemy to w </a:t>
+                </a:r>
+                <a14:m>
+                  <m:oMath xmlns:m="http://schemas.openxmlformats.org/officeDocument/2006/math">
+                    <m:r>
+                      <a:rPr lang="pl-PL" sz="1600" b="0" i="1" smtClean="0">
+                        <a:latin typeface="Cambria Math" panose="02040503050406030204" pitchFamily="18" charset="0"/>
+                      </a:rPr>
+                      <m:t>𝑛</m:t>
+                    </m:r>
+                    <m:r>
+                      <a:rPr lang="pl-PL" sz="1600" b="0" i="1" smtClean="0">
+                        <a:latin typeface="Cambria Math" panose="02040503050406030204" pitchFamily="18" charset="0"/>
+                      </a:rPr>
+                      <m:t>−1</m:t>
+                    </m:r>
+                  </m:oMath>
+                </a14:m>
+                <a:r>
+                  <a:rPr lang="pl-PL" sz="1600" dirty="0" smtClean="0"/>
+                  <a:t> krokach):</a:t>
+                </a:r>
+              </a:p>
+            </p:txBody>
+          </p:sp>
+        </mc:Choice>
+        <mc:Fallback>
+          <p:sp>
+            <p:nvSpPr>
+              <p:cNvPr id="3" name="Symbol zastępczy zawartości 2"/>
+              <p:cNvSpPr>
+                <a:spLocks noGrp="1" noRot="1" noChangeAspect="1" noMove="1" noResize="1" noEditPoints="1" noAdjustHandles="1" noChangeArrowheads="1" noChangeShapeType="1" noTextEdit="1"/>
+              </p:cNvSpPr>
+              <p:nvPr>
+                <p:ph idx="1"/>
+              </p:nvPr>
+            </p:nvSpPr>
+            <p:spPr>
+              <a:xfrm>
+                <a:off x="1593436" y="1844824"/>
+                <a:ext cx="8605432" cy="460648"/>
+              </a:xfrm>
+              <a:blipFill>
+                <a:blip r:embed="rId2"/>
+                <a:stretch>
+                  <a:fillRect l="-283" t="-13333" b="-14667"/>
+                </a:stretch>
+              </a:blipFill>
+            </p:spPr>
+            <p:txBody>
+              <a:bodyPr/>
+              <a:lstStyle/>
+              <a:p>
+                <a:r>
+                  <a:rPr lang="pl-PL">
+                    <a:noFill/>
+                  </a:rPr>
+                  <a:t> </a:t>
+                </a:r>
+              </a:p>
+            </p:txBody>
+          </p:sp>
+        </mc:Fallback>
+      </mc:AlternateContent>
+      <mc:AlternateContent xmlns:mc="http://schemas.openxmlformats.org/markup-compatibility/2006">
+        <mc:Choice xmlns:a14="http://schemas.microsoft.com/office/drawing/2010/main" Requires="a14">
+          <p:sp>
+            <p:nvSpPr>
+              <p:cNvPr id="4" name="Prostokąt 3"/>
+              <p:cNvSpPr/>
+              <p:nvPr/>
+            </p:nvSpPr>
+            <p:spPr>
+              <a:xfrm>
+                <a:off x="4438228" y="2492896"/>
+                <a:ext cx="3888432" cy="3839449"/>
+              </a:xfrm>
+              <a:prstGeom prst="rect">
+                <a:avLst/>
+              </a:prstGeom>
+            </p:spPr>
+            <p:txBody>
+              <a:bodyPr wrap="square">
+                <a:spAutoFit/>
+              </a:bodyPr>
+              <a:lstStyle/>
+              <a:p>
+                <a:pPr>
+                  <a:lnSpc>
+                    <a:spcPct val="150000"/>
+                  </a:lnSpc>
+                </a:pPr>
+                <a:r>
+                  <a:rPr lang="pl-PL" dirty="0" smtClean="0"/>
+                  <a:t>              </a:t>
+                </a:r>
+                <a14:m>
+                  <m:oMath xmlns:m="http://schemas.openxmlformats.org/officeDocument/2006/math">
+                    <m:sSub>
+                      <m:sSubPr>
+                        <m:ctrlPr>
+                          <a:rPr lang="pl-PL" i="1" smtClean="0">
+                            <a:latin typeface="Cambria Math" panose="02040503050406030204" pitchFamily="18" charset="0"/>
+                          </a:rPr>
+                        </m:ctrlPr>
+                      </m:sSubPr>
+                      <m:e>
+                        <m:r>
+                          <a:rPr lang="pl-PL" i="1">
+                            <a:latin typeface="Cambria Math" panose="02040503050406030204" pitchFamily="18" charset="0"/>
+                          </a:rPr>
+                          <m:t>𝐻</m:t>
+                        </m:r>
+                      </m:e>
+                      <m:sub>
+                        <m:r>
+                          <a:rPr lang="pl-PL" i="1">
+                            <a:latin typeface="Cambria Math" panose="02040503050406030204" pitchFamily="18" charset="0"/>
+                          </a:rPr>
+                          <m:t>1</m:t>
+                        </m:r>
+                      </m:sub>
+                    </m:sSub>
+                    <m:r>
+                      <a:rPr lang="pl-PL" i="1">
+                        <a:latin typeface="Cambria Math" panose="02040503050406030204" pitchFamily="18" charset="0"/>
+                      </a:rPr>
+                      <m:t>𝐴</m:t>
+                    </m:r>
+                    <m:r>
+                      <a:rPr lang="pl-PL" i="1">
+                        <a:latin typeface="Cambria Math" panose="02040503050406030204" pitchFamily="18" charset="0"/>
+                      </a:rPr>
+                      <m:t>=</m:t>
+                    </m:r>
+                    <m:sSub>
+                      <m:sSubPr>
+                        <m:ctrlPr>
+                          <a:rPr lang="pl-PL" i="1">
+                            <a:latin typeface="Cambria Math" panose="02040503050406030204" pitchFamily="18" charset="0"/>
+                          </a:rPr>
+                        </m:ctrlPr>
+                      </m:sSubPr>
+                      <m:e>
+                        <m:r>
+                          <a:rPr lang="pl-PL" i="1">
+                            <a:latin typeface="Cambria Math" panose="02040503050406030204" pitchFamily="18" charset="0"/>
+                          </a:rPr>
+                          <m:t>𝐴</m:t>
+                        </m:r>
+                      </m:e>
+                      <m:sub>
+                        <m:r>
+                          <a:rPr lang="pl-PL" i="1">
+                            <a:latin typeface="Cambria Math" panose="02040503050406030204" pitchFamily="18" charset="0"/>
+                          </a:rPr>
+                          <m:t>1</m:t>
+                        </m:r>
+                      </m:sub>
+                    </m:sSub>
+                  </m:oMath>
+                </a14:m>
+                <a:r>
+                  <a:rPr lang="pl-PL" dirty="0" smtClean="0"/>
+                  <a:t> </a:t>
+                </a:r>
+                <a:endParaRPr lang="pl-PL" dirty="0"/>
+              </a:p>
+              <a:p>
+                <a:pPr>
+                  <a:lnSpc>
+                    <a:spcPct val="150000"/>
+                  </a:lnSpc>
+                </a:pPr>
+                <a:r>
+                  <a:rPr lang="pl-PL" dirty="0"/>
+                  <a:t> </a:t>
+                </a:r>
+                <a:r>
+                  <a:rPr lang="pl-PL" dirty="0" smtClean="0"/>
+                  <a:t>            </a:t>
+                </a:r>
+                <a14:m>
+                  <m:oMath xmlns:m="http://schemas.openxmlformats.org/officeDocument/2006/math">
+                    <m:sSub>
+                      <m:sSubPr>
+                        <m:ctrlPr>
+                          <a:rPr lang="pl-PL" i="1">
+                            <a:latin typeface="Cambria Math" panose="02040503050406030204" pitchFamily="18" charset="0"/>
+                          </a:rPr>
+                        </m:ctrlPr>
+                      </m:sSubPr>
+                      <m:e>
+                        <m:r>
+                          <a:rPr lang="pl-PL" i="1">
+                            <a:latin typeface="Cambria Math" panose="02040503050406030204" pitchFamily="18" charset="0"/>
+                          </a:rPr>
+                          <m:t>𝐻</m:t>
+                        </m:r>
+                      </m:e>
+                      <m:sub>
+                        <m:r>
+                          <a:rPr lang="pl-PL" i="1">
+                            <a:latin typeface="Cambria Math" panose="02040503050406030204" pitchFamily="18" charset="0"/>
+                          </a:rPr>
+                          <m:t>2</m:t>
+                        </m:r>
+                      </m:sub>
+                    </m:sSub>
+                    <m:sSub>
+                      <m:sSubPr>
+                        <m:ctrlPr>
+                          <a:rPr lang="pl-PL" i="1">
+                            <a:latin typeface="Cambria Math" panose="02040503050406030204" pitchFamily="18" charset="0"/>
+                          </a:rPr>
+                        </m:ctrlPr>
+                      </m:sSubPr>
+                      <m:e>
+                        <m:r>
+                          <a:rPr lang="pl-PL" i="1">
+                            <a:latin typeface="Cambria Math" panose="02040503050406030204" pitchFamily="18" charset="0"/>
+                          </a:rPr>
+                          <m:t>𝐴</m:t>
+                        </m:r>
+                      </m:e>
+                      <m:sub>
+                        <m:r>
+                          <a:rPr lang="pl-PL" i="1">
+                            <a:latin typeface="Cambria Math" panose="02040503050406030204" pitchFamily="18" charset="0"/>
+                          </a:rPr>
+                          <m:t>1</m:t>
+                        </m:r>
+                      </m:sub>
+                    </m:sSub>
+                    <m:r>
+                      <a:rPr lang="pl-PL" i="1">
+                        <a:latin typeface="Cambria Math" panose="02040503050406030204" pitchFamily="18" charset="0"/>
+                      </a:rPr>
+                      <m:t>=</m:t>
+                    </m:r>
+                    <m:sSub>
+                      <m:sSubPr>
+                        <m:ctrlPr>
+                          <a:rPr lang="pl-PL" i="1">
+                            <a:latin typeface="Cambria Math" panose="02040503050406030204" pitchFamily="18" charset="0"/>
+                          </a:rPr>
+                        </m:ctrlPr>
+                      </m:sSubPr>
+                      <m:e>
+                        <m:r>
+                          <a:rPr lang="pl-PL" i="1">
+                            <a:latin typeface="Cambria Math" panose="02040503050406030204" pitchFamily="18" charset="0"/>
+                          </a:rPr>
+                          <m:t>𝐴</m:t>
+                        </m:r>
+                      </m:e>
+                      <m:sub>
+                        <m:r>
+                          <a:rPr lang="pl-PL" i="1">
+                            <a:latin typeface="Cambria Math" panose="02040503050406030204" pitchFamily="18" charset="0"/>
+                          </a:rPr>
+                          <m:t>2</m:t>
+                        </m:r>
+                      </m:sub>
+                    </m:sSub>
+                  </m:oMath>
+                </a14:m>
+                <a:r>
+                  <a:rPr lang="pl-PL" dirty="0" smtClean="0"/>
+                  <a:t> </a:t>
+                </a:r>
+                <a:endParaRPr lang="pl-PL" dirty="0"/>
+              </a:p>
+              <a:p>
+                <a:pPr>
+                  <a:lnSpc>
+                    <a:spcPct val="150000"/>
+                  </a:lnSpc>
+                </a:pPr>
+                <a:r>
+                  <a:rPr lang="pl-PL" dirty="0" smtClean="0"/>
+                  <a:t>                      </a:t>
+                </a:r>
+                <a14:m>
+                  <m:oMath xmlns:m="http://schemas.openxmlformats.org/officeDocument/2006/math">
+                    <m:r>
+                      <a:rPr lang="pl-PL" i="1">
+                        <a:latin typeface="Cambria Math" panose="02040503050406030204" pitchFamily="18" charset="0"/>
+                      </a:rPr>
+                      <m:t>…</m:t>
+                    </m:r>
+                  </m:oMath>
+                </a14:m>
+                <a:r>
+                  <a:rPr lang="pl-PL" dirty="0" smtClean="0"/>
+                  <a:t> </a:t>
+                </a:r>
+                <a:endParaRPr lang="pl-PL" dirty="0"/>
+              </a:p>
+              <a:p>
+                <a:pPr>
+                  <a:lnSpc>
+                    <a:spcPct val="150000"/>
+                  </a:lnSpc>
+                </a:pPr>
+                <a14:m>
+                  <m:oMath xmlns:m="http://schemas.openxmlformats.org/officeDocument/2006/math">
+                    <m:r>
+                      <a:rPr lang="pl-PL" b="0" i="1" smtClean="0">
+                        <a:latin typeface="Cambria Math" panose="02040503050406030204" pitchFamily="18" charset="0"/>
+                      </a:rPr>
+                      <m:t>       </m:t>
+                    </m:r>
+                    <m:sSub>
+                      <m:sSubPr>
+                        <m:ctrlPr>
+                          <a:rPr lang="pl-PL" i="1">
+                            <a:latin typeface="Cambria Math" panose="02040503050406030204" pitchFamily="18" charset="0"/>
+                          </a:rPr>
+                        </m:ctrlPr>
+                      </m:sSubPr>
+                      <m:e>
+                        <m:r>
+                          <a:rPr lang="pl-PL" i="1">
+                            <a:latin typeface="Cambria Math" panose="02040503050406030204" pitchFamily="18" charset="0"/>
+                          </a:rPr>
+                          <m:t>𝐻</m:t>
+                        </m:r>
+                      </m:e>
+                      <m:sub>
+                        <m:r>
+                          <a:rPr lang="pl-PL" i="1">
+                            <a:latin typeface="Cambria Math" panose="02040503050406030204" pitchFamily="18" charset="0"/>
+                          </a:rPr>
+                          <m:t>𝑛</m:t>
+                        </m:r>
+                        <m:r>
+                          <a:rPr lang="pl-PL" i="1">
+                            <a:latin typeface="Cambria Math" panose="02040503050406030204" pitchFamily="18" charset="0"/>
+                          </a:rPr>
+                          <m:t>−1</m:t>
+                        </m:r>
+                      </m:sub>
+                    </m:sSub>
+                    <m:sSub>
+                      <m:sSubPr>
+                        <m:ctrlPr>
+                          <a:rPr lang="pl-PL" i="1">
+                            <a:latin typeface="Cambria Math" panose="02040503050406030204" pitchFamily="18" charset="0"/>
+                          </a:rPr>
+                        </m:ctrlPr>
+                      </m:sSubPr>
+                      <m:e>
+                        <m:r>
+                          <a:rPr lang="pl-PL" i="1">
+                            <a:latin typeface="Cambria Math" panose="02040503050406030204" pitchFamily="18" charset="0"/>
+                          </a:rPr>
+                          <m:t>𝐴</m:t>
+                        </m:r>
+                      </m:e>
+                      <m:sub>
+                        <m:r>
+                          <a:rPr lang="pl-PL" i="1">
+                            <a:latin typeface="Cambria Math" panose="02040503050406030204" pitchFamily="18" charset="0"/>
+                          </a:rPr>
+                          <m:t>𝑛</m:t>
+                        </m:r>
+                        <m:r>
+                          <a:rPr lang="pl-PL" i="1">
+                            <a:latin typeface="Cambria Math" panose="02040503050406030204" pitchFamily="18" charset="0"/>
+                          </a:rPr>
+                          <m:t>−2</m:t>
+                        </m:r>
+                      </m:sub>
+                    </m:sSub>
+                    <m:r>
+                      <a:rPr lang="pl-PL" i="1">
+                        <a:latin typeface="Cambria Math" panose="02040503050406030204" pitchFamily="18" charset="0"/>
+                      </a:rPr>
+                      <m:t>=</m:t>
+                    </m:r>
+                    <m:sSub>
+                      <m:sSubPr>
+                        <m:ctrlPr>
+                          <a:rPr lang="pl-PL" i="1">
+                            <a:latin typeface="Cambria Math" panose="02040503050406030204" pitchFamily="18" charset="0"/>
+                          </a:rPr>
+                        </m:ctrlPr>
+                      </m:sSubPr>
+                      <m:e>
+                        <m:r>
+                          <a:rPr lang="pl-PL" i="1">
+                            <a:latin typeface="Cambria Math" panose="02040503050406030204" pitchFamily="18" charset="0"/>
+                          </a:rPr>
+                          <m:t>𝐴</m:t>
+                        </m:r>
+                      </m:e>
+                      <m:sub>
+                        <m:r>
+                          <a:rPr lang="pl-PL" i="1">
+                            <a:latin typeface="Cambria Math" panose="02040503050406030204" pitchFamily="18" charset="0"/>
+                          </a:rPr>
+                          <m:t>𝑛</m:t>
+                        </m:r>
+                        <m:r>
+                          <a:rPr lang="pl-PL" i="1">
+                            <a:latin typeface="Cambria Math" panose="02040503050406030204" pitchFamily="18" charset="0"/>
+                          </a:rPr>
+                          <m:t>−1</m:t>
+                        </m:r>
+                      </m:sub>
+                    </m:sSub>
+                    <m:r>
+                      <a:rPr lang="pl-PL" i="1">
+                        <a:latin typeface="Cambria Math" panose="02040503050406030204" pitchFamily="18" charset="0"/>
+                      </a:rPr>
+                      <m:t>=</m:t>
+                    </m:r>
+                    <m:r>
+                      <a:rPr lang="pl-PL" i="1">
+                        <a:latin typeface="Cambria Math" panose="02040503050406030204" pitchFamily="18" charset="0"/>
+                      </a:rPr>
+                      <m:t>𝑅</m:t>
+                    </m:r>
+                  </m:oMath>
+                </a14:m>
+                <a:r>
+                  <a:rPr lang="pl-PL" dirty="0" smtClean="0"/>
+                  <a:t> </a:t>
+                </a:r>
+                <a:endParaRPr lang="pl-PL" dirty="0"/>
+              </a:p>
+              <a:p>
+                <a:pPr>
+                  <a:lnSpc>
+                    <a:spcPct val="150000"/>
+                  </a:lnSpc>
+                </a:pPr>
+                <a14:m>
+                  <m:oMath xmlns:m="http://schemas.openxmlformats.org/officeDocument/2006/math">
+                    <m:d>
+                      <m:dPr>
+                        <m:ctrlPr>
+                          <a:rPr lang="pl-PL" i="1">
+                            <a:latin typeface="Cambria Math" panose="02040503050406030204" pitchFamily="18" charset="0"/>
+                          </a:rPr>
+                        </m:ctrlPr>
+                      </m:dPr>
+                      <m:e>
+                        <m:sSub>
+                          <m:sSubPr>
+                            <m:ctrlPr>
+                              <a:rPr lang="pl-PL" i="1">
+                                <a:latin typeface="Cambria Math" panose="02040503050406030204" pitchFamily="18" charset="0"/>
+                              </a:rPr>
+                            </m:ctrlPr>
+                          </m:sSubPr>
+                          <m:e>
+                            <m:r>
+                              <a:rPr lang="pl-PL" i="1">
+                                <a:latin typeface="Cambria Math" panose="02040503050406030204" pitchFamily="18" charset="0"/>
+                              </a:rPr>
+                              <m:t>𝐻</m:t>
+                            </m:r>
+                          </m:e>
+                          <m:sub>
+                            <m:r>
+                              <a:rPr lang="pl-PL" i="1">
+                                <a:latin typeface="Cambria Math" panose="02040503050406030204" pitchFamily="18" charset="0"/>
+                              </a:rPr>
+                              <m:t>𝑛</m:t>
+                            </m:r>
+                            <m:r>
+                              <a:rPr lang="pl-PL" i="1">
+                                <a:latin typeface="Cambria Math" panose="02040503050406030204" pitchFamily="18" charset="0"/>
+                              </a:rPr>
+                              <m:t>−1</m:t>
+                            </m:r>
+                          </m:sub>
+                        </m:sSub>
+                        <m:sSub>
+                          <m:sSubPr>
+                            <m:ctrlPr>
+                              <a:rPr lang="pl-PL" i="1">
+                                <a:latin typeface="Cambria Math" panose="02040503050406030204" pitchFamily="18" charset="0"/>
+                              </a:rPr>
+                            </m:ctrlPr>
+                          </m:sSubPr>
+                          <m:e>
+                            <m:sSub>
+                              <m:sSubPr>
+                                <m:ctrlPr>
+                                  <a:rPr lang="pl-PL" i="1">
+                                    <a:latin typeface="Cambria Math" panose="02040503050406030204" pitchFamily="18" charset="0"/>
+                                  </a:rPr>
+                                </m:ctrlPr>
+                              </m:sSubPr>
+                              <m:e>
+                                <m:r>
+                                  <a:rPr lang="pl-PL" i="1">
+                                    <a:latin typeface="Cambria Math" panose="02040503050406030204" pitchFamily="18" charset="0"/>
+                                  </a:rPr>
+                                  <m:t>𝐻</m:t>
+                                </m:r>
+                              </m:e>
+                              <m:sub>
+                                <m:r>
+                                  <a:rPr lang="pl-PL" i="1">
+                                    <a:latin typeface="Cambria Math" panose="02040503050406030204" pitchFamily="18" charset="0"/>
+                                  </a:rPr>
+                                  <m:t>2</m:t>
+                                </m:r>
+                              </m:sub>
+                            </m:sSub>
+                            <m:r>
+                              <a:rPr lang="pl-PL" i="1">
+                                <a:latin typeface="Cambria Math" panose="02040503050406030204" pitchFamily="18" charset="0"/>
+                              </a:rPr>
+                              <m:t>𝐻</m:t>
+                            </m:r>
+                          </m:e>
+                          <m:sub>
+                            <m:r>
+                              <a:rPr lang="pl-PL" i="1">
+                                <a:latin typeface="Cambria Math" panose="02040503050406030204" pitchFamily="18" charset="0"/>
+                              </a:rPr>
+                              <m:t>1</m:t>
+                            </m:r>
+                          </m:sub>
+                        </m:sSub>
+                      </m:e>
+                    </m:d>
+                    <m:r>
+                      <a:rPr lang="pl-PL" i="1">
+                        <a:latin typeface="Cambria Math" panose="02040503050406030204" pitchFamily="18" charset="0"/>
+                      </a:rPr>
+                      <m:t>𝐴</m:t>
+                    </m:r>
+                    <m:r>
+                      <a:rPr lang="pl-PL" i="1">
+                        <a:latin typeface="Cambria Math" panose="02040503050406030204" pitchFamily="18" charset="0"/>
+                      </a:rPr>
+                      <m:t>=</m:t>
+                    </m:r>
+                    <m:r>
+                      <a:rPr lang="pl-PL" i="1">
+                        <a:latin typeface="Cambria Math" panose="02040503050406030204" pitchFamily="18" charset="0"/>
+                      </a:rPr>
+                      <m:t>𝑅</m:t>
+                    </m:r>
+                  </m:oMath>
+                </a14:m>
+                <a:r>
+                  <a:rPr lang="pl-PL" dirty="0" smtClean="0"/>
+                  <a:t> </a:t>
+                </a:r>
+                <a:endParaRPr lang="pl-PL" dirty="0"/>
+              </a:p>
+              <a:p>
+                <a:pPr>
+                  <a:lnSpc>
+                    <a:spcPct val="150000"/>
+                  </a:lnSpc>
+                </a:pPr>
+                <a:r>
+                  <a:rPr lang="pl-PL" dirty="0" smtClean="0"/>
+                  <a:t>	    </a:t>
+                </a:r>
+                <a14:m>
+                  <m:oMath xmlns:m="http://schemas.openxmlformats.org/officeDocument/2006/math">
+                    <m:r>
+                      <a:rPr lang="pl-PL" i="1">
+                        <a:latin typeface="Cambria Math" panose="02040503050406030204" pitchFamily="18" charset="0"/>
+                      </a:rPr>
+                      <m:t>𝐴</m:t>
+                    </m:r>
+                    <m:r>
+                      <a:rPr lang="pl-PL" i="1">
+                        <a:latin typeface="Cambria Math" panose="02040503050406030204" pitchFamily="18" charset="0"/>
+                      </a:rPr>
+                      <m:t>=</m:t>
+                    </m:r>
+                    <m:sSup>
+                      <m:sSupPr>
+                        <m:ctrlPr>
+                          <a:rPr lang="pl-PL" i="1">
+                            <a:latin typeface="Cambria Math" panose="02040503050406030204" pitchFamily="18" charset="0"/>
+                          </a:rPr>
+                        </m:ctrlPr>
+                      </m:sSupPr>
+                      <m:e>
+                        <m:d>
+                          <m:dPr>
+                            <m:ctrlPr>
+                              <a:rPr lang="pl-PL" i="1">
+                                <a:latin typeface="Cambria Math" panose="02040503050406030204" pitchFamily="18" charset="0"/>
+                              </a:rPr>
+                            </m:ctrlPr>
+                          </m:dPr>
+                          <m:e>
+                            <m:sSub>
+                              <m:sSubPr>
+                                <m:ctrlPr>
+                                  <a:rPr lang="pl-PL" i="1">
+                                    <a:latin typeface="Cambria Math" panose="02040503050406030204" pitchFamily="18" charset="0"/>
+                                  </a:rPr>
+                                </m:ctrlPr>
+                              </m:sSubPr>
+                              <m:e>
+                                <m:r>
+                                  <a:rPr lang="pl-PL" i="1">
+                                    <a:latin typeface="Cambria Math" panose="02040503050406030204" pitchFamily="18" charset="0"/>
+                                  </a:rPr>
+                                  <m:t>𝐻</m:t>
+                                </m:r>
+                              </m:e>
+                              <m:sub>
+                                <m:r>
+                                  <a:rPr lang="pl-PL" i="1">
+                                    <a:latin typeface="Cambria Math" panose="02040503050406030204" pitchFamily="18" charset="0"/>
+                                  </a:rPr>
+                                  <m:t>𝑛</m:t>
+                                </m:r>
+                                <m:r>
+                                  <a:rPr lang="pl-PL" i="1">
+                                    <a:latin typeface="Cambria Math" panose="02040503050406030204" pitchFamily="18" charset="0"/>
+                                  </a:rPr>
+                                  <m:t>−1</m:t>
+                                </m:r>
+                              </m:sub>
+                            </m:sSub>
+                            <m:sSub>
+                              <m:sSubPr>
+                                <m:ctrlPr>
+                                  <a:rPr lang="pl-PL" i="1">
+                                    <a:latin typeface="Cambria Math" panose="02040503050406030204" pitchFamily="18" charset="0"/>
+                                  </a:rPr>
+                                </m:ctrlPr>
+                              </m:sSubPr>
+                              <m:e>
+                                <m:sSub>
+                                  <m:sSubPr>
+                                    <m:ctrlPr>
+                                      <a:rPr lang="pl-PL" i="1">
+                                        <a:latin typeface="Cambria Math" panose="02040503050406030204" pitchFamily="18" charset="0"/>
+                                      </a:rPr>
+                                    </m:ctrlPr>
+                                  </m:sSubPr>
+                                  <m:e>
+                                    <m:r>
+                                      <a:rPr lang="pl-PL" i="1">
+                                        <a:latin typeface="Cambria Math" panose="02040503050406030204" pitchFamily="18" charset="0"/>
+                                      </a:rPr>
+                                      <m:t>𝐻</m:t>
+                                    </m:r>
+                                  </m:e>
+                                  <m:sub>
+                                    <m:r>
+                                      <a:rPr lang="pl-PL" i="1">
+                                        <a:latin typeface="Cambria Math" panose="02040503050406030204" pitchFamily="18" charset="0"/>
+                                      </a:rPr>
+                                      <m:t>2</m:t>
+                                    </m:r>
+                                  </m:sub>
+                                </m:sSub>
+                                <m:r>
+                                  <a:rPr lang="pl-PL" i="1">
+                                    <a:latin typeface="Cambria Math" panose="02040503050406030204" pitchFamily="18" charset="0"/>
+                                  </a:rPr>
+                                  <m:t>𝐻</m:t>
+                                </m:r>
+                              </m:e>
+                              <m:sub>
+                                <m:r>
+                                  <a:rPr lang="pl-PL" i="1">
+                                    <a:latin typeface="Cambria Math" panose="02040503050406030204" pitchFamily="18" charset="0"/>
+                                  </a:rPr>
+                                  <m:t>1</m:t>
+                                </m:r>
+                              </m:sub>
+                            </m:sSub>
+                          </m:e>
+                        </m:d>
+                      </m:e>
+                      <m:sup>
+                        <m:r>
+                          <a:rPr lang="pl-PL" i="1">
+                            <a:latin typeface="Cambria Math" panose="02040503050406030204" pitchFamily="18" charset="0"/>
+                          </a:rPr>
+                          <m:t>−1</m:t>
+                        </m:r>
+                      </m:sup>
+                    </m:sSup>
+                    <m:r>
+                      <a:rPr lang="pl-PL" i="1">
+                        <a:latin typeface="Cambria Math" panose="02040503050406030204" pitchFamily="18" charset="0"/>
+                      </a:rPr>
+                      <m:t>𝑅</m:t>
+                    </m:r>
+                  </m:oMath>
+                </a14:m>
+                <a:r>
+                  <a:rPr lang="pl-PL" dirty="0" smtClean="0"/>
+                  <a:t> </a:t>
+                </a:r>
+                <a:endParaRPr lang="pl-PL" dirty="0"/>
+              </a:p>
+              <a:p>
+                <a:pPr>
+                  <a:lnSpc>
+                    <a:spcPct val="150000"/>
+                  </a:lnSpc>
+                </a:pPr>
+                <a:r>
+                  <a:rPr lang="pl-PL" dirty="0" smtClean="0"/>
+                  <a:t>	    </a:t>
+                </a:r>
+                <a14:m>
+                  <m:oMath xmlns:m="http://schemas.openxmlformats.org/officeDocument/2006/math">
+                    <m:r>
+                      <a:rPr lang="pl-PL" i="1">
+                        <a:latin typeface="Cambria Math" panose="02040503050406030204" pitchFamily="18" charset="0"/>
+                      </a:rPr>
+                      <m:t>𝐴</m:t>
+                    </m:r>
+                    <m:r>
+                      <a:rPr lang="pl-PL" i="1">
+                        <a:latin typeface="Cambria Math" panose="02040503050406030204" pitchFamily="18" charset="0"/>
+                      </a:rPr>
+                      <m:t>=</m:t>
+                    </m:r>
+                    <m:sSup>
+                      <m:sSupPr>
+                        <m:ctrlPr>
+                          <a:rPr lang="pl-PL" i="1">
+                            <a:latin typeface="Cambria Math" panose="02040503050406030204" pitchFamily="18" charset="0"/>
+                          </a:rPr>
+                        </m:ctrlPr>
+                      </m:sSupPr>
+                      <m:e>
+                        <m:d>
+                          <m:dPr>
+                            <m:ctrlPr>
+                              <a:rPr lang="pl-PL" i="1">
+                                <a:latin typeface="Cambria Math" panose="02040503050406030204" pitchFamily="18" charset="0"/>
+                              </a:rPr>
+                            </m:ctrlPr>
+                          </m:dPr>
+                          <m:e>
+                            <m:sSub>
+                              <m:sSubPr>
+                                <m:ctrlPr>
+                                  <a:rPr lang="pl-PL" i="1">
+                                    <a:latin typeface="Cambria Math" panose="02040503050406030204" pitchFamily="18" charset="0"/>
+                                  </a:rPr>
+                                </m:ctrlPr>
+                              </m:sSubPr>
+                              <m:e>
+                                <m:r>
+                                  <a:rPr lang="pl-PL" i="1">
+                                    <a:latin typeface="Cambria Math" panose="02040503050406030204" pitchFamily="18" charset="0"/>
+                                  </a:rPr>
+                                  <m:t>𝐻</m:t>
+                                </m:r>
+                              </m:e>
+                              <m:sub>
+                                <m:r>
+                                  <a:rPr lang="pl-PL" i="1">
+                                    <a:latin typeface="Cambria Math" panose="02040503050406030204" pitchFamily="18" charset="0"/>
+                                  </a:rPr>
+                                  <m:t>𝑛</m:t>
+                                </m:r>
+                                <m:r>
+                                  <a:rPr lang="pl-PL" i="1">
+                                    <a:latin typeface="Cambria Math" panose="02040503050406030204" pitchFamily="18" charset="0"/>
+                                  </a:rPr>
+                                  <m:t>−1</m:t>
+                                </m:r>
+                              </m:sub>
+                            </m:sSub>
+                            <m:sSub>
+                              <m:sSubPr>
+                                <m:ctrlPr>
+                                  <a:rPr lang="pl-PL" i="1">
+                                    <a:latin typeface="Cambria Math" panose="02040503050406030204" pitchFamily="18" charset="0"/>
+                                  </a:rPr>
+                                </m:ctrlPr>
+                              </m:sSubPr>
+                              <m:e>
+                                <m:sSub>
+                                  <m:sSubPr>
+                                    <m:ctrlPr>
+                                      <a:rPr lang="pl-PL" i="1">
+                                        <a:latin typeface="Cambria Math" panose="02040503050406030204" pitchFamily="18" charset="0"/>
+                                      </a:rPr>
+                                    </m:ctrlPr>
+                                  </m:sSubPr>
+                                  <m:e>
+                                    <m:r>
+                                      <a:rPr lang="pl-PL" i="1">
+                                        <a:latin typeface="Cambria Math" panose="02040503050406030204" pitchFamily="18" charset="0"/>
+                                      </a:rPr>
+                                      <m:t>𝐻</m:t>
+                                    </m:r>
+                                  </m:e>
+                                  <m:sub>
+                                    <m:r>
+                                      <a:rPr lang="pl-PL" i="1">
+                                        <a:latin typeface="Cambria Math" panose="02040503050406030204" pitchFamily="18" charset="0"/>
+                                      </a:rPr>
+                                      <m:t>2</m:t>
+                                    </m:r>
+                                  </m:sub>
+                                </m:sSub>
+                                <m:r>
+                                  <a:rPr lang="pl-PL" i="1">
+                                    <a:latin typeface="Cambria Math" panose="02040503050406030204" pitchFamily="18" charset="0"/>
+                                  </a:rPr>
+                                  <m:t>𝐻</m:t>
+                                </m:r>
+                              </m:e>
+                              <m:sub>
+                                <m:r>
+                                  <a:rPr lang="pl-PL" i="1">
+                                    <a:latin typeface="Cambria Math" panose="02040503050406030204" pitchFamily="18" charset="0"/>
+                                  </a:rPr>
+                                  <m:t>1</m:t>
+                                </m:r>
+                              </m:sub>
+                            </m:sSub>
+                          </m:e>
+                        </m:d>
+                      </m:e>
+                      <m:sup>
+                        <m:r>
+                          <a:rPr lang="pl-PL" i="1">
+                            <a:latin typeface="Cambria Math" panose="02040503050406030204" pitchFamily="18" charset="0"/>
+                          </a:rPr>
+                          <m:t>𝑇</m:t>
+                        </m:r>
+                      </m:sup>
+                    </m:sSup>
+                    <m:r>
+                      <a:rPr lang="pl-PL" i="1">
+                        <a:latin typeface="Cambria Math" panose="02040503050406030204" pitchFamily="18" charset="0"/>
+                      </a:rPr>
+                      <m:t>𝑅</m:t>
+                    </m:r>
+                  </m:oMath>
+                </a14:m>
+                <a:r>
+                  <a:rPr lang="pl-PL" dirty="0" smtClean="0"/>
+                  <a:t> </a:t>
+                </a:r>
+                <a:endParaRPr lang="pl-PL" dirty="0"/>
+              </a:p>
+              <a:p>
+                <a:pPr>
+                  <a:lnSpc>
+                    <a:spcPct val="150000"/>
+                  </a:lnSpc>
+                </a:pPr>
+                <a:r>
+                  <a:rPr lang="pl-PL" dirty="0"/>
+                  <a:t>	</a:t>
+                </a:r>
+                <a:r>
+                  <a:rPr lang="pl-PL" dirty="0" smtClean="0"/>
+                  <a:t>    </a:t>
+                </a:r>
+                <a14:m>
+                  <m:oMath xmlns:m="http://schemas.openxmlformats.org/officeDocument/2006/math">
+                    <m:r>
+                      <a:rPr lang="pl-PL" i="1">
+                        <a:latin typeface="Cambria Math" panose="02040503050406030204" pitchFamily="18" charset="0"/>
+                      </a:rPr>
+                      <m:t>𝐴</m:t>
+                    </m:r>
+                    <m:r>
+                      <a:rPr lang="pl-PL" i="1">
+                        <a:latin typeface="Cambria Math" panose="02040503050406030204" pitchFamily="18" charset="0"/>
+                      </a:rPr>
+                      <m:t>=</m:t>
+                    </m:r>
+                    <m:d>
+                      <m:dPr>
+                        <m:ctrlPr>
+                          <a:rPr lang="pl-PL" i="1">
+                            <a:latin typeface="Cambria Math" panose="02040503050406030204" pitchFamily="18" charset="0"/>
+                          </a:rPr>
+                        </m:ctrlPr>
+                      </m:dPr>
+                      <m:e>
+                        <m:sSubSup>
+                          <m:sSubSupPr>
+                            <m:ctrlPr>
+                              <a:rPr lang="pl-PL" i="1">
+                                <a:latin typeface="Cambria Math" panose="02040503050406030204" pitchFamily="18" charset="0"/>
+                              </a:rPr>
+                            </m:ctrlPr>
+                          </m:sSubSupPr>
+                          <m:e>
+                            <m:r>
+                              <a:rPr lang="pl-PL" i="1">
+                                <a:latin typeface="Cambria Math" panose="02040503050406030204" pitchFamily="18" charset="0"/>
+                              </a:rPr>
+                              <m:t>𝐻</m:t>
+                            </m:r>
+                          </m:e>
+                          <m:sub>
+                            <m:r>
+                              <a:rPr lang="pl-PL" i="1">
+                                <a:latin typeface="Cambria Math" panose="02040503050406030204" pitchFamily="18" charset="0"/>
+                              </a:rPr>
+                              <m:t>1</m:t>
+                            </m:r>
+                          </m:sub>
+                          <m:sup>
+                            <m:r>
+                              <a:rPr lang="pl-PL" i="1">
+                                <a:latin typeface="Cambria Math" panose="02040503050406030204" pitchFamily="18" charset="0"/>
+                              </a:rPr>
+                              <m:t>𝑇</m:t>
+                            </m:r>
+                          </m:sup>
+                        </m:sSubSup>
+                        <m:sSubSup>
+                          <m:sSubSupPr>
+                            <m:ctrlPr>
+                              <a:rPr lang="pl-PL" i="1">
+                                <a:latin typeface="Cambria Math" panose="02040503050406030204" pitchFamily="18" charset="0"/>
+                              </a:rPr>
+                            </m:ctrlPr>
+                          </m:sSubSupPr>
+                          <m:e>
+                            <m:r>
+                              <a:rPr lang="pl-PL" i="1">
+                                <a:latin typeface="Cambria Math" panose="02040503050406030204" pitchFamily="18" charset="0"/>
+                              </a:rPr>
+                              <m:t>𝐻</m:t>
+                            </m:r>
+                          </m:e>
+                          <m:sub>
+                            <m:r>
+                              <a:rPr lang="pl-PL" i="1">
+                                <a:latin typeface="Cambria Math" panose="02040503050406030204" pitchFamily="18" charset="0"/>
+                              </a:rPr>
+                              <m:t>2</m:t>
+                            </m:r>
+                          </m:sub>
+                          <m:sup>
+                            <m:r>
+                              <a:rPr lang="pl-PL" i="1">
+                                <a:latin typeface="Cambria Math" panose="02040503050406030204" pitchFamily="18" charset="0"/>
+                              </a:rPr>
+                              <m:t>𝑇</m:t>
+                            </m:r>
+                          </m:sup>
+                        </m:sSubSup>
+                        <m:r>
+                          <a:rPr lang="pl-PL" i="1">
+                            <a:latin typeface="Cambria Math" panose="02040503050406030204" pitchFamily="18" charset="0"/>
+                            <a:ea typeface="Cambria Math" panose="02040503050406030204" pitchFamily="18" charset="0"/>
+                          </a:rPr>
+                          <m:t>∙…∙</m:t>
+                        </m:r>
+                        <m:sSubSup>
+                          <m:sSubSupPr>
+                            <m:ctrlPr>
+                              <a:rPr lang="pl-PL" i="1">
+                                <a:latin typeface="Cambria Math" panose="02040503050406030204" pitchFamily="18" charset="0"/>
+                              </a:rPr>
+                            </m:ctrlPr>
+                          </m:sSubSupPr>
+                          <m:e>
+                            <m:r>
+                              <a:rPr lang="pl-PL" i="1">
+                                <a:latin typeface="Cambria Math" panose="02040503050406030204" pitchFamily="18" charset="0"/>
+                              </a:rPr>
+                              <m:t>𝐻</m:t>
+                            </m:r>
+                          </m:e>
+                          <m:sub>
+                            <m:r>
+                              <a:rPr lang="pl-PL" i="1">
+                                <a:latin typeface="Cambria Math" panose="02040503050406030204" pitchFamily="18" charset="0"/>
+                              </a:rPr>
+                              <m:t>𝑛</m:t>
+                            </m:r>
+                            <m:r>
+                              <a:rPr lang="pl-PL" i="1">
+                                <a:latin typeface="Cambria Math" panose="02040503050406030204" pitchFamily="18" charset="0"/>
+                              </a:rPr>
+                              <m:t>−1</m:t>
+                            </m:r>
+                          </m:sub>
+                          <m:sup>
+                            <m:r>
+                              <a:rPr lang="pl-PL" i="1">
+                                <a:latin typeface="Cambria Math" panose="02040503050406030204" pitchFamily="18" charset="0"/>
+                              </a:rPr>
+                              <m:t>𝑇</m:t>
+                            </m:r>
+                          </m:sup>
+                        </m:sSubSup>
+                      </m:e>
+                    </m:d>
+                    <m:r>
+                      <a:rPr lang="pl-PL" i="1">
+                        <a:latin typeface="Cambria Math" panose="02040503050406030204" pitchFamily="18" charset="0"/>
+                      </a:rPr>
+                      <m:t>𝑅</m:t>
+                    </m:r>
+                  </m:oMath>
+                </a14:m>
+                <a:r>
+                  <a:rPr lang="pl-PL" dirty="0" smtClean="0"/>
+                  <a:t> </a:t>
+                </a:r>
+                <a:endParaRPr lang="pl-PL" dirty="0"/>
+              </a:p>
+              <a:p>
+                <a:pPr>
+                  <a:lnSpc>
+                    <a:spcPct val="150000"/>
+                  </a:lnSpc>
+                </a:pPr>
+                <a:r>
+                  <a:rPr lang="pl-PL" dirty="0" smtClean="0"/>
+                  <a:t>	    </a:t>
+                </a:r>
+                <a14:m>
+                  <m:oMath xmlns:m="http://schemas.openxmlformats.org/officeDocument/2006/math">
+                    <m:r>
+                      <a:rPr lang="pl-PL" i="1">
+                        <a:latin typeface="Cambria Math" panose="02040503050406030204" pitchFamily="18" charset="0"/>
+                      </a:rPr>
+                      <m:t>𝐴</m:t>
+                    </m:r>
+                    <m:r>
+                      <a:rPr lang="pl-PL" i="1">
+                        <a:latin typeface="Cambria Math" panose="02040503050406030204" pitchFamily="18" charset="0"/>
+                      </a:rPr>
+                      <m:t>=</m:t>
+                    </m:r>
+                    <m:r>
+                      <a:rPr lang="pl-PL" i="1">
+                        <a:latin typeface="Cambria Math" panose="02040503050406030204" pitchFamily="18" charset="0"/>
+                      </a:rPr>
+                      <m:t>𝑄</m:t>
+                    </m:r>
+                    <m:r>
+                      <a:rPr lang="pl-PL" i="1">
+                        <a:latin typeface="Cambria Math" panose="02040503050406030204" pitchFamily="18" charset="0"/>
+                      </a:rPr>
+                      <m:t>𝑅</m:t>
+                    </m:r>
+                  </m:oMath>
+                </a14:m>
+                <a:r>
+                  <a:rPr lang="pl-PL" dirty="0" smtClean="0"/>
+                  <a:t> </a:t>
+                </a:r>
+                <a:endParaRPr lang="pl-PL" dirty="0"/>
+              </a:p>
+            </p:txBody>
+          </p:sp>
+        </mc:Choice>
+        <mc:Fallback>
+          <p:sp>
+            <p:nvSpPr>
+              <p:cNvPr id="4" name="Prostokąt 3"/>
+              <p:cNvSpPr>
+                <a:spLocks noRot="1" noChangeAspect="1" noMove="1" noResize="1" noEditPoints="1" noAdjustHandles="1" noChangeArrowheads="1" noChangeShapeType="1" noTextEdit="1"/>
+              </p:cNvSpPr>
+              <p:nvPr/>
+            </p:nvSpPr>
+            <p:spPr>
+              <a:xfrm>
+                <a:off x="4438228" y="2492896"/>
+                <a:ext cx="3888432" cy="3839449"/>
+              </a:xfrm>
+              <a:prstGeom prst="rect">
+                <a:avLst/>
+              </a:prstGeom>
+              <a:blipFill>
+                <a:blip r:embed="rId3"/>
+                <a:stretch>
+                  <a:fillRect/>
+                </a:stretch>
+              </a:blipFill>
+            </p:spPr>
+            <p:txBody>
+              <a:bodyPr/>
+              <a:lstStyle/>
+              <a:p>
+                <a:r>
+                  <a:rPr lang="pl-PL">
+                    <a:noFill/>
+                  </a:rPr>
+                  <a:t> </a:t>
+                </a:r>
+              </a:p>
+            </p:txBody>
+          </p:sp>
+        </mc:Fallback>
+      </mc:AlternateContent>
+    </p:spTree>
+    <p:extLst>
+      <p:ext uri="{BB962C8B-B14F-4D97-AF65-F5344CB8AC3E}">
+        <p14:creationId xmlns:p14="http://schemas.microsoft.com/office/powerpoint/2010/main" val="1694063984"/>
+      </p:ext>
+    </p:extLst>
+  </p:cSld>
+  <p:clrMapOvr>
+    <a:masterClrMapping/>
+  </p:clrMapOvr>
+  <mc:AlternateContent xmlns:mc="http://schemas.openxmlformats.org/markup-compatibility/2006" xmlns:p14="http://schemas.microsoft.com/office/powerpoint/2010/main">
+    <mc:Choice Requires="p14">
+      <p:transition spd="med" p14:dur="700">
+        <p:fade/>
+      </p:transition>
+    </mc:Choice>
+    <mc:Fallback xmlns="">
+      <p:transition spd="med">
+        <p:fade/>
+      </p:transition>
+    </mc:Fallback>
+  </mc:AlternateContent>
+  <p:timing>
+    <p:tnLst>
+      <p:par>
+        <p:cTn id="1" dur="indefinite" restart="never" nodeType="tmRoot"/>
+      </p:par>
+    </p:tnLst>
+  </p:timing>
+</p:sld>
+</file>
+
+<file path=ppt/slides/slide18.xml><?xml version="1.0" encoding="utf-8"?>
+<p:sld xmlns:a="http://schemas.openxmlformats.org/drawingml/2006/main" xmlns:r="http://schemas.openxmlformats.org/officeDocument/2006/relationships" xmlns:p="http://schemas.openxmlformats.org/presentationml/2006/main">
+  <p:cSld>
+    <p:spTree>
+      <p:nvGrpSpPr>
+        <p:cNvPr id="1" name=""/>
+        <p:cNvGrpSpPr/>
+        <p:nvPr/>
+      </p:nvGrpSpPr>
+      <p:grpSpPr>
+        <a:xfrm>
+          <a:off x="0" y="0"/>
+          <a:ext cx="0" cy="0"/>
+          <a:chOff x="0" y="0"/>
+          <a:chExt cx="0" cy="0"/>
+        </a:xfrm>
+      </p:grpSpPr>
+      <p:sp>
+        <p:nvSpPr>
+          <p:cNvPr id="2" name="Tytuł 1"/>
+          <p:cNvSpPr>
+            <a:spLocks noGrp="1"/>
+          </p:cNvSpPr>
+          <p:nvPr>
+            <p:ph type="title"/>
+          </p:nvPr>
+        </p:nvSpPr>
+        <p:spPr/>
+        <p:txBody>
+          <a:bodyPr/>
+          <a:lstStyle/>
+          <a:p>
+            <a:r>
+              <a:rPr lang="pl-PL" dirty="0"/>
+              <a:t>Zastosowanie dla macierzy </a:t>
+            </a:r>
+            <a:r>
+              <a:rPr lang="pl-PL" dirty="0" err="1"/>
+              <a:t>trójdiagonalnych</a:t>
+            </a:r>
+            <a:r>
+              <a:rPr lang="pl-PL" dirty="0"/>
+              <a:t>:</a:t>
+            </a:r>
+          </a:p>
+        </p:txBody>
+      </p:sp>
+      <p:sp>
+        <p:nvSpPr>
+          <p:cNvPr id="3" name="Symbol zastępczy zawartości 2"/>
+          <p:cNvSpPr>
+            <a:spLocks noGrp="1"/>
+          </p:cNvSpPr>
+          <p:nvPr>
+            <p:ph idx="1"/>
+          </p:nvPr>
+        </p:nvSpPr>
+        <p:spPr>
+          <a:xfrm>
+            <a:off x="1615211" y="1960240"/>
+            <a:ext cx="8605432" cy="460648"/>
+          </a:xfrm>
+        </p:spPr>
+        <p:txBody>
+          <a:bodyPr>
+            <a:normAutofit/>
+          </a:bodyPr>
+          <a:lstStyle/>
+          <a:p>
+            <a:pPr marL="0" indent="0">
+              <a:buNone/>
+            </a:pPr>
+            <a:r>
+              <a:rPr lang="pl-PL" sz="1600" dirty="0" smtClean="0"/>
+              <a:t>W każdej iteracji odwrotnej metody potęgowej rozwiązujemy układ równań liniowych:</a:t>
+            </a:r>
+          </a:p>
+        </p:txBody>
+      </p:sp>
+      <mc:AlternateContent xmlns:mc="http://schemas.openxmlformats.org/markup-compatibility/2006">
+        <mc:Choice xmlns:a14="http://schemas.microsoft.com/office/drawing/2010/main" Requires="a14">
+          <p:sp>
+            <p:nvSpPr>
+              <p:cNvPr id="4" name="Prostokąt 3"/>
+              <p:cNvSpPr/>
+              <p:nvPr/>
+            </p:nvSpPr>
+            <p:spPr>
+              <a:xfrm>
+                <a:off x="3973711" y="2420888"/>
+                <a:ext cx="3888432" cy="2238818"/>
+              </a:xfrm>
+              <a:prstGeom prst="rect">
+                <a:avLst/>
+              </a:prstGeom>
+            </p:spPr>
+            <p:txBody>
+              <a:bodyPr wrap="square">
+                <a:spAutoFit/>
+              </a:bodyPr>
+              <a:lstStyle/>
+              <a:p>
+                <a:pPr>
+                  <a:lnSpc>
+                    <a:spcPct val="150000"/>
+                  </a:lnSpc>
+                </a:pPr>
+                <a:r>
+                  <a:rPr lang="pl-PL" dirty="0" smtClean="0"/>
+                  <a:t>                  </a:t>
+                </a:r>
+                <a14:m>
+                  <m:oMath xmlns:m="http://schemas.openxmlformats.org/officeDocument/2006/math">
+                    <m:sSup>
+                      <m:sSupPr>
+                        <m:ctrlPr>
+                          <a:rPr lang="pl-PL" i="1">
+                            <a:latin typeface="Cambria Math" panose="02040503050406030204" pitchFamily="18" charset="0"/>
+                          </a:rPr>
+                        </m:ctrlPr>
+                      </m:sSupPr>
+                      <m:e>
+                        <m:r>
+                          <a:rPr lang="pl-PL" b="0" i="1" smtClean="0">
+                            <a:latin typeface="Cambria Math" panose="02040503050406030204" pitchFamily="18" charset="0"/>
+                          </a:rPr>
+                          <m:t>𝐴</m:t>
+                        </m:r>
+                        <m:r>
+                          <a:rPr lang="pl-PL" i="1">
+                            <a:latin typeface="Cambria Math" panose="02040503050406030204" pitchFamily="18" charset="0"/>
+                          </a:rPr>
+                          <m:t>𝑥</m:t>
+                        </m:r>
+                      </m:e>
+                      <m:sup>
+                        <m:r>
+                          <a:rPr lang="pl-PL" i="1">
+                            <a:latin typeface="Cambria Math" panose="02040503050406030204" pitchFamily="18" charset="0"/>
+                          </a:rPr>
+                          <m:t>(</m:t>
+                        </m:r>
+                        <m:r>
+                          <a:rPr lang="pl-PL" i="1">
+                            <a:latin typeface="Cambria Math" panose="02040503050406030204" pitchFamily="18" charset="0"/>
+                          </a:rPr>
+                          <m:t>𝑘</m:t>
+                        </m:r>
+                        <m:r>
+                          <a:rPr lang="pl-PL" i="1">
+                            <a:latin typeface="Cambria Math" panose="02040503050406030204" pitchFamily="18" charset="0"/>
+                          </a:rPr>
+                          <m:t>+1)</m:t>
+                        </m:r>
+                      </m:sup>
+                    </m:sSup>
+                    <m:r>
+                      <a:rPr lang="pl-PL">
+                        <a:latin typeface="Cambria Math" panose="02040503050406030204" pitchFamily="18" charset="0"/>
+                      </a:rPr>
+                      <m:t>=</m:t>
+                    </m:r>
+                    <m:sSup>
+                      <m:sSupPr>
+                        <m:ctrlPr>
+                          <a:rPr lang="pl-PL" i="1">
+                            <a:latin typeface="Cambria Math" panose="02040503050406030204" pitchFamily="18" charset="0"/>
+                          </a:rPr>
+                        </m:ctrlPr>
+                      </m:sSupPr>
+                      <m:e>
+                        <m:acc>
+                          <m:accPr>
+                            <m:chr m:val="̃"/>
+                            <m:ctrlPr>
+                              <a:rPr lang="pl-PL" i="1">
+                                <a:latin typeface="Cambria Math" panose="02040503050406030204" pitchFamily="18" charset="0"/>
+                              </a:rPr>
+                            </m:ctrlPr>
+                          </m:accPr>
+                          <m:e>
+                            <m:r>
+                              <a:rPr lang="pl-PL" i="1">
+                                <a:latin typeface="Cambria Math" panose="02040503050406030204" pitchFamily="18" charset="0"/>
+                              </a:rPr>
+                              <m:t>𝑥</m:t>
+                            </m:r>
+                          </m:e>
+                        </m:acc>
+                      </m:e>
+                      <m:sup>
+                        <m:r>
+                          <a:rPr lang="pl-PL" i="1">
+                            <a:latin typeface="Cambria Math" panose="02040503050406030204" pitchFamily="18" charset="0"/>
+                          </a:rPr>
+                          <m:t>(</m:t>
+                        </m:r>
+                        <m:r>
+                          <a:rPr lang="pl-PL" i="1">
+                            <a:latin typeface="Cambria Math" panose="02040503050406030204" pitchFamily="18" charset="0"/>
+                          </a:rPr>
+                          <m:t>𝑘</m:t>
+                        </m:r>
+                        <m:r>
+                          <a:rPr lang="pl-PL" i="1">
+                            <a:latin typeface="Cambria Math" panose="02040503050406030204" pitchFamily="18" charset="0"/>
+                          </a:rPr>
+                          <m:t>)</m:t>
+                        </m:r>
+                      </m:sup>
+                    </m:sSup>
+                  </m:oMath>
+                </a14:m>
+                <a:endParaRPr lang="pl-PL" i="1" dirty="0" smtClean="0">
+                  <a:latin typeface="Cambria Math" panose="02040503050406030204" pitchFamily="18" charset="0"/>
+                </a:endParaRPr>
+              </a:p>
+              <a:p>
+                <a:pPr>
+                  <a:lnSpc>
+                    <a:spcPct val="150000"/>
+                  </a:lnSpc>
+                </a:pPr>
+                <a14:m>
+                  <m:oMathPara xmlns:m="http://schemas.openxmlformats.org/officeDocument/2006/math">
+                    <m:oMathParaPr>
+                      <m:jc m:val="centerGroup"/>
+                    </m:oMathParaPr>
+                    <m:oMath xmlns:m="http://schemas.openxmlformats.org/officeDocument/2006/math">
+                      <m:sSup>
+                        <m:sSupPr>
+                          <m:ctrlPr>
+                            <a:rPr lang="pl-PL" i="1">
+                              <a:latin typeface="Cambria Math" panose="02040503050406030204" pitchFamily="18" charset="0"/>
+                            </a:rPr>
+                          </m:ctrlPr>
+                        </m:sSupPr>
+                        <m:e>
+                          <m:sSub>
+                            <m:sSubPr>
+                              <m:ctrlPr>
+                                <a:rPr lang="pl-PL" i="1">
+                                  <a:latin typeface="Cambria Math" panose="02040503050406030204" pitchFamily="18" charset="0"/>
+                                </a:rPr>
+                              </m:ctrlPr>
+                            </m:sSubPr>
+                            <m:e>
+                              <m:r>
+                                <a:rPr lang="pl-PL" i="1">
+                                  <a:latin typeface="Cambria Math" panose="02040503050406030204" pitchFamily="18" charset="0"/>
+                                </a:rPr>
+                                <m:t>𝐻</m:t>
+                              </m:r>
+                            </m:e>
+                            <m:sub>
+                              <m:r>
+                                <a:rPr lang="pl-PL" i="1">
+                                  <a:latin typeface="Cambria Math" panose="02040503050406030204" pitchFamily="18" charset="0"/>
+                                </a:rPr>
+                                <m:t>1</m:t>
+                              </m:r>
+                            </m:sub>
+                          </m:sSub>
+                          <m:r>
+                            <a:rPr lang="pl-PL" i="1">
+                              <a:latin typeface="Cambria Math" panose="02040503050406030204" pitchFamily="18" charset="0"/>
+                            </a:rPr>
+                            <m:t>𝐴</m:t>
+                          </m:r>
+                          <m:r>
+                            <a:rPr lang="pl-PL" i="1">
+                              <a:latin typeface="Cambria Math" panose="02040503050406030204" pitchFamily="18" charset="0"/>
+                            </a:rPr>
+                            <m:t>𝑥</m:t>
+                          </m:r>
+                        </m:e>
+                        <m:sup>
+                          <m:r>
+                            <a:rPr lang="pl-PL" i="1">
+                              <a:latin typeface="Cambria Math" panose="02040503050406030204" pitchFamily="18" charset="0"/>
+                            </a:rPr>
+                            <m:t>(</m:t>
+                          </m:r>
+                          <m:r>
+                            <a:rPr lang="pl-PL" i="1">
+                              <a:latin typeface="Cambria Math" panose="02040503050406030204" pitchFamily="18" charset="0"/>
+                            </a:rPr>
+                            <m:t>𝑘</m:t>
+                          </m:r>
+                          <m:r>
+                            <a:rPr lang="pl-PL" i="1">
+                              <a:latin typeface="Cambria Math" panose="02040503050406030204" pitchFamily="18" charset="0"/>
+                            </a:rPr>
+                            <m:t>+1)</m:t>
+                          </m:r>
+                        </m:sup>
+                      </m:sSup>
+                      <m:r>
+                        <a:rPr lang="pl-PL">
+                          <a:latin typeface="Cambria Math" panose="02040503050406030204" pitchFamily="18" charset="0"/>
+                        </a:rPr>
+                        <m:t>=</m:t>
+                      </m:r>
+                      <m:sSup>
+                        <m:sSupPr>
+                          <m:ctrlPr>
+                            <a:rPr lang="pl-PL" i="1">
+                              <a:latin typeface="Cambria Math" panose="02040503050406030204" pitchFamily="18" charset="0"/>
+                            </a:rPr>
+                          </m:ctrlPr>
+                        </m:sSupPr>
+                        <m:e>
+                          <m:sSub>
+                            <m:sSubPr>
+                              <m:ctrlPr>
+                                <a:rPr lang="pl-PL" i="1">
+                                  <a:latin typeface="Cambria Math" panose="02040503050406030204" pitchFamily="18" charset="0"/>
+                                </a:rPr>
+                              </m:ctrlPr>
+                            </m:sSubPr>
+                            <m:e>
+                              <m:r>
+                                <a:rPr lang="pl-PL" i="1">
+                                  <a:latin typeface="Cambria Math" panose="02040503050406030204" pitchFamily="18" charset="0"/>
+                                </a:rPr>
+                                <m:t>𝐻</m:t>
+                              </m:r>
+                            </m:e>
+                            <m:sub>
+                              <m:r>
+                                <a:rPr lang="pl-PL" i="1">
+                                  <a:latin typeface="Cambria Math" panose="02040503050406030204" pitchFamily="18" charset="0"/>
+                                </a:rPr>
+                                <m:t>1</m:t>
+                              </m:r>
+                            </m:sub>
+                          </m:sSub>
+                          <m:acc>
+                            <m:accPr>
+                              <m:chr m:val="̃"/>
+                              <m:ctrlPr>
+                                <a:rPr lang="pl-PL" i="1">
+                                  <a:latin typeface="Cambria Math" panose="02040503050406030204" pitchFamily="18" charset="0"/>
+                                </a:rPr>
+                              </m:ctrlPr>
+                            </m:accPr>
+                            <m:e>
+                              <m:r>
+                                <a:rPr lang="pl-PL" i="1">
+                                  <a:latin typeface="Cambria Math" panose="02040503050406030204" pitchFamily="18" charset="0"/>
+                                </a:rPr>
+                                <m:t>𝑥</m:t>
+                              </m:r>
+                            </m:e>
+                          </m:acc>
+                        </m:e>
+                        <m:sup>
+                          <m:r>
+                            <a:rPr lang="pl-PL" i="1">
+                              <a:latin typeface="Cambria Math" panose="02040503050406030204" pitchFamily="18" charset="0"/>
+                            </a:rPr>
+                            <m:t>(</m:t>
+                          </m:r>
+                          <m:r>
+                            <a:rPr lang="pl-PL" i="1">
+                              <a:latin typeface="Cambria Math" panose="02040503050406030204" pitchFamily="18" charset="0"/>
+                            </a:rPr>
+                            <m:t>𝑘</m:t>
+                          </m:r>
+                          <m:r>
+                            <a:rPr lang="pl-PL" i="1">
+                              <a:latin typeface="Cambria Math" panose="02040503050406030204" pitchFamily="18" charset="0"/>
+                            </a:rPr>
+                            <m:t>)</m:t>
+                          </m:r>
+                        </m:sup>
+                      </m:sSup>
+                    </m:oMath>
+                  </m:oMathPara>
+                </a14:m>
+                <a:endParaRPr lang="pl-PL" i="1" dirty="0" smtClean="0">
+                  <a:latin typeface="Cambria Math" panose="02040503050406030204" pitchFamily="18" charset="0"/>
+                </a:endParaRPr>
+              </a:p>
+              <a:p>
+                <a:pPr>
+                  <a:lnSpc>
+                    <a:spcPct val="150000"/>
+                  </a:lnSpc>
+                </a:pPr>
+                <a:r>
+                  <a:rPr lang="pl-PL" dirty="0" smtClean="0"/>
+                  <a:t>            </a:t>
+                </a:r>
+                <a14:m>
+                  <m:oMath xmlns:m="http://schemas.openxmlformats.org/officeDocument/2006/math">
+                    <m:sSup>
+                      <m:sSupPr>
+                        <m:ctrlPr>
+                          <a:rPr lang="pl-PL" i="1">
+                            <a:latin typeface="Cambria Math" panose="02040503050406030204" pitchFamily="18" charset="0"/>
+                          </a:rPr>
+                        </m:ctrlPr>
+                      </m:sSupPr>
+                      <m:e>
+                        <m:sSub>
+                          <m:sSubPr>
+                            <m:ctrlPr>
+                              <a:rPr lang="pl-PL" i="1">
+                                <a:latin typeface="Cambria Math" panose="02040503050406030204" pitchFamily="18" charset="0"/>
+                              </a:rPr>
+                            </m:ctrlPr>
+                          </m:sSubPr>
+                          <m:e>
+                            <m:r>
+                              <a:rPr lang="pl-PL" i="1">
+                                <a:latin typeface="Cambria Math" panose="02040503050406030204" pitchFamily="18" charset="0"/>
+                              </a:rPr>
+                              <m:t>𝐻</m:t>
+                            </m:r>
+                          </m:e>
+                          <m:sub>
+                            <m:r>
+                              <a:rPr lang="pl-PL" b="0" i="1" smtClean="0">
+                                <a:latin typeface="Cambria Math" panose="02040503050406030204" pitchFamily="18" charset="0"/>
+                              </a:rPr>
+                              <m:t>2</m:t>
+                            </m:r>
+                          </m:sub>
+                        </m:sSub>
+                        <m:sSub>
+                          <m:sSubPr>
+                            <m:ctrlPr>
+                              <a:rPr lang="pl-PL" i="1">
+                                <a:latin typeface="Cambria Math" panose="02040503050406030204" pitchFamily="18" charset="0"/>
+                              </a:rPr>
+                            </m:ctrlPr>
+                          </m:sSubPr>
+                          <m:e>
+                            <m:r>
+                              <a:rPr lang="pl-PL" i="1">
+                                <a:latin typeface="Cambria Math" panose="02040503050406030204" pitchFamily="18" charset="0"/>
+                              </a:rPr>
+                              <m:t>𝐴</m:t>
+                            </m:r>
+                          </m:e>
+                          <m:sub>
+                            <m:r>
+                              <a:rPr lang="pl-PL" i="1">
+                                <a:latin typeface="Cambria Math" panose="02040503050406030204" pitchFamily="18" charset="0"/>
+                              </a:rPr>
+                              <m:t>1</m:t>
+                            </m:r>
+                          </m:sub>
+                        </m:sSub>
+                        <m:r>
+                          <a:rPr lang="pl-PL" i="1">
+                            <a:latin typeface="Cambria Math" panose="02040503050406030204" pitchFamily="18" charset="0"/>
+                          </a:rPr>
+                          <m:t>𝑥</m:t>
+                        </m:r>
+                      </m:e>
+                      <m:sup>
+                        <m:r>
+                          <a:rPr lang="pl-PL" i="1">
+                            <a:latin typeface="Cambria Math" panose="02040503050406030204" pitchFamily="18" charset="0"/>
+                          </a:rPr>
+                          <m:t>(</m:t>
+                        </m:r>
+                        <m:r>
+                          <a:rPr lang="pl-PL" i="1">
+                            <a:latin typeface="Cambria Math" panose="02040503050406030204" pitchFamily="18" charset="0"/>
+                          </a:rPr>
+                          <m:t>𝑘</m:t>
+                        </m:r>
+                        <m:r>
+                          <a:rPr lang="pl-PL" i="1">
+                            <a:latin typeface="Cambria Math" panose="02040503050406030204" pitchFamily="18" charset="0"/>
+                          </a:rPr>
+                          <m:t>+1)</m:t>
+                        </m:r>
+                      </m:sup>
+                    </m:sSup>
+                    <m:r>
+                      <a:rPr lang="pl-PL">
+                        <a:latin typeface="Cambria Math" panose="02040503050406030204" pitchFamily="18" charset="0"/>
+                      </a:rPr>
+                      <m:t>=</m:t>
+                    </m:r>
+                    <m:sSup>
+                      <m:sSupPr>
+                        <m:ctrlPr>
+                          <a:rPr lang="pl-PL" i="1">
+                            <a:latin typeface="Cambria Math" panose="02040503050406030204" pitchFamily="18" charset="0"/>
+                          </a:rPr>
+                        </m:ctrlPr>
+                      </m:sSupPr>
+                      <m:e>
+                        <m:sSub>
+                          <m:sSubPr>
+                            <m:ctrlPr>
+                              <a:rPr lang="pl-PL" i="1">
+                                <a:latin typeface="Cambria Math" panose="02040503050406030204" pitchFamily="18" charset="0"/>
+                              </a:rPr>
+                            </m:ctrlPr>
+                          </m:sSubPr>
+                          <m:e>
+                            <m:sSub>
+                              <m:sSubPr>
+                                <m:ctrlPr>
+                                  <a:rPr lang="pl-PL" i="1">
+                                    <a:latin typeface="Cambria Math" panose="02040503050406030204" pitchFamily="18" charset="0"/>
+                                  </a:rPr>
+                                </m:ctrlPr>
+                              </m:sSubPr>
+                              <m:e>
+                                <m:r>
+                                  <a:rPr lang="pl-PL" i="1">
+                                    <a:latin typeface="Cambria Math" panose="02040503050406030204" pitchFamily="18" charset="0"/>
+                                  </a:rPr>
+                                  <m:t>𝐻</m:t>
+                                </m:r>
+                              </m:e>
+                              <m:sub>
+                                <m:r>
+                                  <a:rPr lang="pl-PL" i="1">
+                                    <a:latin typeface="Cambria Math" panose="02040503050406030204" pitchFamily="18" charset="0"/>
+                                  </a:rPr>
+                                  <m:t>2</m:t>
+                                </m:r>
+                              </m:sub>
+                            </m:sSub>
+                            <m:r>
+                              <a:rPr lang="pl-PL" i="1">
+                                <a:latin typeface="Cambria Math" panose="02040503050406030204" pitchFamily="18" charset="0"/>
+                              </a:rPr>
+                              <m:t>𝐻</m:t>
+                            </m:r>
+                          </m:e>
+                          <m:sub>
+                            <m:r>
+                              <a:rPr lang="pl-PL" i="1">
+                                <a:latin typeface="Cambria Math" panose="02040503050406030204" pitchFamily="18" charset="0"/>
+                              </a:rPr>
+                              <m:t>1</m:t>
+                            </m:r>
+                          </m:sub>
+                        </m:sSub>
+                        <m:acc>
+                          <m:accPr>
+                            <m:chr m:val="̃"/>
+                            <m:ctrlPr>
+                              <a:rPr lang="pl-PL" i="1">
+                                <a:latin typeface="Cambria Math" panose="02040503050406030204" pitchFamily="18" charset="0"/>
+                              </a:rPr>
+                            </m:ctrlPr>
+                          </m:accPr>
+                          <m:e>
+                            <m:r>
+                              <a:rPr lang="pl-PL" i="1">
+                                <a:latin typeface="Cambria Math" panose="02040503050406030204" pitchFamily="18" charset="0"/>
+                              </a:rPr>
+                              <m:t>𝑥</m:t>
+                            </m:r>
+                          </m:e>
+                        </m:acc>
+                      </m:e>
+                      <m:sup>
+                        <m:r>
+                          <a:rPr lang="pl-PL" i="1">
+                            <a:latin typeface="Cambria Math" panose="02040503050406030204" pitchFamily="18" charset="0"/>
+                          </a:rPr>
+                          <m:t>(</m:t>
+                        </m:r>
+                        <m:r>
+                          <a:rPr lang="pl-PL" i="1">
+                            <a:latin typeface="Cambria Math" panose="02040503050406030204" pitchFamily="18" charset="0"/>
+                          </a:rPr>
+                          <m:t>𝑘</m:t>
+                        </m:r>
+                        <m:r>
+                          <a:rPr lang="pl-PL" i="1">
+                            <a:latin typeface="Cambria Math" panose="02040503050406030204" pitchFamily="18" charset="0"/>
+                          </a:rPr>
+                          <m:t>)</m:t>
+                        </m:r>
+                      </m:sup>
+                    </m:sSup>
+                  </m:oMath>
+                </a14:m>
+                <a:endParaRPr lang="pl-PL" i="1" dirty="0" smtClean="0">
+                  <a:latin typeface="Cambria Math" panose="02040503050406030204" pitchFamily="18" charset="0"/>
+                </a:endParaRPr>
+              </a:p>
+              <a:p>
+                <a:pPr>
+                  <a:lnSpc>
+                    <a:spcPct val="150000"/>
+                  </a:lnSpc>
+                </a:pPr>
+                <a:r>
+                  <a:rPr lang="pl-PL" dirty="0" smtClean="0"/>
+                  <a:t>		 </a:t>
+                </a:r>
+                <a14:m>
+                  <m:oMath xmlns:m="http://schemas.openxmlformats.org/officeDocument/2006/math">
+                    <m:r>
+                      <a:rPr lang="pl-PL" i="1">
+                        <a:latin typeface="Cambria Math" panose="02040503050406030204" pitchFamily="18" charset="0"/>
+                      </a:rPr>
+                      <m:t>…</m:t>
+                    </m:r>
+                  </m:oMath>
+                </a14:m>
+                <a:r>
+                  <a:rPr lang="pl-PL" dirty="0"/>
+                  <a:t> </a:t>
+                </a:r>
+                <a:endParaRPr lang="pl-PL" i="1" dirty="0" smtClean="0">
+                  <a:latin typeface="Cambria Math" panose="02040503050406030204" pitchFamily="18" charset="0"/>
+                </a:endParaRPr>
+              </a:p>
+              <a:p>
+                <a:pPr>
+                  <a:lnSpc>
+                    <a:spcPct val="150000"/>
+                  </a:lnSpc>
+                </a:pPr>
+                <a:r>
+                  <a:rPr lang="pl-PL" dirty="0" smtClean="0"/>
+                  <a:t> 	   </a:t>
+                </a:r>
+                <a14:m>
+                  <m:oMath xmlns:m="http://schemas.openxmlformats.org/officeDocument/2006/math">
+                    <m:r>
+                      <a:rPr lang="pl-PL" i="1">
+                        <a:latin typeface="Cambria Math" panose="02040503050406030204" pitchFamily="18" charset="0"/>
+                      </a:rPr>
+                      <m:t>𝑅</m:t>
+                    </m:r>
+                    <m:sSup>
+                      <m:sSupPr>
+                        <m:ctrlPr>
+                          <a:rPr lang="pl-PL" i="1">
+                            <a:latin typeface="Cambria Math" panose="02040503050406030204" pitchFamily="18" charset="0"/>
+                          </a:rPr>
+                        </m:ctrlPr>
+                      </m:sSupPr>
+                      <m:e>
+                        <m:r>
+                          <a:rPr lang="pl-PL" i="1">
+                            <a:latin typeface="Cambria Math" panose="02040503050406030204" pitchFamily="18" charset="0"/>
+                          </a:rPr>
+                          <m:t>𝑥</m:t>
+                        </m:r>
+                      </m:e>
+                      <m:sup>
+                        <m:r>
+                          <a:rPr lang="pl-PL" i="1">
+                            <a:latin typeface="Cambria Math" panose="02040503050406030204" pitchFamily="18" charset="0"/>
+                          </a:rPr>
+                          <m:t>(</m:t>
+                        </m:r>
+                        <m:r>
+                          <a:rPr lang="pl-PL" i="1">
+                            <a:latin typeface="Cambria Math" panose="02040503050406030204" pitchFamily="18" charset="0"/>
+                          </a:rPr>
+                          <m:t>𝑘</m:t>
+                        </m:r>
+                        <m:r>
+                          <a:rPr lang="pl-PL" i="1">
+                            <a:latin typeface="Cambria Math" panose="02040503050406030204" pitchFamily="18" charset="0"/>
+                          </a:rPr>
+                          <m:t>+1)</m:t>
+                        </m:r>
+                      </m:sup>
+                    </m:sSup>
+                    <m:r>
+                      <a:rPr lang="pl-PL">
+                        <a:latin typeface="Cambria Math" panose="02040503050406030204" pitchFamily="18" charset="0"/>
+                      </a:rPr>
+                      <m:t>=</m:t>
+                    </m:r>
+                    <m:sSup>
+                      <m:sSupPr>
+                        <m:ctrlPr>
+                          <a:rPr lang="pl-PL" i="1">
+                            <a:latin typeface="Cambria Math" panose="02040503050406030204" pitchFamily="18" charset="0"/>
+                          </a:rPr>
+                        </m:ctrlPr>
+                      </m:sSupPr>
+                      <m:e>
+                        <m:r>
+                          <a:rPr lang="pl-PL" i="1">
+                            <a:latin typeface="Cambria Math" panose="02040503050406030204" pitchFamily="18" charset="0"/>
+                          </a:rPr>
+                          <m:t>𝑄</m:t>
+                        </m:r>
+                      </m:e>
+                      <m:sup>
+                        <m:r>
+                          <a:rPr lang="pl-PL" i="1">
+                            <a:latin typeface="Cambria Math" panose="02040503050406030204" pitchFamily="18" charset="0"/>
+                          </a:rPr>
+                          <m:t>𝑇</m:t>
+                        </m:r>
+                      </m:sup>
+                    </m:sSup>
+                    <m:sSup>
+                      <m:sSupPr>
+                        <m:ctrlPr>
+                          <a:rPr lang="pl-PL" i="1">
+                            <a:latin typeface="Cambria Math" panose="02040503050406030204" pitchFamily="18" charset="0"/>
+                          </a:rPr>
+                        </m:ctrlPr>
+                      </m:sSupPr>
+                      <m:e>
+                        <m:acc>
+                          <m:accPr>
+                            <m:chr m:val="̃"/>
+                            <m:ctrlPr>
+                              <a:rPr lang="pl-PL" i="1">
+                                <a:latin typeface="Cambria Math" panose="02040503050406030204" pitchFamily="18" charset="0"/>
+                              </a:rPr>
+                            </m:ctrlPr>
+                          </m:accPr>
+                          <m:e>
+                            <m:r>
+                              <a:rPr lang="pl-PL" i="1">
+                                <a:latin typeface="Cambria Math" panose="02040503050406030204" pitchFamily="18" charset="0"/>
+                              </a:rPr>
+                              <m:t>𝑥</m:t>
+                            </m:r>
+                          </m:e>
+                        </m:acc>
+                      </m:e>
+                      <m:sup>
+                        <m:r>
+                          <a:rPr lang="pl-PL" i="1">
+                            <a:latin typeface="Cambria Math" panose="02040503050406030204" pitchFamily="18" charset="0"/>
+                          </a:rPr>
+                          <m:t>(</m:t>
+                        </m:r>
+                        <m:r>
+                          <a:rPr lang="pl-PL" i="1">
+                            <a:latin typeface="Cambria Math" panose="02040503050406030204" pitchFamily="18" charset="0"/>
+                          </a:rPr>
+                          <m:t>𝑘</m:t>
+                        </m:r>
+                        <m:r>
+                          <a:rPr lang="pl-PL" i="1">
+                            <a:latin typeface="Cambria Math" panose="02040503050406030204" pitchFamily="18" charset="0"/>
+                          </a:rPr>
+                          <m:t>)</m:t>
+                        </m:r>
+                      </m:sup>
+                    </m:sSup>
+                  </m:oMath>
+                </a14:m>
+                <a:endParaRPr lang="pl-PL" i="1" dirty="0" smtClean="0">
+                  <a:latin typeface="Cambria Math" panose="02040503050406030204" pitchFamily="18" charset="0"/>
+                </a:endParaRPr>
+              </a:p>
+            </p:txBody>
+          </p:sp>
+        </mc:Choice>
+        <mc:Fallback>
+          <p:sp>
+            <p:nvSpPr>
+              <p:cNvPr id="4" name="Prostokąt 3"/>
+              <p:cNvSpPr>
+                <a:spLocks noRot="1" noChangeAspect="1" noMove="1" noResize="1" noEditPoints="1" noAdjustHandles="1" noChangeArrowheads="1" noChangeShapeType="1" noTextEdit="1"/>
+              </p:cNvSpPr>
+              <p:nvPr/>
+            </p:nvSpPr>
+            <p:spPr>
+              <a:xfrm>
+                <a:off x="3973711" y="2420888"/>
+                <a:ext cx="3888432" cy="2238818"/>
+              </a:xfrm>
+              <a:prstGeom prst="rect">
+                <a:avLst/>
+              </a:prstGeom>
+              <a:blipFill>
+                <a:blip r:embed="rId2"/>
+                <a:stretch>
+                  <a:fillRect/>
+                </a:stretch>
+              </a:blipFill>
+            </p:spPr>
+            <p:txBody>
+              <a:bodyPr/>
+              <a:lstStyle/>
+              <a:p>
+                <a:r>
+                  <a:rPr lang="pl-PL">
+                    <a:noFill/>
+                  </a:rPr>
+                  <a:t> </a:t>
+                </a:r>
+              </a:p>
+            </p:txBody>
+          </p:sp>
+        </mc:Fallback>
+      </mc:AlternateContent>
+    </p:spTree>
+    <p:extLst>
+      <p:ext uri="{BB962C8B-B14F-4D97-AF65-F5344CB8AC3E}">
+        <p14:creationId xmlns:p14="http://schemas.microsoft.com/office/powerpoint/2010/main" val="2440786081"/>
+      </p:ext>
+    </p:extLst>
+  </p:cSld>
+  <p:clrMapOvr>
+    <a:masterClrMapping/>
+  </p:clrMapOvr>
+  <mc:AlternateContent xmlns:mc="http://schemas.openxmlformats.org/markup-compatibility/2006" xmlns:p14="http://schemas.microsoft.com/office/powerpoint/2010/main">
+    <mc:Choice Requires="p14">
+      <p:transition spd="med" p14:dur="700">
+        <p:fade/>
+      </p:transition>
+    </mc:Choice>
+    <mc:Fallback xmlns="">
+      <p:transition spd="med">
+        <p:fade/>
+      </p:transition>
+    </mc:Fallback>
+  </mc:AlternateContent>
+  <p:timing>
+    <p:tnLst>
+      <p:par>
+        <p:cTn id="1" dur="indefinite" restart="never" nodeType="tmRoot"/>
+      </p:par>
+    </p:tnLst>
+  </p:timing>
+</p:sld>
+</file>
+
+<file path=ppt/slides/slide19.xml><?xml version="1.0" encoding="utf-8"?>
 <p:sld xmlns:a="http://schemas.openxmlformats.org/drawingml/2006/main" xmlns:r="http://schemas.openxmlformats.org/officeDocument/2006/relationships" xmlns:p="http://schemas.openxmlformats.org/presentationml/2006/main">
   <p:cSld>
     <p:spTree>
@@ -13729,6 +20255,13 @@
       </p:transition>
     </mc:Fallback>
   </mc:AlternateContent>
+  <p:timing>
+    <p:tnLst>
+      <p:par>
+        <p:cTn id="1" dur="indefinite" restart="never" nodeType="tmRoot"/>
+      </p:par>
+    </p:tnLst>
+  </p:timing>
 </p:sld>
 </file>
 
@@ -13799,6 +20332,13 @@
       </p:transition>
     </mc:Fallback>
   </mc:AlternateContent>
+  <p:timing>
+    <p:tnLst>
+      <p:par>
+        <p:cTn id="1" dur="indefinite" restart="never" nodeType="tmRoot"/>
+      </p:par>
+    </p:tnLst>
+  </p:timing>
 </p:sld>
 </file>
 
@@ -13819,8 +20359,8 @@
           <a:chExt cx="0" cy="0"/>
         </a:xfrm>
       </p:grpSpPr>
-      <mc:AlternateContent xmlns:mc="http://schemas.openxmlformats.org/markup-compatibility/2006">
-        <mc:Choice xmlns:a14="http://schemas.microsoft.com/office/drawing/2010/main" Requires="a14">
+      <mc:AlternateContent xmlns:mc="http://schemas.openxmlformats.org/markup-compatibility/2006" xmlns:a14="http://schemas.microsoft.com/office/drawing/2010/main">
+        <mc:Choice Requires="a14">
           <p:sp>
             <p:nvSpPr>
               <p:cNvPr id="3" name="Symbol zastępczy zawartości 2"/>
@@ -14492,7 +21032,7 @@
             </p:txBody>
           </p:sp>
         </mc:Choice>
-        <mc:Fallback>
+        <mc:Fallback xmlns="">
           <p:sp>
             <p:nvSpPr>
               <p:cNvPr id="3" name="Symbol zastępczy zawartości 2"/>
@@ -14579,6 +21119,13 @@
       </p:transition>
     </mc:Fallback>
   </mc:AlternateContent>
+  <p:timing>
+    <p:tnLst>
+      <p:par>
+        <p:cTn id="1" dur="indefinite" restart="never" nodeType="tmRoot"/>
+      </p:par>
+    </p:tnLst>
+  </p:timing>
 </p:sld>
 </file>
 
@@ -14622,8 +21169,8 @@
           </a:p>
         </p:txBody>
       </p:sp>
-      <mc:AlternateContent xmlns:mc="http://schemas.openxmlformats.org/markup-compatibility/2006">
-        <mc:Choice xmlns:a14="http://schemas.microsoft.com/office/drawing/2010/main" Requires="a14">
+      <mc:AlternateContent xmlns:mc="http://schemas.openxmlformats.org/markup-compatibility/2006" xmlns:a14="http://schemas.microsoft.com/office/drawing/2010/main">
+        <mc:Choice Requires="a14">
           <p:sp>
             <p:nvSpPr>
               <p:cNvPr id="5" name="Prostokąt 4"/>
@@ -14900,7 +21447,7 @@
             </p:txBody>
           </p:sp>
         </mc:Choice>
-        <mc:Fallback>
+        <mc:Fallback xmlns="">
           <p:sp>
             <p:nvSpPr>
               <p:cNvPr id="5" name="Prostokąt 4"/>
@@ -14939,8 +21486,8 @@
           </p:sp>
         </mc:Fallback>
       </mc:AlternateContent>
-      <mc:AlternateContent xmlns:mc="http://schemas.openxmlformats.org/markup-compatibility/2006">
-        <mc:Choice xmlns:a14="http://schemas.microsoft.com/office/drawing/2010/main" Requires="a14">
+      <mc:AlternateContent xmlns:mc="http://schemas.openxmlformats.org/markup-compatibility/2006" xmlns:a14="http://schemas.microsoft.com/office/drawing/2010/main">
+        <mc:Choice Requires="a14">
           <p:sp>
             <p:nvSpPr>
               <p:cNvPr id="6" name="pole tekstowe 5"/>
@@ -14963,6 +21510,7 @@
               </a:bodyPr>
               <a:lstStyle/>
               <a:p>
+                <a:pPr/>
                 <a14:m>
                   <m:oMathPara xmlns:m="http://schemas.openxmlformats.org/officeDocument/2006/math">
                     <m:oMathParaPr>
@@ -15152,7 +21700,7 @@
             </p:txBody>
           </p:sp>
         </mc:Choice>
-        <mc:Fallback>
+        <mc:Fallback xmlns="">
           <p:sp>
             <p:nvSpPr>
               <p:cNvPr id="6" name="pole tekstowe 5"/>
@@ -15191,8 +21739,8 @@
           </p:sp>
         </mc:Fallback>
       </mc:AlternateContent>
-      <mc:AlternateContent xmlns:mc="http://schemas.openxmlformats.org/markup-compatibility/2006">
-        <mc:Choice xmlns:a14="http://schemas.microsoft.com/office/drawing/2010/main" Requires="a14">
+      <mc:AlternateContent xmlns:mc="http://schemas.openxmlformats.org/markup-compatibility/2006" xmlns:a14="http://schemas.microsoft.com/office/drawing/2010/main">
+        <mc:Choice Requires="a14">
           <p:sp>
             <p:nvSpPr>
               <p:cNvPr id="7" name="pole tekstowe 6"/>
@@ -15215,6 +21763,7 @@
               </a:bodyPr>
               <a:lstStyle/>
               <a:p>
+                <a:pPr/>
                 <a14:m>
                   <m:oMathPara xmlns:m="http://schemas.openxmlformats.org/officeDocument/2006/math">
                     <m:oMathParaPr>
@@ -15431,13 +21980,7 @@
                                     <a:rPr lang="pl-PL" i="1">
                                       <a:latin typeface="Cambria Math" panose="02040503050406030204" pitchFamily="18" charset="0"/>
                                     </a:rPr>
-                                    <m:t>+1</m:t>
-                                  </m:r>
-                                  <m:r>
-                                    <a:rPr lang="pl-PL" i="1">
-                                      <a:latin typeface="Cambria Math" panose="02040503050406030204" pitchFamily="18" charset="0"/>
-                                    </a:rPr>
-                                    <m:t>)</m:t>
+                                    <m:t>+1)</m:t>
                                   </m:r>
                                 </m:sup>
                               </m:sSup>
@@ -15517,7 +22060,7 @@
             </p:txBody>
           </p:sp>
         </mc:Choice>
-        <mc:Fallback>
+        <mc:Fallback xmlns="">
           <p:sp>
             <p:nvSpPr>
               <p:cNvPr id="7" name="pole tekstowe 6"/>
@@ -15578,6 +22121,13 @@
       </p:transition>
     </mc:Fallback>
   </mc:AlternateContent>
+  <p:timing>
+    <p:tnLst>
+      <p:par>
+        <p:cTn id="1" dur="indefinite" restart="never" nodeType="tmRoot"/>
+      </p:par>
+    </p:tnLst>
+  </p:timing>
 </p:sld>
 </file>
 
@@ -15621,8 +22171,8 @@
           </a:p>
         </p:txBody>
       </p:sp>
-      <mc:AlternateContent xmlns:mc="http://schemas.openxmlformats.org/markup-compatibility/2006">
-        <mc:Choice xmlns:a14="http://schemas.microsoft.com/office/drawing/2010/main" Requires="a14">
+      <mc:AlternateContent xmlns:mc="http://schemas.openxmlformats.org/markup-compatibility/2006" xmlns:a14="http://schemas.microsoft.com/office/drawing/2010/main">
+        <mc:Choice Requires="a14">
           <p:sp>
             <p:nvSpPr>
               <p:cNvPr id="3" name="Symbol zastępczy zawartości 2"/>
@@ -16242,7 +22792,7 @@
             </p:txBody>
           </p:sp>
         </mc:Choice>
-        <mc:Fallback>
+        <mc:Fallback xmlns="">
           <p:sp>
             <p:nvSpPr>
               <p:cNvPr id="3" name="Symbol zastępczy zawartości 2"/>
@@ -16302,6 +22852,13 @@
       </p:transition>
     </mc:Fallback>
   </mc:AlternateContent>
+  <p:timing>
+    <p:tnLst>
+      <p:par>
+        <p:cTn id="1" dur="indefinite" restart="never" nodeType="tmRoot"/>
+      </p:par>
+    </p:tnLst>
+  </p:timing>
 </p:sld>
 </file>
 
@@ -16345,8 +22902,8 @@
           </a:p>
         </p:txBody>
       </p:sp>
-      <mc:AlternateContent xmlns:mc="http://schemas.openxmlformats.org/markup-compatibility/2006">
-        <mc:Choice xmlns:a14="http://schemas.microsoft.com/office/drawing/2010/main" Requires="a14">
+      <mc:AlternateContent xmlns:mc="http://schemas.openxmlformats.org/markup-compatibility/2006" xmlns:a14="http://schemas.microsoft.com/office/drawing/2010/main">
+        <mc:Choice Requires="a14">
           <p:sp>
             <p:nvSpPr>
               <p:cNvPr id="4" name="Symbol zastępczy zawartości 2"/>
@@ -16671,7 +23228,7 @@
             </p:txBody>
           </p:sp>
         </mc:Choice>
-        <mc:Fallback>
+        <mc:Fallback xmlns="">
           <p:sp>
             <p:nvSpPr>
               <p:cNvPr id="4" name="Symbol zastępczy zawartości 2"/>
@@ -16731,6 +23288,13 @@
       </p:transition>
     </mc:Fallback>
   </mc:AlternateContent>
+  <p:timing>
+    <p:tnLst>
+      <p:par>
+        <p:cTn id="1" dur="indefinite" restart="never" nodeType="tmRoot"/>
+      </p:par>
+    </p:tnLst>
+  </p:timing>
 </p:sld>
 </file>
 
@@ -16803,6 +23367,13 @@
       </p:transition>
     </mc:Fallback>
   </mc:AlternateContent>
+  <p:timing>
+    <p:tnLst>
+      <p:par>
+        <p:cTn id="1" dur="indefinite" restart="never" nodeType="tmRoot"/>
+      </p:par>
+    </p:tnLst>
+  </p:timing>
 </p:sld>
 </file>
 

--- a/Project2/Presentation/P2Z20_AGR.pptx
+++ b/Project2/Presentation/P2Z20_AGR.pptx
@@ -5,10 +5,10 @@
     <p:sldMasterId id="2147483648" r:id="rId1"/>
   </p:sldMasterIdLst>
   <p:notesMasterIdLst>
-    <p:notesMasterId r:id="rId24"/>
+    <p:notesMasterId r:id="rId26"/>
   </p:notesMasterIdLst>
   <p:handoutMasterIdLst>
-    <p:handoutMasterId r:id="rId25"/>
+    <p:handoutMasterId r:id="rId27"/>
   </p:handoutMasterIdLst>
   <p:sldIdLst>
     <p:sldId id="256" r:id="rId2"/>
@@ -31,8 +31,10 @@
     <p:sldId id="304" r:id="rId19"/>
     <p:sldId id="305" r:id="rId20"/>
     <p:sldId id="306" r:id="rId21"/>
-    <p:sldId id="309" r:id="rId22"/>
-    <p:sldId id="287" r:id="rId23"/>
+    <p:sldId id="310" r:id="rId22"/>
+    <p:sldId id="312" r:id="rId23"/>
+    <p:sldId id="311" r:id="rId24"/>
+    <p:sldId id="287" r:id="rId25"/>
   </p:sldIdLst>
   <p:sldSz cx="12188825" cy="6858000"/>
   <p:notesSz cx="6858000" cy="9144000"/>
@@ -253,7 +255,7 @@
             <a:pPr rtl="0"/>
             <a:fld id="{259B836B-1D14-4898-A0A6-D61FF17C9DBC}" type="datetime1">
               <a:rPr lang="pl-PL" smtClean="0"/>
-              <a:t>27.12.2023</a:t>
+              <a:t>30.12.2023</a:t>
             </a:fld>
             <a:endParaRPr lang="pl-PL" dirty="0"/>
           </a:p>
@@ -430,7 +432,7 @@
             <a:fld id="{0B49425D-C08F-42D2-9661-205968B2C1FB}" type="datetime1">
               <a:rPr lang="pl-PL" smtClean="0"/>
               <a:pPr/>
-              <a:t>27.12.2023</a:t>
+              <a:t>30.12.2023</a:t>
             </a:fld>
             <a:endParaRPr lang="pl-PL" dirty="0"/>
           </a:p>
@@ -1802,7 +1804,7 @@
             <a:fld id="{0891712C-DFA3-4BBB-949A-441F8D94FB78}" type="datetime1">
               <a:rPr lang="pl-PL" smtClean="0"/>
               <a:pPr/>
-              <a:t>27.12.2023</a:t>
+              <a:t>30.12.2023</a:t>
             </a:fld>
             <a:endParaRPr lang="pl-PL" dirty="0"/>
           </a:p>
@@ -2034,7 +2036,7 @@
             <a:fld id="{945AF6E0-399A-47E1-A1DB-7B7324AFFA86}" type="datetime1">
               <a:rPr lang="pl-PL" smtClean="0"/>
               <a:pPr/>
-              <a:t>27.12.2023</a:t>
+              <a:t>30.12.2023</a:t>
             </a:fld>
             <a:endParaRPr lang="pl-PL" dirty="0"/>
           </a:p>
@@ -2862,7 +2864,7 @@
             <a:fld id="{C607926C-DC73-443E-A62B-EE34064092FB}" type="datetime1">
               <a:rPr lang="pl-PL" smtClean="0"/>
               <a:pPr/>
-              <a:t>27.12.2023</a:t>
+              <a:t>30.12.2023</a:t>
             </a:fld>
             <a:endParaRPr lang="pl-PL" dirty="0"/>
           </a:p>
@@ -3072,7 +3074,7 @@
             <a:fld id="{E5FE2A44-E43C-4DB0-9333-8D36003B44E7}" type="datetime1">
               <a:rPr lang="pl-PL" smtClean="0"/>
               <a:pPr/>
-              <a:t>27.12.2023</a:t>
+              <a:t>30.12.2023</a:t>
             </a:fld>
             <a:endParaRPr lang="pl-PL" dirty="0"/>
           </a:p>
@@ -4343,7 +4345,7 @@
             <a:fld id="{73A63387-177D-4170-9A3F-154CB0D93663}" type="datetime1">
               <a:rPr lang="pl-PL" smtClean="0"/>
               <a:pPr/>
-              <a:t>27.12.2023</a:t>
+              <a:t>30.12.2023</a:t>
             </a:fld>
             <a:endParaRPr lang="pl-PL" dirty="0"/>
           </a:p>
@@ -4677,7 +4679,7 @@
             <a:fld id="{1CFAE661-66FE-4314-8504-F784411951F4}" type="datetime1">
               <a:rPr lang="pl-PL" smtClean="0"/>
               <a:pPr/>
-              <a:t>27.12.2023</a:t>
+              <a:t>30.12.2023</a:t>
             </a:fld>
             <a:endParaRPr lang="pl-PL" dirty="0"/>
           </a:p>
@@ -5137,7 +5139,7 @@
             <a:fld id="{33DE8A6F-0E38-430F-8DDD-319E6F7E6EAA}" type="datetime1">
               <a:rPr lang="pl-PL" smtClean="0"/>
               <a:pPr/>
-              <a:t>27.12.2023</a:t>
+              <a:t>30.12.2023</a:t>
             </a:fld>
             <a:endParaRPr lang="pl-PL" dirty="0"/>
           </a:p>
@@ -5279,7 +5281,7 @@
             <a:fld id="{14227057-05C3-4648-ABCB-F25BC875C77C}" type="datetime1">
               <a:rPr lang="pl-PL" smtClean="0"/>
               <a:pPr/>
-              <a:t>27.12.2023</a:t>
+              <a:t>30.12.2023</a:t>
             </a:fld>
             <a:endParaRPr lang="pl-PL" dirty="0"/>
           </a:p>
@@ -5625,7 +5627,7 @@
             <a:fld id="{9DD6C040-6C40-4FE1-A91C-782E8F88FE59}" type="datetime1">
               <a:rPr lang="pl-PL" smtClean="0"/>
               <a:pPr/>
-              <a:t>27.12.2023</a:t>
+              <a:t>30.12.2023</a:t>
             </a:fld>
             <a:endParaRPr lang="pl-PL" dirty="0"/>
           </a:p>
@@ -6129,7 +6131,7 @@
             <a:fld id="{C1F1E1EE-6F53-47AB-A934-DBB9363F4AE6}" type="datetime1">
               <a:rPr lang="pl-PL" smtClean="0"/>
               <a:pPr/>
-              <a:t>27.12.2023</a:t>
+              <a:t>30.12.2023</a:t>
             </a:fld>
             <a:endParaRPr lang="pl-PL" dirty="0"/>
           </a:p>
@@ -6586,7 +6588,7 @@
             <a:fld id="{88F116C8-0054-4794-B06D-CBA61F961298}" type="datetime1">
               <a:rPr lang="pl-PL" smtClean="0"/>
               <a:pPr/>
-              <a:t>27.12.2023</a:t>
+              <a:t>30.12.2023</a:t>
             </a:fld>
             <a:endParaRPr lang="pl-PL" dirty="0"/>
           </a:p>
@@ -7493,7 +7495,7 @@
             <a:fld id="{7513D91F-FF86-4B7D-8E15-3B9D5855F3A0}" type="datetime1">
               <a:rPr lang="pl-PL" smtClean="0"/>
               <a:pPr/>
-              <a:t>27.12.2023</a:t>
+              <a:t>30.12.2023</a:t>
             </a:fld>
             <a:endParaRPr lang="pl-PL" dirty="0"/>
           </a:p>
@@ -7931,8 +7933,8 @@
           <a:chExt cx="0" cy="0"/>
         </a:xfrm>
       </p:grpSpPr>
-      <mc:AlternateContent xmlns:mc="http://schemas.openxmlformats.org/markup-compatibility/2006">
-        <mc:Choice xmlns:a14="http://schemas.microsoft.com/office/drawing/2010/main" Requires="a14">
+      <mc:AlternateContent xmlns:mc="http://schemas.openxmlformats.org/markup-compatibility/2006" xmlns:a14="http://schemas.microsoft.com/office/drawing/2010/main">
+        <mc:Choice Requires="a14">
           <p:sp>
             <p:nvSpPr>
               <p:cNvPr id="2" name="Tytuł 1"/>
@@ -8353,7 +8355,7 @@
             </p:txBody>
           </p:sp>
         </mc:Choice>
-        <mc:Fallback>
+        <mc:Fallback xmlns="">
           <p:sp>
             <p:nvSpPr>
               <p:cNvPr id="2" name="Tytuł 1"/>
@@ -8767,7 +8769,23 @@
                         <a:ea typeface="Cambria Math" panose="02040503050406030204" pitchFamily="18" charset="0"/>
                         <a:cs typeface="Calibri" panose="020F0502020204030204" pitchFamily="34" charset="0"/>
                       </a:rPr>
-                      <m:t>≤…≤</m:t>
+                      <m:t>≥</m:t>
+                    </m:r>
+                    <m:r>
+                      <a:rPr lang="pl-PL" sz="2400" b="0" i="1" smtClean="0">
+                        <a:latin typeface="Cambria Math" panose="02040503050406030204" pitchFamily="18" charset="0"/>
+                        <a:ea typeface="Cambria Math" panose="02040503050406030204" pitchFamily="18" charset="0"/>
+                        <a:cs typeface="Calibri" panose="020F0502020204030204" pitchFamily="34" charset="0"/>
+                      </a:rPr>
+                      <m:t>…</m:t>
+                    </m:r>
+                    <m:r>
+                      <a:rPr lang="pl-PL" sz="2400" b="0" i="1" smtClean="0">
+                        <a:latin typeface="Cambria Math" panose="02040503050406030204" pitchFamily="18" charset="0"/>
+                        <a:ea typeface="Cambria Math" panose="02040503050406030204" pitchFamily="18" charset="0"/>
+                        <a:cs typeface="Calibri" panose="020F0502020204030204" pitchFamily="34" charset="0"/>
+                      </a:rPr>
+                      <m:t>≥</m:t>
                     </m:r>
                     <m:d>
                       <m:dPr>
@@ -8824,12 +8842,12 @@
                       </m:e>
                     </m:d>
                     <m:r>
-                      <a:rPr lang="pl-PL" sz="2400" i="1">
+                      <a:rPr lang="pl-PL" sz="2400" b="0" i="1" smtClean="0">
                         <a:latin typeface="Cambria Math" panose="02040503050406030204" pitchFamily="18" charset="0"/>
                         <a:ea typeface="Cambria Math" panose="02040503050406030204" pitchFamily="18" charset="0"/>
                         <a:cs typeface="Calibri" panose="020F0502020204030204" pitchFamily="34" charset="0"/>
                       </a:rPr>
-                      <m:t>≤</m:t>
+                      <m:t>&gt;</m:t>
                     </m:r>
                     <m:d>
                       <m:dPr>
@@ -8877,6 +8895,14 @@
                         </m:sSub>
                       </m:e>
                     </m:d>
+                    <m:r>
+                      <a:rPr lang="pl-PL" sz="2400" b="0" i="1" smtClean="0">
+                        <a:latin typeface="Cambria Math" panose="02040503050406030204" pitchFamily="18" charset="0"/>
+                        <a:ea typeface="Cambria Math" panose="02040503050406030204" pitchFamily="18" charset="0"/>
+                        <a:cs typeface="Calibri" panose="020F0502020204030204" pitchFamily="34" charset="0"/>
+                      </a:rPr>
+                      <m:t>&gt;0</m:t>
+                    </m:r>
                   </m:oMath>
                 </a14:m>
                 <a:r>
@@ -9193,8 +9219,8 @@
           </a:p>
         </p:txBody>
       </p:sp>
-      <mc:AlternateContent xmlns:mc="http://schemas.openxmlformats.org/markup-compatibility/2006">
-        <mc:Choice xmlns:a14="http://schemas.microsoft.com/office/drawing/2010/main" Requires="a14">
+      <mc:AlternateContent xmlns:mc="http://schemas.openxmlformats.org/markup-compatibility/2006" xmlns:a14="http://schemas.microsoft.com/office/drawing/2010/main">
+        <mc:Choice Requires="a14">
           <p:sp>
             <p:nvSpPr>
               <p:cNvPr id="5" name="Prostokąt 4"/>
@@ -9420,7 +9446,7 @@
             </p:txBody>
           </p:sp>
         </mc:Choice>
-        <mc:Fallback>
+        <mc:Fallback xmlns="">
           <p:sp>
             <p:nvSpPr>
               <p:cNvPr id="5" name="Prostokąt 4"/>
@@ -9459,8 +9485,8 @@
           </p:sp>
         </mc:Fallback>
       </mc:AlternateContent>
-      <mc:AlternateContent xmlns:mc="http://schemas.openxmlformats.org/markup-compatibility/2006">
-        <mc:Choice xmlns:a14="http://schemas.microsoft.com/office/drawing/2010/main" Requires="a14">
+      <mc:AlternateContent xmlns:mc="http://schemas.openxmlformats.org/markup-compatibility/2006" xmlns:a14="http://schemas.microsoft.com/office/drawing/2010/main">
+        <mc:Choice Requires="a14">
           <p:sp>
             <p:nvSpPr>
               <p:cNvPr id="6" name="pole tekstowe 5"/>
@@ -9681,7 +9707,7 @@
             </p:txBody>
           </p:sp>
         </mc:Choice>
-        <mc:Fallback>
+        <mc:Fallback xmlns="">
           <p:sp>
             <p:nvSpPr>
               <p:cNvPr id="6" name="pole tekstowe 5"/>
@@ -9720,8 +9746,8 @@
           </p:sp>
         </mc:Fallback>
       </mc:AlternateContent>
-      <mc:AlternateContent xmlns:mc="http://schemas.openxmlformats.org/markup-compatibility/2006">
-        <mc:Choice xmlns:a14="http://schemas.microsoft.com/office/drawing/2010/main" Requires="a14">
+      <mc:AlternateContent xmlns:mc="http://schemas.openxmlformats.org/markup-compatibility/2006" xmlns:a14="http://schemas.microsoft.com/office/drawing/2010/main">
+        <mc:Choice Requires="a14">
           <p:sp>
             <p:nvSpPr>
               <p:cNvPr id="7" name="pole tekstowe 6"/>
@@ -10038,7 +10064,7 @@
             </p:txBody>
           </p:sp>
         </mc:Choice>
-        <mc:Fallback>
+        <mc:Fallback xmlns="">
           <p:sp>
             <p:nvSpPr>
               <p:cNvPr id="7" name="pole tekstowe 6"/>
@@ -10194,8 +10220,8 @@
           </a:p>
         </p:txBody>
       </p:sp>
-      <mc:AlternateContent xmlns:mc="http://schemas.openxmlformats.org/markup-compatibility/2006">
-        <mc:Choice xmlns:a14="http://schemas.microsoft.com/office/drawing/2010/main" Requires="a14">
+      <mc:AlternateContent xmlns:mc="http://schemas.openxmlformats.org/markup-compatibility/2006" xmlns:a14="http://schemas.microsoft.com/office/drawing/2010/main">
+        <mc:Choice Requires="a14">
           <p:sp>
             <p:nvSpPr>
               <p:cNvPr id="3" name="Symbol zastępczy zawartości 2"/>
@@ -10815,7 +10841,7 @@
             </p:txBody>
           </p:sp>
         </mc:Choice>
-        <mc:Fallback>
+        <mc:Fallback xmlns="">
           <p:sp>
             <p:nvSpPr>
               <p:cNvPr id="3" name="Symbol zastępczy zawartości 2"/>
@@ -10932,8 +10958,8 @@
           </a:p>
         </p:txBody>
       </p:sp>
-      <mc:AlternateContent xmlns:mc="http://schemas.openxmlformats.org/markup-compatibility/2006">
-        <mc:Choice xmlns:a14="http://schemas.microsoft.com/office/drawing/2010/main" Requires="a14">
+      <mc:AlternateContent xmlns:mc="http://schemas.openxmlformats.org/markup-compatibility/2006" xmlns:a14="http://schemas.microsoft.com/office/drawing/2010/main">
+        <mc:Choice Requires="a14">
           <p:sp>
             <p:nvSpPr>
               <p:cNvPr id="4" name="Symbol zastępczy zawartości 2"/>
@@ -11405,7 +11431,7 @@
             </p:txBody>
           </p:sp>
         </mc:Choice>
-        <mc:Fallback>
+        <mc:Fallback xmlns="">
           <p:sp>
             <p:nvSpPr>
               <p:cNvPr id="4" name="Symbol zastępczy zawartości 2"/>
@@ -11575,8 +11601,8 @@
           <a:chExt cx="0" cy="0"/>
         </a:xfrm>
       </p:grpSpPr>
-      <mc:AlternateContent xmlns:mc="http://schemas.openxmlformats.org/markup-compatibility/2006">
-        <mc:Choice xmlns:a14="http://schemas.microsoft.com/office/drawing/2010/main" Requires="a14">
+      <mc:AlternateContent xmlns:mc="http://schemas.openxmlformats.org/markup-compatibility/2006" xmlns:a14="http://schemas.microsoft.com/office/drawing/2010/main">
+        <mc:Choice Requires="a14">
           <p:sp>
             <p:nvSpPr>
               <p:cNvPr id="3" name="Symbol zastępczy zawartości 2"/>
@@ -11753,7 +11779,7 @@
             </p:txBody>
           </p:sp>
         </mc:Choice>
-        <mc:Fallback>
+        <mc:Fallback xmlns="">
           <p:sp>
             <p:nvSpPr>
               <p:cNvPr id="3" name="Symbol zastępczy zawartości 2"/>
@@ -11918,7 +11944,7 @@
             <p:spPr>
               <a:xfrm>
                 <a:off x="1629916" y="1844824"/>
-                <a:ext cx="8640960" cy="2520280"/>
+                <a:ext cx="9505056" cy="2088232"/>
               </a:xfrm>
             </p:spPr>
             <p:txBody>
@@ -12199,7 +12225,6 @@
                   <a:rPr lang="pl-PL" sz="2400" dirty="0" smtClean="0"/>
                   <a:t>.</a:t>
                 </a:r>
-                <a:endParaRPr lang="pl-PL" sz="2400" dirty="0" smtClean="0"/>
               </a:p>
             </p:txBody>
           </p:sp>
@@ -12218,12 +12243,12 @@
             <p:spPr>
               <a:xfrm>
                 <a:off x="1629916" y="1844824"/>
-                <a:ext cx="8640960" cy="2520280"/>
+                <a:ext cx="9505056" cy="2088232"/>
               </a:xfrm>
               <a:blipFill>
                 <a:blip r:embed="rId2"/>
                 <a:stretch>
-                  <a:fillRect l="-917" t="-3148"/>
+                  <a:fillRect l="-833" t="-3801"/>
                 </a:stretch>
               </a:blipFill>
             </p:spPr>
@@ -12321,8 +12346,8 @@
           </a:p>
         </p:txBody>
       </p:sp>
-      <mc:AlternateContent xmlns:mc="http://schemas.openxmlformats.org/markup-compatibility/2006">
-        <mc:Choice xmlns:a14="http://schemas.microsoft.com/office/drawing/2010/main" Requires="a14">
+      <mc:AlternateContent xmlns:mc="http://schemas.openxmlformats.org/markup-compatibility/2006" xmlns:a14="http://schemas.microsoft.com/office/drawing/2010/main">
+        <mc:Choice Requires="a14">
           <p:sp>
             <p:nvSpPr>
               <p:cNvPr id="3" name="Symbol zastępczy zawartości 2"/>
@@ -12390,7 +12415,7 @@
             </p:txBody>
           </p:sp>
         </mc:Choice>
-        <mc:Fallback>
+        <mc:Fallback xmlns="">
           <p:sp>
             <p:nvSpPr>
               <p:cNvPr id="3" name="Symbol zastępczy zawartości 2"/>
@@ -16667,8 +16692,8 @@
           </a:p>
         </p:txBody>
       </p:sp>
-      <mc:AlternateContent xmlns:mc="http://schemas.openxmlformats.org/markup-compatibility/2006">
-        <mc:Choice xmlns:a14="http://schemas.microsoft.com/office/drawing/2010/main" Requires="a14">
+      <mc:AlternateContent xmlns:mc="http://schemas.openxmlformats.org/markup-compatibility/2006" xmlns:a14="http://schemas.microsoft.com/office/drawing/2010/main">
+        <mc:Choice Requires="a14">
           <p:sp>
             <p:nvSpPr>
               <p:cNvPr id="3" name="Symbol zastępczy zawartości 2"/>
@@ -16746,18 +16771,13 @@
                 </a14:m>
                 <a:r>
                   <a:rPr lang="pl-PL" sz="2400" dirty="0" smtClean="0"/>
-                  <a:t> krokach</a:t>
-                </a:r>
-                <a:r>
-                  <a:rPr lang="pl-PL" sz="2400" dirty="0" smtClean="0"/>
-                  <a:t>).</a:t>
-                </a:r>
-                <a:endParaRPr lang="pl-PL" sz="2400" dirty="0" smtClean="0"/>
+                  <a:t> krokach).</a:t>
+                </a:r>
               </a:p>
             </p:txBody>
           </p:sp>
         </mc:Choice>
-        <mc:Fallback>
+        <mc:Fallback xmlns="">
           <p:sp>
             <p:nvSpPr>
               <p:cNvPr id="3" name="Symbol zastępczy zawartości 2"/>
@@ -16795,8 +16815,8 @@
           </p:sp>
         </mc:Fallback>
       </mc:AlternateContent>
-      <mc:AlternateContent xmlns:mc="http://schemas.openxmlformats.org/markup-compatibility/2006">
-        <mc:Choice xmlns:a14="http://schemas.microsoft.com/office/drawing/2010/main" Requires="a14">
+      <mc:AlternateContent xmlns:mc="http://schemas.openxmlformats.org/markup-compatibility/2006" xmlns:a14="http://schemas.microsoft.com/office/drawing/2010/main">
+        <mc:Choice Requires="a14">
           <p:sp>
             <p:nvSpPr>
               <p:cNvPr id="4" name="Prostokąt 3"/>
@@ -17297,11 +17317,7 @@
                 </a:pPr>
                 <a:r>
                   <a:rPr lang="pl-PL" sz="2400" dirty="0" smtClean="0"/>
-                  <a:t>	   </a:t>
-                </a:r>
-                <a:r>
-                  <a:rPr lang="pl-PL" sz="2400" dirty="0" smtClean="0"/>
-                  <a:t>     </a:t>
+                  <a:t>	        </a:t>
                 </a:r>
                 <a14:m>
                   <m:oMath xmlns:m="http://schemas.openxmlformats.org/officeDocument/2006/math">
@@ -17450,11 +17466,7 @@
                 </a:pPr>
                 <a:r>
                   <a:rPr lang="pl-PL" sz="2400" dirty="0" smtClean="0"/>
-                  <a:t>	   </a:t>
-                </a:r>
-                <a:r>
-                  <a:rPr lang="pl-PL" sz="2400" dirty="0" smtClean="0"/>
-                  <a:t>     </a:t>
+                  <a:t>	        </a:t>
                 </a:r>
                 <a14:m>
                   <m:oMath xmlns:m="http://schemas.openxmlformats.org/officeDocument/2006/math">
@@ -17607,11 +17619,7 @@
                 </a:r>
                 <a:r>
                   <a:rPr lang="pl-PL" sz="2400" dirty="0" smtClean="0"/>
-                  <a:t>   </a:t>
-                </a:r>
-                <a:r>
-                  <a:rPr lang="pl-PL" sz="2400" dirty="0" smtClean="0"/>
-                  <a:t>     </a:t>
+                  <a:t>        </a:t>
                 </a:r>
                 <a14:m>
                   <m:oMath xmlns:m="http://schemas.openxmlformats.org/officeDocument/2006/math">
@@ -17772,11 +17780,7 @@
                 </a:pPr>
                 <a:r>
                   <a:rPr lang="pl-PL" sz="2400" dirty="0" smtClean="0"/>
-                  <a:t>	   </a:t>
-                </a:r>
-                <a:r>
-                  <a:rPr lang="pl-PL" sz="2400" dirty="0" smtClean="0"/>
-                  <a:t>     </a:t>
+                  <a:t>	        </a:t>
                 </a:r>
                 <a14:m>
                   <m:oMath xmlns:m="http://schemas.openxmlformats.org/officeDocument/2006/math">
@@ -17809,7 +17813,7 @@
             </p:txBody>
           </p:sp>
         </mc:Choice>
-        <mc:Fallback>
+        <mc:Fallback xmlns="">
           <p:sp>
             <p:nvSpPr>
               <p:cNvPr id="4" name="Prostokąt 3"/>
@@ -17934,8 +17938,8 @@
           </a:p>
         </p:txBody>
       </p:sp>
-      <mc:AlternateContent xmlns:mc="http://schemas.openxmlformats.org/markup-compatibility/2006">
-        <mc:Choice xmlns:a14="http://schemas.microsoft.com/office/drawing/2010/main" Requires="a14">
+      <mc:AlternateContent xmlns:mc="http://schemas.openxmlformats.org/markup-compatibility/2006" xmlns:a14="http://schemas.microsoft.com/office/drawing/2010/main">
+        <mc:Choice Requires="a14">
           <p:sp>
             <p:nvSpPr>
               <p:cNvPr id="7" name="pole tekstowe 6"/>
@@ -18583,7 +18587,7 @@
             </p:txBody>
           </p:sp>
         </mc:Choice>
-        <mc:Fallback>
+        <mc:Fallback xmlns="">
           <p:sp>
             <p:nvSpPr>
               <p:cNvPr id="7" name="pole tekstowe 6"/>
@@ -18740,8 +18744,8 @@
           </a:p>
         </p:txBody>
       </p:sp>
-      <mc:AlternateContent xmlns:mc="http://schemas.openxmlformats.org/markup-compatibility/2006">
-        <mc:Choice xmlns:a14="http://schemas.microsoft.com/office/drawing/2010/main" Requires="a14">
+      <mc:AlternateContent xmlns:mc="http://schemas.openxmlformats.org/markup-compatibility/2006" xmlns:a14="http://schemas.microsoft.com/office/drawing/2010/main">
+        <mc:Choice Requires="a14">
           <p:sp>
             <p:nvSpPr>
               <p:cNvPr id="4" name="Prostokąt 3"/>
@@ -19257,11 +19261,7 @@
                 </a:pPr>
                 <a:r>
                   <a:rPr lang="pl-PL" sz="2400" dirty="0" smtClean="0"/>
-                  <a:t>		 </a:t>
-                </a:r>
-                <a:r>
-                  <a:rPr lang="pl-PL" sz="2400" dirty="0" smtClean="0"/>
-                  <a:t>        </a:t>
+                  <a:t>		         </a:t>
                 </a:r>
                 <a14:m>
                   <m:oMath xmlns:m="http://schemas.openxmlformats.org/officeDocument/2006/math">
@@ -19289,11 +19289,7 @@
                 </a:pPr>
                 <a:r>
                   <a:rPr lang="pl-PL" sz="2400" dirty="0" smtClean="0"/>
-                  <a:t> 	   </a:t>
-                </a:r>
-                <a:r>
-                  <a:rPr lang="pl-PL" sz="2400" dirty="0" smtClean="0"/>
-                  <a:t>    </a:t>
+                  <a:t> 	       </a:t>
                 </a:r>
                 <a14:m>
                   <m:oMath xmlns:m="http://schemas.openxmlformats.org/officeDocument/2006/math">
@@ -19429,7 +19425,7 @@
             </p:txBody>
           </p:sp>
         </mc:Choice>
-        <mc:Fallback>
+        <mc:Fallback xmlns="">
           <p:sp>
             <p:nvSpPr>
               <p:cNvPr id="4" name="Prostokąt 3"/>
@@ -19529,8 +19525,8 @@
         </p:nvSpPr>
         <p:spPr>
           <a:xfrm>
-            <a:off x="1485900" y="3356992"/>
-            <a:ext cx="8283272" cy="897273"/>
+            <a:off x="1598613" y="3284984"/>
+            <a:ext cx="8283272" cy="681248"/>
           </a:xfrm>
         </p:spPr>
         <p:txBody>
@@ -19547,10 +19543,47 @@
           </a:p>
         </p:txBody>
       </p:sp>
+      <p:sp>
+        <p:nvSpPr>
+          <p:cNvPr id="3" name="Symbol zastępczy tekstu 2"/>
+          <p:cNvSpPr>
+            <a:spLocks noGrp="1"/>
+          </p:cNvSpPr>
+          <p:nvPr>
+            <p:ph type="body" idx="1"/>
+          </p:nvPr>
+        </p:nvSpPr>
+        <p:spPr>
+          <a:xfrm>
+            <a:off x="1598613" y="4259997"/>
+            <a:ext cx="7304111" cy="825188"/>
+          </a:xfrm>
+        </p:spPr>
+        <p:txBody>
+          <a:bodyPr>
+            <a:normAutofit/>
+          </a:bodyPr>
+          <a:lstStyle/>
+          <a:p>
+            <a:r>
+              <a:rPr lang="pl-PL" sz="2400" dirty="0"/>
+              <a:t>Porównanie metod rozwiązywania układów równań </a:t>
+            </a:r>
+            <a:r>
+              <a:rPr lang="pl-PL" sz="2400" dirty="0" smtClean="0"/>
+              <a:t>liniowych w </a:t>
+            </a:r>
+            <a:r>
+              <a:rPr lang="pl-PL" sz="2400" dirty="0"/>
+              <a:t>odwrotnej metodzie potęgowej.</a:t>
+            </a:r>
+          </a:p>
+        </p:txBody>
+      </p:sp>
     </p:spTree>
     <p:extLst>
       <p:ext uri="{BB962C8B-B14F-4D97-AF65-F5344CB8AC3E}">
-        <p14:creationId xmlns:p14="http://schemas.microsoft.com/office/powerpoint/2010/main" val="2207807521"/>
+        <p14:creationId xmlns:p14="http://schemas.microsoft.com/office/powerpoint/2010/main" val="3349896036"/>
       </p:ext>
     </p:extLst>
   </p:cSld>
@@ -19569,17 +19602,732 @@
       </p:transition>
     </mc:Fallback>
   </mc:AlternateContent>
-  <p:timing>
-    <p:tnLst>
-      <p:par>
-        <p:cTn id="1" dur="indefinite" restart="never" nodeType="tmRoot"/>
-      </p:par>
-    </p:tnLst>
-  </p:timing>
 </p:sld>
 </file>
 
 <file path=ppt/slides/slide22.xml><?xml version="1.0" encoding="utf-8"?>
+<p:sld xmlns:a="http://schemas.openxmlformats.org/drawingml/2006/main" xmlns:r="http://schemas.openxmlformats.org/officeDocument/2006/relationships" xmlns:p="http://schemas.openxmlformats.org/presentationml/2006/main">
+  <p:cSld>
+    <p:spTree>
+      <p:nvGrpSpPr>
+        <p:cNvPr id="1" name=""/>
+        <p:cNvGrpSpPr/>
+        <p:nvPr/>
+      </p:nvGrpSpPr>
+      <p:grpSpPr>
+        <a:xfrm>
+          <a:off x="0" y="0"/>
+          <a:ext cx="0" cy="0"/>
+          <a:chOff x="0" y="0"/>
+          <a:chExt cx="0" cy="0"/>
+        </a:xfrm>
+      </p:grpSpPr>
+      <mc:AlternateContent xmlns:mc="http://schemas.openxmlformats.org/markup-compatibility/2006">
+        <mc:Choice xmlns:a14="http://schemas.microsoft.com/office/drawing/2010/main" Requires="a14">
+          <p:sp>
+            <p:nvSpPr>
+              <p:cNvPr id="2" name="Tytuł 1"/>
+              <p:cNvSpPr>
+                <a:spLocks noGrp="1"/>
+              </p:cNvSpPr>
+              <p:nvPr>
+                <p:ph type="title"/>
+              </p:nvPr>
+            </p:nvSpPr>
+            <p:spPr>
+              <a:xfrm>
+                <a:off x="1593436" y="759843"/>
+                <a:ext cx="9782801" cy="580925"/>
+              </a:xfrm>
+            </p:spPr>
+            <p:txBody>
+              <a:bodyPr>
+                <a:normAutofit/>
+              </a:bodyPr>
+              <a:lstStyle/>
+              <a:p>
+                <a:r>
+                  <a:rPr lang="pl-PL" sz="3200" dirty="0" smtClean="0"/>
+                  <a:t>Rozkład </a:t>
+                </a:r>
+                <a14:m>
+                  <m:oMath xmlns:m="http://schemas.openxmlformats.org/officeDocument/2006/math">
+                    <m:r>
+                      <a:rPr lang="pl-PL" sz="3200" i="1" dirty="0" smtClean="0">
+                        <a:latin typeface="Cambria Math" panose="02040503050406030204" pitchFamily="18" charset="0"/>
+                      </a:rPr>
+                      <m:t>𝐿𝑈</m:t>
+                    </m:r>
+                  </m:oMath>
+                </a14:m>
+                <a:r>
+                  <a:rPr lang="pl-PL" sz="3200" dirty="0" smtClean="0"/>
+                  <a:t>:</a:t>
+                </a:r>
+                <a:endParaRPr lang="pl-PL" sz="3200" dirty="0"/>
+              </a:p>
+            </p:txBody>
+          </p:sp>
+        </mc:Choice>
+        <mc:Fallback>
+          <p:sp>
+            <p:nvSpPr>
+              <p:cNvPr id="2" name="Tytuł 1"/>
+              <p:cNvSpPr>
+                <a:spLocks noGrp="1" noRot="1" noChangeAspect="1" noMove="1" noResize="1" noEditPoints="1" noAdjustHandles="1" noChangeArrowheads="1" noChangeShapeType="1" noTextEdit="1"/>
+              </p:cNvSpPr>
+              <p:nvPr>
+                <p:ph type="title"/>
+              </p:nvPr>
+            </p:nvSpPr>
+            <p:spPr>
+              <a:xfrm>
+                <a:off x="1593436" y="759843"/>
+                <a:ext cx="9782801" cy="580925"/>
+              </a:xfrm>
+              <a:blipFill>
+                <a:blip r:embed="rId2"/>
+                <a:stretch>
+                  <a:fillRect l="-1558" t="-13684" b="-34737"/>
+                </a:stretch>
+              </a:blipFill>
+            </p:spPr>
+            <p:txBody>
+              <a:bodyPr/>
+              <a:lstStyle/>
+              <a:p>
+                <a:r>
+                  <a:rPr lang="pl-PL">
+                    <a:noFill/>
+                  </a:rPr>
+                  <a:t> </a:t>
+                </a:r>
+              </a:p>
+            </p:txBody>
+          </p:sp>
+        </mc:Fallback>
+      </mc:AlternateContent>
+      <mc:AlternateContent xmlns:mc="http://schemas.openxmlformats.org/markup-compatibility/2006">
+        <mc:Choice xmlns:a14="http://schemas.microsoft.com/office/drawing/2010/main" Requires="a14">
+          <p:sp>
+            <p:nvSpPr>
+              <p:cNvPr id="3" name="Symbol zastępczy zawartości 2"/>
+              <p:cNvSpPr>
+                <a:spLocks noGrp="1"/>
+              </p:cNvSpPr>
+              <p:nvPr>
+                <p:ph idx="1"/>
+              </p:nvPr>
+            </p:nvSpPr>
+            <p:spPr>
+              <a:xfrm>
+                <a:off x="1593436" y="1600200"/>
+                <a:ext cx="9782801" cy="3124944"/>
+              </a:xfrm>
+            </p:spPr>
+            <p:txBody>
+              <a:bodyPr>
+                <a:normAutofit/>
+              </a:bodyPr>
+              <a:lstStyle/>
+              <a:p>
+                <a:r>
+                  <a:rPr lang="pl-PL" sz="2400" dirty="0" smtClean="0"/>
+                  <a:t>Odwrotna metoda potęgowa zakłada, że macierz </a:t>
+                </a:r>
+                <a14:m>
+                  <m:oMath xmlns:m="http://schemas.openxmlformats.org/officeDocument/2006/math">
+                    <m:r>
+                      <a:rPr lang="pl-PL" sz="2400" b="0" i="1" smtClean="0">
+                        <a:latin typeface="Cambria Math" panose="02040503050406030204" pitchFamily="18" charset="0"/>
+                      </a:rPr>
+                      <m:t>𝐴</m:t>
+                    </m:r>
+                  </m:oMath>
+                </a14:m>
+                <a:r>
+                  <a:rPr lang="pl-PL" sz="2400" dirty="0" smtClean="0"/>
+                  <a:t> jest nieosobliwa, </a:t>
+                </a:r>
+                <a:r>
+                  <a:rPr lang="pl-PL" sz="2400" dirty="0"/>
+                  <a:t>czyli </a:t>
+                </a:r>
+                <a14:m>
+                  <m:oMath xmlns:m="http://schemas.openxmlformats.org/officeDocument/2006/math">
+                    <m:func>
+                      <m:funcPr>
+                        <m:ctrlPr>
+                          <a:rPr lang="pl-PL" sz="2400" i="1">
+                            <a:latin typeface="Cambria Math" panose="02040503050406030204" pitchFamily="18" charset="0"/>
+                          </a:rPr>
+                        </m:ctrlPr>
+                      </m:funcPr>
+                      <m:fName>
+                        <m:r>
+                          <m:rPr>
+                            <m:sty m:val="p"/>
+                          </m:rPr>
+                          <a:rPr lang="pl-PL" sz="2400">
+                            <a:latin typeface="Cambria Math" panose="02040503050406030204" pitchFamily="18" charset="0"/>
+                          </a:rPr>
+                          <m:t>det</m:t>
+                        </m:r>
+                      </m:fName>
+                      <m:e>
+                        <m:d>
+                          <m:dPr>
+                            <m:ctrlPr>
+                              <a:rPr lang="pl-PL" sz="2400" i="1">
+                                <a:latin typeface="Cambria Math" panose="02040503050406030204" pitchFamily="18" charset="0"/>
+                              </a:rPr>
+                            </m:ctrlPr>
+                          </m:dPr>
+                          <m:e>
+                            <m:r>
+                              <a:rPr lang="pl-PL" sz="2400" i="1">
+                                <a:latin typeface="Cambria Math" panose="02040503050406030204" pitchFamily="18" charset="0"/>
+                              </a:rPr>
+                              <m:t>𝐴</m:t>
+                            </m:r>
+                          </m:e>
+                        </m:d>
+                      </m:e>
+                    </m:func>
+                    <m:r>
+                      <a:rPr lang="pl-PL" sz="2400" i="1">
+                        <a:latin typeface="Cambria Math" panose="02040503050406030204" pitchFamily="18" charset="0"/>
+                        <a:ea typeface="Cambria Math" panose="02040503050406030204" pitchFamily="18" charset="0"/>
+                      </a:rPr>
+                      <m:t>≠</m:t>
+                    </m:r>
+                    <m:r>
+                      <a:rPr lang="pl-PL" sz="2400" i="1">
+                        <a:latin typeface="Cambria Math" panose="02040503050406030204" pitchFamily="18" charset="0"/>
+                        <a:ea typeface="Cambria Math" panose="02040503050406030204" pitchFamily="18" charset="0"/>
+                      </a:rPr>
+                      <m:t>0</m:t>
+                    </m:r>
+                  </m:oMath>
+                </a14:m>
+                <a:r>
+                  <a:rPr lang="pl-PL" sz="2400" dirty="0"/>
+                  <a:t>.</a:t>
+                </a:r>
+              </a:p>
+              <a:p>
+                <a:r>
+                  <a:rPr lang="pl-PL" sz="2400" dirty="0" smtClean="0"/>
+                  <a:t>Dzięki temu założeniu, do rozwiązywania układów równań możemy wykorzystać rozkład </a:t>
+                </a:r>
+                <a14:m>
+                  <m:oMath xmlns:m="http://schemas.openxmlformats.org/officeDocument/2006/math">
+                    <m:r>
+                      <a:rPr lang="pl-PL" sz="2400" i="1" dirty="0">
+                        <a:latin typeface="Cambria Math" panose="02040503050406030204" pitchFamily="18" charset="0"/>
+                      </a:rPr>
+                      <m:t>𝐿𝑈</m:t>
+                    </m:r>
+                  </m:oMath>
+                </a14:m>
+                <a:r>
+                  <a:rPr lang="pl-PL" sz="2400" dirty="0" smtClean="0"/>
+                  <a:t> oparty na </a:t>
+                </a:r>
+                <a14:m>
+                  <m:oMath xmlns:m="http://schemas.openxmlformats.org/officeDocument/2006/math">
+                    <m:r>
+                      <a:rPr lang="pl-PL" sz="2400" i="1" dirty="0" smtClean="0">
+                        <a:latin typeface="Cambria Math" panose="02040503050406030204" pitchFamily="18" charset="0"/>
+                      </a:rPr>
+                      <m:t>𝐺𝐸𝑃𝑃</m:t>
+                    </m:r>
+                  </m:oMath>
+                </a14:m>
+                <a:r>
+                  <a:rPr lang="pl-PL" sz="2400" dirty="0" smtClean="0"/>
+                  <a:t>.</a:t>
+                </a:r>
+              </a:p>
+              <a:p>
+                <a:r>
+                  <a:rPr lang="pl-PL" sz="2400" dirty="0" smtClean="0"/>
+                  <a:t>Koszt rozkładu </a:t>
+                </a:r>
+                <a14:m>
+                  <m:oMath xmlns:m="http://schemas.openxmlformats.org/officeDocument/2006/math">
+                    <m:r>
+                      <a:rPr lang="pl-PL" sz="2400" i="1" dirty="0">
+                        <a:latin typeface="Cambria Math" panose="02040503050406030204" pitchFamily="18" charset="0"/>
+                      </a:rPr>
+                      <m:t>𝐿𝑈</m:t>
+                    </m:r>
+                  </m:oMath>
+                </a14:m>
+                <a:r>
+                  <a:rPr lang="pl-PL" sz="2400" dirty="0" smtClean="0"/>
+                  <a:t> to </a:t>
+                </a:r>
+                <a14:m>
+                  <m:oMath xmlns:m="http://schemas.openxmlformats.org/officeDocument/2006/math">
+                    <m:r>
+                      <a:rPr lang="pl-PL" sz="2400" b="0" i="1" smtClean="0">
+                        <a:latin typeface="Cambria Math" panose="02040503050406030204" pitchFamily="18" charset="0"/>
+                      </a:rPr>
+                      <m:t>𝑂</m:t>
+                    </m:r>
+                    <m:r>
+                      <a:rPr lang="pl-PL" sz="2400" b="0" i="1" smtClean="0">
+                        <a:latin typeface="Cambria Math" panose="02040503050406030204" pitchFamily="18" charset="0"/>
+                      </a:rPr>
+                      <m:t>(</m:t>
+                    </m:r>
+                    <m:sSup>
+                      <m:sSupPr>
+                        <m:ctrlPr>
+                          <a:rPr lang="pl-PL" sz="2400" b="0" i="1" smtClean="0">
+                            <a:latin typeface="Cambria Math" panose="02040503050406030204" pitchFamily="18" charset="0"/>
+                          </a:rPr>
+                        </m:ctrlPr>
+                      </m:sSupPr>
+                      <m:e>
+                        <m:r>
+                          <a:rPr lang="pl-PL" sz="2400" b="0" i="1" smtClean="0">
+                            <a:latin typeface="Cambria Math" panose="02040503050406030204" pitchFamily="18" charset="0"/>
+                          </a:rPr>
+                          <m:t>𝑛</m:t>
+                        </m:r>
+                      </m:e>
+                      <m:sup>
+                        <m:r>
+                          <a:rPr lang="pl-PL" sz="2400" b="0" i="1" smtClean="0">
+                            <a:latin typeface="Cambria Math" panose="02040503050406030204" pitchFamily="18" charset="0"/>
+                          </a:rPr>
+                          <m:t>3</m:t>
+                        </m:r>
+                      </m:sup>
+                    </m:sSup>
+                    <m:r>
+                      <a:rPr lang="pl-PL" sz="2400" b="0" i="1" smtClean="0">
+                        <a:latin typeface="Cambria Math" panose="02040503050406030204" pitchFamily="18" charset="0"/>
+                      </a:rPr>
+                      <m:t>)</m:t>
+                    </m:r>
+                  </m:oMath>
+                </a14:m>
+                <a:r>
+                  <a:rPr lang="pl-PL" sz="2400" dirty="0" smtClean="0"/>
+                  <a:t> operacji arytmetycznych.</a:t>
+                </a:r>
+              </a:p>
+              <a:p>
+                <a:r>
+                  <a:rPr lang="pl-PL" sz="2400" dirty="0" smtClean="0"/>
+                  <a:t>Dzięki temu, rozwiązanie pojedynczego układu równań wymaga </a:t>
+                </a:r>
+                <a14:m>
+                  <m:oMath xmlns:m="http://schemas.openxmlformats.org/officeDocument/2006/math">
+                    <m:r>
+                      <a:rPr lang="pl-PL" sz="2400" i="1">
+                        <a:latin typeface="Cambria Math" panose="02040503050406030204" pitchFamily="18" charset="0"/>
+                      </a:rPr>
+                      <m:t>𝑂</m:t>
+                    </m:r>
+                    <m:r>
+                      <a:rPr lang="pl-PL" sz="2400" i="1">
+                        <a:latin typeface="Cambria Math" panose="02040503050406030204" pitchFamily="18" charset="0"/>
+                      </a:rPr>
+                      <m:t>(</m:t>
+                    </m:r>
+                    <m:sSup>
+                      <m:sSupPr>
+                        <m:ctrlPr>
+                          <a:rPr lang="pl-PL" sz="2400" i="1">
+                            <a:latin typeface="Cambria Math" panose="02040503050406030204" pitchFamily="18" charset="0"/>
+                          </a:rPr>
+                        </m:ctrlPr>
+                      </m:sSupPr>
+                      <m:e>
+                        <m:r>
+                          <a:rPr lang="pl-PL" sz="2400" i="1">
+                            <a:latin typeface="Cambria Math" panose="02040503050406030204" pitchFamily="18" charset="0"/>
+                          </a:rPr>
+                          <m:t>𝑛</m:t>
+                        </m:r>
+                      </m:e>
+                      <m:sup>
+                        <m:r>
+                          <a:rPr lang="pl-PL" sz="2400" b="0" i="1" smtClean="0">
+                            <a:latin typeface="Cambria Math" panose="02040503050406030204" pitchFamily="18" charset="0"/>
+                          </a:rPr>
+                          <m:t>2</m:t>
+                        </m:r>
+                      </m:sup>
+                    </m:sSup>
+                    <m:r>
+                      <a:rPr lang="pl-PL" sz="2400" i="1">
+                        <a:latin typeface="Cambria Math" panose="02040503050406030204" pitchFamily="18" charset="0"/>
+                      </a:rPr>
+                      <m:t>)</m:t>
+                    </m:r>
+                  </m:oMath>
+                </a14:m>
+                <a:r>
+                  <a:rPr lang="pl-PL" sz="2400" dirty="0" smtClean="0"/>
+                  <a:t> operacji arytmetycznych. </a:t>
+                </a:r>
+                <a:endParaRPr lang="pl-PL" sz="2400" dirty="0"/>
+              </a:p>
+            </p:txBody>
+          </p:sp>
+        </mc:Choice>
+        <mc:Fallback>
+          <p:sp>
+            <p:nvSpPr>
+              <p:cNvPr id="3" name="Symbol zastępczy zawartości 2"/>
+              <p:cNvSpPr>
+                <a:spLocks noGrp="1" noRot="1" noChangeAspect="1" noMove="1" noResize="1" noEditPoints="1" noAdjustHandles="1" noChangeArrowheads="1" noChangeShapeType="1" noTextEdit="1"/>
+              </p:cNvSpPr>
+              <p:nvPr>
+                <p:ph idx="1"/>
+              </p:nvPr>
+            </p:nvSpPr>
+            <p:spPr>
+              <a:xfrm>
+                <a:off x="1593436" y="1600200"/>
+                <a:ext cx="9782801" cy="3124944"/>
+              </a:xfrm>
+              <a:blipFill>
+                <a:blip r:embed="rId3"/>
+                <a:stretch>
+                  <a:fillRect l="-810" t="-2539" r="-436"/>
+                </a:stretch>
+              </a:blipFill>
+            </p:spPr>
+            <p:txBody>
+              <a:bodyPr/>
+              <a:lstStyle/>
+              <a:p>
+                <a:r>
+                  <a:rPr lang="pl-PL">
+                    <a:noFill/>
+                  </a:rPr>
+                  <a:t> </a:t>
+                </a:r>
+              </a:p>
+            </p:txBody>
+          </p:sp>
+        </mc:Fallback>
+      </mc:AlternateContent>
+    </p:spTree>
+    <p:extLst>
+      <p:ext uri="{BB962C8B-B14F-4D97-AF65-F5344CB8AC3E}">
+        <p14:creationId xmlns:p14="http://schemas.microsoft.com/office/powerpoint/2010/main" val="3949459686"/>
+      </p:ext>
+    </p:extLst>
+  </p:cSld>
+  <p:clrMapOvr>
+    <a:masterClrMapping/>
+  </p:clrMapOvr>
+  <mc:AlternateContent xmlns:mc="http://schemas.openxmlformats.org/markup-compatibility/2006" xmlns:p14="http://schemas.microsoft.com/office/powerpoint/2010/main">
+    <mc:Choice Requires="p14">
+      <p:transition spd="med" p14:dur="700">
+        <p:fade/>
+      </p:transition>
+    </mc:Choice>
+    <mc:Fallback xmlns="">
+      <p:transition spd="med">
+        <p:fade/>
+      </p:transition>
+    </mc:Fallback>
+  </mc:AlternateContent>
+</p:sld>
+</file>
+
+<file path=ppt/slides/slide23.xml><?xml version="1.0" encoding="utf-8"?>
+<p:sld xmlns:a="http://schemas.openxmlformats.org/drawingml/2006/main" xmlns:r="http://schemas.openxmlformats.org/officeDocument/2006/relationships" xmlns:p="http://schemas.openxmlformats.org/presentationml/2006/main">
+  <p:cSld>
+    <p:spTree>
+      <p:nvGrpSpPr>
+        <p:cNvPr id="1" name=""/>
+        <p:cNvGrpSpPr/>
+        <p:nvPr/>
+      </p:nvGrpSpPr>
+      <p:grpSpPr>
+        <a:xfrm>
+          <a:off x="0" y="0"/>
+          <a:ext cx="0" cy="0"/>
+          <a:chOff x="0" y="0"/>
+          <a:chExt cx="0" cy="0"/>
+        </a:xfrm>
+      </p:grpSpPr>
+      <mc:AlternateContent xmlns:mc="http://schemas.openxmlformats.org/markup-compatibility/2006">
+        <mc:Choice xmlns:a14="http://schemas.microsoft.com/office/drawing/2010/main" Requires="a14">
+          <p:sp>
+            <p:nvSpPr>
+              <p:cNvPr id="2" name="Tytuł 1"/>
+              <p:cNvSpPr>
+                <a:spLocks noGrp="1"/>
+              </p:cNvSpPr>
+              <p:nvPr>
+                <p:ph type="title"/>
+              </p:nvPr>
+            </p:nvSpPr>
+            <p:spPr>
+              <a:xfrm>
+                <a:off x="1629916" y="548680"/>
+                <a:ext cx="9253504" cy="879797"/>
+              </a:xfrm>
+            </p:spPr>
+            <p:txBody>
+              <a:bodyPr>
+                <a:normAutofit/>
+              </a:bodyPr>
+              <a:lstStyle/>
+              <a:p>
+                <a:r>
+                  <a:rPr lang="pl-PL" sz="2400" dirty="0" smtClean="0"/>
+                  <a:t>Porównanie czasu obliczeniowego dla macierzy o rozmiarze </a:t>
+                </a:r>
+                <a14:m>
+                  <m:oMath xmlns:m="http://schemas.openxmlformats.org/officeDocument/2006/math">
+                    <m:r>
+                      <a:rPr lang="pl-PL" sz="2400" i="1" dirty="0" smtClean="0">
+                        <a:latin typeface="Cambria Math" panose="02040503050406030204" pitchFamily="18" charset="0"/>
+                      </a:rPr>
+                      <m:t>200000</m:t>
+                    </m:r>
+                    <m:r>
+                      <a:rPr lang="pl-PL" sz="2400" i="1" dirty="0" smtClean="0">
+                        <a:latin typeface="Cambria Math" panose="02040503050406030204" pitchFamily="18" charset="0"/>
+                        <a:ea typeface="Cambria Math" panose="02040503050406030204" pitchFamily="18" charset="0"/>
+                      </a:rPr>
+                      <m:t>×</m:t>
+                    </m:r>
+                    <m:r>
+                      <a:rPr lang="pl-PL" sz="2400" i="1" dirty="0">
+                        <a:latin typeface="Cambria Math" panose="02040503050406030204" pitchFamily="18" charset="0"/>
+                      </a:rPr>
+                      <m:t>200000</m:t>
+                    </m:r>
+                  </m:oMath>
+                </a14:m>
+                <a:r>
+                  <a:rPr lang="pl-PL" sz="2400" dirty="0" smtClean="0"/>
+                  <a:t>:</a:t>
+                </a:r>
+                <a:endParaRPr lang="pl-PL" sz="2400" dirty="0"/>
+              </a:p>
+            </p:txBody>
+          </p:sp>
+        </mc:Choice>
+        <mc:Fallback>
+          <p:sp>
+            <p:nvSpPr>
+              <p:cNvPr id="2" name="Tytuł 1"/>
+              <p:cNvSpPr>
+                <a:spLocks noGrp="1" noRot="1" noChangeAspect="1" noMove="1" noResize="1" noEditPoints="1" noAdjustHandles="1" noChangeArrowheads="1" noChangeShapeType="1" noTextEdit="1"/>
+              </p:cNvSpPr>
+              <p:nvPr>
+                <p:ph type="title"/>
+              </p:nvPr>
+            </p:nvSpPr>
+            <p:spPr>
+              <a:xfrm>
+                <a:off x="1629916" y="548680"/>
+                <a:ext cx="9253504" cy="879797"/>
+              </a:xfrm>
+              <a:blipFill>
+                <a:blip r:embed="rId2"/>
+                <a:stretch>
+                  <a:fillRect l="-988" b="-16667"/>
+                </a:stretch>
+              </a:blipFill>
+            </p:spPr>
+            <p:txBody>
+              <a:bodyPr/>
+              <a:lstStyle/>
+              <a:p>
+                <a:r>
+                  <a:rPr lang="pl-PL">
+                    <a:noFill/>
+                  </a:rPr>
+                  <a:t> </a:t>
+                </a:r>
+              </a:p>
+            </p:txBody>
+          </p:sp>
+        </mc:Fallback>
+      </mc:AlternateContent>
+      <p:pic>
+        <p:nvPicPr>
+          <p:cNvPr id="4" name="Obraz 3"/>
+          <p:cNvPicPr>
+            <a:picLocks noChangeAspect="1"/>
+          </p:cNvPicPr>
+          <p:nvPr/>
+        </p:nvPicPr>
+        <p:blipFill>
+          <a:blip r:embed="rId3">
+            <a:extLst>
+              <a:ext uri="{28A0092B-C50C-407E-A947-70E740481C1C}">
+                <a14:useLocalDpi xmlns:a14="http://schemas.microsoft.com/office/drawing/2010/main" val="0"/>
+              </a:ext>
+            </a:extLst>
+          </a:blip>
+          <a:stretch>
+            <a:fillRect/>
+          </a:stretch>
+        </p:blipFill>
+        <p:spPr>
+          <a:xfrm>
+            <a:off x="2071536" y="1556792"/>
+            <a:ext cx="8972523" cy="4691577"/>
+          </a:xfrm>
+          <a:prstGeom prst="rect">
+            <a:avLst/>
+          </a:prstGeom>
+        </p:spPr>
+      </p:pic>
+      <mc:AlternateContent xmlns:mc="http://schemas.openxmlformats.org/markup-compatibility/2006">
+        <mc:Choice xmlns:a14="http://schemas.microsoft.com/office/drawing/2010/main" Requires="a14">
+          <p:sp>
+            <p:nvSpPr>
+              <p:cNvPr id="5" name="pole tekstowe 4"/>
+              <p:cNvSpPr txBox="1"/>
+              <p:nvPr/>
+            </p:nvSpPr>
+            <p:spPr>
+              <a:xfrm>
+                <a:off x="2638028" y="6237312"/>
+                <a:ext cx="7992888" cy="461665"/>
+              </a:xfrm>
+              <a:prstGeom prst="rect">
+                <a:avLst/>
+              </a:prstGeom>
+              <a:noFill/>
+            </p:spPr>
+            <p:txBody>
+              <a:bodyPr wrap="square" rtlCol="0">
+                <a:spAutoFit/>
+              </a:bodyPr>
+              <a:lstStyle/>
+              <a:p>
+                <a:r>
+                  <a:rPr lang="pl-PL" sz="1200" dirty="0" smtClean="0"/>
+                  <a:t>Wykres przedstawia czas wykonania metody potęgowej dla macierzy o rozmiarze </a:t>
+                </a:r>
+                <a14:m>
+                  <m:oMath xmlns:m="http://schemas.openxmlformats.org/officeDocument/2006/math">
+                    <m:r>
+                      <a:rPr lang="pl-PL" sz="1200" i="1" dirty="0">
+                        <a:latin typeface="Cambria Math" panose="02040503050406030204" pitchFamily="18" charset="0"/>
+                      </a:rPr>
+                      <m:t>200000</m:t>
+                    </m:r>
+                    <m:r>
+                      <a:rPr lang="pl-PL" sz="1200" i="1" dirty="0">
+                        <a:latin typeface="Cambria Math" panose="02040503050406030204" pitchFamily="18" charset="0"/>
+                        <a:ea typeface="Cambria Math" panose="02040503050406030204" pitchFamily="18" charset="0"/>
+                      </a:rPr>
+                      <m:t>×</m:t>
+                    </m:r>
+                    <m:r>
+                      <a:rPr lang="pl-PL" sz="1200" i="1" dirty="0">
+                        <a:latin typeface="Cambria Math" panose="02040503050406030204" pitchFamily="18" charset="0"/>
+                      </a:rPr>
+                      <m:t>200000</m:t>
+                    </m:r>
+                  </m:oMath>
+                </a14:m>
+                <a:r>
+                  <a:rPr lang="pl-PL" sz="1200" dirty="0" smtClean="0"/>
+                  <a:t> w funkcji zadanej liczby iteracji </a:t>
+                </a:r>
+                <a14:m>
+                  <m:oMath xmlns:m="http://schemas.openxmlformats.org/officeDocument/2006/math">
+                    <m:r>
+                      <a:rPr lang="pl-PL" sz="1200" b="0" i="1" smtClean="0">
+                        <a:latin typeface="Cambria Math" panose="02040503050406030204" pitchFamily="18" charset="0"/>
+                      </a:rPr>
+                      <m:t>𝑛</m:t>
+                    </m:r>
+                  </m:oMath>
+                </a14:m>
+                <a:r>
+                  <a:rPr lang="pl-PL" sz="1200" dirty="0" smtClean="0"/>
+                  <a:t>.</a:t>
+                </a:r>
+                <a:endParaRPr lang="pl-PL" sz="1200" dirty="0"/>
+              </a:p>
+            </p:txBody>
+          </p:sp>
+        </mc:Choice>
+        <mc:Fallback>
+          <p:sp>
+            <p:nvSpPr>
+              <p:cNvPr id="5" name="pole tekstowe 4"/>
+              <p:cNvSpPr txBox="1">
+                <a:spLocks noRot="1" noChangeAspect="1" noMove="1" noResize="1" noEditPoints="1" noAdjustHandles="1" noChangeArrowheads="1" noChangeShapeType="1" noTextEdit="1"/>
+              </p:cNvSpPr>
+              <p:nvPr/>
+            </p:nvSpPr>
+            <p:spPr>
+              <a:xfrm>
+                <a:off x="2638028" y="6237312"/>
+                <a:ext cx="7992888" cy="461665"/>
+              </a:xfrm>
+              <a:prstGeom prst="rect">
+                <a:avLst/>
+              </a:prstGeom>
+              <a:blipFill>
+                <a:blip r:embed="rId4"/>
+                <a:stretch>
+                  <a:fillRect l="-76" t="-1316" b="-7895"/>
+                </a:stretch>
+              </a:blipFill>
+            </p:spPr>
+            <p:txBody>
+              <a:bodyPr/>
+              <a:lstStyle/>
+              <a:p>
+                <a:r>
+                  <a:rPr lang="pl-PL">
+                    <a:noFill/>
+                  </a:rPr>
+                  <a:t> </a:t>
+                </a:r>
+              </a:p>
+            </p:txBody>
+          </p:sp>
+        </mc:Fallback>
+      </mc:AlternateContent>
+    </p:spTree>
+    <p:extLst>
+      <p:ext uri="{BB962C8B-B14F-4D97-AF65-F5344CB8AC3E}">
+        <p14:creationId xmlns:p14="http://schemas.microsoft.com/office/powerpoint/2010/main" val="1481221234"/>
+      </p:ext>
+    </p:extLst>
+  </p:cSld>
+  <p:clrMapOvr>
+    <a:masterClrMapping/>
+  </p:clrMapOvr>
+  <mc:AlternateContent xmlns:mc="http://schemas.openxmlformats.org/markup-compatibility/2006" xmlns:p14="http://schemas.microsoft.com/office/powerpoint/2010/main">
+    <mc:Choice Requires="p14">
+      <p:transition spd="med" p14:dur="700">
+        <p:fade/>
+      </p:transition>
+    </mc:Choice>
+    <mc:Fallback xmlns="">
+      <p:transition spd="med">
+        <p:fade/>
+      </p:transition>
+    </mc:Fallback>
+  </mc:AlternateContent>
+</p:sld>
+</file>
+
+<file path=ppt/slides/slide24.xml><?xml version="1.0" encoding="utf-8"?>
 <p:sld xmlns:a="http://schemas.openxmlformats.org/drawingml/2006/main" xmlns:r="http://schemas.openxmlformats.org/officeDocument/2006/relationships" xmlns:p="http://schemas.openxmlformats.org/presentationml/2006/main">
   <p:cSld>
     <p:spTree>
@@ -21149,8 +21897,8 @@
           <a:chExt cx="0" cy="0"/>
         </a:xfrm>
       </p:grpSpPr>
-      <mc:AlternateContent xmlns:mc="http://schemas.openxmlformats.org/markup-compatibility/2006">
-        <mc:Choice xmlns:a14="http://schemas.microsoft.com/office/drawing/2010/main" Requires="a14">
+      <mc:AlternateContent xmlns:mc="http://schemas.openxmlformats.org/markup-compatibility/2006" xmlns:a14="http://schemas.microsoft.com/office/drawing/2010/main">
+        <mc:Choice Requires="a14">
           <p:sp>
             <p:nvSpPr>
               <p:cNvPr id="3" name="Symbol zastępczy zawartości 2"/>
@@ -21822,7 +22570,7 @@
             </p:txBody>
           </p:sp>
         </mc:Choice>
-        <mc:Fallback>
+        <mc:Fallback xmlns="">
           <p:sp>
             <p:nvSpPr>
               <p:cNvPr id="3" name="Symbol zastępczy zawartości 2"/>
@@ -21973,8 +22721,8 @@
           </a:p>
         </p:txBody>
       </p:sp>
-      <mc:AlternateContent xmlns:mc="http://schemas.openxmlformats.org/markup-compatibility/2006">
-        <mc:Choice xmlns:a14="http://schemas.microsoft.com/office/drawing/2010/main" Requires="a14">
+      <mc:AlternateContent xmlns:mc="http://schemas.openxmlformats.org/markup-compatibility/2006" xmlns:a14="http://schemas.microsoft.com/office/drawing/2010/main">
+        <mc:Choice Requires="a14">
           <p:sp>
             <p:nvSpPr>
               <p:cNvPr id="5" name="Prostokąt 4"/>
@@ -22251,7 +22999,7 @@
             </p:txBody>
           </p:sp>
         </mc:Choice>
-        <mc:Fallback>
+        <mc:Fallback xmlns="">
           <p:sp>
             <p:nvSpPr>
               <p:cNvPr id="5" name="Prostokąt 4"/>
@@ -22290,8 +23038,8 @@
           </p:sp>
         </mc:Fallback>
       </mc:AlternateContent>
-      <mc:AlternateContent xmlns:mc="http://schemas.openxmlformats.org/markup-compatibility/2006">
-        <mc:Choice xmlns:a14="http://schemas.microsoft.com/office/drawing/2010/main" Requires="a14">
+      <mc:AlternateContent xmlns:mc="http://schemas.openxmlformats.org/markup-compatibility/2006" xmlns:a14="http://schemas.microsoft.com/office/drawing/2010/main">
+        <mc:Choice Requires="a14">
           <p:sp>
             <p:nvSpPr>
               <p:cNvPr id="6" name="pole tekstowe 5"/>
@@ -22504,7 +23252,7 @@
             </p:txBody>
           </p:sp>
         </mc:Choice>
-        <mc:Fallback>
+        <mc:Fallback xmlns="">
           <p:sp>
             <p:nvSpPr>
               <p:cNvPr id="6" name="pole tekstowe 5"/>
@@ -22543,8 +23291,8 @@
           </p:sp>
         </mc:Fallback>
       </mc:AlternateContent>
-      <mc:AlternateContent xmlns:mc="http://schemas.openxmlformats.org/markup-compatibility/2006">
-        <mc:Choice xmlns:a14="http://schemas.microsoft.com/office/drawing/2010/main" Requires="a14">
+      <mc:AlternateContent xmlns:mc="http://schemas.openxmlformats.org/markup-compatibility/2006" xmlns:a14="http://schemas.microsoft.com/office/drawing/2010/main">
+        <mc:Choice Requires="a14">
           <p:sp>
             <p:nvSpPr>
               <p:cNvPr id="7" name="pole tekstowe 6"/>
@@ -22864,7 +23612,7 @@
             </p:txBody>
           </p:sp>
         </mc:Choice>
-        <mc:Fallback>
+        <mc:Fallback xmlns="">
           <p:sp>
             <p:nvSpPr>
               <p:cNvPr id="7" name="pole tekstowe 6"/>
@@ -22982,8 +23730,8 @@
           </a:p>
         </p:txBody>
       </p:sp>
-      <mc:AlternateContent xmlns:mc="http://schemas.openxmlformats.org/markup-compatibility/2006">
-        <mc:Choice xmlns:a14="http://schemas.microsoft.com/office/drawing/2010/main" Requires="a14">
+      <mc:AlternateContent xmlns:mc="http://schemas.openxmlformats.org/markup-compatibility/2006" xmlns:a14="http://schemas.microsoft.com/office/drawing/2010/main">
+        <mc:Choice Requires="a14">
           <p:sp>
             <p:nvSpPr>
               <p:cNvPr id="3" name="Symbol zastępczy zawartości 2"/>
@@ -23603,7 +24351,7 @@
             </p:txBody>
           </p:sp>
         </mc:Choice>
-        <mc:Fallback>
+        <mc:Fallback xmlns="">
           <p:sp>
             <p:nvSpPr>
               <p:cNvPr id="3" name="Symbol zastępczy zawartości 2"/>
@@ -23720,8 +24468,8 @@
           </a:p>
         </p:txBody>
       </p:sp>
-      <mc:AlternateContent xmlns:mc="http://schemas.openxmlformats.org/markup-compatibility/2006">
-        <mc:Choice xmlns:a14="http://schemas.microsoft.com/office/drawing/2010/main" Requires="a14">
+      <mc:AlternateContent xmlns:mc="http://schemas.openxmlformats.org/markup-compatibility/2006" xmlns:a14="http://schemas.microsoft.com/office/drawing/2010/main">
+        <mc:Choice Requires="a14">
           <p:sp>
             <p:nvSpPr>
               <p:cNvPr id="4" name="Symbol zastępczy zawartości 2"/>
@@ -24046,7 +24794,7 @@
             </p:txBody>
           </p:sp>
         </mc:Choice>
-        <mc:Fallback>
+        <mc:Fallback xmlns="">
           <p:sp>
             <p:nvSpPr>
               <p:cNvPr id="4" name="Symbol zastępczy zawartości 2"/>

--- a/Project2/Presentation/P2Z20_AGR.pptx
+++ b/Project2/Presentation/P2Z20_AGR.pptx
@@ -34,7 +34,7 @@
     <p:sldId id="310" r:id="rId22"/>
     <p:sldId id="312" r:id="rId23"/>
     <p:sldId id="311" r:id="rId24"/>
-    <p:sldId id="287" r:id="rId25"/>
+    <p:sldId id="313" r:id="rId25"/>
   </p:sldIdLst>
   <p:sldSz cx="12188825" cy="6858000"/>
   <p:notesSz cx="6858000" cy="9144000"/>
@@ -8549,8 +8549,8 @@
           <a:chExt cx="0" cy="0"/>
         </a:xfrm>
       </p:grpSpPr>
-      <mc:AlternateContent xmlns:mc="http://schemas.openxmlformats.org/markup-compatibility/2006">
-        <mc:Choice xmlns:a14="http://schemas.microsoft.com/office/drawing/2010/main" Requires="a14">
+      <mc:AlternateContent xmlns:mc="http://schemas.openxmlformats.org/markup-compatibility/2006" xmlns:a14="http://schemas.microsoft.com/office/drawing/2010/main">
+        <mc:Choice Requires="a14">
           <p:sp>
             <p:nvSpPr>
               <p:cNvPr id="3" name="Symbol zastępczy zawartości 2"/>
@@ -8769,23 +8769,7 @@
                         <a:ea typeface="Cambria Math" panose="02040503050406030204" pitchFamily="18" charset="0"/>
                         <a:cs typeface="Calibri" panose="020F0502020204030204" pitchFamily="34" charset="0"/>
                       </a:rPr>
-                      <m:t>≥</m:t>
-                    </m:r>
-                    <m:r>
-                      <a:rPr lang="pl-PL" sz="2400" b="0" i="1" smtClean="0">
-                        <a:latin typeface="Cambria Math" panose="02040503050406030204" pitchFamily="18" charset="0"/>
-                        <a:ea typeface="Cambria Math" panose="02040503050406030204" pitchFamily="18" charset="0"/>
-                        <a:cs typeface="Calibri" panose="020F0502020204030204" pitchFamily="34" charset="0"/>
-                      </a:rPr>
-                      <m:t>…</m:t>
-                    </m:r>
-                    <m:r>
-                      <a:rPr lang="pl-PL" sz="2400" b="0" i="1" smtClean="0">
-                        <a:latin typeface="Cambria Math" panose="02040503050406030204" pitchFamily="18" charset="0"/>
-                        <a:ea typeface="Cambria Math" panose="02040503050406030204" pitchFamily="18" charset="0"/>
-                        <a:cs typeface="Calibri" panose="020F0502020204030204" pitchFamily="34" charset="0"/>
-                      </a:rPr>
-                      <m:t>≥</m:t>
+                      <m:t>≥…≥</m:t>
                     </m:r>
                     <m:d>
                       <m:dPr>
@@ -9068,7 +9052,7 @@
             </p:txBody>
           </p:sp>
         </mc:Choice>
-        <mc:Fallback>
+        <mc:Fallback xmlns="">
           <p:sp>
             <p:nvSpPr>
               <p:cNvPr id="3" name="Symbol zastępczy zawartości 2"/>
@@ -11929,8 +11913,8 @@
           </a:p>
         </p:txBody>
       </p:sp>
-      <mc:AlternateContent xmlns:mc="http://schemas.openxmlformats.org/markup-compatibility/2006">
-        <mc:Choice xmlns:a14="http://schemas.microsoft.com/office/drawing/2010/main" Requires="a14">
+      <mc:AlternateContent xmlns:mc="http://schemas.openxmlformats.org/markup-compatibility/2006" xmlns:a14="http://schemas.microsoft.com/office/drawing/2010/main">
+        <mc:Choice Requires="a14">
           <p:sp>
             <p:nvSpPr>
               <p:cNvPr id="4" name="Symbol zastępczy zawartości 2"/>
@@ -12229,7 +12213,7 @@
             </p:txBody>
           </p:sp>
         </mc:Choice>
-        <mc:Fallback>
+        <mc:Fallback xmlns="">
           <p:sp>
             <p:nvSpPr>
               <p:cNvPr id="4" name="Symbol zastępczy zawartości 2"/>
@@ -19622,8 +19606,8 @@
           <a:chExt cx="0" cy="0"/>
         </a:xfrm>
       </p:grpSpPr>
-      <mc:AlternateContent xmlns:mc="http://schemas.openxmlformats.org/markup-compatibility/2006">
-        <mc:Choice xmlns:a14="http://schemas.microsoft.com/office/drawing/2010/main" Requires="a14">
+      <mc:AlternateContent xmlns:mc="http://schemas.openxmlformats.org/markup-compatibility/2006" xmlns:a14="http://schemas.microsoft.com/office/drawing/2010/main">
+        <mc:Choice Requires="a14">
           <p:sp>
             <p:nvSpPr>
               <p:cNvPr id="2" name="Tytuł 1"/>
@@ -19669,7 +19653,7 @@
             </p:txBody>
           </p:sp>
         </mc:Choice>
-        <mc:Fallback>
+        <mc:Fallback xmlns="">
           <p:sp>
             <p:nvSpPr>
               <p:cNvPr id="2" name="Tytuł 1"/>
@@ -19707,8 +19691,8 @@
           </p:sp>
         </mc:Fallback>
       </mc:AlternateContent>
-      <mc:AlternateContent xmlns:mc="http://schemas.openxmlformats.org/markup-compatibility/2006">
-        <mc:Choice xmlns:a14="http://schemas.microsoft.com/office/drawing/2010/main" Requires="a14">
+      <mc:AlternateContent xmlns:mc="http://schemas.openxmlformats.org/markup-compatibility/2006" xmlns:a14="http://schemas.microsoft.com/office/drawing/2010/main">
+        <mc:Choice Requires="a14">
           <p:sp>
             <p:nvSpPr>
               <p:cNvPr id="3" name="Symbol zastępczy zawartości 2"/>
@@ -19799,14 +19783,7 @@
                         <a:latin typeface="Cambria Math" panose="02040503050406030204" pitchFamily="18" charset="0"/>
                         <a:ea typeface="Cambria Math" panose="02040503050406030204" pitchFamily="18" charset="0"/>
                       </a:rPr>
-                      <m:t>≠</m:t>
-                    </m:r>
-                    <m:r>
-                      <a:rPr lang="pl-PL" sz="2400" i="1">
-                        <a:latin typeface="Cambria Math" panose="02040503050406030204" pitchFamily="18" charset="0"/>
-                        <a:ea typeface="Cambria Math" panose="02040503050406030204" pitchFamily="18" charset="0"/>
-                      </a:rPr>
-                      <m:t>0</m:t>
+                      <m:t>≠0</m:t>
                     </m:r>
                   </m:oMath>
                 </a14:m>
@@ -19981,7 +19958,7 @@
             </p:txBody>
           </p:sp>
         </mc:Choice>
-        <mc:Fallback>
+        <mc:Fallback xmlns="">
           <p:sp>
             <p:nvSpPr>
               <p:cNvPr id="3" name="Symbol zastępczy zawartości 2"/>
@@ -20061,8 +20038,8 @@
           <a:chExt cx="0" cy="0"/>
         </a:xfrm>
       </p:grpSpPr>
-      <mc:AlternateContent xmlns:mc="http://schemas.openxmlformats.org/markup-compatibility/2006">
-        <mc:Choice xmlns:a14="http://schemas.microsoft.com/office/drawing/2010/main" Requires="a14">
+      <mc:AlternateContent xmlns:mc="http://schemas.openxmlformats.org/markup-compatibility/2006" xmlns:a14="http://schemas.microsoft.com/office/drawing/2010/main">
+        <mc:Choice Requires="a14">
           <p:sp>
             <p:nvSpPr>
               <p:cNvPr id="2" name="Tytuł 1"/>
@@ -20121,7 +20098,7 @@
             </p:txBody>
           </p:sp>
         </mc:Choice>
-        <mc:Fallback>
+        <mc:Fallback xmlns="">
           <p:sp>
             <p:nvSpPr>
               <p:cNvPr id="2" name="Tytuł 1"/>
@@ -20189,8 +20166,8 @@
           </a:prstGeom>
         </p:spPr>
       </p:pic>
-      <mc:AlternateContent xmlns:mc="http://schemas.openxmlformats.org/markup-compatibility/2006">
-        <mc:Choice xmlns:a14="http://schemas.microsoft.com/office/drawing/2010/main" Requires="a14">
+      <mc:AlternateContent xmlns:mc="http://schemas.openxmlformats.org/markup-compatibility/2006" xmlns:a14="http://schemas.microsoft.com/office/drawing/2010/main">
+        <mc:Choice Requires="a14">
           <p:sp>
             <p:nvSpPr>
               <p:cNvPr id="5" name="pole tekstowe 4"/>
@@ -20263,7 +20240,7 @@
             </p:txBody>
           </p:sp>
         </mc:Choice>
-        <mc:Fallback>
+        <mc:Fallback xmlns="">
           <p:sp>
             <p:nvSpPr>
               <p:cNvPr id="5" name="pole tekstowe 4"/>
@@ -20344,1358 +20321,315 @@
           <a:chExt cx="0" cy="0"/>
         </a:xfrm>
       </p:grpSpPr>
-      <p:graphicFrame>
-        <p:nvGraphicFramePr>
-          <p:cNvPr id="3" name="Tabela 2"/>
-          <p:cNvGraphicFramePr>
-            <a:graphicFrameLocks noGrp="1"/>
-          </p:cNvGraphicFramePr>
-          <p:nvPr>
-            <p:extLst>
-              <p:ext uri="{D42A27DB-BD31-4B8C-83A1-F6EECF244321}">
-                <p14:modId xmlns:p14="http://schemas.microsoft.com/office/powerpoint/2010/main" val="445370100"/>
-              </p:ext>
-            </p:extLst>
-          </p:nvPr>
-        </p:nvGraphicFramePr>
-        <p:xfrm>
-          <a:off x="1664834" y="1556792"/>
-          <a:ext cx="8640960" cy="4248475"/>
-        </p:xfrm>
-        <a:graphic>
-          <a:graphicData uri="http://schemas.openxmlformats.org/drawingml/2006/table">
-            <a:tbl>
-              <a:tblPr firstRow="1" bandRow="1">
-                <a:tableStyleId>{073A0DAA-6AF3-43AB-8588-CEC1D06C72B9}</a:tableStyleId>
-              </a:tblPr>
-              <a:tblGrid>
-                <a:gridCol w="1440160">
-                  <a:extLst>
-                    <a:ext uri="{9D8B030D-6E8A-4147-A177-3AD203B41FA5}">
-                      <a16:colId xmlns:a16="http://schemas.microsoft.com/office/drawing/2014/main" val="1689677455"/>
-                    </a:ext>
-                  </a:extLst>
-                </a:gridCol>
-                <a:gridCol w="1440160">
-                  <a:extLst>
-                    <a:ext uri="{9D8B030D-6E8A-4147-A177-3AD203B41FA5}">
-                      <a16:colId xmlns:a16="http://schemas.microsoft.com/office/drawing/2014/main" val="3706230871"/>
-                    </a:ext>
-                  </a:extLst>
-                </a:gridCol>
-                <a:gridCol w="1440160">
-                  <a:extLst>
-                    <a:ext uri="{9D8B030D-6E8A-4147-A177-3AD203B41FA5}">
-                      <a16:colId xmlns:a16="http://schemas.microsoft.com/office/drawing/2014/main" val="2083712"/>
-                    </a:ext>
-                  </a:extLst>
-                </a:gridCol>
-                <a:gridCol w="1440160">
-                  <a:extLst>
-                    <a:ext uri="{9D8B030D-6E8A-4147-A177-3AD203B41FA5}">
-                      <a16:colId xmlns:a16="http://schemas.microsoft.com/office/drawing/2014/main" val="720074687"/>
-                    </a:ext>
-                  </a:extLst>
-                </a:gridCol>
-                <a:gridCol w="1440160">
-                  <a:extLst>
-                    <a:ext uri="{9D8B030D-6E8A-4147-A177-3AD203B41FA5}">
-                      <a16:colId xmlns:a16="http://schemas.microsoft.com/office/drawing/2014/main" val="385551074"/>
-                    </a:ext>
-                  </a:extLst>
-                </a:gridCol>
-                <a:gridCol w="1440160">
-                  <a:extLst>
-                    <a:ext uri="{9D8B030D-6E8A-4147-A177-3AD203B41FA5}">
-                      <a16:colId xmlns:a16="http://schemas.microsoft.com/office/drawing/2014/main" val="3206397737"/>
-                    </a:ext>
-                  </a:extLst>
-                </a:gridCol>
-              </a:tblGrid>
-              <a:tr h="386225">
-                <a:tc>
-                  <a:txBody>
-                    <a:bodyPr/>
-                    <a:lstStyle/>
-                    <a:p>
-                      <a:pPr algn="ctr" fontAlgn="b"/>
-                      <a:endParaRPr lang="pl-PL" sz="1100" b="1" i="0" u="none" strike="noStrike" kern="1200" dirty="0">
-                        <a:solidFill>
-                          <a:srgbClr val="FFFFFF"/>
-                        </a:solidFill>
-                        <a:effectLst/>
-                        <a:latin typeface="Calibri" panose="020F0502020204030204" pitchFamily="34" charset="0"/>
-                        <a:ea typeface="+mn-ea"/>
-                        <a:cs typeface="+mn-cs"/>
-                      </a:endParaRPr>
-                    </a:p>
-                  </a:txBody>
-                  <a:tcPr marL="7620" marR="7620" marT="7620" marB="0" anchor="ctr"/>
-                </a:tc>
-                <a:tc>
-                  <a:txBody>
-                    <a:bodyPr/>
-                    <a:lstStyle/>
-                    <a:p>
-                      <a:pPr algn="ctr" fontAlgn="b"/>
-                      <a:endParaRPr lang="pl-PL" sz="1100" b="1" i="0" u="none" strike="noStrike" dirty="0">
-                        <a:solidFill>
-                          <a:srgbClr val="FFFFFF"/>
-                        </a:solidFill>
-                        <a:effectLst/>
-                        <a:latin typeface="Calibri" panose="020F0502020204030204" pitchFamily="34" charset="0"/>
-                      </a:endParaRPr>
-                    </a:p>
-                  </a:txBody>
-                  <a:tcPr marL="7620" marR="7620" marT="7620" marB="0" anchor="ctr"/>
-                </a:tc>
-                <a:tc>
-                  <a:txBody>
-                    <a:bodyPr/>
-                    <a:lstStyle/>
-                    <a:p>
-                      <a:pPr algn="ctr" fontAlgn="b"/>
-                      <a:endParaRPr lang="pl-PL" sz="1100" b="1" i="0" u="none" strike="noStrike" dirty="0">
-                        <a:solidFill>
-                          <a:srgbClr val="FFFFFF"/>
-                        </a:solidFill>
-                        <a:effectLst/>
-                        <a:latin typeface="Calibri" panose="020F0502020204030204" pitchFamily="34" charset="0"/>
-                      </a:endParaRPr>
-                    </a:p>
-                  </a:txBody>
-                  <a:tcPr marL="7620" marR="7620" marT="7620" marB="0" anchor="ctr"/>
-                </a:tc>
-                <a:tc>
-                  <a:txBody>
-                    <a:bodyPr/>
-                    <a:lstStyle/>
-                    <a:p>
-                      <a:pPr algn="ctr" fontAlgn="b"/>
-                      <a:endParaRPr lang="pl-PL" sz="1100" b="1" i="0" u="none" strike="noStrike" dirty="0">
-                        <a:solidFill>
-                          <a:srgbClr val="FFFFFF"/>
-                        </a:solidFill>
-                        <a:effectLst/>
-                        <a:latin typeface="Calibri" panose="020F0502020204030204" pitchFamily="34" charset="0"/>
-                      </a:endParaRPr>
-                    </a:p>
-                  </a:txBody>
-                  <a:tcPr marL="7620" marR="7620" marT="7620" marB="0" anchor="ctr"/>
-                </a:tc>
-                <a:tc>
-                  <a:txBody>
-                    <a:bodyPr/>
-                    <a:lstStyle/>
-                    <a:p>
-                      <a:pPr algn="ctr" fontAlgn="b"/>
-                      <a:endParaRPr lang="pl-PL" sz="1100" b="1" i="0" u="none" strike="noStrike" dirty="0">
-                        <a:solidFill>
-                          <a:srgbClr val="FFFFFF"/>
-                        </a:solidFill>
-                        <a:effectLst/>
-                        <a:latin typeface="Calibri" panose="020F0502020204030204" pitchFamily="34" charset="0"/>
-                      </a:endParaRPr>
-                    </a:p>
-                  </a:txBody>
-                  <a:tcPr marL="7620" marR="7620" marT="7620" marB="0" anchor="ctr"/>
-                </a:tc>
-                <a:tc>
-                  <a:txBody>
-                    <a:bodyPr/>
-                    <a:lstStyle/>
-                    <a:p>
-                      <a:pPr algn="ctr" fontAlgn="b"/>
-                      <a:endParaRPr lang="pl-PL" sz="1100" b="1" i="0" u="none" strike="noStrike" dirty="0">
-                        <a:solidFill>
-                          <a:srgbClr val="FFFFFF"/>
-                        </a:solidFill>
-                        <a:effectLst/>
-                        <a:latin typeface="Calibri" panose="020F0502020204030204" pitchFamily="34" charset="0"/>
-                      </a:endParaRPr>
-                    </a:p>
-                  </a:txBody>
-                  <a:tcPr marL="7620" marR="7620" marT="7620" marB="0" anchor="ctr"/>
-                </a:tc>
-                <a:extLst>
-                  <a:ext uri="{0D108BD9-81ED-4DB2-BD59-A6C34878D82A}">
-                    <a16:rowId xmlns:a16="http://schemas.microsoft.com/office/drawing/2014/main" val="957349181"/>
-                  </a:ext>
-                </a:extLst>
-              </a:tr>
-              <a:tr h="386225">
-                <a:tc>
-                  <a:txBody>
-                    <a:bodyPr/>
-                    <a:lstStyle/>
-                    <a:p>
-                      <a:pPr algn="ctr" fontAlgn="b"/>
-                      <a:endParaRPr lang="pl-PL" sz="1100" b="1" i="0" u="none" strike="noStrike" kern="1200" dirty="0">
-                        <a:solidFill>
-                          <a:srgbClr val="FFFFFF"/>
-                        </a:solidFill>
-                        <a:effectLst/>
-                        <a:latin typeface="Calibri" panose="020F0502020204030204" pitchFamily="34" charset="0"/>
-                        <a:ea typeface="+mn-ea"/>
-                        <a:cs typeface="+mn-cs"/>
-                      </a:endParaRPr>
-                    </a:p>
-                  </a:txBody>
-                  <a:tcPr marL="7620" marR="7620" marT="7620" marB="0" anchor="ctr">
-                    <a:solidFill>
-                      <a:srgbClr val="465562"/>
-                    </a:solidFill>
-                  </a:tcPr>
-                </a:tc>
-                <a:tc>
-                  <a:txBody>
-                    <a:bodyPr/>
-                    <a:lstStyle/>
-                    <a:p>
-                      <a:pPr algn="ctr" fontAlgn="b"/>
-                      <a:r>
-                        <a:rPr lang="pl-PL" sz="1100" b="1" i="0" u="none" strike="noStrike" dirty="0">
-                          <a:solidFill>
-                            <a:srgbClr val="FFFFFF"/>
-                          </a:solidFill>
-                          <a:effectLst/>
-                          <a:latin typeface="Calibri" panose="020F0502020204030204" pitchFamily="34" charset="0"/>
-                        </a:rPr>
-                        <a:t> </a:t>
-                      </a:r>
-                    </a:p>
-                  </a:txBody>
-                  <a:tcPr marL="7620" marR="7620" marT="7620" marB="0" anchor="ctr"/>
-                </a:tc>
-                <a:tc>
-                  <a:txBody>
-                    <a:bodyPr/>
-                    <a:lstStyle/>
-                    <a:p>
-                      <a:pPr algn="ctr" fontAlgn="b"/>
-                      <a:r>
-                        <a:rPr lang="pl-PL" sz="1100" b="1" i="0" u="none" strike="noStrike">
-                          <a:solidFill>
-                            <a:srgbClr val="FFFFFF"/>
-                          </a:solidFill>
-                          <a:effectLst/>
-                          <a:latin typeface="Calibri" panose="020F0502020204030204" pitchFamily="34" charset="0"/>
-                        </a:rPr>
-                        <a:t> </a:t>
-                      </a:r>
-                    </a:p>
-                  </a:txBody>
-                  <a:tcPr marL="7620" marR="7620" marT="7620" marB="0" anchor="ctr"/>
-                </a:tc>
-                <a:tc>
-                  <a:txBody>
-                    <a:bodyPr/>
-                    <a:lstStyle/>
-                    <a:p>
-                      <a:pPr algn="ctr" fontAlgn="b"/>
-                      <a:r>
-                        <a:rPr lang="pl-PL" sz="1100" b="1" i="0" u="none" strike="noStrike">
-                          <a:solidFill>
-                            <a:srgbClr val="FFFFFF"/>
-                          </a:solidFill>
-                          <a:effectLst/>
-                          <a:latin typeface="Calibri" panose="020F0502020204030204" pitchFamily="34" charset="0"/>
-                        </a:rPr>
-                        <a:t> </a:t>
-                      </a:r>
-                    </a:p>
-                  </a:txBody>
-                  <a:tcPr marL="7620" marR="7620" marT="7620" marB="0" anchor="ctr"/>
-                </a:tc>
-                <a:tc>
-                  <a:txBody>
-                    <a:bodyPr/>
-                    <a:lstStyle/>
-                    <a:p>
-                      <a:pPr algn="ctr" fontAlgn="b"/>
-                      <a:r>
-                        <a:rPr lang="pl-PL" sz="1100" b="1" i="0" u="none" strike="noStrike">
-                          <a:solidFill>
-                            <a:srgbClr val="FFFFFF"/>
-                          </a:solidFill>
-                          <a:effectLst/>
-                          <a:latin typeface="Calibri" panose="020F0502020204030204" pitchFamily="34" charset="0"/>
-                        </a:rPr>
-                        <a:t> </a:t>
-                      </a:r>
-                    </a:p>
-                  </a:txBody>
-                  <a:tcPr marL="7620" marR="7620" marT="7620" marB="0" anchor="ctr"/>
-                </a:tc>
-                <a:tc>
-                  <a:txBody>
-                    <a:bodyPr/>
-                    <a:lstStyle/>
-                    <a:p>
-                      <a:pPr algn="ctr" fontAlgn="b"/>
-                      <a:r>
-                        <a:rPr lang="pl-PL" sz="1100" b="1" i="0" u="none" strike="noStrike">
-                          <a:solidFill>
-                            <a:srgbClr val="FFFFFF"/>
-                          </a:solidFill>
-                          <a:effectLst/>
-                          <a:latin typeface="Calibri" panose="020F0502020204030204" pitchFamily="34" charset="0"/>
-                        </a:rPr>
-                        <a:t> </a:t>
-                      </a:r>
-                    </a:p>
-                  </a:txBody>
-                  <a:tcPr marL="7620" marR="7620" marT="7620" marB="0" anchor="ctr"/>
-                </a:tc>
-                <a:extLst>
-                  <a:ext uri="{0D108BD9-81ED-4DB2-BD59-A6C34878D82A}">
-                    <a16:rowId xmlns:a16="http://schemas.microsoft.com/office/drawing/2014/main" val="725177664"/>
-                  </a:ext>
-                </a:extLst>
-              </a:tr>
-              <a:tr h="386225">
-                <a:tc>
-                  <a:txBody>
-                    <a:bodyPr/>
-                    <a:lstStyle/>
-                    <a:p>
-                      <a:pPr algn="ctr" fontAlgn="b"/>
-                      <a:endParaRPr lang="pl-PL" sz="1100" b="1" i="0" u="none" strike="noStrike" kern="1200" dirty="0">
-                        <a:solidFill>
-                          <a:srgbClr val="FFFFFF"/>
-                        </a:solidFill>
-                        <a:effectLst/>
-                        <a:latin typeface="Calibri" panose="020F0502020204030204" pitchFamily="34" charset="0"/>
-                        <a:ea typeface="+mn-ea"/>
-                        <a:cs typeface="+mn-cs"/>
-                      </a:endParaRPr>
-                    </a:p>
-                  </a:txBody>
-                  <a:tcPr marL="7620" marR="7620" marT="7620" marB="0" anchor="ctr">
-                    <a:solidFill>
-                      <a:srgbClr val="465562"/>
-                    </a:solidFill>
-                  </a:tcPr>
-                </a:tc>
-                <a:tc>
-                  <a:txBody>
-                    <a:bodyPr/>
-                    <a:lstStyle/>
-                    <a:p>
-                      <a:pPr algn="ctr" fontAlgn="b"/>
-                      <a:endParaRPr lang="pl-PL" sz="1100" b="0" i="0" u="none" strike="noStrike" dirty="0">
-                        <a:solidFill>
-                          <a:srgbClr val="000000"/>
-                        </a:solidFill>
-                        <a:effectLst/>
-                        <a:latin typeface="Calibri" panose="020F0502020204030204" pitchFamily="34" charset="0"/>
-                      </a:endParaRPr>
-                    </a:p>
-                  </a:txBody>
-                  <a:tcPr marL="7620" marR="7620" marT="7620" marB="0" anchor="ctr"/>
-                </a:tc>
-                <a:tc>
-                  <a:txBody>
-                    <a:bodyPr/>
-                    <a:lstStyle/>
-                    <a:p>
-                      <a:pPr algn="ctr" fontAlgn="b"/>
-                      <a:endParaRPr lang="pl-PL" sz="1100" b="0" i="0" u="none" strike="noStrike">
-                        <a:solidFill>
-                          <a:srgbClr val="000000"/>
-                        </a:solidFill>
-                        <a:effectLst/>
-                        <a:latin typeface="Calibri" panose="020F0502020204030204" pitchFamily="34" charset="0"/>
-                      </a:endParaRPr>
-                    </a:p>
-                  </a:txBody>
-                  <a:tcPr marL="7620" marR="7620" marT="7620" marB="0" anchor="ctr"/>
-                </a:tc>
-                <a:tc>
-                  <a:txBody>
-                    <a:bodyPr/>
-                    <a:lstStyle/>
-                    <a:p>
-                      <a:pPr algn="ctr" fontAlgn="b"/>
-                      <a:endParaRPr lang="pl-PL" sz="1100" b="0" i="0" u="none" strike="noStrike">
-                        <a:solidFill>
-                          <a:srgbClr val="000000"/>
-                        </a:solidFill>
-                        <a:effectLst/>
-                        <a:latin typeface="Calibri" panose="020F0502020204030204" pitchFamily="34" charset="0"/>
-                      </a:endParaRPr>
-                    </a:p>
-                  </a:txBody>
-                  <a:tcPr marL="7620" marR="7620" marT="7620" marB="0" anchor="ctr"/>
-                </a:tc>
-                <a:tc>
-                  <a:txBody>
-                    <a:bodyPr/>
-                    <a:lstStyle/>
-                    <a:p>
-                      <a:pPr algn="ctr" fontAlgn="b"/>
-                      <a:endParaRPr lang="pl-PL" sz="1100" b="0" i="0" u="none" strike="noStrike">
-                        <a:solidFill>
-                          <a:srgbClr val="000000"/>
-                        </a:solidFill>
-                        <a:effectLst/>
-                        <a:latin typeface="Calibri" panose="020F0502020204030204" pitchFamily="34" charset="0"/>
-                      </a:endParaRPr>
-                    </a:p>
-                  </a:txBody>
-                  <a:tcPr marL="7620" marR="7620" marT="7620" marB="0" anchor="ctr"/>
-                </a:tc>
-                <a:tc>
-                  <a:txBody>
-                    <a:bodyPr/>
-                    <a:lstStyle/>
-                    <a:p>
-                      <a:pPr algn="ctr" fontAlgn="b"/>
-                      <a:endParaRPr lang="pl-PL" sz="1100" b="0" i="0" u="none" strike="noStrike">
-                        <a:solidFill>
-                          <a:srgbClr val="000000"/>
-                        </a:solidFill>
-                        <a:effectLst/>
-                        <a:latin typeface="Calibri" panose="020F0502020204030204" pitchFamily="34" charset="0"/>
-                      </a:endParaRPr>
-                    </a:p>
-                  </a:txBody>
-                  <a:tcPr marL="7620" marR="7620" marT="7620" marB="0" anchor="ctr"/>
-                </a:tc>
-                <a:extLst>
-                  <a:ext uri="{0D108BD9-81ED-4DB2-BD59-A6C34878D82A}">
-                    <a16:rowId xmlns:a16="http://schemas.microsoft.com/office/drawing/2014/main" val="1555781981"/>
-                  </a:ext>
-                </a:extLst>
-              </a:tr>
-              <a:tr h="386225">
-                <a:tc>
-                  <a:txBody>
-                    <a:bodyPr/>
-                    <a:lstStyle/>
-                    <a:p>
-                      <a:pPr algn="ctr" fontAlgn="b"/>
-                      <a:endParaRPr lang="pl-PL" sz="1100" b="1" i="0" u="none" strike="noStrike" kern="1200" dirty="0">
-                        <a:solidFill>
-                          <a:srgbClr val="FFFFFF"/>
-                        </a:solidFill>
-                        <a:effectLst/>
-                        <a:latin typeface="Calibri" panose="020F0502020204030204" pitchFamily="34" charset="0"/>
-                        <a:ea typeface="+mn-ea"/>
-                        <a:cs typeface="+mn-cs"/>
-                      </a:endParaRPr>
-                    </a:p>
-                  </a:txBody>
-                  <a:tcPr marL="7620" marR="7620" marT="7620" marB="0" anchor="ctr">
-                    <a:solidFill>
-                      <a:srgbClr val="465562"/>
-                    </a:solidFill>
-                  </a:tcPr>
-                </a:tc>
-                <a:tc>
-                  <a:txBody>
-                    <a:bodyPr/>
-                    <a:lstStyle/>
-                    <a:p>
-                      <a:pPr algn="ctr" fontAlgn="b"/>
-                      <a:endParaRPr lang="pl-PL" sz="1100" b="0" i="0" u="none" strike="noStrike" dirty="0">
-                        <a:solidFill>
-                          <a:srgbClr val="000000"/>
-                        </a:solidFill>
-                        <a:effectLst/>
-                        <a:latin typeface="Calibri" panose="020F0502020204030204" pitchFamily="34" charset="0"/>
-                      </a:endParaRPr>
-                    </a:p>
-                  </a:txBody>
-                  <a:tcPr marL="7620" marR="7620" marT="7620" marB="0" anchor="ctr"/>
-                </a:tc>
-                <a:tc>
-                  <a:txBody>
-                    <a:bodyPr/>
-                    <a:lstStyle/>
-                    <a:p>
-                      <a:pPr algn="ctr" fontAlgn="b"/>
-                      <a:endParaRPr lang="pl-PL" sz="1100" b="0" i="0" u="none" strike="noStrike" dirty="0">
-                        <a:solidFill>
-                          <a:srgbClr val="000000"/>
-                        </a:solidFill>
-                        <a:effectLst/>
-                        <a:latin typeface="Calibri" panose="020F0502020204030204" pitchFamily="34" charset="0"/>
-                      </a:endParaRPr>
-                    </a:p>
-                  </a:txBody>
-                  <a:tcPr marL="7620" marR="7620" marT="7620" marB="0" anchor="ctr"/>
-                </a:tc>
-                <a:tc>
-                  <a:txBody>
-                    <a:bodyPr/>
-                    <a:lstStyle/>
-                    <a:p>
-                      <a:pPr algn="ctr" fontAlgn="b"/>
-                      <a:endParaRPr lang="pl-PL" sz="1100" b="0" i="0" u="none" strike="noStrike">
-                        <a:solidFill>
-                          <a:srgbClr val="000000"/>
-                        </a:solidFill>
-                        <a:effectLst/>
-                        <a:latin typeface="Calibri" panose="020F0502020204030204" pitchFamily="34" charset="0"/>
-                      </a:endParaRPr>
-                    </a:p>
-                  </a:txBody>
-                  <a:tcPr marL="7620" marR="7620" marT="7620" marB="0" anchor="ctr"/>
-                </a:tc>
-                <a:tc>
-                  <a:txBody>
-                    <a:bodyPr/>
-                    <a:lstStyle/>
-                    <a:p>
-                      <a:pPr algn="ctr" fontAlgn="b"/>
-                      <a:endParaRPr lang="pl-PL" sz="1100" b="0" i="0" u="none" strike="noStrike">
-                        <a:solidFill>
-                          <a:srgbClr val="000000"/>
-                        </a:solidFill>
-                        <a:effectLst/>
-                        <a:latin typeface="Calibri" panose="020F0502020204030204" pitchFamily="34" charset="0"/>
-                      </a:endParaRPr>
-                    </a:p>
-                  </a:txBody>
-                  <a:tcPr marL="7620" marR="7620" marT="7620" marB="0" anchor="ctr"/>
-                </a:tc>
-                <a:tc>
-                  <a:txBody>
-                    <a:bodyPr/>
-                    <a:lstStyle/>
-                    <a:p>
-                      <a:pPr algn="ctr" fontAlgn="b"/>
-                      <a:endParaRPr lang="pl-PL" sz="1100" b="0" i="0" u="none" strike="noStrike">
-                        <a:solidFill>
-                          <a:srgbClr val="000000"/>
-                        </a:solidFill>
-                        <a:effectLst/>
-                        <a:latin typeface="Calibri" panose="020F0502020204030204" pitchFamily="34" charset="0"/>
-                      </a:endParaRPr>
-                    </a:p>
-                  </a:txBody>
-                  <a:tcPr marL="7620" marR="7620" marT="7620" marB="0" anchor="ctr"/>
-                </a:tc>
-                <a:extLst>
-                  <a:ext uri="{0D108BD9-81ED-4DB2-BD59-A6C34878D82A}">
-                    <a16:rowId xmlns:a16="http://schemas.microsoft.com/office/drawing/2014/main" val="1554264070"/>
-                  </a:ext>
-                </a:extLst>
-              </a:tr>
-              <a:tr h="386225">
-                <a:tc>
-                  <a:txBody>
-                    <a:bodyPr/>
-                    <a:lstStyle/>
-                    <a:p>
-                      <a:pPr algn="ctr" fontAlgn="b"/>
-                      <a:endParaRPr lang="pl-PL" sz="1100" b="1" i="0" u="none" strike="noStrike" kern="1200" dirty="0">
-                        <a:solidFill>
-                          <a:srgbClr val="FFFFFF"/>
-                        </a:solidFill>
-                        <a:effectLst/>
-                        <a:latin typeface="Calibri" panose="020F0502020204030204" pitchFamily="34" charset="0"/>
-                        <a:ea typeface="+mn-ea"/>
-                        <a:cs typeface="+mn-cs"/>
-                      </a:endParaRPr>
-                    </a:p>
-                  </a:txBody>
-                  <a:tcPr marL="7620" marR="7620" marT="7620" marB="0" anchor="ctr">
-                    <a:solidFill>
-                      <a:srgbClr val="465562"/>
-                    </a:solidFill>
-                  </a:tcPr>
-                </a:tc>
-                <a:tc>
-                  <a:txBody>
-                    <a:bodyPr/>
-                    <a:lstStyle/>
-                    <a:p>
-                      <a:pPr algn="ctr" fontAlgn="b"/>
-                      <a:endParaRPr lang="pl-PL" sz="1100" b="0" i="0" u="none" strike="noStrike">
-                        <a:solidFill>
-                          <a:srgbClr val="000000"/>
-                        </a:solidFill>
-                        <a:effectLst/>
-                        <a:latin typeface="Calibri" panose="020F0502020204030204" pitchFamily="34" charset="0"/>
-                      </a:endParaRPr>
-                    </a:p>
-                  </a:txBody>
-                  <a:tcPr marL="7620" marR="7620" marT="7620" marB="0" anchor="ctr"/>
-                </a:tc>
-                <a:tc>
-                  <a:txBody>
-                    <a:bodyPr/>
-                    <a:lstStyle/>
-                    <a:p>
-                      <a:pPr algn="ctr" fontAlgn="b"/>
-                      <a:endParaRPr lang="pl-PL" sz="1100" b="0" i="0" u="none" strike="noStrike" dirty="0">
-                        <a:solidFill>
-                          <a:srgbClr val="000000"/>
-                        </a:solidFill>
-                        <a:effectLst/>
-                        <a:latin typeface="Calibri" panose="020F0502020204030204" pitchFamily="34" charset="0"/>
-                      </a:endParaRPr>
-                    </a:p>
-                  </a:txBody>
-                  <a:tcPr marL="7620" marR="7620" marT="7620" marB="0" anchor="ctr"/>
-                </a:tc>
-                <a:tc>
-                  <a:txBody>
-                    <a:bodyPr/>
-                    <a:lstStyle/>
-                    <a:p>
-                      <a:pPr algn="ctr" fontAlgn="b"/>
-                      <a:endParaRPr lang="pl-PL" sz="1100" b="0" i="0" u="none" strike="noStrike">
-                        <a:solidFill>
-                          <a:srgbClr val="000000"/>
-                        </a:solidFill>
-                        <a:effectLst/>
-                        <a:latin typeface="Calibri" panose="020F0502020204030204" pitchFamily="34" charset="0"/>
-                      </a:endParaRPr>
-                    </a:p>
-                  </a:txBody>
-                  <a:tcPr marL="7620" marR="7620" marT="7620" marB="0" anchor="ctr"/>
-                </a:tc>
-                <a:tc>
-                  <a:txBody>
-                    <a:bodyPr/>
-                    <a:lstStyle/>
-                    <a:p>
-                      <a:pPr algn="ctr" fontAlgn="b"/>
-                      <a:endParaRPr lang="pl-PL" sz="1100" b="0" i="0" u="none" strike="noStrike">
-                        <a:solidFill>
-                          <a:srgbClr val="000000"/>
-                        </a:solidFill>
-                        <a:effectLst/>
-                        <a:latin typeface="Calibri" panose="020F0502020204030204" pitchFamily="34" charset="0"/>
-                      </a:endParaRPr>
-                    </a:p>
-                  </a:txBody>
-                  <a:tcPr marL="7620" marR="7620" marT="7620" marB="0" anchor="ctr"/>
-                </a:tc>
-                <a:tc>
-                  <a:txBody>
-                    <a:bodyPr/>
-                    <a:lstStyle/>
-                    <a:p>
-                      <a:pPr algn="ctr" fontAlgn="b"/>
-                      <a:endParaRPr lang="pl-PL" sz="1100" b="0" i="0" u="none" strike="noStrike">
-                        <a:solidFill>
-                          <a:srgbClr val="000000"/>
-                        </a:solidFill>
-                        <a:effectLst/>
-                        <a:latin typeface="Calibri" panose="020F0502020204030204" pitchFamily="34" charset="0"/>
-                      </a:endParaRPr>
-                    </a:p>
-                  </a:txBody>
-                  <a:tcPr marL="7620" marR="7620" marT="7620" marB="0" anchor="ctr"/>
-                </a:tc>
-                <a:extLst>
-                  <a:ext uri="{0D108BD9-81ED-4DB2-BD59-A6C34878D82A}">
-                    <a16:rowId xmlns:a16="http://schemas.microsoft.com/office/drawing/2014/main" val="2752736591"/>
-                  </a:ext>
-                </a:extLst>
-              </a:tr>
-              <a:tr h="386225">
-                <a:tc>
-                  <a:txBody>
-                    <a:bodyPr/>
-                    <a:lstStyle/>
-                    <a:p>
-                      <a:pPr algn="ctr" fontAlgn="b"/>
-                      <a:endParaRPr lang="pl-PL" sz="1100" b="1" i="0" u="none" strike="noStrike" kern="1200" dirty="0">
-                        <a:solidFill>
-                          <a:srgbClr val="FFFFFF"/>
-                        </a:solidFill>
-                        <a:effectLst/>
-                        <a:latin typeface="Calibri" panose="020F0502020204030204" pitchFamily="34" charset="0"/>
-                        <a:ea typeface="+mn-ea"/>
-                        <a:cs typeface="+mn-cs"/>
-                      </a:endParaRPr>
-                    </a:p>
-                  </a:txBody>
-                  <a:tcPr marL="7620" marR="7620" marT="7620" marB="0" anchor="ctr">
-                    <a:solidFill>
-                      <a:srgbClr val="465562"/>
-                    </a:solidFill>
-                  </a:tcPr>
-                </a:tc>
-                <a:tc>
-                  <a:txBody>
-                    <a:bodyPr/>
-                    <a:lstStyle/>
-                    <a:p>
-                      <a:pPr algn="ctr" fontAlgn="b"/>
-                      <a:endParaRPr lang="pl-PL" sz="1100" b="0" i="0" u="none" strike="noStrike">
-                        <a:solidFill>
-                          <a:srgbClr val="000000"/>
-                        </a:solidFill>
-                        <a:effectLst/>
-                        <a:latin typeface="Calibri" panose="020F0502020204030204" pitchFamily="34" charset="0"/>
-                      </a:endParaRPr>
-                    </a:p>
-                  </a:txBody>
-                  <a:tcPr marL="7620" marR="7620" marT="7620" marB="0" anchor="ctr"/>
-                </a:tc>
-                <a:tc>
-                  <a:txBody>
-                    <a:bodyPr/>
-                    <a:lstStyle/>
-                    <a:p>
-                      <a:pPr algn="ctr" fontAlgn="b"/>
-                      <a:endParaRPr lang="pl-PL" sz="1100" b="0" i="0" u="none" strike="noStrike" dirty="0">
-                        <a:solidFill>
-                          <a:srgbClr val="000000"/>
-                        </a:solidFill>
-                        <a:effectLst/>
-                        <a:latin typeface="Calibri" panose="020F0502020204030204" pitchFamily="34" charset="0"/>
-                      </a:endParaRPr>
-                    </a:p>
-                  </a:txBody>
-                  <a:tcPr marL="7620" marR="7620" marT="7620" marB="0" anchor="ctr"/>
-                </a:tc>
-                <a:tc>
-                  <a:txBody>
-                    <a:bodyPr/>
-                    <a:lstStyle/>
-                    <a:p>
-                      <a:pPr algn="ctr" fontAlgn="b"/>
-                      <a:endParaRPr lang="pl-PL" sz="1100" b="0" i="0" u="none" strike="noStrike" dirty="0">
-                        <a:solidFill>
-                          <a:srgbClr val="000000"/>
-                        </a:solidFill>
-                        <a:effectLst/>
-                        <a:latin typeface="Calibri" panose="020F0502020204030204" pitchFamily="34" charset="0"/>
-                      </a:endParaRPr>
-                    </a:p>
-                  </a:txBody>
-                  <a:tcPr marL="7620" marR="7620" marT="7620" marB="0" anchor="ctr"/>
-                </a:tc>
-                <a:tc>
-                  <a:txBody>
-                    <a:bodyPr/>
-                    <a:lstStyle/>
-                    <a:p>
-                      <a:pPr algn="ctr" fontAlgn="b"/>
-                      <a:endParaRPr lang="pl-PL" sz="1100" b="0" i="0" u="none" strike="noStrike">
-                        <a:solidFill>
-                          <a:srgbClr val="000000"/>
-                        </a:solidFill>
-                        <a:effectLst/>
-                        <a:latin typeface="Calibri" panose="020F0502020204030204" pitchFamily="34" charset="0"/>
-                      </a:endParaRPr>
-                    </a:p>
-                  </a:txBody>
-                  <a:tcPr marL="7620" marR="7620" marT="7620" marB="0" anchor="ctr"/>
-                </a:tc>
-                <a:tc>
-                  <a:txBody>
-                    <a:bodyPr/>
-                    <a:lstStyle/>
-                    <a:p>
-                      <a:pPr algn="ctr" fontAlgn="b"/>
-                      <a:endParaRPr lang="pl-PL" sz="1100" b="0" i="0" u="none" strike="noStrike">
-                        <a:solidFill>
-                          <a:srgbClr val="000000"/>
-                        </a:solidFill>
-                        <a:effectLst/>
-                        <a:latin typeface="Calibri" panose="020F0502020204030204" pitchFamily="34" charset="0"/>
-                      </a:endParaRPr>
-                    </a:p>
-                  </a:txBody>
-                  <a:tcPr marL="7620" marR="7620" marT="7620" marB="0" anchor="ctr"/>
-                </a:tc>
-                <a:extLst>
-                  <a:ext uri="{0D108BD9-81ED-4DB2-BD59-A6C34878D82A}">
-                    <a16:rowId xmlns:a16="http://schemas.microsoft.com/office/drawing/2014/main" val="3527259146"/>
-                  </a:ext>
-                </a:extLst>
-              </a:tr>
-              <a:tr h="386225">
-                <a:tc>
-                  <a:txBody>
-                    <a:bodyPr/>
-                    <a:lstStyle/>
-                    <a:p>
-                      <a:pPr algn="ctr" fontAlgn="b"/>
-                      <a:endParaRPr lang="pl-PL" sz="1100" b="1" i="0" u="none" strike="noStrike" kern="1200" dirty="0">
-                        <a:solidFill>
-                          <a:srgbClr val="FFFFFF"/>
-                        </a:solidFill>
-                        <a:effectLst/>
-                        <a:latin typeface="Calibri" panose="020F0502020204030204" pitchFamily="34" charset="0"/>
-                        <a:ea typeface="+mn-ea"/>
-                        <a:cs typeface="+mn-cs"/>
-                      </a:endParaRPr>
-                    </a:p>
-                  </a:txBody>
-                  <a:tcPr marL="7620" marR="7620" marT="7620" marB="0" anchor="ctr">
-                    <a:solidFill>
-                      <a:srgbClr val="465562"/>
-                    </a:solidFill>
-                  </a:tcPr>
-                </a:tc>
-                <a:tc>
-                  <a:txBody>
-                    <a:bodyPr/>
-                    <a:lstStyle/>
-                    <a:p>
-                      <a:pPr algn="ctr" fontAlgn="b"/>
-                      <a:endParaRPr lang="pl-PL" sz="1100" b="0" i="0" u="none" strike="noStrike">
-                        <a:solidFill>
-                          <a:srgbClr val="000000"/>
-                        </a:solidFill>
-                        <a:effectLst/>
-                        <a:latin typeface="Calibri" panose="020F0502020204030204" pitchFamily="34" charset="0"/>
-                      </a:endParaRPr>
-                    </a:p>
-                  </a:txBody>
-                  <a:tcPr marL="7620" marR="7620" marT="7620" marB="0" anchor="ctr"/>
-                </a:tc>
-                <a:tc>
-                  <a:txBody>
-                    <a:bodyPr/>
-                    <a:lstStyle/>
-                    <a:p>
-                      <a:pPr algn="ctr" fontAlgn="b"/>
-                      <a:endParaRPr lang="pl-PL" sz="1100" b="0" i="0" u="none" strike="noStrike">
-                        <a:solidFill>
-                          <a:srgbClr val="000000"/>
-                        </a:solidFill>
-                        <a:effectLst/>
-                        <a:latin typeface="Calibri" panose="020F0502020204030204" pitchFamily="34" charset="0"/>
-                      </a:endParaRPr>
-                    </a:p>
-                  </a:txBody>
-                  <a:tcPr marL="7620" marR="7620" marT="7620" marB="0" anchor="ctr"/>
-                </a:tc>
-                <a:tc>
-                  <a:txBody>
-                    <a:bodyPr/>
-                    <a:lstStyle/>
-                    <a:p>
-                      <a:pPr algn="ctr" fontAlgn="b"/>
-                      <a:endParaRPr lang="pl-PL" sz="1100" b="0" i="0" u="none" strike="noStrike" dirty="0">
-                        <a:solidFill>
-                          <a:srgbClr val="000000"/>
-                        </a:solidFill>
-                        <a:effectLst/>
-                        <a:latin typeface="Calibri" panose="020F0502020204030204" pitchFamily="34" charset="0"/>
-                      </a:endParaRPr>
-                    </a:p>
-                  </a:txBody>
-                  <a:tcPr marL="7620" marR="7620" marT="7620" marB="0" anchor="ctr"/>
-                </a:tc>
-                <a:tc>
-                  <a:txBody>
-                    <a:bodyPr/>
-                    <a:lstStyle/>
-                    <a:p>
-                      <a:pPr algn="ctr" fontAlgn="b"/>
-                      <a:endParaRPr lang="pl-PL" sz="1100" b="0" i="0" u="none" strike="noStrike">
-                        <a:solidFill>
-                          <a:srgbClr val="000000"/>
-                        </a:solidFill>
-                        <a:effectLst/>
-                        <a:latin typeface="Calibri" panose="020F0502020204030204" pitchFamily="34" charset="0"/>
-                      </a:endParaRPr>
-                    </a:p>
-                  </a:txBody>
-                  <a:tcPr marL="7620" marR="7620" marT="7620" marB="0" anchor="ctr"/>
-                </a:tc>
-                <a:tc>
-                  <a:txBody>
-                    <a:bodyPr/>
-                    <a:lstStyle/>
-                    <a:p>
-                      <a:pPr algn="ctr" fontAlgn="b"/>
-                      <a:endParaRPr lang="pl-PL" sz="1100" b="0" i="0" u="none" strike="noStrike">
-                        <a:solidFill>
-                          <a:srgbClr val="000000"/>
-                        </a:solidFill>
-                        <a:effectLst/>
-                        <a:latin typeface="Calibri" panose="020F0502020204030204" pitchFamily="34" charset="0"/>
-                      </a:endParaRPr>
-                    </a:p>
-                  </a:txBody>
-                  <a:tcPr marL="7620" marR="7620" marT="7620" marB="0" anchor="ctr"/>
-                </a:tc>
-                <a:extLst>
-                  <a:ext uri="{0D108BD9-81ED-4DB2-BD59-A6C34878D82A}">
-                    <a16:rowId xmlns:a16="http://schemas.microsoft.com/office/drawing/2014/main" val="3017313893"/>
-                  </a:ext>
-                </a:extLst>
-              </a:tr>
-              <a:tr h="386225">
-                <a:tc>
-                  <a:txBody>
-                    <a:bodyPr/>
-                    <a:lstStyle/>
-                    <a:p>
-                      <a:pPr algn="ctr" fontAlgn="b"/>
-                      <a:endParaRPr lang="pl-PL" sz="1100" b="1" i="0" u="none" strike="noStrike" kern="1200" dirty="0">
-                        <a:solidFill>
-                          <a:srgbClr val="FFFFFF"/>
-                        </a:solidFill>
-                        <a:effectLst/>
-                        <a:latin typeface="Calibri" panose="020F0502020204030204" pitchFamily="34" charset="0"/>
-                        <a:ea typeface="+mn-ea"/>
-                        <a:cs typeface="+mn-cs"/>
-                      </a:endParaRPr>
-                    </a:p>
-                  </a:txBody>
-                  <a:tcPr marL="7620" marR="7620" marT="7620" marB="0" anchor="ctr">
-                    <a:solidFill>
-                      <a:srgbClr val="465562"/>
-                    </a:solidFill>
-                  </a:tcPr>
-                </a:tc>
-                <a:tc>
-                  <a:txBody>
-                    <a:bodyPr/>
-                    <a:lstStyle/>
-                    <a:p>
-                      <a:pPr algn="ctr" fontAlgn="b"/>
-                      <a:endParaRPr lang="pl-PL" sz="1100" b="0" i="0" u="none" strike="noStrike">
-                        <a:solidFill>
-                          <a:srgbClr val="000000"/>
-                        </a:solidFill>
-                        <a:effectLst/>
-                        <a:latin typeface="Calibri" panose="020F0502020204030204" pitchFamily="34" charset="0"/>
-                      </a:endParaRPr>
-                    </a:p>
-                  </a:txBody>
-                  <a:tcPr marL="7620" marR="7620" marT="7620" marB="0" anchor="ctr"/>
-                </a:tc>
-                <a:tc>
-                  <a:txBody>
-                    <a:bodyPr/>
-                    <a:lstStyle/>
-                    <a:p>
-                      <a:pPr algn="ctr" fontAlgn="b"/>
-                      <a:endParaRPr lang="pl-PL" sz="1100" b="0" i="0" u="none" strike="noStrike">
-                        <a:solidFill>
-                          <a:srgbClr val="000000"/>
-                        </a:solidFill>
-                        <a:effectLst/>
-                        <a:latin typeface="Calibri" panose="020F0502020204030204" pitchFamily="34" charset="0"/>
-                      </a:endParaRPr>
-                    </a:p>
-                  </a:txBody>
-                  <a:tcPr marL="7620" marR="7620" marT="7620" marB="0" anchor="ctr"/>
-                </a:tc>
-                <a:tc>
-                  <a:txBody>
-                    <a:bodyPr/>
-                    <a:lstStyle/>
-                    <a:p>
-                      <a:pPr algn="ctr" fontAlgn="b"/>
-                      <a:endParaRPr lang="pl-PL" sz="1100" b="0" i="0" u="none" strike="noStrike" dirty="0">
-                        <a:solidFill>
-                          <a:srgbClr val="000000"/>
-                        </a:solidFill>
-                        <a:effectLst/>
-                        <a:latin typeface="Calibri" panose="020F0502020204030204" pitchFamily="34" charset="0"/>
-                      </a:endParaRPr>
-                    </a:p>
-                  </a:txBody>
-                  <a:tcPr marL="7620" marR="7620" marT="7620" marB="0" anchor="ctr"/>
-                </a:tc>
-                <a:tc>
-                  <a:txBody>
-                    <a:bodyPr/>
-                    <a:lstStyle/>
-                    <a:p>
-                      <a:pPr algn="ctr" fontAlgn="b"/>
-                      <a:endParaRPr lang="pl-PL" sz="1100" b="0" i="0" u="none" strike="noStrike" dirty="0">
-                        <a:solidFill>
-                          <a:srgbClr val="000000"/>
-                        </a:solidFill>
-                        <a:effectLst/>
-                        <a:latin typeface="Calibri" panose="020F0502020204030204" pitchFamily="34" charset="0"/>
-                      </a:endParaRPr>
-                    </a:p>
-                  </a:txBody>
-                  <a:tcPr marL="7620" marR="7620" marT="7620" marB="0" anchor="ctr"/>
-                </a:tc>
-                <a:tc>
-                  <a:txBody>
-                    <a:bodyPr/>
-                    <a:lstStyle/>
-                    <a:p>
-                      <a:pPr algn="ctr" fontAlgn="b"/>
-                      <a:endParaRPr lang="pl-PL" sz="1100" b="0" i="0" u="none" strike="noStrike">
-                        <a:solidFill>
-                          <a:srgbClr val="000000"/>
-                        </a:solidFill>
-                        <a:effectLst/>
-                        <a:latin typeface="Calibri" panose="020F0502020204030204" pitchFamily="34" charset="0"/>
-                      </a:endParaRPr>
-                    </a:p>
-                  </a:txBody>
-                  <a:tcPr marL="7620" marR="7620" marT="7620" marB="0" anchor="ctr"/>
-                </a:tc>
-                <a:extLst>
-                  <a:ext uri="{0D108BD9-81ED-4DB2-BD59-A6C34878D82A}">
-                    <a16:rowId xmlns:a16="http://schemas.microsoft.com/office/drawing/2014/main" val="331709468"/>
-                  </a:ext>
-                </a:extLst>
-              </a:tr>
-              <a:tr h="386225">
-                <a:tc>
-                  <a:txBody>
-                    <a:bodyPr/>
-                    <a:lstStyle/>
-                    <a:p>
-                      <a:pPr algn="ctr" fontAlgn="b"/>
-                      <a:endParaRPr lang="pl-PL" sz="1100" b="1" i="0" u="none" strike="noStrike" kern="1200" dirty="0">
-                        <a:solidFill>
-                          <a:srgbClr val="FFFFFF"/>
-                        </a:solidFill>
-                        <a:effectLst/>
-                        <a:latin typeface="Calibri" panose="020F0502020204030204" pitchFamily="34" charset="0"/>
-                        <a:ea typeface="+mn-ea"/>
-                        <a:cs typeface="+mn-cs"/>
-                      </a:endParaRPr>
-                    </a:p>
-                  </a:txBody>
-                  <a:tcPr marL="7620" marR="7620" marT="7620" marB="0" anchor="ctr">
-                    <a:solidFill>
-                      <a:srgbClr val="465562"/>
-                    </a:solidFill>
-                  </a:tcPr>
-                </a:tc>
-                <a:tc>
-                  <a:txBody>
-                    <a:bodyPr/>
-                    <a:lstStyle/>
-                    <a:p>
-                      <a:pPr algn="ctr" fontAlgn="b"/>
-                      <a:endParaRPr lang="pl-PL" sz="1100" b="0" i="0" u="none" strike="noStrike">
-                        <a:solidFill>
-                          <a:srgbClr val="000000"/>
-                        </a:solidFill>
-                        <a:effectLst/>
-                        <a:latin typeface="Calibri" panose="020F0502020204030204" pitchFamily="34" charset="0"/>
-                      </a:endParaRPr>
-                    </a:p>
-                  </a:txBody>
-                  <a:tcPr marL="7620" marR="7620" marT="7620" marB="0" anchor="ctr"/>
-                </a:tc>
-                <a:tc>
-                  <a:txBody>
-                    <a:bodyPr/>
-                    <a:lstStyle/>
-                    <a:p>
-                      <a:pPr algn="ctr" fontAlgn="b"/>
-                      <a:endParaRPr lang="pl-PL" sz="1100" b="0" i="0" u="none" strike="noStrike" dirty="0">
-                        <a:solidFill>
-                          <a:srgbClr val="000000"/>
-                        </a:solidFill>
-                        <a:effectLst/>
-                        <a:latin typeface="Calibri" panose="020F0502020204030204" pitchFamily="34" charset="0"/>
-                      </a:endParaRPr>
-                    </a:p>
-                  </a:txBody>
-                  <a:tcPr marL="7620" marR="7620" marT="7620" marB="0" anchor="ctr"/>
-                </a:tc>
-                <a:tc>
-                  <a:txBody>
-                    <a:bodyPr/>
-                    <a:lstStyle/>
-                    <a:p>
-                      <a:pPr algn="ctr" fontAlgn="b"/>
-                      <a:endParaRPr lang="pl-PL" sz="1100" b="0" i="0" u="none" strike="noStrike">
-                        <a:solidFill>
-                          <a:srgbClr val="000000"/>
-                        </a:solidFill>
-                        <a:effectLst/>
-                        <a:latin typeface="Calibri" panose="020F0502020204030204" pitchFamily="34" charset="0"/>
-                      </a:endParaRPr>
-                    </a:p>
-                  </a:txBody>
-                  <a:tcPr marL="7620" marR="7620" marT="7620" marB="0" anchor="ctr"/>
-                </a:tc>
-                <a:tc>
-                  <a:txBody>
-                    <a:bodyPr/>
-                    <a:lstStyle/>
-                    <a:p>
-                      <a:pPr algn="ctr" fontAlgn="b"/>
-                      <a:endParaRPr lang="pl-PL" sz="1100" b="0" i="0" u="none" strike="noStrike" dirty="0">
-                        <a:solidFill>
-                          <a:srgbClr val="000000"/>
-                        </a:solidFill>
-                        <a:effectLst/>
-                        <a:latin typeface="Calibri" panose="020F0502020204030204" pitchFamily="34" charset="0"/>
-                      </a:endParaRPr>
-                    </a:p>
-                  </a:txBody>
-                  <a:tcPr marL="7620" marR="7620" marT="7620" marB="0" anchor="ctr"/>
-                </a:tc>
-                <a:tc>
-                  <a:txBody>
-                    <a:bodyPr/>
-                    <a:lstStyle/>
-                    <a:p>
-                      <a:pPr algn="ctr" fontAlgn="b"/>
-                      <a:endParaRPr lang="pl-PL" sz="1100" b="0" i="0" u="none" strike="noStrike" dirty="0">
-                        <a:solidFill>
-                          <a:srgbClr val="000000"/>
-                        </a:solidFill>
-                        <a:effectLst/>
-                        <a:latin typeface="Calibri" panose="020F0502020204030204" pitchFamily="34" charset="0"/>
-                      </a:endParaRPr>
-                    </a:p>
-                  </a:txBody>
-                  <a:tcPr marL="7620" marR="7620" marT="7620" marB="0" anchor="ctr"/>
-                </a:tc>
-                <a:extLst>
-                  <a:ext uri="{0D108BD9-81ED-4DB2-BD59-A6C34878D82A}">
-                    <a16:rowId xmlns:a16="http://schemas.microsoft.com/office/drawing/2014/main" val="221627533"/>
-                  </a:ext>
-                </a:extLst>
-              </a:tr>
-              <a:tr h="386225">
-                <a:tc>
-                  <a:txBody>
-                    <a:bodyPr/>
-                    <a:lstStyle/>
-                    <a:p>
-                      <a:pPr algn="ctr" fontAlgn="b"/>
-                      <a:endParaRPr lang="pl-PL" sz="1100" b="1" i="0" u="none" strike="noStrike" kern="1200" dirty="0">
-                        <a:solidFill>
-                          <a:srgbClr val="FFFFFF"/>
-                        </a:solidFill>
-                        <a:effectLst/>
-                        <a:latin typeface="Calibri" panose="020F0502020204030204" pitchFamily="34" charset="0"/>
-                        <a:ea typeface="+mn-ea"/>
-                        <a:cs typeface="+mn-cs"/>
-                      </a:endParaRPr>
-                    </a:p>
-                  </a:txBody>
-                  <a:tcPr marL="7620" marR="7620" marT="7620" marB="0" anchor="ctr">
-                    <a:solidFill>
-                      <a:srgbClr val="465562"/>
-                    </a:solidFill>
-                  </a:tcPr>
-                </a:tc>
-                <a:tc>
-                  <a:txBody>
-                    <a:bodyPr/>
-                    <a:lstStyle/>
-                    <a:p>
-                      <a:pPr algn="ctr" fontAlgn="b"/>
-                      <a:endParaRPr lang="pl-PL" sz="1100" b="0" i="0" u="none" strike="noStrike">
-                        <a:solidFill>
-                          <a:srgbClr val="000000"/>
-                        </a:solidFill>
-                        <a:effectLst/>
-                        <a:latin typeface="Calibri" panose="020F0502020204030204" pitchFamily="34" charset="0"/>
-                      </a:endParaRPr>
-                    </a:p>
-                  </a:txBody>
-                  <a:tcPr marL="7620" marR="7620" marT="7620" marB="0" anchor="ctr"/>
-                </a:tc>
-                <a:tc>
-                  <a:txBody>
-                    <a:bodyPr/>
-                    <a:lstStyle/>
-                    <a:p>
-                      <a:pPr algn="ctr" fontAlgn="b"/>
-                      <a:endParaRPr lang="pl-PL" sz="1100" b="0" i="0" u="none" strike="noStrike">
-                        <a:solidFill>
-                          <a:srgbClr val="000000"/>
-                        </a:solidFill>
-                        <a:effectLst/>
-                        <a:latin typeface="Calibri" panose="020F0502020204030204" pitchFamily="34" charset="0"/>
-                      </a:endParaRPr>
-                    </a:p>
-                  </a:txBody>
-                  <a:tcPr marL="7620" marR="7620" marT="7620" marB="0" anchor="ctr"/>
-                </a:tc>
-                <a:tc>
-                  <a:txBody>
-                    <a:bodyPr/>
-                    <a:lstStyle/>
-                    <a:p>
-                      <a:pPr algn="ctr" fontAlgn="b"/>
-                      <a:endParaRPr lang="pl-PL" sz="1100" b="0" i="0" u="none" strike="noStrike">
-                        <a:solidFill>
-                          <a:srgbClr val="000000"/>
-                        </a:solidFill>
-                        <a:effectLst/>
-                        <a:latin typeface="Calibri" panose="020F0502020204030204" pitchFamily="34" charset="0"/>
-                      </a:endParaRPr>
-                    </a:p>
-                  </a:txBody>
-                  <a:tcPr marL="7620" marR="7620" marT="7620" marB="0" anchor="ctr"/>
-                </a:tc>
-                <a:tc>
-                  <a:txBody>
-                    <a:bodyPr/>
-                    <a:lstStyle/>
-                    <a:p>
-                      <a:pPr algn="ctr" fontAlgn="b"/>
-                      <a:endParaRPr lang="pl-PL" sz="1100" b="0" i="0" u="none" strike="noStrike">
-                        <a:solidFill>
-                          <a:srgbClr val="000000"/>
-                        </a:solidFill>
-                        <a:effectLst/>
-                        <a:latin typeface="Calibri" panose="020F0502020204030204" pitchFamily="34" charset="0"/>
-                      </a:endParaRPr>
-                    </a:p>
-                  </a:txBody>
-                  <a:tcPr marL="7620" marR="7620" marT="7620" marB="0" anchor="ctr"/>
-                </a:tc>
-                <a:tc>
-                  <a:txBody>
-                    <a:bodyPr/>
-                    <a:lstStyle/>
-                    <a:p>
-                      <a:pPr algn="ctr" fontAlgn="b"/>
-                      <a:endParaRPr lang="pl-PL" sz="1100" b="0" i="0" u="none" strike="noStrike" dirty="0">
-                        <a:solidFill>
-                          <a:srgbClr val="000000"/>
-                        </a:solidFill>
-                        <a:effectLst/>
-                        <a:latin typeface="Calibri" panose="020F0502020204030204" pitchFamily="34" charset="0"/>
-                      </a:endParaRPr>
-                    </a:p>
-                  </a:txBody>
-                  <a:tcPr marL="7620" marR="7620" marT="7620" marB="0" anchor="ctr"/>
-                </a:tc>
-                <a:extLst>
-                  <a:ext uri="{0D108BD9-81ED-4DB2-BD59-A6C34878D82A}">
-                    <a16:rowId xmlns:a16="http://schemas.microsoft.com/office/drawing/2014/main" val="1451166360"/>
-                  </a:ext>
-                </a:extLst>
-              </a:tr>
-              <a:tr h="386225">
-                <a:tc>
-                  <a:txBody>
-                    <a:bodyPr/>
-                    <a:lstStyle/>
-                    <a:p>
-                      <a:pPr algn="ctr" fontAlgn="b"/>
-                      <a:endParaRPr lang="pl-PL" sz="1100" b="1" i="0" u="none" strike="noStrike" kern="1200" dirty="0">
-                        <a:solidFill>
-                          <a:srgbClr val="FFFFFF"/>
-                        </a:solidFill>
-                        <a:effectLst/>
-                        <a:latin typeface="Calibri" panose="020F0502020204030204" pitchFamily="34" charset="0"/>
-                        <a:ea typeface="+mn-ea"/>
-                        <a:cs typeface="+mn-cs"/>
-                      </a:endParaRPr>
-                    </a:p>
-                  </a:txBody>
-                  <a:tcPr marL="7620" marR="7620" marT="7620" marB="0" anchor="ctr">
-                    <a:solidFill>
-                      <a:srgbClr val="465562"/>
-                    </a:solidFill>
-                  </a:tcPr>
-                </a:tc>
-                <a:tc>
-                  <a:txBody>
-                    <a:bodyPr/>
-                    <a:lstStyle/>
-                    <a:p>
-                      <a:pPr algn="ctr" fontAlgn="b"/>
-                      <a:endParaRPr lang="pl-PL" sz="1100" b="0" i="0" u="none" strike="noStrike">
-                        <a:solidFill>
-                          <a:srgbClr val="000000"/>
-                        </a:solidFill>
-                        <a:effectLst/>
-                        <a:latin typeface="Calibri" panose="020F0502020204030204" pitchFamily="34" charset="0"/>
-                      </a:endParaRPr>
-                    </a:p>
-                  </a:txBody>
-                  <a:tcPr marL="7620" marR="7620" marT="7620" marB="0" anchor="ctr"/>
-                </a:tc>
-                <a:tc>
-                  <a:txBody>
-                    <a:bodyPr/>
-                    <a:lstStyle/>
-                    <a:p>
-                      <a:pPr algn="ctr" fontAlgn="b"/>
-                      <a:endParaRPr lang="pl-PL" sz="1100" b="0" i="0" u="none" strike="noStrike" dirty="0">
-                        <a:solidFill>
-                          <a:srgbClr val="000000"/>
-                        </a:solidFill>
-                        <a:effectLst/>
-                        <a:latin typeface="Calibri" panose="020F0502020204030204" pitchFamily="34" charset="0"/>
-                      </a:endParaRPr>
-                    </a:p>
-                  </a:txBody>
-                  <a:tcPr marL="7620" marR="7620" marT="7620" marB="0" anchor="ctr"/>
-                </a:tc>
-                <a:tc>
-                  <a:txBody>
-                    <a:bodyPr/>
-                    <a:lstStyle/>
-                    <a:p>
-                      <a:pPr algn="ctr" fontAlgn="b"/>
-                      <a:endParaRPr lang="pl-PL" sz="1100" b="0" i="0" u="none" strike="noStrike">
-                        <a:solidFill>
-                          <a:srgbClr val="000000"/>
-                        </a:solidFill>
-                        <a:effectLst/>
-                        <a:latin typeface="Calibri" panose="020F0502020204030204" pitchFamily="34" charset="0"/>
-                      </a:endParaRPr>
-                    </a:p>
-                  </a:txBody>
-                  <a:tcPr marL="7620" marR="7620" marT="7620" marB="0" anchor="ctr"/>
-                </a:tc>
-                <a:tc>
-                  <a:txBody>
-                    <a:bodyPr/>
-                    <a:lstStyle/>
-                    <a:p>
-                      <a:pPr algn="ctr" fontAlgn="b"/>
-                      <a:endParaRPr lang="pl-PL" sz="1100" b="0" i="0" u="none" strike="noStrike">
-                        <a:solidFill>
-                          <a:srgbClr val="000000"/>
-                        </a:solidFill>
-                        <a:effectLst/>
-                        <a:latin typeface="Calibri" panose="020F0502020204030204" pitchFamily="34" charset="0"/>
-                      </a:endParaRPr>
-                    </a:p>
-                  </a:txBody>
-                  <a:tcPr marL="7620" marR="7620" marT="7620" marB="0" anchor="ctr"/>
-                </a:tc>
-                <a:tc>
-                  <a:txBody>
-                    <a:bodyPr/>
-                    <a:lstStyle/>
-                    <a:p>
-                      <a:pPr algn="ctr" fontAlgn="b"/>
-                      <a:endParaRPr lang="pl-PL" sz="1100" b="0" i="0" u="none" strike="noStrike" dirty="0">
-                        <a:solidFill>
-                          <a:srgbClr val="000000"/>
-                        </a:solidFill>
-                        <a:effectLst/>
-                        <a:latin typeface="Calibri" panose="020F0502020204030204" pitchFamily="34" charset="0"/>
-                      </a:endParaRPr>
-                    </a:p>
-                  </a:txBody>
-                  <a:tcPr marL="7620" marR="7620" marT="7620" marB="0" anchor="ctr"/>
-                </a:tc>
-                <a:extLst>
-                  <a:ext uri="{0D108BD9-81ED-4DB2-BD59-A6C34878D82A}">
-                    <a16:rowId xmlns:a16="http://schemas.microsoft.com/office/drawing/2014/main" val="141809059"/>
-                  </a:ext>
-                </a:extLst>
-              </a:tr>
-            </a:tbl>
-          </a:graphicData>
-        </a:graphic>
-      </p:graphicFrame>
+      <mc:AlternateContent xmlns:mc="http://schemas.openxmlformats.org/markup-compatibility/2006">
+        <mc:Choice xmlns:a14="http://schemas.microsoft.com/office/drawing/2010/main" Requires="a14">
+          <p:sp>
+            <p:nvSpPr>
+              <p:cNvPr id="2" name="Tytuł 1"/>
+              <p:cNvSpPr>
+                <a:spLocks noGrp="1"/>
+              </p:cNvSpPr>
+              <p:nvPr>
+                <p:ph type="title"/>
+              </p:nvPr>
+            </p:nvSpPr>
+            <p:spPr>
+              <a:xfrm>
+                <a:off x="1593436" y="764704"/>
+                <a:ext cx="10045592" cy="508917"/>
+              </a:xfrm>
+            </p:spPr>
+            <p:txBody>
+              <a:bodyPr>
+                <a:normAutofit/>
+              </a:bodyPr>
+              <a:lstStyle/>
+              <a:p>
+                <a:r>
+                  <a:rPr lang="pl-PL" sz="2400" dirty="0" smtClean="0"/>
+                  <a:t>Porównanie dokładności rozwiązań poprzez obliczanie normy </a:t>
+                </a:r>
+                <a14:m>
+                  <m:oMath xmlns:m="http://schemas.openxmlformats.org/officeDocument/2006/math">
+                    <m:d>
+                      <m:dPr>
+                        <m:begChr m:val="‖"/>
+                        <m:endChr m:val="‖"/>
+                        <m:ctrlPr>
+                          <a:rPr lang="pl-PL" sz="2400" i="1" smtClean="0">
+                            <a:latin typeface="Cambria Math" panose="02040503050406030204" pitchFamily="18" charset="0"/>
+                          </a:rPr>
+                        </m:ctrlPr>
+                      </m:dPr>
+                      <m:e>
+                        <m:r>
+                          <a:rPr lang="pl-PL" sz="2400" b="0" i="1" smtClean="0">
+                            <a:latin typeface="Cambria Math" panose="02040503050406030204" pitchFamily="18" charset="0"/>
+                          </a:rPr>
+                          <m:t>𝐴𝑥</m:t>
+                        </m:r>
+                        <m:r>
+                          <a:rPr lang="pl-PL" sz="2400" b="0" i="1" smtClean="0">
+                            <a:latin typeface="Cambria Math" panose="02040503050406030204" pitchFamily="18" charset="0"/>
+                          </a:rPr>
+                          <m:t>−</m:t>
+                        </m:r>
+                        <m:r>
+                          <a:rPr lang="pl-PL" sz="2400" b="0" i="1" smtClean="0">
+                            <a:latin typeface="Cambria Math" panose="02040503050406030204" pitchFamily="18" charset="0"/>
+                          </a:rPr>
+                          <m:t>𝑏</m:t>
+                        </m:r>
+                      </m:e>
+                    </m:d>
+                  </m:oMath>
+                </a14:m>
+                <a:r>
+                  <a:rPr lang="pl-PL" sz="2400" dirty="0" smtClean="0"/>
+                  <a:t>:</a:t>
+                </a:r>
+                <a:endParaRPr lang="pl-PL" sz="2400" dirty="0"/>
+              </a:p>
+            </p:txBody>
+          </p:sp>
+        </mc:Choice>
+        <mc:Fallback>
+          <p:sp>
+            <p:nvSpPr>
+              <p:cNvPr id="2" name="Tytuł 1"/>
+              <p:cNvSpPr>
+                <a:spLocks noGrp="1" noRot="1" noChangeAspect="1" noMove="1" noResize="1" noEditPoints="1" noAdjustHandles="1" noChangeArrowheads="1" noChangeShapeType="1" noTextEdit="1"/>
+              </p:cNvSpPr>
+              <p:nvPr>
+                <p:ph type="title"/>
+              </p:nvPr>
+            </p:nvSpPr>
+            <p:spPr>
+              <a:xfrm>
+                <a:off x="1593436" y="764704"/>
+                <a:ext cx="10045592" cy="508917"/>
+              </a:xfrm>
+              <a:blipFill>
+                <a:blip r:embed="rId2"/>
+                <a:stretch>
+                  <a:fillRect l="-910" b="-28571"/>
+                </a:stretch>
+              </a:blipFill>
+            </p:spPr>
+            <p:txBody>
+              <a:bodyPr/>
+              <a:lstStyle/>
+              <a:p>
+                <a:r>
+                  <a:rPr lang="pl-PL">
+                    <a:noFill/>
+                  </a:rPr>
+                  <a:t> </a:t>
+                </a:r>
+              </a:p>
+            </p:txBody>
+          </p:sp>
+        </mc:Fallback>
+      </mc:AlternateContent>
+      <p:pic>
+        <p:nvPicPr>
+          <p:cNvPr id="3" name="Obraz 2"/>
+          <p:cNvPicPr>
+            <a:picLocks noChangeAspect="1"/>
+          </p:cNvPicPr>
+          <p:nvPr/>
+        </p:nvPicPr>
+        <p:blipFill>
+          <a:blip r:embed="rId3">
+            <a:extLst>
+              <a:ext uri="{28A0092B-C50C-407E-A947-70E740481C1C}">
+                <a14:useLocalDpi xmlns:a14="http://schemas.microsoft.com/office/drawing/2010/main" val="0"/>
+              </a:ext>
+            </a:extLst>
+          </a:blip>
+          <a:stretch>
+            <a:fillRect/>
+          </a:stretch>
+        </p:blipFill>
+        <p:spPr>
+          <a:xfrm>
+            <a:off x="1958059" y="1484784"/>
+            <a:ext cx="9053553" cy="4679154"/>
+          </a:xfrm>
+          <a:prstGeom prst="rect">
+            <a:avLst/>
+          </a:prstGeom>
+        </p:spPr>
+      </p:pic>
+      <mc:AlternateContent xmlns:mc="http://schemas.openxmlformats.org/markup-compatibility/2006">
+        <mc:Choice xmlns:a14="http://schemas.microsoft.com/office/drawing/2010/main" Requires="a14">
+          <p:sp>
+            <p:nvSpPr>
+              <p:cNvPr id="4" name="pole tekstowe 3"/>
+              <p:cNvSpPr txBox="1"/>
+              <p:nvPr/>
+            </p:nvSpPr>
+            <p:spPr>
+              <a:xfrm>
+                <a:off x="3028451" y="6309320"/>
+                <a:ext cx="6912768" cy="461665"/>
+              </a:xfrm>
+              <a:prstGeom prst="rect">
+                <a:avLst/>
+              </a:prstGeom>
+              <a:noFill/>
+            </p:spPr>
+            <p:txBody>
+              <a:bodyPr wrap="square" rtlCol="0">
+                <a:spAutoFit/>
+              </a:bodyPr>
+              <a:lstStyle/>
+              <a:p>
+                <a:r>
+                  <a:rPr lang="pl-PL" sz="1200" dirty="0" smtClean="0"/>
+                  <a:t>Wykres przedstawia </a:t>
+                </a:r>
+                <a:r>
+                  <a:rPr lang="pl-PL" sz="1200" dirty="0" smtClean="0"/>
+                  <a:t>wartość normy </a:t>
+                </a:r>
+                <a14:m>
+                  <m:oMath xmlns:m="http://schemas.openxmlformats.org/officeDocument/2006/math">
+                    <m:d>
+                      <m:dPr>
+                        <m:begChr m:val="‖"/>
+                        <m:endChr m:val="‖"/>
+                        <m:ctrlPr>
+                          <a:rPr lang="pl-PL" sz="1200" i="1">
+                            <a:latin typeface="Cambria Math" panose="02040503050406030204" pitchFamily="18" charset="0"/>
+                          </a:rPr>
+                        </m:ctrlPr>
+                      </m:dPr>
+                      <m:e>
+                        <m:r>
+                          <a:rPr lang="pl-PL" sz="1200" i="1">
+                            <a:latin typeface="Cambria Math" panose="02040503050406030204" pitchFamily="18" charset="0"/>
+                          </a:rPr>
+                          <m:t>𝐴𝑥</m:t>
+                        </m:r>
+                        <m:r>
+                          <a:rPr lang="pl-PL" sz="1200" i="1">
+                            <a:latin typeface="Cambria Math" panose="02040503050406030204" pitchFamily="18" charset="0"/>
+                          </a:rPr>
+                          <m:t> −</m:t>
+                        </m:r>
+                        <m:r>
+                          <a:rPr lang="pl-PL" sz="1200" i="1">
+                            <a:latin typeface="Cambria Math" panose="02040503050406030204" pitchFamily="18" charset="0"/>
+                          </a:rPr>
+                          <m:t>𝑏</m:t>
+                        </m:r>
+                      </m:e>
+                    </m:d>
+                  </m:oMath>
+                </a14:m>
+                <a:r>
+                  <a:rPr lang="pl-PL" sz="1200" dirty="0" smtClean="0"/>
+                  <a:t> w </a:t>
+                </a:r>
+                <a:r>
+                  <a:rPr lang="pl-PL" sz="1200" dirty="0" smtClean="0"/>
+                  <a:t>funkcji </a:t>
+                </a:r>
+                <a:r>
+                  <a:rPr lang="pl-PL" sz="1200" dirty="0" smtClean="0"/>
+                  <a:t>rozmiaru </a:t>
+                </a:r>
+                <a14:m>
+                  <m:oMath xmlns:m="http://schemas.openxmlformats.org/officeDocument/2006/math">
+                    <m:r>
+                      <a:rPr lang="pl-PL" sz="1200" i="1">
+                        <a:latin typeface="Cambria Math" panose="02040503050406030204" pitchFamily="18" charset="0"/>
+                      </a:rPr>
+                      <m:t>𝑛</m:t>
+                    </m:r>
+                    <m:r>
+                      <a:rPr lang="pl-PL" sz="1200" i="1">
+                        <a:latin typeface="Cambria Math" panose="02040503050406030204" pitchFamily="18" charset="0"/>
+                      </a:rPr>
+                      <m:t> </m:t>
+                    </m:r>
+                  </m:oMath>
+                </a14:m>
+                <a:r>
+                  <a:rPr lang="pl-PL" sz="1200" dirty="0" smtClean="0"/>
+                  <a:t>macierzy układu dla rozkładu </a:t>
+                </a:r>
+                <a14:m>
+                  <m:oMath xmlns:m="http://schemas.openxmlformats.org/officeDocument/2006/math">
+                    <m:r>
+                      <a:rPr lang="pl-PL" sz="1200" i="1" dirty="0" smtClean="0">
+                        <a:latin typeface="Cambria Math" panose="02040503050406030204" pitchFamily="18" charset="0"/>
+                      </a:rPr>
+                      <m:t>𝐿𝑈</m:t>
+                    </m:r>
+                  </m:oMath>
+                </a14:m>
+                <a:r>
+                  <a:rPr lang="pl-PL" sz="1200" dirty="0" smtClean="0"/>
+                  <a:t> i transformacji </a:t>
+                </a:r>
+                <a:r>
+                  <a:rPr lang="pl-PL" sz="1200" dirty="0" err="1" smtClean="0"/>
+                  <a:t>Householdera</a:t>
+                </a:r>
+                <a:r>
+                  <a:rPr lang="pl-PL" sz="1200" dirty="0" smtClean="0"/>
+                  <a:t>.</a:t>
+                </a:r>
+                <a:endParaRPr lang="pl-PL" sz="1200" dirty="0"/>
+              </a:p>
+            </p:txBody>
+          </p:sp>
+        </mc:Choice>
+        <mc:Fallback>
+          <p:sp>
+            <p:nvSpPr>
+              <p:cNvPr id="4" name="pole tekstowe 3"/>
+              <p:cNvSpPr txBox="1">
+                <a:spLocks noRot="1" noChangeAspect="1" noMove="1" noResize="1" noEditPoints="1" noAdjustHandles="1" noChangeArrowheads="1" noChangeShapeType="1" noTextEdit="1"/>
+              </p:cNvSpPr>
+              <p:nvPr/>
+            </p:nvSpPr>
+            <p:spPr>
+              <a:xfrm>
+                <a:off x="3028451" y="6309320"/>
+                <a:ext cx="6912768" cy="461665"/>
+              </a:xfrm>
+              <a:prstGeom prst="rect">
+                <a:avLst/>
+              </a:prstGeom>
+              <a:blipFill>
+                <a:blip r:embed="rId4"/>
+                <a:stretch>
+                  <a:fillRect l="-88" t="-2632" b="-7895"/>
+                </a:stretch>
+              </a:blipFill>
+            </p:spPr>
+            <p:txBody>
+              <a:bodyPr/>
+              <a:lstStyle/>
+              <a:p>
+                <a:r>
+                  <a:rPr lang="pl-PL">
+                    <a:noFill/>
+                  </a:rPr>
+                  <a:t> </a:t>
+                </a:r>
+              </a:p>
+            </p:txBody>
+          </p:sp>
+        </mc:Fallback>
+      </mc:AlternateContent>
     </p:spTree>
     <p:extLst>
       <p:ext uri="{BB962C8B-B14F-4D97-AF65-F5344CB8AC3E}">
-        <p14:creationId xmlns:p14="http://schemas.microsoft.com/office/powerpoint/2010/main" val="115581895"/>
+        <p14:creationId xmlns:p14="http://schemas.microsoft.com/office/powerpoint/2010/main" val="1692969186"/>
       </p:ext>
     </p:extLst>
   </p:cSld>
@@ -21714,13 +20648,6 @@
       </p:transition>
     </mc:Fallback>
   </mc:AlternateContent>
-  <p:timing>
-    <p:tnLst>
-      <p:par>
-        <p:cTn id="1" dur="indefinite" restart="never" nodeType="tmRoot"/>
-      </p:par>
-    </p:tnLst>
-  </p:timing>
 </p:sld>
 </file>
 

--- a/Project2/Presentation/P2Z20_AGR.pptx
+++ b/Project2/Presentation/P2Z20_AGR.pptx
@@ -5,10 +5,10 @@
     <p:sldMasterId id="2147483648" r:id="rId1"/>
   </p:sldMasterIdLst>
   <p:notesMasterIdLst>
-    <p:notesMasterId r:id="rId26"/>
+    <p:notesMasterId r:id="rId27"/>
   </p:notesMasterIdLst>
   <p:handoutMasterIdLst>
-    <p:handoutMasterId r:id="rId27"/>
+    <p:handoutMasterId r:id="rId28"/>
   </p:handoutMasterIdLst>
   <p:sldIdLst>
     <p:sldId id="256" r:id="rId2"/>
@@ -35,6 +35,7 @@
     <p:sldId id="312" r:id="rId23"/>
     <p:sldId id="311" r:id="rId24"/>
     <p:sldId id="313" r:id="rId25"/>
+    <p:sldId id="315" r:id="rId26"/>
   </p:sldIdLst>
   <p:sldSz cx="12188825" cy="6858000"/>
   <p:notesSz cx="6858000" cy="9144000"/>
@@ -7933,8 +7934,8 @@
           <a:chExt cx="0" cy="0"/>
         </a:xfrm>
       </p:grpSpPr>
-      <mc:AlternateContent xmlns:mc="http://schemas.openxmlformats.org/markup-compatibility/2006" xmlns:a14="http://schemas.microsoft.com/office/drawing/2010/main">
-        <mc:Choice Requires="a14">
+      <mc:AlternateContent xmlns:mc="http://schemas.openxmlformats.org/markup-compatibility/2006">
+        <mc:Choice xmlns:a14="http://schemas.microsoft.com/office/drawing/2010/main" Requires="a14">
           <p:sp>
             <p:nvSpPr>
               <p:cNvPr id="2" name="Tytuł 1"/>
@@ -7972,7 +7973,15 @@
                     <a:ea typeface="Cambria Math" panose="02040503050406030204" pitchFamily="18" charset="0"/>
                     <a:cs typeface="Calibri" panose="020F0502020204030204" pitchFamily="34" charset="0"/>
                   </a:rPr>
-                  <a:t>Obliczanie wskaźnika uwarunkowanie trójprzekątniowej, symetrycznej i rzeczywistej macierzy </a:t>
+                  <a:t>Obliczanie wskaźnika uwarunkowania </a:t>
+                </a:r>
+                <a:r>
+                  <a:rPr lang="pl-PL" sz="2400" dirty="0" smtClean="0">
+                    <a:latin typeface="Calibri" panose="020F0502020204030204" pitchFamily="34" charset="0"/>
+                    <a:ea typeface="Cambria Math" panose="02040503050406030204" pitchFamily="18" charset="0"/>
+                    <a:cs typeface="Calibri" panose="020F0502020204030204" pitchFamily="34" charset="0"/>
+                  </a:rPr>
+                  <a:t>trójprzekątniowej, symetrycznej i rzeczywistej macierzy </a:t>
                 </a:r>
                 <a14:m>
                   <m:oMath xmlns:m="http://schemas.openxmlformats.org/officeDocument/2006/math">
@@ -8078,41 +8087,10 @@
                           </m:ctrlPr>
                         </m:fPr>
                         <m:num>
-                          <m:sSub>
-                            <m:sSubPr>
-                              <m:ctrlPr>
-                                <a:rPr lang="pl-PL" sz="2400" i="1" smtClean="0">
-                                  <a:latin typeface="Cambria Math" panose="02040503050406030204" pitchFamily="18" charset="0"/>
-                                  <a:ea typeface="Cambria Math" panose="02040503050406030204" pitchFamily="18" charset="0"/>
-                                  <a:cs typeface="Calibri" panose="020F0502020204030204" pitchFamily="34" charset="0"/>
-                                </a:rPr>
-                              </m:ctrlPr>
-                            </m:sSubPr>
-                            <m:e>
-                              <m:r>
-                                <a:rPr lang="pl-PL" sz="2400" i="1" smtClean="0">
-                                  <a:latin typeface="Cambria Math" panose="02040503050406030204" pitchFamily="18" charset="0"/>
-                                  <a:ea typeface="Cambria Math" panose="02040503050406030204" pitchFamily="18" charset="0"/>
-                                  <a:cs typeface="Calibri" panose="020F0502020204030204" pitchFamily="34" charset="0"/>
-                                </a:rPr>
-                                <m:t>𝜆</m:t>
-                              </m:r>
-                            </m:e>
-                            <m:sub>
-                              <m:r>
-                                <a:rPr lang="pl-PL" sz="2400" b="0" i="1" smtClean="0">
-                                  <a:latin typeface="Cambria Math" panose="02040503050406030204" pitchFamily="18" charset="0"/>
-                                  <a:ea typeface="Cambria Math" panose="02040503050406030204" pitchFamily="18" charset="0"/>
-                                  <a:cs typeface="Calibri" panose="020F0502020204030204" pitchFamily="34" charset="0"/>
-                                </a:rPr>
-                                <m:t>𝑚𝑎𝑥</m:t>
-                              </m:r>
-                            </m:sub>
-                          </m:sSub>
-                        </m:num>
-                        <m:den>
-                          <m:sSub>
-                            <m:sSubPr>
+                          <m:d>
+                            <m:dPr>
+                              <m:begChr m:val="|"/>
+                              <m:endChr m:val="|"/>
                               <m:ctrlPr>
                                 <a:rPr lang="pl-PL" sz="2400" i="1">
                                   <a:latin typeface="Cambria Math" panose="02040503050406030204" pitchFamily="18" charset="0"/>
@@ -8120,36 +8098,97 @@
                                   <a:cs typeface="Calibri" panose="020F0502020204030204" pitchFamily="34" charset="0"/>
                                 </a:rPr>
                               </m:ctrlPr>
-                            </m:sSubPr>
+                            </m:dPr>
                             <m:e>
-                              <m:r>
+                              <m:sSub>
+                                <m:sSubPr>
+                                  <m:ctrlPr>
+                                    <a:rPr lang="pl-PL" sz="2400" i="1">
+                                      <a:latin typeface="Cambria Math" panose="02040503050406030204" pitchFamily="18" charset="0"/>
+                                      <a:ea typeface="Cambria Math" panose="02040503050406030204" pitchFamily="18" charset="0"/>
+                                      <a:cs typeface="Calibri" panose="020F0502020204030204" pitchFamily="34" charset="0"/>
+                                    </a:rPr>
+                                  </m:ctrlPr>
+                                </m:sSubPr>
+                                <m:e>
+                                  <m:r>
+                                    <a:rPr lang="pl-PL" sz="2400" i="1">
+                                      <a:latin typeface="Cambria Math" panose="02040503050406030204" pitchFamily="18" charset="0"/>
+                                      <a:ea typeface="Cambria Math" panose="02040503050406030204" pitchFamily="18" charset="0"/>
+                                      <a:cs typeface="Calibri" panose="020F0502020204030204" pitchFamily="34" charset="0"/>
+                                    </a:rPr>
+                                    <m:t>𝜆</m:t>
+                                  </m:r>
+                                </m:e>
+                                <m:sub>
+                                  <m:r>
+                                    <a:rPr lang="pl-PL" sz="2400" i="1">
+                                      <a:latin typeface="Cambria Math" panose="02040503050406030204" pitchFamily="18" charset="0"/>
+                                      <a:ea typeface="Cambria Math" panose="02040503050406030204" pitchFamily="18" charset="0"/>
+                                      <a:cs typeface="Calibri" panose="020F0502020204030204" pitchFamily="34" charset="0"/>
+                                    </a:rPr>
+                                    <m:t>𝑚𝑎𝑥</m:t>
+                                  </m:r>
+                                </m:sub>
+                              </m:sSub>
+                            </m:e>
+                          </m:d>
+                        </m:num>
+                        <m:den>
+                          <m:d>
+                            <m:dPr>
+                              <m:begChr m:val="|"/>
+                              <m:endChr m:val="|"/>
+                              <m:ctrlPr>
                                 <a:rPr lang="pl-PL" sz="2400" i="1">
                                   <a:latin typeface="Cambria Math" panose="02040503050406030204" pitchFamily="18" charset="0"/>
                                   <a:ea typeface="Cambria Math" panose="02040503050406030204" pitchFamily="18" charset="0"/>
                                   <a:cs typeface="Calibri" panose="020F0502020204030204" pitchFamily="34" charset="0"/>
                                 </a:rPr>
-                                <m:t>𝜆</m:t>
-                              </m:r>
+                              </m:ctrlPr>
+                            </m:dPr>
+                            <m:e>
+                              <m:sSub>
+                                <m:sSubPr>
+                                  <m:ctrlPr>
+                                    <a:rPr lang="pl-PL" sz="2400" i="1">
+                                      <a:latin typeface="Cambria Math" panose="02040503050406030204" pitchFamily="18" charset="0"/>
+                                      <a:ea typeface="Cambria Math" panose="02040503050406030204" pitchFamily="18" charset="0"/>
+                                      <a:cs typeface="Calibri" panose="020F0502020204030204" pitchFamily="34" charset="0"/>
+                                    </a:rPr>
+                                  </m:ctrlPr>
+                                </m:sSubPr>
+                                <m:e>
+                                  <m:r>
+                                    <a:rPr lang="pl-PL" sz="2400" i="1">
+                                      <a:latin typeface="Cambria Math" panose="02040503050406030204" pitchFamily="18" charset="0"/>
+                                      <a:ea typeface="Cambria Math" panose="02040503050406030204" pitchFamily="18" charset="0"/>
+                                      <a:cs typeface="Calibri" panose="020F0502020204030204" pitchFamily="34" charset="0"/>
+                                    </a:rPr>
+                                    <m:t>𝜆</m:t>
+                                  </m:r>
+                                </m:e>
+                                <m:sub>
+                                  <m:r>
+                                    <a:rPr lang="pl-PL" sz="2400" i="1">
+                                      <a:latin typeface="Cambria Math" panose="02040503050406030204" pitchFamily="18" charset="0"/>
+                                      <a:ea typeface="Cambria Math" panose="02040503050406030204" pitchFamily="18" charset="0"/>
+                                      <a:cs typeface="Calibri" panose="020F0502020204030204" pitchFamily="34" charset="0"/>
+                                    </a:rPr>
+                                    <m:t>𝑚</m:t>
+                                  </m:r>
+                                  <m:r>
+                                    <a:rPr lang="pl-PL" sz="2400" b="0" i="1" smtClean="0">
+                                      <a:latin typeface="Cambria Math" panose="02040503050406030204" pitchFamily="18" charset="0"/>
+                                      <a:ea typeface="Cambria Math" panose="02040503050406030204" pitchFamily="18" charset="0"/>
+                                      <a:cs typeface="Calibri" panose="020F0502020204030204" pitchFamily="34" charset="0"/>
+                                    </a:rPr>
+                                    <m:t>𝑖𝑛</m:t>
+                                  </m:r>
+                                </m:sub>
+                              </m:sSub>
                             </m:e>
-                            <m:sub>
-                              <m:r>
-                                <a:rPr lang="pl-PL" sz="2400" i="1">
-                                  <a:latin typeface="Cambria Math" panose="02040503050406030204" pitchFamily="18" charset="0"/>
-                                  <a:ea typeface="Cambria Math" panose="02040503050406030204" pitchFamily="18" charset="0"/>
-                                  <a:cs typeface="Calibri" panose="020F0502020204030204" pitchFamily="34" charset="0"/>
-                                </a:rPr>
-                                <m:t>𝑚</m:t>
-                              </m:r>
-                              <m:r>
-                                <a:rPr lang="pl-PL" sz="2400" b="0" i="1" smtClean="0">
-                                  <a:latin typeface="Cambria Math" panose="02040503050406030204" pitchFamily="18" charset="0"/>
-                                  <a:ea typeface="Cambria Math" panose="02040503050406030204" pitchFamily="18" charset="0"/>
-                                  <a:cs typeface="Calibri" panose="020F0502020204030204" pitchFamily="34" charset="0"/>
-                                </a:rPr>
-                                <m:t>𝑖𝑛</m:t>
-                              </m:r>
-                            </m:sub>
-                          </m:sSub>
+                          </m:d>
                         </m:den>
                       </m:f>
                     </m:oMath>
@@ -8355,7 +8394,7 @@
             </p:txBody>
           </p:sp>
         </mc:Choice>
-        <mc:Fallback xmlns="">
+        <mc:Fallback>
           <p:sp>
             <p:nvSpPr>
               <p:cNvPr id="2" name="Tytuł 1"/>
@@ -8374,7 +8413,7 @@
               <a:blipFill>
                 <a:blip r:embed="rId3"/>
                 <a:stretch>
-                  <a:fillRect l="-1101" t="-160" r="-1514" b="-3674"/>
+                  <a:fillRect l="-1101" t="-479" r="-1445" b="-3674"/>
                 </a:stretch>
               </a:blipFill>
             </p:spPr>
@@ -11585,8 +11624,8 @@
           <a:chExt cx="0" cy="0"/>
         </a:xfrm>
       </p:grpSpPr>
-      <mc:AlternateContent xmlns:mc="http://schemas.openxmlformats.org/markup-compatibility/2006" xmlns:a14="http://schemas.microsoft.com/office/drawing/2010/main">
-        <mc:Choice Requires="a14">
+      <mc:AlternateContent xmlns:mc="http://schemas.openxmlformats.org/markup-compatibility/2006">
+        <mc:Choice xmlns:a14="http://schemas.microsoft.com/office/drawing/2010/main" Requires="a14">
           <p:sp>
             <p:nvSpPr>
               <p:cNvPr id="3" name="Symbol zastępczy zawartości 2"/>
@@ -11600,7 +11639,7 @@
             <p:spPr>
               <a:xfrm>
                 <a:off x="1629916" y="2132856"/>
-                <a:ext cx="8496944" cy="4032448"/>
+                <a:ext cx="8496944" cy="2376264"/>
               </a:xfrm>
             </p:spPr>
             <p:txBody>
@@ -11751,7 +11790,15 @@
                 </a14:m>
                 <a:r>
                   <a:rPr lang="pl-PL" sz="2400" dirty="0" smtClean="0"/>
-                  <a:t>	- niezerowy wektor, ortogonalny do hiperpłaszczyzny 	  	  względem której ma nastąpić odbicie</a:t>
+                  <a:t>	- niezerowy wektor, ortogonalny do </a:t>
+                </a:r>
+                <a:r>
+                  <a:rPr lang="pl-PL" sz="2400" dirty="0" smtClean="0"/>
+                  <a:t>hiperpłaszczyzny, </a:t>
+                </a:r>
+                <a:r>
+                  <a:rPr lang="pl-PL" sz="2400" dirty="0" smtClean="0"/>
+                  <a:t>	  	  względem której ma nastąpić odbicie</a:t>
                 </a:r>
               </a:p>
               <a:p>
@@ -11763,7 +11810,7 @@
             </p:txBody>
           </p:sp>
         </mc:Choice>
-        <mc:Fallback xmlns="">
+        <mc:Fallback>
           <p:sp>
             <p:nvSpPr>
               <p:cNvPr id="3" name="Symbol zastępczy zawartości 2"/>
@@ -11777,7 +11824,7 @@
             <p:spPr>
               <a:xfrm>
                 <a:off x="1629916" y="2132856"/>
-                <a:ext cx="8496944" cy="4032448"/>
+                <a:ext cx="8496944" cy="2376264"/>
               </a:xfrm>
               <a:blipFill>
                 <a:blip r:embed="rId2"/>
@@ -12500,6 +12547,13 @@
       </p:transition>
     </mc:Fallback>
   </mc:AlternateContent>
+  <p:timing>
+    <p:tnLst>
+      <p:par>
+        <p:cTn id="1" dur="indefinite" restart="never" nodeType="tmRoot"/>
+      </p:par>
+    </p:tnLst>
+  </p:timing>
 </p:sld>
 </file>
 
@@ -19586,6 +19640,13 @@
       </p:transition>
     </mc:Fallback>
   </mc:AlternateContent>
+  <p:timing>
+    <p:tnLst>
+      <p:par>
+        <p:cTn id="1" dur="indefinite" restart="never" nodeType="tmRoot"/>
+      </p:par>
+    </p:tnLst>
+  </p:timing>
 </p:sld>
 </file>
 
@@ -20018,6 +20079,13 @@
       </p:transition>
     </mc:Fallback>
   </mc:AlternateContent>
+  <p:timing>
+    <p:tnLst>
+      <p:par>
+        <p:cTn id="1" dur="indefinite" restart="never" nodeType="tmRoot"/>
+      </p:par>
+    </p:tnLst>
+  </p:timing>
 </p:sld>
 </file>
 
@@ -20166,8 +20234,8 @@
           </a:prstGeom>
         </p:spPr>
       </p:pic>
-      <mc:AlternateContent xmlns:mc="http://schemas.openxmlformats.org/markup-compatibility/2006" xmlns:a14="http://schemas.microsoft.com/office/drawing/2010/main">
-        <mc:Choice Requires="a14">
+      <mc:AlternateContent xmlns:mc="http://schemas.openxmlformats.org/markup-compatibility/2006">
+        <mc:Choice xmlns:a14="http://schemas.microsoft.com/office/drawing/2010/main" Requires="a14">
           <p:sp>
             <p:nvSpPr>
               <p:cNvPr id="5" name="pole tekstowe 4"/>
@@ -20192,7 +20260,15 @@
               <a:p>
                 <a:r>
                   <a:rPr lang="pl-PL" sz="1200" dirty="0" smtClean="0"/>
-                  <a:t>Wykres przedstawia czas wykonania metody potęgowej dla macierzy o rozmiarze </a:t>
+                  <a:t>Wykres przedstawia czas wykonania </a:t>
+                </a:r>
+                <a:r>
+                  <a:rPr lang="pl-PL" sz="1200" dirty="0" smtClean="0"/>
+                  <a:t>odwrotnej metody </a:t>
+                </a:r>
+                <a:r>
+                  <a:rPr lang="pl-PL" sz="1200" dirty="0" smtClean="0"/>
+                  <a:t>potęgowej dla macierzy o rozmiarze </a:t>
                 </a:r>
                 <a14:m>
                   <m:oMath xmlns:m="http://schemas.openxmlformats.org/officeDocument/2006/math">
@@ -20240,7 +20316,7 @@
             </p:txBody>
           </p:sp>
         </mc:Choice>
-        <mc:Fallback xmlns="">
+        <mc:Fallback>
           <p:sp>
             <p:nvSpPr>
               <p:cNvPr id="5" name="pole tekstowe 4"/>
@@ -20301,6 +20377,13 @@
       </p:transition>
     </mc:Fallback>
   </mc:AlternateContent>
+  <p:timing>
+    <p:tnLst>
+      <p:par>
+        <p:cTn id="1" dur="indefinite" restart="never" nodeType="tmRoot"/>
+      </p:par>
+    </p:tnLst>
+  </p:timing>
 </p:sld>
 </file>
 
@@ -20321,8 +20404,8 @@
           <a:chExt cx="0" cy="0"/>
         </a:xfrm>
       </p:grpSpPr>
-      <mc:AlternateContent xmlns:mc="http://schemas.openxmlformats.org/markup-compatibility/2006">
-        <mc:Choice xmlns:a14="http://schemas.microsoft.com/office/drawing/2010/main" Requires="a14">
+      <mc:AlternateContent xmlns:mc="http://schemas.openxmlformats.org/markup-compatibility/2006" xmlns:a14="http://schemas.microsoft.com/office/drawing/2010/main">
+        <mc:Choice Requires="a14">
           <p:sp>
             <p:nvSpPr>
               <p:cNvPr id="2" name="Tytuł 1"/>
@@ -20393,7 +20476,7 @@
             </p:txBody>
           </p:sp>
         </mc:Choice>
-        <mc:Fallback>
+        <mc:Fallback xmlns="">
           <p:sp>
             <p:nvSpPr>
               <p:cNvPr id="2" name="Tytuł 1"/>
@@ -20461,8 +20544,8 @@
           </a:prstGeom>
         </p:spPr>
       </p:pic>
-      <mc:AlternateContent xmlns:mc="http://schemas.openxmlformats.org/markup-compatibility/2006">
-        <mc:Choice xmlns:a14="http://schemas.microsoft.com/office/drawing/2010/main" Requires="a14">
+      <mc:AlternateContent xmlns:mc="http://schemas.openxmlformats.org/markup-compatibility/2006" xmlns:a14="http://schemas.microsoft.com/office/drawing/2010/main">
+        <mc:Choice Requires="a14">
           <p:sp>
             <p:nvSpPr>
               <p:cNvPr id="4" name="pole tekstowe 3"/>
@@ -20487,11 +20570,7 @@
               <a:p>
                 <a:r>
                   <a:rPr lang="pl-PL" sz="1200" dirty="0" smtClean="0"/>
-                  <a:t>Wykres przedstawia </a:t>
-                </a:r>
-                <a:r>
-                  <a:rPr lang="pl-PL" sz="1200" dirty="0" smtClean="0"/>
-                  <a:t>wartość normy </a:t>
+                  <a:t>Wykres przedstawia wartość normy </a:t>
                 </a:r>
                 <a14:m>
                   <m:oMath xmlns:m="http://schemas.openxmlformats.org/officeDocument/2006/math">
@@ -20530,15 +20609,7 @@
                 </a14:m>
                 <a:r>
                   <a:rPr lang="pl-PL" sz="1200" dirty="0" smtClean="0"/>
-                  <a:t> w </a:t>
-                </a:r>
-                <a:r>
-                  <a:rPr lang="pl-PL" sz="1200" dirty="0" smtClean="0"/>
-                  <a:t>funkcji </a:t>
-                </a:r>
-                <a:r>
-                  <a:rPr lang="pl-PL" sz="1200" dirty="0" smtClean="0"/>
-                  <a:t>rozmiaru </a:t>
+                  <a:t> w funkcji rozmiaru </a:t>
                 </a:r>
                 <a14:m>
                   <m:oMath xmlns:m="http://schemas.openxmlformats.org/officeDocument/2006/math">
@@ -20587,7 +20658,7 @@
             </p:txBody>
           </p:sp>
         </mc:Choice>
-        <mc:Fallback>
+        <mc:Fallback xmlns="">
           <p:sp>
             <p:nvSpPr>
               <p:cNvPr id="4" name="pole tekstowe 3"/>
@@ -20630,6 +20701,216 @@
     <p:extLst>
       <p:ext uri="{BB962C8B-B14F-4D97-AF65-F5344CB8AC3E}">
         <p14:creationId xmlns:p14="http://schemas.microsoft.com/office/powerpoint/2010/main" val="1692969186"/>
+      </p:ext>
+    </p:extLst>
+  </p:cSld>
+  <p:clrMapOvr>
+    <a:masterClrMapping/>
+  </p:clrMapOvr>
+  <mc:AlternateContent xmlns:mc="http://schemas.openxmlformats.org/markup-compatibility/2006" xmlns:p14="http://schemas.microsoft.com/office/powerpoint/2010/main">
+    <mc:Choice Requires="p14">
+      <p:transition spd="med" p14:dur="700">
+        <p:fade/>
+      </p:transition>
+    </mc:Choice>
+    <mc:Fallback xmlns="">
+      <p:transition spd="med">
+        <p:fade/>
+      </p:transition>
+    </mc:Fallback>
+  </mc:AlternateContent>
+  <p:timing>
+    <p:tnLst>
+      <p:par>
+        <p:cTn id="1" dur="indefinite" restart="never" nodeType="tmRoot"/>
+      </p:par>
+    </p:tnLst>
+  </p:timing>
+</p:sld>
+</file>
+
+<file path=ppt/slides/slide25.xml><?xml version="1.0" encoding="utf-8"?>
+<p:sld xmlns:a="http://schemas.openxmlformats.org/drawingml/2006/main" xmlns:r="http://schemas.openxmlformats.org/officeDocument/2006/relationships" xmlns:p="http://schemas.openxmlformats.org/presentationml/2006/main">
+  <p:cSld>
+    <p:spTree>
+      <p:nvGrpSpPr>
+        <p:cNvPr id="1" name=""/>
+        <p:cNvGrpSpPr/>
+        <p:nvPr/>
+      </p:nvGrpSpPr>
+      <p:grpSpPr>
+        <a:xfrm>
+          <a:off x="0" y="0"/>
+          <a:ext cx="0" cy="0"/>
+          <a:chOff x="0" y="0"/>
+          <a:chExt cx="0" cy="0"/>
+        </a:xfrm>
+      </p:grpSpPr>
+      <p:sp>
+        <p:nvSpPr>
+          <p:cNvPr id="2" name="Tytuł 1"/>
+          <p:cNvSpPr>
+            <a:spLocks noGrp="1"/>
+          </p:cNvSpPr>
+          <p:nvPr>
+            <p:ph type="title"/>
+          </p:nvPr>
+        </p:nvSpPr>
+        <p:spPr/>
+        <p:txBody>
+          <a:bodyPr/>
+          <a:lstStyle/>
+          <a:p>
+            <a:r>
+              <a:rPr lang="pl-PL" dirty="0" smtClean="0"/>
+              <a:t>Wnioski:</a:t>
+            </a:r>
+            <a:endParaRPr lang="pl-PL" dirty="0"/>
+          </a:p>
+        </p:txBody>
+      </p:sp>
+      <mc:AlternateContent xmlns:mc="http://schemas.openxmlformats.org/markup-compatibility/2006">
+        <mc:Choice xmlns:a14="http://schemas.microsoft.com/office/drawing/2010/main" Requires="a14">
+          <p:sp>
+            <p:nvSpPr>
+              <p:cNvPr id="3" name="Symbol zastępczy zawartości 2"/>
+              <p:cNvSpPr>
+                <a:spLocks noGrp="1"/>
+              </p:cNvSpPr>
+              <p:nvPr>
+                <p:ph idx="1"/>
+              </p:nvPr>
+            </p:nvSpPr>
+            <p:spPr>
+              <a:xfrm>
+                <a:off x="1593436" y="1600200"/>
+                <a:ext cx="9782801" cy="2620888"/>
+              </a:xfrm>
+            </p:spPr>
+            <p:txBody>
+              <a:bodyPr>
+                <a:normAutofit/>
+              </a:bodyPr>
+              <a:lstStyle/>
+              <a:p>
+                <a:r>
+                  <a:rPr lang="pl-PL" sz="2400" dirty="0" smtClean="0"/>
+                  <a:t>Implementacja rozkładu LU była dla mnie znacząco prostsza niż implementacja transformacji </a:t>
+                </a:r>
+                <a:r>
+                  <a:rPr lang="pl-PL" sz="2400" dirty="0" err="1" smtClean="0"/>
+                  <a:t>Householdera</a:t>
+                </a:r>
+                <a:r>
+                  <a:rPr lang="pl-PL" sz="2400" dirty="0" smtClean="0"/>
+                  <a:t>.</a:t>
+                </a:r>
+              </a:p>
+              <a:p>
+                <a:r>
+                  <a:rPr lang="pl-PL" sz="2400" dirty="0" smtClean="0"/>
+                  <a:t>Czas obliczeniowy dla rozkład LU jest średnio dwukrotnie krótszy niż czas obliczeniowy transformacji </a:t>
+                </a:r>
+                <a:r>
+                  <a:rPr lang="pl-PL" sz="2400" dirty="0" err="1" smtClean="0"/>
+                  <a:t>Householdera</a:t>
+                </a:r>
+                <a:r>
+                  <a:rPr lang="pl-PL" sz="2400" dirty="0" smtClean="0"/>
+                  <a:t>.</a:t>
+                </a:r>
+              </a:p>
+              <a:p>
+                <a:r>
+                  <a:rPr lang="pl-PL" sz="2400" dirty="0" smtClean="0"/>
+                  <a:t>Rozkład LU wydaje się dawać średnio mniejszy błąd w postaci normy </a:t>
+                </a:r>
+                <a14:m>
+                  <m:oMath xmlns:m="http://schemas.openxmlformats.org/officeDocument/2006/math">
+                    <m:d>
+                      <m:dPr>
+                        <m:begChr m:val="‖"/>
+                        <m:endChr m:val="‖"/>
+                        <m:ctrlPr>
+                          <a:rPr lang="pl-PL" sz="2400" i="1">
+                            <a:latin typeface="Cambria Math" panose="02040503050406030204" pitchFamily="18" charset="0"/>
+                          </a:rPr>
+                        </m:ctrlPr>
+                      </m:dPr>
+                      <m:e>
+                        <m:r>
+                          <a:rPr lang="pl-PL" sz="2400" i="1">
+                            <a:latin typeface="Cambria Math" panose="02040503050406030204" pitchFamily="18" charset="0"/>
+                          </a:rPr>
+                          <m:t>𝐴𝑥</m:t>
+                        </m:r>
+                        <m:r>
+                          <a:rPr lang="pl-PL" sz="2400" i="1">
+                            <a:latin typeface="Cambria Math" panose="02040503050406030204" pitchFamily="18" charset="0"/>
+                          </a:rPr>
+                          <m:t> −</m:t>
+                        </m:r>
+                        <m:r>
+                          <a:rPr lang="pl-PL" sz="2400" i="1">
+                            <a:latin typeface="Cambria Math" panose="02040503050406030204" pitchFamily="18" charset="0"/>
+                          </a:rPr>
+                          <m:t>𝑏</m:t>
+                        </m:r>
+                      </m:e>
+                    </m:d>
+                  </m:oMath>
+                </a14:m>
+                <a:r>
+                  <a:rPr lang="pl-PL" sz="2400" dirty="0" smtClean="0"/>
+                  <a:t>.</a:t>
+                </a:r>
+                <a:endParaRPr lang="pl-PL" sz="2400" dirty="0"/>
+              </a:p>
+            </p:txBody>
+          </p:sp>
+        </mc:Choice>
+        <mc:Fallback>
+          <p:sp>
+            <p:nvSpPr>
+              <p:cNvPr id="3" name="Symbol zastępczy zawartości 2"/>
+              <p:cNvSpPr>
+                <a:spLocks noGrp="1" noRot="1" noChangeAspect="1" noMove="1" noResize="1" noEditPoints="1" noAdjustHandles="1" noChangeArrowheads="1" noChangeShapeType="1" noTextEdit="1"/>
+              </p:cNvSpPr>
+              <p:nvPr>
+                <p:ph idx="1"/>
+              </p:nvPr>
+            </p:nvSpPr>
+            <p:spPr>
+              <a:xfrm>
+                <a:off x="1593436" y="1600200"/>
+                <a:ext cx="9782801" cy="2620888"/>
+              </a:xfrm>
+              <a:blipFill>
+                <a:blip r:embed="rId2"/>
+                <a:stretch>
+                  <a:fillRect l="-810" t="-3030" r="-1059"/>
+                </a:stretch>
+              </a:blipFill>
+            </p:spPr>
+            <p:txBody>
+              <a:bodyPr/>
+              <a:lstStyle/>
+              <a:p>
+                <a:r>
+                  <a:rPr lang="pl-PL">
+                    <a:noFill/>
+                  </a:rPr>
+                  <a:t> </a:t>
+                </a:r>
+              </a:p>
+            </p:txBody>
+          </p:sp>
+        </mc:Fallback>
+      </mc:AlternateContent>
+    </p:spTree>
+    <p:extLst>
+      <p:ext uri="{BB962C8B-B14F-4D97-AF65-F5344CB8AC3E}">
+        <p14:creationId xmlns:p14="http://schemas.microsoft.com/office/powerpoint/2010/main" val="3152126274"/>
       </p:ext>
     </p:extLst>
   </p:cSld>

--- a/Project2/Presentation/P2Z20_AGR.pptx
+++ b/Project2/Presentation/P2Z20_AGR.pptx
@@ -7934,8 +7934,8 @@
           <a:chExt cx="0" cy="0"/>
         </a:xfrm>
       </p:grpSpPr>
-      <mc:AlternateContent xmlns:mc="http://schemas.openxmlformats.org/markup-compatibility/2006">
-        <mc:Choice xmlns:a14="http://schemas.microsoft.com/office/drawing/2010/main" Requires="a14">
+      <mc:AlternateContent xmlns:mc="http://schemas.openxmlformats.org/markup-compatibility/2006" xmlns:a14="http://schemas.microsoft.com/office/drawing/2010/main">
+        <mc:Choice Requires="a14">
           <p:sp>
             <p:nvSpPr>
               <p:cNvPr id="2" name="Tytuł 1"/>
@@ -7973,15 +7973,7 @@
                     <a:ea typeface="Cambria Math" panose="02040503050406030204" pitchFamily="18" charset="0"/>
                     <a:cs typeface="Calibri" panose="020F0502020204030204" pitchFamily="34" charset="0"/>
                   </a:rPr>
-                  <a:t>Obliczanie wskaźnika uwarunkowania </a:t>
-                </a:r>
-                <a:r>
-                  <a:rPr lang="pl-PL" sz="2400" dirty="0" smtClean="0">
-                    <a:latin typeface="Calibri" panose="020F0502020204030204" pitchFamily="34" charset="0"/>
-                    <a:ea typeface="Cambria Math" panose="02040503050406030204" pitchFamily="18" charset="0"/>
-                    <a:cs typeface="Calibri" panose="020F0502020204030204" pitchFamily="34" charset="0"/>
-                  </a:rPr>
-                  <a:t>trójprzekątniowej, symetrycznej i rzeczywistej macierzy </a:t>
+                  <a:t>Obliczanie wskaźnika uwarunkowania trójprzekątniowej, symetrycznej i rzeczywistej macierzy </a:t>
                 </a:r>
                 <a14:m>
                   <m:oMath xmlns:m="http://schemas.openxmlformats.org/officeDocument/2006/math">
@@ -8394,7 +8386,7 @@
             </p:txBody>
           </p:sp>
         </mc:Choice>
-        <mc:Fallback>
+        <mc:Fallback xmlns="">
           <p:sp>
             <p:nvSpPr>
               <p:cNvPr id="2" name="Tytuł 1"/>
@@ -8588,8 +8580,8 @@
           <a:chExt cx="0" cy="0"/>
         </a:xfrm>
       </p:grpSpPr>
-      <mc:AlternateContent xmlns:mc="http://schemas.openxmlformats.org/markup-compatibility/2006" xmlns:a14="http://schemas.microsoft.com/office/drawing/2010/main">
-        <mc:Choice Requires="a14">
+      <mc:AlternateContent xmlns:mc="http://schemas.openxmlformats.org/markup-compatibility/2006">
+        <mc:Choice xmlns:a14="http://schemas.microsoft.com/office/drawing/2010/main" Requires="a14">
           <p:sp>
             <p:nvSpPr>
               <p:cNvPr id="3" name="Symbol zastępczy zawartości 2"/>
@@ -8613,7 +8605,10 @@
               <a:lstStyle/>
               <a:p>
                 <a:r>
-                  <a:rPr lang="pl-PL" sz="2400" dirty="0" smtClean="0"/>
+                  <a:rPr lang="pl-PL" sz="2400" dirty="0" smtClean="0">
+                    <a:latin typeface="Calibri" panose="020F0502020204030204" pitchFamily="34" charset="0"/>
+                    <a:cs typeface="Calibri" panose="020F0502020204030204" pitchFamily="34" charset="0"/>
+                  </a:rPr>
                   <a:t>Macierz </a:t>
                 </a:r>
                 <a14:m>
@@ -8629,7 +8624,10 @@
                   </m:oMath>
                 </a14:m>
                 <a:r>
-                  <a:rPr lang="pl-PL" sz="2400" dirty="0" smtClean="0"/>
+                  <a:rPr lang="pl-PL" sz="2400" dirty="0" smtClean="0">
+                    <a:latin typeface="Calibri" panose="020F0502020204030204" pitchFamily="34" charset="0"/>
+                    <a:cs typeface="Calibri" panose="020F0502020204030204" pitchFamily="34" charset="0"/>
+                  </a:rPr>
                   <a:t> jest nieosobliwa, czyli </a:t>
                 </a:r>
                 <a14:m>
@@ -8690,13 +8688,19 @@
                   </m:oMath>
                 </a14:m>
                 <a:r>
-                  <a:rPr lang="pl-PL" sz="2400" dirty="0" smtClean="0"/>
+                  <a:rPr lang="pl-PL" sz="2400" dirty="0" smtClean="0">
+                    <a:latin typeface="Calibri" panose="020F0502020204030204" pitchFamily="34" charset="0"/>
+                    <a:cs typeface="Calibri" panose="020F0502020204030204" pitchFamily="34" charset="0"/>
+                  </a:rPr>
                   <a:t>.</a:t>
                 </a:r>
               </a:p>
               <a:p>
                 <a:r>
-                  <a:rPr lang="pl-PL" sz="2400" dirty="0" smtClean="0"/>
+                  <a:rPr lang="pl-PL" sz="2400" dirty="0" smtClean="0">
+                    <a:latin typeface="Calibri" panose="020F0502020204030204" pitchFamily="34" charset="0"/>
+                    <a:cs typeface="Calibri" panose="020F0502020204030204" pitchFamily="34" charset="0"/>
+                  </a:rPr>
                   <a:t>Macierz </a:t>
                 </a:r>
                 <a14:m>
@@ -8712,7 +8716,10 @@
                   </m:oMath>
                 </a14:m>
                 <a:r>
-                  <a:rPr lang="pl-PL" sz="2400" dirty="0" smtClean="0"/>
+                  <a:rPr lang="pl-PL" sz="2400" dirty="0" smtClean="0">
+                    <a:latin typeface="Calibri" panose="020F0502020204030204" pitchFamily="34" charset="0"/>
+                    <a:cs typeface="Calibri" panose="020F0502020204030204" pitchFamily="34" charset="0"/>
+                  </a:rPr>
                   <a:t> posiada najmniejszą co do modułu wartość własną </a:t>
                 </a:r>
                 <a14:m>
@@ -8751,7 +8758,10 @@
                   </m:oMath>
                 </a14:m>
                 <a:r>
-                  <a:rPr lang="pl-PL" sz="2400" dirty="0" smtClean="0"/>
+                  <a:rPr lang="pl-PL" sz="2400" dirty="0" smtClean="0">
+                    <a:latin typeface="Calibri" panose="020F0502020204030204" pitchFamily="34" charset="0"/>
+                    <a:cs typeface="Calibri" panose="020F0502020204030204" pitchFamily="34" charset="0"/>
+                  </a:rPr>
                   <a:t>, czyli </a:t>
                 </a:r>
                 <a14:m>
@@ -8929,13 +8939,19 @@
                   </m:oMath>
                 </a14:m>
                 <a:r>
-                  <a:rPr lang="pl-PL" sz="2400" dirty="0" smtClean="0"/>
+                  <a:rPr lang="pl-PL" sz="2400" dirty="0" smtClean="0">
+                    <a:latin typeface="Calibri" panose="020F0502020204030204" pitchFamily="34" charset="0"/>
+                    <a:cs typeface="Calibri" panose="020F0502020204030204" pitchFamily="34" charset="0"/>
+                  </a:rPr>
                   <a:t>.</a:t>
                 </a:r>
               </a:p>
               <a:p>
                 <a:r>
-                  <a:rPr lang="pl-PL" sz="2400" dirty="0"/>
+                  <a:rPr lang="pl-PL" sz="2400" dirty="0">
+                    <a:latin typeface="Calibri" panose="020F0502020204030204" pitchFamily="34" charset="0"/>
+                    <a:cs typeface="Calibri" panose="020F0502020204030204" pitchFamily="34" charset="0"/>
+                  </a:rPr>
                   <a:t>Macierz </a:t>
                 </a:r>
                 <a14:m>
@@ -8951,7 +8967,10 @@
                   </m:oMath>
                 </a14:m>
                 <a:r>
-                  <a:rPr lang="pl-PL" sz="2400" dirty="0" smtClean="0"/>
+                  <a:rPr lang="pl-PL" sz="2400" dirty="0" smtClean="0">
+                    <a:latin typeface="Calibri" panose="020F0502020204030204" pitchFamily="34" charset="0"/>
+                    <a:cs typeface="Calibri" panose="020F0502020204030204" pitchFamily="34" charset="0"/>
+                  </a:rPr>
                   <a:t> posiada </a:t>
                 </a:r>
                 <a14:m>
@@ -8965,7 +8984,10 @@
                   </m:oMath>
                 </a14:m>
                 <a:r>
-                  <a:rPr lang="pl-PL" sz="2400" dirty="0" smtClean="0"/>
+                  <a:rPr lang="pl-PL" sz="2400" dirty="0" smtClean="0">
+                    <a:latin typeface="Calibri" panose="020F0502020204030204" pitchFamily="34" charset="0"/>
+                    <a:cs typeface="Calibri" panose="020F0502020204030204" pitchFamily="34" charset="0"/>
+                  </a:rPr>
                   <a:t> liniowo niezależnych wektorów własnych </a:t>
                 </a:r>
                 <a14:m>
@@ -9084,14 +9106,17 @@
                   </m:oMath>
                 </a14:m>
                 <a:r>
-                  <a:rPr lang="pl-PL" sz="2400" dirty="0" smtClean="0"/>
+                  <a:rPr lang="pl-PL" sz="2400" dirty="0" smtClean="0">
+                    <a:latin typeface="Calibri" panose="020F0502020204030204" pitchFamily="34" charset="0"/>
+                    <a:cs typeface="Calibri" panose="020F0502020204030204" pitchFamily="34" charset="0"/>
+                  </a:rPr>
                   <a:t>.</a:t>
                 </a:r>
               </a:p>
             </p:txBody>
           </p:sp>
         </mc:Choice>
-        <mc:Fallback xmlns="">
+        <mc:Fallback>
           <p:sp>
             <p:nvSpPr>
               <p:cNvPr id="3" name="Symbol zastępczy zawartości 2"/>
@@ -9110,7 +9135,7 @@
               <a:blipFill>
                 <a:blip r:embed="rId2"/>
                 <a:stretch>
-                  <a:fillRect l="-961" t="-2796"/>
+                  <a:fillRect l="-961" t="-3011"/>
                 </a:stretch>
               </a:blipFill>
             </p:spPr>
@@ -9152,14 +9177,23 @@
           <a:lstStyle/>
           <a:p>
             <a:r>
-              <a:rPr lang="pl-PL" sz="3200" dirty="0"/>
+              <a:rPr lang="pl-PL" sz="3200" dirty="0">
+                <a:latin typeface="Calibri" panose="020F0502020204030204" pitchFamily="34" charset="0"/>
+                <a:cs typeface="Calibri" panose="020F0502020204030204" pitchFamily="34" charset="0"/>
+              </a:rPr>
               <a:t>Założenia</a:t>
             </a:r>
             <a:r>
-              <a:rPr lang="pl-PL" sz="3200" dirty="0" smtClean="0"/>
+              <a:rPr lang="pl-PL" sz="3200" dirty="0" smtClean="0">
+                <a:latin typeface="Calibri" panose="020F0502020204030204" pitchFamily="34" charset="0"/>
+                <a:cs typeface="Calibri" panose="020F0502020204030204" pitchFamily="34" charset="0"/>
+              </a:rPr>
               <a:t>:</a:t>
             </a:r>
-            <a:endParaRPr lang="pl-PL" sz="3200" dirty="0"/>
+            <a:endParaRPr lang="pl-PL" sz="3200" dirty="0">
+              <a:latin typeface="Calibri" panose="020F0502020204030204" pitchFamily="34" charset="0"/>
+              <a:cs typeface="Calibri" panose="020F0502020204030204" pitchFamily="34" charset="0"/>
+            </a:endParaRPr>
           </a:p>
         </p:txBody>
       </p:sp>
@@ -9235,10 +9269,16 @@
           <a:lstStyle/>
           <a:p>
             <a:r>
-              <a:rPr lang="pl-PL" sz="3200" dirty="0" smtClean="0"/>
+              <a:rPr lang="pl-PL" sz="3200" dirty="0" smtClean="0">
+                <a:latin typeface="Calibri" panose="020F0502020204030204" pitchFamily="34" charset="0"/>
+                <a:cs typeface="Calibri" panose="020F0502020204030204" pitchFamily="34" charset="0"/>
+              </a:rPr>
               <a:t>Krok iteracyjny:</a:t>
             </a:r>
-            <a:endParaRPr lang="pl-PL" sz="3200" dirty="0"/>
+            <a:endParaRPr lang="pl-PL" sz="3200" dirty="0">
+              <a:latin typeface="Calibri" panose="020F0502020204030204" pitchFamily="34" charset="0"/>
+              <a:cs typeface="Calibri" panose="020F0502020204030204" pitchFamily="34" charset="0"/>
+            </a:endParaRPr>
           </a:p>
         </p:txBody>
       </p:sp>
@@ -10149,18 +10189,30 @@
           <a:lstStyle/>
           <a:p>
             <a:r>
-              <a:rPr lang="pl-PL" sz="2400" dirty="0" smtClean="0"/>
+              <a:rPr lang="pl-PL" sz="2400" dirty="0" smtClean="0">
+                <a:latin typeface="Calibri" panose="020F0502020204030204" pitchFamily="34" charset="0"/>
+                <a:cs typeface="Calibri" panose="020F0502020204030204" pitchFamily="34" charset="0"/>
+              </a:rPr>
               <a:t>Do rozwiązywania układów równań liniowych wykorzystujemy metody oparte na rozkładach macierzy na czynniki lub przekształceniach ortogonalnych takich jak na przykład transformacje </a:t>
             </a:r>
             <a:r>
-              <a:rPr lang="pl-PL" sz="2400" dirty="0" err="1" smtClean="0"/>
+              <a:rPr lang="pl-PL" sz="2400" dirty="0" err="1" smtClean="0">
+                <a:latin typeface="Calibri" panose="020F0502020204030204" pitchFamily="34" charset="0"/>
+                <a:cs typeface="Calibri" panose="020F0502020204030204" pitchFamily="34" charset="0"/>
+              </a:rPr>
               <a:t>Householdera</a:t>
             </a:r>
             <a:r>
-              <a:rPr lang="pl-PL" sz="2400" dirty="0" smtClean="0"/>
+              <a:rPr lang="pl-PL" sz="2400" dirty="0" smtClean="0">
+                <a:latin typeface="Calibri" panose="020F0502020204030204" pitchFamily="34" charset="0"/>
+                <a:cs typeface="Calibri" panose="020F0502020204030204" pitchFamily="34" charset="0"/>
+              </a:rPr>
               <a:t>.</a:t>
             </a:r>
-            <a:endParaRPr lang="pl-PL" sz="2400" dirty="0"/>
+            <a:endParaRPr lang="pl-PL" sz="2400" dirty="0">
+              <a:latin typeface="Calibri" panose="020F0502020204030204" pitchFamily="34" charset="0"/>
+              <a:cs typeface="Calibri" panose="020F0502020204030204" pitchFamily="34" charset="0"/>
+            </a:endParaRPr>
           </a:p>
         </p:txBody>
       </p:sp>
@@ -10236,15 +10288,21 @@
           <a:lstStyle/>
           <a:p>
             <a:r>
-              <a:rPr lang="pl-PL" sz="3200" dirty="0" smtClean="0"/>
+              <a:rPr lang="pl-PL" sz="3200" dirty="0" smtClean="0">
+                <a:latin typeface="Calibri" panose="020F0502020204030204" pitchFamily="34" charset="0"/>
+                <a:cs typeface="Calibri" panose="020F0502020204030204" pitchFamily="34" charset="0"/>
+              </a:rPr>
               <a:t>Warunek stopu:</a:t>
             </a:r>
-            <a:endParaRPr lang="pl-PL" sz="3200" dirty="0"/>
+            <a:endParaRPr lang="pl-PL" sz="3200" dirty="0">
+              <a:latin typeface="Calibri" panose="020F0502020204030204" pitchFamily="34" charset="0"/>
+              <a:cs typeface="Calibri" panose="020F0502020204030204" pitchFamily="34" charset="0"/>
+            </a:endParaRPr>
           </a:p>
         </p:txBody>
       </p:sp>
-      <mc:AlternateContent xmlns:mc="http://schemas.openxmlformats.org/markup-compatibility/2006" xmlns:a14="http://schemas.microsoft.com/office/drawing/2010/main">
-        <mc:Choice Requires="a14">
+      <mc:AlternateContent xmlns:mc="http://schemas.openxmlformats.org/markup-compatibility/2006">
+        <mc:Choice xmlns:a14="http://schemas.microsoft.com/office/drawing/2010/main" Requires="a14">
           <p:sp>
             <p:nvSpPr>
               <p:cNvPr id="3" name="Symbol zastępczy zawartości 2"/>
@@ -10586,18 +10644,27 @@
                     </m:oMath>
                   </m:oMathPara>
                 </a14:m>
-                <a:endParaRPr lang="pl-PL" sz="2400" dirty="0" smtClean="0"/>
+                <a:endParaRPr lang="pl-PL" sz="2400" dirty="0" smtClean="0">
+                  <a:latin typeface="Calibri" panose="020F0502020204030204" pitchFamily="34" charset="0"/>
+                  <a:cs typeface="Calibri" panose="020F0502020204030204" pitchFamily="34" charset="0"/>
+                </a:endParaRPr>
               </a:p>
               <a:p>
                 <a:pPr marL="0" indent="0">
                   <a:buNone/>
                 </a:pPr>
                 <a:r>
-                  <a:rPr lang="pl-PL" sz="2400" dirty="0"/>
+                  <a:rPr lang="pl-PL" sz="2400" dirty="0">
+                    <a:latin typeface="Calibri" panose="020F0502020204030204" pitchFamily="34" charset="0"/>
+                    <a:cs typeface="Calibri" panose="020F0502020204030204" pitchFamily="34" charset="0"/>
+                  </a:rPr>
                   <a:t>g</a:t>
                 </a:r>
                 <a:r>
-                  <a:rPr lang="pl-PL" sz="2400" dirty="0" smtClean="0"/>
+                  <a:rPr lang="pl-PL" sz="2400" dirty="0" smtClean="0">
+                    <a:latin typeface="Calibri" panose="020F0502020204030204" pitchFamily="34" charset="0"/>
+                    <a:cs typeface="Calibri" panose="020F0502020204030204" pitchFamily="34" charset="0"/>
+                  </a:rPr>
                   <a:t>dzie:</a:t>
                 </a:r>
               </a:p>
@@ -10711,7 +10778,10 @@
                     </m:oMath>
                   </m:oMathPara>
                 </a14:m>
-                <a:endParaRPr lang="pl-PL" sz="2400" dirty="0" smtClean="0"/>
+                <a:endParaRPr lang="pl-PL" sz="2400" dirty="0" smtClean="0">
+                  <a:latin typeface="Calibri" panose="020F0502020204030204" pitchFamily="34" charset="0"/>
+                  <a:cs typeface="Calibri" panose="020F0502020204030204" pitchFamily="34" charset="0"/>
+                </a:endParaRPr>
               </a:p>
               <a:p>
                 <a:pPr marL="0" indent="0">
@@ -10778,7 +10848,10 @@
                   </m:oMath>
                 </a14:m>
                 <a:r>
-                  <a:rPr lang="pl-PL" sz="2400" dirty="0" smtClean="0"/>
+                  <a:rPr lang="pl-PL" sz="2400" dirty="0" smtClean="0">
+                    <a:latin typeface="Calibri" panose="020F0502020204030204" pitchFamily="34" charset="0"/>
+                    <a:cs typeface="Calibri" panose="020F0502020204030204" pitchFamily="34" charset="0"/>
+                  </a:rPr>
                   <a:t>	- maksymalna co do modułu współrzędna wektora </a:t>
                 </a:r>
                 <a14:m>
@@ -10834,7 +10907,10 @@
                     </m:sSup>
                   </m:oMath>
                 </a14:m>
-                <a:endParaRPr lang="pl-PL" sz="2400" dirty="0" smtClean="0"/>
+                <a:endParaRPr lang="pl-PL" sz="2400" dirty="0" smtClean="0">
+                  <a:latin typeface="Calibri" panose="020F0502020204030204" pitchFamily="34" charset="0"/>
+                  <a:cs typeface="Calibri" panose="020F0502020204030204" pitchFamily="34" charset="0"/>
+                </a:endParaRPr>
               </a:p>
               <a:p>
                 <a:pPr marL="0" indent="0">
@@ -10851,20 +10927,28 @@
                   </m:oMath>
                 </a14:m>
                 <a:r>
-                  <a:rPr lang="pl-PL" sz="2400" dirty="0"/>
-                  <a:t>	- parametr określający dokładność</a:t>
+                  <a:rPr lang="pl-PL" sz="2400" dirty="0">
+                    <a:latin typeface="Calibri" panose="020F0502020204030204" pitchFamily="34" charset="0"/>
+                    <a:cs typeface="Calibri" panose="020F0502020204030204" pitchFamily="34" charset="0"/>
+                  </a:rPr>
+                  <a:t>	- parametr określający </a:t>
                 </a:r>
-              </a:p>
-              <a:p>
-                <a:pPr marL="0" indent="0">
-                  <a:buNone/>
-                </a:pPr>
-                <a:endParaRPr lang="pl-PL" sz="2400" dirty="0"/>
+                <a:r>
+                  <a:rPr lang="pl-PL" sz="2400" dirty="0" smtClean="0">
+                    <a:latin typeface="Calibri" panose="020F0502020204030204" pitchFamily="34" charset="0"/>
+                    <a:cs typeface="Calibri" panose="020F0502020204030204" pitchFamily="34" charset="0"/>
+                  </a:rPr>
+                  <a:t>dokładność</a:t>
+                </a:r>
+                <a:endParaRPr lang="pl-PL" sz="2400" dirty="0">
+                  <a:latin typeface="Calibri" panose="020F0502020204030204" pitchFamily="34" charset="0"/>
+                  <a:cs typeface="Calibri" panose="020F0502020204030204" pitchFamily="34" charset="0"/>
+                </a:endParaRPr>
               </a:p>
             </p:txBody>
           </p:sp>
         </mc:Choice>
-        <mc:Fallback xmlns="">
+        <mc:Fallback>
           <p:sp>
             <p:nvSpPr>
               <p:cNvPr id="3" name="Symbol zastępczy zawartości 2"/>
@@ -10974,15 +11058,21 @@
           <a:lstStyle/>
           <a:p>
             <a:r>
-              <a:rPr lang="pl-PL" sz="3200" dirty="0" smtClean="0"/>
+              <a:rPr lang="pl-PL" sz="3200" dirty="0" smtClean="0">
+                <a:latin typeface="Calibri" panose="020F0502020204030204" pitchFamily="34" charset="0"/>
+                <a:cs typeface="Calibri" panose="020F0502020204030204" pitchFamily="34" charset="0"/>
+              </a:rPr>
               <a:t>Własności:</a:t>
             </a:r>
-            <a:endParaRPr lang="pl-PL" sz="3200" dirty="0"/>
+            <a:endParaRPr lang="pl-PL" sz="3200" dirty="0">
+              <a:latin typeface="Calibri" panose="020F0502020204030204" pitchFamily="34" charset="0"/>
+              <a:cs typeface="Calibri" panose="020F0502020204030204" pitchFamily="34" charset="0"/>
+            </a:endParaRPr>
           </a:p>
         </p:txBody>
       </p:sp>
-      <mc:AlternateContent xmlns:mc="http://schemas.openxmlformats.org/markup-compatibility/2006" xmlns:a14="http://schemas.microsoft.com/office/drawing/2010/main">
-        <mc:Choice Requires="a14">
+      <mc:AlternateContent xmlns:mc="http://schemas.openxmlformats.org/markup-compatibility/2006">
+        <mc:Choice xmlns:a14="http://schemas.microsoft.com/office/drawing/2010/main" Requires="a14">
           <p:sp>
             <p:nvSpPr>
               <p:cNvPr id="4" name="Symbol zastępczy zawartości 2"/>
@@ -11006,7 +11096,10 @@
               <a:lstStyle/>
               <a:p>
                 <a:r>
-                  <a:rPr lang="pl-PL" sz="2400" dirty="0" smtClean="0"/>
+                  <a:rPr lang="pl-PL" sz="2400" dirty="0" smtClean="0">
+                    <a:latin typeface="Calibri" panose="020F0502020204030204" pitchFamily="34" charset="0"/>
+                    <a:cs typeface="Calibri" panose="020F0502020204030204" pitchFamily="34" charset="0"/>
+                  </a:rPr>
                   <a:t>Odwrotna metoda potęgowa korzysta ze znanej własności mówiącej, że jeżeli </a:t>
                 </a:r>
                 <a14:m>
@@ -11022,7 +11115,10 @@
                   </m:oMath>
                 </a14:m>
                 <a:r>
-                  <a:rPr lang="pl-PL" sz="2400" dirty="0"/>
+                  <a:rPr lang="pl-PL" sz="2400" dirty="0">
+                    <a:latin typeface="Calibri" panose="020F0502020204030204" pitchFamily="34" charset="0"/>
+                    <a:cs typeface="Calibri" panose="020F0502020204030204" pitchFamily="34" charset="0"/>
+                  </a:rPr>
                   <a:t> jest wartością własną nieosobliwej macierzy </a:t>
                 </a:r>
                 <a14:m>
@@ -11038,7 +11134,10 @@
                   </m:oMath>
                 </a14:m>
                 <a:r>
-                  <a:rPr lang="pl-PL" sz="2400" dirty="0"/>
+                  <a:rPr lang="pl-PL" sz="2400" dirty="0">
+                    <a:latin typeface="Calibri" panose="020F0502020204030204" pitchFamily="34" charset="0"/>
+                    <a:cs typeface="Calibri" panose="020F0502020204030204" pitchFamily="34" charset="0"/>
+                  </a:rPr>
                   <a:t>, to </a:t>
                 </a:r>
                 <a14:m>
@@ -11066,7 +11165,10 @@
                           <m:rPr>
                             <m:nor/>
                           </m:rPr>
-                          <a:rPr lang="pl-PL" sz="2400" dirty="0"/>
+                          <a:rPr lang="pl-PL" sz="2400" dirty="0">
+                            <a:latin typeface="Calibri" panose="020F0502020204030204" pitchFamily="34" charset="0"/>
+                            <a:cs typeface="Calibri" panose="020F0502020204030204" pitchFamily="34" charset="0"/>
+                          </a:rPr>
                           <m:t> </m:t>
                         </m:r>
                       </m:e>
@@ -11084,7 +11186,10 @@
                   </m:oMath>
                 </a14:m>
                 <a:r>
-                  <a:rPr lang="pl-PL" sz="2400" dirty="0"/>
+                  <a:rPr lang="pl-PL" sz="2400" dirty="0">
+                    <a:latin typeface="Calibri" panose="020F0502020204030204" pitchFamily="34" charset="0"/>
+                    <a:cs typeface="Calibri" panose="020F0502020204030204" pitchFamily="34" charset="0"/>
+                  </a:rPr>
                   <a:t> jest wartością własną macierzy </a:t>
                 </a:r>
                 <a14:m>
@@ -11105,7 +11210,7 @@
                             <m:nor/>
                           </m:rPr>
                           <a:rPr lang="pl-PL" sz="2400">
-                            <a:latin typeface="Cambria Math" panose="02040503050406030204" pitchFamily="18" charset="0"/>
+                            <a:latin typeface="Calibri" panose="020F0502020204030204" pitchFamily="34" charset="0"/>
                             <a:ea typeface="Cambria Math" panose="02040503050406030204" pitchFamily="18" charset="0"/>
                             <a:cs typeface="Calibri" panose="020F0502020204030204" pitchFamily="34" charset="0"/>
                           </a:rPr>
@@ -11126,13 +11231,19 @@
                   </m:oMath>
                 </a14:m>
                 <a:r>
-                  <a:rPr lang="pl-PL" sz="2400" dirty="0" smtClean="0"/>
+                  <a:rPr lang="pl-PL" sz="2400" dirty="0" smtClean="0">
+                    <a:latin typeface="Calibri" panose="020F0502020204030204" pitchFamily="34" charset="0"/>
+                    <a:cs typeface="Calibri" panose="020F0502020204030204" pitchFamily="34" charset="0"/>
+                  </a:rPr>
                   <a:t>.</a:t>
                 </a:r>
               </a:p>
               <a:p>
                 <a:r>
-                  <a:rPr lang="pl-PL" sz="2400" dirty="0" smtClean="0"/>
+                  <a:rPr lang="pl-PL" sz="2400" dirty="0" smtClean="0">
+                    <a:latin typeface="Calibri" panose="020F0502020204030204" pitchFamily="34" charset="0"/>
+                    <a:cs typeface="Calibri" panose="020F0502020204030204" pitchFamily="34" charset="0"/>
+                  </a:rPr>
                   <a:t>Szybkość zbieżności metody potęgowej zależy od ilorazu </a:t>
                 </a:r>
                 <a14:m>
@@ -11226,13 +11337,19 @@
                   </m:oMath>
                 </a14:m>
                 <a:r>
-                  <a:rPr lang="pl-PL" sz="2400" dirty="0" smtClean="0"/>
+                  <a:rPr lang="pl-PL" sz="2400" dirty="0" smtClean="0">
+                    <a:latin typeface="Calibri" panose="020F0502020204030204" pitchFamily="34" charset="0"/>
+                    <a:cs typeface="Calibri" panose="020F0502020204030204" pitchFamily="34" charset="0"/>
+                  </a:rPr>
                   <a:t>.</a:t>
                 </a:r>
               </a:p>
               <a:p>
                 <a:r>
-                  <a:rPr lang="pl-PL" sz="2400" dirty="0" smtClean="0"/>
+                  <a:rPr lang="pl-PL" sz="2400" dirty="0" smtClean="0">
+                    <a:latin typeface="Calibri" panose="020F0502020204030204" pitchFamily="34" charset="0"/>
+                    <a:cs typeface="Calibri" panose="020F0502020204030204" pitchFamily="34" charset="0"/>
+                  </a:rPr>
                   <a:t>Błąd przybliżenia maleje tak szybko, jak </a:t>
                 </a:r>
                 <a14:m>
@@ -11345,13 +11462,19 @@
                   </m:oMath>
                 </a14:m>
                 <a:r>
-                  <a:rPr lang="pl-PL" sz="2400" dirty="0" smtClean="0"/>
+                  <a:rPr lang="pl-PL" sz="2400" dirty="0" smtClean="0">
+                    <a:latin typeface="Calibri" panose="020F0502020204030204" pitchFamily="34" charset="0"/>
+                    <a:cs typeface="Calibri" panose="020F0502020204030204" pitchFamily="34" charset="0"/>
+                  </a:rPr>
                   <a:t>.</a:t>
                 </a:r>
               </a:p>
               <a:p>
                 <a:r>
-                  <a:rPr lang="pl-PL" sz="2400" dirty="0" smtClean="0"/>
+                  <a:rPr lang="pl-PL" sz="2400" dirty="0" smtClean="0">
+                    <a:latin typeface="Calibri" panose="020F0502020204030204" pitchFamily="34" charset="0"/>
+                    <a:cs typeface="Calibri" panose="020F0502020204030204" pitchFamily="34" charset="0"/>
+                  </a:rPr>
                   <a:t>Metoda potęgowa jest bardzo wolno zbieżna, jeżeli </a:t>
                 </a:r>
                 <a14:m>
@@ -11446,15 +11569,21 @@
                   </m:oMath>
                 </a14:m>
                 <a:r>
-                  <a:rPr lang="pl-PL" sz="2400" dirty="0" smtClean="0"/>
+                  <a:rPr lang="pl-PL" sz="2400" dirty="0" smtClean="0">
+                    <a:latin typeface="Calibri" panose="020F0502020204030204" pitchFamily="34" charset="0"/>
+                    <a:cs typeface="Calibri" panose="020F0502020204030204" pitchFamily="34" charset="0"/>
+                  </a:rPr>
                   <a:t>.</a:t>
                 </a:r>
-                <a:endParaRPr lang="pl-PL" sz="2400" dirty="0"/>
+                <a:endParaRPr lang="pl-PL" sz="2400" dirty="0">
+                  <a:latin typeface="Calibri" panose="020F0502020204030204" pitchFamily="34" charset="0"/>
+                  <a:cs typeface="Calibri" panose="020F0502020204030204" pitchFamily="34" charset="0"/>
+                </a:endParaRPr>
               </a:p>
             </p:txBody>
           </p:sp>
         </mc:Choice>
-        <mc:Fallback xmlns="">
+        <mc:Fallback>
           <p:sp>
             <p:nvSpPr>
               <p:cNvPr id="4" name="Symbol zastępczy zawartości 2"/>
@@ -11473,7 +11602,7 @@
               <a:blipFill>
                 <a:blip r:embed="rId2"/>
                 <a:stretch>
-                  <a:fillRect l="-873" t="-2249" r="-672"/>
+                  <a:fillRect l="-873" t="-2422"/>
                 </a:stretch>
               </a:blipFill>
             </p:spPr>
@@ -11564,14 +11693,23 @@
           <a:lstStyle/>
           <a:p>
             <a:r>
-              <a:rPr lang="pl-PL" sz="4000" dirty="0" smtClean="0"/>
+              <a:rPr lang="pl-PL" sz="4000" dirty="0" smtClean="0">
+                <a:latin typeface="Calibri" panose="020F0502020204030204" pitchFamily="34" charset="0"/>
+                <a:cs typeface="Calibri" panose="020F0502020204030204" pitchFamily="34" charset="0"/>
+              </a:rPr>
               <a:t>Transformacje </a:t>
             </a:r>
             <a:r>
-              <a:rPr lang="pl-PL" sz="4000" dirty="0" err="1" smtClean="0"/>
+              <a:rPr lang="pl-PL" sz="4000" dirty="0" err="1" smtClean="0">
+                <a:latin typeface="Calibri" panose="020F0502020204030204" pitchFamily="34" charset="0"/>
+                <a:cs typeface="Calibri" panose="020F0502020204030204" pitchFamily="34" charset="0"/>
+              </a:rPr>
               <a:t>Householdera</a:t>
             </a:r>
-            <a:endParaRPr lang="pl-PL" sz="4000" dirty="0"/>
+            <a:endParaRPr lang="pl-PL" sz="4000" dirty="0">
+              <a:latin typeface="Calibri" panose="020F0502020204030204" pitchFamily="34" charset="0"/>
+              <a:cs typeface="Calibri" panose="020F0502020204030204" pitchFamily="34" charset="0"/>
+            </a:endParaRPr>
           </a:p>
         </p:txBody>
       </p:sp>
@@ -11759,18 +11897,27 @@
                     </m:oMath>
                   </m:oMathPara>
                 </a14:m>
-                <a:endParaRPr lang="pl-PL" sz="2400" dirty="0" smtClean="0"/>
+                <a:endParaRPr lang="pl-PL" sz="2400" dirty="0" smtClean="0">
+                  <a:latin typeface="Calibri" panose="020F0502020204030204" pitchFamily="34" charset="0"/>
+                  <a:cs typeface="Calibri" panose="020F0502020204030204" pitchFamily="34" charset="0"/>
+                </a:endParaRPr>
               </a:p>
               <a:p>
                 <a:pPr marL="0" indent="0">
                   <a:buNone/>
                 </a:pPr>
                 <a:r>
-                  <a:rPr lang="pl-PL" sz="2400" dirty="0"/>
+                  <a:rPr lang="pl-PL" sz="2400" dirty="0">
+                    <a:latin typeface="Calibri" panose="020F0502020204030204" pitchFamily="34" charset="0"/>
+                    <a:cs typeface="Calibri" panose="020F0502020204030204" pitchFamily="34" charset="0"/>
+                  </a:rPr>
                   <a:t>g</a:t>
                 </a:r>
                 <a:r>
-                  <a:rPr lang="pl-PL" sz="2400" dirty="0" smtClean="0"/>
+                  <a:rPr lang="pl-PL" sz="2400" dirty="0" smtClean="0">
+                    <a:latin typeface="Calibri" panose="020F0502020204030204" pitchFamily="34" charset="0"/>
+                    <a:cs typeface="Calibri" panose="020F0502020204030204" pitchFamily="34" charset="0"/>
+                  </a:rPr>
                   <a:t>dzie:</a:t>
                 </a:r>
               </a:p>
@@ -11789,23 +11936,21 @@
                   </m:oMath>
                 </a14:m>
                 <a:r>
-                  <a:rPr lang="pl-PL" sz="2400" dirty="0" smtClean="0"/>
-                  <a:t>	- niezerowy wektor, ortogonalny do </a:t>
-                </a:r>
-                <a:r>
-                  <a:rPr lang="pl-PL" sz="2400" dirty="0" smtClean="0"/>
-                  <a:t>hiperpłaszczyzny, </a:t>
-                </a:r>
-                <a:r>
-                  <a:rPr lang="pl-PL" sz="2400" dirty="0" smtClean="0"/>
-                  <a:t>	  	  względem której ma nastąpić odbicie</a:t>
+                  <a:rPr lang="pl-PL" sz="2400" dirty="0" smtClean="0">
+                    <a:latin typeface="Calibri" panose="020F0502020204030204" pitchFamily="34" charset="0"/>
+                    <a:cs typeface="Calibri" panose="020F0502020204030204" pitchFamily="34" charset="0"/>
+                  </a:rPr>
+                  <a:t>	- niezerowy wektor, ortogonalny do hiperpłaszczyzny, 	  	  względem której ma nastąpić odbicie</a:t>
                 </a:r>
               </a:p>
               <a:p>
                 <a:pPr marL="0" indent="0">
                   <a:buNone/>
                 </a:pPr>
-                <a:endParaRPr lang="pl-PL" sz="2400" dirty="0" smtClean="0"/>
+                <a:endParaRPr lang="pl-PL" sz="2400" dirty="0" smtClean="0">
+                  <a:latin typeface="Calibri" panose="020F0502020204030204" pitchFamily="34" charset="0"/>
+                  <a:cs typeface="Calibri" panose="020F0502020204030204" pitchFamily="34" charset="0"/>
+                </a:endParaRPr>
               </a:p>
             </p:txBody>
           </p:sp>
@@ -11866,18 +12011,30 @@
           <a:lstStyle/>
           <a:p>
             <a:r>
-              <a:rPr lang="pl-PL" sz="3200" dirty="0" smtClean="0"/>
+              <a:rPr lang="pl-PL" sz="3200" dirty="0" smtClean="0">
+                <a:latin typeface="Calibri" panose="020F0502020204030204" pitchFamily="34" charset="0"/>
+                <a:cs typeface="Calibri" panose="020F0502020204030204" pitchFamily="34" charset="0"/>
+              </a:rPr>
               <a:t>Macierz </a:t>
             </a:r>
             <a:r>
-              <a:rPr lang="pl-PL" sz="3200" dirty="0" err="1" smtClean="0"/>
+              <a:rPr lang="pl-PL" sz="3200" dirty="0" err="1" smtClean="0">
+                <a:latin typeface="Calibri" panose="020F0502020204030204" pitchFamily="34" charset="0"/>
+                <a:cs typeface="Calibri" panose="020F0502020204030204" pitchFamily="34" charset="0"/>
+              </a:rPr>
               <a:t>Householdera</a:t>
             </a:r>
             <a:r>
-              <a:rPr lang="pl-PL" sz="3200" dirty="0" smtClean="0"/>
+              <a:rPr lang="pl-PL" sz="3200" dirty="0" smtClean="0">
+                <a:latin typeface="Calibri" panose="020F0502020204030204" pitchFamily="34" charset="0"/>
+                <a:cs typeface="Calibri" panose="020F0502020204030204" pitchFamily="34" charset="0"/>
+              </a:rPr>
               <a:t>:</a:t>
             </a:r>
-            <a:endParaRPr lang="pl-PL" sz="3200" dirty="0"/>
+            <a:endParaRPr lang="pl-PL" sz="3200" dirty="0">
+              <a:latin typeface="Calibri" panose="020F0502020204030204" pitchFamily="34" charset="0"/>
+              <a:cs typeface="Calibri" panose="020F0502020204030204" pitchFamily="34" charset="0"/>
+            </a:endParaRPr>
           </a:p>
         </p:txBody>
       </p:sp>
@@ -11953,15 +12110,21 @@
           <a:lstStyle/>
           <a:p>
             <a:r>
-              <a:rPr lang="pl-PL" sz="3200" dirty="0" smtClean="0"/>
+              <a:rPr lang="pl-PL" sz="3200" dirty="0" smtClean="0">
+                <a:latin typeface="Calibri" panose="020F0502020204030204" pitchFamily="34" charset="0"/>
+                <a:cs typeface="Calibri" panose="020F0502020204030204" pitchFamily="34" charset="0"/>
+              </a:rPr>
               <a:t>Własności:</a:t>
             </a:r>
-            <a:endParaRPr lang="pl-PL" sz="3200" dirty="0"/>
+            <a:endParaRPr lang="pl-PL" sz="3200" dirty="0">
+              <a:latin typeface="Calibri" panose="020F0502020204030204" pitchFamily="34" charset="0"/>
+              <a:cs typeface="Calibri" panose="020F0502020204030204" pitchFamily="34" charset="0"/>
+            </a:endParaRPr>
           </a:p>
         </p:txBody>
       </p:sp>
-      <mc:AlternateContent xmlns:mc="http://schemas.openxmlformats.org/markup-compatibility/2006" xmlns:a14="http://schemas.microsoft.com/office/drawing/2010/main">
-        <mc:Choice Requires="a14">
+      <mc:AlternateContent xmlns:mc="http://schemas.openxmlformats.org/markup-compatibility/2006">
+        <mc:Choice xmlns:a14="http://schemas.microsoft.com/office/drawing/2010/main" Requires="a14">
           <p:sp>
             <p:nvSpPr>
               <p:cNvPr id="4" name="Symbol zastępczy zawartości 2"/>
@@ -11985,7 +12148,10 @@
               <a:lstStyle/>
               <a:p>
                 <a:r>
-                  <a:rPr lang="pl-PL" sz="2400" dirty="0" smtClean="0"/>
+                  <a:rPr lang="pl-PL" sz="2400" dirty="0" smtClean="0">
+                    <a:latin typeface="Calibri" panose="020F0502020204030204" pitchFamily="34" charset="0"/>
+                    <a:cs typeface="Calibri" panose="020F0502020204030204" pitchFamily="34" charset="0"/>
+                  </a:rPr>
                   <a:t>Macierz </a:t>
                 </a:r>
                 <a14:m>
@@ -11999,7 +12165,10 @@
                   </m:oMath>
                 </a14:m>
                 <a:r>
-                  <a:rPr lang="pl-PL" sz="2400" dirty="0" smtClean="0"/>
+                  <a:rPr lang="pl-PL" sz="2400" dirty="0" smtClean="0">
+                    <a:latin typeface="Calibri" panose="020F0502020204030204" pitchFamily="34" charset="0"/>
+                    <a:cs typeface="Calibri" panose="020F0502020204030204" pitchFamily="34" charset="0"/>
+                  </a:rPr>
                   <a:t> jest Hermitowska, czyli </a:t>
                 </a:r>
                 <a14:m>
@@ -12044,13 +12213,19 @@
                   </m:oMath>
                 </a14:m>
                 <a:r>
-                  <a:rPr lang="pl-PL" sz="2400" dirty="0" smtClean="0"/>
+                  <a:rPr lang="pl-PL" sz="2400" dirty="0" smtClean="0">
+                    <a:latin typeface="Calibri" panose="020F0502020204030204" pitchFamily="34" charset="0"/>
+                    <a:cs typeface="Calibri" panose="020F0502020204030204" pitchFamily="34" charset="0"/>
+                  </a:rPr>
                   <a:t>.</a:t>
                 </a:r>
               </a:p>
               <a:p>
                 <a:r>
-                  <a:rPr lang="pl-PL" sz="2400" dirty="0"/>
+                  <a:rPr lang="pl-PL" sz="2400" dirty="0">
+                    <a:latin typeface="Calibri" panose="020F0502020204030204" pitchFamily="34" charset="0"/>
+                    <a:cs typeface="Calibri" panose="020F0502020204030204" pitchFamily="34" charset="0"/>
+                  </a:rPr>
                   <a:t>Macierz </a:t>
                 </a:r>
                 <a14:m>
@@ -12064,11 +12239,17 @@
                   </m:oMath>
                 </a14:m>
                 <a:r>
-                  <a:rPr lang="pl-PL" sz="2400" dirty="0"/>
+                  <a:rPr lang="pl-PL" sz="2400" dirty="0">
+                    <a:latin typeface="Calibri" panose="020F0502020204030204" pitchFamily="34" charset="0"/>
+                    <a:cs typeface="Calibri" panose="020F0502020204030204" pitchFamily="34" charset="0"/>
+                  </a:rPr>
                   <a:t> </a:t>
                 </a:r>
                 <a:r>
-                  <a:rPr lang="pl-PL" sz="2400" dirty="0" smtClean="0"/>
+                  <a:rPr lang="pl-PL" sz="2400" dirty="0" smtClean="0">
+                    <a:latin typeface="Calibri" panose="020F0502020204030204" pitchFamily="34" charset="0"/>
+                    <a:cs typeface="Calibri" panose="020F0502020204030204" pitchFamily="34" charset="0"/>
+                  </a:rPr>
                   <a:t>jest unitarna, czyli </a:t>
                 </a:r>
                 <a14:m>
@@ -12132,14 +12313,19 @@
                   </m:oMath>
                 </a14:m>
                 <a:r>
-                  <a:rPr lang="pl-PL" sz="2400" dirty="0" smtClean="0"/>
+                  <a:rPr lang="pl-PL" sz="2400" dirty="0" smtClean="0">
+                    <a:latin typeface="Calibri" panose="020F0502020204030204" pitchFamily="34" charset="0"/>
+                    <a:cs typeface="Calibri" panose="020F0502020204030204" pitchFamily="34" charset="0"/>
+                  </a:rPr>
                   <a:t> (tym samym odwracalna)</a:t>
                 </a:r>
               </a:p>
               <a:p>
                 <a:r>
                   <a:rPr lang="pl-PL" sz="2400" dirty="0" smtClean="0">
+                    <a:latin typeface="Calibri" panose="020F0502020204030204" pitchFamily="34" charset="0"/>
                     <a:ea typeface="Cambria Math" panose="02040503050406030204" pitchFamily="18" charset="0"/>
+                    <a:cs typeface="Calibri" panose="020F0502020204030204" pitchFamily="34" charset="0"/>
                   </a:rPr>
                   <a:t>Spektrum macierzy </a:t>
                 </a:r>
@@ -12155,7 +12341,9 @@
                 </a14:m>
                 <a:r>
                   <a:rPr lang="pl-PL" sz="2400" dirty="0" smtClean="0">
+                    <a:latin typeface="Calibri" panose="020F0502020204030204" pitchFamily="34" charset="0"/>
                     <a:ea typeface="Cambria Math" panose="02040503050406030204" pitchFamily="18" charset="0"/>
+                    <a:cs typeface="Calibri" panose="020F0502020204030204" pitchFamily="34" charset="0"/>
                   </a:rPr>
                   <a:t> to </a:t>
                 </a:r>
@@ -12218,13 +12406,19 @@
                   </m:oMath>
                 </a14:m>
                 <a:r>
-                  <a:rPr lang="pl-PL" sz="2400" dirty="0" smtClean="0"/>
+                  <a:rPr lang="pl-PL" sz="2400" dirty="0" smtClean="0">
+                    <a:latin typeface="Calibri" panose="020F0502020204030204" pitchFamily="34" charset="0"/>
+                    <a:cs typeface="Calibri" panose="020F0502020204030204" pitchFamily="34" charset="0"/>
+                  </a:rPr>
                   <a:t>.</a:t>
                 </a:r>
               </a:p>
               <a:p>
                 <a:r>
-                  <a:rPr lang="pl-PL" sz="2400" dirty="0" smtClean="0"/>
+                  <a:rPr lang="pl-PL" sz="2400" dirty="0" smtClean="0">
+                    <a:latin typeface="Calibri" panose="020F0502020204030204" pitchFamily="34" charset="0"/>
+                    <a:cs typeface="Calibri" panose="020F0502020204030204" pitchFamily="34" charset="0"/>
+                  </a:rPr>
                   <a:t>Wyznacznik macierzy </a:t>
                 </a:r>
                 <a14:m>
@@ -12238,7 +12432,10 @@
                   </m:oMath>
                 </a14:m>
                 <a:r>
-                  <a:rPr lang="pl-PL" sz="2400" dirty="0" smtClean="0"/>
+                  <a:rPr lang="pl-PL" sz="2400" dirty="0" smtClean="0">
+                    <a:latin typeface="Calibri" panose="020F0502020204030204" pitchFamily="34" charset="0"/>
+                    <a:cs typeface="Calibri" panose="020F0502020204030204" pitchFamily="34" charset="0"/>
+                  </a:rPr>
                   <a:t> jest równy </a:t>
                 </a:r>
                 <a14:m>
@@ -12253,14 +12450,17 @@
                   </m:oMath>
                 </a14:m>
                 <a:r>
-                  <a:rPr lang="pl-PL" sz="2400" dirty="0" smtClean="0"/>
+                  <a:rPr lang="pl-PL" sz="2400" dirty="0" smtClean="0">
+                    <a:latin typeface="Calibri" panose="020F0502020204030204" pitchFamily="34" charset="0"/>
+                    <a:cs typeface="Calibri" panose="020F0502020204030204" pitchFamily="34" charset="0"/>
+                  </a:rPr>
                   <a:t>.</a:t>
                 </a:r>
               </a:p>
             </p:txBody>
           </p:sp>
         </mc:Choice>
-        <mc:Fallback xmlns="">
+        <mc:Fallback>
           <p:sp>
             <p:nvSpPr>
               <p:cNvPr id="4" name="Symbol zastępczy zawartości 2"/>
@@ -12279,7 +12479,7 @@
               <a:blipFill>
                 <a:blip r:embed="rId2"/>
                 <a:stretch>
-                  <a:fillRect l="-833" t="-3801"/>
+                  <a:fillRect l="-833" t="-4094"/>
                 </a:stretch>
               </a:blipFill>
             </p:spPr>
@@ -12370,15 +12570,21 @@
           <a:lstStyle/>
           <a:p>
             <a:r>
-              <a:rPr lang="pl-PL" sz="3200" dirty="0" smtClean="0"/>
+              <a:rPr lang="pl-PL" sz="3200" dirty="0" smtClean="0">
+                <a:latin typeface="Calibri" panose="020F0502020204030204" pitchFamily="34" charset="0"/>
+                <a:cs typeface="Calibri" panose="020F0502020204030204" pitchFamily="34" charset="0"/>
+              </a:rPr>
               <a:t>Zastosowanie:</a:t>
             </a:r>
-            <a:endParaRPr lang="pl-PL" sz="3200" dirty="0"/>
+            <a:endParaRPr lang="pl-PL" sz="3200" dirty="0">
+              <a:latin typeface="Calibri" panose="020F0502020204030204" pitchFamily="34" charset="0"/>
+              <a:cs typeface="Calibri" panose="020F0502020204030204" pitchFamily="34" charset="0"/>
+            </a:endParaRPr>
           </a:p>
         </p:txBody>
       </p:sp>
-      <mc:AlternateContent xmlns:mc="http://schemas.openxmlformats.org/markup-compatibility/2006" xmlns:a14="http://schemas.microsoft.com/office/drawing/2010/main">
-        <mc:Choice Requires="a14">
+      <mc:AlternateContent xmlns:mc="http://schemas.openxmlformats.org/markup-compatibility/2006">
+        <mc:Choice xmlns:a14="http://schemas.microsoft.com/office/drawing/2010/main" Requires="a14">
           <p:sp>
             <p:nvSpPr>
               <p:cNvPr id="3" name="Symbol zastępczy zawartości 2"/>
@@ -12392,7 +12598,7 @@
             <p:spPr>
               <a:xfrm>
                 <a:off x="1588132" y="1844824"/>
-                <a:ext cx="9782801" cy="2332856"/>
+                <a:ext cx="9782801" cy="1656184"/>
               </a:xfrm>
             </p:spPr>
             <p:txBody>
@@ -12402,15 +12608,24 @@
               <a:lstStyle/>
               <a:p>
                 <a:r>
-                  <a:rPr lang="pl-PL" sz="2400" dirty="0" smtClean="0"/>
+                  <a:rPr lang="pl-PL" sz="2400" dirty="0" smtClean="0">
+                    <a:latin typeface="Calibri" panose="020F0502020204030204" pitchFamily="34" charset="0"/>
+                    <a:cs typeface="Calibri" panose="020F0502020204030204" pitchFamily="34" charset="0"/>
+                  </a:rPr>
                   <a:t>Macierze </a:t>
                 </a:r>
                 <a:r>
-                  <a:rPr lang="pl-PL" sz="2400" dirty="0" err="1" smtClean="0"/>
+                  <a:rPr lang="pl-PL" sz="2400" dirty="0" err="1" smtClean="0">
+                    <a:latin typeface="Calibri" panose="020F0502020204030204" pitchFamily="34" charset="0"/>
+                    <a:cs typeface="Calibri" panose="020F0502020204030204" pitchFamily="34" charset="0"/>
+                  </a:rPr>
                   <a:t>Householdera</a:t>
                 </a:r>
                 <a:r>
-                  <a:rPr lang="pl-PL" sz="2400" dirty="0" smtClean="0"/>
+                  <a:rPr lang="pl-PL" sz="2400" dirty="0" smtClean="0">
+                    <a:latin typeface="Calibri" panose="020F0502020204030204" pitchFamily="34" charset="0"/>
+                    <a:cs typeface="Calibri" panose="020F0502020204030204" pitchFamily="34" charset="0"/>
+                  </a:rPr>
                   <a:t> są często stosowane w implementacji rozkładu </a:t>
                 </a:r>
                 <a14:m>
@@ -12424,29 +12639,44 @@
                   </m:oMath>
                 </a14:m>
                 <a:r>
-                  <a:rPr lang="pl-PL" sz="2400" dirty="0" smtClean="0"/>
+                  <a:rPr lang="pl-PL" sz="2400" dirty="0" smtClean="0">
+                    <a:latin typeface="Calibri" panose="020F0502020204030204" pitchFamily="34" charset="0"/>
+                    <a:cs typeface="Calibri" panose="020F0502020204030204" pitchFamily="34" charset="0"/>
+                  </a:rPr>
                   <a:t>.</a:t>
                 </a:r>
               </a:p>
               <a:p>
                 <a:r>
-                  <a:rPr lang="pl-PL" sz="2400" dirty="0" smtClean="0"/>
+                  <a:rPr lang="pl-PL" sz="2400" dirty="0" smtClean="0">
+                    <a:latin typeface="Calibri" panose="020F0502020204030204" pitchFamily="34" charset="0"/>
+                    <a:cs typeface="Calibri" panose="020F0502020204030204" pitchFamily="34" charset="0"/>
+                  </a:rPr>
                   <a:t>Znane z geometrii optycznej (dział fizyki zajmujący się zjawiskami świetlnymi) prawo odbicia można opisać przy pomocy macierzy </a:t>
                 </a:r>
                 <a:r>
-                  <a:rPr lang="pl-PL" sz="2400" dirty="0" err="1" smtClean="0"/>
+                  <a:rPr lang="pl-PL" sz="2400" dirty="0" err="1" smtClean="0">
+                    <a:latin typeface="Calibri" panose="020F0502020204030204" pitchFamily="34" charset="0"/>
+                    <a:cs typeface="Calibri" panose="020F0502020204030204" pitchFamily="34" charset="0"/>
+                  </a:rPr>
                   <a:t>Householdera</a:t>
                 </a:r>
                 <a:r>
-                  <a:rPr lang="pl-PL" sz="2400" dirty="0" smtClean="0"/>
+                  <a:rPr lang="pl-PL" sz="2400" dirty="0" smtClean="0">
+                    <a:latin typeface="Calibri" panose="020F0502020204030204" pitchFamily="34" charset="0"/>
+                    <a:cs typeface="Calibri" panose="020F0502020204030204" pitchFamily="34" charset="0"/>
+                  </a:rPr>
                   <a:t>.</a:t>
                 </a:r>
-                <a:endParaRPr lang="pl-PL" sz="2400" dirty="0"/>
+                <a:endParaRPr lang="pl-PL" sz="2400" dirty="0">
+                  <a:latin typeface="Calibri" panose="020F0502020204030204" pitchFamily="34" charset="0"/>
+                  <a:cs typeface="Calibri" panose="020F0502020204030204" pitchFamily="34" charset="0"/>
+                </a:endParaRPr>
               </a:p>
             </p:txBody>
           </p:sp>
         </mc:Choice>
-        <mc:Fallback xmlns="">
+        <mc:Fallback>
           <p:sp>
             <p:nvSpPr>
               <p:cNvPr id="3" name="Symbol zastępczy zawartości 2"/>
@@ -12460,12 +12690,12 @@
             <p:spPr>
               <a:xfrm>
                 <a:off x="1588132" y="1844824"/>
-                <a:ext cx="9782801" cy="2332856"/>
+                <a:ext cx="9782801" cy="1656184"/>
               </a:xfrm>
               <a:blipFill>
                 <a:blip r:embed="rId2"/>
                 <a:stretch>
-                  <a:fillRect l="-873" t="-3403"/>
+                  <a:fillRect l="-873" t="-5166" r="-436" b="-4428"/>
                 </a:stretch>
               </a:blipFill>
             </p:spPr>
@@ -12597,4053 +12827,57 @@
           <a:lstStyle/>
           <a:p>
             <a:r>
-              <a:rPr lang="pl-PL" sz="3200" dirty="0" smtClean="0"/>
+              <a:rPr lang="pl-PL" sz="3200" dirty="0" smtClean="0">
+                <a:latin typeface="Calibri" panose="020F0502020204030204" pitchFamily="34" charset="0"/>
+                <a:cs typeface="Calibri" panose="020F0502020204030204" pitchFamily="34" charset="0"/>
+              </a:rPr>
               <a:t>Zastosowanie dla macierzy </a:t>
             </a:r>
             <a:r>
-              <a:rPr lang="pl-PL" sz="3200" dirty="0" err="1" smtClean="0"/>
+              <a:rPr lang="pl-PL" sz="3200" dirty="0" err="1" smtClean="0">
+                <a:latin typeface="Calibri" panose="020F0502020204030204" pitchFamily="34" charset="0"/>
+                <a:cs typeface="Calibri" panose="020F0502020204030204" pitchFamily="34" charset="0"/>
+              </a:rPr>
               <a:t>trójdiagonalnych</a:t>
             </a:r>
             <a:r>
-              <a:rPr lang="pl-PL" sz="3200" dirty="0" smtClean="0"/>
+              <a:rPr lang="pl-PL" sz="3200" dirty="0" smtClean="0">
+                <a:latin typeface="Calibri" panose="020F0502020204030204" pitchFamily="34" charset="0"/>
+                <a:cs typeface="Calibri" panose="020F0502020204030204" pitchFamily="34" charset="0"/>
+              </a:rPr>
               <a:t>:</a:t>
             </a:r>
-            <a:endParaRPr lang="pl-PL" sz="3200" dirty="0"/>
+            <a:endParaRPr lang="pl-PL" sz="3200" dirty="0">
+              <a:latin typeface="Calibri" panose="020F0502020204030204" pitchFamily="34" charset="0"/>
+              <a:cs typeface="Calibri" panose="020F0502020204030204" pitchFamily="34" charset="0"/>
+            </a:endParaRPr>
           </a:p>
         </p:txBody>
       </p:sp>
-      <mc:AlternateContent xmlns:mc="http://schemas.openxmlformats.org/markup-compatibility/2006" xmlns:a14="http://schemas.microsoft.com/office/drawing/2010/main">
-        <mc:Choice Requires="a14">
-          <p:sp>
-            <p:nvSpPr>
-              <p:cNvPr id="3" name="Prostokąt 2"/>
-              <p:cNvSpPr/>
-              <p:nvPr/>
-            </p:nvSpPr>
-            <p:spPr>
-              <a:xfrm>
-                <a:off x="2566020" y="2133696"/>
-                <a:ext cx="1944216" cy="1754326"/>
-              </a:xfrm>
-              <a:prstGeom prst="rect">
-                <a:avLst/>
-              </a:prstGeom>
-            </p:spPr>
-            <p:txBody>
-              <a:bodyPr wrap="square">
-                <a:spAutoFit/>
-              </a:bodyPr>
-              <a:lstStyle/>
-              <a:p>
-                <a14:m>
-                  <m:oMath xmlns:m="http://schemas.openxmlformats.org/officeDocument/2006/math">
-                    <m:r>
-                      <a:rPr lang="pl-PL" i="1" smtClean="0">
-                        <a:latin typeface="Cambria Math" panose="02040503050406030204" pitchFamily="18" charset="0"/>
-                      </a:rPr>
-                      <m:t>𝑥</m:t>
-                    </m:r>
-                  </m:oMath>
-                </a14:m>
-                <a:r>
-                  <a:rPr lang="pl-PL" dirty="0" smtClean="0"/>
-                  <a:t>   </a:t>
-                </a:r>
-                <a14:m>
-                  <m:oMath xmlns:m="http://schemas.openxmlformats.org/officeDocument/2006/math">
-                    <m:r>
-                      <a:rPr lang="pl-PL" i="1">
-                        <a:latin typeface="Cambria Math" panose="02040503050406030204" pitchFamily="18" charset="0"/>
-                      </a:rPr>
-                      <m:t>𝑥</m:t>
-                    </m:r>
-                  </m:oMath>
-                </a14:m>
-                <a:r>
-                  <a:rPr lang="pl-PL" dirty="0" smtClean="0"/>
-                  <a:t>   </a:t>
-                </a:r>
-                <a14:m>
-                  <m:oMath xmlns:m="http://schemas.openxmlformats.org/officeDocument/2006/math">
-                    <m:r>
-                      <a:rPr lang="pl-PL" b="0" i="1" dirty="0" smtClean="0">
-                        <a:latin typeface="Cambria Math" panose="02040503050406030204" pitchFamily="18" charset="0"/>
-                      </a:rPr>
-                      <m:t>0</m:t>
-                    </m:r>
-                  </m:oMath>
-                </a14:m>
-                <a:r>
-                  <a:rPr lang="pl-PL" dirty="0" smtClean="0"/>
-                  <a:t>   </a:t>
-                </a:r>
-                <a14:m>
-                  <m:oMath xmlns:m="http://schemas.openxmlformats.org/officeDocument/2006/math">
-                    <m:r>
-                      <a:rPr lang="pl-PL" b="0" i="1" dirty="0" smtClean="0">
-                        <a:latin typeface="Cambria Math" panose="02040503050406030204" pitchFamily="18" charset="0"/>
-                      </a:rPr>
-                      <m:t>0</m:t>
-                    </m:r>
-                  </m:oMath>
-                </a14:m>
-                <a:r>
-                  <a:rPr lang="pl-PL" dirty="0" smtClean="0"/>
-                  <a:t>   </a:t>
-                </a:r>
-                <a14:m>
-                  <m:oMath xmlns:m="http://schemas.openxmlformats.org/officeDocument/2006/math">
-                    <m:r>
-                      <a:rPr lang="pl-PL" b="0" i="1" dirty="0" smtClean="0">
-                        <a:latin typeface="Cambria Math" panose="02040503050406030204" pitchFamily="18" charset="0"/>
-                      </a:rPr>
-                      <m:t>0</m:t>
-                    </m:r>
-                  </m:oMath>
-                </a14:m>
-                <a:r>
-                  <a:rPr lang="pl-PL" dirty="0" smtClean="0"/>
-                  <a:t>   </a:t>
-                </a:r>
-                <a14:m>
-                  <m:oMath xmlns:m="http://schemas.openxmlformats.org/officeDocument/2006/math">
-                    <m:r>
-                      <a:rPr lang="pl-PL" b="0" i="1" dirty="0" smtClean="0">
-                        <a:latin typeface="Cambria Math" panose="02040503050406030204" pitchFamily="18" charset="0"/>
-                      </a:rPr>
-                      <m:t>0</m:t>
-                    </m:r>
-                  </m:oMath>
-                </a14:m>
-                <a:endParaRPr lang="pl-PL" dirty="0"/>
-              </a:p>
-              <a:p>
-                <a14:m>
-                  <m:oMath xmlns:m="http://schemas.openxmlformats.org/officeDocument/2006/math">
-                    <m:r>
-                      <a:rPr lang="pl-PL" i="1">
-                        <a:latin typeface="Cambria Math" panose="02040503050406030204" pitchFamily="18" charset="0"/>
-                      </a:rPr>
-                      <m:t>𝑥</m:t>
-                    </m:r>
-                  </m:oMath>
-                </a14:m>
-                <a:r>
-                  <a:rPr lang="pl-PL" dirty="0"/>
-                  <a:t>   </a:t>
-                </a:r>
-                <a14:m>
-                  <m:oMath xmlns:m="http://schemas.openxmlformats.org/officeDocument/2006/math">
-                    <m:r>
-                      <a:rPr lang="pl-PL" i="1">
-                        <a:latin typeface="Cambria Math" panose="02040503050406030204" pitchFamily="18" charset="0"/>
-                      </a:rPr>
-                      <m:t>𝑥</m:t>
-                    </m:r>
-                  </m:oMath>
-                </a14:m>
-                <a:r>
-                  <a:rPr lang="pl-PL" dirty="0"/>
-                  <a:t>   </a:t>
-                </a:r>
-                <a14:m>
-                  <m:oMath xmlns:m="http://schemas.openxmlformats.org/officeDocument/2006/math">
-                    <m:r>
-                      <a:rPr lang="pl-PL" i="1">
-                        <a:latin typeface="Cambria Math" panose="02040503050406030204" pitchFamily="18" charset="0"/>
-                      </a:rPr>
-                      <m:t>𝑥</m:t>
-                    </m:r>
-                  </m:oMath>
-                </a14:m>
-                <a:r>
-                  <a:rPr lang="pl-PL" dirty="0"/>
-                  <a:t>   </a:t>
-                </a:r>
-                <a14:m>
-                  <m:oMath xmlns:m="http://schemas.openxmlformats.org/officeDocument/2006/math">
-                    <m:r>
-                      <a:rPr lang="pl-PL" i="1" dirty="0">
-                        <a:latin typeface="Cambria Math" panose="02040503050406030204" pitchFamily="18" charset="0"/>
-                      </a:rPr>
-                      <m:t>0</m:t>
-                    </m:r>
-                  </m:oMath>
-                </a14:m>
-                <a:r>
-                  <a:rPr lang="pl-PL" dirty="0"/>
-                  <a:t>   </a:t>
-                </a:r>
-                <a14:m>
-                  <m:oMath xmlns:m="http://schemas.openxmlformats.org/officeDocument/2006/math">
-                    <m:r>
-                      <a:rPr lang="pl-PL" i="1" dirty="0">
-                        <a:latin typeface="Cambria Math" panose="02040503050406030204" pitchFamily="18" charset="0"/>
-                      </a:rPr>
-                      <m:t>0</m:t>
-                    </m:r>
-                  </m:oMath>
-                </a14:m>
-                <a:r>
-                  <a:rPr lang="pl-PL" dirty="0"/>
-                  <a:t>   </a:t>
-                </a:r>
-                <a14:m>
-                  <m:oMath xmlns:m="http://schemas.openxmlformats.org/officeDocument/2006/math">
-                    <m:r>
-                      <a:rPr lang="pl-PL" i="1" dirty="0">
-                        <a:latin typeface="Cambria Math" panose="02040503050406030204" pitchFamily="18" charset="0"/>
-                      </a:rPr>
-                      <m:t>0</m:t>
-                    </m:r>
-                  </m:oMath>
-                </a14:m>
-                <a:endParaRPr lang="pl-PL" dirty="0"/>
-              </a:p>
-              <a:p>
-                <a14:m>
-                  <m:oMath xmlns:m="http://schemas.openxmlformats.org/officeDocument/2006/math">
-                    <m:r>
-                      <a:rPr lang="pl-PL" b="0" i="1" smtClean="0">
-                        <a:latin typeface="Cambria Math" panose="02040503050406030204" pitchFamily="18" charset="0"/>
-                      </a:rPr>
-                      <m:t>0</m:t>
-                    </m:r>
-                  </m:oMath>
-                </a14:m>
-                <a:r>
-                  <a:rPr lang="pl-PL" dirty="0" smtClean="0"/>
-                  <a:t>   </a:t>
-                </a:r>
-                <a14:m>
-                  <m:oMath xmlns:m="http://schemas.openxmlformats.org/officeDocument/2006/math">
-                    <m:r>
-                      <a:rPr lang="pl-PL" i="1">
-                        <a:latin typeface="Cambria Math" panose="02040503050406030204" pitchFamily="18" charset="0"/>
-                      </a:rPr>
-                      <m:t>𝑥</m:t>
-                    </m:r>
-                  </m:oMath>
-                </a14:m>
-                <a:r>
-                  <a:rPr lang="pl-PL" dirty="0"/>
-                  <a:t>   </a:t>
-                </a:r>
-                <a14:m>
-                  <m:oMath xmlns:m="http://schemas.openxmlformats.org/officeDocument/2006/math">
-                    <m:r>
-                      <a:rPr lang="pl-PL" i="1">
-                        <a:latin typeface="Cambria Math" panose="02040503050406030204" pitchFamily="18" charset="0"/>
-                      </a:rPr>
-                      <m:t>𝑥</m:t>
-                    </m:r>
-                  </m:oMath>
-                </a14:m>
-                <a:r>
-                  <a:rPr lang="pl-PL" dirty="0"/>
-                  <a:t>   </a:t>
-                </a:r>
-                <a14:m>
-                  <m:oMath xmlns:m="http://schemas.openxmlformats.org/officeDocument/2006/math">
-                    <m:r>
-                      <a:rPr lang="pl-PL" i="1">
-                        <a:latin typeface="Cambria Math" panose="02040503050406030204" pitchFamily="18" charset="0"/>
-                      </a:rPr>
-                      <m:t>𝑥</m:t>
-                    </m:r>
-                  </m:oMath>
-                </a14:m>
-                <a:r>
-                  <a:rPr lang="pl-PL" dirty="0"/>
-                  <a:t> </a:t>
-                </a:r>
-                <a:r>
-                  <a:rPr lang="pl-PL" dirty="0" smtClean="0"/>
-                  <a:t>  </a:t>
-                </a:r>
-                <a14:m>
-                  <m:oMath xmlns:m="http://schemas.openxmlformats.org/officeDocument/2006/math">
-                    <m:r>
-                      <a:rPr lang="pl-PL" b="0" i="1" dirty="0" smtClean="0">
-                        <a:latin typeface="Cambria Math" panose="02040503050406030204" pitchFamily="18" charset="0"/>
-                      </a:rPr>
-                      <m:t>0</m:t>
-                    </m:r>
-                  </m:oMath>
-                </a14:m>
-                <a:r>
-                  <a:rPr lang="pl-PL" dirty="0" smtClean="0"/>
-                  <a:t>   </a:t>
-                </a:r>
-                <a14:m>
-                  <m:oMath xmlns:m="http://schemas.openxmlformats.org/officeDocument/2006/math">
-                    <m:r>
-                      <a:rPr lang="pl-PL" b="0" i="1" dirty="0" smtClean="0">
-                        <a:latin typeface="Cambria Math" panose="02040503050406030204" pitchFamily="18" charset="0"/>
-                      </a:rPr>
-                      <m:t>0</m:t>
-                    </m:r>
-                  </m:oMath>
-                </a14:m>
-                <a:endParaRPr lang="pl-PL" dirty="0"/>
-              </a:p>
-              <a:p>
-                <a14:m>
-                  <m:oMath xmlns:m="http://schemas.openxmlformats.org/officeDocument/2006/math">
-                    <m:r>
-                      <a:rPr lang="pl-PL" b="0" i="1" smtClean="0">
-                        <a:latin typeface="Cambria Math" panose="02040503050406030204" pitchFamily="18" charset="0"/>
-                      </a:rPr>
-                      <m:t>0</m:t>
-                    </m:r>
-                  </m:oMath>
-                </a14:m>
-                <a:r>
-                  <a:rPr lang="pl-PL" dirty="0" smtClean="0"/>
-                  <a:t>   </a:t>
-                </a:r>
-                <a14:m>
-                  <m:oMath xmlns:m="http://schemas.openxmlformats.org/officeDocument/2006/math">
-                    <m:r>
-                      <a:rPr lang="pl-PL" b="0" i="1" dirty="0" smtClean="0">
-                        <a:latin typeface="Cambria Math" panose="02040503050406030204" pitchFamily="18" charset="0"/>
-                      </a:rPr>
-                      <m:t>0</m:t>
-                    </m:r>
-                  </m:oMath>
-                </a14:m>
-                <a:r>
-                  <a:rPr lang="pl-PL" dirty="0" smtClean="0"/>
-                  <a:t>   </a:t>
-                </a:r>
-                <a14:m>
-                  <m:oMath xmlns:m="http://schemas.openxmlformats.org/officeDocument/2006/math">
-                    <m:r>
-                      <a:rPr lang="pl-PL" i="1">
-                        <a:latin typeface="Cambria Math" panose="02040503050406030204" pitchFamily="18" charset="0"/>
-                      </a:rPr>
-                      <m:t>𝑥</m:t>
-                    </m:r>
-                  </m:oMath>
-                </a14:m>
-                <a:r>
-                  <a:rPr lang="pl-PL" dirty="0"/>
-                  <a:t>   </a:t>
-                </a:r>
-                <a14:m>
-                  <m:oMath xmlns:m="http://schemas.openxmlformats.org/officeDocument/2006/math">
-                    <m:r>
-                      <a:rPr lang="pl-PL" i="1">
-                        <a:latin typeface="Cambria Math" panose="02040503050406030204" pitchFamily="18" charset="0"/>
-                      </a:rPr>
-                      <m:t>𝑥</m:t>
-                    </m:r>
-                  </m:oMath>
-                </a14:m>
-                <a:r>
-                  <a:rPr lang="pl-PL" dirty="0"/>
-                  <a:t>   </a:t>
-                </a:r>
-                <a14:m>
-                  <m:oMath xmlns:m="http://schemas.openxmlformats.org/officeDocument/2006/math">
-                    <m:r>
-                      <a:rPr lang="pl-PL" i="1">
-                        <a:latin typeface="Cambria Math" panose="02040503050406030204" pitchFamily="18" charset="0"/>
-                      </a:rPr>
-                      <m:t>𝑥</m:t>
-                    </m:r>
-                  </m:oMath>
-                </a14:m>
-                <a:r>
-                  <a:rPr lang="pl-PL" dirty="0"/>
-                  <a:t>   </a:t>
-                </a:r>
-                <a14:m>
-                  <m:oMath xmlns:m="http://schemas.openxmlformats.org/officeDocument/2006/math">
-                    <m:r>
-                      <a:rPr lang="pl-PL" b="0" i="1" dirty="0" smtClean="0">
-                        <a:latin typeface="Cambria Math" panose="02040503050406030204" pitchFamily="18" charset="0"/>
-                      </a:rPr>
-                      <m:t>0</m:t>
-                    </m:r>
-                  </m:oMath>
-                </a14:m>
-                <a:endParaRPr lang="pl-PL" dirty="0"/>
-              </a:p>
-              <a:p>
-                <a14:m>
-                  <m:oMath xmlns:m="http://schemas.openxmlformats.org/officeDocument/2006/math">
-                    <m:r>
-                      <a:rPr lang="pl-PL" b="0" i="1" smtClean="0">
-                        <a:latin typeface="Cambria Math" panose="02040503050406030204" pitchFamily="18" charset="0"/>
-                      </a:rPr>
-                      <m:t>0</m:t>
-                    </m:r>
-                  </m:oMath>
-                </a14:m>
-                <a:r>
-                  <a:rPr lang="pl-PL" dirty="0" smtClean="0"/>
-                  <a:t>   </a:t>
-                </a:r>
-                <a14:m>
-                  <m:oMath xmlns:m="http://schemas.openxmlformats.org/officeDocument/2006/math">
-                    <m:r>
-                      <a:rPr lang="pl-PL" b="0" i="1" dirty="0" smtClean="0">
-                        <a:latin typeface="Cambria Math" panose="02040503050406030204" pitchFamily="18" charset="0"/>
-                      </a:rPr>
-                      <m:t>0</m:t>
-                    </m:r>
-                  </m:oMath>
-                </a14:m>
-                <a:r>
-                  <a:rPr lang="pl-PL" dirty="0" smtClean="0"/>
-                  <a:t>   </a:t>
-                </a:r>
-                <a14:m>
-                  <m:oMath xmlns:m="http://schemas.openxmlformats.org/officeDocument/2006/math">
-                    <m:r>
-                      <a:rPr lang="pl-PL" b="0" i="1" dirty="0" smtClean="0">
-                        <a:latin typeface="Cambria Math" panose="02040503050406030204" pitchFamily="18" charset="0"/>
-                      </a:rPr>
-                      <m:t>0</m:t>
-                    </m:r>
-                  </m:oMath>
-                </a14:m>
-                <a:r>
-                  <a:rPr lang="pl-PL" dirty="0" smtClean="0"/>
-                  <a:t>   </a:t>
-                </a:r>
-                <a14:m>
-                  <m:oMath xmlns:m="http://schemas.openxmlformats.org/officeDocument/2006/math">
-                    <m:r>
-                      <a:rPr lang="pl-PL" i="1">
-                        <a:latin typeface="Cambria Math" panose="02040503050406030204" pitchFamily="18" charset="0"/>
-                      </a:rPr>
-                      <m:t>𝑥</m:t>
-                    </m:r>
-                  </m:oMath>
-                </a14:m>
-                <a:r>
-                  <a:rPr lang="pl-PL" dirty="0"/>
-                  <a:t>   </a:t>
-                </a:r>
-                <a14:m>
-                  <m:oMath xmlns:m="http://schemas.openxmlformats.org/officeDocument/2006/math">
-                    <m:r>
-                      <a:rPr lang="pl-PL" i="1">
-                        <a:latin typeface="Cambria Math" panose="02040503050406030204" pitchFamily="18" charset="0"/>
-                      </a:rPr>
-                      <m:t>𝑥</m:t>
-                    </m:r>
-                  </m:oMath>
-                </a14:m>
-                <a:r>
-                  <a:rPr lang="pl-PL" dirty="0"/>
-                  <a:t>   </a:t>
-                </a:r>
-                <a14:m>
-                  <m:oMath xmlns:m="http://schemas.openxmlformats.org/officeDocument/2006/math">
-                    <m:r>
-                      <a:rPr lang="pl-PL" i="1">
-                        <a:latin typeface="Cambria Math" panose="02040503050406030204" pitchFamily="18" charset="0"/>
-                      </a:rPr>
-                      <m:t>𝑥</m:t>
-                    </m:r>
-                  </m:oMath>
-                </a14:m>
-                <a:endParaRPr lang="pl-PL" dirty="0"/>
-              </a:p>
-              <a:p>
-                <a14:m>
-                  <m:oMath xmlns:m="http://schemas.openxmlformats.org/officeDocument/2006/math">
-                    <m:r>
-                      <a:rPr lang="pl-PL" b="0" i="1" smtClean="0">
-                        <a:latin typeface="Cambria Math" panose="02040503050406030204" pitchFamily="18" charset="0"/>
-                      </a:rPr>
-                      <m:t>0</m:t>
-                    </m:r>
-                  </m:oMath>
-                </a14:m>
-                <a:r>
-                  <a:rPr lang="pl-PL" dirty="0" smtClean="0"/>
-                  <a:t>   </a:t>
-                </a:r>
-                <a14:m>
-                  <m:oMath xmlns:m="http://schemas.openxmlformats.org/officeDocument/2006/math">
-                    <m:r>
-                      <a:rPr lang="pl-PL" b="0" i="1" dirty="0" smtClean="0">
-                        <a:latin typeface="Cambria Math" panose="02040503050406030204" pitchFamily="18" charset="0"/>
-                      </a:rPr>
-                      <m:t>0</m:t>
-                    </m:r>
-                  </m:oMath>
-                </a14:m>
-                <a:r>
-                  <a:rPr lang="pl-PL" dirty="0" smtClean="0"/>
-                  <a:t>   </a:t>
-                </a:r>
-                <a14:m>
-                  <m:oMath xmlns:m="http://schemas.openxmlformats.org/officeDocument/2006/math">
-                    <m:r>
-                      <a:rPr lang="pl-PL" b="0" i="1" dirty="0" smtClean="0">
-                        <a:latin typeface="Cambria Math" panose="02040503050406030204" pitchFamily="18" charset="0"/>
-                      </a:rPr>
-                      <m:t>0</m:t>
-                    </m:r>
-                  </m:oMath>
-                </a14:m>
-                <a:r>
-                  <a:rPr lang="pl-PL" dirty="0" smtClean="0"/>
-                  <a:t>   </a:t>
-                </a:r>
-                <a14:m>
-                  <m:oMath xmlns:m="http://schemas.openxmlformats.org/officeDocument/2006/math">
-                    <m:r>
-                      <a:rPr lang="pl-PL" b="0" i="1" dirty="0" smtClean="0">
-                        <a:latin typeface="Cambria Math" panose="02040503050406030204" pitchFamily="18" charset="0"/>
-                      </a:rPr>
-                      <m:t>0</m:t>
-                    </m:r>
-                  </m:oMath>
-                </a14:m>
-                <a:r>
-                  <a:rPr lang="pl-PL" dirty="0" smtClean="0"/>
-                  <a:t>   </a:t>
-                </a:r>
-                <a14:m>
-                  <m:oMath xmlns:m="http://schemas.openxmlformats.org/officeDocument/2006/math">
-                    <m:r>
-                      <a:rPr lang="pl-PL" i="1">
-                        <a:latin typeface="Cambria Math" panose="02040503050406030204" pitchFamily="18" charset="0"/>
-                      </a:rPr>
-                      <m:t>𝑥</m:t>
-                    </m:r>
-                  </m:oMath>
-                </a14:m>
-                <a:r>
-                  <a:rPr lang="pl-PL" dirty="0"/>
-                  <a:t>   </a:t>
-                </a:r>
-                <a14:m>
-                  <m:oMath xmlns:m="http://schemas.openxmlformats.org/officeDocument/2006/math">
-                    <m:r>
-                      <a:rPr lang="pl-PL" i="1">
-                        <a:latin typeface="Cambria Math" panose="02040503050406030204" pitchFamily="18" charset="0"/>
-                      </a:rPr>
-                      <m:t>𝑥</m:t>
-                    </m:r>
-                  </m:oMath>
-                </a14:m>
-                <a:endParaRPr lang="pl-PL" dirty="0"/>
-              </a:p>
-            </p:txBody>
-          </p:sp>
-        </mc:Choice>
-        <mc:Fallback xmlns="">
-          <p:sp>
-            <p:nvSpPr>
-              <p:cNvPr id="3" name="Prostokąt 2"/>
-              <p:cNvSpPr>
-                <a:spLocks noRot="1" noChangeAspect="1" noMove="1" noResize="1" noEditPoints="1" noAdjustHandles="1" noChangeArrowheads="1" noChangeShapeType="1" noTextEdit="1"/>
-              </p:cNvSpPr>
-              <p:nvPr/>
-            </p:nvSpPr>
-            <p:spPr>
-              <a:xfrm>
-                <a:off x="2566020" y="2133696"/>
-                <a:ext cx="1944216" cy="1754326"/>
-              </a:xfrm>
-              <a:prstGeom prst="rect">
-                <a:avLst/>
-              </a:prstGeom>
-              <a:blipFill>
-                <a:blip r:embed="rId2"/>
-                <a:stretch>
-                  <a:fillRect/>
-                </a:stretch>
-              </a:blipFill>
-            </p:spPr>
-            <p:txBody>
-              <a:bodyPr/>
-              <a:lstStyle/>
-              <a:p>
-                <a:r>
-                  <a:rPr lang="pl-PL">
-                    <a:noFill/>
-                  </a:rPr>
-                  <a:t> </a:t>
-                </a:r>
-              </a:p>
-            </p:txBody>
-          </p:sp>
-        </mc:Fallback>
-      </mc:AlternateContent>
-      <mc:AlternateContent xmlns:mc="http://schemas.openxmlformats.org/markup-compatibility/2006" xmlns:a14="http://schemas.microsoft.com/office/drawing/2010/main">
-        <mc:Choice Requires="a14">
-          <p:sp>
-            <p:nvSpPr>
-              <p:cNvPr id="4" name="Prostokąt 3"/>
-              <p:cNvSpPr/>
-              <p:nvPr/>
-            </p:nvSpPr>
-            <p:spPr>
-              <a:xfrm>
-                <a:off x="5302324" y="2132856"/>
-                <a:ext cx="1944216" cy="1754326"/>
-              </a:xfrm>
-              <a:prstGeom prst="rect">
-                <a:avLst/>
-              </a:prstGeom>
-            </p:spPr>
-            <p:txBody>
-              <a:bodyPr wrap="square">
-                <a:spAutoFit/>
-              </a:bodyPr>
-              <a:lstStyle/>
-              <a:p>
-                <a14:m>
-                  <m:oMath xmlns:m="http://schemas.openxmlformats.org/officeDocument/2006/math">
-                    <m:r>
-                      <a:rPr lang="pl-PL" i="1" smtClean="0">
-                        <a:latin typeface="Cambria Math" panose="02040503050406030204" pitchFamily="18" charset="0"/>
-                      </a:rPr>
-                      <m:t>𝑥</m:t>
-                    </m:r>
-                  </m:oMath>
-                </a14:m>
-                <a:r>
-                  <a:rPr lang="pl-PL" dirty="0" smtClean="0"/>
-                  <a:t>   </a:t>
-                </a:r>
-                <a14:m>
-                  <m:oMath xmlns:m="http://schemas.openxmlformats.org/officeDocument/2006/math">
-                    <m:r>
-                      <a:rPr lang="pl-PL" i="1">
-                        <a:latin typeface="Cambria Math" panose="02040503050406030204" pitchFamily="18" charset="0"/>
-                      </a:rPr>
-                      <m:t>𝑥</m:t>
-                    </m:r>
-                  </m:oMath>
-                </a14:m>
-                <a:r>
-                  <a:rPr lang="pl-PL" dirty="0" smtClean="0"/>
-                  <a:t>   </a:t>
-                </a:r>
-                <a14:m>
-                  <m:oMath xmlns:m="http://schemas.openxmlformats.org/officeDocument/2006/math">
-                    <m:r>
-                      <a:rPr lang="pl-PL" b="0" i="1" dirty="0" smtClean="0">
-                        <a:solidFill>
-                          <a:srgbClr val="FF0000"/>
-                        </a:solidFill>
-                        <a:latin typeface="Cambria Math" panose="02040503050406030204" pitchFamily="18" charset="0"/>
-                      </a:rPr>
-                      <m:t>𝑥</m:t>
-                    </m:r>
-                  </m:oMath>
-                </a14:m>
-                <a:r>
-                  <a:rPr lang="pl-PL" dirty="0" smtClean="0"/>
-                  <a:t>   </a:t>
-                </a:r>
-                <a14:m>
-                  <m:oMath xmlns:m="http://schemas.openxmlformats.org/officeDocument/2006/math">
-                    <m:r>
-                      <a:rPr lang="pl-PL" b="0" i="1" dirty="0" smtClean="0">
-                        <a:latin typeface="Cambria Math" panose="02040503050406030204" pitchFamily="18" charset="0"/>
-                      </a:rPr>
-                      <m:t>0</m:t>
-                    </m:r>
-                  </m:oMath>
-                </a14:m>
-                <a:r>
-                  <a:rPr lang="pl-PL" dirty="0" smtClean="0"/>
-                  <a:t>   </a:t>
-                </a:r>
-                <a14:m>
-                  <m:oMath xmlns:m="http://schemas.openxmlformats.org/officeDocument/2006/math">
-                    <m:r>
-                      <a:rPr lang="pl-PL" b="0" i="1" dirty="0" smtClean="0">
-                        <a:latin typeface="Cambria Math" panose="02040503050406030204" pitchFamily="18" charset="0"/>
-                      </a:rPr>
-                      <m:t>0</m:t>
-                    </m:r>
-                  </m:oMath>
-                </a14:m>
-                <a:r>
-                  <a:rPr lang="pl-PL" dirty="0" smtClean="0"/>
-                  <a:t>   </a:t>
-                </a:r>
-                <a14:m>
-                  <m:oMath xmlns:m="http://schemas.openxmlformats.org/officeDocument/2006/math">
-                    <m:r>
-                      <a:rPr lang="pl-PL" b="0" i="1" dirty="0" smtClean="0">
-                        <a:latin typeface="Cambria Math" panose="02040503050406030204" pitchFamily="18" charset="0"/>
-                      </a:rPr>
-                      <m:t>0</m:t>
-                    </m:r>
-                  </m:oMath>
-                </a14:m>
-                <a:endParaRPr lang="pl-PL" dirty="0"/>
-              </a:p>
-              <a:p>
-                <a14:m>
-                  <m:oMath xmlns:m="http://schemas.openxmlformats.org/officeDocument/2006/math">
-                    <m:r>
-                      <a:rPr lang="pl-PL" b="0" i="1" smtClean="0">
-                        <a:solidFill>
-                          <a:srgbClr val="FF0000"/>
-                        </a:solidFill>
-                        <a:latin typeface="Cambria Math" panose="02040503050406030204" pitchFamily="18" charset="0"/>
-                      </a:rPr>
-                      <m:t>0</m:t>
-                    </m:r>
-                  </m:oMath>
-                </a14:m>
-                <a:r>
-                  <a:rPr lang="pl-PL" dirty="0" smtClean="0"/>
-                  <a:t>   </a:t>
-                </a:r>
-                <a14:m>
-                  <m:oMath xmlns:m="http://schemas.openxmlformats.org/officeDocument/2006/math">
-                    <m:r>
-                      <a:rPr lang="pl-PL" i="1">
-                        <a:latin typeface="Cambria Math" panose="02040503050406030204" pitchFamily="18" charset="0"/>
-                      </a:rPr>
-                      <m:t>𝑥</m:t>
-                    </m:r>
-                  </m:oMath>
-                </a14:m>
-                <a:r>
-                  <a:rPr lang="pl-PL" dirty="0"/>
-                  <a:t>   </a:t>
-                </a:r>
-                <a14:m>
-                  <m:oMath xmlns:m="http://schemas.openxmlformats.org/officeDocument/2006/math">
-                    <m:r>
-                      <a:rPr lang="pl-PL" i="1">
-                        <a:latin typeface="Cambria Math" panose="02040503050406030204" pitchFamily="18" charset="0"/>
-                      </a:rPr>
-                      <m:t>𝑥</m:t>
-                    </m:r>
-                  </m:oMath>
-                </a14:m>
-                <a:r>
-                  <a:rPr lang="pl-PL" dirty="0"/>
-                  <a:t>   </a:t>
-                </a:r>
-                <a14:m>
-                  <m:oMath xmlns:m="http://schemas.openxmlformats.org/officeDocument/2006/math">
-                    <m:r>
-                      <a:rPr lang="pl-PL" i="1" dirty="0">
-                        <a:latin typeface="Cambria Math" panose="02040503050406030204" pitchFamily="18" charset="0"/>
-                      </a:rPr>
-                      <m:t>0</m:t>
-                    </m:r>
-                  </m:oMath>
-                </a14:m>
-                <a:r>
-                  <a:rPr lang="pl-PL" dirty="0"/>
-                  <a:t>   </a:t>
-                </a:r>
-                <a14:m>
-                  <m:oMath xmlns:m="http://schemas.openxmlformats.org/officeDocument/2006/math">
-                    <m:r>
-                      <a:rPr lang="pl-PL" i="1" dirty="0">
-                        <a:latin typeface="Cambria Math" panose="02040503050406030204" pitchFamily="18" charset="0"/>
-                      </a:rPr>
-                      <m:t>0</m:t>
-                    </m:r>
-                  </m:oMath>
-                </a14:m>
-                <a:r>
-                  <a:rPr lang="pl-PL" dirty="0"/>
-                  <a:t>   </a:t>
-                </a:r>
-                <a14:m>
-                  <m:oMath xmlns:m="http://schemas.openxmlformats.org/officeDocument/2006/math">
-                    <m:r>
-                      <a:rPr lang="pl-PL" i="1" dirty="0">
-                        <a:latin typeface="Cambria Math" panose="02040503050406030204" pitchFamily="18" charset="0"/>
-                      </a:rPr>
-                      <m:t>0</m:t>
-                    </m:r>
-                  </m:oMath>
-                </a14:m>
-                <a:endParaRPr lang="pl-PL" dirty="0"/>
-              </a:p>
-              <a:p>
-                <a14:m>
-                  <m:oMath xmlns:m="http://schemas.openxmlformats.org/officeDocument/2006/math">
-                    <m:r>
-                      <a:rPr lang="pl-PL" b="0" i="1" smtClean="0">
-                        <a:latin typeface="Cambria Math" panose="02040503050406030204" pitchFamily="18" charset="0"/>
-                      </a:rPr>
-                      <m:t>0</m:t>
-                    </m:r>
-                  </m:oMath>
-                </a14:m>
-                <a:r>
-                  <a:rPr lang="pl-PL" dirty="0" smtClean="0"/>
-                  <a:t>   </a:t>
-                </a:r>
-                <a14:m>
-                  <m:oMath xmlns:m="http://schemas.openxmlformats.org/officeDocument/2006/math">
-                    <m:r>
-                      <a:rPr lang="pl-PL" i="1">
-                        <a:latin typeface="Cambria Math" panose="02040503050406030204" pitchFamily="18" charset="0"/>
-                      </a:rPr>
-                      <m:t>𝑥</m:t>
-                    </m:r>
-                  </m:oMath>
-                </a14:m>
-                <a:r>
-                  <a:rPr lang="pl-PL" dirty="0"/>
-                  <a:t>   </a:t>
-                </a:r>
-                <a14:m>
-                  <m:oMath xmlns:m="http://schemas.openxmlformats.org/officeDocument/2006/math">
-                    <m:r>
-                      <a:rPr lang="pl-PL" i="1">
-                        <a:latin typeface="Cambria Math" panose="02040503050406030204" pitchFamily="18" charset="0"/>
-                      </a:rPr>
-                      <m:t>𝑥</m:t>
-                    </m:r>
-                  </m:oMath>
-                </a14:m>
-                <a:r>
-                  <a:rPr lang="pl-PL" dirty="0"/>
-                  <a:t>   </a:t>
-                </a:r>
-                <a14:m>
-                  <m:oMath xmlns:m="http://schemas.openxmlformats.org/officeDocument/2006/math">
-                    <m:r>
-                      <a:rPr lang="pl-PL" i="1">
-                        <a:latin typeface="Cambria Math" panose="02040503050406030204" pitchFamily="18" charset="0"/>
-                      </a:rPr>
-                      <m:t>𝑥</m:t>
-                    </m:r>
-                  </m:oMath>
-                </a14:m>
-                <a:r>
-                  <a:rPr lang="pl-PL" dirty="0"/>
-                  <a:t> </a:t>
-                </a:r>
-                <a:r>
-                  <a:rPr lang="pl-PL" dirty="0" smtClean="0"/>
-                  <a:t>  </a:t>
-                </a:r>
-                <a14:m>
-                  <m:oMath xmlns:m="http://schemas.openxmlformats.org/officeDocument/2006/math">
-                    <m:r>
-                      <a:rPr lang="pl-PL" b="0" i="1" dirty="0" smtClean="0">
-                        <a:latin typeface="Cambria Math" panose="02040503050406030204" pitchFamily="18" charset="0"/>
-                      </a:rPr>
-                      <m:t>0</m:t>
-                    </m:r>
-                  </m:oMath>
-                </a14:m>
-                <a:r>
-                  <a:rPr lang="pl-PL" dirty="0" smtClean="0"/>
-                  <a:t>   </a:t>
-                </a:r>
-                <a14:m>
-                  <m:oMath xmlns:m="http://schemas.openxmlformats.org/officeDocument/2006/math">
-                    <m:r>
-                      <a:rPr lang="pl-PL" b="0" i="1" dirty="0" smtClean="0">
-                        <a:latin typeface="Cambria Math" panose="02040503050406030204" pitchFamily="18" charset="0"/>
-                      </a:rPr>
-                      <m:t>0</m:t>
-                    </m:r>
-                  </m:oMath>
-                </a14:m>
-                <a:endParaRPr lang="pl-PL" dirty="0"/>
-              </a:p>
-              <a:p>
-                <a14:m>
-                  <m:oMath xmlns:m="http://schemas.openxmlformats.org/officeDocument/2006/math">
-                    <m:r>
-                      <a:rPr lang="pl-PL" b="0" i="1" smtClean="0">
-                        <a:latin typeface="Cambria Math" panose="02040503050406030204" pitchFamily="18" charset="0"/>
-                      </a:rPr>
-                      <m:t>0</m:t>
-                    </m:r>
-                  </m:oMath>
-                </a14:m>
-                <a:r>
-                  <a:rPr lang="pl-PL" dirty="0" smtClean="0"/>
-                  <a:t>   </a:t>
-                </a:r>
-                <a14:m>
-                  <m:oMath xmlns:m="http://schemas.openxmlformats.org/officeDocument/2006/math">
-                    <m:r>
-                      <a:rPr lang="pl-PL" b="0" i="1" dirty="0" smtClean="0">
-                        <a:latin typeface="Cambria Math" panose="02040503050406030204" pitchFamily="18" charset="0"/>
-                      </a:rPr>
-                      <m:t>0</m:t>
-                    </m:r>
-                  </m:oMath>
-                </a14:m>
-                <a:r>
-                  <a:rPr lang="pl-PL" dirty="0" smtClean="0"/>
-                  <a:t>   </a:t>
-                </a:r>
-                <a14:m>
-                  <m:oMath xmlns:m="http://schemas.openxmlformats.org/officeDocument/2006/math">
-                    <m:r>
-                      <a:rPr lang="pl-PL" i="1">
-                        <a:latin typeface="Cambria Math" panose="02040503050406030204" pitchFamily="18" charset="0"/>
-                      </a:rPr>
-                      <m:t>𝑥</m:t>
-                    </m:r>
-                  </m:oMath>
-                </a14:m>
-                <a:r>
-                  <a:rPr lang="pl-PL" dirty="0"/>
-                  <a:t>   </a:t>
-                </a:r>
-                <a14:m>
-                  <m:oMath xmlns:m="http://schemas.openxmlformats.org/officeDocument/2006/math">
-                    <m:r>
-                      <a:rPr lang="pl-PL" i="1">
-                        <a:latin typeface="Cambria Math" panose="02040503050406030204" pitchFamily="18" charset="0"/>
-                      </a:rPr>
-                      <m:t>𝑥</m:t>
-                    </m:r>
-                  </m:oMath>
-                </a14:m>
-                <a:r>
-                  <a:rPr lang="pl-PL" dirty="0"/>
-                  <a:t>   </a:t>
-                </a:r>
-                <a14:m>
-                  <m:oMath xmlns:m="http://schemas.openxmlformats.org/officeDocument/2006/math">
-                    <m:r>
-                      <a:rPr lang="pl-PL" i="1">
-                        <a:latin typeface="Cambria Math" panose="02040503050406030204" pitchFamily="18" charset="0"/>
-                      </a:rPr>
-                      <m:t>𝑥</m:t>
-                    </m:r>
-                  </m:oMath>
-                </a14:m>
-                <a:r>
-                  <a:rPr lang="pl-PL" dirty="0"/>
-                  <a:t>   </a:t>
-                </a:r>
-                <a14:m>
-                  <m:oMath xmlns:m="http://schemas.openxmlformats.org/officeDocument/2006/math">
-                    <m:r>
-                      <a:rPr lang="pl-PL" b="0" i="1" dirty="0" smtClean="0">
-                        <a:latin typeface="Cambria Math" panose="02040503050406030204" pitchFamily="18" charset="0"/>
-                      </a:rPr>
-                      <m:t>0</m:t>
-                    </m:r>
-                  </m:oMath>
-                </a14:m>
-                <a:endParaRPr lang="pl-PL" dirty="0"/>
-              </a:p>
-              <a:p>
-                <a14:m>
-                  <m:oMath xmlns:m="http://schemas.openxmlformats.org/officeDocument/2006/math">
-                    <m:r>
-                      <a:rPr lang="pl-PL" b="0" i="1" smtClean="0">
-                        <a:latin typeface="Cambria Math" panose="02040503050406030204" pitchFamily="18" charset="0"/>
-                      </a:rPr>
-                      <m:t>0</m:t>
-                    </m:r>
-                  </m:oMath>
-                </a14:m>
-                <a:r>
-                  <a:rPr lang="pl-PL" dirty="0" smtClean="0"/>
-                  <a:t>   </a:t>
-                </a:r>
-                <a14:m>
-                  <m:oMath xmlns:m="http://schemas.openxmlformats.org/officeDocument/2006/math">
-                    <m:r>
-                      <a:rPr lang="pl-PL" b="0" i="1" dirty="0" smtClean="0">
-                        <a:latin typeface="Cambria Math" panose="02040503050406030204" pitchFamily="18" charset="0"/>
-                      </a:rPr>
-                      <m:t>0</m:t>
-                    </m:r>
-                  </m:oMath>
-                </a14:m>
-                <a:r>
-                  <a:rPr lang="pl-PL" dirty="0" smtClean="0"/>
-                  <a:t>   </a:t>
-                </a:r>
-                <a14:m>
-                  <m:oMath xmlns:m="http://schemas.openxmlformats.org/officeDocument/2006/math">
-                    <m:r>
-                      <a:rPr lang="pl-PL" b="0" i="1" dirty="0" smtClean="0">
-                        <a:latin typeface="Cambria Math" panose="02040503050406030204" pitchFamily="18" charset="0"/>
-                      </a:rPr>
-                      <m:t>0</m:t>
-                    </m:r>
-                  </m:oMath>
-                </a14:m>
-                <a:r>
-                  <a:rPr lang="pl-PL" dirty="0" smtClean="0"/>
-                  <a:t>   </a:t>
-                </a:r>
-                <a14:m>
-                  <m:oMath xmlns:m="http://schemas.openxmlformats.org/officeDocument/2006/math">
-                    <m:r>
-                      <a:rPr lang="pl-PL" i="1">
-                        <a:latin typeface="Cambria Math" panose="02040503050406030204" pitchFamily="18" charset="0"/>
-                      </a:rPr>
-                      <m:t>𝑥</m:t>
-                    </m:r>
-                  </m:oMath>
-                </a14:m>
-                <a:r>
-                  <a:rPr lang="pl-PL" dirty="0"/>
-                  <a:t>   </a:t>
-                </a:r>
-                <a14:m>
-                  <m:oMath xmlns:m="http://schemas.openxmlformats.org/officeDocument/2006/math">
-                    <m:r>
-                      <a:rPr lang="pl-PL" i="1">
-                        <a:latin typeface="Cambria Math" panose="02040503050406030204" pitchFamily="18" charset="0"/>
-                      </a:rPr>
-                      <m:t>𝑥</m:t>
-                    </m:r>
-                  </m:oMath>
-                </a14:m>
-                <a:r>
-                  <a:rPr lang="pl-PL" dirty="0"/>
-                  <a:t>   </a:t>
-                </a:r>
-                <a14:m>
-                  <m:oMath xmlns:m="http://schemas.openxmlformats.org/officeDocument/2006/math">
-                    <m:r>
-                      <a:rPr lang="pl-PL" i="1">
-                        <a:latin typeface="Cambria Math" panose="02040503050406030204" pitchFamily="18" charset="0"/>
-                      </a:rPr>
-                      <m:t>𝑥</m:t>
-                    </m:r>
-                  </m:oMath>
-                </a14:m>
-                <a:endParaRPr lang="pl-PL" dirty="0"/>
-              </a:p>
-              <a:p>
-                <a14:m>
-                  <m:oMath xmlns:m="http://schemas.openxmlformats.org/officeDocument/2006/math">
-                    <m:r>
-                      <a:rPr lang="pl-PL" b="0" i="1" smtClean="0">
-                        <a:latin typeface="Cambria Math" panose="02040503050406030204" pitchFamily="18" charset="0"/>
-                      </a:rPr>
-                      <m:t>0</m:t>
-                    </m:r>
-                  </m:oMath>
-                </a14:m>
-                <a:r>
-                  <a:rPr lang="pl-PL" dirty="0" smtClean="0"/>
-                  <a:t>   </a:t>
-                </a:r>
-                <a14:m>
-                  <m:oMath xmlns:m="http://schemas.openxmlformats.org/officeDocument/2006/math">
-                    <m:r>
-                      <a:rPr lang="pl-PL" b="0" i="1" dirty="0" smtClean="0">
-                        <a:latin typeface="Cambria Math" panose="02040503050406030204" pitchFamily="18" charset="0"/>
-                      </a:rPr>
-                      <m:t>0</m:t>
-                    </m:r>
-                  </m:oMath>
-                </a14:m>
-                <a:r>
-                  <a:rPr lang="pl-PL" dirty="0" smtClean="0"/>
-                  <a:t>   </a:t>
-                </a:r>
-                <a14:m>
-                  <m:oMath xmlns:m="http://schemas.openxmlformats.org/officeDocument/2006/math">
-                    <m:r>
-                      <a:rPr lang="pl-PL" b="0" i="1" dirty="0" smtClean="0">
-                        <a:latin typeface="Cambria Math" panose="02040503050406030204" pitchFamily="18" charset="0"/>
-                      </a:rPr>
-                      <m:t>0</m:t>
-                    </m:r>
-                  </m:oMath>
-                </a14:m>
-                <a:r>
-                  <a:rPr lang="pl-PL" dirty="0" smtClean="0"/>
-                  <a:t>   </a:t>
-                </a:r>
-                <a14:m>
-                  <m:oMath xmlns:m="http://schemas.openxmlformats.org/officeDocument/2006/math">
-                    <m:r>
-                      <a:rPr lang="pl-PL" b="0" i="1" dirty="0" smtClean="0">
-                        <a:latin typeface="Cambria Math" panose="02040503050406030204" pitchFamily="18" charset="0"/>
-                      </a:rPr>
-                      <m:t>0</m:t>
-                    </m:r>
-                  </m:oMath>
-                </a14:m>
-                <a:r>
-                  <a:rPr lang="pl-PL" dirty="0" smtClean="0"/>
-                  <a:t>   </a:t>
-                </a:r>
-                <a14:m>
-                  <m:oMath xmlns:m="http://schemas.openxmlformats.org/officeDocument/2006/math">
-                    <m:r>
-                      <a:rPr lang="pl-PL" i="1">
-                        <a:latin typeface="Cambria Math" panose="02040503050406030204" pitchFamily="18" charset="0"/>
-                      </a:rPr>
-                      <m:t>𝑥</m:t>
-                    </m:r>
-                  </m:oMath>
-                </a14:m>
-                <a:r>
-                  <a:rPr lang="pl-PL" dirty="0"/>
-                  <a:t>   </a:t>
-                </a:r>
-                <a14:m>
-                  <m:oMath xmlns:m="http://schemas.openxmlformats.org/officeDocument/2006/math">
-                    <m:r>
-                      <a:rPr lang="pl-PL" i="1">
-                        <a:latin typeface="Cambria Math" panose="02040503050406030204" pitchFamily="18" charset="0"/>
-                      </a:rPr>
-                      <m:t>𝑥</m:t>
-                    </m:r>
-                  </m:oMath>
-                </a14:m>
-                <a:endParaRPr lang="pl-PL" dirty="0"/>
-              </a:p>
-            </p:txBody>
-          </p:sp>
-        </mc:Choice>
-        <mc:Fallback xmlns="">
-          <p:sp>
-            <p:nvSpPr>
-              <p:cNvPr id="4" name="Prostokąt 3"/>
-              <p:cNvSpPr>
-                <a:spLocks noRot="1" noChangeAspect="1" noMove="1" noResize="1" noEditPoints="1" noAdjustHandles="1" noChangeArrowheads="1" noChangeShapeType="1" noTextEdit="1"/>
-              </p:cNvSpPr>
-              <p:nvPr/>
-            </p:nvSpPr>
-            <p:spPr>
-              <a:xfrm>
-                <a:off x="5302324" y="2132856"/>
-                <a:ext cx="1944216" cy="1754326"/>
-              </a:xfrm>
-              <a:prstGeom prst="rect">
-                <a:avLst/>
-              </a:prstGeom>
-              <a:blipFill>
-                <a:blip r:embed="rId3"/>
-                <a:stretch>
-                  <a:fillRect/>
-                </a:stretch>
-              </a:blipFill>
-            </p:spPr>
-            <p:txBody>
-              <a:bodyPr/>
-              <a:lstStyle/>
-              <a:p>
-                <a:r>
-                  <a:rPr lang="pl-PL">
-                    <a:noFill/>
-                  </a:rPr>
-                  <a:t> </a:t>
-                </a:r>
-              </a:p>
-            </p:txBody>
-          </p:sp>
-        </mc:Fallback>
-      </mc:AlternateContent>
-      <mc:AlternateContent xmlns:mc="http://schemas.openxmlformats.org/markup-compatibility/2006" xmlns:a14="http://schemas.microsoft.com/office/drawing/2010/main">
-        <mc:Choice Requires="a14">
-          <p:sp>
-            <p:nvSpPr>
-              <p:cNvPr id="5" name="Prostokąt 4"/>
-              <p:cNvSpPr/>
-              <p:nvPr/>
-            </p:nvSpPr>
-            <p:spPr>
-              <a:xfrm>
-                <a:off x="8038628" y="2132856"/>
-                <a:ext cx="1944216" cy="1754326"/>
-              </a:xfrm>
-              <a:prstGeom prst="rect">
-                <a:avLst/>
-              </a:prstGeom>
-            </p:spPr>
-            <p:txBody>
-              <a:bodyPr wrap="square">
-                <a:spAutoFit/>
-              </a:bodyPr>
-              <a:lstStyle/>
-              <a:p>
-                <a14:m>
-                  <m:oMath xmlns:m="http://schemas.openxmlformats.org/officeDocument/2006/math">
-                    <m:r>
-                      <a:rPr lang="pl-PL" i="1" smtClean="0">
-                        <a:latin typeface="Cambria Math" panose="02040503050406030204" pitchFamily="18" charset="0"/>
-                      </a:rPr>
-                      <m:t>𝑥</m:t>
-                    </m:r>
-                  </m:oMath>
-                </a14:m>
-                <a:r>
-                  <a:rPr lang="pl-PL" dirty="0" smtClean="0"/>
-                  <a:t>   </a:t>
-                </a:r>
-                <a14:m>
-                  <m:oMath xmlns:m="http://schemas.openxmlformats.org/officeDocument/2006/math">
-                    <m:r>
-                      <a:rPr lang="pl-PL" i="1">
-                        <a:latin typeface="Cambria Math" panose="02040503050406030204" pitchFamily="18" charset="0"/>
-                      </a:rPr>
-                      <m:t>𝑥</m:t>
-                    </m:r>
-                  </m:oMath>
-                </a14:m>
-                <a:r>
-                  <a:rPr lang="pl-PL" dirty="0" smtClean="0"/>
-                  <a:t>   </a:t>
-                </a:r>
-                <a14:m>
-                  <m:oMath xmlns:m="http://schemas.openxmlformats.org/officeDocument/2006/math">
-                    <m:r>
-                      <a:rPr lang="pl-PL" b="0" i="1" dirty="0" smtClean="0">
-                        <a:solidFill>
-                          <a:schemeClr val="tx1"/>
-                        </a:solidFill>
-                        <a:latin typeface="Cambria Math" panose="02040503050406030204" pitchFamily="18" charset="0"/>
-                      </a:rPr>
-                      <m:t>𝑥</m:t>
-                    </m:r>
-                  </m:oMath>
-                </a14:m>
-                <a:r>
-                  <a:rPr lang="pl-PL" dirty="0" smtClean="0"/>
-                  <a:t>   </a:t>
-                </a:r>
-                <a14:m>
-                  <m:oMath xmlns:m="http://schemas.openxmlformats.org/officeDocument/2006/math">
-                    <m:r>
-                      <a:rPr lang="pl-PL" b="0" i="1" dirty="0" smtClean="0">
-                        <a:latin typeface="Cambria Math" panose="02040503050406030204" pitchFamily="18" charset="0"/>
-                      </a:rPr>
-                      <m:t>0</m:t>
-                    </m:r>
-                  </m:oMath>
-                </a14:m>
-                <a:r>
-                  <a:rPr lang="pl-PL" dirty="0" smtClean="0"/>
-                  <a:t>   </a:t>
-                </a:r>
-                <a14:m>
-                  <m:oMath xmlns:m="http://schemas.openxmlformats.org/officeDocument/2006/math">
-                    <m:r>
-                      <a:rPr lang="pl-PL" b="0" i="1" dirty="0" smtClean="0">
-                        <a:latin typeface="Cambria Math" panose="02040503050406030204" pitchFamily="18" charset="0"/>
-                      </a:rPr>
-                      <m:t>0</m:t>
-                    </m:r>
-                  </m:oMath>
-                </a14:m>
-                <a:r>
-                  <a:rPr lang="pl-PL" dirty="0" smtClean="0"/>
-                  <a:t>   </a:t>
-                </a:r>
-                <a14:m>
-                  <m:oMath xmlns:m="http://schemas.openxmlformats.org/officeDocument/2006/math">
-                    <m:r>
-                      <a:rPr lang="pl-PL" b="0" i="1" dirty="0" smtClean="0">
-                        <a:latin typeface="Cambria Math" panose="02040503050406030204" pitchFamily="18" charset="0"/>
-                      </a:rPr>
-                      <m:t>0</m:t>
-                    </m:r>
-                  </m:oMath>
-                </a14:m>
-                <a:endParaRPr lang="pl-PL" dirty="0"/>
-              </a:p>
-              <a:p>
-                <a14:m>
-                  <m:oMath xmlns:m="http://schemas.openxmlformats.org/officeDocument/2006/math">
-                    <m:r>
-                      <a:rPr lang="pl-PL" b="0" i="1" smtClean="0">
-                        <a:solidFill>
-                          <a:schemeClr val="tx1"/>
-                        </a:solidFill>
-                        <a:latin typeface="Cambria Math" panose="02040503050406030204" pitchFamily="18" charset="0"/>
-                      </a:rPr>
-                      <m:t>0</m:t>
-                    </m:r>
-                  </m:oMath>
-                </a14:m>
-                <a:r>
-                  <a:rPr lang="pl-PL" dirty="0" smtClean="0"/>
-                  <a:t>   </a:t>
-                </a:r>
-                <a14:m>
-                  <m:oMath xmlns:m="http://schemas.openxmlformats.org/officeDocument/2006/math">
-                    <m:r>
-                      <a:rPr lang="pl-PL" i="1">
-                        <a:latin typeface="Cambria Math" panose="02040503050406030204" pitchFamily="18" charset="0"/>
-                      </a:rPr>
-                      <m:t>𝑥</m:t>
-                    </m:r>
-                  </m:oMath>
-                </a14:m>
-                <a:r>
-                  <a:rPr lang="pl-PL" dirty="0"/>
-                  <a:t>   </a:t>
-                </a:r>
-                <a14:m>
-                  <m:oMath xmlns:m="http://schemas.openxmlformats.org/officeDocument/2006/math">
-                    <m:r>
-                      <a:rPr lang="pl-PL" i="1">
-                        <a:latin typeface="Cambria Math" panose="02040503050406030204" pitchFamily="18" charset="0"/>
-                      </a:rPr>
-                      <m:t>𝑥</m:t>
-                    </m:r>
-                  </m:oMath>
-                </a14:m>
-                <a:r>
-                  <a:rPr lang="pl-PL" dirty="0"/>
-                  <a:t>   </a:t>
-                </a:r>
-                <a14:m>
-                  <m:oMath xmlns:m="http://schemas.openxmlformats.org/officeDocument/2006/math">
-                    <m:r>
-                      <a:rPr lang="pl-PL" b="0" i="1" dirty="0" smtClean="0">
-                        <a:solidFill>
-                          <a:srgbClr val="FF0000"/>
-                        </a:solidFill>
-                        <a:latin typeface="Cambria Math" panose="02040503050406030204" pitchFamily="18" charset="0"/>
-                      </a:rPr>
-                      <m:t>𝑥</m:t>
-                    </m:r>
-                  </m:oMath>
-                </a14:m>
-                <a:r>
-                  <a:rPr lang="pl-PL" dirty="0" smtClean="0"/>
-                  <a:t>   </a:t>
-                </a:r>
-                <a14:m>
-                  <m:oMath xmlns:m="http://schemas.openxmlformats.org/officeDocument/2006/math">
-                    <m:r>
-                      <a:rPr lang="pl-PL" i="1" dirty="0">
-                        <a:latin typeface="Cambria Math" panose="02040503050406030204" pitchFamily="18" charset="0"/>
-                      </a:rPr>
-                      <m:t>0</m:t>
-                    </m:r>
-                  </m:oMath>
-                </a14:m>
-                <a:r>
-                  <a:rPr lang="pl-PL" dirty="0"/>
-                  <a:t>   </a:t>
-                </a:r>
-                <a14:m>
-                  <m:oMath xmlns:m="http://schemas.openxmlformats.org/officeDocument/2006/math">
-                    <m:r>
-                      <a:rPr lang="pl-PL" i="1" dirty="0">
-                        <a:latin typeface="Cambria Math" panose="02040503050406030204" pitchFamily="18" charset="0"/>
-                      </a:rPr>
-                      <m:t>0</m:t>
-                    </m:r>
-                  </m:oMath>
-                </a14:m>
-                <a:endParaRPr lang="pl-PL" dirty="0"/>
-              </a:p>
-              <a:p>
-                <a14:m>
-                  <m:oMath xmlns:m="http://schemas.openxmlformats.org/officeDocument/2006/math">
-                    <m:r>
-                      <a:rPr lang="pl-PL" b="0" i="1" smtClean="0">
-                        <a:latin typeface="Cambria Math" panose="02040503050406030204" pitchFamily="18" charset="0"/>
-                      </a:rPr>
-                      <m:t>0</m:t>
-                    </m:r>
-                  </m:oMath>
-                </a14:m>
-                <a:r>
-                  <a:rPr lang="pl-PL" dirty="0" smtClean="0"/>
-                  <a:t>   </a:t>
-                </a:r>
-                <a14:m>
-                  <m:oMath xmlns:m="http://schemas.openxmlformats.org/officeDocument/2006/math">
-                    <m:r>
-                      <a:rPr lang="pl-PL" b="0" i="1" dirty="0" smtClean="0">
-                        <a:solidFill>
-                          <a:srgbClr val="FF0000"/>
-                        </a:solidFill>
-                        <a:latin typeface="Cambria Math" panose="02040503050406030204" pitchFamily="18" charset="0"/>
-                      </a:rPr>
-                      <m:t>0</m:t>
-                    </m:r>
-                  </m:oMath>
-                </a14:m>
-                <a:r>
-                  <a:rPr lang="pl-PL" dirty="0" smtClean="0"/>
-                  <a:t>   </a:t>
-                </a:r>
-                <a14:m>
-                  <m:oMath xmlns:m="http://schemas.openxmlformats.org/officeDocument/2006/math">
-                    <m:r>
-                      <a:rPr lang="pl-PL" i="1">
-                        <a:latin typeface="Cambria Math" panose="02040503050406030204" pitchFamily="18" charset="0"/>
-                      </a:rPr>
-                      <m:t>𝑥</m:t>
-                    </m:r>
-                  </m:oMath>
-                </a14:m>
-                <a:r>
-                  <a:rPr lang="pl-PL" dirty="0"/>
-                  <a:t>   </a:t>
-                </a:r>
-                <a14:m>
-                  <m:oMath xmlns:m="http://schemas.openxmlformats.org/officeDocument/2006/math">
-                    <m:r>
-                      <a:rPr lang="pl-PL" i="1">
-                        <a:latin typeface="Cambria Math" panose="02040503050406030204" pitchFamily="18" charset="0"/>
-                      </a:rPr>
-                      <m:t>𝑥</m:t>
-                    </m:r>
-                  </m:oMath>
-                </a14:m>
-                <a:r>
-                  <a:rPr lang="pl-PL" dirty="0"/>
-                  <a:t> </a:t>
-                </a:r>
-                <a:r>
-                  <a:rPr lang="pl-PL" dirty="0" smtClean="0"/>
-                  <a:t>  </a:t>
-                </a:r>
-                <a14:m>
-                  <m:oMath xmlns:m="http://schemas.openxmlformats.org/officeDocument/2006/math">
-                    <m:r>
-                      <a:rPr lang="pl-PL" b="0" i="1" dirty="0" smtClean="0">
-                        <a:latin typeface="Cambria Math" panose="02040503050406030204" pitchFamily="18" charset="0"/>
-                      </a:rPr>
-                      <m:t>0</m:t>
-                    </m:r>
-                  </m:oMath>
-                </a14:m>
-                <a:r>
-                  <a:rPr lang="pl-PL" dirty="0" smtClean="0"/>
-                  <a:t>   </a:t>
-                </a:r>
-                <a14:m>
-                  <m:oMath xmlns:m="http://schemas.openxmlformats.org/officeDocument/2006/math">
-                    <m:r>
-                      <a:rPr lang="pl-PL" b="0" i="1" dirty="0" smtClean="0">
-                        <a:latin typeface="Cambria Math" panose="02040503050406030204" pitchFamily="18" charset="0"/>
-                      </a:rPr>
-                      <m:t>0</m:t>
-                    </m:r>
-                  </m:oMath>
-                </a14:m>
-                <a:endParaRPr lang="pl-PL" dirty="0"/>
-              </a:p>
-              <a:p>
-                <a14:m>
-                  <m:oMath xmlns:m="http://schemas.openxmlformats.org/officeDocument/2006/math">
-                    <m:r>
-                      <a:rPr lang="pl-PL" b="0" i="1" smtClean="0">
-                        <a:latin typeface="Cambria Math" panose="02040503050406030204" pitchFamily="18" charset="0"/>
-                      </a:rPr>
-                      <m:t>0</m:t>
-                    </m:r>
-                  </m:oMath>
-                </a14:m>
-                <a:r>
-                  <a:rPr lang="pl-PL" dirty="0" smtClean="0"/>
-                  <a:t>   </a:t>
-                </a:r>
-                <a14:m>
-                  <m:oMath xmlns:m="http://schemas.openxmlformats.org/officeDocument/2006/math">
-                    <m:r>
-                      <a:rPr lang="pl-PL" b="0" i="1" dirty="0" smtClean="0">
-                        <a:latin typeface="Cambria Math" panose="02040503050406030204" pitchFamily="18" charset="0"/>
-                      </a:rPr>
-                      <m:t>0</m:t>
-                    </m:r>
-                  </m:oMath>
-                </a14:m>
-                <a:r>
-                  <a:rPr lang="pl-PL" dirty="0" smtClean="0"/>
-                  <a:t>   </a:t>
-                </a:r>
-                <a14:m>
-                  <m:oMath xmlns:m="http://schemas.openxmlformats.org/officeDocument/2006/math">
-                    <m:r>
-                      <a:rPr lang="pl-PL" i="1">
-                        <a:latin typeface="Cambria Math" panose="02040503050406030204" pitchFamily="18" charset="0"/>
-                      </a:rPr>
-                      <m:t>𝑥</m:t>
-                    </m:r>
-                  </m:oMath>
-                </a14:m>
-                <a:r>
-                  <a:rPr lang="pl-PL" dirty="0"/>
-                  <a:t>   </a:t>
-                </a:r>
-                <a14:m>
-                  <m:oMath xmlns:m="http://schemas.openxmlformats.org/officeDocument/2006/math">
-                    <m:r>
-                      <a:rPr lang="pl-PL" i="1">
-                        <a:latin typeface="Cambria Math" panose="02040503050406030204" pitchFamily="18" charset="0"/>
-                      </a:rPr>
-                      <m:t>𝑥</m:t>
-                    </m:r>
-                  </m:oMath>
-                </a14:m>
-                <a:r>
-                  <a:rPr lang="pl-PL" dirty="0"/>
-                  <a:t>   </a:t>
-                </a:r>
-                <a14:m>
-                  <m:oMath xmlns:m="http://schemas.openxmlformats.org/officeDocument/2006/math">
-                    <m:r>
-                      <a:rPr lang="pl-PL" i="1">
-                        <a:latin typeface="Cambria Math" panose="02040503050406030204" pitchFamily="18" charset="0"/>
-                      </a:rPr>
-                      <m:t>𝑥</m:t>
-                    </m:r>
-                  </m:oMath>
-                </a14:m>
-                <a:r>
-                  <a:rPr lang="pl-PL" dirty="0"/>
-                  <a:t>   </a:t>
-                </a:r>
-                <a14:m>
-                  <m:oMath xmlns:m="http://schemas.openxmlformats.org/officeDocument/2006/math">
-                    <m:r>
-                      <a:rPr lang="pl-PL" b="0" i="1" dirty="0" smtClean="0">
-                        <a:latin typeface="Cambria Math" panose="02040503050406030204" pitchFamily="18" charset="0"/>
-                      </a:rPr>
-                      <m:t>0</m:t>
-                    </m:r>
-                  </m:oMath>
-                </a14:m>
-                <a:endParaRPr lang="pl-PL" dirty="0"/>
-              </a:p>
-              <a:p>
-                <a14:m>
-                  <m:oMath xmlns:m="http://schemas.openxmlformats.org/officeDocument/2006/math">
-                    <m:r>
-                      <a:rPr lang="pl-PL" b="0" i="1" smtClean="0">
-                        <a:latin typeface="Cambria Math" panose="02040503050406030204" pitchFamily="18" charset="0"/>
-                      </a:rPr>
-                      <m:t>0</m:t>
-                    </m:r>
-                  </m:oMath>
-                </a14:m>
-                <a:r>
-                  <a:rPr lang="pl-PL" dirty="0" smtClean="0"/>
-                  <a:t>   </a:t>
-                </a:r>
-                <a14:m>
-                  <m:oMath xmlns:m="http://schemas.openxmlformats.org/officeDocument/2006/math">
-                    <m:r>
-                      <a:rPr lang="pl-PL" b="0" i="1" dirty="0" smtClean="0">
-                        <a:latin typeface="Cambria Math" panose="02040503050406030204" pitchFamily="18" charset="0"/>
-                      </a:rPr>
-                      <m:t>0</m:t>
-                    </m:r>
-                  </m:oMath>
-                </a14:m>
-                <a:r>
-                  <a:rPr lang="pl-PL" dirty="0" smtClean="0"/>
-                  <a:t>   </a:t>
-                </a:r>
-                <a14:m>
-                  <m:oMath xmlns:m="http://schemas.openxmlformats.org/officeDocument/2006/math">
-                    <m:r>
-                      <a:rPr lang="pl-PL" b="0" i="1" dirty="0" smtClean="0">
-                        <a:latin typeface="Cambria Math" panose="02040503050406030204" pitchFamily="18" charset="0"/>
-                      </a:rPr>
-                      <m:t>0</m:t>
-                    </m:r>
-                  </m:oMath>
-                </a14:m>
-                <a:r>
-                  <a:rPr lang="pl-PL" dirty="0" smtClean="0"/>
-                  <a:t>   </a:t>
-                </a:r>
-                <a14:m>
-                  <m:oMath xmlns:m="http://schemas.openxmlformats.org/officeDocument/2006/math">
-                    <m:r>
-                      <a:rPr lang="pl-PL" i="1">
-                        <a:latin typeface="Cambria Math" panose="02040503050406030204" pitchFamily="18" charset="0"/>
-                      </a:rPr>
-                      <m:t>𝑥</m:t>
-                    </m:r>
-                  </m:oMath>
-                </a14:m>
-                <a:r>
-                  <a:rPr lang="pl-PL" dirty="0"/>
-                  <a:t>   </a:t>
-                </a:r>
-                <a14:m>
-                  <m:oMath xmlns:m="http://schemas.openxmlformats.org/officeDocument/2006/math">
-                    <m:r>
-                      <a:rPr lang="pl-PL" i="1">
-                        <a:latin typeface="Cambria Math" panose="02040503050406030204" pitchFamily="18" charset="0"/>
-                      </a:rPr>
-                      <m:t>𝑥</m:t>
-                    </m:r>
-                  </m:oMath>
-                </a14:m>
-                <a:r>
-                  <a:rPr lang="pl-PL" dirty="0"/>
-                  <a:t>   </a:t>
-                </a:r>
-                <a14:m>
-                  <m:oMath xmlns:m="http://schemas.openxmlformats.org/officeDocument/2006/math">
-                    <m:r>
-                      <a:rPr lang="pl-PL" i="1">
-                        <a:latin typeface="Cambria Math" panose="02040503050406030204" pitchFamily="18" charset="0"/>
-                      </a:rPr>
-                      <m:t>𝑥</m:t>
-                    </m:r>
-                  </m:oMath>
-                </a14:m>
-                <a:endParaRPr lang="pl-PL" dirty="0"/>
-              </a:p>
-              <a:p>
-                <a14:m>
-                  <m:oMath xmlns:m="http://schemas.openxmlformats.org/officeDocument/2006/math">
-                    <m:r>
-                      <a:rPr lang="pl-PL" b="0" i="1" smtClean="0">
-                        <a:latin typeface="Cambria Math" panose="02040503050406030204" pitchFamily="18" charset="0"/>
-                      </a:rPr>
-                      <m:t>0</m:t>
-                    </m:r>
-                  </m:oMath>
-                </a14:m>
-                <a:r>
-                  <a:rPr lang="pl-PL" dirty="0" smtClean="0"/>
-                  <a:t>   </a:t>
-                </a:r>
-                <a14:m>
-                  <m:oMath xmlns:m="http://schemas.openxmlformats.org/officeDocument/2006/math">
-                    <m:r>
-                      <a:rPr lang="pl-PL" b="0" i="1" dirty="0" smtClean="0">
-                        <a:latin typeface="Cambria Math" panose="02040503050406030204" pitchFamily="18" charset="0"/>
-                      </a:rPr>
-                      <m:t>0</m:t>
-                    </m:r>
-                  </m:oMath>
-                </a14:m>
-                <a:r>
-                  <a:rPr lang="pl-PL" dirty="0" smtClean="0"/>
-                  <a:t>   </a:t>
-                </a:r>
-                <a14:m>
-                  <m:oMath xmlns:m="http://schemas.openxmlformats.org/officeDocument/2006/math">
-                    <m:r>
-                      <a:rPr lang="pl-PL" b="0" i="1" dirty="0" smtClean="0">
-                        <a:latin typeface="Cambria Math" panose="02040503050406030204" pitchFamily="18" charset="0"/>
-                      </a:rPr>
-                      <m:t>0</m:t>
-                    </m:r>
-                  </m:oMath>
-                </a14:m>
-                <a:r>
-                  <a:rPr lang="pl-PL" dirty="0" smtClean="0"/>
-                  <a:t>   </a:t>
-                </a:r>
-                <a14:m>
-                  <m:oMath xmlns:m="http://schemas.openxmlformats.org/officeDocument/2006/math">
-                    <m:r>
-                      <a:rPr lang="pl-PL" b="0" i="1" dirty="0" smtClean="0">
-                        <a:latin typeface="Cambria Math" panose="02040503050406030204" pitchFamily="18" charset="0"/>
-                      </a:rPr>
-                      <m:t>0</m:t>
-                    </m:r>
-                  </m:oMath>
-                </a14:m>
-                <a:r>
-                  <a:rPr lang="pl-PL" dirty="0" smtClean="0"/>
-                  <a:t>   </a:t>
-                </a:r>
-                <a14:m>
-                  <m:oMath xmlns:m="http://schemas.openxmlformats.org/officeDocument/2006/math">
-                    <m:r>
-                      <a:rPr lang="pl-PL" i="1">
-                        <a:latin typeface="Cambria Math" panose="02040503050406030204" pitchFamily="18" charset="0"/>
-                      </a:rPr>
-                      <m:t>𝑥</m:t>
-                    </m:r>
-                  </m:oMath>
-                </a14:m>
-                <a:r>
-                  <a:rPr lang="pl-PL" dirty="0"/>
-                  <a:t>   </a:t>
-                </a:r>
-                <a14:m>
-                  <m:oMath xmlns:m="http://schemas.openxmlformats.org/officeDocument/2006/math">
-                    <m:r>
-                      <a:rPr lang="pl-PL" i="1">
-                        <a:latin typeface="Cambria Math" panose="02040503050406030204" pitchFamily="18" charset="0"/>
-                      </a:rPr>
-                      <m:t>𝑥</m:t>
-                    </m:r>
-                  </m:oMath>
-                </a14:m>
-                <a:endParaRPr lang="pl-PL" dirty="0"/>
-              </a:p>
-            </p:txBody>
-          </p:sp>
-        </mc:Choice>
-        <mc:Fallback xmlns="">
-          <p:sp>
-            <p:nvSpPr>
-              <p:cNvPr id="5" name="Prostokąt 4"/>
-              <p:cNvSpPr>
-                <a:spLocks noRot="1" noChangeAspect="1" noMove="1" noResize="1" noEditPoints="1" noAdjustHandles="1" noChangeArrowheads="1" noChangeShapeType="1" noTextEdit="1"/>
-              </p:cNvSpPr>
-              <p:nvPr/>
-            </p:nvSpPr>
-            <p:spPr>
-              <a:xfrm>
-                <a:off x="8038628" y="2132856"/>
-                <a:ext cx="1944216" cy="1754326"/>
-              </a:xfrm>
-              <a:prstGeom prst="rect">
-                <a:avLst/>
-              </a:prstGeom>
-              <a:blipFill>
-                <a:blip r:embed="rId4"/>
-                <a:stretch>
-                  <a:fillRect/>
-                </a:stretch>
-              </a:blipFill>
-            </p:spPr>
-            <p:txBody>
-              <a:bodyPr/>
-              <a:lstStyle/>
-              <a:p>
-                <a:r>
-                  <a:rPr lang="pl-PL">
-                    <a:noFill/>
-                  </a:rPr>
-                  <a:t> </a:t>
-                </a:r>
-              </a:p>
-            </p:txBody>
-          </p:sp>
-        </mc:Fallback>
-      </mc:AlternateContent>
-      <mc:AlternateContent xmlns:mc="http://schemas.openxmlformats.org/markup-compatibility/2006" xmlns:a14="http://schemas.microsoft.com/office/drawing/2010/main">
-        <mc:Choice Requires="a14">
-          <p:sp>
-            <p:nvSpPr>
-              <p:cNvPr id="6" name="Prostokąt 5"/>
-              <p:cNvSpPr/>
-              <p:nvPr/>
-            </p:nvSpPr>
-            <p:spPr>
-              <a:xfrm>
-                <a:off x="2566020" y="4581968"/>
-                <a:ext cx="1944216" cy="1754326"/>
-              </a:xfrm>
-              <a:prstGeom prst="rect">
-                <a:avLst/>
-              </a:prstGeom>
-            </p:spPr>
-            <p:txBody>
-              <a:bodyPr wrap="square">
-                <a:spAutoFit/>
-              </a:bodyPr>
-              <a:lstStyle/>
-              <a:p>
-                <a14:m>
-                  <m:oMath xmlns:m="http://schemas.openxmlformats.org/officeDocument/2006/math">
-                    <m:r>
-                      <a:rPr lang="pl-PL" i="1" smtClean="0">
-                        <a:latin typeface="Cambria Math" panose="02040503050406030204" pitchFamily="18" charset="0"/>
-                      </a:rPr>
-                      <m:t>𝑥</m:t>
-                    </m:r>
-                  </m:oMath>
-                </a14:m>
-                <a:r>
-                  <a:rPr lang="pl-PL" dirty="0" smtClean="0"/>
-                  <a:t>   </a:t>
-                </a:r>
-                <a14:m>
-                  <m:oMath xmlns:m="http://schemas.openxmlformats.org/officeDocument/2006/math">
-                    <m:r>
-                      <a:rPr lang="pl-PL" i="1">
-                        <a:latin typeface="Cambria Math" panose="02040503050406030204" pitchFamily="18" charset="0"/>
-                      </a:rPr>
-                      <m:t>𝑥</m:t>
-                    </m:r>
-                  </m:oMath>
-                </a14:m>
-                <a:r>
-                  <a:rPr lang="pl-PL" dirty="0" smtClean="0"/>
-                  <a:t>   </a:t>
-                </a:r>
-                <a14:m>
-                  <m:oMath xmlns:m="http://schemas.openxmlformats.org/officeDocument/2006/math">
-                    <m:r>
-                      <a:rPr lang="pl-PL" b="0" i="1" dirty="0" smtClean="0">
-                        <a:solidFill>
-                          <a:schemeClr val="tx1"/>
-                        </a:solidFill>
-                        <a:latin typeface="Cambria Math" panose="02040503050406030204" pitchFamily="18" charset="0"/>
-                      </a:rPr>
-                      <m:t>𝑥</m:t>
-                    </m:r>
-                  </m:oMath>
-                </a14:m>
-                <a:r>
-                  <a:rPr lang="pl-PL" dirty="0" smtClean="0"/>
-                  <a:t>   </a:t>
-                </a:r>
-                <a14:m>
-                  <m:oMath xmlns:m="http://schemas.openxmlformats.org/officeDocument/2006/math">
-                    <m:r>
-                      <a:rPr lang="pl-PL" b="0" i="1" dirty="0" smtClean="0">
-                        <a:latin typeface="Cambria Math" panose="02040503050406030204" pitchFamily="18" charset="0"/>
-                      </a:rPr>
-                      <m:t>0</m:t>
-                    </m:r>
-                  </m:oMath>
-                </a14:m>
-                <a:r>
-                  <a:rPr lang="pl-PL" dirty="0" smtClean="0"/>
-                  <a:t>   </a:t>
-                </a:r>
-                <a14:m>
-                  <m:oMath xmlns:m="http://schemas.openxmlformats.org/officeDocument/2006/math">
-                    <m:r>
-                      <a:rPr lang="pl-PL" b="0" i="1" dirty="0" smtClean="0">
-                        <a:latin typeface="Cambria Math" panose="02040503050406030204" pitchFamily="18" charset="0"/>
-                      </a:rPr>
-                      <m:t>0</m:t>
-                    </m:r>
-                  </m:oMath>
-                </a14:m>
-                <a:r>
-                  <a:rPr lang="pl-PL" dirty="0" smtClean="0"/>
-                  <a:t>   </a:t>
-                </a:r>
-                <a14:m>
-                  <m:oMath xmlns:m="http://schemas.openxmlformats.org/officeDocument/2006/math">
-                    <m:r>
-                      <a:rPr lang="pl-PL" b="0" i="1" dirty="0" smtClean="0">
-                        <a:latin typeface="Cambria Math" panose="02040503050406030204" pitchFamily="18" charset="0"/>
-                      </a:rPr>
-                      <m:t>0</m:t>
-                    </m:r>
-                  </m:oMath>
-                </a14:m>
-                <a:endParaRPr lang="pl-PL" dirty="0"/>
-              </a:p>
-              <a:p>
-                <a14:m>
-                  <m:oMath xmlns:m="http://schemas.openxmlformats.org/officeDocument/2006/math">
-                    <m:r>
-                      <a:rPr lang="pl-PL" b="0" i="1" smtClean="0">
-                        <a:solidFill>
-                          <a:schemeClr val="tx1"/>
-                        </a:solidFill>
-                        <a:latin typeface="Cambria Math" panose="02040503050406030204" pitchFamily="18" charset="0"/>
-                      </a:rPr>
-                      <m:t>0</m:t>
-                    </m:r>
-                  </m:oMath>
-                </a14:m>
-                <a:r>
-                  <a:rPr lang="pl-PL" dirty="0" smtClean="0"/>
-                  <a:t>   </a:t>
-                </a:r>
-                <a14:m>
-                  <m:oMath xmlns:m="http://schemas.openxmlformats.org/officeDocument/2006/math">
-                    <m:r>
-                      <a:rPr lang="pl-PL" i="1">
-                        <a:latin typeface="Cambria Math" panose="02040503050406030204" pitchFamily="18" charset="0"/>
-                      </a:rPr>
-                      <m:t>𝑥</m:t>
-                    </m:r>
-                  </m:oMath>
-                </a14:m>
-                <a:r>
-                  <a:rPr lang="pl-PL" dirty="0"/>
-                  <a:t>   </a:t>
-                </a:r>
-                <a14:m>
-                  <m:oMath xmlns:m="http://schemas.openxmlformats.org/officeDocument/2006/math">
-                    <m:r>
-                      <a:rPr lang="pl-PL" i="1">
-                        <a:latin typeface="Cambria Math" panose="02040503050406030204" pitchFamily="18" charset="0"/>
-                      </a:rPr>
-                      <m:t>𝑥</m:t>
-                    </m:r>
-                  </m:oMath>
-                </a14:m>
-                <a:r>
-                  <a:rPr lang="pl-PL" dirty="0"/>
-                  <a:t>   </a:t>
-                </a:r>
-                <a14:m>
-                  <m:oMath xmlns:m="http://schemas.openxmlformats.org/officeDocument/2006/math">
-                    <m:r>
-                      <a:rPr lang="pl-PL" b="0" i="1" dirty="0" smtClean="0">
-                        <a:latin typeface="Cambria Math" panose="02040503050406030204" pitchFamily="18" charset="0"/>
-                      </a:rPr>
-                      <m:t>𝑥</m:t>
-                    </m:r>
-                  </m:oMath>
-                </a14:m>
-                <a:r>
-                  <a:rPr lang="pl-PL" dirty="0" smtClean="0"/>
-                  <a:t>   </a:t>
-                </a:r>
-                <a14:m>
-                  <m:oMath xmlns:m="http://schemas.openxmlformats.org/officeDocument/2006/math">
-                    <m:r>
-                      <a:rPr lang="pl-PL" i="1" dirty="0">
-                        <a:latin typeface="Cambria Math" panose="02040503050406030204" pitchFamily="18" charset="0"/>
-                      </a:rPr>
-                      <m:t>0</m:t>
-                    </m:r>
-                  </m:oMath>
-                </a14:m>
-                <a:r>
-                  <a:rPr lang="pl-PL" dirty="0"/>
-                  <a:t>   </a:t>
-                </a:r>
-                <a14:m>
-                  <m:oMath xmlns:m="http://schemas.openxmlformats.org/officeDocument/2006/math">
-                    <m:r>
-                      <a:rPr lang="pl-PL" i="1" dirty="0">
-                        <a:latin typeface="Cambria Math" panose="02040503050406030204" pitchFamily="18" charset="0"/>
-                      </a:rPr>
-                      <m:t>0</m:t>
-                    </m:r>
-                  </m:oMath>
-                </a14:m>
-                <a:endParaRPr lang="pl-PL" dirty="0"/>
-              </a:p>
-              <a:p>
-                <a14:m>
-                  <m:oMath xmlns:m="http://schemas.openxmlformats.org/officeDocument/2006/math">
-                    <m:r>
-                      <a:rPr lang="pl-PL" b="0" i="1" smtClean="0">
-                        <a:latin typeface="Cambria Math" panose="02040503050406030204" pitchFamily="18" charset="0"/>
-                      </a:rPr>
-                      <m:t>0</m:t>
-                    </m:r>
-                  </m:oMath>
-                </a14:m>
-                <a:r>
-                  <a:rPr lang="pl-PL" dirty="0" smtClean="0"/>
-                  <a:t>   </a:t>
-                </a:r>
-                <a14:m>
-                  <m:oMath xmlns:m="http://schemas.openxmlformats.org/officeDocument/2006/math">
-                    <m:r>
-                      <a:rPr lang="pl-PL" b="0" i="1" dirty="0" smtClean="0">
-                        <a:latin typeface="Cambria Math" panose="02040503050406030204" pitchFamily="18" charset="0"/>
-                      </a:rPr>
-                      <m:t>0</m:t>
-                    </m:r>
-                  </m:oMath>
-                </a14:m>
-                <a:r>
-                  <a:rPr lang="pl-PL" dirty="0" smtClean="0"/>
-                  <a:t>   </a:t>
-                </a:r>
-                <a14:m>
-                  <m:oMath xmlns:m="http://schemas.openxmlformats.org/officeDocument/2006/math">
-                    <m:r>
-                      <a:rPr lang="pl-PL" i="1">
-                        <a:latin typeface="Cambria Math" panose="02040503050406030204" pitchFamily="18" charset="0"/>
-                      </a:rPr>
-                      <m:t>𝑥</m:t>
-                    </m:r>
-                  </m:oMath>
-                </a14:m>
-                <a:r>
-                  <a:rPr lang="pl-PL" dirty="0"/>
-                  <a:t>   </a:t>
-                </a:r>
-                <a14:m>
-                  <m:oMath xmlns:m="http://schemas.openxmlformats.org/officeDocument/2006/math">
-                    <m:r>
-                      <a:rPr lang="pl-PL" i="1">
-                        <a:latin typeface="Cambria Math" panose="02040503050406030204" pitchFamily="18" charset="0"/>
-                      </a:rPr>
-                      <m:t>𝑥</m:t>
-                    </m:r>
-                  </m:oMath>
-                </a14:m>
-                <a:r>
-                  <a:rPr lang="pl-PL" dirty="0" smtClean="0"/>
-                  <a:t>   </a:t>
-                </a:r>
-                <a14:m>
-                  <m:oMath xmlns:m="http://schemas.openxmlformats.org/officeDocument/2006/math">
-                    <m:r>
-                      <a:rPr lang="pl-PL" b="0" i="1" dirty="0" smtClean="0">
-                        <a:solidFill>
-                          <a:srgbClr val="FF0000"/>
-                        </a:solidFill>
-                        <a:latin typeface="Cambria Math" panose="02040503050406030204" pitchFamily="18" charset="0"/>
-                      </a:rPr>
-                      <m:t>𝑥</m:t>
-                    </m:r>
-                  </m:oMath>
-                </a14:m>
-                <a:r>
-                  <a:rPr lang="pl-PL" dirty="0" smtClean="0"/>
-                  <a:t>   </a:t>
-                </a:r>
-                <a14:m>
-                  <m:oMath xmlns:m="http://schemas.openxmlformats.org/officeDocument/2006/math">
-                    <m:r>
-                      <a:rPr lang="pl-PL" b="0" i="1" dirty="0" smtClean="0">
-                        <a:latin typeface="Cambria Math" panose="02040503050406030204" pitchFamily="18" charset="0"/>
-                      </a:rPr>
-                      <m:t>0</m:t>
-                    </m:r>
-                  </m:oMath>
-                </a14:m>
-                <a:endParaRPr lang="pl-PL" dirty="0"/>
-              </a:p>
-              <a:p>
-                <a14:m>
-                  <m:oMath xmlns:m="http://schemas.openxmlformats.org/officeDocument/2006/math">
-                    <m:r>
-                      <a:rPr lang="pl-PL" b="0" i="1" smtClean="0">
-                        <a:latin typeface="Cambria Math" panose="02040503050406030204" pitchFamily="18" charset="0"/>
-                      </a:rPr>
-                      <m:t>0</m:t>
-                    </m:r>
-                  </m:oMath>
-                </a14:m>
-                <a:r>
-                  <a:rPr lang="pl-PL" dirty="0" smtClean="0"/>
-                  <a:t>   </a:t>
-                </a:r>
-                <a14:m>
-                  <m:oMath xmlns:m="http://schemas.openxmlformats.org/officeDocument/2006/math">
-                    <m:r>
-                      <a:rPr lang="pl-PL" b="0" i="1" dirty="0" smtClean="0">
-                        <a:latin typeface="Cambria Math" panose="02040503050406030204" pitchFamily="18" charset="0"/>
-                      </a:rPr>
-                      <m:t>0</m:t>
-                    </m:r>
-                  </m:oMath>
-                </a14:m>
-                <a:r>
-                  <a:rPr lang="pl-PL" dirty="0" smtClean="0"/>
-                  <a:t>   </a:t>
-                </a:r>
-                <a14:m>
-                  <m:oMath xmlns:m="http://schemas.openxmlformats.org/officeDocument/2006/math">
-                    <m:r>
-                      <a:rPr lang="pl-PL" b="0" i="1" dirty="0" smtClean="0">
-                        <a:solidFill>
-                          <a:srgbClr val="FF0000"/>
-                        </a:solidFill>
-                        <a:latin typeface="Cambria Math" panose="02040503050406030204" pitchFamily="18" charset="0"/>
-                      </a:rPr>
-                      <m:t>0</m:t>
-                    </m:r>
-                  </m:oMath>
-                </a14:m>
-                <a:r>
-                  <a:rPr lang="pl-PL" dirty="0" smtClean="0"/>
-                  <a:t>   </a:t>
-                </a:r>
-                <a14:m>
-                  <m:oMath xmlns:m="http://schemas.openxmlformats.org/officeDocument/2006/math">
-                    <m:r>
-                      <a:rPr lang="pl-PL" i="1">
-                        <a:latin typeface="Cambria Math" panose="02040503050406030204" pitchFamily="18" charset="0"/>
-                      </a:rPr>
-                      <m:t>𝑥</m:t>
-                    </m:r>
-                  </m:oMath>
-                </a14:m>
-                <a:r>
-                  <a:rPr lang="pl-PL" dirty="0"/>
-                  <a:t>   </a:t>
-                </a:r>
-                <a14:m>
-                  <m:oMath xmlns:m="http://schemas.openxmlformats.org/officeDocument/2006/math">
-                    <m:r>
-                      <a:rPr lang="pl-PL" i="1">
-                        <a:latin typeface="Cambria Math" panose="02040503050406030204" pitchFamily="18" charset="0"/>
-                      </a:rPr>
-                      <m:t>𝑥</m:t>
-                    </m:r>
-                  </m:oMath>
-                </a14:m>
-                <a:r>
-                  <a:rPr lang="pl-PL" dirty="0"/>
-                  <a:t>   </a:t>
-                </a:r>
-                <a14:m>
-                  <m:oMath xmlns:m="http://schemas.openxmlformats.org/officeDocument/2006/math">
-                    <m:r>
-                      <a:rPr lang="pl-PL" b="0" i="1" dirty="0" smtClean="0">
-                        <a:latin typeface="Cambria Math" panose="02040503050406030204" pitchFamily="18" charset="0"/>
-                      </a:rPr>
-                      <m:t>0</m:t>
-                    </m:r>
-                  </m:oMath>
-                </a14:m>
-                <a:endParaRPr lang="pl-PL" dirty="0"/>
-              </a:p>
-              <a:p>
-                <a14:m>
-                  <m:oMath xmlns:m="http://schemas.openxmlformats.org/officeDocument/2006/math">
-                    <m:r>
-                      <a:rPr lang="pl-PL" b="0" i="1" smtClean="0">
-                        <a:latin typeface="Cambria Math" panose="02040503050406030204" pitchFamily="18" charset="0"/>
-                      </a:rPr>
-                      <m:t>0</m:t>
-                    </m:r>
-                  </m:oMath>
-                </a14:m>
-                <a:r>
-                  <a:rPr lang="pl-PL" dirty="0" smtClean="0"/>
-                  <a:t>   </a:t>
-                </a:r>
-                <a14:m>
-                  <m:oMath xmlns:m="http://schemas.openxmlformats.org/officeDocument/2006/math">
-                    <m:r>
-                      <a:rPr lang="pl-PL" b="0" i="1" dirty="0" smtClean="0">
-                        <a:latin typeface="Cambria Math" panose="02040503050406030204" pitchFamily="18" charset="0"/>
-                      </a:rPr>
-                      <m:t>0</m:t>
-                    </m:r>
-                  </m:oMath>
-                </a14:m>
-                <a:r>
-                  <a:rPr lang="pl-PL" dirty="0" smtClean="0"/>
-                  <a:t>   </a:t>
-                </a:r>
-                <a14:m>
-                  <m:oMath xmlns:m="http://schemas.openxmlformats.org/officeDocument/2006/math">
-                    <m:r>
-                      <a:rPr lang="pl-PL" b="0" i="1" dirty="0" smtClean="0">
-                        <a:latin typeface="Cambria Math" panose="02040503050406030204" pitchFamily="18" charset="0"/>
-                      </a:rPr>
-                      <m:t>0</m:t>
-                    </m:r>
-                  </m:oMath>
-                </a14:m>
-                <a:r>
-                  <a:rPr lang="pl-PL" dirty="0" smtClean="0"/>
-                  <a:t>   </a:t>
-                </a:r>
-                <a14:m>
-                  <m:oMath xmlns:m="http://schemas.openxmlformats.org/officeDocument/2006/math">
-                    <m:r>
-                      <a:rPr lang="pl-PL" i="1">
-                        <a:latin typeface="Cambria Math" panose="02040503050406030204" pitchFamily="18" charset="0"/>
-                      </a:rPr>
-                      <m:t>𝑥</m:t>
-                    </m:r>
-                  </m:oMath>
-                </a14:m>
-                <a:r>
-                  <a:rPr lang="pl-PL" dirty="0"/>
-                  <a:t>   </a:t>
-                </a:r>
-                <a14:m>
-                  <m:oMath xmlns:m="http://schemas.openxmlformats.org/officeDocument/2006/math">
-                    <m:r>
-                      <a:rPr lang="pl-PL" i="1">
-                        <a:latin typeface="Cambria Math" panose="02040503050406030204" pitchFamily="18" charset="0"/>
-                      </a:rPr>
-                      <m:t>𝑥</m:t>
-                    </m:r>
-                  </m:oMath>
-                </a14:m>
-                <a:r>
-                  <a:rPr lang="pl-PL" dirty="0"/>
-                  <a:t>   </a:t>
-                </a:r>
-                <a14:m>
-                  <m:oMath xmlns:m="http://schemas.openxmlformats.org/officeDocument/2006/math">
-                    <m:r>
-                      <a:rPr lang="pl-PL" i="1">
-                        <a:latin typeface="Cambria Math" panose="02040503050406030204" pitchFamily="18" charset="0"/>
-                      </a:rPr>
-                      <m:t>𝑥</m:t>
-                    </m:r>
-                  </m:oMath>
-                </a14:m>
-                <a:endParaRPr lang="pl-PL" dirty="0"/>
-              </a:p>
-              <a:p>
-                <a14:m>
-                  <m:oMath xmlns:m="http://schemas.openxmlformats.org/officeDocument/2006/math">
-                    <m:r>
-                      <a:rPr lang="pl-PL" b="0" i="1" smtClean="0">
-                        <a:latin typeface="Cambria Math" panose="02040503050406030204" pitchFamily="18" charset="0"/>
-                      </a:rPr>
-                      <m:t>0</m:t>
-                    </m:r>
-                  </m:oMath>
-                </a14:m>
-                <a:r>
-                  <a:rPr lang="pl-PL" dirty="0" smtClean="0"/>
-                  <a:t>   </a:t>
-                </a:r>
-                <a14:m>
-                  <m:oMath xmlns:m="http://schemas.openxmlformats.org/officeDocument/2006/math">
-                    <m:r>
-                      <a:rPr lang="pl-PL" b="0" i="1" dirty="0" smtClean="0">
-                        <a:latin typeface="Cambria Math" panose="02040503050406030204" pitchFamily="18" charset="0"/>
-                      </a:rPr>
-                      <m:t>0</m:t>
-                    </m:r>
-                  </m:oMath>
-                </a14:m>
-                <a:r>
-                  <a:rPr lang="pl-PL" dirty="0" smtClean="0"/>
-                  <a:t>   </a:t>
-                </a:r>
-                <a14:m>
-                  <m:oMath xmlns:m="http://schemas.openxmlformats.org/officeDocument/2006/math">
-                    <m:r>
-                      <a:rPr lang="pl-PL" b="0" i="1" dirty="0" smtClean="0">
-                        <a:latin typeface="Cambria Math" panose="02040503050406030204" pitchFamily="18" charset="0"/>
-                      </a:rPr>
-                      <m:t>0</m:t>
-                    </m:r>
-                  </m:oMath>
-                </a14:m>
-                <a:r>
-                  <a:rPr lang="pl-PL" dirty="0" smtClean="0"/>
-                  <a:t>   </a:t>
-                </a:r>
-                <a14:m>
-                  <m:oMath xmlns:m="http://schemas.openxmlformats.org/officeDocument/2006/math">
-                    <m:r>
-                      <a:rPr lang="pl-PL" b="0" i="1" dirty="0" smtClean="0">
-                        <a:latin typeface="Cambria Math" panose="02040503050406030204" pitchFamily="18" charset="0"/>
-                      </a:rPr>
-                      <m:t>0</m:t>
-                    </m:r>
-                  </m:oMath>
-                </a14:m>
-                <a:r>
-                  <a:rPr lang="pl-PL" dirty="0" smtClean="0"/>
-                  <a:t>   </a:t>
-                </a:r>
-                <a14:m>
-                  <m:oMath xmlns:m="http://schemas.openxmlformats.org/officeDocument/2006/math">
-                    <m:r>
-                      <a:rPr lang="pl-PL" i="1">
-                        <a:latin typeface="Cambria Math" panose="02040503050406030204" pitchFamily="18" charset="0"/>
-                      </a:rPr>
-                      <m:t>𝑥</m:t>
-                    </m:r>
-                  </m:oMath>
-                </a14:m>
-                <a:r>
-                  <a:rPr lang="pl-PL" dirty="0"/>
-                  <a:t>   </a:t>
-                </a:r>
-                <a14:m>
-                  <m:oMath xmlns:m="http://schemas.openxmlformats.org/officeDocument/2006/math">
-                    <m:r>
-                      <a:rPr lang="pl-PL" i="1">
-                        <a:latin typeface="Cambria Math" panose="02040503050406030204" pitchFamily="18" charset="0"/>
-                      </a:rPr>
-                      <m:t>𝑥</m:t>
-                    </m:r>
-                  </m:oMath>
-                </a14:m>
-                <a:endParaRPr lang="pl-PL" dirty="0"/>
-              </a:p>
-            </p:txBody>
-          </p:sp>
-        </mc:Choice>
-        <mc:Fallback xmlns="">
-          <p:sp>
-            <p:nvSpPr>
-              <p:cNvPr id="6" name="Prostokąt 5"/>
-              <p:cNvSpPr>
-                <a:spLocks noRot="1" noChangeAspect="1" noMove="1" noResize="1" noEditPoints="1" noAdjustHandles="1" noChangeArrowheads="1" noChangeShapeType="1" noTextEdit="1"/>
-              </p:cNvSpPr>
-              <p:nvPr/>
-            </p:nvSpPr>
-            <p:spPr>
-              <a:xfrm>
-                <a:off x="2566020" y="4581968"/>
-                <a:ext cx="1944216" cy="1754326"/>
-              </a:xfrm>
-              <a:prstGeom prst="rect">
-                <a:avLst/>
-              </a:prstGeom>
-              <a:blipFill>
-                <a:blip r:embed="rId5"/>
-                <a:stretch>
-                  <a:fillRect/>
-                </a:stretch>
-              </a:blipFill>
-            </p:spPr>
-            <p:txBody>
-              <a:bodyPr/>
-              <a:lstStyle/>
-              <a:p>
-                <a:r>
-                  <a:rPr lang="pl-PL">
-                    <a:noFill/>
-                  </a:rPr>
-                  <a:t> </a:t>
-                </a:r>
-              </a:p>
-            </p:txBody>
-          </p:sp>
-        </mc:Fallback>
-      </mc:AlternateContent>
-      <mc:AlternateContent xmlns:mc="http://schemas.openxmlformats.org/markup-compatibility/2006" xmlns:a14="http://schemas.microsoft.com/office/drawing/2010/main">
-        <mc:Choice Requires="a14">
-          <p:sp>
-            <p:nvSpPr>
-              <p:cNvPr id="7" name="Prostokąt 6"/>
-              <p:cNvSpPr/>
-              <p:nvPr/>
-            </p:nvSpPr>
-            <p:spPr>
-              <a:xfrm>
-                <a:off x="5302324" y="4576823"/>
-                <a:ext cx="1944216" cy="1754326"/>
-              </a:xfrm>
-              <a:prstGeom prst="rect">
-                <a:avLst/>
-              </a:prstGeom>
-            </p:spPr>
-            <p:txBody>
-              <a:bodyPr wrap="square">
-                <a:spAutoFit/>
-              </a:bodyPr>
-              <a:lstStyle/>
-              <a:p>
-                <a14:m>
-                  <m:oMath xmlns:m="http://schemas.openxmlformats.org/officeDocument/2006/math">
-                    <m:r>
-                      <a:rPr lang="pl-PL" i="1" smtClean="0">
-                        <a:latin typeface="Cambria Math" panose="02040503050406030204" pitchFamily="18" charset="0"/>
-                      </a:rPr>
-                      <m:t>𝑥</m:t>
-                    </m:r>
-                  </m:oMath>
-                </a14:m>
-                <a:r>
-                  <a:rPr lang="pl-PL" dirty="0" smtClean="0"/>
-                  <a:t>   </a:t>
-                </a:r>
-                <a14:m>
-                  <m:oMath xmlns:m="http://schemas.openxmlformats.org/officeDocument/2006/math">
-                    <m:r>
-                      <a:rPr lang="pl-PL" i="1">
-                        <a:latin typeface="Cambria Math" panose="02040503050406030204" pitchFamily="18" charset="0"/>
-                      </a:rPr>
-                      <m:t>𝑥</m:t>
-                    </m:r>
-                  </m:oMath>
-                </a14:m>
-                <a:r>
-                  <a:rPr lang="pl-PL" dirty="0" smtClean="0"/>
-                  <a:t>   </a:t>
-                </a:r>
-                <a14:m>
-                  <m:oMath xmlns:m="http://schemas.openxmlformats.org/officeDocument/2006/math">
-                    <m:r>
-                      <a:rPr lang="pl-PL" b="0" i="1" dirty="0" smtClean="0">
-                        <a:solidFill>
-                          <a:schemeClr val="tx1"/>
-                        </a:solidFill>
-                        <a:latin typeface="Cambria Math" panose="02040503050406030204" pitchFamily="18" charset="0"/>
-                      </a:rPr>
-                      <m:t>𝑥</m:t>
-                    </m:r>
-                  </m:oMath>
-                </a14:m>
-                <a:r>
-                  <a:rPr lang="pl-PL" dirty="0" smtClean="0"/>
-                  <a:t>   </a:t>
-                </a:r>
-                <a14:m>
-                  <m:oMath xmlns:m="http://schemas.openxmlformats.org/officeDocument/2006/math">
-                    <m:r>
-                      <a:rPr lang="pl-PL" b="0" i="1" dirty="0" smtClean="0">
-                        <a:latin typeface="Cambria Math" panose="02040503050406030204" pitchFamily="18" charset="0"/>
-                      </a:rPr>
-                      <m:t>0</m:t>
-                    </m:r>
-                  </m:oMath>
-                </a14:m>
-                <a:r>
-                  <a:rPr lang="pl-PL" dirty="0" smtClean="0"/>
-                  <a:t>   </a:t>
-                </a:r>
-                <a14:m>
-                  <m:oMath xmlns:m="http://schemas.openxmlformats.org/officeDocument/2006/math">
-                    <m:r>
-                      <a:rPr lang="pl-PL" b="0" i="1" dirty="0" smtClean="0">
-                        <a:latin typeface="Cambria Math" panose="02040503050406030204" pitchFamily="18" charset="0"/>
-                      </a:rPr>
-                      <m:t>0</m:t>
-                    </m:r>
-                  </m:oMath>
-                </a14:m>
-                <a:r>
-                  <a:rPr lang="pl-PL" dirty="0" smtClean="0"/>
-                  <a:t>   </a:t>
-                </a:r>
-                <a14:m>
-                  <m:oMath xmlns:m="http://schemas.openxmlformats.org/officeDocument/2006/math">
-                    <m:r>
-                      <a:rPr lang="pl-PL" b="0" i="1" dirty="0" smtClean="0">
-                        <a:latin typeface="Cambria Math" panose="02040503050406030204" pitchFamily="18" charset="0"/>
-                      </a:rPr>
-                      <m:t>0</m:t>
-                    </m:r>
-                  </m:oMath>
-                </a14:m>
-                <a:endParaRPr lang="pl-PL" dirty="0"/>
-              </a:p>
-              <a:p>
-                <a14:m>
-                  <m:oMath xmlns:m="http://schemas.openxmlformats.org/officeDocument/2006/math">
-                    <m:r>
-                      <a:rPr lang="pl-PL" b="0" i="1" smtClean="0">
-                        <a:solidFill>
-                          <a:schemeClr val="tx1"/>
-                        </a:solidFill>
-                        <a:latin typeface="Cambria Math" panose="02040503050406030204" pitchFamily="18" charset="0"/>
-                      </a:rPr>
-                      <m:t>0</m:t>
-                    </m:r>
-                  </m:oMath>
-                </a14:m>
-                <a:r>
-                  <a:rPr lang="pl-PL" dirty="0" smtClean="0"/>
-                  <a:t>   </a:t>
-                </a:r>
-                <a14:m>
-                  <m:oMath xmlns:m="http://schemas.openxmlformats.org/officeDocument/2006/math">
-                    <m:r>
-                      <a:rPr lang="pl-PL" i="1">
-                        <a:latin typeface="Cambria Math" panose="02040503050406030204" pitchFamily="18" charset="0"/>
-                      </a:rPr>
-                      <m:t>𝑥</m:t>
-                    </m:r>
-                  </m:oMath>
-                </a14:m>
-                <a:r>
-                  <a:rPr lang="pl-PL" dirty="0"/>
-                  <a:t>   </a:t>
-                </a:r>
-                <a14:m>
-                  <m:oMath xmlns:m="http://schemas.openxmlformats.org/officeDocument/2006/math">
-                    <m:r>
-                      <a:rPr lang="pl-PL" i="1">
-                        <a:latin typeface="Cambria Math" panose="02040503050406030204" pitchFamily="18" charset="0"/>
-                      </a:rPr>
-                      <m:t>𝑥</m:t>
-                    </m:r>
-                  </m:oMath>
-                </a14:m>
-                <a:r>
-                  <a:rPr lang="pl-PL" dirty="0"/>
-                  <a:t>   </a:t>
-                </a:r>
-                <a14:m>
-                  <m:oMath xmlns:m="http://schemas.openxmlformats.org/officeDocument/2006/math">
-                    <m:r>
-                      <a:rPr lang="pl-PL" b="0" i="1" dirty="0" smtClean="0">
-                        <a:latin typeface="Cambria Math" panose="02040503050406030204" pitchFamily="18" charset="0"/>
-                      </a:rPr>
-                      <m:t>𝑥</m:t>
-                    </m:r>
-                  </m:oMath>
-                </a14:m>
-                <a:r>
-                  <a:rPr lang="pl-PL" dirty="0" smtClean="0"/>
-                  <a:t>   </a:t>
-                </a:r>
-                <a14:m>
-                  <m:oMath xmlns:m="http://schemas.openxmlformats.org/officeDocument/2006/math">
-                    <m:r>
-                      <a:rPr lang="pl-PL" i="1" dirty="0">
-                        <a:latin typeface="Cambria Math" panose="02040503050406030204" pitchFamily="18" charset="0"/>
-                      </a:rPr>
-                      <m:t>0</m:t>
-                    </m:r>
-                  </m:oMath>
-                </a14:m>
-                <a:r>
-                  <a:rPr lang="pl-PL" dirty="0"/>
-                  <a:t>   </a:t>
-                </a:r>
-                <a14:m>
-                  <m:oMath xmlns:m="http://schemas.openxmlformats.org/officeDocument/2006/math">
-                    <m:r>
-                      <a:rPr lang="pl-PL" i="1" dirty="0">
-                        <a:latin typeface="Cambria Math" panose="02040503050406030204" pitchFamily="18" charset="0"/>
-                      </a:rPr>
-                      <m:t>0</m:t>
-                    </m:r>
-                  </m:oMath>
-                </a14:m>
-                <a:endParaRPr lang="pl-PL" dirty="0"/>
-              </a:p>
-              <a:p>
-                <a14:m>
-                  <m:oMath xmlns:m="http://schemas.openxmlformats.org/officeDocument/2006/math">
-                    <m:r>
-                      <a:rPr lang="pl-PL" b="0" i="1" smtClean="0">
-                        <a:latin typeface="Cambria Math" panose="02040503050406030204" pitchFamily="18" charset="0"/>
-                      </a:rPr>
-                      <m:t>0</m:t>
-                    </m:r>
-                  </m:oMath>
-                </a14:m>
-                <a:r>
-                  <a:rPr lang="pl-PL" dirty="0" smtClean="0"/>
-                  <a:t>   </a:t>
-                </a:r>
-                <a14:m>
-                  <m:oMath xmlns:m="http://schemas.openxmlformats.org/officeDocument/2006/math">
-                    <m:r>
-                      <a:rPr lang="pl-PL" b="0" i="1" dirty="0" smtClean="0">
-                        <a:latin typeface="Cambria Math" panose="02040503050406030204" pitchFamily="18" charset="0"/>
-                      </a:rPr>
-                      <m:t>0</m:t>
-                    </m:r>
-                  </m:oMath>
-                </a14:m>
-                <a:r>
-                  <a:rPr lang="pl-PL" dirty="0" smtClean="0"/>
-                  <a:t>   </a:t>
-                </a:r>
-                <a14:m>
-                  <m:oMath xmlns:m="http://schemas.openxmlformats.org/officeDocument/2006/math">
-                    <m:r>
-                      <a:rPr lang="pl-PL" i="1">
-                        <a:latin typeface="Cambria Math" panose="02040503050406030204" pitchFamily="18" charset="0"/>
-                      </a:rPr>
-                      <m:t>𝑥</m:t>
-                    </m:r>
-                  </m:oMath>
-                </a14:m>
-                <a:r>
-                  <a:rPr lang="pl-PL" dirty="0"/>
-                  <a:t>   </a:t>
-                </a:r>
-                <a14:m>
-                  <m:oMath xmlns:m="http://schemas.openxmlformats.org/officeDocument/2006/math">
-                    <m:r>
-                      <a:rPr lang="pl-PL" i="1">
-                        <a:latin typeface="Cambria Math" panose="02040503050406030204" pitchFamily="18" charset="0"/>
-                      </a:rPr>
-                      <m:t>𝑥</m:t>
-                    </m:r>
-                  </m:oMath>
-                </a14:m>
-                <a:r>
-                  <a:rPr lang="pl-PL" dirty="0" smtClean="0"/>
-                  <a:t>   </a:t>
-                </a:r>
-                <a14:m>
-                  <m:oMath xmlns:m="http://schemas.openxmlformats.org/officeDocument/2006/math">
-                    <m:r>
-                      <a:rPr lang="pl-PL" b="0" i="1" dirty="0" smtClean="0">
-                        <a:latin typeface="Cambria Math" panose="02040503050406030204" pitchFamily="18" charset="0"/>
-                      </a:rPr>
-                      <m:t>𝑥</m:t>
-                    </m:r>
-                  </m:oMath>
-                </a14:m>
-                <a:r>
-                  <a:rPr lang="pl-PL" dirty="0" smtClean="0"/>
-                  <a:t>   </a:t>
-                </a:r>
-                <a14:m>
-                  <m:oMath xmlns:m="http://schemas.openxmlformats.org/officeDocument/2006/math">
-                    <m:r>
-                      <a:rPr lang="pl-PL" b="0" i="1" dirty="0" smtClean="0">
-                        <a:latin typeface="Cambria Math" panose="02040503050406030204" pitchFamily="18" charset="0"/>
-                      </a:rPr>
-                      <m:t>0</m:t>
-                    </m:r>
-                  </m:oMath>
-                </a14:m>
-                <a:endParaRPr lang="pl-PL" dirty="0"/>
-              </a:p>
-              <a:p>
-                <a14:m>
-                  <m:oMath xmlns:m="http://schemas.openxmlformats.org/officeDocument/2006/math">
-                    <m:r>
-                      <a:rPr lang="pl-PL" b="0" i="1" smtClean="0">
-                        <a:latin typeface="Cambria Math" panose="02040503050406030204" pitchFamily="18" charset="0"/>
-                      </a:rPr>
-                      <m:t>0</m:t>
-                    </m:r>
-                  </m:oMath>
-                </a14:m>
-                <a:r>
-                  <a:rPr lang="pl-PL" dirty="0" smtClean="0"/>
-                  <a:t>   </a:t>
-                </a:r>
-                <a14:m>
-                  <m:oMath xmlns:m="http://schemas.openxmlformats.org/officeDocument/2006/math">
-                    <m:r>
-                      <a:rPr lang="pl-PL" b="0" i="1" dirty="0" smtClean="0">
-                        <a:latin typeface="Cambria Math" panose="02040503050406030204" pitchFamily="18" charset="0"/>
-                      </a:rPr>
-                      <m:t>0</m:t>
-                    </m:r>
-                  </m:oMath>
-                </a14:m>
-                <a:r>
-                  <a:rPr lang="pl-PL" dirty="0" smtClean="0"/>
-                  <a:t>   </a:t>
-                </a:r>
-                <a14:m>
-                  <m:oMath xmlns:m="http://schemas.openxmlformats.org/officeDocument/2006/math">
-                    <m:r>
-                      <a:rPr lang="pl-PL" b="0" i="1" dirty="0" smtClean="0">
-                        <a:latin typeface="Cambria Math" panose="02040503050406030204" pitchFamily="18" charset="0"/>
-                      </a:rPr>
-                      <m:t>0</m:t>
-                    </m:r>
-                  </m:oMath>
-                </a14:m>
-                <a:r>
-                  <a:rPr lang="pl-PL" dirty="0" smtClean="0"/>
-                  <a:t>   </a:t>
-                </a:r>
-                <a14:m>
-                  <m:oMath xmlns:m="http://schemas.openxmlformats.org/officeDocument/2006/math">
-                    <m:r>
-                      <a:rPr lang="pl-PL" i="1">
-                        <a:latin typeface="Cambria Math" panose="02040503050406030204" pitchFamily="18" charset="0"/>
-                      </a:rPr>
-                      <m:t>𝑥</m:t>
-                    </m:r>
-                  </m:oMath>
-                </a14:m>
-                <a:r>
-                  <a:rPr lang="pl-PL" dirty="0"/>
-                  <a:t>   </a:t>
-                </a:r>
-                <a14:m>
-                  <m:oMath xmlns:m="http://schemas.openxmlformats.org/officeDocument/2006/math">
-                    <m:r>
-                      <a:rPr lang="pl-PL" i="1">
-                        <a:latin typeface="Cambria Math" panose="02040503050406030204" pitchFamily="18" charset="0"/>
-                      </a:rPr>
-                      <m:t>𝑥</m:t>
-                    </m:r>
-                  </m:oMath>
-                </a14:m>
-                <a:r>
-                  <a:rPr lang="pl-PL" dirty="0"/>
-                  <a:t>   </a:t>
-                </a:r>
-                <a14:m>
-                  <m:oMath xmlns:m="http://schemas.openxmlformats.org/officeDocument/2006/math">
-                    <m:r>
-                      <a:rPr lang="pl-PL" b="0" i="1" dirty="0" smtClean="0">
-                        <a:solidFill>
-                          <a:srgbClr val="FF0000"/>
-                        </a:solidFill>
-                        <a:latin typeface="Cambria Math" panose="02040503050406030204" pitchFamily="18" charset="0"/>
-                      </a:rPr>
-                      <m:t>𝑥</m:t>
-                    </m:r>
-                  </m:oMath>
-                </a14:m>
-                <a:endParaRPr lang="pl-PL" dirty="0">
-                  <a:solidFill>
-                    <a:srgbClr val="FF0000"/>
-                  </a:solidFill>
-                </a:endParaRPr>
-              </a:p>
-              <a:p>
-                <a14:m>
-                  <m:oMath xmlns:m="http://schemas.openxmlformats.org/officeDocument/2006/math">
-                    <m:r>
-                      <a:rPr lang="pl-PL" b="0" i="1" smtClean="0">
-                        <a:latin typeface="Cambria Math" panose="02040503050406030204" pitchFamily="18" charset="0"/>
-                      </a:rPr>
-                      <m:t>0</m:t>
-                    </m:r>
-                  </m:oMath>
-                </a14:m>
-                <a:r>
-                  <a:rPr lang="pl-PL" dirty="0" smtClean="0"/>
-                  <a:t>   </a:t>
-                </a:r>
-                <a14:m>
-                  <m:oMath xmlns:m="http://schemas.openxmlformats.org/officeDocument/2006/math">
-                    <m:r>
-                      <a:rPr lang="pl-PL" b="0" i="1" dirty="0" smtClean="0">
-                        <a:latin typeface="Cambria Math" panose="02040503050406030204" pitchFamily="18" charset="0"/>
-                      </a:rPr>
-                      <m:t>0</m:t>
-                    </m:r>
-                  </m:oMath>
-                </a14:m>
-                <a:r>
-                  <a:rPr lang="pl-PL" dirty="0" smtClean="0"/>
-                  <a:t>   </a:t>
-                </a:r>
-                <a14:m>
-                  <m:oMath xmlns:m="http://schemas.openxmlformats.org/officeDocument/2006/math">
-                    <m:r>
-                      <a:rPr lang="pl-PL" b="0" i="1" dirty="0" smtClean="0">
-                        <a:latin typeface="Cambria Math" panose="02040503050406030204" pitchFamily="18" charset="0"/>
-                      </a:rPr>
-                      <m:t>0</m:t>
-                    </m:r>
-                  </m:oMath>
-                </a14:m>
-                <a:r>
-                  <a:rPr lang="pl-PL" dirty="0" smtClean="0"/>
-                  <a:t>   </a:t>
-                </a:r>
-                <a14:m>
-                  <m:oMath xmlns:m="http://schemas.openxmlformats.org/officeDocument/2006/math">
-                    <m:r>
-                      <a:rPr lang="pl-PL" b="0" i="1" dirty="0" smtClean="0">
-                        <a:solidFill>
-                          <a:srgbClr val="FF0000"/>
-                        </a:solidFill>
-                        <a:latin typeface="Cambria Math" panose="02040503050406030204" pitchFamily="18" charset="0"/>
-                      </a:rPr>
-                      <m:t>0</m:t>
-                    </m:r>
-                  </m:oMath>
-                </a14:m>
-                <a:r>
-                  <a:rPr lang="pl-PL" dirty="0" smtClean="0"/>
-                  <a:t>   </a:t>
-                </a:r>
-                <a14:m>
-                  <m:oMath xmlns:m="http://schemas.openxmlformats.org/officeDocument/2006/math">
-                    <m:r>
-                      <a:rPr lang="pl-PL" i="1">
-                        <a:latin typeface="Cambria Math" panose="02040503050406030204" pitchFamily="18" charset="0"/>
-                      </a:rPr>
-                      <m:t>𝑥</m:t>
-                    </m:r>
-                  </m:oMath>
-                </a14:m>
-                <a:r>
-                  <a:rPr lang="pl-PL" dirty="0"/>
-                  <a:t>   </a:t>
-                </a:r>
-                <a14:m>
-                  <m:oMath xmlns:m="http://schemas.openxmlformats.org/officeDocument/2006/math">
-                    <m:r>
-                      <a:rPr lang="pl-PL" i="1">
-                        <a:latin typeface="Cambria Math" panose="02040503050406030204" pitchFamily="18" charset="0"/>
-                      </a:rPr>
-                      <m:t>𝑥</m:t>
-                    </m:r>
-                  </m:oMath>
-                </a14:m>
-                <a:endParaRPr lang="pl-PL" dirty="0"/>
-              </a:p>
-              <a:p>
-                <a14:m>
-                  <m:oMath xmlns:m="http://schemas.openxmlformats.org/officeDocument/2006/math">
-                    <m:r>
-                      <a:rPr lang="pl-PL" b="0" i="1" smtClean="0">
-                        <a:latin typeface="Cambria Math" panose="02040503050406030204" pitchFamily="18" charset="0"/>
-                      </a:rPr>
-                      <m:t>0</m:t>
-                    </m:r>
-                  </m:oMath>
-                </a14:m>
-                <a:r>
-                  <a:rPr lang="pl-PL" dirty="0" smtClean="0"/>
-                  <a:t>   </a:t>
-                </a:r>
-                <a14:m>
-                  <m:oMath xmlns:m="http://schemas.openxmlformats.org/officeDocument/2006/math">
-                    <m:r>
-                      <a:rPr lang="pl-PL" b="0" i="1" dirty="0" smtClean="0">
-                        <a:latin typeface="Cambria Math" panose="02040503050406030204" pitchFamily="18" charset="0"/>
-                      </a:rPr>
-                      <m:t>0</m:t>
-                    </m:r>
-                  </m:oMath>
-                </a14:m>
-                <a:r>
-                  <a:rPr lang="pl-PL" dirty="0" smtClean="0"/>
-                  <a:t>   </a:t>
-                </a:r>
-                <a14:m>
-                  <m:oMath xmlns:m="http://schemas.openxmlformats.org/officeDocument/2006/math">
-                    <m:r>
-                      <a:rPr lang="pl-PL" b="0" i="1" dirty="0" smtClean="0">
-                        <a:latin typeface="Cambria Math" panose="02040503050406030204" pitchFamily="18" charset="0"/>
-                      </a:rPr>
-                      <m:t>0</m:t>
-                    </m:r>
-                  </m:oMath>
-                </a14:m>
-                <a:r>
-                  <a:rPr lang="pl-PL" dirty="0" smtClean="0"/>
-                  <a:t>   </a:t>
-                </a:r>
-                <a14:m>
-                  <m:oMath xmlns:m="http://schemas.openxmlformats.org/officeDocument/2006/math">
-                    <m:r>
-                      <a:rPr lang="pl-PL" b="0" i="1" dirty="0" smtClean="0">
-                        <a:latin typeface="Cambria Math" panose="02040503050406030204" pitchFamily="18" charset="0"/>
-                      </a:rPr>
-                      <m:t>0</m:t>
-                    </m:r>
-                  </m:oMath>
-                </a14:m>
-                <a:r>
-                  <a:rPr lang="pl-PL" dirty="0" smtClean="0"/>
-                  <a:t>   </a:t>
-                </a:r>
-                <a14:m>
-                  <m:oMath xmlns:m="http://schemas.openxmlformats.org/officeDocument/2006/math">
-                    <m:r>
-                      <a:rPr lang="pl-PL" i="1">
-                        <a:latin typeface="Cambria Math" panose="02040503050406030204" pitchFamily="18" charset="0"/>
-                      </a:rPr>
-                      <m:t>𝑥</m:t>
-                    </m:r>
-                  </m:oMath>
-                </a14:m>
-                <a:r>
-                  <a:rPr lang="pl-PL" dirty="0"/>
-                  <a:t>   </a:t>
-                </a:r>
-                <a14:m>
-                  <m:oMath xmlns:m="http://schemas.openxmlformats.org/officeDocument/2006/math">
-                    <m:r>
-                      <a:rPr lang="pl-PL" i="1">
-                        <a:latin typeface="Cambria Math" panose="02040503050406030204" pitchFamily="18" charset="0"/>
-                      </a:rPr>
-                      <m:t>𝑥</m:t>
-                    </m:r>
-                  </m:oMath>
-                </a14:m>
-                <a:endParaRPr lang="pl-PL" dirty="0"/>
-              </a:p>
-            </p:txBody>
-          </p:sp>
-        </mc:Choice>
-        <mc:Fallback xmlns="">
-          <p:sp>
-            <p:nvSpPr>
-              <p:cNvPr id="7" name="Prostokąt 6"/>
-              <p:cNvSpPr>
-                <a:spLocks noRot="1" noChangeAspect="1" noMove="1" noResize="1" noEditPoints="1" noAdjustHandles="1" noChangeArrowheads="1" noChangeShapeType="1" noTextEdit="1"/>
-              </p:cNvSpPr>
-              <p:nvPr/>
-            </p:nvSpPr>
-            <p:spPr>
-              <a:xfrm>
-                <a:off x="5302324" y="4576823"/>
-                <a:ext cx="1944216" cy="1754326"/>
-              </a:xfrm>
-              <a:prstGeom prst="rect">
-                <a:avLst/>
-              </a:prstGeom>
-              <a:blipFill>
-                <a:blip r:embed="rId6"/>
-                <a:stretch>
-                  <a:fillRect/>
-                </a:stretch>
-              </a:blipFill>
-            </p:spPr>
-            <p:txBody>
-              <a:bodyPr/>
-              <a:lstStyle/>
-              <a:p>
-                <a:r>
-                  <a:rPr lang="pl-PL">
-                    <a:noFill/>
-                  </a:rPr>
-                  <a:t> </a:t>
-                </a:r>
-              </a:p>
-            </p:txBody>
-          </p:sp>
-        </mc:Fallback>
-      </mc:AlternateContent>
-      <mc:AlternateContent xmlns:mc="http://schemas.openxmlformats.org/markup-compatibility/2006" xmlns:a14="http://schemas.microsoft.com/office/drawing/2010/main">
-        <mc:Choice Requires="a14">
-          <p:sp>
-            <p:nvSpPr>
-              <p:cNvPr id="8" name="Prostokąt 7"/>
-              <p:cNvSpPr/>
-              <p:nvPr/>
-            </p:nvSpPr>
-            <p:spPr>
-              <a:xfrm>
-                <a:off x="8038628" y="4571678"/>
-                <a:ext cx="1944216" cy="1754326"/>
-              </a:xfrm>
-              <a:prstGeom prst="rect">
-                <a:avLst/>
-              </a:prstGeom>
-            </p:spPr>
-            <p:txBody>
-              <a:bodyPr wrap="square">
-                <a:spAutoFit/>
-              </a:bodyPr>
-              <a:lstStyle/>
-              <a:p>
-                <a14:m>
-                  <m:oMath xmlns:m="http://schemas.openxmlformats.org/officeDocument/2006/math">
-                    <m:r>
-                      <a:rPr lang="pl-PL" i="1" smtClean="0">
-                        <a:latin typeface="Cambria Math" panose="02040503050406030204" pitchFamily="18" charset="0"/>
-                      </a:rPr>
-                      <m:t>𝑥</m:t>
-                    </m:r>
-                  </m:oMath>
-                </a14:m>
-                <a:r>
-                  <a:rPr lang="pl-PL" dirty="0" smtClean="0"/>
-                  <a:t>   </a:t>
-                </a:r>
-                <a14:m>
-                  <m:oMath xmlns:m="http://schemas.openxmlformats.org/officeDocument/2006/math">
-                    <m:r>
-                      <a:rPr lang="pl-PL" i="1">
-                        <a:latin typeface="Cambria Math" panose="02040503050406030204" pitchFamily="18" charset="0"/>
-                      </a:rPr>
-                      <m:t>𝑥</m:t>
-                    </m:r>
-                  </m:oMath>
-                </a14:m>
-                <a:r>
-                  <a:rPr lang="pl-PL" dirty="0" smtClean="0"/>
-                  <a:t>   </a:t>
-                </a:r>
-                <a14:m>
-                  <m:oMath xmlns:m="http://schemas.openxmlformats.org/officeDocument/2006/math">
-                    <m:r>
-                      <a:rPr lang="pl-PL" b="0" i="1" dirty="0" smtClean="0">
-                        <a:solidFill>
-                          <a:schemeClr val="tx1"/>
-                        </a:solidFill>
-                        <a:latin typeface="Cambria Math" panose="02040503050406030204" pitchFamily="18" charset="0"/>
-                      </a:rPr>
-                      <m:t>𝑥</m:t>
-                    </m:r>
-                  </m:oMath>
-                </a14:m>
-                <a:r>
-                  <a:rPr lang="pl-PL" dirty="0" smtClean="0"/>
-                  <a:t>   </a:t>
-                </a:r>
-                <a14:m>
-                  <m:oMath xmlns:m="http://schemas.openxmlformats.org/officeDocument/2006/math">
-                    <m:r>
-                      <a:rPr lang="pl-PL" b="0" i="1" dirty="0" smtClean="0">
-                        <a:latin typeface="Cambria Math" panose="02040503050406030204" pitchFamily="18" charset="0"/>
-                      </a:rPr>
-                      <m:t>0</m:t>
-                    </m:r>
-                  </m:oMath>
-                </a14:m>
-                <a:r>
-                  <a:rPr lang="pl-PL" dirty="0" smtClean="0"/>
-                  <a:t>   </a:t>
-                </a:r>
-                <a14:m>
-                  <m:oMath xmlns:m="http://schemas.openxmlformats.org/officeDocument/2006/math">
-                    <m:r>
-                      <a:rPr lang="pl-PL" b="0" i="1" dirty="0" smtClean="0">
-                        <a:latin typeface="Cambria Math" panose="02040503050406030204" pitchFamily="18" charset="0"/>
-                      </a:rPr>
-                      <m:t>0</m:t>
-                    </m:r>
-                  </m:oMath>
-                </a14:m>
-                <a:r>
-                  <a:rPr lang="pl-PL" dirty="0" smtClean="0"/>
-                  <a:t>   </a:t>
-                </a:r>
-                <a14:m>
-                  <m:oMath xmlns:m="http://schemas.openxmlformats.org/officeDocument/2006/math">
-                    <m:r>
-                      <a:rPr lang="pl-PL" b="0" i="1" dirty="0" smtClean="0">
-                        <a:latin typeface="Cambria Math" panose="02040503050406030204" pitchFamily="18" charset="0"/>
-                      </a:rPr>
-                      <m:t>0</m:t>
-                    </m:r>
-                  </m:oMath>
-                </a14:m>
-                <a:endParaRPr lang="pl-PL" dirty="0"/>
-              </a:p>
-              <a:p>
-                <a14:m>
-                  <m:oMath xmlns:m="http://schemas.openxmlformats.org/officeDocument/2006/math">
-                    <m:r>
-                      <a:rPr lang="pl-PL" b="0" i="1" smtClean="0">
-                        <a:solidFill>
-                          <a:schemeClr val="tx1"/>
-                        </a:solidFill>
-                        <a:latin typeface="Cambria Math" panose="02040503050406030204" pitchFamily="18" charset="0"/>
-                      </a:rPr>
-                      <m:t>0</m:t>
-                    </m:r>
-                  </m:oMath>
-                </a14:m>
-                <a:r>
-                  <a:rPr lang="pl-PL" dirty="0" smtClean="0"/>
-                  <a:t>   </a:t>
-                </a:r>
-                <a14:m>
-                  <m:oMath xmlns:m="http://schemas.openxmlformats.org/officeDocument/2006/math">
-                    <m:r>
-                      <a:rPr lang="pl-PL" i="1">
-                        <a:latin typeface="Cambria Math" panose="02040503050406030204" pitchFamily="18" charset="0"/>
-                      </a:rPr>
-                      <m:t>𝑥</m:t>
-                    </m:r>
-                  </m:oMath>
-                </a14:m>
-                <a:r>
-                  <a:rPr lang="pl-PL" dirty="0"/>
-                  <a:t>   </a:t>
-                </a:r>
-                <a14:m>
-                  <m:oMath xmlns:m="http://schemas.openxmlformats.org/officeDocument/2006/math">
-                    <m:r>
-                      <a:rPr lang="pl-PL" i="1">
-                        <a:latin typeface="Cambria Math" panose="02040503050406030204" pitchFamily="18" charset="0"/>
-                      </a:rPr>
-                      <m:t>𝑥</m:t>
-                    </m:r>
-                  </m:oMath>
-                </a14:m>
-                <a:r>
-                  <a:rPr lang="pl-PL" dirty="0"/>
-                  <a:t>   </a:t>
-                </a:r>
-                <a14:m>
-                  <m:oMath xmlns:m="http://schemas.openxmlformats.org/officeDocument/2006/math">
-                    <m:r>
-                      <a:rPr lang="pl-PL" b="0" i="1" dirty="0" smtClean="0">
-                        <a:latin typeface="Cambria Math" panose="02040503050406030204" pitchFamily="18" charset="0"/>
-                      </a:rPr>
-                      <m:t>𝑥</m:t>
-                    </m:r>
-                  </m:oMath>
-                </a14:m>
-                <a:r>
-                  <a:rPr lang="pl-PL" dirty="0" smtClean="0"/>
-                  <a:t>   </a:t>
-                </a:r>
-                <a14:m>
-                  <m:oMath xmlns:m="http://schemas.openxmlformats.org/officeDocument/2006/math">
-                    <m:r>
-                      <a:rPr lang="pl-PL" i="1" dirty="0">
-                        <a:latin typeface="Cambria Math" panose="02040503050406030204" pitchFamily="18" charset="0"/>
-                      </a:rPr>
-                      <m:t>0</m:t>
-                    </m:r>
-                  </m:oMath>
-                </a14:m>
-                <a:r>
-                  <a:rPr lang="pl-PL" dirty="0"/>
-                  <a:t>   </a:t>
-                </a:r>
-                <a14:m>
-                  <m:oMath xmlns:m="http://schemas.openxmlformats.org/officeDocument/2006/math">
-                    <m:r>
-                      <a:rPr lang="pl-PL" i="1" dirty="0">
-                        <a:latin typeface="Cambria Math" panose="02040503050406030204" pitchFamily="18" charset="0"/>
-                      </a:rPr>
-                      <m:t>0</m:t>
-                    </m:r>
-                  </m:oMath>
-                </a14:m>
-                <a:endParaRPr lang="pl-PL" dirty="0"/>
-              </a:p>
-              <a:p>
-                <a14:m>
-                  <m:oMath xmlns:m="http://schemas.openxmlformats.org/officeDocument/2006/math">
-                    <m:r>
-                      <a:rPr lang="pl-PL" b="0" i="1" smtClean="0">
-                        <a:latin typeface="Cambria Math" panose="02040503050406030204" pitchFamily="18" charset="0"/>
-                      </a:rPr>
-                      <m:t>0</m:t>
-                    </m:r>
-                  </m:oMath>
-                </a14:m>
-                <a:r>
-                  <a:rPr lang="pl-PL" dirty="0" smtClean="0"/>
-                  <a:t>   </a:t>
-                </a:r>
-                <a14:m>
-                  <m:oMath xmlns:m="http://schemas.openxmlformats.org/officeDocument/2006/math">
-                    <m:r>
-                      <a:rPr lang="pl-PL" b="0" i="1" dirty="0" smtClean="0">
-                        <a:latin typeface="Cambria Math" panose="02040503050406030204" pitchFamily="18" charset="0"/>
-                      </a:rPr>
-                      <m:t>0</m:t>
-                    </m:r>
-                  </m:oMath>
-                </a14:m>
-                <a:r>
-                  <a:rPr lang="pl-PL" dirty="0" smtClean="0"/>
-                  <a:t>   </a:t>
-                </a:r>
-                <a14:m>
-                  <m:oMath xmlns:m="http://schemas.openxmlformats.org/officeDocument/2006/math">
-                    <m:r>
-                      <a:rPr lang="pl-PL" i="1">
-                        <a:latin typeface="Cambria Math" panose="02040503050406030204" pitchFamily="18" charset="0"/>
-                      </a:rPr>
-                      <m:t>𝑥</m:t>
-                    </m:r>
-                  </m:oMath>
-                </a14:m>
-                <a:r>
-                  <a:rPr lang="pl-PL" dirty="0"/>
-                  <a:t>   </a:t>
-                </a:r>
-                <a14:m>
-                  <m:oMath xmlns:m="http://schemas.openxmlformats.org/officeDocument/2006/math">
-                    <m:r>
-                      <a:rPr lang="pl-PL" i="1">
-                        <a:latin typeface="Cambria Math" panose="02040503050406030204" pitchFamily="18" charset="0"/>
-                      </a:rPr>
-                      <m:t>𝑥</m:t>
-                    </m:r>
-                  </m:oMath>
-                </a14:m>
-                <a:r>
-                  <a:rPr lang="pl-PL" dirty="0" smtClean="0"/>
-                  <a:t>   </a:t>
-                </a:r>
-                <a14:m>
-                  <m:oMath xmlns:m="http://schemas.openxmlformats.org/officeDocument/2006/math">
-                    <m:r>
-                      <a:rPr lang="pl-PL" b="0" i="1" dirty="0" smtClean="0">
-                        <a:latin typeface="Cambria Math" panose="02040503050406030204" pitchFamily="18" charset="0"/>
-                      </a:rPr>
-                      <m:t>𝑥</m:t>
-                    </m:r>
-                  </m:oMath>
-                </a14:m>
-                <a:r>
-                  <a:rPr lang="pl-PL" dirty="0" smtClean="0"/>
-                  <a:t>   </a:t>
-                </a:r>
-                <a14:m>
-                  <m:oMath xmlns:m="http://schemas.openxmlformats.org/officeDocument/2006/math">
-                    <m:r>
-                      <a:rPr lang="pl-PL" b="0" i="1" dirty="0" smtClean="0">
-                        <a:latin typeface="Cambria Math" panose="02040503050406030204" pitchFamily="18" charset="0"/>
-                      </a:rPr>
-                      <m:t>0</m:t>
-                    </m:r>
-                  </m:oMath>
-                </a14:m>
-                <a:endParaRPr lang="pl-PL" dirty="0"/>
-              </a:p>
-              <a:p>
-                <a14:m>
-                  <m:oMath xmlns:m="http://schemas.openxmlformats.org/officeDocument/2006/math">
-                    <m:r>
-                      <a:rPr lang="pl-PL" b="0" i="1" smtClean="0">
-                        <a:latin typeface="Cambria Math" panose="02040503050406030204" pitchFamily="18" charset="0"/>
-                      </a:rPr>
-                      <m:t>0</m:t>
-                    </m:r>
-                  </m:oMath>
-                </a14:m>
-                <a:r>
-                  <a:rPr lang="pl-PL" dirty="0" smtClean="0"/>
-                  <a:t>   </a:t>
-                </a:r>
-                <a14:m>
-                  <m:oMath xmlns:m="http://schemas.openxmlformats.org/officeDocument/2006/math">
-                    <m:r>
-                      <a:rPr lang="pl-PL" b="0" i="1" dirty="0" smtClean="0">
-                        <a:latin typeface="Cambria Math" panose="02040503050406030204" pitchFamily="18" charset="0"/>
-                      </a:rPr>
-                      <m:t>0</m:t>
-                    </m:r>
-                  </m:oMath>
-                </a14:m>
-                <a:r>
-                  <a:rPr lang="pl-PL" dirty="0" smtClean="0"/>
-                  <a:t>   </a:t>
-                </a:r>
-                <a14:m>
-                  <m:oMath xmlns:m="http://schemas.openxmlformats.org/officeDocument/2006/math">
-                    <m:r>
-                      <a:rPr lang="pl-PL" b="0" i="1" dirty="0" smtClean="0">
-                        <a:latin typeface="Cambria Math" panose="02040503050406030204" pitchFamily="18" charset="0"/>
-                      </a:rPr>
-                      <m:t>0</m:t>
-                    </m:r>
-                  </m:oMath>
-                </a14:m>
-                <a:r>
-                  <a:rPr lang="pl-PL" dirty="0" smtClean="0"/>
-                  <a:t>   </a:t>
-                </a:r>
-                <a14:m>
-                  <m:oMath xmlns:m="http://schemas.openxmlformats.org/officeDocument/2006/math">
-                    <m:r>
-                      <a:rPr lang="pl-PL" i="1">
-                        <a:latin typeface="Cambria Math" panose="02040503050406030204" pitchFamily="18" charset="0"/>
-                      </a:rPr>
-                      <m:t>𝑥</m:t>
-                    </m:r>
-                  </m:oMath>
-                </a14:m>
-                <a:r>
-                  <a:rPr lang="pl-PL" dirty="0"/>
-                  <a:t>   </a:t>
-                </a:r>
-                <a14:m>
-                  <m:oMath xmlns:m="http://schemas.openxmlformats.org/officeDocument/2006/math">
-                    <m:r>
-                      <a:rPr lang="pl-PL" i="1">
-                        <a:latin typeface="Cambria Math" panose="02040503050406030204" pitchFamily="18" charset="0"/>
-                      </a:rPr>
-                      <m:t>𝑥</m:t>
-                    </m:r>
-                  </m:oMath>
-                </a14:m>
-                <a:r>
-                  <a:rPr lang="pl-PL" dirty="0"/>
-                  <a:t>   </a:t>
-                </a:r>
-                <a14:m>
-                  <m:oMath xmlns:m="http://schemas.openxmlformats.org/officeDocument/2006/math">
-                    <m:r>
-                      <a:rPr lang="pl-PL" b="0" i="1" dirty="0" smtClean="0">
-                        <a:latin typeface="Cambria Math" panose="02040503050406030204" pitchFamily="18" charset="0"/>
-                      </a:rPr>
-                      <m:t>𝑥</m:t>
-                    </m:r>
-                  </m:oMath>
-                </a14:m>
-                <a:endParaRPr lang="pl-PL" dirty="0"/>
-              </a:p>
-              <a:p>
-                <a14:m>
-                  <m:oMath xmlns:m="http://schemas.openxmlformats.org/officeDocument/2006/math">
-                    <m:r>
-                      <a:rPr lang="pl-PL" b="0" i="1" smtClean="0">
-                        <a:latin typeface="Cambria Math" panose="02040503050406030204" pitchFamily="18" charset="0"/>
-                      </a:rPr>
-                      <m:t>0</m:t>
-                    </m:r>
-                  </m:oMath>
-                </a14:m>
-                <a:r>
-                  <a:rPr lang="pl-PL" dirty="0" smtClean="0"/>
-                  <a:t>   </a:t>
-                </a:r>
-                <a14:m>
-                  <m:oMath xmlns:m="http://schemas.openxmlformats.org/officeDocument/2006/math">
-                    <m:r>
-                      <a:rPr lang="pl-PL" b="0" i="1" dirty="0" smtClean="0">
-                        <a:latin typeface="Cambria Math" panose="02040503050406030204" pitchFamily="18" charset="0"/>
-                      </a:rPr>
-                      <m:t>0</m:t>
-                    </m:r>
-                  </m:oMath>
-                </a14:m>
-                <a:r>
-                  <a:rPr lang="pl-PL" dirty="0" smtClean="0"/>
-                  <a:t>   </a:t>
-                </a:r>
-                <a14:m>
-                  <m:oMath xmlns:m="http://schemas.openxmlformats.org/officeDocument/2006/math">
-                    <m:r>
-                      <a:rPr lang="pl-PL" b="0" i="1" dirty="0" smtClean="0">
-                        <a:latin typeface="Cambria Math" panose="02040503050406030204" pitchFamily="18" charset="0"/>
-                      </a:rPr>
-                      <m:t>0</m:t>
-                    </m:r>
-                  </m:oMath>
-                </a14:m>
-                <a:r>
-                  <a:rPr lang="pl-PL" dirty="0" smtClean="0"/>
-                  <a:t>   </a:t>
-                </a:r>
-                <a14:m>
-                  <m:oMath xmlns:m="http://schemas.openxmlformats.org/officeDocument/2006/math">
-                    <m:r>
-                      <a:rPr lang="pl-PL" b="0" i="1" dirty="0" smtClean="0">
-                        <a:latin typeface="Cambria Math" panose="02040503050406030204" pitchFamily="18" charset="0"/>
-                      </a:rPr>
-                      <m:t>0</m:t>
-                    </m:r>
-                  </m:oMath>
-                </a14:m>
-                <a:r>
-                  <a:rPr lang="pl-PL" dirty="0" smtClean="0"/>
-                  <a:t>   </a:t>
-                </a:r>
-                <a14:m>
-                  <m:oMath xmlns:m="http://schemas.openxmlformats.org/officeDocument/2006/math">
-                    <m:r>
-                      <a:rPr lang="pl-PL" i="1">
-                        <a:latin typeface="Cambria Math" panose="02040503050406030204" pitchFamily="18" charset="0"/>
-                      </a:rPr>
-                      <m:t>𝑥</m:t>
-                    </m:r>
-                  </m:oMath>
-                </a14:m>
-                <a:r>
-                  <a:rPr lang="pl-PL" dirty="0"/>
-                  <a:t>   </a:t>
-                </a:r>
-                <a14:m>
-                  <m:oMath xmlns:m="http://schemas.openxmlformats.org/officeDocument/2006/math">
-                    <m:r>
-                      <a:rPr lang="pl-PL" i="1">
-                        <a:latin typeface="Cambria Math" panose="02040503050406030204" pitchFamily="18" charset="0"/>
-                      </a:rPr>
-                      <m:t>𝑥</m:t>
-                    </m:r>
-                  </m:oMath>
-                </a14:m>
-                <a:endParaRPr lang="pl-PL" dirty="0"/>
-              </a:p>
-              <a:p>
-                <a14:m>
-                  <m:oMath xmlns:m="http://schemas.openxmlformats.org/officeDocument/2006/math">
-                    <m:r>
-                      <a:rPr lang="pl-PL" b="0" i="1" smtClean="0">
-                        <a:latin typeface="Cambria Math" panose="02040503050406030204" pitchFamily="18" charset="0"/>
-                      </a:rPr>
-                      <m:t>0</m:t>
-                    </m:r>
-                  </m:oMath>
-                </a14:m>
-                <a:r>
-                  <a:rPr lang="pl-PL" dirty="0" smtClean="0"/>
-                  <a:t>   </a:t>
-                </a:r>
-                <a14:m>
-                  <m:oMath xmlns:m="http://schemas.openxmlformats.org/officeDocument/2006/math">
-                    <m:r>
-                      <a:rPr lang="pl-PL" b="0" i="1" dirty="0" smtClean="0">
-                        <a:latin typeface="Cambria Math" panose="02040503050406030204" pitchFamily="18" charset="0"/>
-                      </a:rPr>
-                      <m:t>0</m:t>
-                    </m:r>
-                  </m:oMath>
-                </a14:m>
-                <a:r>
-                  <a:rPr lang="pl-PL" dirty="0" smtClean="0"/>
-                  <a:t>   </a:t>
-                </a:r>
-                <a14:m>
-                  <m:oMath xmlns:m="http://schemas.openxmlformats.org/officeDocument/2006/math">
-                    <m:r>
-                      <a:rPr lang="pl-PL" b="0" i="1" dirty="0" smtClean="0">
-                        <a:latin typeface="Cambria Math" panose="02040503050406030204" pitchFamily="18" charset="0"/>
-                      </a:rPr>
-                      <m:t>0</m:t>
-                    </m:r>
-                  </m:oMath>
-                </a14:m>
-                <a:r>
-                  <a:rPr lang="pl-PL" dirty="0" smtClean="0"/>
-                  <a:t>   </a:t>
-                </a:r>
-                <a14:m>
-                  <m:oMath xmlns:m="http://schemas.openxmlformats.org/officeDocument/2006/math">
-                    <m:r>
-                      <a:rPr lang="pl-PL" b="0" i="1" dirty="0" smtClean="0">
-                        <a:latin typeface="Cambria Math" panose="02040503050406030204" pitchFamily="18" charset="0"/>
-                      </a:rPr>
-                      <m:t>0</m:t>
-                    </m:r>
-                  </m:oMath>
-                </a14:m>
-                <a:r>
-                  <a:rPr lang="pl-PL" dirty="0" smtClean="0"/>
-                  <a:t>   </a:t>
-                </a:r>
-                <a14:m>
-                  <m:oMath xmlns:m="http://schemas.openxmlformats.org/officeDocument/2006/math">
-                    <m:r>
-                      <a:rPr lang="pl-PL" b="0" i="1" dirty="0" smtClean="0">
-                        <a:solidFill>
-                          <a:srgbClr val="FF0000"/>
-                        </a:solidFill>
-                        <a:latin typeface="Cambria Math" panose="02040503050406030204" pitchFamily="18" charset="0"/>
-                      </a:rPr>
-                      <m:t>0</m:t>
-                    </m:r>
-                  </m:oMath>
-                </a14:m>
-                <a:r>
-                  <a:rPr lang="pl-PL" dirty="0" smtClean="0"/>
-                  <a:t>   </a:t>
-                </a:r>
-                <a14:m>
-                  <m:oMath xmlns:m="http://schemas.openxmlformats.org/officeDocument/2006/math">
-                    <m:r>
-                      <a:rPr lang="pl-PL" i="1">
-                        <a:latin typeface="Cambria Math" panose="02040503050406030204" pitchFamily="18" charset="0"/>
-                      </a:rPr>
-                      <m:t>𝑥</m:t>
-                    </m:r>
-                  </m:oMath>
-                </a14:m>
-                <a:endParaRPr lang="pl-PL" dirty="0"/>
-              </a:p>
-            </p:txBody>
-          </p:sp>
-        </mc:Choice>
-        <mc:Fallback xmlns="">
-          <p:sp>
-            <p:nvSpPr>
-              <p:cNvPr id="8" name="Prostokąt 7"/>
-              <p:cNvSpPr>
-                <a:spLocks noRot="1" noChangeAspect="1" noMove="1" noResize="1" noEditPoints="1" noAdjustHandles="1" noChangeArrowheads="1" noChangeShapeType="1" noTextEdit="1"/>
-              </p:cNvSpPr>
-              <p:nvPr/>
-            </p:nvSpPr>
-            <p:spPr>
-              <a:xfrm>
-                <a:off x="8038628" y="4571678"/>
-                <a:ext cx="1944216" cy="1754326"/>
-              </a:xfrm>
-              <a:prstGeom prst="rect">
-                <a:avLst/>
-              </a:prstGeom>
-              <a:blipFill>
-                <a:blip r:embed="rId7"/>
-                <a:stretch>
-                  <a:fillRect/>
-                </a:stretch>
-              </a:blipFill>
-            </p:spPr>
-            <p:txBody>
-              <a:bodyPr/>
-              <a:lstStyle/>
-              <a:p>
-                <a:r>
-                  <a:rPr lang="pl-PL">
-                    <a:noFill/>
-                  </a:rPr>
-                  <a:t> </a:t>
-                </a:r>
-              </a:p>
-            </p:txBody>
-          </p:sp>
-        </mc:Fallback>
-      </mc:AlternateContent>
-      <mc:AlternateContent xmlns:mc="http://schemas.openxmlformats.org/markup-compatibility/2006" xmlns:a14="http://schemas.microsoft.com/office/drawing/2010/main">
-        <mc:Choice Requires="a14">
-          <p:sp>
-            <p:nvSpPr>
-              <p:cNvPr id="9" name="Prostokąt 8"/>
-              <p:cNvSpPr/>
-              <p:nvPr/>
-            </p:nvSpPr>
-            <p:spPr>
-              <a:xfrm>
-                <a:off x="4942284" y="1787857"/>
-                <a:ext cx="496674" cy="369332"/>
-              </a:xfrm>
-              <a:prstGeom prst="rect">
-                <a:avLst/>
-              </a:prstGeom>
-            </p:spPr>
-            <p:txBody>
-              <a:bodyPr wrap="none">
-                <a:spAutoFit/>
-              </a:bodyPr>
-              <a:lstStyle/>
-              <a:p>
-                <a:pPr/>
-                <a14:m>
-                  <m:oMathPara xmlns:m="http://schemas.openxmlformats.org/officeDocument/2006/math">
-                    <m:oMathParaPr>
-                      <m:jc m:val="centerGroup"/>
-                    </m:oMathParaPr>
-                    <m:oMath xmlns:m="http://schemas.openxmlformats.org/officeDocument/2006/math">
-                      <m:sSub>
-                        <m:sSubPr>
-                          <m:ctrlPr>
-                            <a:rPr lang="pl-PL" i="1">
-                              <a:latin typeface="Cambria Math" panose="02040503050406030204" pitchFamily="18" charset="0"/>
-                            </a:rPr>
-                          </m:ctrlPr>
-                        </m:sSubPr>
-                        <m:e>
-                          <m:r>
-                            <a:rPr lang="pl-PL" i="1">
-                              <a:latin typeface="Cambria Math" panose="02040503050406030204" pitchFamily="18" charset="0"/>
-                            </a:rPr>
-                            <m:t>𝐴</m:t>
-                          </m:r>
-                        </m:e>
-                        <m:sub>
-                          <m:r>
-                            <a:rPr lang="pl-PL" i="1">
-                              <a:latin typeface="Cambria Math" panose="02040503050406030204" pitchFamily="18" charset="0"/>
-                            </a:rPr>
-                            <m:t>1</m:t>
-                          </m:r>
-                        </m:sub>
-                      </m:sSub>
-                    </m:oMath>
-                  </m:oMathPara>
-                </a14:m>
-                <a:endParaRPr lang="pl-PL" dirty="0"/>
-              </a:p>
-            </p:txBody>
-          </p:sp>
-        </mc:Choice>
-        <mc:Fallback xmlns="">
-          <p:sp>
-            <p:nvSpPr>
-              <p:cNvPr id="9" name="Prostokąt 8"/>
-              <p:cNvSpPr>
-                <a:spLocks noRot="1" noChangeAspect="1" noMove="1" noResize="1" noEditPoints="1" noAdjustHandles="1" noChangeArrowheads="1" noChangeShapeType="1" noTextEdit="1"/>
-              </p:cNvSpPr>
-              <p:nvPr/>
-            </p:nvSpPr>
-            <p:spPr>
-              <a:xfrm>
-                <a:off x="4942284" y="1787857"/>
-                <a:ext cx="496674" cy="369332"/>
-              </a:xfrm>
-              <a:prstGeom prst="rect">
-                <a:avLst/>
-              </a:prstGeom>
-              <a:blipFill>
-                <a:blip r:embed="rId8"/>
-                <a:stretch>
-                  <a:fillRect/>
-                </a:stretch>
-              </a:blipFill>
-            </p:spPr>
-            <p:txBody>
-              <a:bodyPr/>
-              <a:lstStyle/>
-              <a:p>
-                <a:r>
-                  <a:rPr lang="pl-PL">
-                    <a:noFill/>
-                  </a:rPr>
-                  <a:t> </a:t>
-                </a:r>
-              </a:p>
-            </p:txBody>
-          </p:sp>
-        </mc:Fallback>
-      </mc:AlternateContent>
-      <mc:AlternateContent xmlns:mc="http://schemas.openxmlformats.org/markup-compatibility/2006" xmlns:a14="http://schemas.microsoft.com/office/drawing/2010/main">
-        <mc:Choice Requires="a14">
-          <p:sp>
-            <p:nvSpPr>
-              <p:cNvPr id="10" name="Prostokąt 9"/>
-              <p:cNvSpPr/>
-              <p:nvPr/>
-            </p:nvSpPr>
-            <p:spPr>
-              <a:xfrm>
-                <a:off x="7678588" y="1793833"/>
-                <a:ext cx="501997" cy="369332"/>
-              </a:xfrm>
-              <a:prstGeom prst="rect">
-                <a:avLst/>
-              </a:prstGeom>
-            </p:spPr>
-            <p:txBody>
-              <a:bodyPr wrap="none">
-                <a:spAutoFit/>
-              </a:bodyPr>
-              <a:lstStyle/>
-              <a:p>
-                <a:pPr/>
-                <a14:m>
-                  <m:oMathPara xmlns:m="http://schemas.openxmlformats.org/officeDocument/2006/math">
-                    <m:oMathParaPr>
-                      <m:jc m:val="centerGroup"/>
-                    </m:oMathParaPr>
-                    <m:oMath xmlns:m="http://schemas.openxmlformats.org/officeDocument/2006/math">
-                      <m:sSub>
-                        <m:sSubPr>
-                          <m:ctrlPr>
-                            <a:rPr lang="pl-PL" i="1" smtClean="0">
-                              <a:latin typeface="Cambria Math" panose="02040503050406030204" pitchFamily="18" charset="0"/>
-                            </a:rPr>
-                          </m:ctrlPr>
-                        </m:sSubPr>
-                        <m:e>
-                          <m:r>
-                            <a:rPr lang="pl-PL" i="1">
-                              <a:latin typeface="Cambria Math" panose="02040503050406030204" pitchFamily="18" charset="0"/>
-                            </a:rPr>
-                            <m:t>𝐴</m:t>
-                          </m:r>
-                        </m:e>
-                        <m:sub>
-                          <m:r>
-                            <a:rPr lang="pl-PL" b="0" i="1" smtClean="0">
-                              <a:latin typeface="Cambria Math" panose="02040503050406030204" pitchFamily="18" charset="0"/>
-                            </a:rPr>
-                            <m:t>2</m:t>
-                          </m:r>
-                        </m:sub>
-                      </m:sSub>
-                    </m:oMath>
-                  </m:oMathPara>
-                </a14:m>
-                <a:endParaRPr lang="pl-PL" dirty="0"/>
-              </a:p>
-            </p:txBody>
-          </p:sp>
-        </mc:Choice>
-        <mc:Fallback xmlns="">
-          <p:sp>
-            <p:nvSpPr>
-              <p:cNvPr id="10" name="Prostokąt 9"/>
-              <p:cNvSpPr>
-                <a:spLocks noRot="1" noChangeAspect="1" noMove="1" noResize="1" noEditPoints="1" noAdjustHandles="1" noChangeArrowheads="1" noChangeShapeType="1" noTextEdit="1"/>
-              </p:cNvSpPr>
-              <p:nvPr/>
-            </p:nvSpPr>
-            <p:spPr>
-              <a:xfrm>
-                <a:off x="7678588" y="1793833"/>
-                <a:ext cx="501997" cy="369332"/>
-              </a:xfrm>
-              <a:prstGeom prst="rect">
-                <a:avLst/>
-              </a:prstGeom>
-              <a:blipFill>
-                <a:blip r:embed="rId9"/>
-                <a:stretch>
-                  <a:fillRect/>
-                </a:stretch>
-              </a:blipFill>
-            </p:spPr>
-            <p:txBody>
-              <a:bodyPr/>
-              <a:lstStyle/>
-              <a:p>
-                <a:r>
-                  <a:rPr lang="pl-PL">
-                    <a:noFill/>
-                  </a:rPr>
-                  <a:t> </a:t>
-                </a:r>
-              </a:p>
-            </p:txBody>
-          </p:sp>
-        </mc:Fallback>
-      </mc:AlternateContent>
-      <mc:AlternateContent xmlns:mc="http://schemas.openxmlformats.org/markup-compatibility/2006" xmlns:a14="http://schemas.microsoft.com/office/drawing/2010/main">
-        <mc:Choice Requires="a14">
-          <p:sp>
-            <p:nvSpPr>
-              <p:cNvPr id="11" name="Prostokąt 10"/>
-              <p:cNvSpPr/>
-              <p:nvPr/>
-            </p:nvSpPr>
-            <p:spPr>
-              <a:xfrm>
-                <a:off x="2133972" y="4293096"/>
-                <a:ext cx="501997" cy="369332"/>
-              </a:xfrm>
-              <a:prstGeom prst="rect">
-                <a:avLst/>
-              </a:prstGeom>
-            </p:spPr>
-            <p:txBody>
-              <a:bodyPr wrap="none">
-                <a:spAutoFit/>
-              </a:bodyPr>
-              <a:lstStyle/>
-              <a:p>
-                <a:pPr/>
-                <a14:m>
-                  <m:oMathPara xmlns:m="http://schemas.openxmlformats.org/officeDocument/2006/math">
-                    <m:oMathParaPr>
-                      <m:jc m:val="centerGroup"/>
-                    </m:oMathParaPr>
-                    <m:oMath xmlns:m="http://schemas.openxmlformats.org/officeDocument/2006/math">
-                      <m:sSub>
-                        <m:sSubPr>
-                          <m:ctrlPr>
-                            <a:rPr lang="pl-PL" i="1" smtClean="0">
-                              <a:latin typeface="Cambria Math" panose="02040503050406030204" pitchFamily="18" charset="0"/>
-                            </a:rPr>
-                          </m:ctrlPr>
-                        </m:sSubPr>
-                        <m:e>
-                          <m:r>
-                            <a:rPr lang="pl-PL" i="1">
-                              <a:latin typeface="Cambria Math" panose="02040503050406030204" pitchFamily="18" charset="0"/>
-                            </a:rPr>
-                            <m:t>𝐴</m:t>
-                          </m:r>
-                        </m:e>
-                        <m:sub>
-                          <m:r>
-                            <a:rPr lang="pl-PL" b="0" i="1" smtClean="0">
-                              <a:latin typeface="Cambria Math" panose="02040503050406030204" pitchFamily="18" charset="0"/>
-                            </a:rPr>
-                            <m:t>3</m:t>
-                          </m:r>
-                        </m:sub>
-                      </m:sSub>
-                    </m:oMath>
-                  </m:oMathPara>
-                </a14:m>
-                <a:endParaRPr lang="pl-PL" dirty="0"/>
-              </a:p>
-            </p:txBody>
-          </p:sp>
-        </mc:Choice>
-        <mc:Fallback xmlns="">
-          <p:sp>
-            <p:nvSpPr>
-              <p:cNvPr id="11" name="Prostokąt 10"/>
-              <p:cNvSpPr>
-                <a:spLocks noRot="1" noChangeAspect="1" noMove="1" noResize="1" noEditPoints="1" noAdjustHandles="1" noChangeArrowheads="1" noChangeShapeType="1" noTextEdit="1"/>
-              </p:cNvSpPr>
-              <p:nvPr/>
-            </p:nvSpPr>
-            <p:spPr>
-              <a:xfrm>
-                <a:off x="2133972" y="4293096"/>
-                <a:ext cx="501997" cy="369332"/>
-              </a:xfrm>
-              <a:prstGeom prst="rect">
-                <a:avLst/>
-              </a:prstGeom>
-              <a:blipFill>
-                <a:blip r:embed="rId10"/>
-                <a:stretch>
-                  <a:fillRect/>
-                </a:stretch>
-              </a:blipFill>
-            </p:spPr>
-            <p:txBody>
-              <a:bodyPr/>
-              <a:lstStyle/>
-              <a:p>
-                <a:r>
-                  <a:rPr lang="pl-PL">
-                    <a:noFill/>
-                  </a:rPr>
-                  <a:t> </a:t>
-                </a:r>
-              </a:p>
-            </p:txBody>
-          </p:sp>
-        </mc:Fallback>
-      </mc:AlternateContent>
-      <mc:AlternateContent xmlns:mc="http://schemas.openxmlformats.org/markup-compatibility/2006" xmlns:a14="http://schemas.microsoft.com/office/drawing/2010/main">
-        <mc:Choice Requires="a14">
-          <p:sp>
-            <p:nvSpPr>
-              <p:cNvPr id="12" name="Prostokąt 11"/>
-              <p:cNvSpPr/>
-              <p:nvPr/>
-            </p:nvSpPr>
-            <p:spPr>
-              <a:xfrm>
-                <a:off x="4936961" y="4279710"/>
-                <a:ext cx="501997" cy="369332"/>
-              </a:xfrm>
-              <a:prstGeom prst="rect">
-                <a:avLst/>
-              </a:prstGeom>
-            </p:spPr>
-            <p:txBody>
-              <a:bodyPr wrap="none">
-                <a:spAutoFit/>
-              </a:bodyPr>
-              <a:lstStyle/>
-              <a:p>
-                <a:pPr/>
-                <a14:m>
-                  <m:oMathPara xmlns:m="http://schemas.openxmlformats.org/officeDocument/2006/math">
-                    <m:oMathParaPr>
-                      <m:jc m:val="centerGroup"/>
-                    </m:oMathParaPr>
-                    <m:oMath xmlns:m="http://schemas.openxmlformats.org/officeDocument/2006/math">
-                      <m:sSub>
-                        <m:sSubPr>
-                          <m:ctrlPr>
-                            <a:rPr lang="pl-PL" i="1" smtClean="0">
-                              <a:latin typeface="Cambria Math" panose="02040503050406030204" pitchFamily="18" charset="0"/>
-                            </a:rPr>
-                          </m:ctrlPr>
-                        </m:sSubPr>
-                        <m:e>
-                          <m:r>
-                            <a:rPr lang="pl-PL" i="1">
-                              <a:latin typeface="Cambria Math" panose="02040503050406030204" pitchFamily="18" charset="0"/>
-                            </a:rPr>
-                            <m:t>𝐴</m:t>
-                          </m:r>
-                        </m:e>
-                        <m:sub>
-                          <m:r>
-                            <a:rPr lang="pl-PL" b="0" i="1" smtClean="0">
-                              <a:latin typeface="Cambria Math" panose="02040503050406030204" pitchFamily="18" charset="0"/>
-                            </a:rPr>
-                            <m:t>4</m:t>
-                          </m:r>
-                        </m:sub>
-                      </m:sSub>
-                    </m:oMath>
-                  </m:oMathPara>
-                </a14:m>
-                <a:endParaRPr lang="pl-PL" dirty="0"/>
-              </a:p>
-            </p:txBody>
-          </p:sp>
-        </mc:Choice>
-        <mc:Fallback xmlns="">
-          <p:sp>
-            <p:nvSpPr>
-              <p:cNvPr id="12" name="Prostokąt 11"/>
-              <p:cNvSpPr>
-                <a:spLocks noRot="1" noChangeAspect="1" noMove="1" noResize="1" noEditPoints="1" noAdjustHandles="1" noChangeArrowheads="1" noChangeShapeType="1" noTextEdit="1"/>
-              </p:cNvSpPr>
-              <p:nvPr/>
-            </p:nvSpPr>
-            <p:spPr>
-              <a:xfrm>
-                <a:off x="4936961" y="4279710"/>
-                <a:ext cx="501997" cy="369332"/>
-              </a:xfrm>
-              <a:prstGeom prst="rect">
-                <a:avLst/>
-              </a:prstGeom>
-              <a:blipFill>
-                <a:blip r:embed="rId11"/>
-                <a:stretch>
-                  <a:fillRect/>
-                </a:stretch>
-              </a:blipFill>
-            </p:spPr>
-            <p:txBody>
-              <a:bodyPr/>
-              <a:lstStyle/>
-              <a:p>
-                <a:r>
-                  <a:rPr lang="pl-PL">
-                    <a:noFill/>
-                  </a:rPr>
-                  <a:t> </a:t>
-                </a:r>
-              </a:p>
-            </p:txBody>
-          </p:sp>
-        </mc:Fallback>
-      </mc:AlternateContent>
-      <mc:AlternateContent xmlns:mc="http://schemas.openxmlformats.org/markup-compatibility/2006" xmlns:a14="http://schemas.microsoft.com/office/drawing/2010/main">
-        <mc:Choice Requires="a14">
-          <p:sp>
-            <p:nvSpPr>
-              <p:cNvPr id="13" name="Prostokąt 12"/>
-              <p:cNvSpPr/>
-              <p:nvPr/>
-            </p:nvSpPr>
-            <p:spPr>
-              <a:xfrm>
-                <a:off x="7678588" y="4261214"/>
-                <a:ext cx="501997" cy="369332"/>
-              </a:xfrm>
-              <a:prstGeom prst="rect">
-                <a:avLst/>
-              </a:prstGeom>
-            </p:spPr>
-            <p:txBody>
-              <a:bodyPr wrap="none">
-                <a:spAutoFit/>
-              </a:bodyPr>
-              <a:lstStyle/>
-              <a:p>
-                <a:pPr/>
-                <a14:m>
-                  <m:oMathPara xmlns:m="http://schemas.openxmlformats.org/officeDocument/2006/math">
-                    <m:oMathParaPr>
-                      <m:jc m:val="centerGroup"/>
-                    </m:oMathParaPr>
-                    <m:oMath xmlns:m="http://schemas.openxmlformats.org/officeDocument/2006/math">
-                      <m:sSub>
-                        <m:sSubPr>
-                          <m:ctrlPr>
-                            <a:rPr lang="pl-PL" i="1" smtClean="0">
-                              <a:latin typeface="Cambria Math" panose="02040503050406030204" pitchFamily="18" charset="0"/>
-                            </a:rPr>
-                          </m:ctrlPr>
-                        </m:sSubPr>
-                        <m:e>
-                          <m:r>
-                            <a:rPr lang="pl-PL" i="1">
-                              <a:latin typeface="Cambria Math" panose="02040503050406030204" pitchFamily="18" charset="0"/>
-                            </a:rPr>
-                            <m:t>𝐴</m:t>
-                          </m:r>
-                        </m:e>
-                        <m:sub>
-                          <m:r>
-                            <a:rPr lang="pl-PL" b="0" i="1" smtClean="0">
-                              <a:latin typeface="Cambria Math" panose="02040503050406030204" pitchFamily="18" charset="0"/>
-                            </a:rPr>
-                            <m:t>5</m:t>
-                          </m:r>
-                        </m:sub>
-                      </m:sSub>
-                    </m:oMath>
-                  </m:oMathPara>
-                </a14:m>
-                <a:endParaRPr lang="pl-PL" dirty="0"/>
-              </a:p>
-            </p:txBody>
-          </p:sp>
-        </mc:Choice>
-        <mc:Fallback xmlns="">
-          <p:sp>
-            <p:nvSpPr>
-              <p:cNvPr id="13" name="Prostokąt 12"/>
-              <p:cNvSpPr>
-                <a:spLocks noRot="1" noChangeAspect="1" noMove="1" noResize="1" noEditPoints="1" noAdjustHandles="1" noChangeArrowheads="1" noChangeShapeType="1" noTextEdit="1"/>
-              </p:cNvSpPr>
-              <p:nvPr/>
-            </p:nvSpPr>
-            <p:spPr>
-              <a:xfrm>
-                <a:off x="7678588" y="4261214"/>
-                <a:ext cx="501997" cy="369332"/>
-              </a:xfrm>
-              <a:prstGeom prst="rect">
-                <a:avLst/>
-              </a:prstGeom>
-              <a:blipFill>
-                <a:blip r:embed="rId12"/>
-                <a:stretch>
-                  <a:fillRect b="-1639"/>
-                </a:stretch>
-              </a:blipFill>
-            </p:spPr>
-            <p:txBody>
-              <a:bodyPr/>
-              <a:lstStyle/>
-              <a:p>
-                <a:r>
-                  <a:rPr lang="pl-PL">
-                    <a:noFill/>
-                  </a:rPr>
-                  <a:t> </a:t>
-                </a:r>
-              </a:p>
-            </p:txBody>
-          </p:sp>
-        </mc:Fallback>
-      </mc:AlternateContent>
-      <mc:AlternateContent xmlns:mc="http://schemas.openxmlformats.org/markup-compatibility/2006" xmlns:a14="http://schemas.microsoft.com/office/drawing/2010/main">
-        <mc:Choice Requires="a14">
-          <p:sp>
-            <p:nvSpPr>
-              <p:cNvPr id="14" name="Prostokąt 13"/>
-              <p:cNvSpPr/>
-              <p:nvPr/>
-            </p:nvSpPr>
-            <p:spPr>
-              <a:xfrm>
-                <a:off x="2133971" y="1822711"/>
-                <a:ext cx="396904" cy="369332"/>
-              </a:xfrm>
-              <a:prstGeom prst="rect">
-                <a:avLst/>
-              </a:prstGeom>
-            </p:spPr>
-            <p:txBody>
-              <a:bodyPr wrap="none">
-                <a:spAutoFit/>
-              </a:bodyPr>
-              <a:lstStyle/>
-              <a:p>
-                <a:pPr/>
-                <a14:m>
-                  <m:oMathPara xmlns:m="http://schemas.openxmlformats.org/officeDocument/2006/math">
-                    <m:oMathParaPr>
-                      <m:jc m:val="centerGroup"/>
-                    </m:oMathParaPr>
-                    <m:oMath xmlns:m="http://schemas.openxmlformats.org/officeDocument/2006/math">
-                      <m:r>
-                        <a:rPr lang="pl-PL" i="1" smtClean="0">
-                          <a:latin typeface="Cambria Math" panose="02040503050406030204" pitchFamily="18" charset="0"/>
-                        </a:rPr>
-                        <m:t>𝐴</m:t>
-                      </m:r>
-                    </m:oMath>
-                  </m:oMathPara>
-                </a14:m>
-                <a:endParaRPr lang="pl-PL" dirty="0"/>
-              </a:p>
-            </p:txBody>
-          </p:sp>
-        </mc:Choice>
-        <mc:Fallback xmlns="">
-          <p:sp>
-            <p:nvSpPr>
-              <p:cNvPr id="14" name="Prostokąt 13"/>
-              <p:cNvSpPr>
-                <a:spLocks noRot="1" noChangeAspect="1" noMove="1" noResize="1" noEditPoints="1" noAdjustHandles="1" noChangeArrowheads="1" noChangeShapeType="1" noTextEdit="1"/>
-              </p:cNvSpPr>
-              <p:nvPr/>
-            </p:nvSpPr>
-            <p:spPr>
-              <a:xfrm>
-                <a:off x="2133971" y="1822711"/>
-                <a:ext cx="396904" cy="369332"/>
-              </a:xfrm>
-              <a:prstGeom prst="rect">
-                <a:avLst/>
-              </a:prstGeom>
-              <a:blipFill>
-                <a:blip r:embed="rId13"/>
-                <a:stretch>
-                  <a:fillRect/>
-                </a:stretch>
-              </a:blipFill>
-            </p:spPr>
-            <p:txBody>
-              <a:bodyPr/>
-              <a:lstStyle/>
-              <a:p>
-                <a:r>
-                  <a:rPr lang="pl-PL">
-                    <a:noFill/>
-                  </a:rPr>
-                  <a:t> </a:t>
-                </a:r>
-              </a:p>
-            </p:txBody>
-          </p:sp>
-        </mc:Fallback>
-      </mc:AlternateContent>
+      <p:pic>
+        <p:nvPicPr>
+          <p:cNvPr id="15" name="Obraz 14"/>
+          <p:cNvPicPr>
+            <a:picLocks noChangeAspect="1"/>
+          </p:cNvPicPr>
+          <p:nvPr/>
+        </p:nvPicPr>
+        <p:blipFill>
+          <a:blip r:embed="rId2"/>
+          <a:stretch>
+            <a:fillRect/>
+          </a:stretch>
+        </p:blipFill>
+        <p:spPr>
+          <a:xfrm>
+            <a:off x="1989956" y="1556792"/>
+            <a:ext cx="8969632" cy="5110822"/>
+          </a:xfrm>
+          <a:prstGeom prst="rect">
+            <a:avLst/>
+          </a:prstGeom>
+        </p:spPr>
+      </p:pic>
     </p:spTree>
     <p:extLst>
       <p:ext uri="{BB962C8B-B14F-4D97-AF65-F5344CB8AC3E}">
@@ -16716,22 +12950,31 @@
           <a:lstStyle/>
           <a:p>
             <a:r>
-              <a:rPr lang="pl-PL" sz="3200" dirty="0"/>
+              <a:rPr lang="pl-PL" sz="3200" dirty="0">
+                <a:latin typeface="Calibri" panose="020F0502020204030204" pitchFamily="34" charset="0"/>
+                <a:cs typeface="Calibri" panose="020F0502020204030204" pitchFamily="34" charset="0"/>
+              </a:rPr>
               <a:t>Zastosowanie dla macierzy </a:t>
             </a:r>
             <a:r>
-              <a:rPr lang="pl-PL" sz="3200" dirty="0" err="1"/>
+              <a:rPr lang="pl-PL" sz="3200" dirty="0" err="1">
+                <a:latin typeface="Calibri" panose="020F0502020204030204" pitchFamily="34" charset="0"/>
+                <a:cs typeface="Calibri" panose="020F0502020204030204" pitchFamily="34" charset="0"/>
+              </a:rPr>
               <a:t>trójdiagonalnych</a:t>
             </a:r>
             <a:r>
-              <a:rPr lang="pl-PL" sz="3200" dirty="0"/>
+              <a:rPr lang="pl-PL" sz="3200" dirty="0">
+                <a:latin typeface="Calibri" panose="020F0502020204030204" pitchFamily="34" charset="0"/>
+                <a:cs typeface="Calibri" panose="020F0502020204030204" pitchFamily="34" charset="0"/>
+              </a:rPr>
               <a:t>:</a:t>
             </a:r>
           </a:p>
         </p:txBody>
       </p:sp>
-      <mc:AlternateContent xmlns:mc="http://schemas.openxmlformats.org/markup-compatibility/2006" xmlns:a14="http://schemas.microsoft.com/office/drawing/2010/main">
-        <mc:Choice Requires="a14">
+      <mc:AlternateContent xmlns:mc="http://schemas.openxmlformats.org/markup-compatibility/2006">
+        <mc:Choice xmlns:a14="http://schemas.microsoft.com/office/drawing/2010/main" Requires="a14">
           <p:sp>
             <p:nvSpPr>
               <p:cNvPr id="3" name="Symbol zastępczy zawartości 2"/>
@@ -16745,7 +12988,7 @@
             <p:spPr>
               <a:xfrm>
                 <a:off x="1701924" y="1700808"/>
-                <a:ext cx="4248472" cy="3240360"/>
+                <a:ext cx="4248472" cy="1872208"/>
               </a:xfrm>
             </p:spPr>
             <p:txBody>
@@ -16758,15 +13001,24 @@
                   <a:buNone/>
                 </a:pPr>
                 <a:r>
-                  <a:rPr lang="pl-PL" sz="2400" dirty="0" smtClean="0"/>
+                  <a:rPr lang="pl-PL" sz="2400" dirty="0" smtClean="0">
+                    <a:latin typeface="Calibri" panose="020F0502020204030204" pitchFamily="34" charset="0"/>
+                    <a:cs typeface="Calibri" panose="020F0502020204030204" pitchFamily="34" charset="0"/>
+                  </a:rPr>
                   <a:t>Odbicia </a:t>
                 </a:r>
                 <a:r>
-                  <a:rPr lang="pl-PL" sz="2400" dirty="0" err="1" smtClean="0"/>
+                  <a:rPr lang="pl-PL" sz="2400" dirty="0" err="1" smtClean="0">
+                    <a:latin typeface="Calibri" panose="020F0502020204030204" pitchFamily="34" charset="0"/>
+                    <a:cs typeface="Calibri" panose="020F0502020204030204" pitchFamily="34" charset="0"/>
+                  </a:rPr>
                   <a:t>Householdera</a:t>
                 </a:r>
                 <a:r>
-                  <a:rPr lang="pl-PL" sz="2400" dirty="0" smtClean="0"/>
+                  <a:rPr lang="pl-PL" sz="2400" dirty="0" smtClean="0">
+                    <a:latin typeface="Calibri" panose="020F0502020204030204" pitchFamily="34" charset="0"/>
+                    <a:cs typeface="Calibri" panose="020F0502020204030204" pitchFamily="34" charset="0"/>
+                  </a:rPr>
                   <a:t> stosujemy w celu przekształcenia macierzy </a:t>
                 </a:r>
                 <a14:m>
@@ -16780,15 +13032,24 @@
                   </m:oMath>
                 </a14:m>
                 <a:r>
-                  <a:rPr lang="pl-PL" sz="2400" dirty="0" smtClean="0"/>
+                  <a:rPr lang="pl-PL" sz="2400" dirty="0" smtClean="0">
+                    <a:latin typeface="Calibri" panose="020F0502020204030204" pitchFamily="34" charset="0"/>
+                    <a:cs typeface="Calibri" panose="020F0502020204030204" pitchFamily="34" charset="0"/>
+                  </a:rPr>
                   <a:t> do macierzy górnej macierzy trójkątnej </a:t>
                 </a:r>
                 <a:r>
-                  <a:rPr lang="pl-PL" sz="2400" dirty="0"/>
+                  <a:rPr lang="pl-PL" sz="2400" dirty="0">
+                    <a:latin typeface="Calibri" panose="020F0502020204030204" pitchFamily="34" charset="0"/>
+                    <a:cs typeface="Calibri" panose="020F0502020204030204" pitchFamily="34" charset="0"/>
+                  </a:rPr>
                   <a:t>(</a:t>
                 </a:r>
                 <a:r>
-                  <a:rPr lang="pl-PL" sz="2400" dirty="0" smtClean="0"/>
+                  <a:rPr lang="pl-PL" sz="2400" dirty="0" smtClean="0">
+                    <a:latin typeface="Calibri" panose="020F0502020204030204" pitchFamily="34" charset="0"/>
+                    <a:cs typeface="Calibri" panose="020F0502020204030204" pitchFamily="34" charset="0"/>
+                  </a:rPr>
                   <a:t>wykonujemy to w </a:t>
                 </a:r>
                 <a14:m>
@@ -16808,14 +13069,17 @@
                   </m:oMath>
                 </a14:m>
                 <a:r>
-                  <a:rPr lang="pl-PL" sz="2400" dirty="0" smtClean="0"/>
+                  <a:rPr lang="pl-PL" sz="2400" dirty="0" smtClean="0">
+                    <a:latin typeface="Calibri" panose="020F0502020204030204" pitchFamily="34" charset="0"/>
+                    <a:cs typeface="Calibri" panose="020F0502020204030204" pitchFamily="34" charset="0"/>
+                  </a:rPr>
                   <a:t> krokach).</a:t>
                 </a:r>
               </a:p>
             </p:txBody>
           </p:sp>
         </mc:Choice>
-        <mc:Fallback xmlns="">
+        <mc:Fallback>
           <p:sp>
             <p:nvSpPr>
               <p:cNvPr id="3" name="Symbol zastępczy zawartości 2"/>
@@ -16829,12 +13093,12 @@
             <p:spPr>
               <a:xfrm>
                 <a:off x="1701924" y="1700808"/>
-                <a:ext cx="4248472" cy="3240360"/>
+                <a:ext cx="4248472" cy="1872208"/>
               </a:xfrm>
               <a:blipFill>
                 <a:blip r:embed="rId2"/>
                 <a:stretch>
-                  <a:fillRect l="-2152" t="-2444"/>
+                  <a:fillRect l="-2152" t="-4560" r="-3730" b="-326"/>
                 </a:stretch>
               </a:blipFill>
             </p:spPr>
@@ -16853,1043 +13117,30 @@
           </p:sp>
         </mc:Fallback>
       </mc:AlternateContent>
-      <mc:AlternateContent xmlns:mc="http://schemas.openxmlformats.org/markup-compatibility/2006" xmlns:a14="http://schemas.microsoft.com/office/drawing/2010/main">
-        <mc:Choice Requires="a14">
-          <p:sp>
-            <p:nvSpPr>
-              <p:cNvPr id="4" name="Prostokąt 3"/>
-              <p:cNvSpPr/>
-              <p:nvPr/>
-            </p:nvSpPr>
-            <p:spPr>
-              <a:xfrm>
-                <a:off x="6484836" y="1556792"/>
-                <a:ext cx="5040560" cy="5088509"/>
-              </a:xfrm>
-              <a:prstGeom prst="rect">
-                <a:avLst/>
-              </a:prstGeom>
-            </p:spPr>
-            <p:txBody>
-              <a:bodyPr wrap="square">
-                <a:spAutoFit/>
-              </a:bodyPr>
-              <a:lstStyle/>
-              <a:p>
-                <a:pPr>
-                  <a:lnSpc>
-                    <a:spcPct val="150000"/>
-                  </a:lnSpc>
-                </a:pPr>
-                <a:r>
-                  <a:rPr lang="pl-PL" sz="2400" dirty="0" smtClean="0"/>
-                  <a:t>              </a:t>
-                </a:r>
-                <a14:m>
-                  <m:oMath xmlns:m="http://schemas.openxmlformats.org/officeDocument/2006/math">
-                    <m:sSub>
-                      <m:sSubPr>
-                        <m:ctrlPr>
-                          <a:rPr lang="pl-PL" sz="2400" i="1" smtClean="0">
-                            <a:latin typeface="Cambria Math" panose="02040503050406030204" pitchFamily="18" charset="0"/>
-                          </a:rPr>
-                        </m:ctrlPr>
-                      </m:sSubPr>
-                      <m:e>
-                        <m:r>
-                          <a:rPr lang="pl-PL" sz="2400" i="1">
-                            <a:latin typeface="Cambria Math" panose="02040503050406030204" pitchFamily="18" charset="0"/>
-                          </a:rPr>
-                          <m:t>𝐻</m:t>
-                        </m:r>
-                      </m:e>
-                      <m:sub>
-                        <m:r>
-                          <a:rPr lang="pl-PL" sz="2400" i="1">
-                            <a:latin typeface="Cambria Math" panose="02040503050406030204" pitchFamily="18" charset="0"/>
-                          </a:rPr>
-                          <m:t>1</m:t>
-                        </m:r>
-                      </m:sub>
-                    </m:sSub>
-                    <m:r>
-                      <a:rPr lang="pl-PL" sz="2400" i="1">
-                        <a:latin typeface="Cambria Math" panose="02040503050406030204" pitchFamily="18" charset="0"/>
-                      </a:rPr>
-                      <m:t>𝐴</m:t>
-                    </m:r>
-                    <m:r>
-                      <a:rPr lang="pl-PL" sz="2400" i="1">
-                        <a:latin typeface="Cambria Math" panose="02040503050406030204" pitchFamily="18" charset="0"/>
-                      </a:rPr>
-                      <m:t>=</m:t>
-                    </m:r>
-                    <m:sSub>
-                      <m:sSubPr>
-                        <m:ctrlPr>
-                          <a:rPr lang="pl-PL" sz="2400" i="1">
-                            <a:latin typeface="Cambria Math" panose="02040503050406030204" pitchFamily="18" charset="0"/>
-                          </a:rPr>
-                        </m:ctrlPr>
-                      </m:sSubPr>
-                      <m:e>
-                        <m:r>
-                          <a:rPr lang="pl-PL" sz="2400" i="1">
-                            <a:latin typeface="Cambria Math" panose="02040503050406030204" pitchFamily="18" charset="0"/>
-                          </a:rPr>
-                          <m:t>𝐴</m:t>
-                        </m:r>
-                      </m:e>
-                      <m:sub>
-                        <m:r>
-                          <a:rPr lang="pl-PL" sz="2400" i="1">
-                            <a:latin typeface="Cambria Math" panose="02040503050406030204" pitchFamily="18" charset="0"/>
-                          </a:rPr>
-                          <m:t>1</m:t>
-                        </m:r>
-                      </m:sub>
-                    </m:sSub>
-                  </m:oMath>
-                </a14:m>
-                <a:r>
-                  <a:rPr lang="pl-PL" sz="2400" dirty="0" smtClean="0"/>
-                  <a:t> </a:t>
-                </a:r>
-                <a:endParaRPr lang="pl-PL" sz="2400" dirty="0"/>
-              </a:p>
-              <a:p>
-                <a:pPr>
-                  <a:lnSpc>
-                    <a:spcPct val="150000"/>
-                  </a:lnSpc>
-                </a:pPr>
-                <a:r>
-                  <a:rPr lang="pl-PL" sz="2400" dirty="0"/>
-                  <a:t> </a:t>
-                </a:r>
-                <a:r>
-                  <a:rPr lang="pl-PL" sz="2400" dirty="0" smtClean="0"/>
-                  <a:t>            </a:t>
-                </a:r>
-                <a14:m>
-                  <m:oMath xmlns:m="http://schemas.openxmlformats.org/officeDocument/2006/math">
-                    <m:sSub>
-                      <m:sSubPr>
-                        <m:ctrlPr>
-                          <a:rPr lang="pl-PL" sz="2400" i="1">
-                            <a:latin typeface="Cambria Math" panose="02040503050406030204" pitchFamily="18" charset="0"/>
-                          </a:rPr>
-                        </m:ctrlPr>
-                      </m:sSubPr>
-                      <m:e>
-                        <m:r>
-                          <a:rPr lang="pl-PL" sz="2400" i="1">
-                            <a:latin typeface="Cambria Math" panose="02040503050406030204" pitchFamily="18" charset="0"/>
-                          </a:rPr>
-                          <m:t>𝐻</m:t>
-                        </m:r>
-                      </m:e>
-                      <m:sub>
-                        <m:r>
-                          <a:rPr lang="pl-PL" sz="2400" i="1">
-                            <a:latin typeface="Cambria Math" panose="02040503050406030204" pitchFamily="18" charset="0"/>
-                          </a:rPr>
-                          <m:t>2</m:t>
-                        </m:r>
-                      </m:sub>
-                    </m:sSub>
-                    <m:sSub>
-                      <m:sSubPr>
-                        <m:ctrlPr>
-                          <a:rPr lang="pl-PL" sz="2400" i="1">
-                            <a:latin typeface="Cambria Math" panose="02040503050406030204" pitchFamily="18" charset="0"/>
-                          </a:rPr>
-                        </m:ctrlPr>
-                      </m:sSubPr>
-                      <m:e>
-                        <m:r>
-                          <a:rPr lang="pl-PL" sz="2400" i="1">
-                            <a:latin typeface="Cambria Math" panose="02040503050406030204" pitchFamily="18" charset="0"/>
-                          </a:rPr>
-                          <m:t>𝐴</m:t>
-                        </m:r>
-                      </m:e>
-                      <m:sub>
-                        <m:r>
-                          <a:rPr lang="pl-PL" sz="2400" i="1">
-                            <a:latin typeface="Cambria Math" panose="02040503050406030204" pitchFamily="18" charset="0"/>
-                          </a:rPr>
-                          <m:t>1</m:t>
-                        </m:r>
-                      </m:sub>
-                    </m:sSub>
-                    <m:r>
-                      <a:rPr lang="pl-PL" sz="2400" i="1">
-                        <a:latin typeface="Cambria Math" panose="02040503050406030204" pitchFamily="18" charset="0"/>
-                      </a:rPr>
-                      <m:t>=</m:t>
-                    </m:r>
-                    <m:sSub>
-                      <m:sSubPr>
-                        <m:ctrlPr>
-                          <a:rPr lang="pl-PL" sz="2400" i="1">
-                            <a:latin typeface="Cambria Math" panose="02040503050406030204" pitchFamily="18" charset="0"/>
-                          </a:rPr>
-                        </m:ctrlPr>
-                      </m:sSubPr>
-                      <m:e>
-                        <m:r>
-                          <a:rPr lang="pl-PL" sz="2400" i="1">
-                            <a:latin typeface="Cambria Math" panose="02040503050406030204" pitchFamily="18" charset="0"/>
-                          </a:rPr>
-                          <m:t>𝐴</m:t>
-                        </m:r>
-                      </m:e>
-                      <m:sub>
-                        <m:r>
-                          <a:rPr lang="pl-PL" sz="2400" i="1">
-                            <a:latin typeface="Cambria Math" panose="02040503050406030204" pitchFamily="18" charset="0"/>
-                          </a:rPr>
-                          <m:t>2</m:t>
-                        </m:r>
-                      </m:sub>
-                    </m:sSub>
-                  </m:oMath>
-                </a14:m>
-                <a:r>
-                  <a:rPr lang="pl-PL" sz="2400" dirty="0" smtClean="0"/>
-                  <a:t> </a:t>
-                </a:r>
-                <a:endParaRPr lang="pl-PL" sz="2400" dirty="0"/>
-              </a:p>
-              <a:p>
-                <a:pPr>
-                  <a:lnSpc>
-                    <a:spcPct val="150000"/>
-                  </a:lnSpc>
-                </a:pPr>
-                <a:r>
-                  <a:rPr lang="pl-PL" sz="2400" dirty="0" smtClean="0"/>
-                  <a:t>                      </a:t>
-                </a:r>
-                <a14:m>
-                  <m:oMath xmlns:m="http://schemas.openxmlformats.org/officeDocument/2006/math">
-                    <m:r>
-                      <a:rPr lang="pl-PL" sz="2400" i="1">
-                        <a:latin typeface="Cambria Math" panose="02040503050406030204" pitchFamily="18" charset="0"/>
-                      </a:rPr>
-                      <m:t>…</m:t>
-                    </m:r>
-                  </m:oMath>
-                </a14:m>
-                <a:r>
-                  <a:rPr lang="pl-PL" sz="2400" dirty="0" smtClean="0"/>
-                  <a:t> </a:t>
-                </a:r>
-                <a:endParaRPr lang="pl-PL" sz="2400" dirty="0"/>
-              </a:p>
-              <a:p>
-                <a:pPr>
-                  <a:lnSpc>
-                    <a:spcPct val="150000"/>
-                  </a:lnSpc>
-                </a:pPr>
-                <a14:m>
-                  <m:oMath xmlns:m="http://schemas.openxmlformats.org/officeDocument/2006/math">
-                    <m:r>
-                      <a:rPr lang="pl-PL" sz="2400" b="0" i="1" smtClean="0">
-                        <a:latin typeface="Cambria Math" panose="02040503050406030204" pitchFamily="18" charset="0"/>
-                      </a:rPr>
-                      <m:t>       </m:t>
-                    </m:r>
-                    <m:sSub>
-                      <m:sSubPr>
-                        <m:ctrlPr>
-                          <a:rPr lang="pl-PL" sz="2400" i="1">
-                            <a:latin typeface="Cambria Math" panose="02040503050406030204" pitchFamily="18" charset="0"/>
-                          </a:rPr>
-                        </m:ctrlPr>
-                      </m:sSubPr>
-                      <m:e>
-                        <m:r>
-                          <a:rPr lang="pl-PL" sz="2400" i="1">
-                            <a:latin typeface="Cambria Math" panose="02040503050406030204" pitchFamily="18" charset="0"/>
-                          </a:rPr>
-                          <m:t>𝐻</m:t>
-                        </m:r>
-                      </m:e>
-                      <m:sub>
-                        <m:r>
-                          <a:rPr lang="pl-PL" sz="2400" i="1">
-                            <a:latin typeface="Cambria Math" panose="02040503050406030204" pitchFamily="18" charset="0"/>
-                          </a:rPr>
-                          <m:t>𝑛</m:t>
-                        </m:r>
-                        <m:r>
-                          <a:rPr lang="pl-PL" sz="2400" i="1">
-                            <a:latin typeface="Cambria Math" panose="02040503050406030204" pitchFamily="18" charset="0"/>
-                          </a:rPr>
-                          <m:t>−1</m:t>
-                        </m:r>
-                      </m:sub>
-                    </m:sSub>
-                    <m:sSub>
-                      <m:sSubPr>
-                        <m:ctrlPr>
-                          <a:rPr lang="pl-PL" sz="2400" i="1">
-                            <a:latin typeface="Cambria Math" panose="02040503050406030204" pitchFamily="18" charset="0"/>
-                          </a:rPr>
-                        </m:ctrlPr>
-                      </m:sSubPr>
-                      <m:e>
-                        <m:r>
-                          <a:rPr lang="pl-PL" sz="2400" i="1">
-                            <a:latin typeface="Cambria Math" panose="02040503050406030204" pitchFamily="18" charset="0"/>
-                          </a:rPr>
-                          <m:t>𝐴</m:t>
-                        </m:r>
-                      </m:e>
-                      <m:sub>
-                        <m:r>
-                          <a:rPr lang="pl-PL" sz="2400" i="1">
-                            <a:latin typeface="Cambria Math" panose="02040503050406030204" pitchFamily="18" charset="0"/>
-                          </a:rPr>
-                          <m:t>𝑛</m:t>
-                        </m:r>
-                        <m:r>
-                          <a:rPr lang="pl-PL" sz="2400" i="1">
-                            <a:latin typeface="Cambria Math" panose="02040503050406030204" pitchFamily="18" charset="0"/>
-                          </a:rPr>
-                          <m:t>−2</m:t>
-                        </m:r>
-                      </m:sub>
-                    </m:sSub>
-                    <m:r>
-                      <a:rPr lang="pl-PL" sz="2400" i="1">
-                        <a:latin typeface="Cambria Math" panose="02040503050406030204" pitchFamily="18" charset="0"/>
-                      </a:rPr>
-                      <m:t>=</m:t>
-                    </m:r>
-                    <m:sSub>
-                      <m:sSubPr>
-                        <m:ctrlPr>
-                          <a:rPr lang="pl-PL" sz="2400" i="1">
-                            <a:latin typeface="Cambria Math" panose="02040503050406030204" pitchFamily="18" charset="0"/>
-                          </a:rPr>
-                        </m:ctrlPr>
-                      </m:sSubPr>
-                      <m:e>
-                        <m:r>
-                          <a:rPr lang="pl-PL" sz="2400" i="1">
-                            <a:latin typeface="Cambria Math" panose="02040503050406030204" pitchFamily="18" charset="0"/>
-                          </a:rPr>
-                          <m:t>𝐴</m:t>
-                        </m:r>
-                      </m:e>
-                      <m:sub>
-                        <m:r>
-                          <a:rPr lang="pl-PL" sz="2400" i="1">
-                            <a:latin typeface="Cambria Math" panose="02040503050406030204" pitchFamily="18" charset="0"/>
-                          </a:rPr>
-                          <m:t>𝑛</m:t>
-                        </m:r>
-                        <m:r>
-                          <a:rPr lang="pl-PL" sz="2400" i="1">
-                            <a:latin typeface="Cambria Math" panose="02040503050406030204" pitchFamily="18" charset="0"/>
-                          </a:rPr>
-                          <m:t>−1</m:t>
-                        </m:r>
-                      </m:sub>
-                    </m:sSub>
-                    <m:r>
-                      <a:rPr lang="pl-PL" sz="2400" i="1">
-                        <a:latin typeface="Cambria Math" panose="02040503050406030204" pitchFamily="18" charset="0"/>
-                      </a:rPr>
-                      <m:t>=</m:t>
-                    </m:r>
-                    <m:r>
-                      <a:rPr lang="pl-PL" sz="2400" i="1">
-                        <a:latin typeface="Cambria Math" panose="02040503050406030204" pitchFamily="18" charset="0"/>
-                      </a:rPr>
-                      <m:t>𝑅</m:t>
-                    </m:r>
-                  </m:oMath>
-                </a14:m>
-                <a:r>
-                  <a:rPr lang="pl-PL" sz="2400" dirty="0" smtClean="0"/>
-                  <a:t> </a:t>
-                </a:r>
-                <a:endParaRPr lang="pl-PL" sz="2400" dirty="0"/>
-              </a:p>
-              <a:p>
-                <a:pPr>
-                  <a:lnSpc>
-                    <a:spcPct val="150000"/>
-                  </a:lnSpc>
-                </a:pPr>
-                <a14:m>
-                  <m:oMath xmlns:m="http://schemas.openxmlformats.org/officeDocument/2006/math">
-                    <m:d>
-                      <m:dPr>
-                        <m:ctrlPr>
-                          <a:rPr lang="pl-PL" sz="2400" i="1">
-                            <a:latin typeface="Cambria Math" panose="02040503050406030204" pitchFamily="18" charset="0"/>
-                          </a:rPr>
-                        </m:ctrlPr>
-                      </m:dPr>
-                      <m:e>
-                        <m:sSub>
-                          <m:sSubPr>
-                            <m:ctrlPr>
-                              <a:rPr lang="pl-PL" sz="2400" i="1">
-                                <a:latin typeface="Cambria Math" panose="02040503050406030204" pitchFamily="18" charset="0"/>
-                              </a:rPr>
-                            </m:ctrlPr>
-                          </m:sSubPr>
-                          <m:e>
-                            <m:r>
-                              <a:rPr lang="pl-PL" sz="2400" i="1">
-                                <a:latin typeface="Cambria Math" panose="02040503050406030204" pitchFamily="18" charset="0"/>
-                              </a:rPr>
-                              <m:t>𝐻</m:t>
-                            </m:r>
-                          </m:e>
-                          <m:sub>
-                            <m:r>
-                              <a:rPr lang="pl-PL" sz="2400" i="1">
-                                <a:latin typeface="Cambria Math" panose="02040503050406030204" pitchFamily="18" charset="0"/>
-                              </a:rPr>
-                              <m:t>𝑛</m:t>
-                            </m:r>
-                            <m:r>
-                              <a:rPr lang="pl-PL" sz="2400" i="1">
-                                <a:latin typeface="Cambria Math" panose="02040503050406030204" pitchFamily="18" charset="0"/>
-                              </a:rPr>
-                              <m:t>−1</m:t>
-                            </m:r>
-                          </m:sub>
-                        </m:sSub>
-                        <m:sSub>
-                          <m:sSubPr>
-                            <m:ctrlPr>
-                              <a:rPr lang="pl-PL" sz="2400" i="1">
-                                <a:latin typeface="Cambria Math" panose="02040503050406030204" pitchFamily="18" charset="0"/>
-                              </a:rPr>
-                            </m:ctrlPr>
-                          </m:sSubPr>
-                          <m:e>
-                            <m:sSub>
-                              <m:sSubPr>
-                                <m:ctrlPr>
-                                  <a:rPr lang="pl-PL" sz="2400" i="1">
-                                    <a:latin typeface="Cambria Math" panose="02040503050406030204" pitchFamily="18" charset="0"/>
-                                  </a:rPr>
-                                </m:ctrlPr>
-                              </m:sSubPr>
-                              <m:e>
-                                <m:r>
-                                  <a:rPr lang="pl-PL" sz="2400" i="1">
-                                    <a:latin typeface="Cambria Math" panose="02040503050406030204" pitchFamily="18" charset="0"/>
-                                  </a:rPr>
-                                  <m:t>𝐻</m:t>
-                                </m:r>
-                              </m:e>
-                              <m:sub>
-                                <m:r>
-                                  <a:rPr lang="pl-PL" sz="2400" i="1">
-                                    <a:latin typeface="Cambria Math" panose="02040503050406030204" pitchFamily="18" charset="0"/>
-                                  </a:rPr>
-                                  <m:t>2</m:t>
-                                </m:r>
-                              </m:sub>
-                            </m:sSub>
-                            <m:r>
-                              <a:rPr lang="pl-PL" sz="2400" i="1">
-                                <a:latin typeface="Cambria Math" panose="02040503050406030204" pitchFamily="18" charset="0"/>
-                              </a:rPr>
-                              <m:t>𝐻</m:t>
-                            </m:r>
-                          </m:e>
-                          <m:sub>
-                            <m:r>
-                              <a:rPr lang="pl-PL" sz="2400" i="1">
-                                <a:latin typeface="Cambria Math" panose="02040503050406030204" pitchFamily="18" charset="0"/>
-                              </a:rPr>
-                              <m:t>1</m:t>
-                            </m:r>
-                          </m:sub>
-                        </m:sSub>
-                      </m:e>
-                    </m:d>
-                    <m:r>
-                      <a:rPr lang="pl-PL" sz="2400" i="1">
-                        <a:latin typeface="Cambria Math" panose="02040503050406030204" pitchFamily="18" charset="0"/>
-                      </a:rPr>
-                      <m:t>𝐴</m:t>
-                    </m:r>
-                    <m:r>
-                      <a:rPr lang="pl-PL" sz="2400" i="1">
-                        <a:latin typeface="Cambria Math" panose="02040503050406030204" pitchFamily="18" charset="0"/>
-                      </a:rPr>
-                      <m:t>=</m:t>
-                    </m:r>
-                    <m:r>
-                      <a:rPr lang="pl-PL" sz="2400" i="1">
-                        <a:latin typeface="Cambria Math" panose="02040503050406030204" pitchFamily="18" charset="0"/>
-                      </a:rPr>
-                      <m:t>𝑅</m:t>
-                    </m:r>
-                  </m:oMath>
-                </a14:m>
-                <a:r>
-                  <a:rPr lang="pl-PL" sz="2400" dirty="0" smtClean="0"/>
-                  <a:t> </a:t>
-                </a:r>
-                <a:endParaRPr lang="pl-PL" sz="2400" dirty="0"/>
-              </a:p>
-              <a:p>
-                <a:pPr>
-                  <a:lnSpc>
-                    <a:spcPct val="150000"/>
-                  </a:lnSpc>
-                </a:pPr>
-                <a:r>
-                  <a:rPr lang="pl-PL" sz="2400" dirty="0" smtClean="0"/>
-                  <a:t>	        </a:t>
-                </a:r>
-                <a14:m>
-                  <m:oMath xmlns:m="http://schemas.openxmlformats.org/officeDocument/2006/math">
-                    <m:r>
-                      <a:rPr lang="pl-PL" sz="2400" i="1">
-                        <a:latin typeface="Cambria Math" panose="02040503050406030204" pitchFamily="18" charset="0"/>
-                      </a:rPr>
-                      <m:t>𝐴</m:t>
-                    </m:r>
-                    <m:r>
-                      <a:rPr lang="pl-PL" sz="2400" i="1">
-                        <a:latin typeface="Cambria Math" panose="02040503050406030204" pitchFamily="18" charset="0"/>
-                      </a:rPr>
-                      <m:t>=</m:t>
-                    </m:r>
-                    <m:sSup>
-                      <m:sSupPr>
-                        <m:ctrlPr>
-                          <a:rPr lang="pl-PL" sz="2400" i="1">
-                            <a:latin typeface="Cambria Math" panose="02040503050406030204" pitchFamily="18" charset="0"/>
-                          </a:rPr>
-                        </m:ctrlPr>
-                      </m:sSupPr>
-                      <m:e>
-                        <m:d>
-                          <m:dPr>
-                            <m:ctrlPr>
-                              <a:rPr lang="pl-PL" sz="2400" i="1">
-                                <a:latin typeface="Cambria Math" panose="02040503050406030204" pitchFamily="18" charset="0"/>
-                              </a:rPr>
-                            </m:ctrlPr>
-                          </m:dPr>
-                          <m:e>
-                            <m:sSub>
-                              <m:sSubPr>
-                                <m:ctrlPr>
-                                  <a:rPr lang="pl-PL" sz="2400" i="1">
-                                    <a:latin typeface="Cambria Math" panose="02040503050406030204" pitchFamily="18" charset="0"/>
-                                  </a:rPr>
-                                </m:ctrlPr>
-                              </m:sSubPr>
-                              <m:e>
-                                <m:r>
-                                  <a:rPr lang="pl-PL" sz="2400" i="1">
-                                    <a:latin typeface="Cambria Math" panose="02040503050406030204" pitchFamily="18" charset="0"/>
-                                  </a:rPr>
-                                  <m:t>𝐻</m:t>
-                                </m:r>
-                              </m:e>
-                              <m:sub>
-                                <m:r>
-                                  <a:rPr lang="pl-PL" sz="2400" i="1">
-                                    <a:latin typeface="Cambria Math" panose="02040503050406030204" pitchFamily="18" charset="0"/>
-                                  </a:rPr>
-                                  <m:t>𝑛</m:t>
-                                </m:r>
-                                <m:r>
-                                  <a:rPr lang="pl-PL" sz="2400" i="1">
-                                    <a:latin typeface="Cambria Math" panose="02040503050406030204" pitchFamily="18" charset="0"/>
-                                  </a:rPr>
-                                  <m:t>−1</m:t>
-                                </m:r>
-                              </m:sub>
-                            </m:sSub>
-                            <m:sSub>
-                              <m:sSubPr>
-                                <m:ctrlPr>
-                                  <a:rPr lang="pl-PL" sz="2400" i="1">
-                                    <a:latin typeface="Cambria Math" panose="02040503050406030204" pitchFamily="18" charset="0"/>
-                                  </a:rPr>
-                                </m:ctrlPr>
-                              </m:sSubPr>
-                              <m:e>
-                                <m:sSub>
-                                  <m:sSubPr>
-                                    <m:ctrlPr>
-                                      <a:rPr lang="pl-PL" sz="2400" i="1">
-                                        <a:latin typeface="Cambria Math" panose="02040503050406030204" pitchFamily="18" charset="0"/>
-                                      </a:rPr>
-                                    </m:ctrlPr>
-                                  </m:sSubPr>
-                                  <m:e>
-                                    <m:r>
-                                      <a:rPr lang="pl-PL" sz="2400" i="1">
-                                        <a:latin typeface="Cambria Math" panose="02040503050406030204" pitchFamily="18" charset="0"/>
-                                      </a:rPr>
-                                      <m:t>𝐻</m:t>
-                                    </m:r>
-                                  </m:e>
-                                  <m:sub>
-                                    <m:r>
-                                      <a:rPr lang="pl-PL" sz="2400" i="1">
-                                        <a:latin typeface="Cambria Math" panose="02040503050406030204" pitchFamily="18" charset="0"/>
-                                      </a:rPr>
-                                      <m:t>2</m:t>
-                                    </m:r>
-                                  </m:sub>
-                                </m:sSub>
-                                <m:r>
-                                  <a:rPr lang="pl-PL" sz="2400" i="1">
-                                    <a:latin typeface="Cambria Math" panose="02040503050406030204" pitchFamily="18" charset="0"/>
-                                  </a:rPr>
-                                  <m:t>𝐻</m:t>
-                                </m:r>
-                              </m:e>
-                              <m:sub>
-                                <m:r>
-                                  <a:rPr lang="pl-PL" sz="2400" i="1">
-                                    <a:latin typeface="Cambria Math" panose="02040503050406030204" pitchFamily="18" charset="0"/>
-                                  </a:rPr>
-                                  <m:t>1</m:t>
-                                </m:r>
-                              </m:sub>
-                            </m:sSub>
-                          </m:e>
-                        </m:d>
-                      </m:e>
-                      <m:sup>
-                        <m:r>
-                          <a:rPr lang="pl-PL" sz="2400" i="1">
-                            <a:latin typeface="Cambria Math" panose="02040503050406030204" pitchFamily="18" charset="0"/>
-                          </a:rPr>
-                          <m:t>−1</m:t>
-                        </m:r>
-                      </m:sup>
-                    </m:sSup>
-                    <m:r>
-                      <a:rPr lang="pl-PL" sz="2400" i="1">
-                        <a:latin typeface="Cambria Math" panose="02040503050406030204" pitchFamily="18" charset="0"/>
-                      </a:rPr>
-                      <m:t>𝑅</m:t>
-                    </m:r>
-                  </m:oMath>
-                </a14:m>
-                <a:r>
-                  <a:rPr lang="pl-PL" sz="2400" dirty="0" smtClean="0"/>
-                  <a:t> </a:t>
-                </a:r>
-                <a:endParaRPr lang="pl-PL" sz="2400" dirty="0"/>
-              </a:p>
-              <a:p>
-                <a:pPr>
-                  <a:lnSpc>
-                    <a:spcPct val="150000"/>
-                  </a:lnSpc>
-                </a:pPr>
-                <a:r>
-                  <a:rPr lang="pl-PL" sz="2400" dirty="0" smtClean="0"/>
-                  <a:t>	        </a:t>
-                </a:r>
-                <a14:m>
-                  <m:oMath xmlns:m="http://schemas.openxmlformats.org/officeDocument/2006/math">
-                    <m:r>
-                      <a:rPr lang="pl-PL" sz="2400" i="1">
-                        <a:latin typeface="Cambria Math" panose="02040503050406030204" pitchFamily="18" charset="0"/>
-                      </a:rPr>
-                      <m:t>𝐴</m:t>
-                    </m:r>
-                    <m:r>
-                      <a:rPr lang="pl-PL" sz="2400" i="1">
-                        <a:latin typeface="Cambria Math" panose="02040503050406030204" pitchFamily="18" charset="0"/>
-                      </a:rPr>
-                      <m:t>=</m:t>
-                    </m:r>
-                    <m:sSup>
-                      <m:sSupPr>
-                        <m:ctrlPr>
-                          <a:rPr lang="pl-PL" sz="2400" i="1">
-                            <a:latin typeface="Cambria Math" panose="02040503050406030204" pitchFamily="18" charset="0"/>
-                          </a:rPr>
-                        </m:ctrlPr>
-                      </m:sSupPr>
-                      <m:e>
-                        <m:d>
-                          <m:dPr>
-                            <m:ctrlPr>
-                              <a:rPr lang="pl-PL" sz="2400" i="1">
-                                <a:latin typeface="Cambria Math" panose="02040503050406030204" pitchFamily="18" charset="0"/>
-                              </a:rPr>
-                            </m:ctrlPr>
-                          </m:dPr>
-                          <m:e>
-                            <m:sSub>
-                              <m:sSubPr>
-                                <m:ctrlPr>
-                                  <a:rPr lang="pl-PL" sz="2400" i="1">
-                                    <a:latin typeface="Cambria Math" panose="02040503050406030204" pitchFamily="18" charset="0"/>
-                                  </a:rPr>
-                                </m:ctrlPr>
-                              </m:sSubPr>
-                              <m:e>
-                                <m:r>
-                                  <a:rPr lang="pl-PL" sz="2400" i="1">
-                                    <a:latin typeface="Cambria Math" panose="02040503050406030204" pitchFamily="18" charset="0"/>
-                                  </a:rPr>
-                                  <m:t>𝐻</m:t>
-                                </m:r>
-                              </m:e>
-                              <m:sub>
-                                <m:r>
-                                  <a:rPr lang="pl-PL" sz="2400" i="1">
-                                    <a:latin typeface="Cambria Math" panose="02040503050406030204" pitchFamily="18" charset="0"/>
-                                  </a:rPr>
-                                  <m:t>𝑛</m:t>
-                                </m:r>
-                                <m:r>
-                                  <a:rPr lang="pl-PL" sz="2400" i="1">
-                                    <a:latin typeface="Cambria Math" panose="02040503050406030204" pitchFamily="18" charset="0"/>
-                                  </a:rPr>
-                                  <m:t>−1</m:t>
-                                </m:r>
-                              </m:sub>
-                            </m:sSub>
-                            <m:sSub>
-                              <m:sSubPr>
-                                <m:ctrlPr>
-                                  <a:rPr lang="pl-PL" sz="2400" i="1">
-                                    <a:latin typeface="Cambria Math" panose="02040503050406030204" pitchFamily="18" charset="0"/>
-                                  </a:rPr>
-                                </m:ctrlPr>
-                              </m:sSubPr>
-                              <m:e>
-                                <m:sSub>
-                                  <m:sSubPr>
-                                    <m:ctrlPr>
-                                      <a:rPr lang="pl-PL" sz="2400" i="1">
-                                        <a:latin typeface="Cambria Math" panose="02040503050406030204" pitchFamily="18" charset="0"/>
-                                      </a:rPr>
-                                    </m:ctrlPr>
-                                  </m:sSubPr>
-                                  <m:e>
-                                    <m:r>
-                                      <a:rPr lang="pl-PL" sz="2400" i="1">
-                                        <a:latin typeface="Cambria Math" panose="02040503050406030204" pitchFamily="18" charset="0"/>
-                                      </a:rPr>
-                                      <m:t>𝐻</m:t>
-                                    </m:r>
-                                  </m:e>
-                                  <m:sub>
-                                    <m:r>
-                                      <a:rPr lang="pl-PL" sz="2400" i="1">
-                                        <a:latin typeface="Cambria Math" panose="02040503050406030204" pitchFamily="18" charset="0"/>
-                                      </a:rPr>
-                                      <m:t>2</m:t>
-                                    </m:r>
-                                  </m:sub>
-                                </m:sSub>
-                                <m:r>
-                                  <a:rPr lang="pl-PL" sz="2400" i="1">
-                                    <a:latin typeface="Cambria Math" panose="02040503050406030204" pitchFamily="18" charset="0"/>
-                                  </a:rPr>
-                                  <m:t>𝐻</m:t>
-                                </m:r>
-                              </m:e>
-                              <m:sub>
-                                <m:r>
-                                  <a:rPr lang="pl-PL" sz="2400" i="1">
-                                    <a:latin typeface="Cambria Math" panose="02040503050406030204" pitchFamily="18" charset="0"/>
-                                  </a:rPr>
-                                  <m:t>1</m:t>
-                                </m:r>
-                              </m:sub>
-                            </m:sSub>
-                          </m:e>
-                        </m:d>
-                      </m:e>
-                      <m:sup>
-                        <m:r>
-                          <a:rPr lang="pl-PL" sz="2400" i="1">
-                            <a:latin typeface="Cambria Math" panose="02040503050406030204" pitchFamily="18" charset="0"/>
-                          </a:rPr>
-                          <m:t>𝑇</m:t>
-                        </m:r>
-                      </m:sup>
-                    </m:sSup>
-                    <m:r>
-                      <a:rPr lang="pl-PL" sz="2400" i="1">
-                        <a:latin typeface="Cambria Math" panose="02040503050406030204" pitchFamily="18" charset="0"/>
-                      </a:rPr>
-                      <m:t>𝑅</m:t>
-                    </m:r>
-                  </m:oMath>
-                </a14:m>
-                <a:r>
-                  <a:rPr lang="pl-PL" sz="2400" dirty="0" smtClean="0"/>
-                  <a:t> </a:t>
-                </a:r>
-                <a:endParaRPr lang="pl-PL" sz="2400" dirty="0"/>
-              </a:p>
-              <a:p>
-                <a:pPr>
-                  <a:lnSpc>
-                    <a:spcPct val="150000"/>
-                  </a:lnSpc>
-                </a:pPr>
-                <a:r>
-                  <a:rPr lang="pl-PL" sz="2400" dirty="0"/>
-                  <a:t>	</a:t>
-                </a:r>
-                <a:r>
-                  <a:rPr lang="pl-PL" sz="2400" dirty="0" smtClean="0"/>
-                  <a:t>        </a:t>
-                </a:r>
-                <a14:m>
-                  <m:oMath xmlns:m="http://schemas.openxmlformats.org/officeDocument/2006/math">
-                    <m:r>
-                      <a:rPr lang="pl-PL" sz="2400" i="1">
-                        <a:latin typeface="Cambria Math" panose="02040503050406030204" pitchFamily="18" charset="0"/>
-                      </a:rPr>
-                      <m:t>𝐴</m:t>
-                    </m:r>
-                    <m:r>
-                      <a:rPr lang="pl-PL" sz="2400" i="1">
-                        <a:latin typeface="Cambria Math" panose="02040503050406030204" pitchFamily="18" charset="0"/>
-                      </a:rPr>
-                      <m:t>=</m:t>
-                    </m:r>
-                    <m:d>
-                      <m:dPr>
-                        <m:ctrlPr>
-                          <a:rPr lang="pl-PL" sz="2400" i="1">
-                            <a:latin typeface="Cambria Math" panose="02040503050406030204" pitchFamily="18" charset="0"/>
-                          </a:rPr>
-                        </m:ctrlPr>
-                      </m:dPr>
-                      <m:e>
-                        <m:sSubSup>
-                          <m:sSubSupPr>
-                            <m:ctrlPr>
-                              <a:rPr lang="pl-PL" sz="2400" i="1">
-                                <a:latin typeface="Cambria Math" panose="02040503050406030204" pitchFamily="18" charset="0"/>
-                              </a:rPr>
-                            </m:ctrlPr>
-                          </m:sSubSupPr>
-                          <m:e>
-                            <m:r>
-                              <a:rPr lang="pl-PL" sz="2400" i="1">
-                                <a:latin typeface="Cambria Math" panose="02040503050406030204" pitchFamily="18" charset="0"/>
-                              </a:rPr>
-                              <m:t>𝐻</m:t>
-                            </m:r>
-                          </m:e>
-                          <m:sub>
-                            <m:r>
-                              <a:rPr lang="pl-PL" sz="2400" i="1">
-                                <a:latin typeface="Cambria Math" panose="02040503050406030204" pitchFamily="18" charset="0"/>
-                              </a:rPr>
-                              <m:t>1</m:t>
-                            </m:r>
-                          </m:sub>
-                          <m:sup>
-                            <m:r>
-                              <a:rPr lang="pl-PL" sz="2400" i="1">
-                                <a:latin typeface="Cambria Math" panose="02040503050406030204" pitchFamily="18" charset="0"/>
-                              </a:rPr>
-                              <m:t>𝑇</m:t>
-                            </m:r>
-                          </m:sup>
-                        </m:sSubSup>
-                        <m:sSubSup>
-                          <m:sSubSupPr>
-                            <m:ctrlPr>
-                              <a:rPr lang="pl-PL" sz="2400" i="1">
-                                <a:latin typeface="Cambria Math" panose="02040503050406030204" pitchFamily="18" charset="0"/>
-                              </a:rPr>
-                            </m:ctrlPr>
-                          </m:sSubSupPr>
-                          <m:e>
-                            <m:r>
-                              <a:rPr lang="pl-PL" sz="2400" i="1">
-                                <a:latin typeface="Cambria Math" panose="02040503050406030204" pitchFamily="18" charset="0"/>
-                              </a:rPr>
-                              <m:t>𝐻</m:t>
-                            </m:r>
-                          </m:e>
-                          <m:sub>
-                            <m:r>
-                              <a:rPr lang="pl-PL" sz="2400" i="1">
-                                <a:latin typeface="Cambria Math" panose="02040503050406030204" pitchFamily="18" charset="0"/>
-                              </a:rPr>
-                              <m:t>2</m:t>
-                            </m:r>
-                          </m:sub>
-                          <m:sup>
-                            <m:r>
-                              <a:rPr lang="pl-PL" sz="2400" i="1">
-                                <a:latin typeface="Cambria Math" panose="02040503050406030204" pitchFamily="18" charset="0"/>
-                              </a:rPr>
-                              <m:t>𝑇</m:t>
-                            </m:r>
-                          </m:sup>
-                        </m:sSubSup>
-                        <m:r>
-                          <a:rPr lang="pl-PL" sz="2400" i="1">
-                            <a:latin typeface="Cambria Math" panose="02040503050406030204" pitchFamily="18" charset="0"/>
-                            <a:ea typeface="Cambria Math" panose="02040503050406030204" pitchFamily="18" charset="0"/>
-                          </a:rPr>
-                          <m:t>∙…∙</m:t>
-                        </m:r>
-                        <m:sSubSup>
-                          <m:sSubSupPr>
-                            <m:ctrlPr>
-                              <a:rPr lang="pl-PL" sz="2400" i="1">
-                                <a:latin typeface="Cambria Math" panose="02040503050406030204" pitchFamily="18" charset="0"/>
-                              </a:rPr>
-                            </m:ctrlPr>
-                          </m:sSubSupPr>
-                          <m:e>
-                            <m:r>
-                              <a:rPr lang="pl-PL" sz="2400" i="1">
-                                <a:latin typeface="Cambria Math" panose="02040503050406030204" pitchFamily="18" charset="0"/>
-                              </a:rPr>
-                              <m:t>𝐻</m:t>
-                            </m:r>
-                          </m:e>
-                          <m:sub>
-                            <m:r>
-                              <a:rPr lang="pl-PL" sz="2400" i="1">
-                                <a:latin typeface="Cambria Math" panose="02040503050406030204" pitchFamily="18" charset="0"/>
-                              </a:rPr>
-                              <m:t>𝑛</m:t>
-                            </m:r>
-                            <m:r>
-                              <a:rPr lang="pl-PL" sz="2400" i="1">
-                                <a:latin typeface="Cambria Math" panose="02040503050406030204" pitchFamily="18" charset="0"/>
-                              </a:rPr>
-                              <m:t>−1</m:t>
-                            </m:r>
-                          </m:sub>
-                          <m:sup>
-                            <m:r>
-                              <a:rPr lang="pl-PL" sz="2400" i="1">
-                                <a:latin typeface="Cambria Math" panose="02040503050406030204" pitchFamily="18" charset="0"/>
-                              </a:rPr>
-                              <m:t>𝑇</m:t>
-                            </m:r>
-                          </m:sup>
-                        </m:sSubSup>
-                      </m:e>
-                    </m:d>
-                    <m:r>
-                      <a:rPr lang="pl-PL" sz="2400" i="1">
-                        <a:latin typeface="Cambria Math" panose="02040503050406030204" pitchFamily="18" charset="0"/>
-                      </a:rPr>
-                      <m:t>𝑅</m:t>
-                    </m:r>
-                  </m:oMath>
-                </a14:m>
-                <a:r>
-                  <a:rPr lang="pl-PL" sz="2400" dirty="0" smtClean="0"/>
-                  <a:t> </a:t>
-                </a:r>
-                <a:endParaRPr lang="pl-PL" sz="2400" dirty="0"/>
-              </a:p>
-              <a:p>
-                <a:pPr>
-                  <a:lnSpc>
-                    <a:spcPct val="150000"/>
-                  </a:lnSpc>
-                </a:pPr>
-                <a:r>
-                  <a:rPr lang="pl-PL" sz="2400" dirty="0" smtClean="0"/>
-                  <a:t>	        </a:t>
-                </a:r>
-                <a14:m>
-                  <m:oMath xmlns:m="http://schemas.openxmlformats.org/officeDocument/2006/math">
-                    <m:r>
-                      <a:rPr lang="pl-PL" sz="2400" i="1">
-                        <a:latin typeface="Cambria Math" panose="02040503050406030204" pitchFamily="18" charset="0"/>
-                      </a:rPr>
-                      <m:t>𝐴</m:t>
-                    </m:r>
-                    <m:r>
-                      <a:rPr lang="pl-PL" sz="2400" i="1">
-                        <a:latin typeface="Cambria Math" panose="02040503050406030204" pitchFamily="18" charset="0"/>
-                      </a:rPr>
-                      <m:t>=</m:t>
-                    </m:r>
-                    <m:r>
-                      <a:rPr lang="pl-PL" sz="2400" i="1">
-                        <a:latin typeface="Cambria Math" panose="02040503050406030204" pitchFamily="18" charset="0"/>
-                      </a:rPr>
-                      <m:t>𝑄𝑅</m:t>
-                    </m:r>
-                  </m:oMath>
-                </a14:m>
-                <a:r>
-                  <a:rPr lang="pl-PL" sz="2400" dirty="0" smtClean="0"/>
-                  <a:t> </a:t>
-                </a:r>
-                <a:endParaRPr lang="pl-PL" sz="2400" dirty="0"/>
-              </a:p>
-            </p:txBody>
-          </p:sp>
-        </mc:Choice>
-        <mc:Fallback xmlns="">
-          <p:sp>
-            <p:nvSpPr>
-              <p:cNvPr id="4" name="Prostokąt 3"/>
-              <p:cNvSpPr>
-                <a:spLocks noRot="1" noChangeAspect="1" noMove="1" noResize="1" noEditPoints="1" noAdjustHandles="1" noChangeArrowheads="1" noChangeShapeType="1" noTextEdit="1"/>
-              </p:cNvSpPr>
-              <p:nvPr/>
-            </p:nvSpPr>
-            <p:spPr>
-              <a:xfrm>
-                <a:off x="6484836" y="1556792"/>
-                <a:ext cx="5040560" cy="5088509"/>
-              </a:xfrm>
-              <a:prstGeom prst="rect">
-                <a:avLst/>
-              </a:prstGeom>
-              <a:blipFill>
-                <a:blip r:embed="rId3"/>
-                <a:stretch>
-                  <a:fillRect/>
-                </a:stretch>
-              </a:blipFill>
-            </p:spPr>
-            <p:txBody>
-              <a:bodyPr/>
-              <a:lstStyle/>
-              <a:p>
-                <a:r>
-                  <a:rPr lang="pl-PL">
-                    <a:noFill/>
-                  </a:rPr>
-                  <a:t> </a:t>
-                </a:r>
-              </a:p>
-            </p:txBody>
-          </p:sp>
-        </mc:Fallback>
-      </mc:AlternateContent>
+      <p:pic>
+        <p:nvPicPr>
+          <p:cNvPr id="5" name="Obraz 4"/>
+          <p:cNvPicPr>
+            <a:picLocks noChangeAspect="1"/>
+          </p:cNvPicPr>
+          <p:nvPr/>
+        </p:nvPicPr>
+        <p:blipFill>
+          <a:blip r:embed="rId3"/>
+          <a:stretch>
+            <a:fillRect/>
+          </a:stretch>
+        </p:blipFill>
+        <p:spPr>
+          <a:xfrm>
+            <a:off x="6484836" y="1844824"/>
+            <a:ext cx="4785145" cy="4608512"/>
+          </a:xfrm>
+          <a:prstGeom prst="rect">
+            <a:avLst/>
+          </a:prstGeom>
+        </p:spPr>
+      </p:pic>
     </p:spTree>
     <p:extLst>
       <p:ext uri="{BB962C8B-B14F-4D97-AF65-F5344CB8AC3E}">
@@ -17976,8 +13227,8 @@
           </a:p>
         </p:txBody>
       </p:sp>
-      <mc:AlternateContent xmlns:mc="http://schemas.openxmlformats.org/markup-compatibility/2006" xmlns:a14="http://schemas.microsoft.com/office/drawing/2010/main">
-        <mc:Choice Requires="a14">
+      <mc:AlternateContent xmlns:mc="http://schemas.openxmlformats.org/markup-compatibility/2006">
+        <mc:Choice xmlns:a14="http://schemas.microsoft.com/office/drawing/2010/main" Requires="a14">
           <p:sp>
             <p:nvSpPr>
               <p:cNvPr id="7" name="pole tekstowe 6"/>
@@ -17987,7 +13238,7 @@
             <p:spPr>
               <a:xfrm>
                 <a:off x="1593436" y="1772816"/>
-                <a:ext cx="8812028" cy="4524315"/>
+                <a:ext cx="8208979" cy="4524315"/>
               </a:xfrm>
               <a:prstGeom prst="rect">
                 <a:avLst/>
@@ -18013,11 +13264,17 @@
                   </m:oMath>
                 </a14:m>
                 <a:r>
-                  <a:rPr lang="pl-PL" sz="2400" dirty="0"/>
+                  <a:rPr lang="pl-PL" sz="2400" dirty="0">
+                    <a:latin typeface="Calibri" panose="020F0502020204030204" pitchFamily="34" charset="0"/>
+                    <a:cs typeface="Calibri" panose="020F0502020204030204" pitchFamily="34" charset="0"/>
+                  </a:rPr>
                   <a:t>	- </a:t>
                 </a:r>
                 <a:r>
-                  <a:rPr lang="pl-PL" sz="2400" dirty="0" smtClean="0"/>
+                  <a:rPr lang="pl-PL" sz="2400" dirty="0" smtClean="0">
+                    <a:latin typeface="Calibri" panose="020F0502020204030204" pitchFamily="34" charset="0"/>
+                    <a:cs typeface="Calibri" panose="020F0502020204030204" pitchFamily="34" charset="0"/>
+                  </a:rPr>
                   <a:t>macierz, </a:t>
                 </a:r>
                 <a14:m>
@@ -18087,7 +13344,10 @@
                     </m:sSup>
                   </m:oMath>
                 </a14:m>
-                <a:endParaRPr lang="pl-PL" sz="2400" dirty="0"/>
+                <a:endParaRPr lang="pl-PL" sz="2400" dirty="0">
+                  <a:latin typeface="Calibri" panose="020F0502020204030204" pitchFamily="34" charset="0"/>
+                  <a:cs typeface="Calibri" panose="020F0502020204030204" pitchFamily="34" charset="0"/>
+                </a:endParaRPr>
               </a:p>
               <a:p>
                 <a14:m>
@@ -18126,7 +13386,10 @@
                   </m:oMath>
                 </a14:m>
                 <a:r>
-                  <a:rPr lang="pl-PL" sz="2400" dirty="0" smtClean="0"/>
+                  <a:rPr lang="pl-PL" sz="2400" dirty="0" smtClean="0">
+                    <a:latin typeface="Calibri" panose="020F0502020204030204" pitchFamily="34" charset="0"/>
+                    <a:cs typeface="Calibri" panose="020F0502020204030204" pitchFamily="34" charset="0"/>
+                  </a:rPr>
                   <a:t>	- wartość własna macierzy </a:t>
                 </a:r>
                 <a14:m>
@@ -18142,13 +13405,19 @@
                   </m:oMath>
                 </a14:m>
                 <a:r>
-                  <a:rPr lang="pl-PL" sz="2400" dirty="0" smtClean="0"/>
+                  <a:rPr lang="pl-PL" sz="2400" dirty="0" smtClean="0">
+                    <a:latin typeface="Calibri" panose="020F0502020204030204" pitchFamily="34" charset="0"/>
+                    <a:cs typeface="Calibri" panose="020F0502020204030204" pitchFamily="34" charset="0"/>
+                  </a:rPr>
                   <a:t>, </a:t>
                 </a:r>
               </a:p>
               <a:p>
                 <a:r>
-                  <a:rPr lang="pl-PL" sz="2400" dirty="0" smtClean="0"/>
+                  <a:rPr lang="pl-PL" sz="2400" dirty="0" smtClean="0">
+                    <a:latin typeface="Calibri" panose="020F0502020204030204" pitchFamily="34" charset="0"/>
+                    <a:cs typeface="Calibri" panose="020F0502020204030204" pitchFamily="34" charset="0"/>
+                  </a:rPr>
                   <a:t>	  wyznaczona przy pomocy metody potęgowej</a:t>
                 </a:r>
               </a:p>
@@ -18197,11 +13466,17 @@
                   </m:oMath>
                 </a14:m>
                 <a:r>
-                  <a:rPr lang="pl-PL" sz="2400" dirty="0"/>
+                  <a:rPr lang="pl-PL" sz="2400" dirty="0">
+                    <a:latin typeface="Calibri" panose="020F0502020204030204" pitchFamily="34" charset="0"/>
+                    <a:cs typeface="Calibri" panose="020F0502020204030204" pitchFamily="34" charset="0"/>
+                  </a:rPr>
                   <a:t>	- wartość własna </a:t>
                 </a:r>
                 <a:r>
-                  <a:rPr lang="pl-PL" sz="2400" dirty="0" smtClean="0"/>
+                  <a:rPr lang="pl-PL" sz="2400" dirty="0" smtClean="0">
+                    <a:latin typeface="Calibri" panose="020F0502020204030204" pitchFamily="34" charset="0"/>
+                    <a:cs typeface="Calibri" panose="020F0502020204030204" pitchFamily="34" charset="0"/>
+                  </a:rPr>
                   <a:t>macierzy </a:t>
                 </a:r>
                 <a14:m>
@@ -18217,25 +13492,40 @@
                   </m:oMath>
                 </a14:m>
                 <a:r>
-                  <a:rPr lang="pl-PL" sz="2400" dirty="0" smtClean="0"/>
+                  <a:rPr lang="pl-PL" sz="2400" dirty="0" smtClean="0">
+                    <a:latin typeface="Calibri" panose="020F0502020204030204" pitchFamily="34" charset="0"/>
+                    <a:cs typeface="Calibri" panose="020F0502020204030204" pitchFamily="34" charset="0"/>
+                  </a:rPr>
                   <a:t>, </a:t>
                 </a:r>
               </a:p>
               <a:p>
                 <a:r>
-                  <a:rPr lang="pl-PL" sz="2400" dirty="0"/>
+                  <a:rPr lang="pl-PL" sz="2400" dirty="0">
+                    <a:latin typeface="Calibri" panose="020F0502020204030204" pitchFamily="34" charset="0"/>
+                    <a:cs typeface="Calibri" panose="020F0502020204030204" pitchFamily="34" charset="0"/>
+                  </a:rPr>
                   <a:t>	</a:t>
                 </a:r>
                 <a:r>
-                  <a:rPr lang="pl-PL" sz="2400" dirty="0" smtClean="0"/>
+                  <a:rPr lang="pl-PL" sz="2400" dirty="0" smtClean="0">
+                    <a:latin typeface="Calibri" panose="020F0502020204030204" pitchFamily="34" charset="0"/>
+                    <a:cs typeface="Calibri" panose="020F0502020204030204" pitchFamily="34" charset="0"/>
+                  </a:rPr>
                   <a:t>  wyznaczona </a:t>
                 </a:r>
                 <a:r>
-                  <a:rPr lang="pl-PL" sz="2400" dirty="0"/>
+                  <a:rPr lang="pl-PL" sz="2400" dirty="0">
+                    <a:latin typeface="Calibri" panose="020F0502020204030204" pitchFamily="34" charset="0"/>
+                    <a:cs typeface="Calibri" panose="020F0502020204030204" pitchFamily="34" charset="0"/>
+                  </a:rPr>
                   <a:t>przy pomocy </a:t>
                 </a:r>
                 <a:r>
-                  <a:rPr lang="pl-PL" sz="2400" dirty="0" smtClean="0"/>
+                  <a:rPr lang="pl-PL" sz="2400" dirty="0" smtClean="0">
+                    <a:latin typeface="Calibri" panose="020F0502020204030204" pitchFamily="34" charset="0"/>
+                    <a:cs typeface="Calibri" panose="020F0502020204030204" pitchFamily="34" charset="0"/>
+                  </a:rPr>
                   <a:t>odwrotnej metody potęgowej</a:t>
                 </a:r>
               </a:p>
@@ -18251,7 +13541,10 @@
                   </m:oMath>
                 </a14:m>
                 <a:r>
-                  <a:rPr lang="pl-PL" sz="2400" dirty="0" smtClean="0"/>
+                  <a:rPr lang="pl-PL" sz="2400" dirty="0" smtClean="0">
+                    <a:latin typeface="Calibri" panose="020F0502020204030204" pitchFamily="34" charset="0"/>
+                    <a:cs typeface="Calibri" panose="020F0502020204030204" pitchFamily="34" charset="0"/>
+                  </a:rPr>
                   <a:t> 	- wektor własny macierzy </a:t>
                 </a:r>
                 <a14:m>
@@ -18266,7 +13559,10 @@
                     </m:r>
                   </m:oMath>
                 </a14:m>
-                <a:endParaRPr lang="pl-PL" sz="2400" dirty="0" smtClean="0"/>
+                <a:endParaRPr lang="pl-PL" sz="2400" dirty="0" smtClean="0">
+                  <a:latin typeface="Calibri" panose="020F0502020204030204" pitchFamily="34" charset="0"/>
+                  <a:cs typeface="Calibri" panose="020F0502020204030204" pitchFamily="34" charset="0"/>
+                </a:endParaRPr>
               </a:p>
               <a:p>
                 <a14:m>
@@ -18292,7 +13588,10 @@
                   </m:oMath>
                 </a14:m>
                 <a:r>
-                  <a:rPr lang="pl-PL" sz="2400" dirty="0" smtClean="0"/>
+                  <a:rPr lang="pl-PL" sz="2400" dirty="0" smtClean="0">
+                    <a:latin typeface="Calibri" panose="020F0502020204030204" pitchFamily="34" charset="0"/>
+                    <a:cs typeface="Calibri" panose="020F0502020204030204" pitchFamily="34" charset="0"/>
+                  </a:rPr>
                   <a:t>	- wektor unormowany</a:t>
                 </a:r>
               </a:p>
@@ -18321,7 +13620,10 @@
                   </m:oMath>
                 </a14:m>
                 <a:r>
-                  <a:rPr lang="pl-PL" sz="2400" dirty="0" smtClean="0"/>
+                  <a:rPr lang="pl-PL" sz="2400" dirty="0" smtClean="0">
+                    <a:latin typeface="Calibri" panose="020F0502020204030204" pitchFamily="34" charset="0"/>
+                    <a:cs typeface="Calibri" panose="020F0502020204030204" pitchFamily="34" charset="0"/>
+                  </a:rPr>
                   <a:t>	- norma wektora </a:t>
                 </a:r>
                 <a14:m>
@@ -18334,7 +13636,10 @@
                     </m:r>
                   </m:oMath>
                 </a14:m>
-                <a:endParaRPr lang="pl-PL" sz="2400" dirty="0" smtClean="0"/>
+                <a:endParaRPr lang="pl-PL" sz="2400" dirty="0" smtClean="0">
+                  <a:latin typeface="Calibri" panose="020F0502020204030204" pitchFamily="34" charset="0"/>
+                  <a:cs typeface="Calibri" panose="020F0502020204030204" pitchFamily="34" charset="0"/>
+                </a:endParaRPr>
               </a:p>
               <a:p>
                 <a14:m>
@@ -18367,11 +13672,17 @@
                   </m:oMath>
                 </a14:m>
                 <a:r>
-                  <a:rPr lang="pl-PL" sz="2400" dirty="0" smtClean="0"/>
+                  <a:rPr lang="pl-PL" sz="2400" dirty="0" smtClean="0">
+                    <a:latin typeface="Calibri" panose="020F0502020204030204" pitchFamily="34" charset="0"/>
+                    <a:cs typeface="Calibri" panose="020F0502020204030204" pitchFamily="34" charset="0"/>
+                  </a:rPr>
                   <a:t>	- sprzężenie hermitowskie </a:t>
                 </a:r>
                 <a:r>
-                  <a:rPr lang="pl-PL" sz="2400" dirty="0"/>
+                  <a:rPr lang="pl-PL" sz="2400" dirty="0">
+                    <a:latin typeface="Calibri" panose="020F0502020204030204" pitchFamily="34" charset="0"/>
+                    <a:cs typeface="Calibri" panose="020F0502020204030204" pitchFamily="34" charset="0"/>
+                  </a:rPr>
                   <a:t>wektora </a:t>
                 </a:r>
                 <a14:m>
@@ -18384,7 +13695,10 @@
                     </m:r>
                   </m:oMath>
                 </a14:m>
-                <a:endParaRPr lang="pl-PL" sz="2400" dirty="0" smtClean="0"/>
+                <a:endParaRPr lang="pl-PL" sz="2400" dirty="0" smtClean="0">
+                  <a:latin typeface="Calibri" panose="020F0502020204030204" pitchFamily="34" charset="0"/>
+                  <a:cs typeface="Calibri" panose="020F0502020204030204" pitchFamily="34" charset="0"/>
+                </a:endParaRPr>
               </a:p>
               <a:p>
                 <a14:m>
@@ -18423,11 +13737,17 @@
                   </m:oMath>
                 </a14:m>
                 <a:r>
-                  <a:rPr lang="pl-PL" sz="2400" dirty="0"/>
+                  <a:rPr lang="pl-PL" sz="2400" dirty="0">
+                    <a:latin typeface="Calibri" panose="020F0502020204030204" pitchFamily="34" charset="0"/>
+                    <a:cs typeface="Calibri" panose="020F0502020204030204" pitchFamily="34" charset="0"/>
+                  </a:rPr>
                   <a:t>	- </a:t>
                 </a:r>
                 <a:r>
-                  <a:rPr lang="pl-PL" sz="2400" dirty="0" smtClean="0"/>
+                  <a:rPr lang="pl-PL" sz="2400" dirty="0" smtClean="0">
+                    <a:latin typeface="Calibri" panose="020F0502020204030204" pitchFamily="34" charset="0"/>
+                    <a:cs typeface="Calibri" panose="020F0502020204030204" pitchFamily="34" charset="0"/>
+                  </a:rPr>
                   <a:t>macierz odwrotna do nieosobliwej macierzy </a:t>
                 </a:r>
                 <a14:m>
@@ -18440,7 +13760,10 @@
                     </m:r>
                   </m:oMath>
                 </a14:m>
-                <a:endParaRPr lang="pl-PL" sz="2400" dirty="0" smtClean="0"/>
+                <a:endParaRPr lang="pl-PL" sz="2400" dirty="0" smtClean="0">
+                  <a:latin typeface="Calibri" panose="020F0502020204030204" pitchFamily="34" charset="0"/>
+                  <a:cs typeface="Calibri" panose="020F0502020204030204" pitchFamily="34" charset="0"/>
+                </a:endParaRPr>
               </a:p>
               <a:p>
                 <a14:m>
@@ -18454,15 +13777,24 @@
                   </m:oMath>
                 </a14:m>
                 <a:r>
-                  <a:rPr lang="pl-PL" sz="2400" dirty="0"/>
+                  <a:rPr lang="pl-PL" sz="2400" dirty="0">
+                    <a:latin typeface="Calibri" panose="020F0502020204030204" pitchFamily="34" charset="0"/>
+                    <a:cs typeface="Calibri" panose="020F0502020204030204" pitchFamily="34" charset="0"/>
+                  </a:rPr>
                   <a:t>	- macierz </a:t>
                 </a:r>
                 <a:r>
-                  <a:rPr lang="pl-PL" sz="2400" dirty="0" err="1" smtClean="0"/>
+                  <a:rPr lang="pl-PL" sz="2400" dirty="0" err="1" smtClean="0">
+                    <a:latin typeface="Calibri" panose="020F0502020204030204" pitchFamily="34" charset="0"/>
+                    <a:cs typeface="Calibri" panose="020F0502020204030204" pitchFamily="34" charset="0"/>
+                  </a:rPr>
                   <a:t>Householdera</a:t>
                 </a:r>
                 <a:r>
-                  <a:rPr lang="pl-PL" sz="2400" dirty="0" smtClean="0"/>
+                  <a:rPr lang="pl-PL" sz="2400" dirty="0" smtClean="0">
+                    <a:latin typeface="Calibri" panose="020F0502020204030204" pitchFamily="34" charset="0"/>
+                    <a:cs typeface="Calibri" panose="020F0502020204030204" pitchFamily="34" charset="0"/>
+                  </a:rPr>
                   <a:t>, </a:t>
                 </a:r>
                 <a14:m>
@@ -18532,7 +13864,10 @@
                     </m:sSup>
                   </m:oMath>
                 </a14:m>
-                <a:endParaRPr lang="pl-PL" sz="2400" dirty="0" smtClean="0"/>
+                <a:endParaRPr lang="pl-PL" sz="2400" dirty="0" smtClean="0">
+                  <a:latin typeface="Calibri" panose="020F0502020204030204" pitchFamily="34" charset="0"/>
+                  <a:cs typeface="Calibri" panose="020F0502020204030204" pitchFamily="34" charset="0"/>
+                </a:endParaRPr>
               </a:p>
               <a:p>
                 <a14:m>
@@ -18546,11 +13881,17 @@
                   </m:oMath>
                 </a14:m>
                 <a:r>
-                  <a:rPr lang="pl-PL" sz="2400" dirty="0"/>
+                  <a:rPr lang="pl-PL" sz="2400" dirty="0">
+                    <a:latin typeface="Calibri" panose="020F0502020204030204" pitchFamily="34" charset="0"/>
+                    <a:cs typeface="Calibri" panose="020F0502020204030204" pitchFamily="34" charset="0"/>
+                  </a:rPr>
                   <a:t>	- </a:t>
                 </a:r>
                 <a:r>
-                  <a:rPr lang="pl-PL" sz="2400" dirty="0" smtClean="0"/>
+                  <a:rPr lang="pl-PL" sz="2400" dirty="0" smtClean="0">
+                    <a:latin typeface="Calibri" panose="020F0502020204030204" pitchFamily="34" charset="0"/>
+                    <a:cs typeface="Calibri" panose="020F0502020204030204" pitchFamily="34" charset="0"/>
+                  </a:rPr>
                   <a:t>macierz jednostkowa, </a:t>
                 </a:r>
                 <a14:m>
@@ -18620,12 +13961,15 @@
                     </m:sSup>
                   </m:oMath>
                 </a14:m>
-                <a:endParaRPr lang="pl-PL" sz="2400" i="1" dirty="0" smtClean="0"/>
+                <a:endParaRPr lang="pl-PL" sz="2400" i="1" dirty="0" smtClean="0">
+                  <a:latin typeface="Calibri" panose="020F0502020204030204" pitchFamily="34" charset="0"/>
+                  <a:cs typeface="Calibri" panose="020F0502020204030204" pitchFamily="34" charset="0"/>
+                </a:endParaRPr>
               </a:p>
             </p:txBody>
           </p:sp>
         </mc:Choice>
-        <mc:Fallback xmlns="">
+        <mc:Fallback>
           <p:sp>
             <p:nvSpPr>
               <p:cNvPr id="7" name="pole tekstowe 6"/>
@@ -18637,7 +13981,7 @@
             <p:spPr>
               <a:xfrm>
                 <a:off x="1593436" y="1772816"/>
-                <a:ext cx="8812028" cy="4524315"/>
+                <a:ext cx="8208979" cy="4524315"/>
               </a:xfrm>
               <a:prstGeom prst="rect">
                 <a:avLst/>
@@ -18645,7 +13989,7 @@
               <a:blipFill>
                 <a:blip r:embed="rId3"/>
                 <a:stretch>
-                  <a:fillRect l="-207" t="-943" b="-2291"/>
+                  <a:fillRect l="-223" t="-1078" r="-223" b="-2156"/>
                 </a:stretch>
               </a:blipFill>
             </p:spPr>
@@ -18736,15 +14080,24 @@
           <a:lstStyle/>
           <a:p>
             <a:r>
-              <a:rPr lang="pl-PL" sz="3200" dirty="0"/>
+              <a:rPr lang="pl-PL" sz="3200" dirty="0">
+                <a:latin typeface="Calibri" panose="020F0502020204030204" pitchFamily="34" charset="0"/>
+                <a:cs typeface="Calibri" panose="020F0502020204030204" pitchFamily="34" charset="0"/>
+              </a:rPr>
               <a:t>Zastosowanie dla macierzy </a:t>
             </a:r>
             <a:r>
-              <a:rPr lang="pl-PL" sz="3200" dirty="0" err="1"/>
+              <a:rPr lang="pl-PL" sz="3200" dirty="0" err="1">
+                <a:latin typeface="Calibri" panose="020F0502020204030204" pitchFamily="34" charset="0"/>
+                <a:cs typeface="Calibri" panose="020F0502020204030204" pitchFamily="34" charset="0"/>
+              </a:rPr>
               <a:t>trójdiagonalnych</a:t>
             </a:r>
             <a:r>
-              <a:rPr lang="pl-PL" sz="3200" dirty="0"/>
+              <a:rPr lang="pl-PL" sz="3200" dirty="0">
+                <a:latin typeface="Calibri" panose="020F0502020204030204" pitchFamily="34" charset="0"/>
+                <a:cs typeface="Calibri" panose="020F0502020204030204" pitchFamily="34" charset="0"/>
+              </a:rPr>
               <a:t>:</a:t>
             </a:r>
           </a:p>
@@ -18776,732 +14129,39 @@
               <a:buNone/>
             </a:pPr>
             <a:r>
-              <a:rPr lang="pl-PL" sz="2400" dirty="0" smtClean="0"/>
+              <a:rPr lang="pl-PL" sz="2400" dirty="0" smtClean="0">
+                <a:latin typeface="Calibri" panose="020F0502020204030204" pitchFamily="34" charset="0"/>
+                <a:cs typeface="Calibri" panose="020F0502020204030204" pitchFamily="34" charset="0"/>
+              </a:rPr>
               <a:t>W każdej iteracji odwrotnej metody potęgowej rozwiązujemy układ równań liniowych:</a:t>
             </a:r>
           </a:p>
         </p:txBody>
       </p:sp>
-      <mc:AlternateContent xmlns:mc="http://schemas.openxmlformats.org/markup-compatibility/2006" xmlns:a14="http://schemas.microsoft.com/office/drawing/2010/main">
-        <mc:Choice Requires="a14">
-          <p:sp>
-            <p:nvSpPr>
-              <p:cNvPr id="4" name="Prostokąt 3"/>
-              <p:cNvSpPr/>
-              <p:nvPr/>
-            </p:nvSpPr>
-            <p:spPr>
-              <a:xfrm>
-                <a:off x="3381412" y="3068960"/>
-                <a:ext cx="5073029" cy="2954399"/>
-              </a:xfrm>
-              <a:prstGeom prst="rect">
-                <a:avLst/>
-              </a:prstGeom>
-            </p:spPr>
-            <p:txBody>
-              <a:bodyPr wrap="square">
-                <a:spAutoFit/>
-              </a:bodyPr>
-              <a:lstStyle/>
-              <a:p>
-                <a:pPr>
-                  <a:lnSpc>
-                    <a:spcPct val="150000"/>
-                  </a:lnSpc>
-                </a:pPr>
-                <a:r>
-                  <a:rPr lang="pl-PL" sz="2400" dirty="0" smtClean="0"/>
-                  <a:t>                  </a:t>
-                </a:r>
-                <a14:m>
-                  <m:oMath xmlns:m="http://schemas.openxmlformats.org/officeDocument/2006/math">
-                    <m:sSup>
-                      <m:sSupPr>
-                        <m:ctrlPr>
-                          <a:rPr lang="pl-PL" sz="2400" i="1">
-                            <a:latin typeface="Cambria Math" panose="02040503050406030204" pitchFamily="18" charset="0"/>
-                          </a:rPr>
-                        </m:ctrlPr>
-                      </m:sSupPr>
-                      <m:e>
-                        <m:r>
-                          <a:rPr lang="pl-PL" sz="2400" b="0" i="1" smtClean="0">
-                            <a:latin typeface="Cambria Math" panose="02040503050406030204" pitchFamily="18" charset="0"/>
-                          </a:rPr>
-                          <m:t>𝐴</m:t>
-                        </m:r>
-                        <m:r>
-                          <a:rPr lang="pl-PL" sz="2400" i="1">
-                            <a:latin typeface="Cambria Math" panose="02040503050406030204" pitchFamily="18" charset="0"/>
-                          </a:rPr>
-                          <m:t>𝑥</m:t>
-                        </m:r>
-                      </m:e>
-                      <m:sup>
-                        <m:r>
-                          <a:rPr lang="pl-PL" sz="2400" i="1">
-                            <a:latin typeface="Cambria Math" panose="02040503050406030204" pitchFamily="18" charset="0"/>
-                          </a:rPr>
-                          <m:t>(</m:t>
-                        </m:r>
-                        <m:r>
-                          <a:rPr lang="pl-PL" sz="2400" i="1">
-                            <a:latin typeface="Cambria Math" panose="02040503050406030204" pitchFamily="18" charset="0"/>
-                          </a:rPr>
-                          <m:t>𝑘</m:t>
-                        </m:r>
-                        <m:r>
-                          <a:rPr lang="pl-PL" sz="2400" i="1">
-                            <a:latin typeface="Cambria Math" panose="02040503050406030204" pitchFamily="18" charset="0"/>
-                          </a:rPr>
-                          <m:t>+1)</m:t>
-                        </m:r>
-                      </m:sup>
-                    </m:sSup>
-                    <m:r>
-                      <a:rPr lang="pl-PL" sz="2400">
-                        <a:latin typeface="Cambria Math" panose="02040503050406030204" pitchFamily="18" charset="0"/>
-                      </a:rPr>
-                      <m:t>=</m:t>
-                    </m:r>
-                    <m:sSup>
-                      <m:sSupPr>
-                        <m:ctrlPr>
-                          <a:rPr lang="pl-PL" sz="2400" i="1">
-                            <a:latin typeface="Cambria Math" panose="02040503050406030204" pitchFamily="18" charset="0"/>
-                          </a:rPr>
-                        </m:ctrlPr>
-                      </m:sSupPr>
-                      <m:e>
-                        <m:acc>
-                          <m:accPr>
-                            <m:chr m:val="̃"/>
-                            <m:ctrlPr>
-                              <a:rPr lang="pl-PL" sz="2400" i="1">
-                                <a:latin typeface="Cambria Math" panose="02040503050406030204" pitchFamily="18" charset="0"/>
-                              </a:rPr>
-                            </m:ctrlPr>
-                          </m:accPr>
-                          <m:e>
-                            <m:r>
-                              <a:rPr lang="pl-PL" sz="2400" i="1">
-                                <a:latin typeface="Cambria Math" panose="02040503050406030204" pitchFamily="18" charset="0"/>
-                              </a:rPr>
-                              <m:t>𝑥</m:t>
-                            </m:r>
-                          </m:e>
-                        </m:acc>
-                      </m:e>
-                      <m:sup>
-                        <m:r>
-                          <a:rPr lang="pl-PL" sz="2400" i="1">
-                            <a:latin typeface="Cambria Math" panose="02040503050406030204" pitchFamily="18" charset="0"/>
-                          </a:rPr>
-                          <m:t>(</m:t>
-                        </m:r>
-                        <m:r>
-                          <a:rPr lang="pl-PL" sz="2400" i="1">
-                            <a:latin typeface="Cambria Math" panose="02040503050406030204" pitchFamily="18" charset="0"/>
-                          </a:rPr>
-                          <m:t>𝑘</m:t>
-                        </m:r>
-                        <m:r>
-                          <a:rPr lang="pl-PL" sz="2400" i="1">
-                            <a:latin typeface="Cambria Math" panose="02040503050406030204" pitchFamily="18" charset="0"/>
-                          </a:rPr>
-                          <m:t>)</m:t>
-                        </m:r>
-                      </m:sup>
-                    </m:sSup>
-                  </m:oMath>
-                </a14:m>
-                <a:endParaRPr lang="pl-PL" sz="2400" i="1" dirty="0" smtClean="0">
-                  <a:latin typeface="Cambria Math" panose="02040503050406030204" pitchFamily="18" charset="0"/>
-                </a:endParaRPr>
-              </a:p>
-              <a:p>
-                <a:pPr>
-                  <a:lnSpc>
-                    <a:spcPct val="150000"/>
-                  </a:lnSpc>
-                </a:pPr>
-                <a14:m>
-                  <m:oMathPara xmlns:m="http://schemas.openxmlformats.org/officeDocument/2006/math">
-                    <m:oMathParaPr>
-                      <m:jc m:val="centerGroup"/>
-                    </m:oMathParaPr>
-                    <m:oMath xmlns:m="http://schemas.openxmlformats.org/officeDocument/2006/math">
-                      <m:sSup>
-                        <m:sSupPr>
-                          <m:ctrlPr>
-                            <a:rPr lang="pl-PL" sz="2400" i="1">
-                              <a:latin typeface="Cambria Math" panose="02040503050406030204" pitchFamily="18" charset="0"/>
-                            </a:rPr>
-                          </m:ctrlPr>
-                        </m:sSupPr>
-                        <m:e>
-                          <m:sSub>
-                            <m:sSubPr>
-                              <m:ctrlPr>
-                                <a:rPr lang="pl-PL" sz="2400" i="1">
-                                  <a:latin typeface="Cambria Math" panose="02040503050406030204" pitchFamily="18" charset="0"/>
-                                </a:rPr>
-                              </m:ctrlPr>
-                            </m:sSubPr>
-                            <m:e>
-                              <m:r>
-                                <a:rPr lang="pl-PL" sz="2400" i="1">
-                                  <a:latin typeface="Cambria Math" panose="02040503050406030204" pitchFamily="18" charset="0"/>
-                                </a:rPr>
-                                <m:t>𝐻</m:t>
-                              </m:r>
-                            </m:e>
-                            <m:sub>
-                              <m:r>
-                                <a:rPr lang="pl-PL" sz="2400" i="1">
-                                  <a:latin typeface="Cambria Math" panose="02040503050406030204" pitchFamily="18" charset="0"/>
-                                </a:rPr>
-                                <m:t>1</m:t>
-                              </m:r>
-                            </m:sub>
-                          </m:sSub>
-                          <m:r>
-                            <a:rPr lang="pl-PL" sz="2400" i="1">
-                              <a:latin typeface="Cambria Math" panose="02040503050406030204" pitchFamily="18" charset="0"/>
-                            </a:rPr>
-                            <m:t>𝐴𝑥</m:t>
-                          </m:r>
-                        </m:e>
-                        <m:sup>
-                          <m:r>
-                            <a:rPr lang="pl-PL" sz="2400" i="1">
-                              <a:latin typeface="Cambria Math" panose="02040503050406030204" pitchFamily="18" charset="0"/>
-                            </a:rPr>
-                            <m:t>(</m:t>
-                          </m:r>
-                          <m:r>
-                            <a:rPr lang="pl-PL" sz="2400" i="1">
-                              <a:latin typeface="Cambria Math" panose="02040503050406030204" pitchFamily="18" charset="0"/>
-                            </a:rPr>
-                            <m:t>𝑘</m:t>
-                          </m:r>
-                          <m:r>
-                            <a:rPr lang="pl-PL" sz="2400" i="1">
-                              <a:latin typeface="Cambria Math" panose="02040503050406030204" pitchFamily="18" charset="0"/>
-                            </a:rPr>
-                            <m:t>+1)</m:t>
-                          </m:r>
-                        </m:sup>
-                      </m:sSup>
-                      <m:r>
-                        <a:rPr lang="pl-PL" sz="2400">
-                          <a:latin typeface="Cambria Math" panose="02040503050406030204" pitchFamily="18" charset="0"/>
-                        </a:rPr>
-                        <m:t>=</m:t>
-                      </m:r>
-                      <m:sSup>
-                        <m:sSupPr>
-                          <m:ctrlPr>
-                            <a:rPr lang="pl-PL" sz="2400" i="1">
-                              <a:latin typeface="Cambria Math" panose="02040503050406030204" pitchFamily="18" charset="0"/>
-                            </a:rPr>
-                          </m:ctrlPr>
-                        </m:sSupPr>
-                        <m:e>
-                          <m:sSub>
-                            <m:sSubPr>
-                              <m:ctrlPr>
-                                <a:rPr lang="pl-PL" sz="2400" i="1">
-                                  <a:latin typeface="Cambria Math" panose="02040503050406030204" pitchFamily="18" charset="0"/>
-                                </a:rPr>
-                              </m:ctrlPr>
-                            </m:sSubPr>
-                            <m:e>
-                              <m:r>
-                                <a:rPr lang="pl-PL" sz="2400" i="1">
-                                  <a:latin typeface="Cambria Math" panose="02040503050406030204" pitchFamily="18" charset="0"/>
-                                </a:rPr>
-                                <m:t>𝐻</m:t>
-                              </m:r>
-                            </m:e>
-                            <m:sub>
-                              <m:r>
-                                <a:rPr lang="pl-PL" sz="2400" i="1">
-                                  <a:latin typeface="Cambria Math" panose="02040503050406030204" pitchFamily="18" charset="0"/>
-                                </a:rPr>
-                                <m:t>1</m:t>
-                              </m:r>
-                            </m:sub>
-                          </m:sSub>
-                          <m:acc>
-                            <m:accPr>
-                              <m:chr m:val="̃"/>
-                              <m:ctrlPr>
-                                <a:rPr lang="pl-PL" sz="2400" i="1">
-                                  <a:latin typeface="Cambria Math" panose="02040503050406030204" pitchFamily="18" charset="0"/>
-                                </a:rPr>
-                              </m:ctrlPr>
-                            </m:accPr>
-                            <m:e>
-                              <m:r>
-                                <a:rPr lang="pl-PL" sz="2400" i="1">
-                                  <a:latin typeface="Cambria Math" panose="02040503050406030204" pitchFamily="18" charset="0"/>
-                                </a:rPr>
-                                <m:t>𝑥</m:t>
-                              </m:r>
-                            </m:e>
-                          </m:acc>
-                        </m:e>
-                        <m:sup>
-                          <m:r>
-                            <a:rPr lang="pl-PL" sz="2400" i="1">
-                              <a:latin typeface="Cambria Math" panose="02040503050406030204" pitchFamily="18" charset="0"/>
-                            </a:rPr>
-                            <m:t>(</m:t>
-                          </m:r>
-                          <m:r>
-                            <a:rPr lang="pl-PL" sz="2400" i="1">
-                              <a:latin typeface="Cambria Math" panose="02040503050406030204" pitchFamily="18" charset="0"/>
-                            </a:rPr>
-                            <m:t>𝑘</m:t>
-                          </m:r>
-                          <m:r>
-                            <a:rPr lang="pl-PL" sz="2400" i="1">
-                              <a:latin typeface="Cambria Math" panose="02040503050406030204" pitchFamily="18" charset="0"/>
-                            </a:rPr>
-                            <m:t>)</m:t>
-                          </m:r>
-                        </m:sup>
-                      </m:sSup>
-                    </m:oMath>
-                  </m:oMathPara>
-                </a14:m>
-                <a:endParaRPr lang="pl-PL" sz="2400" i="1" dirty="0" smtClean="0">
-                  <a:latin typeface="Cambria Math" panose="02040503050406030204" pitchFamily="18" charset="0"/>
-                </a:endParaRPr>
-              </a:p>
-              <a:p>
-                <a:pPr>
-                  <a:lnSpc>
-                    <a:spcPct val="150000"/>
-                  </a:lnSpc>
-                </a:pPr>
-                <a:r>
-                  <a:rPr lang="pl-PL" sz="2400" dirty="0" smtClean="0"/>
-                  <a:t>            </a:t>
-                </a:r>
-                <a14:m>
-                  <m:oMath xmlns:m="http://schemas.openxmlformats.org/officeDocument/2006/math">
-                    <m:sSup>
-                      <m:sSupPr>
-                        <m:ctrlPr>
-                          <a:rPr lang="pl-PL" sz="2400" i="1">
-                            <a:latin typeface="Cambria Math" panose="02040503050406030204" pitchFamily="18" charset="0"/>
-                          </a:rPr>
-                        </m:ctrlPr>
-                      </m:sSupPr>
-                      <m:e>
-                        <m:sSub>
-                          <m:sSubPr>
-                            <m:ctrlPr>
-                              <a:rPr lang="pl-PL" sz="2400" i="1">
-                                <a:latin typeface="Cambria Math" panose="02040503050406030204" pitchFamily="18" charset="0"/>
-                              </a:rPr>
-                            </m:ctrlPr>
-                          </m:sSubPr>
-                          <m:e>
-                            <m:r>
-                              <a:rPr lang="pl-PL" sz="2400" i="1">
-                                <a:latin typeface="Cambria Math" panose="02040503050406030204" pitchFamily="18" charset="0"/>
-                              </a:rPr>
-                              <m:t>𝐻</m:t>
-                            </m:r>
-                          </m:e>
-                          <m:sub>
-                            <m:r>
-                              <a:rPr lang="pl-PL" sz="2400" b="0" i="1" smtClean="0">
-                                <a:latin typeface="Cambria Math" panose="02040503050406030204" pitchFamily="18" charset="0"/>
-                              </a:rPr>
-                              <m:t>2</m:t>
-                            </m:r>
-                          </m:sub>
-                        </m:sSub>
-                        <m:sSub>
-                          <m:sSubPr>
-                            <m:ctrlPr>
-                              <a:rPr lang="pl-PL" sz="2400" i="1">
-                                <a:latin typeface="Cambria Math" panose="02040503050406030204" pitchFamily="18" charset="0"/>
-                              </a:rPr>
-                            </m:ctrlPr>
-                          </m:sSubPr>
-                          <m:e>
-                            <m:r>
-                              <a:rPr lang="pl-PL" sz="2400" i="1">
-                                <a:latin typeface="Cambria Math" panose="02040503050406030204" pitchFamily="18" charset="0"/>
-                              </a:rPr>
-                              <m:t>𝐴</m:t>
-                            </m:r>
-                          </m:e>
-                          <m:sub>
-                            <m:r>
-                              <a:rPr lang="pl-PL" sz="2400" i="1">
-                                <a:latin typeface="Cambria Math" panose="02040503050406030204" pitchFamily="18" charset="0"/>
-                              </a:rPr>
-                              <m:t>1</m:t>
-                            </m:r>
-                          </m:sub>
-                        </m:sSub>
-                        <m:r>
-                          <a:rPr lang="pl-PL" sz="2400" i="1">
-                            <a:latin typeface="Cambria Math" panose="02040503050406030204" pitchFamily="18" charset="0"/>
-                          </a:rPr>
-                          <m:t>𝑥</m:t>
-                        </m:r>
-                      </m:e>
-                      <m:sup>
-                        <m:r>
-                          <a:rPr lang="pl-PL" sz="2400" i="1">
-                            <a:latin typeface="Cambria Math" panose="02040503050406030204" pitchFamily="18" charset="0"/>
-                          </a:rPr>
-                          <m:t>(</m:t>
-                        </m:r>
-                        <m:r>
-                          <a:rPr lang="pl-PL" sz="2400" i="1">
-                            <a:latin typeface="Cambria Math" panose="02040503050406030204" pitchFamily="18" charset="0"/>
-                          </a:rPr>
-                          <m:t>𝑘</m:t>
-                        </m:r>
-                        <m:r>
-                          <a:rPr lang="pl-PL" sz="2400" i="1">
-                            <a:latin typeface="Cambria Math" panose="02040503050406030204" pitchFamily="18" charset="0"/>
-                          </a:rPr>
-                          <m:t>+1)</m:t>
-                        </m:r>
-                      </m:sup>
-                    </m:sSup>
-                    <m:r>
-                      <a:rPr lang="pl-PL" sz="2400">
-                        <a:latin typeface="Cambria Math" panose="02040503050406030204" pitchFamily="18" charset="0"/>
-                      </a:rPr>
-                      <m:t>=</m:t>
-                    </m:r>
-                    <m:sSup>
-                      <m:sSupPr>
-                        <m:ctrlPr>
-                          <a:rPr lang="pl-PL" sz="2400" i="1">
-                            <a:latin typeface="Cambria Math" panose="02040503050406030204" pitchFamily="18" charset="0"/>
-                          </a:rPr>
-                        </m:ctrlPr>
-                      </m:sSupPr>
-                      <m:e>
-                        <m:sSub>
-                          <m:sSubPr>
-                            <m:ctrlPr>
-                              <a:rPr lang="pl-PL" sz="2400" i="1">
-                                <a:latin typeface="Cambria Math" panose="02040503050406030204" pitchFamily="18" charset="0"/>
-                              </a:rPr>
-                            </m:ctrlPr>
-                          </m:sSubPr>
-                          <m:e>
-                            <m:sSub>
-                              <m:sSubPr>
-                                <m:ctrlPr>
-                                  <a:rPr lang="pl-PL" sz="2400" i="1">
-                                    <a:latin typeface="Cambria Math" panose="02040503050406030204" pitchFamily="18" charset="0"/>
-                                  </a:rPr>
-                                </m:ctrlPr>
-                              </m:sSubPr>
-                              <m:e>
-                                <m:r>
-                                  <a:rPr lang="pl-PL" sz="2400" i="1">
-                                    <a:latin typeface="Cambria Math" panose="02040503050406030204" pitchFamily="18" charset="0"/>
-                                  </a:rPr>
-                                  <m:t>𝐻</m:t>
-                                </m:r>
-                              </m:e>
-                              <m:sub>
-                                <m:r>
-                                  <a:rPr lang="pl-PL" sz="2400" i="1">
-                                    <a:latin typeface="Cambria Math" panose="02040503050406030204" pitchFamily="18" charset="0"/>
-                                  </a:rPr>
-                                  <m:t>2</m:t>
-                                </m:r>
-                              </m:sub>
-                            </m:sSub>
-                            <m:r>
-                              <a:rPr lang="pl-PL" sz="2400" i="1">
-                                <a:latin typeface="Cambria Math" panose="02040503050406030204" pitchFamily="18" charset="0"/>
-                              </a:rPr>
-                              <m:t>𝐻</m:t>
-                            </m:r>
-                          </m:e>
-                          <m:sub>
-                            <m:r>
-                              <a:rPr lang="pl-PL" sz="2400" i="1">
-                                <a:latin typeface="Cambria Math" panose="02040503050406030204" pitchFamily="18" charset="0"/>
-                              </a:rPr>
-                              <m:t>1</m:t>
-                            </m:r>
-                          </m:sub>
-                        </m:sSub>
-                        <m:acc>
-                          <m:accPr>
-                            <m:chr m:val="̃"/>
-                            <m:ctrlPr>
-                              <a:rPr lang="pl-PL" sz="2400" i="1">
-                                <a:latin typeface="Cambria Math" panose="02040503050406030204" pitchFamily="18" charset="0"/>
-                              </a:rPr>
-                            </m:ctrlPr>
-                          </m:accPr>
-                          <m:e>
-                            <m:r>
-                              <a:rPr lang="pl-PL" sz="2400" i="1">
-                                <a:latin typeface="Cambria Math" panose="02040503050406030204" pitchFamily="18" charset="0"/>
-                              </a:rPr>
-                              <m:t>𝑥</m:t>
-                            </m:r>
-                          </m:e>
-                        </m:acc>
-                      </m:e>
-                      <m:sup>
-                        <m:r>
-                          <a:rPr lang="pl-PL" sz="2400" i="1">
-                            <a:latin typeface="Cambria Math" panose="02040503050406030204" pitchFamily="18" charset="0"/>
-                          </a:rPr>
-                          <m:t>(</m:t>
-                        </m:r>
-                        <m:r>
-                          <a:rPr lang="pl-PL" sz="2400" i="1">
-                            <a:latin typeface="Cambria Math" panose="02040503050406030204" pitchFamily="18" charset="0"/>
-                          </a:rPr>
-                          <m:t>𝑘</m:t>
-                        </m:r>
-                        <m:r>
-                          <a:rPr lang="pl-PL" sz="2400" i="1">
-                            <a:latin typeface="Cambria Math" panose="02040503050406030204" pitchFamily="18" charset="0"/>
-                          </a:rPr>
-                          <m:t>)</m:t>
-                        </m:r>
-                      </m:sup>
-                    </m:sSup>
-                  </m:oMath>
-                </a14:m>
-                <a:endParaRPr lang="pl-PL" sz="2400" i="1" dirty="0" smtClean="0">
-                  <a:latin typeface="Cambria Math" panose="02040503050406030204" pitchFamily="18" charset="0"/>
-                </a:endParaRPr>
-              </a:p>
-              <a:p>
-                <a:pPr>
-                  <a:lnSpc>
-                    <a:spcPct val="150000"/>
-                  </a:lnSpc>
-                </a:pPr>
-                <a:r>
-                  <a:rPr lang="pl-PL" sz="2400" dirty="0" smtClean="0"/>
-                  <a:t>		         </a:t>
-                </a:r>
-                <a14:m>
-                  <m:oMath xmlns:m="http://schemas.openxmlformats.org/officeDocument/2006/math">
-                    <m:r>
-                      <a:rPr lang="pl-PL" sz="2400" i="1">
-                        <a:latin typeface="Cambria Math" panose="02040503050406030204" pitchFamily="18" charset="0"/>
-                      </a:rPr>
-                      <m:t>…</m:t>
-                    </m:r>
-                  </m:oMath>
-                </a14:m>
-                <a:r>
-                  <a:rPr lang="pl-PL" sz="2400" dirty="0"/>
-                  <a:t> </a:t>
-                </a:r>
-                <a:endParaRPr lang="pl-PL" sz="2400" i="1" dirty="0" smtClean="0">
-                  <a:latin typeface="Cambria Math" panose="02040503050406030204" pitchFamily="18" charset="0"/>
-                </a:endParaRPr>
-              </a:p>
-              <a:p>
-                <a:pPr>
-                  <a:lnSpc>
-                    <a:spcPct val="150000"/>
-                  </a:lnSpc>
-                </a:pPr>
-                <a:r>
-                  <a:rPr lang="pl-PL" sz="2400" dirty="0" smtClean="0"/>
-                  <a:t> 	       </a:t>
-                </a:r>
-                <a14:m>
-                  <m:oMath xmlns:m="http://schemas.openxmlformats.org/officeDocument/2006/math">
-                    <m:r>
-                      <a:rPr lang="pl-PL" sz="2400" i="1">
-                        <a:latin typeface="Cambria Math" panose="02040503050406030204" pitchFamily="18" charset="0"/>
-                      </a:rPr>
-                      <m:t>𝑅</m:t>
-                    </m:r>
-                    <m:sSup>
-                      <m:sSupPr>
-                        <m:ctrlPr>
-                          <a:rPr lang="pl-PL" sz="2400" i="1">
-                            <a:latin typeface="Cambria Math" panose="02040503050406030204" pitchFamily="18" charset="0"/>
-                          </a:rPr>
-                        </m:ctrlPr>
-                      </m:sSupPr>
-                      <m:e>
-                        <m:r>
-                          <a:rPr lang="pl-PL" sz="2400" i="1">
-                            <a:latin typeface="Cambria Math" panose="02040503050406030204" pitchFamily="18" charset="0"/>
-                          </a:rPr>
-                          <m:t>𝑥</m:t>
-                        </m:r>
-                      </m:e>
-                      <m:sup>
-                        <m:r>
-                          <a:rPr lang="pl-PL" sz="2400" i="1">
-                            <a:latin typeface="Cambria Math" panose="02040503050406030204" pitchFamily="18" charset="0"/>
-                          </a:rPr>
-                          <m:t>(</m:t>
-                        </m:r>
-                        <m:r>
-                          <a:rPr lang="pl-PL" sz="2400" i="1">
-                            <a:latin typeface="Cambria Math" panose="02040503050406030204" pitchFamily="18" charset="0"/>
-                          </a:rPr>
-                          <m:t>𝑘</m:t>
-                        </m:r>
-                        <m:r>
-                          <a:rPr lang="pl-PL" sz="2400" i="1">
-                            <a:latin typeface="Cambria Math" panose="02040503050406030204" pitchFamily="18" charset="0"/>
-                          </a:rPr>
-                          <m:t>+1)</m:t>
-                        </m:r>
-                      </m:sup>
-                    </m:sSup>
-                    <m:r>
-                      <a:rPr lang="pl-PL" sz="2400">
-                        <a:latin typeface="Cambria Math" panose="02040503050406030204" pitchFamily="18" charset="0"/>
-                      </a:rPr>
-                      <m:t>=</m:t>
-                    </m:r>
-                    <m:sSup>
-                      <m:sSupPr>
-                        <m:ctrlPr>
-                          <a:rPr lang="pl-PL" sz="2400" i="1">
-                            <a:latin typeface="Cambria Math" panose="02040503050406030204" pitchFamily="18" charset="0"/>
-                          </a:rPr>
-                        </m:ctrlPr>
-                      </m:sSupPr>
-                      <m:e>
-                        <m:r>
-                          <a:rPr lang="pl-PL" sz="2400" i="1">
-                            <a:latin typeface="Cambria Math" panose="02040503050406030204" pitchFamily="18" charset="0"/>
-                          </a:rPr>
-                          <m:t>𝑄</m:t>
-                        </m:r>
-                      </m:e>
-                      <m:sup>
-                        <m:r>
-                          <a:rPr lang="pl-PL" sz="2400" i="1">
-                            <a:latin typeface="Cambria Math" panose="02040503050406030204" pitchFamily="18" charset="0"/>
-                          </a:rPr>
-                          <m:t>𝑇</m:t>
-                        </m:r>
-                      </m:sup>
-                    </m:sSup>
-                    <m:sSup>
-                      <m:sSupPr>
-                        <m:ctrlPr>
-                          <a:rPr lang="pl-PL" sz="2400" i="1">
-                            <a:latin typeface="Cambria Math" panose="02040503050406030204" pitchFamily="18" charset="0"/>
-                          </a:rPr>
-                        </m:ctrlPr>
-                      </m:sSupPr>
-                      <m:e>
-                        <m:acc>
-                          <m:accPr>
-                            <m:chr m:val="̃"/>
-                            <m:ctrlPr>
-                              <a:rPr lang="pl-PL" sz="2400" i="1">
-                                <a:latin typeface="Cambria Math" panose="02040503050406030204" pitchFamily="18" charset="0"/>
-                              </a:rPr>
-                            </m:ctrlPr>
-                          </m:accPr>
-                          <m:e>
-                            <m:r>
-                              <a:rPr lang="pl-PL" sz="2400" i="1">
-                                <a:latin typeface="Cambria Math" panose="02040503050406030204" pitchFamily="18" charset="0"/>
-                              </a:rPr>
-                              <m:t>𝑥</m:t>
-                            </m:r>
-                          </m:e>
-                        </m:acc>
-                      </m:e>
-                      <m:sup>
-                        <m:r>
-                          <a:rPr lang="pl-PL" sz="2400" i="1">
-                            <a:latin typeface="Cambria Math" panose="02040503050406030204" pitchFamily="18" charset="0"/>
-                          </a:rPr>
-                          <m:t>(</m:t>
-                        </m:r>
-                        <m:r>
-                          <a:rPr lang="pl-PL" sz="2400" i="1">
-                            <a:latin typeface="Cambria Math" panose="02040503050406030204" pitchFamily="18" charset="0"/>
-                          </a:rPr>
-                          <m:t>𝑘</m:t>
-                        </m:r>
-                        <m:r>
-                          <a:rPr lang="pl-PL" sz="2400" i="1">
-                            <a:latin typeface="Cambria Math" panose="02040503050406030204" pitchFamily="18" charset="0"/>
-                          </a:rPr>
-                          <m:t>)</m:t>
-                        </m:r>
-                      </m:sup>
-                    </m:sSup>
-                  </m:oMath>
-                </a14:m>
-                <a:endParaRPr lang="pl-PL" sz="2400" i="1" dirty="0" smtClean="0">
-                  <a:latin typeface="Cambria Math" panose="02040503050406030204" pitchFamily="18" charset="0"/>
-                </a:endParaRPr>
-              </a:p>
-            </p:txBody>
-          </p:sp>
-        </mc:Choice>
-        <mc:Fallback xmlns="">
-          <p:sp>
-            <p:nvSpPr>
-              <p:cNvPr id="4" name="Prostokąt 3"/>
-              <p:cNvSpPr>
-                <a:spLocks noRot="1" noChangeAspect="1" noMove="1" noResize="1" noEditPoints="1" noAdjustHandles="1" noChangeArrowheads="1" noChangeShapeType="1" noTextEdit="1"/>
-              </p:cNvSpPr>
-              <p:nvPr/>
-            </p:nvSpPr>
-            <p:spPr>
-              <a:xfrm>
-                <a:off x="3381412" y="3068960"/>
-                <a:ext cx="5073029" cy="2954399"/>
-              </a:xfrm>
-              <a:prstGeom prst="rect">
-                <a:avLst/>
-              </a:prstGeom>
-              <a:blipFill>
-                <a:blip r:embed="rId2"/>
-                <a:stretch>
-                  <a:fillRect/>
-                </a:stretch>
-              </a:blipFill>
-            </p:spPr>
-            <p:txBody>
-              <a:bodyPr/>
-              <a:lstStyle/>
-              <a:p>
-                <a:r>
-                  <a:rPr lang="pl-PL">
-                    <a:noFill/>
-                  </a:rPr>
-                  <a:t> </a:t>
-                </a:r>
-              </a:p>
-            </p:txBody>
-          </p:sp>
-        </mc:Fallback>
-      </mc:AlternateContent>
+      <p:pic>
+        <p:nvPicPr>
+          <p:cNvPr id="5" name="Obraz 4"/>
+          <p:cNvPicPr>
+            <a:picLocks noChangeAspect="1"/>
+          </p:cNvPicPr>
+          <p:nvPr/>
+        </p:nvPicPr>
+        <p:blipFill>
+          <a:blip r:embed="rId2"/>
+          <a:stretch>
+            <a:fillRect/>
+          </a:stretch>
+        </p:blipFill>
+        <p:spPr>
+          <a:xfrm>
+            <a:off x="3936727" y="3068960"/>
+            <a:ext cx="3962400" cy="3486150"/>
+          </a:xfrm>
+          <a:prstGeom prst="rect">
+            <a:avLst/>
+          </a:prstGeom>
+        </p:spPr>
+      </p:pic>
     </p:spTree>
     <p:extLst>
       <p:ext uri="{BB962C8B-B14F-4D97-AF65-F5344CB8AC3E}">
@@ -19574,10 +14234,16 @@
           <a:lstStyle/>
           <a:p>
             <a:r>
-              <a:rPr lang="pl-PL" sz="4000" dirty="0" smtClean="0"/>
+              <a:rPr lang="pl-PL" sz="4000" dirty="0" smtClean="0">
+                <a:latin typeface="Calibri" panose="020F0502020204030204" pitchFamily="34" charset="0"/>
+                <a:cs typeface="Calibri" panose="020F0502020204030204" pitchFamily="34" charset="0"/>
+              </a:rPr>
               <a:t>Eksperyment numeryczny</a:t>
             </a:r>
-            <a:endParaRPr lang="pl-PL" sz="4000" dirty="0"/>
+            <a:endParaRPr lang="pl-PL" sz="4000" dirty="0">
+              <a:latin typeface="Calibri" panose="020F0502020204030204" pitchFamily="34" charset="0"/>
+              <a:cs typeface="Calibri" panose="020F0502020204030204" pitchFamily="34" charset="0"/>
+            </a:endParaRPr>
           </a:p>
         </p:txBody>
       </p:sp>
@@ -19604,15 +14270,24 @@
           <a:lstStyle/>
           <a:p>
             <a:r>
-              <a:rPr lang="pl-PL" sz="2400" dirty="0"/>
+              <a:rPr lang="pl-PL" sz="2400" dirty="0">
+                <a:latin typeface="Calibri" panose="020F0502020204030204" pitchFamily="34" charset="0"/>
+                <a:cs typeface="Calibri" panose="020F0502020204030204" pitchFamily="34" charset="0"/>
+              </a:rPr>
               <a:t>Porównanie metod rozwiązywania układów równań </a:t>
             </a:r>
             <a:r>
-              <a:rPr lang="pl-PL" sz="2400" dirty="0" smtClean="0"/>
+              <a:rPr lang="pl-PL" sz="2400" dirty="0" smtClean="0">
+                <a:latin typeface="Calibri" panose="020F0502020204030204" pitchFamily="34" charset="0"/>
+                <a:cs typeface="Calibri" panose="020F0502020204030204" pitchFamily="34" charset="0"/>
+              </a:rPr>
               <a:t>liniowych w </a:t>
             </a:r>
             <a:r>
-              <a:rPr lang="pl-PL" sz="2400" dirty="0"/>
+              <a:rPr lang="pl-PL" sz="2400" dirty="0">
+                <a:latin typeface="Calibri" panose="020F0502020204030204" pitchFamily="34" charset="0"/>
+                <a:cs typeface="Calibri" panose="020F0502020204030204" pitchFamily="34" charset="0"/>
+              </a:rPr>
               <a:t>odwrotnej metodzie potęgowej.</a:t>
             </a:r>
           </a:p>
@@ -19667,8 +14342,8 @@
           <a:chExt cx="0" cy="0"/>
         </a:xfrm>
       </p:grpSpPr>
-      <mc:AlternateContent xmlns:mc="http://schemas.openxmlformats.org/markup-compatibility/2006" xmlns:a14="http://schemas.microsoft.com/office/drawing/2010/main">
-        <mc:Choice Requires="a14">
+      <mc:AlternateContent xmlns:mc="http://schemas.openxmlformats.org/markup-compatibility/2006">
+        <mc:Choice xmlns:a14="http://schemas.microsoft.com/office/drawing/2010/main" Requires="a14">
           <p:sp>
             <p:nvSpPr>
               <p:cNvPr id="2" name="Tytuł 1"/>
@@ -19692,7 +14367,10 @@
               <a:lstStyle/>
               <a:p>
                 <a:r>
-                  <a:rPr lang="pl-PL" sz="3200" dirty="0" smtClean="0"/>
+                  <a:rPr lang="pl-PL" sz="3200" dirty="0" smtClean="0">
+                    <a:latin typeface="Calibri" panose="020F0502020204030204" pitchFamily="34" charset="0"/>
+                    <a:cs typeface="Calibri" panose="020F0502020204030204" pitchFamily="34" charset="0"/>
+                  </a:rPr>
                   <a:t>Rozkład </a:t>
                 </a:r>
                 <a14:m>
@@ -19706,15 +14384,21 @@
                   </m:oMath>
                 </a14:m>
                 <a:r>
-                  <a:rPr lang="pl-PL" sz="3200" dirty="0" smtClean="0"/>
+                  <a:rPr lang="pl-PL" sz="3200" dirty="0" smtClean="0">
+                    <a:latin typeface="Calibri" panose="020F0502020204030204" pitchFamily="34" charset="0"/>
+                    <a:cs typeface="Calibri" panose="020F0502020204030204" pitchFamily="34" charset="0"/>
+                  </a:rPr>
                   <a:t>:</a:t>
                 </a:r>
-                <a:endParaRPr lang="pl-PL" sz="3200" dirty="0"/>
+                <a:endParaRPr lang="pl-PL" sz="3200" dirty="0">
+                  <a:latin typeface="Calibri" panose="020F0502020204030204" pitchFamily="34" charset="0"/>
+                  <a:cs typeface="Calibri" panose="020F0502020204030204" pitchFamily="34" charset="0"/>
+                </a:endParaRPr>
               </a:p>
             </p:txBody>
           </p:sp>
         </mc:Choice>
-        <mc:Fallback xmlns="">
+        <mc:Fallback>
           <p:sp>
             <p:nvSpPr>
               <p:cNvPr id="2" name="Tytuł 1"/>
@@ -19733,7 +14417,7 @@
               <a:blipFill>
                 <a:blip r:embed="rId2"/>
                 <a:stretch>
-                  <a:fillRect l="-1558" t="-13684" b="-34737"/>
+                  <a:fillRect l="-1558" t="-12632" b="-35789"/>
                 </a:stretch>
               </a:blipFill>
             </p:spPr>
@@ -19752,8 +14436,8 @@
           </p:sp>
         </mc:Fallback>
       </mc:AlternateContent>
-      <mc:AlternateContent xmlns:mc="http://schemas.openxmlformats.org/markup-compatibility/2006" xmlns:a14="http://schemas.microsoft.com/office/drawing/2010/main">
-        <mc:Choice Requires="a14">
+      <mc:AlternateContent xmlns:mc="http://schemas.openxmlformats.org/markup-compatibility/2006">
+        <mc:Choice xmlns:a14="http://schemas.microsoft.com/office/drawing/2010/main" Requires="a14">
           <p:sp>
             <p:nvSpPr>
               <p:cNvPr id="3" name="Symbol zastępczy zawartości 2"/>
@@ -19777,7 +14461,10 @@
               <a:lstStyle/>
               <a:p>
                 <a:r>
-                  <a:rPr lang="pl-PL" sz="2400" dirty="0" smtClean="0"/>
+                  <a:rPr lang="pl-PL" sz="2400" dirty="0" smtClean="0">
+                    <a:latin typeface="Calibri" panose="020F0502020204030204" pitchFamily="34" charset="0"/>
+                    <a:cs typeface="Calibri" panose="020F0502020204030204" pitchFamily="34" charset="0"/>
+                  </a:rPr>
                   <a:t>Odwrotna metoda potęgowa zakłada, że macierz </a:t>
                 </a:r>
                 <a14:m>
@@ -19791,11 +14478,17 @@
                   </m:oMath>
                 </a14:m>
                 <a:r>
-                  <a:rPr lang="pl-PL" sz="2400" dirty="0" smtClean="0"/>
+                  <a:rPr lang="pl-PL" sz="2400" dirty="0" smtClean="0">
+                    <a:latin typeface="Calibri" panose="020F0502020204030204" pitchFamily="34" charset="0"/>
+                    <a:cs typeface="Calibri" panose="020F0502020204030204" pitchFamily="34" charset="0"/>
+                  </a:rPr>
                   <a:t> jest nieosobliwa, </a:t>
                 </a:r>
                 <a:r>
-                  <a:rPr lang="pl-PL" sz="2400" dirty="0"/>
+                  <a:rPr lang="pl-PL" sz="2400" dirty="0">
+                    <a:latin typeface="Calibri" panose="020F0502020204030204" pitchFamily="34" charset="0"/>
+                    <a:cs typeface="Calibri" panose="020F0502020204030204" pitchFamily="34" charset="0"/>
+                  </a:rPr>
                   <a:t>czyli </a:t>
                 </a:r>
                 <a14:m>
@@ -19849,13 +14542,19 @@
                   </m:oMath>
                 </a14:m>
                 <a:r>
-                  <a:rPr lang="pl-PL" sz="2400" dirty="0"/>
+                  <a:rPr lang="pl-PL" sz="2400" dirty="0">
+                    <a:latin typeface="Calibri" panose="020F0502020204030204" pitchFamily="34" charset="0"/>
+                    <a:cs typeface="Calibri" panose="020F0502020204030204" pitchFamily="34" charset="0"/>
+                  </a:rPr>
                   <a:t>.</a:t>
                 </a:r>
               </a:p>
               <a:p>
                 <a:r>
-                  <a:rPr lang="pl-PL" sz="2400" dirty="0" smtClean="0"/>
+                  <a:rPr lang="pl-PL" sz="2400" dirty="0" smtClean="0">
+                    <a:latin typeface="Calibri" panose="020F0502020204030204" pitchFamily="34" charset="0"/>
+                    <a:cs typeface="Calibri" panose="020F0502020204030204" pitchFamily="34" charset="0"/>
+                  </a:rPr>
                   <a:t>Dzięki temu założeniu, do rozwiązywania układów równań możemy wykorzystać rozkład </a:t>
                 </a:r>
                 <a14:m>
@@ -19869,7 +14568,10 @@
                   </m:oMath>
                 </a14:m>
                 <a:r>
-                  <a:rPr lang="pl-PL" sz="2400" dirty="0" smtClean="0"/>
+                  <a:rPr lang="pl-PL" sz="2400" dirty="0" smtClean="0">
+                    <a:latin typeface="Calibri" panose="020F0502020204030204" pitchFamily="34" charset="0"/>
+                    <a:cs typeface="Calibri" panose="020F0502020204030204" pitchFamily="34" charset="0"/>
+                  </a:rPr>
                   <a:t> oparty na </a:t>
                 </a:r>
                 <a14:m>
@@ -19883,13 +14585,19 @@
                   </m:oMath>
                 </a14:m>
                 <a:r>
-                  <a:rPr lang="pl-PL" sz="2400" dirty="0" smtClean="0"/>
+                  <a:rPr lang="pl-PL" sz="2400" dirty="0" smtClean="0">
+                    <a:latin typeface="Calibri" panose="020F0502020204030204" pitchFamily="34" charset="0"/>
+                    <a:cs typeface="Calibri" panose="020F0502020204030204" pitchFamily="34" charset="0"/>
+                  </a:rPr>
                   <a:t>.</a:t>
                 </a:r>
               </a:p>
               <a:p>
                 <a:r>
-                  <a:rPr lang="pl-PL" sz="2400" dirty="0" smtClean="0"/>
+                  <a:rPr lang="pl-PL" sz="2400" dirty="0" smtClean="0">
+                    <a:latin typeface="Calibri" panose="020F0502020204030204" pitchFamily="34" charset="0"/>
+                    <a:cs typeface="Calibri" panose="020F0502020204030204" pitchFamily="34" charset="0"/>
+                  </a:rPr>
                   <a:t>Koszt rozkładu </a:t>
                 </a:r>
                 <a14:m>
@@ -19903,7 +14611,10 @@
                   </m:oMath>
                 </a14:m>
                 <a:r>
-                  <a:rPr lang="pl-PL" sz="2400" dirty="0" smtClean="0"/>
+                  <a:rPr lang="pl-PL" sz="2400" dirty="0" smtClean="0">
+                    <a:latin typeface="Calibri" panose="020F0502020204030204" pitchFamily="34" charset="0"/>
+                    <a:cs typeface="Calibri" panose="020F0502020204030204" pitchFamily="34" charset="0"/>
+                  </a:rPr>
                   <a:t> to </a:t>
                 </a:r>
                 <a14:m>
@@ -19954,13 +14665,19 @@
                   </m:oMath>
                 </a14:m>
                 <a:r>
-                  <a:rPr lang="pl-PL" sz="2400" dirty="0" smtClean="0"/>
+                  <a:rPr lang="pl-PL" sz="2400" dirty="0" smtClean="0">
+                    <a:latin typeface="Calibri" panose="020F0502020204030204" pitchFamily="34" charset="0"/>
+                    <a:cs typeface="Calibri" panose="020F0502020204030204" pitchFamily="34" charset="0"/>
+                  </a:rPr>
                   <a:t> operacji arytmetycznych.</a:t>
                 </a:r>
               </a:p>
               <a:p>
                 <a:r>
-                  <a:rPr lang="pl-PL" sz="2400" dirty="0" smtClean="0"/>
+                  <a:rPr lang="pl-PL" sz="2400" dirty="0" smtClean="0">
+                    <a:latin typeface="Calibri" panose="020F0502020204030204" pitchFamily="34" charset="0"/>
+                    <a:cs typeface="Calibri" panose="020F0502020204030204" pitchFamily="34" charset="0"/>
+                  </a:rPr>
                   <a:t>Dzięki temu, rozwiązanie pojedynczego układu równań wymaga </a:t>
                 </a:r>
                 <a14:m>
@@ -20011,15 +14728,21 @@
                   </m:oMath>
                 </a14:m>
                 <a:r>
-                  <a:rPr lang="pl-PL" sz="2400" dirty="0" smtClean="0"/>
+                  <a:rPr lang="pl-PL" sz="2400" dirty="0" smtClean="0">
+                    <a:latin typeface="Calibri" panose="020F0502020204030204" pitchFamily="34" charset="0"/>
+                    <a:cs typeface="Calibri" panose="020F0502020204030204" pitchFamily="34" charset="0"/>
+                  </a:rPr>
                   <a:t> operacji arytmetycznych. </a:t>
                 </a:r>
-                <a:endParaRPr lang="pl-PL" sz="2400" dirty="0"/>
+                <a:endParaRPr lang="pl-PL" sz="2400" dirty="0">
+                  <a:latin typeface="Calibri" panose="020F0502020204030204" pitchFamily="34" charset="0"/>
+                  <a:cs typeface="Calibri" panose="020F0502020204030204" pitchFamily="34" charset="0"/>
+                </a:endParaRPr>
               </a:p>
             </p:txBody>
           </p:sp>
         </mc:Choice>
-        <mc:Fallback xmlns="">
+        <mc:Fallback>
           <p:sp>
             <p:nvSpPr>
               <p:cNvPr id="3" name="Symbol zastępczy zawartości 2"/>
@@ -20038,7 +14761,7 @@
               <a:blipFill>
                 <a:blip r:embed="rId3"/>
                 <a:stretch>
-                  <a:fillRect l="-810" t="-2539" r="-436"/>
+                  <a:fillRect l="-810" t="-2734"/>
                 </a:stretch>
               </a:blipFill>
             </p:spPr>
@@ -20106,8 +14829,8 @@
           <a:chExt cx="0" cy="0"/>
         </a:xfrm>
       </p:grpSpPr>
-      <mc:AlternateContent xmlns:mc="http://schemas.openxmlformats.org/markup-compatibility/2006" xmlns:a14="http://schemas.microsoft.com/office/drawing/2010/main">
-        <mc:Choice Requires="a14">
+      <mc:AlternateContent xmlns:mc="http://schemas.openxmlformats.org/markup-compatibility/2006">
+        <mc:Choice xmlns:a14="http://schemas.microsoft.com/office/drawing/2010/main" Requires="a14">
           <p:sp>
             <p:nvSpPr>
               <p:cNvPr id="2" name="Tytuł 1"/>
@@ -20131,7 +14854,10 @@
               <a:lstStyle/>
               <a:p>
                 <a:r>
-                  <a:rPr lang="pl-PL" sz="2400" dirty="0" smtClean="0"/>
+                  <a:rPr lang="pl-PL" sz="2400" dirty="0" smtClean="0">
+                    <a:latin typeface="Calibri" panose="020F0502020204030204" pitchFamily="34" charset="0"/>
+                    <a:cs typeface="Calibri" panose="020F0502020204030204" pitchFamily="34" charset="0"/>
+                  </a:rPr>
                   <a:t>Porównanie czasu obliczeniowego dla macierzy o rozmiarze </a:t>
                 </a:r>
                 <a14:m>
@@ -20158,15 +14884,21 @@
                   </m:oMath>
                 </a14:m>
                 <a:r>
-                  <a:rPr lang="pl-PL" sz="2400" dirty="0" smtClean="0"/>
+                  <a:rPr lang="pl-PL" sz="2400" dirty="0" smtClean="0">
+                    <a:latin typeface="Calibri" panose="020F0502020204030204" pitchFamily="34" charset="0"/>
+                    <a:cs typeface="Calibri" panose="020F0502020204030204" pitchFamily="34" charset="0"/>
+                  </a:rPr>
                   <a:t>:</a:t>
                 </a:r>
-                <a:endParaRPr lang="pl-PL" sz="2400" dirty="0"/>
+                <a:endParaRPr lang="pl-PL" sz="2400" dirty="0">
+                  <a:latin typeface="Calibri" panose="020F0502020204030204" pitchFamily="34" charset="0"/>
+                  <a:cs typeface="Calibri" panose="020F0502020204030204" pitchFamily="34" charset="0"/>
+                </a:endParaRPr>
               </a:p>
             </p:txBody>
           </p:sp>
         </mc:Choice>
-        <mc:Fallback xmlns="">
+        <mc:Fallback>
           <p:sp>
             <p:nvSpPr>
               <p:cNvPr id="2" name="Tytuł 1"/>
@@ -20185,7 +14917,7 @@
               <a:blipFill>
                 <a:blip r:embed="rId2"/>
                 <a:stretch>
-                  <a:fillRect l="-988" b="-16667"/>
+                  <a:fillRect l="-988" b="-15972"/>
                 </a:stretch>
               </a:blipFill>
             </p:spPr>
@@ -20259,16 +14991,11 @@
               <a:lstStyle/>
               <a:p>
                 <a:r>
-                  <a:rPr lang="pl-PL" sz="1200" dirty="0" smtClean="0"/>
-                  <a:t>Wykres przedstawia czas wykonania </a:t>
-                </a:r>
-                <a:r>
-                  <a:rPr lang="pl-PL" sz="1200" dirty="0" smtClean="0"/>
-                  <a:t>odwrotnej metody </a:t>
-                </a:r>
-                <a:r>
-                  <a:rPr lang="pl-PL" sz="1200" dirty="0" smtClean="0"/>
-                  <a:t>potęgowej dla macierzy o rozmiarze </a:t>
+                  <a:rPr lang="pl-PL" sz="1200" dirty="0" smtClean="0">
+                    <a:latin typeface="Calibri" panose="020F0502020204030204" pitchFamily="34" charset="0"/>
+                    <a:cs typeface="Calibri" panose="020F0502020204030204" pitchFamily="34" charset="0"/>
+                  </a:rPr>
+                  <a:t>Wykres przedstawia czas wykonania odwrotnej metody potęgowej dla macierzy o rozmiarze </a:t>
                 </a:r>
                 <a14:m>
                   <m:oMath xmlns:m="http://schemas.openxmlformats.org/officeDocument/2006/math">
@@ -20294,7 +15021,10 @@
                   </m:oMath>
                 </a14:m>
                 <a:r>
-                  <a:rPr lang="pl-PL" sz="1200" dirty="0" smtClean="0"/>
+                  <a:rPr lang="pl-PL" sz="1200" dirty="0" smtClean="0">
+                    <a:latin typeface="Calibri" panose="020F0502020204030204" pitchFamily="34" charset="0"/>
+                    <a:cs typeface="Calibri" panose="020F0502020204030204" pitchFamily="34" charset="0"/>
+                  </a:rPr>
                   <a:t> w funkcji zadanej liczby iteracji </a:t>
                 </a:r>
                 <a14:m>
@@ -20308,10 +15038,16 @@
                   </m:oMath>
                 </a14:m>
                 <a:r>
-                  <a:rPr lang="pl-PL" sz="1200" dirty="0" smtClean="0"/>
+                  <a:rPr lang="pl-PL" sz="1200" dirty="0" smtClean="0">
+                    <a:latin typeface="Calibri" panose="020F0502020204030204" pitchFamily="34" charset="0"/>
+                    <a:cs typeface="Calibri" panose="020F0502020204030204" pitchFamily="34" charset="0"/>
+                  </a:rPr>
                   <a:t>.</a:t>
                 </a:r>
-                <a:endParaRPr lang="pl-PL" sz="1200" dirty="0"/>
+                <a:endParaRPr lang="pl-PL" sz="1200" dirty="0">
+                  <a:latin typeface="Calibri" panose="020F0502020204030204" pitchFamily="34" charset="0"/>
+                  <a:cs typeface="Calibri" panose="020F0502020204030204" pitchFamily="34" charset="0"/>
+                </a:endParaRPr>
               </a:p>
             </p:txBody>
           </p:sp>
@@ -20336,7 +15072,7 @@
               <a:blipFill>
                 <a:blip r:embed="rId4"/>
                 <a:stretch>
-                  <a:fillRect l="-76" t="-1316" b="-7895"/>
+                  <a:fillRect l="-76" b="-9211"/>
                 </a:stretch>
               </a:blipFill>
             </p:spPr>
@@ -20404,8 +15140,8 @@
           <a:chExt cx="0" cy="0"/>
         </a:xfrm>
       </p:grpSpPr>
-      <mc:AlternateContent xmlns:mc="http://schemas.openxmlformats.org/markup-compatibility/2006" xmlns:a14="http://schemas.microsoft.com/office/drawing/2010/main">
-        <mc:Choice Requires="a14">
+      <mc:AlternateContent xmlns:mc="http://schemas.openxmlformats.org/markup-compatibility/2006">
+        <mc:Choice xmlns:a14="http://schemas.microsoft.com/office/drawing/2010/main" Requires="a14">
           <p:sp>
             <p:nvSpPr>
               <p:cNvPr id="2" name="Tytuł 1"/>
@@ -20429,7 +15165,10 @@
               <a:lstStyle/>
               <a:p>
                 <a:r>
-                  <a:rPr lang="pl-PL" sz="2400" dirty="0" smtClean="0"/>
+                  <a:rPr lang="pl-PL" sz="2400" dirty="0" smtClean="0">
+                    <a:latin typeface="Calibri" panose="020F0502020204030204" pitchFamily="34" charset="0"/>
+                    <a:cs typeface="Calibri" panose="020F0502020204030204" pitchFamily="34" charset="0"/>
+                  </a:rPr>
                   <a:t>Porównanie dokładności rozwiązań poprzez obliczanie normy </a:t>
                 </a:r>
                 <a14:m>
@@ -20468,15 +15207,21 @@
                   </m:oMath>
                 </a14:m>
                 <a:r>
-                  <a:rPr lang="pl-PL" sz="2400" dirty="0" smtClean="0"/>
+                  <a:rPr lang="pl-PL" sz="2400" dirty="0" smtClean="0">
+                    <a:latin typeface="Calibri" panose="020F0502020204030204" pitchFamily="34" charset="0"/>
+                    <a:cs typeface="Calibri" panose="020F0502020204030204" pitchFamily="34" charset="0"/>
+                  </a:rPr>
                   <a:t>:</a:t>
                 </a:r>
-                <a:endParaRPr lang="pl-PL" sz="2400" dirty="0"/>
+                <a:endParaRPr lang="pl-PL" sz="2400" dirty="0">
+                  <a:latin typeface="Calibri" panose="020F0502020204030204" pitchFamily="34" charset="0"/>
+                  <a:cs typeface="Calibri" panose="020F0502020204030204" pitchFamily="34" charset="0"/>
+                </a:endParaRPr>
               </a:p>
             </p:txBody>
           </p:sp>
         </mc:Choice>
-        <mc:Fallback xmlns="">
+        <mc:Fallback>
           <p:sp>
             <p:nvSpPr>
               <p:cNvPr id="2" name="Tytuł 1"/>
@@ -20495,7 +15240,7 @@
               <a:blipFill>
                 <a:blip r:embed="rId2"/>
                 <a:stretch>
-                  <a:fillRect l="-910" b="-28571"/>
+                  <a:fillRect l="-910" b="-27381"/>
                 </a:stretch>
               </a:blipFill>
             </p:spPr>
@@ -20544,8 +15289,8 @@
           </a:prstGeom>
         </p:spPr>
       </p:pic>
-      <mc:AlternateContent xmlns:mc="http://schemas.openxmlformats.org/markup-compatibility/2006" xmlns:a14="http://schemas.microsoft.com/office/drawing/2010/main">
-        <mc:Choice Requires="a14">
+      <mc:AlternateContent xmlns:mc="http://schemas.openxmlformats.org/markup-compatibility/2006">
+        <mc:Choice xmlns:a14="http://schemas.microsoft.com/office/drawing/2010/main" Requires="a14">
           <p:sp>
             <p:nvSpPr>
               <p:cNvPr id="4" name="pole tekstowe 3"/>
@@ -20569,7 +15314,10 @@
               <a:lstStyle/>
               <a:p>
                 <a:r>
-                  <a:rPr lang="pl-PL" sz="1200" dirty="0" smtClean="0"/>
+                  <a:rPr lang="pl-PL" sz="1200" dirty="0" smtClean="0">
+                    <a:latin typeface="Calibri" panose="020F0502020204030204" pitchFamily="34" charset="0"/>
+                    <a:cs typeface="Calibri" panose="020F0502020204030204" pitchFamily="34" charset="0"/>
+                  </a:rPr>
                   <a:t>Wykres przedstawia wartość normy </a:t>
                 </a:r>
                 <a14:m>
@@ -20608,7 +15356,10 @@
                   </m:oMath>
                 </a14:m>
                 <a:r>
-                  <a:rPr lang="pl-PL" sz="1200" dirty="0" smtClean="0"/>
+                  <a:rPr lang="pl-PL" sz="1200" dirty="0" smtClean="0">
+                    <a:latin typeface="Calibri" panose="020F0502020204030204" pitchFamily="34" charset="0"/>
+                    <a:cs typeface="Calibri" panose="020F0502020204030204" pitchFamily="34" charset="0"/>
+                  </a:rPr>
                   <a:t> w funkcji rozmiaru </a:t>
                 </a:r>
                 <a14:m>
@@ -20628,7 +15379,10 @@
                   </m:oMath>
                 </a14:m>
                 <a:r>
-                  <a:rPr lang="pl-PL" sz="1200" dirty="0" smtClean="0"/>
+                  <a:rPr lang="pl-PL" sz="1200" dirty="0" smtClean="0">
+                    <a:latin typeface="Calibri" panose="020F0502020204030204" pitchFamily="34" charset="0"/>
+                    <a:cs typeface="Calibri" panose="020F0502020204030204" pitchFamily="34" charset="0"/>
+                  </a:rPr>
                   <a:t>macierzy układu dla rozkładu </a:t>
                 </a:r>
                 <a14:m>
@@ -20642,23 +15396,35 @@
                   </m:oMath>
                 </a14:m>
                 <a:r>
-                  <a:rPr lang="pl-PL" sz="1200" dirty="0" smtClean="0"/>
+                  <a:rPr lang="pl-PL" sz="1200" dirty="0" smtClean="0">
+                    <a:latin typeface="Calibri" panose="020F0502020204030204" pitchFamily="34" charset="0"/>
+                    <a:cs typeface="Calibri" panose="020F0502020204030204" pitchFamily="34" charset="0"/>
+                  </a:rPr>
                   <a:t> i transformacji </a:t>
                 </a:r>
                 <a:r>
-                  <a:rPr lang="pl-PL" sz="1200" dirty="0" err="1" smtClean="0"/>
+                  <a:rPr lang="pl-PL" sz="1200" dirty="0" err="1" smtClean="0">
+                    <a:latin typeface="Calibri" panose="020F0502020204030204" pitchFamily="34" charset="0"/>
+                    <a:cs typeface="Calibri" panose="020F0502020204030204" pitchFamily="34" charset="0"/>
+                  </a:rPr>
                   <a:t>Householdera</a:t>
                 </a:r>
                 <a:r>
-                  <a:rPr lang="pl-PL" sz="1200" dirty="0" smtClean="0"/>
+                  <a:rPr lang="pl-PL" sz="1200" dirty="0" smtClean="0">
+                    <a:latin typeface="Calibri" panose="020F0502020204030204" pitchFamily="34" charset="0"/>
+                    <a:cs typeface="Calibri" panose="020F0502020204030204" pitchFamily="34" charset="0"/>
+                  </a:rPr>
                   <a:t>.</a:t>
                 </a:r>
-                <a:endParaRPr lang="pl-PL" sz="1200" dirty="0"/>
+                <a:endParaRPr lang="pl-PL" sz="1200" dirty="0">
+                  <a:latin typeface="Calibri" panose="020F0502020204030204" pitchFamily="34" charset="0"/>
+                  <a:cs typeface="Calibri" panose="020F0502020204030204" pitchFamily="34" charset="0"/>
+                </a:endParaRPr>
               </a:p>
             </p:txBody>
           </p:sp>
         </mc:Choice>
-        <mc:Fallback xmlns="">
+        <mc:Fallback>
           <p:sp>
             <p:nvSpPr>
               <p:cNvPr id="4" name="pole tekstowe 3"/>
@@ -20678,7 +15444,7 @@
               <a:blipFill>
                 <a:blip r:embed="rId4"/>
                 <a:stretch>
-                  <a:fillRect l="-88" t="-2632" b="-7895"/>
+                  <a:fillRect l="-88" t="-1316" b="-9211"/>
                 </a:stretch>
               </a:blipFill>
             </p:spPr>
@@ -20756,16 +15522,27 @@
             <p:ph type="title"/>
           </p:nvPr>
         </p:nvSpPr>
-        <p:spPr/>
+        <p:spPr>
+          <a:xfrm>
+            <a:off x="1593436" y="764704"/>
+            <a:ext cx="9782801" cy="652933"/>
+          </a:xfrm>
+        </p:spPr>
         <p:txBody>
           <a:bodyPr/>
           <a:lstStyle/>
           <a:p>
             <a:r>
-              <a:rPr lang="pl-PL" dirty="0" smtClean="0"/>
+              <a:rPr lang="pl-PL" dirty="0" smtClean="0">
+                <a:latin typeface="Calibri" panose="020F0502020204030204" pitchFamily="34" charset="0"/>
+                <a:cs typeface="Calibri" panose="020F0502020204030204" pitchFamily="34" charset="0"/>
+              </a:rPr>
               <a:t>Wnioski:</a:t>
             </a:r>
-            <a:endParaRPr lang="pl-PL" dirty="0"/>
+            <a:endParaRPr lang="pl-PL" dirty="0">
+              <a:latin typeface="Calibri" panose="020F0502020204030204" pitchFamily="34" charset="0"/>
+              <a:cs typeface="Calibri" panose="020F0502020204030204" pitchFamily="34" charset="0"/>
+            </a:endParaRPr>
           </a:p>
         </p:txBody>
       </p:sp>
@@ -20794,35 +15571,56 @@
               <a:lstStyle/>
               <a:p>
                 <a:r>
-                  <a:rPr lang="pl-PL" sz="2400" dirty="0" smtClean="0"/>
+                  <a:rPr lang="pl-PL" sz="2400" dirty="0" smtClean="0">
+                    <a:latin typeface="Calibri" panose="020F0502020204030204" pitchFamily="34" charset="0"/>
+                    <a:cs typeface="Calibri" panose="020F0502020204030204" pitchFamily="34" charset="0"/>
+                  </a:rPr>
                   <a:t>Implementacja rozkładu LU była dla mnie znacząco prostsza niż implementacja transformacji </a:t>
                 </a:r>
                 <a:r>
-                  <a:rPr lang="pl-PL" sz="2400" dirty="0" err="1" smtClean="0"/>
+                  <a:rPr lang="pl-PL" sz="2400" dirty="0" err="1" smtClean="0">
+                    <a:latin typeface="Calibri" panose="020F0502020204030204" pitchFamily="34" charset="0"/>
+                    <a:cs typeface="Calibri" panose="020F0502020204030204" pitchFamily="34" charset="0"/>
+                  </a:rPr>
                   <a:t>Householdera</a:t>
                 </a:r>
                 <a:r>
-                  <a:rPr lang="pl-PL" sz="2400" dirty="0" smtClean="0"/>
+                  <a:rPr lang="pl-PL" sz="2400" dirty="0" smtClean="0">
+                    <a:latin typeface="Calibri" panose="020F0502020204030204" pitchFamily="34" charset="0"/>
+                    <a:cs typeface="Calibri" panose="020F0502020204030204" pitchFamily="34" charset="0"/>
+                  </a:rPr>
                   <a:t>.</a:t>
                 </a:r>
               </a:p>
               <a:p>
                 <a:r>
-                  <a:rPr lang="pl-PL" sz="2400" dirty="0" smtClean="0"/>
+                  <a:rPr lang="pl-PL" sz="2400" dirty="0" smtClean="0">
+                    <a:latin typeface="Calibri" panose="020F0502020204030204" pitchFamily="34" charset="0"/>
+                    <a:cs typeface="Calibri" panose="020F0502020204030204" pitchFamily="34" charset="0"/>
+                  </a:rPr>
                   <a:t>Czas obliczeniowy dla rozkład LU jest średnio dwukrotnie krótszy niż czas obliczeniowy transformacji </a:t>
                 </a:r>
                 <a:r>
-                  <a:rPr lang="pl-PL" sz="2400" dirty="0" err="1" smtClean="0"/>
+                  <a:rPr lang="pl-PL" sz="2400" dirty="0" err="1" smtClean="0">
+                    <a:latin typeface="Calibri" panose="020F0502020204030204" pitchFamily="34" charset="0"/>
+                    <a:cs typeface="Calibri" panose="020F0502020204030204" pitchFamily="34" charset="0"/>
+                  </a:rPr>
                   <a:t>Householdera</a:t>
                 </a:r>
                 <a:r>
-                  <a:rPr lang="pl-PL" sz="2400" dirty="0" smtClean="0"/>
+                  <a:rPr lang="pl-PL" sz="2400" dirty="0" smtClean="0">
+                    <a:latin typeface="Calibri" panose="020F0502020204030204" pitchFamily="34" charset="0"/>
+                    <a:cs typeface="Calibri" panose="020F0502020204030204" pitchFamily="34" charset="0"/>
+                  </a:rPr>
                   <a:t>.</a:t>
                 </a:r>
               </a:p>
               <a:p>
                 <a:r>
-                  <a:rPr lang="pl-PL" sz="2400" dirty="0" smtClean="0"/>
+                  <a:rPr lang="pl-PL" sz="2400" dirty="0" smtClean="0">
+                    <a:latin typeface="Calibri" panose="020F0502020204030204" pitchFamily="34" charset="0"/>
+                    <a:cs typeface="Calibri" panose="020F0502020204030204" pitchFamily="34" charset="0"/>
+                  </a:rPr>
                   <a:t>Rozkład LU wydaje się dawać średnio mniejszy błąd w postaci normy </a:t>
                 </a:r>
                 <a14:m>
@@ -20861,10 +15659,16 @@
                   </m:oMath>
                 </a14:m>
                 <a:r>
-                  <a:rPr lang="pl-PL" sz="2400" dirty="0" smtClean="0"/>
+                  <a:rPr lang="pl-PL" sz="2400" dirty="0" smtClean="0">
+                    <a:latin typeface="Calibri" panose="020F0502020204030204" pitchFamily="34" charset="0"/>
+                    <a:cs typeface="Calibri" panose="020F0502020204030204" pitchFamily="34" charset="0"/>
+                  </a:rPr>
                   <a:t>.</a:t>
                 </a:r>
-                <a:endParaRPr lang="pl-PL" sz="2400" dirty="0"/>
+                <a:endParaRPr lang="pl-PL" sz="2400" dirty="0">
+                  <a:latin typeface="Calibri" panose="020F0502020204030204" pitchFamily="34" charset="0"/>
+                  <a:cs typeface="Calibri" panose="020F0502020204030204" pitchFamily="34" charset="0"/>
+                </a:endParaRPr>
               </a:p>
             </p:txBody>
           </p:sp>
@@ -20888,7 +15692,7 @@
               <a:blipFill>
                 <a:blip r:embed="rId2"/>
                 <a:stretch>
-                  <a:fillRect l="-810" t="-3030" r="-1059"/>
+                  <a:fillRect l="-810" t="-3263"/>
                 </a:stretch>
               </a:blipFill>
             </p:spPr>
@@ -20970,10 +15774,16 @@
           <a:lstStyle/>
           <a:p>
             <a:r>
-              <a:rPr lang="pl-PL" sz="4000" dirty="0" smtClean="0"/>
+              <a:rPr lang="pl-PL" sz="4000" dirty="0" smtClean="0">
+                <a:latin typeface="Calibri" panose="020F0502020204030204" pitchFamily="34" charset="0"/>
+                <a:cs typeface="Calibri" panose="020F0502020204030204" pitchFamily="34" charset="0"/>
+              </a:rPr>
               <a:t>Idea zaimplementowanych metod numerycznych</a:t>
             </a:r>
-            <a:endParaRPr lang="pl-PL" sz="4000" dirty="0"/>
+            <a:endParaRPr lang="pl-PL" sz="4000" dirty="0">
+              <a:latin typeface="Calibri" panose="020F0502020204030204" pitchFamily="34" charset="0"/>
+              <a:cs typeface="Calibri" panose="020F0502020204030204" pitchFamily="34" charset="0"/>
+            </a:endParaRPr>
           </a:p>
         </p:txBody>
       </p:sp>
@@ -21049,10 +15859,16 @@
           <a:lstStyle/>
           <a:p>
             <a:r>
-              <a:rPr lang="pl-PL" sz="4000" dirty="0" smtClean="0"/>
+              <a:rPr lang="pl-PL" sz="4000" dirty="0" smtClean="0">
+                <a:latin typeface="Calibri" panose="020F0502020204030204" pitchFamily="34" charset="0"/>
+                <a:cs typeface="Calibri" panose="020F0502020204030204" pitchFamily="34" charset="0"/>
+              </a:rPr>
               <a:t>Metoda Potęgowa</a:t>
             </a:r>
-            <a:endParaRPr lang="pl-PL" sz="4000" dirty="0"/>
+            <a:endParaRPr lang="pl-PL" sz="4000" dirty="0">
+              <a:latin typeface="Calibri" panose="020F0502020204030204" pitchFamily="34" charset="0"/>
+              <a:cs typeface="Calibri" panose="020F0502020204030204" pitchFamily="34" charset="0"/>
+            </a:endParaRPr>
           </a:p>
         </p:txBody>
       </p:sp>
@@ -21105,8 +15921,8 @@
           <a:chExt cx="0" cy="0"/>
         </a:xfrm>
       </p:grpSpPr>
-      <mc:AlternateContent xmlns:mc="http://schemas.openxmlformats.org/markup-compatibility/2006" xmlns:a14="http://schemas.microsoft.com/office/drawing/2010/main">
-        <mc:Choice Requires="a14">
+      <mc:AlternateContent xmlns:mc="http://schemas.openxmlformats.org/markup-compatibility/2006">
+        <mc:Choice xmlns:a14="http://schemas.microsoft.com/office/drawing/2010/main" Requires="a14">
           <p:sp>
             <p:nvSpPr>
               <p:cNvPr id="3" name="Symbol zastępczy zawartości 2"/>
@@ -21130,7 +15946,10 @@
               <a:lstStyle/>
               <a:p>
                 <a:r>
-                  <a:rPr lang="pl-PL" sz="2400" dirty="0" smtClean="0"/>
+                  <a:rPr lang="pl-PL" sz="2400" dirty="0" smtClean="0">
+                    <a:latin typeface="Calibri" panose="020F0502020204030204" pitchFamily="34" charset="0"/>
+                    <a:cs typeface="Calibri" panose="020F0502020204030204" pitchFamily="34" charset="0"/>
+                  </a:rPr>
                   <a:t>Macierz </a:t>
                 </a:r>
                 <a14:m>
@@ -21146,7 +15965,10 @@
                   </m:oMath>
                 </a14:m>
                 <a:r>
-                  <a:rPr lang="pl-PL" sz="2400" dirty="0" smtClean="0"/>
+                  <a:rPr lang="pl-PL" sz="2400" dirty="0" smtClean="0">
+                    <a:latin typeface="Calibri" panose="020F0502020204030204" pitchFamily="34" charset="0"/>
+                    <a:cs typeface="Calibri" panose="020F0502020204030204" pitchFamily="34" charset="0"/>
+                  </a:rPr>
                   <a:t> posiada dominującą wartość własną </a:t>
                 </a:r>
                 <a14:m>
@@ -21185,7 +16007,10 @@
                   </m:oMath>
                 </a14:m>
                 <a:r>
-                  <a:rPr lang="pl-PL" sz="2400" dirty="0" smtClean="0"/>
+                  <a:rPr lang="pl-PL" sz="2400" dirty="0" smtClean="0">
+                    <a:latin typeface="Calibri" panose="020F0502020204030204" pitchFamily="34" charset="0"/>
+                    <a:cs typeface="Calibri" panose="020F0502020204030204" pitchFamily="34" charset="0"/>
+                  </a:rPr>
                   <a:t>, czyli </a:t>
                 </a:r>
                 <a14:m>
@@ -21347,13 +16172,19 @@
                   </m:oMath>
                 </a14:m>
                 <a:r>
-                  <a:rPr lang="pl-PL" sz="2400" dirty="0" smtClean="0"/>
+                  <a:rPr lang="pl-PL" sz="2400" dirty="0" smtClean="0">
+                    <a:latin typeface="Calibri" panose="020F0502020204030204" pitchFamily="34" charset="0"/>
+                    <a:cs typeface="Calibri" panose="020F0502020204030204" pitchFamily="34" charset="0"/>
+                  </a:rPr>
                   <a:t>.</a:t>
                 </a:r>
               </a:p>
               <a:p>
                 <a:r>
-                  <a:rPr lang="pl-PL" sz="2400" dirty="0"/>
+                  <a:rPr lang="pl-PL" sz="2400" dirty="0">
+                    <a:latin typeface="Calibri" panose="020F0502020204030204" pitchFamily="34" charset="0"/>
+                    <a:cs typeface="Calibri" panose="020F0502020204030204" pitchFamily="34" charset="0"/>
+                  </a:rPr>
                   <a:t>Macierz </a:t>
                 </a:r>
                 <a14:m>
@@ -21369,7 +16200,10 @@
                   </m:oMath>
                 </a14:m>
                 <a:r>
-                  <a:rPr lang="pl-PL" sz="2400" dirty="0" smtClean="0"/>
+                  <a:rPr lang="pl-PL" sz="2400" dirty="0" smtClean="0">
+                    <a:latin typeface="Calibri" panose="020F0502020204030204" pitchFamily="34" charset="0"/>
+                    <a:cs typeface="Calibri" panose="020F0502020204030204" pitchFamily="34" charset="0"/>
+                  </a:rPr>
                   <a:t> posiada </a:t>
                 </a:r>
                 <a14:m>
@@ -21383,7 +16217,10 @@
                   </m:oMath>
                 </a14:m>
                 <a:r>
-                  <a:rPr lang="pl-PL" sz="2400" dirty="0" smtClean="0"/>
+                  <a:rPr lang="pl-PL" sz="2400" dirty="0" smtClean="0">
+                    <a:latin typeface="Calibri" panose="020F0502020204030204" pitchFamily="34" charset="0"/>
+                    <a:cs typeface="Calibri" panose="020F0502020204030204" pitchFamily="34" charset="0"/>
+                  </a:rPr>
                   <a:t> liniowo niezależnych wektorów własnych </a:t>
                 </a:r>
                 <a14:m>
@@ -21502,13 +16339,19 @@
                   </m:oMath>
                 </a14:m>
                 <a:r>
-                  <a:rPr lang="pl-PL" sz="2400" dirty="0" smtClean="0"/>
+                  <a:rPr lang="pl-PL" sz="2400" dirty="0" smtClean="0">
+                    <a:latin typeface="Calibri" panose="020F0502020204030204" pitchFamily="34" charset="0"/>
+                    <a:cs typeface="Calibri" panose="020F0502020204030204" pitchFamily="34" charset="0"/>
+                  </a:rPr>
                   <a:t>.</a:t>
                 </a:r>
               </a:p>
               <a:p>
                 <a:r>
-                  <a:rPr lang="pl-PL" sz="2400" dirty="0" smtClean="0"/>
+                  <a:rPr lang="pl-PL" sz="2400" dirty="0" smtClean="0">
+                    <a:latin typeface="Calibri" panose="020F0502020204030204" pitchFamily="34" charset="0"/>
+                    <a:cs typeface="Calibri" panose="020F0502020204030204" pitchFamily="34" charset="0"/>
+                  </a:rPr>
                   <a:t>Dla wektora początkowego </a:t>
                 </a:r>
                 <a14:m>
@@ -21705,7 +16548,10 @@
                   </m:oMath>
                 </a14:m>
                 <a:r>
-                  <a:rPr lang="pl-PL" sz="2400" dirty="0" smtClean="0"/>
+                  <a:rPr lang="pl-PL" sz="2400" dirty="0" smtClean="0">
+                    <a:latin typeface="Calibri" panose="020F0502020204030204" pitchFamily="34" charset="0"/>
+                    <a:cs typeface="Calibri" panose="020F0502020204030204" pitchFamily="34" charset="0"/>
+                  </a:rPr>
                   <a:t> zachodzi </a:t>
                 </a:r>
                 <a14:m>
@@ -21770,15 +16616,21 @@
                   </m:oMath>
                 </a14:m>
                 <a:r>
-                  <a:rPr lang="pl-PL" sz="2400" dirty="0" smtClean="0"/>
+                  <a:rPr lang="pl-PL" sz="2400" dirty="0" smtClean="0">
+                    <a:latin typeface="Calibri" panose="020F0502020204030204" pitchFamily="34" charset="0"/>
+                    <a:cs typeface="Calibri" panose="020F0502020204030204" pitchFamily="34" charset="0"/>
+                  </a:rPr>
                   <a:t>.</a:t>
                 </a:r>
-                <a:endParaRPr lang="pl-PL" sz="2400" dirty="0"/>
+                <a:endParaRPr lang="pl-PL" sz="2400" dirty="0">
+                  <a:latin typeface="Calibri" panose="020F0502020204030204" pitchFamily="34" charset="0"/>
+                  <a:cs typeface="Calibri" panose="020F0502020204030204" pitchFamily="34" charset="0"/>
+                </a:endParaRPr>
               </a:p>
             </p:txBody>
           </p:sp>
         </mc:Choice>
-        <mc:Fallback xmlns="">
+        <mc:Fallback>
           <p:sp>
             <p:nvSpPr>
               <p:cNvPr id="3" name="Symbol zastępczy zawartości 2"/>
@@ -21797,7 +16649,7 @@
               <a:blipFill>
                 <a:blip r:embed="rId2"/>
                 <a:stretch>
-                  <a:fillRect l="-995" t="-2796" r="-1378"/>
+                  <a:fillRect l="-995" t="-3011"/>
                 </a:stretch>
               </a:blipFill>
             </p:spPr>
@@ -21839,14 +16691,23 @@
           <a:lstStyle/>
           <a:p>
             <a:r>
-              <a:rPr lang="pl-PL" sz="3200" dirty="0"/>
+              <a:rPr lang="pl-PL" sz="3200" dirty="0">
+                <a:latin typeface="Calibri" panose="020F0502020204030204" pitchFamily="34" charset="0"/>
+                <a:cs typeface="Calibri" panose="020F0502020204030204" pitchFamily="34" charset="0"/>
+              </a:rPr>
               <a:t>Założenia</a:t>
             </a:r>
             <a:r>
-              <a:rPr lang="pl-PL" sz="3200" dirty="0" smtClean="0"/>
+              <a:rPr lang="pl-PL" sz="3200" dirty="0" smtClean="0">
+                <a:latin typeface="Calibri" panose="020F0502020204030204" pitchFamily="34" charset="0"/>
+                <a:cs typeface="Calibri" panose="020F0502020204030204" pitchFamily="34" charset="0"/>
+              </a:rPr>
               <a:t>:</a:t>
             </a:r>
-            <a:endParaRPr lang="pl-PL" sz="3200" dirty="0"/>
+            <a:endParaRPr lang="pl-PL" sz="3200" dirty="0">
+              <a:latin typeface="Calibri" panose="020F0502020204030204" pitchFamily="34" charset="0"/>
+              <a:cs typeface="Calibri" panose="020F0502020204030204" pitchFamily="34" charset="0"/>
+            </a:endParaRPr>
           </a:p>
         </p:txBody>
       </p:sp>
@@ -21922,10 +16783,16 @@
           <a:lstStyle/>
           <a:p>
             <a:r>
-              <a:rPr lang="pl-PL" sz="3200" dirty="0" smtClean="0"/>
+              <a:rPr lang="pl-PL" sz="3200" dirty="0" smtClean="0">
+                <a:latin typeface="Calibri" panose="020F0502020204030204" pitchFamily="34" charset="0"/>
+                <a:cs typeface="Calibri" panose="020F0502020204030204" pitchFamily="34" charset="0"/>
+              </a:rPr>
               <a:t>Krok iteracyjny:</a:t>
             </a:r>
-            <a:endParaRPr lang="pl-PL" sz="3200" dirty="0"/>
+            <a:endParaRPr lang="pl-PL" sz="3200" dirty="0">
+              <a:latin typeface="Calibri" panose="020F0502020204030204" pitchFamily="34" charset="0"/>
+              <a:cs typeface="Calibri" panose="020F0502020204030204" pitchFamily="34" charset="0"/>
+            </a:endParaRPr>
           </a:p>
         </p:txBody>
       </p:sp>
@@ -22931,15 +17798,21 @@
           <a:lstStyle/>
           <a:p>
             <a:r>
-              <a:rPr lang="pl-PL" sz="3200" dirty="0" smtClean="0"/>
+              <a:rPr lang="pl-PL" sz="3200" dirty="0" smtClean="0">
+                <a:latin typeface="Calibri" panose="020F0502020204030204" pitchFamily="34" charset="0"/>
+                <a:cs typeface="Calibri" panose="020F0502020204030204" pitchFamily="34" charset="0"/>
+              </a:rPr>
               <a:t>Warunek stopu:</a:t>
             </a:r>
-            <a:endParaRPr lang="pl-PL" sz="3200" dirty="0"/>
+            <a:endParaRPr lang="pl-PL" sz="3200" dirty="0">
+              <a:latin typeface="Calibri" panose="020F0502020204030204" pitchFamily="34" charset="0"/>
+              <a:cs typeface="Calibri" panose="020F0502020204030204" pitchFamily="34" charset="0"/>
+            </a:endParaRPr>
           </a:p>
         </p:txBody>
       </p:sp>
-      <mc:AlternateContent xmlns:mc="http://schemas.openxmlformats.org/markup-compatibility/2006" xmlns:a14="http://schemas.microsoft.com/office/drawing/2010/main">
-        <mc:Choice Requires="a14">
+      <mc:AlternateContent xmlns:mc="http://schemas.openxmlformats.org/markup-compatibility/2006">
+        <mc:Choice xmlns:a14="http://schemas.microsoft.com/office/drawing/2010/main" Requires="a14">
           <p:sp>
             <p:nvSpPr>
               <p:cNvPr id="3" name="Symbol zastępczy zawartości 2"/>
@@ -23281,18 +18154,27 @@
                     </m:oMath>
                   </m:oMathPara>
                 </a14:m>
-                <a:endParaRPr lang="pl-PL" sz="2400" dirty="0" smtClean="0"/>
+                <a:endParaRPr lang="pl-PL" sz="2400" dirty="0" smtClean="0">
+                  <a:latin typeface="Calibri" panose="020F0502020204030204" pitchFamily="34" charset="0"/>
+                  <a:cs typeface="Calibri" panose="020F0502020204030204" pitchFamily="34" charset="0"/>
+                </a:endParaRPr>
               </a:p>
               <a:p>
                 <a:pPr marL="0" indent="0">
                   <a:buNone/>
                 </a:pPr>
                 <a:r>
-                  <a:rPr lang="pl-PL" sz="2400" dirty="0"/>
+                  <a:rPr lang="pl-PL" sz="2400" dirty="0">
+                    <a:latin typeface="Calibri" panose="020F0502020204030204" pitchFamily="34" charset="0"/>
+                    <a:cs typeface="Calibri" panose="020F0502020204030204" pitchFamily="34" charset="0"/>
+                  </a:rPr>
                   <a:t>g</a:t>
                 </a:r>
                 <a:r>
-                  <a:rPr lang="pl-PL" sz="2400" dirty="0" smtClean="0"/>
+                  <a:rPr lang="pl-PL" sz="2400" dirty="0" smtClean="0">
+                    <a:latin typeface="Calibri" panose="020F0502020204030204" pitchFamily="34" charset="0"/>
+                    <a:cs typeface="Calibri" panose="020F0502020204030204" pitchFamily="34" charset="0"/>
+                  </a:rPr>
                   <a:t>dzie:</a:t>
                 </a:r>
               </a:p>
@@ -23406,7 +18288,10 @@
                     </m:oMath>
                   </m:oMathPara>
                 </a14:m>
-                <a:endParaRPr lang="pl-PL" sz="2400" dirty="0" smtClean="0"/>
+                <a:endParaRPr lang="pl-PL" sz="2400" dirty="0" smtClean="0">
+                  <a:latin typeface="Calibri" panose="020F0502020204030204" pitchFamily="34" charset="0"/>
+                  <a:cs typeface="Calibri" panose="020F0502020204030204" pitchFamily="34" charset="0"/>
+                </a:endParaRPr>
               </a:p>
               <a:p>
                 <a:pPr marL="0" indent="0">
@@ -23473,7 +18358,10 @@
                   </m:oMath>
                 </a14:m>
                 <a:r>
-                  <a:rPr lang="pl-PL" sz="2400" dirty="0" smtClean="0"/>
+                  <a:rPr lang="pl-PL" sz="2400" dirty="0" smtClean="0">
+                    <a:latin typeface="Calibri" panose="020F0502020204030204" pitchFamily="34" charset="0"/>
+                    <a:cs typeface="Calibri" panose="020F0502020204030204" pitchFamily="34" charset="0"/>
+                  </a:rPr>
                   <a:t>	- maksymalna co do modułu współrzędna wektora </a:t>
                 </a:r>
                 <a14:m>
@@ -23529,7 +18417,10 @@
                     </m:sSup>
                   </m:oMath>
                 </a14:m>
-                <a:endParaRPr lang="pl-PL" sz="2400" dirty="0" smtClean="0"/>
+                <a:endParaRPr lang="pl-PL" sz="2400" dirty="0" smtClean="0">
+                  <a:latin typeface="Calibri" panose="020F0502020204030204" pitchFamily="34" charset="0"/>
+                  <a:cs typeface="Calibri" panose="020F0502020204030204" pitchFamily="34" charset="0"/>
+                </a:endParaRPr>
               </a:p>
               <a:p>
                 <a:pPr marL="0" indent="0">
@@ -23546,7 +18437,10 @@
                   </m:oMath>
                 </a14:m>
                 <a:r>
-                  <a:rPr lang="pl-PL" sz="2400" dirty="0"/>
+                  <a:rPr lang="pl-PL" sz="2400" dirty="0">
+                    <a:latin typeface="Calibri" panose="020F0502020204030204" pitchFamily="34" charset="0"/>
+                    <a:cs typeface="Calibri" panose="020F0502020204030204" pitchFamily="34" charset="0"/>
+                  </a:rPr>
                   <a:t>	- parametr określający dokładność</a:t>
                 </a:r>
               </a:p>
@@ -23554,12 +18448,15 @@
                 <a:pPr marL="0" indent="0">
                   <a:buNone/>
                 </a:pPr>
-                <a:endParaRPr lang="pl-PL" sz="2400" dirty="0"/>
+                <a:endParaRPr lang="pl-PL" sz="2400" dirty="0">
+                  <a:latin typeface="Calibri" panose="020F0502020204030204" pitchFamily="34" charset="0"/>
+                  <a:cs typeface="Calibri" panose="020F0502020204030204" pitchFamily="34" charset="0"/>
+                </a:endParaRPr>
               </a:p>
             </p:txBody>
           </p:sp>
         </mc:Choice>
-        <mc:Fallback xmlns="">
+        <mc:Fallback>
           <p:sp>
             <p:nvSpPr>
               <p:cNvPr id="3" name="Symbol zastępczy zawartości 2"/>
@@ -23669,15 +18566,21 @@
           <a:lstStyle/>
           <a:p>
             <a:r>
-              <a:rPr lang="pl-PL" sz="3200" dirty="0" smtClean="0"/>
+              <a:rPr lang="pl-PL" sz="3200" dirty="0" smtClean="0">
+                <a:latin typeface="Calibri" panose="020F0502020204030204" pitchFamily="34" charset="0"/>
+                <a:cs typeface="Calibri" panose="020F0502020204030204" pitchFamily="34" charset="0"/>
+              </a:rPr>
               <a:t>Własności:</a:t>
             </a:r>
-            <a:endParaRPr lang="pl-PL" sz="3200" dirty="0"/>
+            <a:endParaRPr lang="pl-PL" sz="3200" dirty="0">
+              <a:latin typeface="Calibri" panose="020F0502020204030204" pitchFamily="34" charset="0"/>
+              <a:cs typeface="Calibri" panose="020F0502020204030204" pitchFamily="34" charset="0"/>
+            </a:endParaRPr>
           </a:p>
         </p:txBody>
       </p:sp>
-      <mc:AlternateContent xmlns:mc="http://schemas.openxmlformats.org/markup-compatibility/2006" xmlns:a14="http://schemas.microsoft.com/office/drawing/2010/main">
-        <mc:Choice Requires="a14">
+      <mc:AlternateContent xmlns:mc="http://schemas.openxmlformats.org/markup-compatibility/2006">
+        <mc:Choice xmlns:a14="http://schemas.microsoft.com/office/drawing/2010/main" Requires="a14">
           <p:sp>
             <p:nvSpPr>
               <p:cNvPr id="4" name="Symbol zastępczy zawartości 2"/>
@@ -23691,7 +18594,7 @@
             <p:spPr>
               <a:xfrm>
                 <a:off x="1629916" y="1844824"/>
-                <a:ext cx="9001000" cy="2836912"/>
+                <a:ext cx="9001000" cy="2376264"/>
               </a:xfrm>
             </p:spPr>
             <p:txBody>
@@ -23701,7 +18604,10 @@
               <a:lstStyle/>
               <a:p>
                 <a:r>
-                  <a:rPr lang="pl-PL" sz="2400" dirty="0" smtClean="0"/>
+                  <a:rPr lang="pl-PL" sz="2400" dirty="0" smtClean="0">
+                    <a:latin typeface="Calibri" panose="020F0502020204030204" pitchFamily="34" charset="0"/>
+                    <a:cs typeface="Calibri" panose="020F0502020204030204" pitchFamily="34" charset="0"/>
+                  </a:rPr>
                   <a:t>Szybkość zbieżności metody potęgowej zależy od ilorazu </a:t>
                 </a:r>
                 <a14:m>
@@ -23788,13 +18694,19 @@
                   </m:oMath>
                 </a14:m>
                 <a:r>
-                  <a:rPr lang="pl-PL" sz="2400" dirty="0" smtClean="0"/>
+                  <a:rPr lang="pl-PL" sz="2400" dirty="0" smtClean="0">
+                    <a:latin typeface="Calibri" panose="020F0502020204030204" pitchFamily="34" charset="0"/>
+                    <a:cs typeface="Calibri" panose="020F0502020204030204" pitchFamily="34" charset="0"/>
+                  </a:rPr>
                   <a:t>.</a:t>
                 </a:r>
               </a:p>
               <a:p>
                 <a:r>
-                  <a:rPr lang="pl-PL" sz="2400" dirty="0" smtClean="0"/>
+                  <a:rPr lang="pl-PL" sz="2400" dirty="0" smtClean="0">
+                    <a:latin typeface="Calibri" panose="020F0502020204030204" pitchFamily="34" charset="0"/>
+                    <a:cs typeface="Calibri" panose="020F0502020204030204" pitchFamily="34" charset="0"/>
+                  </a:rPr>
                   <a:t>Błąd przybliżenia maleje tak szybko, jak </a:t>
                 </a:r>
                 <a14:m>
@@ -23900,13 +18812,19 @@
                   </m:oMath>
                 </a14:m>
                 <a:r>
-                  <a:rPr lang="pl-PL" sz="2400" dirty="0" smtClean="0"/>
+                  <a:rPr lang="pl-PL" sz="2400" dirty="0" smtClean="0">
+                    <a:latin typeface="Calibri" panose="020F0502020204030204" pitchFamily="34" charset="0"/>
+                    <a:cs typeface="Calibri" panose="020F0502020204030204" pitchFamily="34" charset="0"/>
+                  </a:rPr>
                   <a:t>.</a:t>
                 </a:r>
               </a:p>
               <a:p>
                 <a:r>
-                  <a:rPr lang="pl-PL" sz="2400" dirty="0" smtClean="0"/>
+                  <a:rPr lang="pl-PL" sz="2400" dirty="0" smtClean="0">
+                    <a:latin typeface="Calibri" panose="020F0502020204030204" pitchFamily="34" charset="0"/>
+                    <a:cs typeface="Calibri" panose="020F0502020204030204" pitchFamily="34" charset="0"/>
+                  </a:rPr>
                   <a:t>Metoda potęgowa jest bardzo wolno zbieżna, jeżeli </a:t>
                 </a:r>
                 <a14:m>
@@ -23994,15 +18912,21 @@
                   </m:oMath>
                 </a14:m>
                 <a:r>
-                  <a:rPr lang="pl-PL" sz="2400" dirty="0" smtClean="0"/>
+                  <a:rPr lang="pl-PL" sz="2400" dirty="0" smtClean="0">
+                    <a:latin typeface="Calibri" panose="020F0502020204030204" pitchFamily="34" charset="0"/>
+                    <a:cs typeface="Calibri" panose="020F0502020204030204" pitchFamily="34" charset="0"/>
+                  </a:rPr>
                   <a:t>.</a:t>
                 </a:r>
-                <a:endParaRPr lang="pl-PL" sz="2400" dirty="0"/>
+                <a:endParaRPr lang="pl-PL" sz="2400" dirty="0">
+                  <a:latin typeface="Calibri" panose="020F0502020204030204" pitchFamily="34" charset="0"/>
+                  <a:cs typeface="Calibri" panose="020F0502020204030204" pitchFamily="34" charset="0"/>
+                </a:endParaRPr>
               </a:p>
             </p:txBody>
           </p:sp>
         </mc:Choice>
-        <mc:Fallback xmlns="">
+        <mc:Fallback>
           <p:sp>
             <p:nvSpPr>
               <p:cNvPr id="4" name="Symbol zastępczy zawartości 2"/>
@@ -24016,7 +18940,7 @@
             <p:spPr>
               <a:xfrm>
                 <a:off x="1629916" y="1844824"/>
-                <a:ext cx="9001000" cy="2836912"/>
+                <a:ext cx="9001000" cy="2376264"/>
               </a:xfrm>
               <a:blipFill>
                 <a:blip r:embed="rId2"/>
@@ -24112,10 +19036,16 @@
           <a:lstStyle/>
           <a:p>
             <a:r>
-              <a:rPr lang="pl-PL" sz="4000" dirty="0" smtClean="0"/>
+              <a:rPr lang="pl-PL" sz="4000" dirty="0" smtClean="0">
+                <a:latin typeface="Calibri" panose="020F0502020204030204" pitchFamily="34" charset="0"/>
+                <a:cs typeface="Calibri" panose="020F0502020204030204" pitchFamily="34" charset="0"/>
+              </a:rPr>
               <a:t>Odwrotna Metoda Potęgowa</a:t>
             </a:r>
-            <a:endParaRPr lang="pl-PL" sz="4000" dirty="0"/>
+            <a:endParaRPr lang="pl-PL" sz="4000" dirty="0">
+              <a:latin typeface="Calibri" panose="020F0502020204030204" pitchFamily="34" charset="0"/>
+              <a:cs typeface="Calibri" panose="020F0502020204030204" pitchFamily="34" charset="0"/>
+            </a:endParaRPr>
           </a:p>
         </p:txBody>
       </p:sp>

--- a/Project2/Presentation/P2Z20_AGR.pptx
+++ b/Project2/Presentation/P2Z20_AGR.pptx
@@ -22,7 +22,7 @@
     <p:sldId id="295" r:id="rId10"/>
     <p:sldId id="296" r:id="rId11"/>
     <p:sldId id="297" r:id="rId12"/>
-    <p:sldId id="298" r:id="rId13"/>
+    <p:sldId id="316" r:id="rId13"/>
     <p:sldId id="299" r:id="rId14"/>
     <p:sldId id="300" r:id="rId15"/>
     <p:sldId id="301" r:id="rId16"/>
@@ -256,7 +256,7 @@
             <a:pPr rtl="0"/>
             <a:fld id="{259B836B-1D14-4898-A0A6-D61FF17C9DBC}" type="datetime1">
               <a:rPr lang="pl-PL" smtClean="0"/>
-              <a:t>30.12.2023</a:t>
+              <a:t>01.01.2024</a:t>
             </a:fld>
             <a:endParaRPr lang="pl-PL" dirty="0"/>
           </a:p>
@@ -433,7 +433,7 @@
             <a:fld id="{0B49425D-C08F-42D2-9661-205968B2C1FB}" type="datetime1">
               <a:rPr lang="pl-PL" smtClean="0"/>
               <a:pPr/>
-              <a:t>30.12.2023</a:t>
+              <a:t>01.01.2024</a:t>
             </a:fld>
             <a:endParaRPr lang="pl-PL" dirty="0"/>
           </a:p>
@@ -1805,7 +1805,7 @@
             <a:fld id="{0891712C-DFA3-4BBB-949A-441F8D94FB78}" type="datetime1">
               <a:rPr lang="pl-PL" smtClean="0"/>
               <a:pPr/>
-              <a:t>30.12.2023</a:t>
+              <a:t>01.01.2024</a:t>
             </a:fld>
             <a:endParaRPr lang="pl-PL" dirty="0"/>
           </a:p>
@@ -2037,7 +2037,7 @@
             <a:fld id="{945AF6E0-399A-47E1-A1DB-7B7324AFFA86}" type="datetime1">
               <a:rPr lang="pl-PL" smtClean="0"/>
               <a:pPr/>
-              <a:t>30.12.2023</a:t>
+              <a:t>01.01.2024</a:t>
             </a:fld>
             <a:endParaRPr lang="pl-PL" dirty="0"/>
           </a:p>
@@ -2865,7 +2865,7 @@
             <a:fld id="{C607926C-DC73-443E-A62B-EE34064092FB}" type="datetime1">
               <a:rPr lang="pl-PL" smtClean="0"/>
               <a:pPr/>
-              <a:t>30.12.2023</a:t>
+              <a:t>01.01.2024</a:t>
             </a:fld>
             <a:endParaRPr lang="pl-PL" dirty="0"/>
           </a:p>
@@ -3075,7 +3075,7 @@
             <a:fld id="{E5FE2A44-E43C-4DB0-9333-8D36003B44E7}" type="datetime1">
               <a:rPr lang="pl-PL" smtClean="0"/>
               <a:pPr/>
-              <a:t>30.12.2023</a:t>
+              <a:t>01.01.2024</a:t>
             </a:fld>
             <a:endParaRPr lang="pl-PL" dirty="0"/>
           </a:p>
@@ -4346,7 +4346,7 @@
             <a:fld id="{73A63387-177D-4170-9A3F-154CB0D93663}" type="datetime1">
               <a:rPr lang="pl-PL" smtClean="0"/>
               <a:pPr/>
-              <a:t>30.12.2023</a:t>
+              <a:t>01.01.2024</a:t>
             </a:fld>
             <a:endParaRPr lang="pl-PL" dirty="0"/>
           </a:p>
@@ -4680,7 +4680,7 @@
             <a:fld id="{1CFAE661-66FE-4314-8504-F784411951F4}" type="datetime1">
               <a:rPr lang="pl-PL" smtClean="0"/>
               <a:pPr/>
-              <a:t>30.12.2023</a:t>
+              <a:t>01.01.2024</a:t>
             </a:fld>
             <a:endParaRPr lang="pl-PL" dirty="0"/>
           </a:p>
@@ -5140,7 +5140,7 @@
             <a:fld id="{33DE8A6F-0E38-430F-8DDD-319E6F7E6EAA}" type="datetime1">
               <a:rPr lang="pl-PL" smtClean="0"/>
               <a:pPr/>
-              <a:t>30.12.2023</a:t>
+              <a:t>01.01.2024</a:t>
             </a:fld>
             <a:endParaRPr lang="pl-PL" dirty="0"/>
           </a:p>
@@ -5282,7 +5282,7 @@
             <a:fld id="{14227057-05C3-4648-ABCB-F25BC875C77C}" type="datetime1">
               <a:rPr lang="pl-PL" smtClean="0"/>
               <a:pPr/>
-              <a:t>30.12.2023</a:t>
+              <a:t>01.01.2024</a:t>
             </a:fld>
             <a:endParaRPr lang="pl-PL" dirty="0"/>
           </a:p>
@@ -5628,7 +5628,7 @@
             <a:fld id="{9DD6C040-6C40-4FE1-A91C-782E8F88FE59}" type="datetime1">
               <a:rPr lang="pl-PL" smtClean="0"/>
               <a:pPr/>
-              <a:t>30.12.2023</a:t>
+              <a:t>01.01.2024</a:t>
             </a:fld>
             <a:endParaRPr lang="pl-PL" dirty="0"/>
           </a:p>
@@ -6132,7 +6132,7 @@
             <a:fld id="{C1F1E1EE-6F53-47AB-A934-DBB9363F4AE6}" type="datetime1">
               <a:rPr lang="pl-PL" smtClean="0"/>
               <a:pPr/>
-              <a:t>30.12.2023</a:t>
+              <a:t>01.01.2024</a:t>
             </a:fld>
             <a:endParaRPr lang="pl-PL" dirty="0"/>
           </a:p>
@@ -6589,7 +6589,7 @@
             <a:fld id="{88F116C8-0054-4794-B06D-CBA61F961298}" type="datetime1">
               <a:rPr lang="pl-PL" smtClean="0"/>
               <a:pPr/>
-              <a:t>30.12.2023</a:t>
+              <a:t>01.01.2024</a:t>
             </a:fld>
             <a:endParaRPr lang="pl-PL" dirty="0"/>
           </a:p>
@@ -7496,7 +7496,7 @@
             <a:fld id="{7513D91F-FF86-4B7D-8E15-3B9D5855F3A0}" type="datetime1">
               <a:rPr lang="pl-PL" smtClean="0"/>
               <a:pPr/>
-              <a:t>30.12.2023</a:t>
+              <a:t>01.01.2024</a:t>
             </a:fld>
             <a:endParaRPr lang="pl-PL" dirty="0"/>
           </a:p>
@@ -8580,8 +8580,8 @@
           <a:chExt cx="0" cy="0"/>
         </a:xfrm>
       </p:grpSpPr>
-      <mc:AlternateContent xmlns:mc="http://schemas.openxmlformats.org/markup-compatibility/2006">
-        <mc:Choice xmlns:a14="http://schemas.microsoft.com/office/drawing/2010/main" Requires="a14">
+      <mc:AlternateContent xmlns:mc="http://schemas.openxmlformats.org/markup-compatibility/2006" xmlns:a14="http://schemas.microsoft.com/office/drawing/2010/main">
+        <mc:Choice Requires="a14">
           <p:sp>
             <p:nvSpPr>
               <p:cNvPr id="3" name="Symbol zastępczy zawartości 2"/>
@@ -9116,7 +9116,7 @@
             </p:txBody>
           </p:sp>
         </mc:Choice>
-        <mc:Fallback>
+        <mc:Fallback xmlns="">
           <p:sp>
             <p:nvSpPr>
               <p:cNvPr id="3" name="Symbol zastępczy zawartości 2"/>
@@ -10315,8 +10315,8 @@
             </p:nvSpPr>
             <p:spPr>
               <a:xfrm>
-                <a:off x="1593436" y="1916832"/>
-                <a:ext cx="9782801" cy="3168352"/>
+                <a:off x="1593436" y="1772816"/>
+                <a:ext cx="9782801" cy="2808312"/>
               </a:xfrm>
             </p:spPr>
             <p:txBody>
@@ -10334,38 +10334,69 @@
                       <m:jc m:val="centerGroup"/>
                     </m:oMathParaPr>
                     <m:oMath xmlns:m="http://schemas.openxmlformats.org/officeDocument/2006/math">
-                      <m:d>
-                        <m:dPr>
-                          <m:begChr m:val="‖"/>
-                          <m:endChr m:val="‖"/>
+                      <m:f>
+                        <m:fPr>
                           <m:ctrlPr>
                             <a:rPr lang="pl-PL" sz="2400" i="1" smtClean="0">
                               <a:latin typeface="Cambria Math" panose="02040503050406030204" pitchFamily="18" charset="0"/>
                             </a:rPr>
                           </m:ctrlPr>
-                        </m:dPr>
-                        <m:e>
-                          <m:r>
-                            <a:rPr lang="pl-PL" sz="2400" i="1" smtClean="0">
-                              <a:latin typeface="Cambria Math" panose="02040503050406030204" pitchFamily="18" charset="0"/>
-                            </a:rPr>
-                            <m:t>𝑠</m:t>
-                          </m:r>
-                          <m:r>
-                            <a:rPr lang="pl-PL" sz="2400" b="0" i="1" smtClean="0">
-                              <a:latin typeface="Cambria Math" panose="02040503050406030204" pitchFamily="18" charset="0"/>
-                            </a:rPr>
-                            <m:t>𝑖𝑔𝑛</m:t>
-                          </m:r>
+                        </m:fPr>
+                        <m:num>
                           <m:d>
                             <m:dPr>
+                              <m:begChr m:val="‖"/>
+                              <m:endChr m:val="‖"/>
                               <m:ctrlPr>
-                                <a:rPr lang="pl-PL" sz="2400" b="0" i="1" smtClean="0">
+                                <a:rPr lang="pl-PL" sz="2400" i="1" smtClean="0">
                                   <a:latin typeface="Cambria Math" panose="02040503050406030204" pitchFamily="18" charset="0"/>
                                 </a:rPr>
                               </m:ctrlPr>
                             </m:dPr>
                             <m:e>
+                              <m:sSup>
+                                <m:sSupPr>
+                                  <m:ctrlPr>
+                                    <a:rPr lang="pl-PL" sz="2400" i="1">
+                                      <a:latin typeface="Cambria Math" panose="02040503050406030204" pitchFamily="18" charset="0"/>
+                                    </a:rPr>
+                                  </m:ctrlPr>
+                                </m:sSupPr>
+                                <m:e>
+                                  <m:r>
+                                    <a:rPr lang="pl-PL" sz="2400" i="1">
+                                      <a:latin typeface="Cambria Math" panose="02040503050406030204" pitchFamily="18" charset="0"/>
+                                    </a:rPr>
+                                    <m:t>𝑥</m:t>
+                                  </m:r>
+                                </m:e>
+                                <m:sup>
+                                  <m:r>
+                                    <a:rPr lang="pl-PL" sz="2400" i="1">
+                                      <a:latin typeface="Cambria Math" panose="02040503050406030204" pitchFamily="18" charset="0"/>
+                                    </a:rPr>
+                                    <m:t>(</m:t>
+                                  </m:r>
+                                  <m:r>
+                                    <a:rPr lang="pl-PL" sz="2400" i="1">
+                                      <a:latin typeface="Cambria Math" panose="02040503050406030204" pitchFamily="18" charset="0"/>
+                                    </a:rPr>
+                                    <m:t>𝑘</m:t>
+                                  </m:r>
+                                  <m:r>
+                                    <a:rPr lang="pl-PL" sz="2400" i="1">
+                                      <a:latin typeface="Cambria Math" panose="02040503050406030204" pitchFamily="18" charset="0"/>
+                                    </a:rPr>
+                                    <m:t>+1)</m:t>
+                                  </m:r>
+                                </m:sup>
+                              </m:sSup>
+                              <m:r>
+                                <a:rPr lang="pl-PL" sz="2400" b="0" i="1" smtClean="0">
+                                  <a:latin typeface="Cambria Math" panose="02040503050406030204" pitchFamily="18" charset="0"/>
+                                </a:rPr>
+                                <m:t>−</m:t>
+                              </m:r>
                               <m:sSubSup>
                                 <m:sSubSupPr>
                                   <m:ctrlPr>
@@ -10374,6 +10405,53 @@
                                     </a:rPr>
                                   </m:ctrlPr>
                                 </m:sSubSupPr>
+                                <m:e>
+                                  <m:r>
+                                    <a:rPr lang="pl-PL" sz="2400" i="1">
+                                      <a:latin typeface="Cambria Math" panose="02040503050406030204" pitchFamily="18" charset="0"/>
+                                      <a:ea typeface="Cambria Math" panose="02040503050406030204" pitchFamily="18" charset="0"/>
+                                      <a:cs typeface="Calibri" panose="020F0502020204030204" pitchFamily="34" charset="0"/>
+                                    </a:rPr>
+                                    <m:t>𝜆</m:t>
+                                  </m:r>
+                                </m:e>
+                                <m:sub>
+                                  <m:r>
+                                    <a:rPr lang="pl-PL" sz="2400" b="0" i="1" smtClean="0">
+                                      <a:latin typeface="Cambria Math" panose="02040503050406030204" pitchFamily="18" charset="0"/>
+                                    </a:rPr>
+                                    <m:t>𝑛</m:t>
+                                  </m:r>
+                                </m:sub>
+                                <m:sup>
+                                  <m:r>
+                                    <a:rPr lang="pl-PL" sz="2400" b="0" i="1" smtClean="0">
+                                      <a:latin typeface="Cambria Math" panose="02040503050406030204" pitchFamily="18" charset="0"/>
+                                    </a:rPr>
+                                    <m:t>(</m:t>
+                                  </m:r>
+                                  <m:r>
+                                    <a:rPr lang="pl-PL" sz="2400" b="0" i="1" smtClean="0">
+                                      <a:latin typeface="Cambria Math" panose="02040503050406030204" pitchFamily="18" charset="0"/>
+                                    </a:rPr>
+                                    <m:t>𝑘</m:t>
+                                  </m:r>
+                                  <m:r>
+                                    <a:rPr lang="pl-PL" sz="2400" b="0" i="1" smtClean="0">
+                                      <a:latin typeface="Cambria Math" panose="02040503050406030204" pitchFamily="18" charset="0"/>
+                                    </a:rPr>
+                                    <m:t>)</m:t>
+                                  </m:r>
+                                </m:sup>
+                              </m:sSubSup>
+                              <m:sSup>
+                                <m:sSupPr>
+                                  <m:ctrlPr>
+                                    <a:rPr lang="pl-PL" sz="2400" i="1">
+                                      <a:latin typeface="Cambria Math" panose="02040503050406030204" pitchFamily="18" charset="0"/>
+                                    </a:rPr>
+                                  </m:ctrlPr>
+                                </m:sSupPr>
                                 <m:e>
                                   <m:acc>
                                     <m:accPr>
@@ -10394,120 +10472,37 @@
                                     </m:e>
                                   </m:acc>
                                 </m:e>
-                                <m:sub>
-                                  <m:r>
-                                    <a:rPr lang="pl-PL" sz="2400" b="0" i="1" smtClean="0">
-                                      <a:latin typeface="Cambria Math" panose="02040503050406030204" pitchFamily="18" charset="0"/>
-                                    </a:rPr>
-                                    <m:t>𝑖</m:t>
-                                  </m:r>
-                                </m:sub>
                                 <m:sup>
-                                  <m:d>
-                                    <m:dPr>
-                                      <m:ctrlPr>
-                                        <a:rPr lang="pl-PL" sz="2400" b="0" i="1" smtClean="0">
-                                          <a:latin typeface="Cambria Math" panose="02040503050406030204" pitchFamily="18" charset="0"/>
-                                        </a:rPr>
-                                      </m:ctrlPr>
-                                    </m:dPr>
-                                    <m:e>
-                                      <m:r>
-                                        <a:rPr lang="pl-PL" sz="2400" b="0" i="1" smtClean="0">
-                                          <a:latin typeface="Cambria Math" panose="02040503050406030204" pitchFamily="18" charset="0"/>
-                                        </a:rPr>
-                                        <m:t>𝑘</m:t>
-                                      </m:r>
-                                      <m:r>
-                                        <a:rPr lang="pl-PL" sz="2400" b="0" i="1" smtClean="0">
-                                          <a:latin typeface="Cambria Math" panose="02040503050406030204" pitchFamily="18" charset="0"/>
-                                        </a:rPr>
-                                        <m:t>+1</m:t>
-                                      </m:r>
-                                    </m:e>
-                                  </m:d>
-                                </m:sup>
-                              </m:sSubSup>
-                            </m:e>
-                          </m:d>
-                          <m:r>
-                            <a:rPr lang="pl-PL" sz="2400" b="0" i="1" smtClean="0">
-                              <a:latin typeface="Cambria Math" panose="02040503050406030204" pitchFamily="18" charset="0"/>
-                              <a:ea typeface="Cambria Math" panose="02040503050406030204" pitchFamily="18" charset="0"/>
-                            </a:rPr>
-                            <m:t>∙</m:t>
-                          </m:r>
-                          <m:sSup>
-                            <m:sSupPr>
-                              <m:ctrlPr>
-                                <a:rPr lang="pl-PL" sz="2400" i="1">
-                                  <a:latin typeface="Cambria Math" panose="02040503050406030204" pitchFamily="18" charset="0"/>
-                                </a:rPr>
-                              </m:ctrlPr>
-                            </m:sSupPr>
-                            <m:e>
-                              <m:acc>
-                                <m:accPr>
-                                  <m:chr m:val="̃"/>
-                                  <m:ctrlPr>
-                                    <a:rPr lang="pl-PL" sz="2400" i="1">
-                                      <a:latin typeface="Cambria Math" panose="02040503050406030204" pitchFamily="18" charset="0"/>
-                                    </a:rPr>
-                                  </m:ctrlPr>
-                                </m:accPr>
-                                <m:e>
                                   <m:r>
                                     <a:rPr lang="pl-PL" sz="2400" i="1">
                                       <a:latin typeface="Cambria Math" panose="02040503050406030204" pitchFamily="18" charset="0"/>
                                     </a:rPr>
-                                    <m:t>𝑥</m:t>
+                                    <m:t>(</m:t>
                                   </m:r>
-                                </m:e>
-                              </m:acc>
+                                  <m:r>
+                                    <a:rPr lang="pl-PL" sz="2400" i="1">
+                                      <a:latin typeface="Cambria Math" panose="02040503050406030204" pitchFamily="18" charset="0"/>
+                                    </a:rPr>
+                                    <m:t>𝑘</m:t>
+                                  </m:r>
+                                  <m:r>
+                                    <a:rPr lang="pl-PL" sz="2400" i="1">
+                                      <a:latin typeface="Cambria Math" panose="02040503050406030204" pitchFamily="18" charset="0"/>
+                                    </a:rPr>
+                                    <m:t>)</m:t>
+                                  </m:r>
+                                </m:sup>
+                              </m:sSup>
                             </m:e>
-                            <m:sup>
-                              <m:r>
-                                <a:rPr lang="pl-PL" sz="2400" i="1">
-                                  <a:latin typeface="Cambria Math" panose="02040503050406030204" pitchFamily="18" charset="0"/>
-                                </a:rPr>
-                                <m:t>(</m:t>
-                              </m:r>
-                              <m:r>
-                                <a:rPr lang="pl-PL" sz="2400" i="1">
-                                  <a:latin typeface="Cambria Math" panose="02040503050406030204" pitchFamily="18" charset="0"/>
-                                </a:rPr>
-                                <m:t>𝑘</m:t>
-                              </m:r>
-                              <m:r>
-                                <a:rPr lang="pl-PL" sz="2400" b="0" i="1" smtClean="0">
-                                  <a:latin typeface="Cambria Math" panose="02040503050406030204" pitchFamily="18" charset="0"/>
-                                </a:rPr>
-                                <m:t>+1</m:t>
-                              </m:r>
-                              <m:r>
-                                <a:rPr lang="pl-PL" sz="2400" i="1">
-                                  <a:latin typeface="Cambria Math" panose="02040503050406030204" pitchFamily="18" charset="0"/>
-                                </a:rPr>
-                                <m:t>)</m:t>
-                              </m:r>
-                            </m:sup>
-                          </m:sSup>
-                          <m:r>
-                            <a:rPr lang="pl-PL" sz="2400" b="0" i="1" smtClean="0">
-                              <a:latin typeface="Cambria Math" panose="02040503050406030204" pitchFamily="18" charset="0"/>
-                            </a:rPr>
-                            <m:t>−</m:t>
-                          </m:r>
-                          <m:r>
-                            <a:rPr lang="pl-PL" sz="2400" i="1">
-                              <a:latin typeface="Cambria Math" panose="02040503050406030204" pitchFamily="18" charset="0"/>
-                            </a:rPr>
-                            <m:t>𝑠𝑖𝑔𝑛</m:t>
-                          </m:r>
+                          </m:d>
+                        </m:num>
+                        <m:den>
                           <m:d>
                             <m:dPr>
+                              <m:begChr m:val="|"/>
+                              <m:endChr m:val="|"/>
                               <m:ctrlPr>
-                                <a:rPr lang="pl-PL" sz="2400" i="1">
+                                <a:rPr lang="pl-PL" sz="2400" i="1" smtClean="0">
                                   <a:latin typeface="Cambria Math" panose="02040503050406030204" pitchFamily="18" charset="0"/>
                                 </a:rPr>
                               </m:ctrlPr>
@@ -10522,113 +10517,50 @@
                                   </m:ctrlPr>
                                 </m:sSubSupPr>
                                 <m:e>
-                                  <m:acc>
-                                    <m:accPr>
-                                      <m:chr m:val="̃"/>
-                                      <m:ctrlPr>
-                                        <a:rPr lang="pl-PL" sz="2400" i="1">
-                                          <a:latin typeface="Cambria Math" panose="02040503050406030204" pitchFamily="18" charset="0"/>
-                                        </a:rPr>
-                                      </m:ctrlPr>
-                                    </m:accPr>
-                                    <m:e>
-                                      <m:r>
-                                        <a:rPr lang="pl-PL" sz="2400" i="1">
-                                          <a:latin typeface="Cambria Math" panose="02040503050406030204" pitchFamily="18" charset="0"/>
-                                        </a:rPr>
-                                        <m:t>𝑥</m:t>
-                                      </m:r>
-                                    </m:e>
-                                  </m:acc>
+                                  <m:r>
+                                    <a:rPr lang="pl-PL" sz="2400" i="1">
+                                      <a:latin typeface="Cambria Math" panose="02040503050406030204" pitchFamily="18" charset="0"/>
+                                      <a:ea typeface="Cambria Math" panose="02040503050406030204" pitchFamily="18" charset="0"/>
+                                      <a:cs typeface="Calibri" panose="020F0502020204030204" pitchFamily="34" charset="0"/>
+                                    </a:rPr>
+                                    <m:t>𝜆</m:t>
+                                  </m:r>
                                 </m:e>
                                 <m:sub>
+                                  <m:r>
+                                    <a:rPr lang="pl-PL" sz="2400" b="0" i="1" smtClean="0">
+                                      <a:latin typeface="Cambria Math" panose="02040503050406030204" pitchFamily="18" charset="0"/>
+                                      <a:ea typeface="Cambria Math" panose="02040503050406030204" pitchFamily="18" charset="0"/>
+                                      <a:cs typeface="Calibri" panose="020F0502020204030204" pitchFamily="34" charset="0"/>
+                                    </a:rPr>
+                                    <m:t>𝑛</m:t>
+                                  </m:r>
+                                </m:sub>
+                                <m:sup>
                                   <m:r>
                                     <a:rPr lang="pl-PL" sz="2400" i="1">
                                       <a:latin typeface="Cambria Math" panose="02040503050406030204" pitchFamily="18" charset="0"/>
                                     </a:rPr>
-                                    <m:t>𝑖</m:t>
+                                    <m:t>(</m:t>
                                   </m:r>
-                                </m:sub>
-                                <m:sup>
-                                  <m:d>
-                                    <m:dPr>
-                                      <m:ctrlPr>
-                                        <a:rPr lang="pl-PL" sz="2400" i="1">
-                                          <a:latin typeface="Cambria Math" panose="02040503050406030204" pitchFamily="18" charset="0"/>
-                                        </a:rPr>
-                                      </m:ctrlPr>
-                                    </m:dPr>
-                                    <m:e>
-                                      <m:r>
-                                        <a:rPr lang="pl-PL" sz="2400" i="1">
-                                          <a:latin typeface="Cambria Math" panose="02040503050406030204" pitchFamily="18" charset="0"/>
-                                        </a:rPr>
-                                        <m:t>𝑘</m:t>
-                                      </m:r>
-                                    </m:e>
-                                  </m:d>
+                                  <m:r>
+                                    <a:rPr lang="pl-PL" sz="2400" i="1">
+                                      <a:latin typeface="Cambria Math" panose="02040503050406030204" pitchFamily="18" charset="0"/>
+                                    </a:rPr>
+                                    <m:t>𝑘</m:t>
+                                  </m:r>
+                                  <m:r>
+                                    <a:rPr lang="pl-PL" sz="2400" i="1">
+                                      <a:latin typeface="Cambria Math" panose="02040503050406030204" pitchFamily="18" charset="0"/>
+                                    </a:rPr>
+                                    <m:t>)</m:t>
+                                  </m:r>
                                 </m:sup>
                               </m:sSubSup>
                             </m:e>
                           </m:d>
-                          <m:r>
-                            <a:rPr lang="pl-PL" sz="2400" i="1">
-                              <a:latin typeface="Cambria Math" panose="02040503050406030204" pitchFamily="18" charset="0"/>
-                              <a:ea typeface="Cambria Math" panose="02040503050406030204" pitchFamily="18" charset="0"/>
-                            </a:rPr>
-                            <m:t>∙</m:t>
-                          </m:r>
-                          <m:sSup>
-                            <m:sSupPr>
-                              <m:ctrlPr>
-                                <a:rPr lang="pl-PL" sz="2400" i="1">
-                                  <a:latin typeface="Cambria Math" panose="02040503050406030204" pitchFamily="18" charset="0"/>
-                                </a:rPr>
-                              </m:ctrlPr>
-                            </m:sSupPr>
-                            <m:e>
-                              <m:acc>
-                                <m:accPr>
-                                  <m:chr m:val="̃"/>
-                                  <m:ctrlPr>
-                                    <a:rPr lang="pl-PL" sz="2400" i="1">
-                                      <a:latin typeface="Cambria Math" panose="02040503050406030204" pitchFamily="18" charset="0"/>
-                                    </a:rPr>
-                                  </m:ctrlPr>
-                                </m:accPr>
-                                <m:e>
-                                  <m:r>
-                                    <a:rPr lang="pl-PL" sz="2400" i="1">
-                                      <a:latin typeface="Cambria Math" panose="02040503050406030204" pitchFamily="18" charset="0"/>
-                                    </a:rPr>
-                                    <m:t>𝑥</m:t>
-                                  </m:r>
-                                </m:e>
-                              </m:acc>
-                            </m:e>
-                            <m:sup>
-                              <m:r>
-                                <a:rPr lang="pl-PL" sz="2400" i="1">
-                                  <a:latin typeface="Cambria Math" panose="02040503050406030204" pitchFamily="18" charset="0"/>
-                                </a:rPr>
-                                <m:t>(</m:t>
-                              </m:r>
-                              <m:r>
-                                <a:rPr lang="pl-PL" sz="2400" i="1">
-                                  <a:latin typeface="Cambria Math" panose="02040503050406030204" pitchFamily="18" charset="0"/>
-                                </a:rPr>
-                                <m:t>𝑘</m:t>
-                              </m:r>
-                              <m:r>
-                                <a:rPr lang="pl-PL" sz="2400" i="1">
-                                  <a:latin typeface="Cambria Math" panose="02040503050406030204" pitchFamily="18" charset="0"/>
-                                </a:rPr>
-                                <m:t>)</m:t>
-                              </m:r>
-                            </m:sup>
-                          </m:sSup>
-                        </m:e>
-                      </m:d>
+                        </m:den>
+                      </m:f>
                       <m:r>
                         <a:rPr lang="pl-PL" sz="2400" b="0" i="1" smtClean="0">
                           <a:latin typeface="Cambria Math" panose="02040503050406030204" pitchFamily="18" charset="0"/>
@@ -10673,121 +10605,6 @@
                   <a:buNone/>
                 </a:pPr>
                 <a14:m>
-                  <m:oMathPara xmlns:m="http://schemas.openxmlformats.org/officeDocument/2006/math">
-                    <m:oMathParaPr>
-                      <m:jc m:val="left"/>
-                    </m:oMathParaPr>
-                    <m:oMath xmlns:m="http://schemas.openxmlformats.org/officeDocument/2006/math">
-                      <m:r>
-                        <a:rPr lang="pl-PL" sz="2400" i="1">
-                          <a:latin typeface="Cambria Math" panose="02040503050406030204" pitchFamily="18" charset="0"/>
-                        </a:rPr>
-                        <m:t>𝑠𝑖𝑔𝑛</m:t>
-                      </m:r>
-                      <m:d>
-                        <m:dPr>
-                          <m:ctrlPr>
-                            <a:rPr lang="pl-PL" sz="2400" b="0" i="1" smtClean="0">
-                              <a:latin typeface="Cambria Math" panose="02040503050406030204" pitchFamily="18" charset="0"/>
-                            </a:rPr>
-                          </m:ctrlPr>
-                        </m:dPr>
-                        <m:e>
-                          <m:r>
-                            <a:rPr lang="pl-PL" sz="2400" b="0" i="1" smtClean="0">
-                              <a:latin typeface="Cambria Math" panose="02040503050406030204" pitchFamily="18" charset="0"/>
-                            </a:rPr>
-                            <m:t>𝑥</m:t>
-                          </m:r>
-                        </m:e>
-                      </m:d>
-                      <m:r>
-                        <a:rPr lang="pl-PL" sz="2400" b="0" i="1" smtClean="0">
-                          <a:latin typeface="Cambria Math" panose="02040503050406030204" pitchFamily="18" charset="0"/>
-                        </a:rPr>
-                        <m:t>= </m:t>
-                      </m:r>
-                      <m:d>
-                        <m:dPr>
-                          <m:begChr m:val="{"/>
-                          <m:endChr m:val=""/>
-                          <m:ctrlPr>
-                            <a:rPr lang="pl-PL" sz="2400" b="0" i="1" smtClean="0">
-                              <a:latin typeface="Cambria Math" panose="02040503050406030204" pitchFamily="18" charset="0"/>
-                            </a:rPr>
-                          </m:ctrlPr>
-                        </m:dPr>
-                        <m:e>
-                          <m:eqArr>
-                            <m:eqArrPr>
-                              <m:ctrlPr>
-                                <a:rPr lang="pl-PL" sz="2400" b="0" i="1" smtClean="0">
-                                  <a:latin typeface="Cambria Math" panose="02040503050406030204" pitchFamily="18" charset="0"/>
-                                </a:rPr>
-                              </m:ctrlPr>
-                            </m:eqArrPr>
-                            <m:e>
-                              <m:r>
-                                <a:rPr lang="pl-PL" sz="2400" b="0" i="1" smtClean="0">
-                                  <a:latin typeface="Cambria Math" panose="02040503050406030204" pitchFamily="18" charset="0"/>
-                                </a:rPr>
-                                <m:t>   1,  </m:t>
-                              </m:r>
-                              <m:r>
-                                <a:rPr lang="pl-PL" sz="2400" b="0" i="1" smtClean="0">
-                                  <a:latin typeface="Cambria Math" panose="02040503050406030204" pitchFamily="18" charset="0"/>
-                                </a:rPr>
-                                <m:t>𝑥</m:t>
-                              </m:r>
-                              <m:r>
-                                <a:rPr lang="pl-PL" sz="2400" b="0" i="1" smtClean="0">
-                                  <a:latin typeface="Cambria Math" panose="02040503050406030204" pitchFamily="18" charset="0"/>
-                                </a:rPr>
-                                <m:t>≥0</m:t>
-                              </m:r>
-                            </m:e>
-                            <m:e>
-                              <m:r>
-                                <a:rPr lang="pl-PL" sz="2400" b="0" i="1" smtClean="0">
-                                  <a:latin typeface="Cambria Math" panose="02040503050406030204" pitchFamily="18" charset="0"/>
-                                </a:rPr>
-                                <m:t>−1,  </m:t>
-                              </m:r>
-                              <m:r>
-                                <a:rPr lang="pl-PL" sz="2400" i="1">
-                                  <a:latin typeface="Cambria Math" panose="02040503050406030204" pitchFamily="18" charset="0"/>
-                                </a:rPr>
-                                <m:t>𝑥</m:t>
-                              </m:r>
-                              <m:r>
-                                <a:rPr lang="pl-PL" sz="2400" b="0" i="1" smtClean="0">
-                                  <a:latin typeface="Cambria Math" panose="02040503050406030204" pitchFamily="18" charset="0"/>
-                                </a:rPr>
-                                <m:t>&lt;</m:t>
-                              </m:r>
-                              <m:r>
-                                <a:rPr lang="pl-PL" sz="2400" i="1">
-                                  <a:latin typeface="Cambria Math" panose="02040503050406030204" pitchFamily="18" charset="0"/>
-                                </a:rPr>
-                                <m:t>0</m:t>
-                              </m:r>
-                            </m:e>
-                          </m:eqArr>
-                        </m:e>
-                      </m:d>
-                    </m:oMath>
-                  </m:oMathPara>
-                </a14:m>
-                <a:endParaRPr lang="pl-PL" sz="2400" dirty="0" smtClean="0">
-                  <a:latin typeface="Calibri" panose="020F0502020204030204" pitchFamily="34" charset="0"/>
-                  <a:cs typeface="Calibri" panose="020F0502020204030204" pitchFamily="34" charset="0"/>
-                </a:endParaRPr>
-              </a:p>
-              <a:p>
-                <a:pPr marL="0" indent="0">
-                  <a:buNone/>
-                </a:pPr>
-                <a14:m>
                   <m:oMath xmlns:m="http://schemas.openxmlformats.org/officeDocument/2006/math">
                     <m:sSubSup>
                       <m:sSubSupPr>
@@ -10798,51 +10615,44 @@
                         </m:ctrlPr>
                       </m:sSubSupPr>
                       <m:e>
-                        <m:acc>
-                          <m:accPr>
-                            <m:chr m:val="̃"/>
-                            <m:ctrlPr>
-                              <a:rPr lang="pl-PL" sz="2400" i="1">
-                                <a:latin typeface="Cambria Math" panose="02040503050406030204" pitchFamily="18" charset="0"/>
-                              </a:rPr>
-                            </m:ctrlPr>
-                          </m:accPr>
-                          <m:e>
-                            <m:r>
-                              <a:rPr lang="pl-PL" sz="2400" i="1">
-                                <a:latin typeface="Cambria Math" panose="02040503050406030204" pitchFamily="18" charset="0"/>
-                              </a:rPr>
-                              <m:t>𝑥</m:t>
-                            </m:r>
-                          </m:e>
-                        </m:acc>
+                        <m:r>
+                          <a:rPr lang="pl-PL" sz="2400" i="1">
+                            <a:latin typeface="Cambria Math" panose="02040503050406030204" pitchFamily="18" charset="0"/>
+                            <a:ea typeface="Cambria Math" panose="02040503050406030204" pitchFamily="18" charset="0"/>
+                            <a:cs typeface="Calibri" panose="020F0502020204030204" pitchFamily="34" charset="0"/>
+                          </a:rPr>
+                          <m:t>𝜆</m:t>
+                        </m:r>
                       </m:e>
                       <m:sub>
                         <m:r>
-                          <a:rPr lang="pl-PL" sz="2400" i="1">
-                            <a:latin typeface="Cambria Math" panose="02040503050406030204" pitchFamily="18" charset="0"/>
-                          </a:rPr>
-                          <m:t>𝑖</m:t>
+                          <a:rPr lang="pl-PL" sz="2400" b="0" i="1" smtClean="0">
+                            <a:latin typeface="Cambria Math" panose="02040503050406030204" pitchFamily="18" charset="0"/>
+                            <a:ea typeface="Cambria Math" panose="02040503050406030204" pitchFamily="18" charset="0"/>
+                            <a:cs typeface="Calibri" panose="020F0502020204030204" pitchFamily="34" charset="0"/>
+                          </a:rPr>
+                          <m:t>𝑛</m:t>
                         </m:r>
                       </m:sub>
                       <m:sup>
-                        <m:d>
-                          <m:dPr>
-                            <m:ctrlPr>
-                              <a:rPr lang="pl-PL" sz="2400" i="1">
-                                <a:latin typeface="Cambria Math" panose="02040503050406030204" pitchFamily="18" charset="0"/>
-                              </a:rPr>
-                            </m:ctrlPr>
-                          </m:dPr>
-                          <m:e>
-                            <m:r>
-                              <a:rPr lang="pl-PL" sz="2400" i="1">
-                                <a:latin typeface="Cambria Math" panose="02040503050406030204" pitchFamily="18" charset="0"/>
-                              </a:rPr>
-                              <m:t>𝑘</m:t>
-                            </m:r>
-                          </m:e>
-                        </m:d>
+                        <m:r>
+                          <a:rPr lang="pl-PL" sz="2400" i="1">
+                            <a:latin typeface="Cambria Math" panose="02040503050406030204" pitchFamily="18" charset="0"/>
+                          </a:rPr>
+                          <m:t>(</m:t>
+                        </m:r>
+                        <m:r>
+                          <a:rPr lang="pl-PL" sz="2400" i="1">
+                            <a:latin typeface="Cambria Math" panose="02040503050406030204" pitchFamily="18" charset="0"/>
+                          </a:rPr>
+                          <m:t>𝑘</m:t>
+                        </m:r>
+                        <m:r>
+                          <a:rPr lang="pl-PL" sz="2400" i="1">
+                            <a:latin typeface="Cambria Math" panose="02040503050406030204" pitchFamily="18" charset="0"/>
+                          </a:rPr>
+                          <m:t>)</m:t>
+                        </m:r>
                       </m:sup>
                     </m:sSubSup>
                   </m:oMath>
@@ -10852,61 +10662,25 @@
                     <a:latin typeface="Calibri" panose="020F0502020204030204" pitchFamily="34" charset="0"/>
                     <a:cs typeface="Calibri" panose="020F0502020204030204" pitchFamily="34" charset="0"/>
                   </a:rPr>
-                  <a:t>	- maksymalna co do modułu współrzędna wektora </a:t>
+                  <a:t>	- przybliżenie wartości własnej w </a:t>
                 </a:r>
                 <a14:m>
                   <m:oMath xmlns:m="http://schemas.openxmlformats.org/officeDocument/2006/math">
-                    <m:sSup>
-                      <m:sSupPr>
-                        <m:ctrlPr>
-                          <a:rPr lang="pl-PL" sz="2400" i="1">
-                            <a:latin typeface="Cambria Math" panose="02040503050406030204" pitchFamily="18" charset="0"/>
-                          </a:rPr>
-                        </m:ctrlPr>
-                      </m:sSupPr>
-                      <m:e>
-                        <m:acc>
-                          <m:accPr>
-                            <m:chr m:val="̃"/>
-                            <m:ctrlPr>
-                              <a:rPr lang="pl-PL" sz="2400" i="1">
-                                <a:latin typeface="Cambria Math" panose="02040503050406030204" pitchFamily="18" charset="0"/>
-                              </a:rPr>
-                            </m:ctrlPr>
-                          </m:accPr>
-                          <m:e>
-                            <m:r>
-                              <a:rPr lang="pl-PL" sz="2400" i="1">
-                                <a:latin typeface="Cambria Math" panose="02040503050406030204" pitchFamily="18" charset="0"/>
-                              </a:rPr>
-                              <m:t>𝑥</m:t>
-                            </m:r>
-                          </m:e>
-                        </m:acc>
-                      </m:e>
-                      <m:sup>
-                        <m:r>
-                          <a:rPr lang="pl-PL" sz="2400" i="1">
-                            <a:latin typeface="Cambria Math" panose="02040503050406030204" pitchFamily="18" charset="0"/>
-                          </a:rPr>
-                          <m:t>(</m:t>
-                        </m:r>
-                        <m:r>
-                          <a:rPr lang="pl-PL" sz="2400" i="1">
-                            <a:latin typeface="Cambria Math" panose="02040503050406030204" pitchFamily="18" charset="0"/>
-                          </a:rPr>
-                          <m:t>𝑘</m:t>
-                        </m:r>
-                        <m:r>
-                          <a:rPr lang="pl-PL" sz="2400" i="1">
-                            <a:latin typeface="Cambria Math" panose="02040503050406030204" pitchFamily="18" charset="0"/>
-                          </a:rPr>
-                          <m:t>)</m:t>
-                        </m:r>
-                      </m:sup>
-                    </m:sSup>
+                    <m:r>
+                      <a:rPr lang="pl-PL" sz="2400" i="1">
+                        <a:latin typeface="Cambria Math" panose="02040503050406030204" pitchFamily="18" charset="0"/>
+                      </a:rPr>
+                      <m:t>𝑘</m:t>
+                    </m:r>
                   </m:oMath>
                 </a14:m>
+                <a:r>
+                  <a:rPr lang="pl-PL" sz="2400" dirty="0" smtClean="0">
+                    <a:latin typeface="Calibri" panose="020F0502020204030204" pitchFamily="34" charset="0"/>
+                    <a:cs typeface="Calibri" panose="020F0502020204030204" pitchFamily="34" charset="0"/>
+                  </a:rPr>
+                  <a:t>-tym kroku</a:t>
+                </a:r>
                 <a:endParaRPr lang="pl-PL" sz="2400" dirty="0" smtClean="0">
                   <a:latin typeface="Calibri" panose="020F0502020204030204" pitchFamily="34" charset="0"/>
                   <a:cs typeface="Calibri" panose="020F0502020204030204" pitchFamily="34" charset="0"/>
@@ -10931,15 +10705,13 @@
                     <a:latin typeface="Calibri" panose="020F0502020204030204" pitchFamily="34" charset="0"/>
                     <a:cs typeface="Calibri" panose="020F0502020204030204" pitchFamily="34" charset="0"/>
                   </a:rPr>
-                  <a:t>	- parametr określający </a:t>
+                  <a:t>	- parametr określający dokładność</a:t>
                 </a:r>
-                <a:r>
-                  <a:rPr lang="pl-PL" sz="2400" dirty="0" smtClean="0">
-                    <a:latin typeface="Calibri" panose="020F0502020204030204" pitchFamily="34" charset="0"/>
-                    <a:cs typeface="Calibri" panose="020F0502020204030204" pitchFamily="34" charset="0"/>
-                  </a:rPr>
-                  <a:t>dokładność</a:t>
-                </a:r>
+              </a:p>
+              <a:p>
+                <a:pPr marL="0" indent="0">
+                  <a:buNone/>
+                </a:pPr>
                 <a:endParaRPr lang="pl-PL" sz="2400" dirty="0">
                   <a:latin typeface="Calibri" panose="020F0502020204030204" pitchFamily="34" charset="0"/>
                   <a:cs typeface="Calibri" panose="020F0502020204030204" pitchFamily="34" charset="0"/>
@@ -10961,13 +10733,13 @@
             </p:nvSpPr>
             <p:spPr>
               <a:xfrm>
-                <a:off x="1593436" y="1916832"/>
-                <a:ext cx="9782801" cy="3168352"/>
+                <a:off x="1593436" y="1772816"/>
+                <a:ext cx="9782801" cy="2808312"/>
               </a:xfrm>
               <a:blipFill>
                 <a:blip r:embed="rId2"/>
                 <a:stretch>
-                  <a:fillRect l="-935"/>
+                  <a:fillRect l="-935" b="-1739"/>
                 </a:stretch>
               </a:blipFill>
             </p:spPr>
@@ -10989,7 +10761,7 @@
     </p:spTree>
     <p:extLst>
       <p:ext uri="{BB962C8B-B14F-4D97-AF65-F5344CB8AC3E}">
-        <p14:creationId xmlns:p14="http://schemas.microsoft.com/office/powerpoint/2010/main" val="3874404765"/>
+        <p14:creationId xmlns:p14="http://schemas.microsoft.com/office/powerpoint/2010/main" val="3476693267"/>
       </p:ext>
     </p:extLst>
   </p:cSld>
@@ -11071,8 +10843,8 @@
           </a:p>
         </p:txBody>
       </p:sp>
-      <mc:AlternateContent xmlns:mc="http://schemas.openxmlformats.org/markup-compatibility/2006">
-        <mc:Choice xmlns:a14="http://schemas.microsoft.com/office/drawing/2010/main" Requires="a14">
+      <mc:AlternateContent xmlns:mc="http://schemas.openxmlformats.org/markup-compatibility/2006" xmlns:a14="http://schemas.microsoft.com/office/drawing/2010/main">
+        <mc:Choice Requires="a14">
           <p:sp>
             <p:nvSpPr>
               <p:cNvPr id="4" name="Symbol zastępczy zawartości 2"/>
@@ -11583,7 +11355,7 @@
             </p:txBody>
           </p:sp>
         </mc:Choice>
-        <mc:Fallback>
+        <mc:Fallback xmlns="">
           <p:sp>
             <p:nvSpPr>
               <p:cNvPr id="4" name="Symbol zastępczy zawartości 2"/>
@@ -11762,8 +11534,8 @@
           <a:chExt cx="0" cy="0"/>
         </a:xfrm>
       </p:grpSpPr>
-      <mc:AlternateContent xmlns:mc="http://schemas.openxmlformats.org/markup-compatibility/2006">
-        <mc:Choice xmlns:a14="http://schemas.microsoft.com/office/drawing/2010/main" Requires="a14">
+      <mc:AlternateContent xmlns:mc="http://schemas.openxmlformats.org/markup-compatibility/2006" xmlns:a14="http://schemas.microsoft.com/office/drawing/2010/main">
+        <mc:Choice Requires="a14">
           <p:sp>
             <p:nvSpPr>
               <p:cNvPr id="3" name="Symbol zastępczy zawartości 2"/>
@@ -11955,7 +11727,7 @@
             </p:txBody>
           </p:sp>
         </mc:Choice>
-        <mc:Fallback>
+        <mc:Fallback xmlns="">
           <p:sp>
             <p:nvSpPr>
               <p:cNvPr id="3" name="Symbol zastępczy zawartości 2"/>
@@ -12138,7 +11910,7 @@
             <p:spPr>
               <a:xfrm>
                 <a:off x="1629916" y="1844824"/>
-                <a:ext cx="9505056" cy="2088232"/>
+                <a:ext cx="9505056" cy="3960440"/>
               </a:xfrm>
             </p:spPr>
             <p:txBody>
@@ -12317,8 +12089,19 @@
                     <a:latin typeface="Calibri" panose="020F0502020204030204" pitchFamily="34" charset="0"/>
                     <a:cs typeface="Calibri" panose="020F0502020204030204" pitchFamily="34" charset="0"/>
                   </a:rPr>
-                  <a:t> (tym samym odwracalna)</a:t>
+                  <a:t> (tym samym odwracalna</a:t>
                 </a:r>
+                <a:r>
+                  <a:rPr lang="pl-PL" sz="2400" dirty="0" smtClean="0">
+                    <a:latin typeface="Calibri" panose="020F0502020204030204" pitchFamily="34" charset="0"/>
+                    <a:cs typeface="Calibri" panose="020F0502020204030204" pitchFamily="34" charset="0"/>
+                  </a:rPr>
+                  <a:t>).</a:t>
+                </a:r>
+                <a:endParaRPr lang="pl-PL" sz="2400" dirty="0" smtClean="0">
+                  <a:latin typeface="Calibri" panose="020F0502020204030204" pitchFamily="34" charset="0"/>
+                  <a:cs typeface="Calibri" panose="020F0502020204030204" pitchFamily="34" charset="0"/>
+                </a:endParaRPr>
               </a:p>
               <a:p>
                 <a:r>
@@ -12457,6 +12240,578 @@
                   <a:t>.</a:t>
                 </a:r>
               </a:p>
+              <a:p>
+                <a:r>
+                  <a:rPr lang="pl-PL" sz="2400" dirty="0" smtClean="0">
+                    <a:latin typeface="Calibri" panose="020F0502020204030204" pitchFamily="34" charset="0"/>
+                    <a:cs typeface="Calibri" panose="020F0502020204030204" pitchFamily="34" charset="0"/>
+                  </a:rPr>
+                  <a:t>Dla każdego wektora </a:t>
+                </a:r>
+                <a14:m>
+                  <m:oMath xmlns:m="http://schemas.openxmlformats.org/officeDocument/2006/math">
+                    <m:r>
+                      <a:rPr lang="pl-PL" sz="2400" b="0" i="1" smtClean="0">
+                        <a:latin typeface="Cambria Math" panose="02040503050406030204" pitchFamily="18" charset="0"/>
+                        <a:cs typeface="Calibri" panose="020F0502020204030204" pitchFamily="34" charset="0"/>
+                      </a:rPr>
+                      <m:t>𝑥</m:t>
+                    </m:r>
+                    <m:r>
+                      <a:rPr lang="pl-PL" sz="2400" dirty="0">
+                        <a:latin typeface="Cambria Math" panose="02040503050406030204" pitchFamily="18" charset="0"/>
+                        <a:ea typeface="Cambria Math" panose="02040503050406030204" pitchFamily="18" charset="0"/>
+                        <a:cs typeface="Calibri" panose="020F0502020204030204" pitchFamily="34" charset="0"/>
+                      </a:rPr>
+                      <m:t>∈</m:t>
+                    </m:r>
+                    <m:sSup>
+                      <m:sSupPr>
+                        <m:ctrlPr>
+                          <a:rPr lang="pl-PL" sz="2400" i="1" dirty="0" smtClean="0">
+                            <a:latin typeface="Cambria Math" panose="02040503050406030204" pitchFamily="18" charset="0"/>
+                            <a:ea typeface="Cambria Math" panose="02040503050406030204" pitchFamily="18" charset="0"/>
+                            <a:cs typeface="Calibri" panose="020F0502020204030204" pitchFamily="34" charset="0"/>
+                          </a:rPr>
+                        </m:ctrlPr>
+                      </m:sSupPr>
+                      <m:e>
+                        <m:r>
+                          <a:rPr lang="pl-PL" sz="2400" b="0" i="1" dirty="0" smtClean="0">
+                            <a:latin typeface="Cambria Math" panose="02040503050406030204" pitchFamily="18" charset="0"/>
+                            <a:ea typeface="Cambria Math" panose="02040503050406030204" pitchFamily="18" charset="0"/>
+                            <a:cs typeface="Calibri" panose="020F0502020204030204" pitchFamily="34" charset="0"/>
+                          </a:rPr>
+                          <m:t>𝑅</m:t>
+                        </m:r>
+                      </m:e>
+                      <m:sup>
+                        <m:r>
+                          <a:rPr lang="pl-PL" sz="2400" b="0" i="1" dirty="0" smtClean="0">
+                            <a:latin typeface="Cambria Math" panose="02040503050406030204" pitchFamily="18" charset="0"/>
+                            <a:ea typeface="Cambria Math" panose="02040503050406030204" pitchFamily="18" charset="0"/>
+                            <a:cs typeface="Calibri" panose="020F0502020204030204" pitchFamily="34" charset="0"/>
+                          </a:rPr>
+                          <m:t>𝑛</m:t>
+                        </m:r>
+                      </m:sup>
+                    </m:sSup>
+                  </m:oMath>
+                </a14:m>
+                <a:r>
+                  <a:rPr lang="pl-PL" sz="2400" dirty="0" smtClean="0">
+                    <a:latin typeface="Calibri" panose="020F0502020204030204" pitchFamily="34" charset="0"/>
+                    <a:cs typeface="Calibri" panose="020F0502020204030204" pitchFamily="34" charset="0"/>
+                  </a:rPr>
+                  <a:t> mamy: </a:t>
+                </a:r>
+                <a14:m>
+                  <m:oMath xmlns:m="http://schemas.openxmlformats.org/officeDocument/2006/math">
+                    <m:sSub>
+                      <m:sSubPr>
+                        <m:ctrlPr>
+                          <a:rPr lang="pl-PL" sz="2400" i="1" smtClean="0">
+                            <a:latin typeface="Cambria Math" panose="02040503050406030204" pitchFamily="18" charset="0"/>
+                            <a:cs typeface="Calibri" panose="020F0502020204030204" pitchFamily="34" charset="0"/>
+                          </a:rPr>
+                        </m:ctrlPr>
+                      </m:sSubPr>
+                      <m:e>
+                        <m:d>
+                          <m:dPr>
+                            <m:begChr m:val="‖"/>
+                            <m:endChr m:val="‖"/>
+                            <m:ctrlPr>
+                              <a:rPr lang="pl-PL" sz="2400" i="1">
+                                <a:latin typeface="Cambria Math" panose="02040503050406030204" pitchFamily="18" charset="0"/>
+                                <a:cs typeface="Calibri" panose="020F0502020204030204" pitchFamily="34" charset="0"/>
+                              </a:rPr>
+                            </m:ctrlPr>
+                          </m:dPr>
+                          <m:e>
+                            <m:r>
+                              <a:rPr lang="pl-PL" sz="2400" i="1">
+                                <a:latin typeface="Cambria Math" panose="02040503050406030204" pitchFamily="18" charset="0"/>
+                                <a:cs typeface="Calibri" panose="020F0502020204030204" pitchFamily="34" charset="0"/>
+                              </a:rPr>
+                              <m:t>𝐻𝑥</m:t>
+                            </m:r>
+                          </m:e>
+                        </m:d>
+                      </m:e>
+                      <m:sub>
+                        <m:r>
+                          <a:rPr lang="pl-PL" sz="2400" b="0" i="1" smtClean="0">
+                            <a:latin typeface="Cambria Math" panose="02040503050406030204" pitchFamily="18" charset="0"/>
+                            <a:cs typeface="Calibri" panose="020F0502020204030204" pitchFamily="34" charset="0"/>
+                          </a:rPr>
+                          <m:t>2</m:t>
+                        </m:r>
+                      </m:sub>
+                    </m:sSub>
+                    <m:r>
+                      <a:rPr lang="pl-PL" sz="2400" b="0" i="1" smtClean="0">
+                        <a:latin typeface="Cambria Math" panose="02040503050406030204" pitchFamily="18" charset="0"/>
+                        <a:cs typeface="Calibri" panose="020F0502020204030204" pitchFamily="34" charset="0"/>
+                      </a:rPr>
+                      <m:t>=</m:t>
+                    </m:r>
+                    <m:sSub>
+                      <m:sSubPr>
+                        <m:ctrlPr>
+                          <a:rPr lang="pl-PL" sz="2400" i="1">
+                            <a:latin typeface="Cambria Math" panose="02040503050406030204" pitchFamily="18" charset="0"/>
+                            <a:cs typeface="Calibri" panose="020F0502020204030204" pitchFamily="34" charset="0"/>
+                          </a:rPr>
+                        </m:ctrlPr>
+                      </m:sSubPr>
+                      <m:e>
+                        <m:d>
+                          <m:dPr>
+                            <m:begChr m:val="‖"/>
+                            <m:endChr m:val="‖"/>
+                            <m:ctrlPr>
+                              <a:rPr lang="pl-PL" sz="2400" i="1">
+                                <a:latin typeface="Cambria Math" panose="02040503050406030204" pitchFamily="18" charset="0"/>
+                                <a:cs typeface="Calibri" panose="020F0502020204030204" pitchFamily="34" charset="0"/>
+                              </a:rPr>
+                            </m:ctrlPr>
+                          </m:dPr>
+                          <m:e>
+                            <m:r>
+                              <a:rPr lang="pl-PL" sz="2400" i="1">
+                                <a:latin typeface="Cambria Math" panose="02040503050406030204" pitchFamily="18" charset="0"/>
+                                <a:cs typeface="Calibri" panose="020F0502020204030204" pitchFamily="34" charset="0"/>
+                              </a:rPr>
+                              <m:t>𝑥</m:t>
+                            </m:r>
+                          </m:e>
+                        </m:d>
+                      </m:e>
+                      <m:sub>
+                        <m:r>
+                          <a:rPr lang="pl-PL" sz="2400" i="1">
+                            <a:latin typeface="Cambria Math" panose="02040503050406030204" pitchFamily="18" charset="0"/>
+                            <a:cs typeface="Calibri" panose="020F0502020204030204" pitchFamily="34" charset="0"/>
+                          </a:rPr>
+                          <m:t>2</m:t>
+                        </m:r>
+                      </m:sub>
+                    </m:sSub>
+                  </m:oMath>
+                </a14:m>
+                <a:r>
+                  <a:rPr lang="pl-PL" sz="2400" dirty="0" smtClean="0">
+                    <a:latin typeface="Calibri" panose="020F0502020204030204" pitchFamily="34" charset="0"/>
+                    <a:cs typeface="Calibri" panose="020F0502020204030204" pitchFamily="34" charset="0"/>
+                  </a:rPr>
+                  <a:t>.</a:t>
+                </a:r>
+              </a:p>
+              <a:p>
+                <a:r>
+                  <a:rPr lang="pl-PL" sz="2400" dirty="0" smtClean="0">
+                    <a:latin typeface="Calibri" panose="020F0502020204030204" pitchFamily="34" charset="0"/>
+                    <a:cs typeface="Calibri" panose="020F0502020204030204" pitchFamily="34" charset="0"/>
+                  </a:rPr>
+                  <a:t>Dla każdej macierzy </a:t>
+                </a:r>
+                <a14:m>
+                  <m:oMath xmlns:m="http://schemas.openxmlformats.org/officeDocument/2006/math">
+                    <m:r>
+                      <m:rPr>
+                        <m:sty m:val="p"/>
+                      </m:rPr>
+                      <a:rPr lang="pl-PL" sz="2400" dirty="0">
+                        <a:latin typeface="Cambria Math" panose="02040503050406030204" pitchFamily="18" charset="0"/>
+                        <a:ea typeface="Cambria Math" panose="02040503050406030204" pitchFamily="18" charset="0"/>
+                        <a:cs typeface="Calibri" panose="020F0502020204030204" pitchFamily="34" charset="0"/>
+                      </a:rPr>
+                      <m:t>M</m:t>
+                    </m:r>
+                    <m:r>
+                      <a:rPr lang="pl-PL" sz="2400" dirty="0">
+                        <a:latin typeface="Cambria Math" panose="02040503050406030204" pitchFamily="18" charset="0"/>
+                        <a:ea typeface="Cambria Math" panose="02040503050406030204" pitchFamily="18" charset="0"/>
+                        <a:cs typeface="Calibri" panose="020F0502020204030204" pitchFamily="34" charset="0"/>
+                      </a:rPr>
+                      <m:t>∈</m:t>
+                    </m:r>
+                    <m:sSup>
+                      <m:sSupPr>
+                        <m:ctrlPr>
+                          <a:rPr lang="pl-PL" sz="2400" i="1" dirty="0">
+                            <a:latin typeface="Cambria Math" panose="02040503050406030204" pitchFamily="18" charset="0"/>
+                            <a:ea typeface="Cambria Math" panose="02040503050406030204" pitchFamily="18" charset="0"/>
+                            <a:cs typeface="Calibri" panose="020F0502020204030204" pitchFamily="34" charset="0"/>
+                          </a:rPr>
+                        </m:ctrlPr>
+                      </m:sSupPr>
+                      <m:e>
+                        <m:r>
+                          <a:rPr lang="pl-PL" sz="2400" i="1" dirty="0">
+                            <a:latin typeface="Cambria Math" panose="02040503050406030204" pitchFamily="18" charset="0"/>
+                            <a:ea typeface="Cambria Math" panose="02040503050406030204" pitchFamily="18" charset="0"/>
+                            <a:cs typeface="Calibri" panose="020F0502020204030204" pitchFamily="34" charset="0"/>
+                          </a:rPr>
+                          <m:t>𝑅</m:t>
+                        </m:r>
+                      </m:e>
+                      <m:sup>
+                        <m:r>
+                          <a:rPr lang="pl-PL" sz="2400" i="1" dirty="0">
+                            <a:latin typeface="Cambria Math" panose="02040503050406030204" pitchFamily="18" charset="0"/>
+                            <a:ea typeface="Cambria Math" panose="02040503050406030204" pitchFamily="18" charset="0"/>
+                            <a:cs typeface="Calibri" panose="020F0502020204030204" pitchFamily="34" charset="0"/>
+                          </a:rPr>
+                          <m:t>𝑛</m:t>
+                        </m:r>
+                        <m:r>
+                          <a:rPr lang="pl-PL" sz="2400" i="1" dirty="0" smtClean="0">
+                            <a:latin typeface="Cambria Math" panose="02040503050406030204" pitchFamily="18" charset="0"/>
+                            <a:ea typeface="Cambria Math" panose="02040503050406030204" pitchFamily="18" charset="0"/>
+                            <a:cs typeface="Calibri" panose="020F0502020204030204" pitchFamily="34" charset="0"/>
+                          </a:rPr>
+                          <m:t>×</m:t>
+                        </m:r>
+                        <m:r>
+                          <a:rPr lang="pl-PL" sz="2400" b="0" i="1" dirty="0" smtClean="0">
+                            <a:latin typeface="Cambria Math" panose="02040503050406030204" pitchFamily="18" charset="0"/>
+                            <a:ea typeface="Cambria Math" panose="02040503050406030204" pitchFamily="18" charset="0"/>
+                            <a:cs typeface="Calibri" panose="020F0502020204030204" pitchFamily="34" charset="0"/>
+                          </a:rPr>
+                          <m:t>𝑛</m:t>
+                        </m:r>
+                      </m:sup>
+                    </m:sSup>
+                  </m:oMath>
+                </a14:m>
+                <a:r>
+                  <a:rPr lang="pl-PL" sz="2400" dirty="0" smtClean="0">
+                    <a:latin typeface="Calibri" panose="020F0502020204030204" pitchFamily="34" charset="0"/>
+                    <a:cs typeface="Calibri" panose="020F0502020204030204" pitchFamily="34" charset="0"/>
+                  </a:rPr>
+                  <a:t> mamy: </a:t>
+                </a:r>
+                <a14:m>
+                  <m:oMath xmlns:m="http://schemas.openxmlformats.org/officeDocument/2006/math">
+                    <m:sSub>
+                      <m:sSubPr>
+                        <m:ctrlPr>
+                          <a:rPr lang="pl-PL" sz="2400" i="1">
+                            <a:latin typeface="Cambria Math" panose="02040503050406030204" pitchFamily="18" charset="0"/>
+                            <a:cs typeface="Calibri" panose="020F0502020204030204" pitchFamily="34" charset="0"/>
+                          </a:rPr>
+                        </m:ctrlPr>
+                      </m:sSubPr>
+                      <m:e>
+                        <m:d>
+                          <m:dPr>
+                            <m:begChr m:val="‖"/>
+                            <m:endChr m:val="‖"/>
+                            <m:ctrlPr>
+                              <a:rPr lang="pl-PL" sz="2400" i="1">
+                                <a:latin typeface="Cambria Math" panose="02040503050406030204" pitchFamily="18" charset="0"/>
+                                <a:cs typeface="Calibri" panose="020F0502020204030204" pitchFamily="34" charset="0"/>
+                              </a:rPr>
+                            </m:ctrlPr>
+                          </m:dPr>
+                          <m:e>
+                            <m:r>
+                              <a:rPr lang="pl-PL" sz="2400" i="1">
+                                <a:latin typeface="Cambria Math" panose="02040503050406030204" pitchFamily="18" charset="0"/>
+                                <a:cs typeface="Calibri" panose="020F0502020204030204" pitchFamily="34" charset="0"/>
+                              </a:rPr>
+                              <m:t>𝐻</m:t>
+                            </m:r>
+                            <m:r>
+                              <a:rPr lang="pl-PL" sz="2400" b="0" i="1" smtClean="0">
+                                <a:latin typeface="Cambria Math" panose="02040503050406030204" pitchFamily="18" charset="0"/>
+                                <a:cs typeface="Calibri" panose="020F0502020204030204" pitchFamily="34" charset="0"/>
+                              </a:rPr>
+                              <m:t>𝑀</m:t>
+                            </m:r>
+                          </m:e>
+                        </m:d>
+                      </m:e>
+                      <m:sub>
+                        <m:r>
+                          <a:rPr lang="pl-PL" sz="2400" i="1">
+                            <a:latin typeface="Cambria Math" panose="02040503050406030204" pitchFamily="18" charset="0"/>
+                            <a:cs typeface="Calibri" panose="020F0502020204030204" pitchFamily="34" charset="0"/>
+                          </a:rPr>
+                          <m:t>2</m:t>
+                        </m:r>
+                      </m:sub>
+                    </m:sSub>
+                    <m:r>
+                      <a:rPr lang="pl-PL" sz="2400" i="1">
+                        <a:latin typeface="Cambria Math" panose="02040503050406030204" pitchFamily="18" charset="0"/>
+                        <a:cs typeface="Calibri" panose="020F0502020204030204" pitchFamily="34" charset="0"/>
+                      </a:rPr>
+                      <m:t>=</m:t>
+                    </m:r>
+                    <m:sSub>
+                      <m:sSubPr>
+                        <m:ctrlPr>
+                          <a:rPr lang="pl-PL" sz="2400" i="1">
+                            <a:latin typeface="Cambria Math" panose="02040503050406030204" pitchFamily="18" charset="0"/>
+                            <a:cs typeface="Calibri" panose="020F0502020204030204" pitchFamily="34" charset="0"/>
+                          </a:rPr>
+                        </m:ctrlPr>
+                      </m:sSubPr>
+                      <m:e>
+                        <m:d>
+                          <m:dPr>
+                            <m:begChr m:val="‖"/>
+                            <m:endChr m:val="‖"/>
+                            <m:ctrlPr>
+                              <a:rPr lang="pl-PL" sz="2400" i="1">
+                                <a:latin typeface="Cambria Math" panose="02040503050406030204" pitchFamily="18" charset="0"/>
+                                <a:cs typeface="Calibri" panose="020F0502020204030204" pitchFamily="34" charset="0"/>
+                              </a:rPr>
+                            </m:ctrlPr>
+                          </m:dPr>
+                          <m:e>
+                            <m:r>
+                              <a:rPr lang="pl-PL" sz="2400" b="0" i="1" smtClean="0">
+                                <a:latin typeface="Cambria Math" panose="02040503050406030204" pitchFamily="18" charset="0"/>
+                                <a:cs typeface="Calibri" panose="020F0502020204030204" pitchFamily="34" charset="0"/>
+                              </a:rPr>
+                              <m:t>𝑀</m:t>
+                            </m:r>
+                          </m:e>
+                        </m:d>
+                      </m:e>
+                      <m:sub>
+                        <m:r>
+                          <a:rPr lang="pl-PL" sz="2400" i="1">
+                            <a:latin typeface="Cambria Math" panose="02040503050406030204" pitchFamily="18" charset="0"/>
+                            <a:cs typeface="Calibri" panose="020F0502020204030204" pitchFamily="34" charset="0"/>
+                          </a:rPr>
+                          <m:t>2</m:t>
+                        </m:r>
+                      </m:sub>
+                    </m:sSub>
+                  </m:oMath>
+                </a14:m>
+                <a:r>
+                  <a:rPr lang="pl-PL" sz="2400" dirty="0" smtClean="0">
+                    <a:latin typeface="Calibri" panose="020F0502020204030204" pitchFamily="34" charset="0"/>
+                    <a:cs typeface="Calibri" panose="020F0502020204030204" pitchFamily="34" charset="0"/>
+                  </a:rPr>
+                  <a:t>.</a:t>
+                </a:r>
+              </a:p>
+              <a:p>
+                <a:r>
+                  <a:rPr lang="pl-PL" sz="2400" dirty="0">
+                    <a:latin typeface="Calibri" panose="020F0502020204030204" pitchFamily="34" charset="0"/>
+                    <a:cs typeface="Calibri" panose="020F0502020204030204" pitchFamily="34" charset="0"/>
+                  </a:rPr>
+                  <a:t>Dla każdej macierzy </a:t>
+                </a:r>
+                <a14:m>
+                  <m:oMath xmlns:m="http://schemas.openxmlformats.org/officeDocument/2006/math">
+                    <m:r>
+                      <m:rPr>
+                        <m:sty m:val="p"/>
+                      </m:rPr>
+                      <a:rPr lang="pl-PL" sz="2400" dirty="0">
+                        <a:latin typeface="Cambria Math" panose="02040503050406030204" pitchFamily="18" charset="0"/>
+                        <a:ea typeface="Cambria Math" panose="02040503050406030204" pitchFamily="18" charset="0"/>
+                        <a:cs typeface="Calibri" panose="020F0502020204030204" pitchFamily="34" charset="0"/>
+                      </a:rPr>
+                      <m:t>M</m:t>
+                    </m:r>
+                    <m:r>
+                      <a:rPr lang="pl-PL" sz="2400" dirty="0">
+                        <a:latin typeface="Cambria Math" panose="02040503050406030204" pitchFamily="18" charset="0"/>
+                        <a:ea typeface="Cambria Math" panose="02040503050406030204" pitchFamily="18" charset="0"/>
+                        <a:cs typeface="Calibri" panose="020F0502020204030204" pitchFamily="34" charset="0"/>
+                      </a:rPr>
+                      <m:t>∈</m:t>
+                    </m:r>
+                    <m:sSup>
+                      <m:sSupPr>
+                        <m:ctrlPr>
+                          <a:rPr lang="pl-PL" sz="2400" i="1" dirty="0">
+                            <a:latin typeface="Cambria Math" panose="02040503050406030204" pitchFamily="18" charset="0"/>
+                            <a:ea typeface="Cambria Math" panose="02040503050406030204" pitchFamily="18" charset="0"/>
+                            <a:cs typeface="Calibri" panose="020F0502020204030204" pitchFamily="34" charset="0"/>
+                          </a:rPr>
+                        </m:ctrlPr>
+                      </m:sSupPr>
+                      <m:e>
+                        <m:r>
+                          <a:rPr lang="pl-PL" sz="2400" i="1" dirty="0">
+                            <a:latin typeface="Cambria Math" panose="02040503050406030204" pitchFamily="18" charset="0"/>
+                            <a:ea typeface="Cambria Math" panose="02040503050406030204" pitchFamily="18" charset="0"/>
+                            <a:cs typeface="Calibri" panose="020F0502020204030204" pitchFamily="34" charset="0"/>
+                          </a:rPr>
+                          <m:t>𝑅</m:t>
+                        </m:r>
+                      </m:e>
+                      <m:sup>
+                        <m:r>
+                          <a:rPr lang="pl-PL" sz="2400" i="1" dirty="0">
+                            <a:latin typeface="Cambria Math" panose="02040503050406030204" pitchFamily="18" charset="0"/>
+                            <a:ea typeface="Cambria Math" panose="02040503050406030204" pitchFamily="18" charset="0"/>
+                            <a:cs typeface="Calibri" panose="020F0502020204030204" pitchFamily="34" charset="0"/>
+                          </a:rPr>
+                          <m:t>𝑛</m:t>
+                        </m:r>
+                        <m:r>
+                          <a:rPr lang="pl-PL" sz="2400" i="1" dirty="0">
+                            <a:latin typeface="Cambria Math" panose="02040503050406030204" pitchFamily="18" charset="0"/>
+                            <a:ea typeface="Cambria Math" panose="02040503050406030204" pitchFamily="18" charset="0"/>
+                            <a:cs typeface="Calibri" panose="020F0502020204030204" pitchFamily="34" charset="0"/>
+                          </a:rPr>
+                          <m:t>×</m:t>
+                        </m:r>
+                        <m:r>
+                          <a:rPr lang="pl-PL" sz="2400" i="1" dirty="0">
+                            <a:latin typeface="Cambria Math" panose="02040503050406030204" pitchFamily="18" charset="0"/>
+                            <a:ea typeface="Cambria Math" panose="02040503050406030204" pitchFamily="18" charset="0"/>
+                            <a:cs typeface="Calibri" panose="020F0502020204030204" pitchFamily="34" charset="0"/>
+                          </a:rPr>
+                          <m:t>𝑛</m:t>
+                        </m:r>
+                      </m:sup>
+                    </m:sSup>
+                  </m:oMath>
+                </a14:m>
+                <a:r>
+                  <a:rPr lang="pl-PL" sz="2400" dirty="0">
+                    <a:latin typeface="Calibri" panose="020F0502020204030204" pitchFamily="34" charset="0"/>
+                    <a:cs typeface="Calibri" panose="020F0502020204030204" pitchFamily="34" charset="0"/>
+                  </a:rPr>
+                  <a:t> mamy</a:t>
+                </a:r>
+                <a:r>
+                  <a:rPr lang="pl-PL" sz="2400" dirty="0" smtClean="0">
+                    <a:latin typeface="Calibri" panose="020F0502020204030204" pitchFamily="34" charset="0"/>
+                    <a:cs typeface="Calibri" panose="020F0502020204030204" pitchFamily="34" charset="0"/>
+                  </a:rPr>
+                  <a:t>: </a:t>
+                </a:r>
+                <a14:m>
+                  <m:oMath xmlns:m="http://schemas.openxmlformats.org/officeDocument/2006/math">
+                    <m:sSub>
+                      <m:sSubPr>
+                        <m:ctrlPr>
+                          <a:rPr lang="pl-PL" sz="2400" b="0" i="1" smtClean="0">
+                            <a:latin typeface="Cambria Math" panose="02040503050406030204" pitchFamily="18" charset="0"/>
+                            <a:cs typeface="Calibri" panose="020F0502020204030204" pitchFamily="34" charset="0"/>
+                          </a:rPr>
+                        </m:ctrlPr>
+                      </m:sSubPr>
+                      <m:e>
+                        <m:r>
+                          <a:rPr lang="pl-PL" sz="2400" i="1">
+                            <a:latin typeface="Cambria Math" panose="02040503050406030204" pitchFamily="18" charset="0"/>
+                            <a:cs typeface="Calibri" panose="020F0502020204030204" pitchFamily="34" charset="0"/>
+                          </a:rPr>
+                          <m:t>𝑐𝑜𝑛𝑑</m:t>
+                        </m:r>
+                      </m:e>
+                      <m:sub>
+                        <m:r>
+                          <a:rPr lang="pl-PL" sz="2400" b="0" i="1" smtClean="0">
+                            <a:latin typeface="Cambria Math" panose="02040503050406030204" pitchFamily="18" charset="0"/>
+                            <a:cs typeface="Calibri" panose="020F0502020204030204" pitchFamily="34" charset="0"/>
+                          </a:rPr>
+                          <m:t>2</m:t>
+                        </m:r>
+                      </m:sub>
+                    </m:sSub>
+                    <m:d>
+                      <m:dPr>
+                        <m:ctrlPr>
+                          <a:rPr lang="pl-PL" sz="2400" b="0" i="1" smtClean="0">
+                            <a:latin typeface="Cambria Math" panose="02040503050406030204" pitchFamily="18" charset="0"/>
+                            <a:cs typeface="Calibri" panose="020F0502020204030204" pitchFamily="34" charset="0"/>
+                          </a:rPr>
+                        </m:ctrlPr>
+                      </m:dPr>
+                      <m:e>
+                        <m:r>
+                          <a:rPr lang="pl-PL" sz="2400" b="0" i="1" smtClean="0">
+                            <a:latin typeface="Cambria Math" panose="02040503050406030204" pitchFamily="18" charset="0"/>
+                            <a:cs typeface="Calibri" panose="020F0502020204030204" pitchFamily="34" charset="0"/>
+                          </a:rPr>
+                          <m:t>𝐻𝑀</m:t>
+                        </m:r>
+                      </m:e>
+                    </m:d>
+                    <m:r>
+                      <a:rPr lang="pl-PL" sz="2400" b="0" i="1" smtClean="0">
+                        <a:latin typeface="Cambria Math" panose="02040503050406030204" pitchFamily="18" charset="0"/>
+                        <a:cs typeface="Calibri" panose="020F0502020204030204" pitchFamily="34" charset="0"/>
+                      </a:rPr>
+                      <m:t>=</m:t>
+                    </m:r>
+                    <m:sSub>
+                      <m:sSubPr>
+                        <m:ctrlPr>
+                          <a:rPr lang="pl-PL" sz="2400" i="1">
+                            <a:latin typeface="Cambria Math" panose="02040503050406030204" pitchFamily="18" charset="0"/>
+                            <a:cs typeface="Calibri" panose="020F0502020204030204" pitchFamily="34" charset="0"/>
+                          </a:rPr>
+                        </m:ctrlPr>
+                      </m:sSubPr>
+                      <m:e>
+                        <m:r>
+                          <a:rPr lang="pl-PL" sz="2400" i="1">
+                            <a:latin typeface="Cambria Math" panose="02040503050406030204" pitchFamily="18" charset="0"/>
+                            <a:cs typeface="Calibri" panose="020F0502020204030204" pitchFamily="34" charset="0"/>
+                          </a:rPr>
+                          <m:t>𝑐𝑜𝑛𝑑</m:t>
+                        </m:r>
+                      </m:e>
+                      <m:sub>
+                        <m:r>
+                          <a:rPr lang="pl-PL" sz="2400" i="1">
+                            <a:latin typeface="Cambria Math" panose="02040503050406030204" pitchFamily="18" charset="0"/>
+                            <a:cs typeface="Calibri" panose="020F0502020204030204" pitchFamily="34" charset="0"/>
+                          </a:rPr>
+                          <m:t>2</m:t>
+                        </m:r>
+                      </m:sub>
+                    </m:sSub>
+                    <m:d>
+                      <m:dPr>
+                        <m:ctrlPr>
+                          <a:rPr lang="pl-PL" sz="2400" i="1">
+                            <a:latin typeface="Cambria Math" panose="02040503050406030204" pitchFamily="18" charset="0"/>
+                            <a:cs typeface="Calibri" panose="020F0502020204030204" pitchFamily="34" charset="0"/>
+                          </a:rPr>
+                        </m:ctrlPr>
+                      </m:dPr>
+                      <m:e>
+                        <m:r>
+                          <a:rPr lang="pl-PL" sz="2400" i="1">
+                            <a:latin typeface="Cambria Math" panose="02040503050406030204" pitchFamily="18" charset="0"/>
+                            <a:cs typeface="Calibri" panose="020F0502020204030204" pitchFamily="34" charset="0"/>
+                          </a:rPr>
+                          <m:t>𝑀</m:t>
+                        </m:r>
+                      </m:e>
+                    </m:d>
+                  </m:oMath>
+                </a14:m>
+                <a:r>
+                  <a:rPr lang="pl-PL" sz="2400" dirty="0" smtClean="0">
+                    <a:latin typeface="Calibri" panose="020F0502020204030204" pitchFamily="34" charset="0"/>
+                    <a:cs typeface="Calibri" panose="020F0502020204030204" pitchFamily="34" charset="0"/>
+                  </a:rPr>
+                  <a:t>.</a:t>
+                </a:r>
+                <a:endParaRPr lang="pl-PL" sz="2400" dirty="0" smtClean="0">
+                  <a:latin typeface="Calibri" panose="020F0502020204030204" pitchFamily="34" charset="0"/>
+                  <a:cs typeface="Calibri" panose="020F0502020204030204" pitchFamily="34" charset="0"/>
+                </a:endParaRPr>
+              </a:p>
             </p:txBody>
           </p:sp>
         </mc:Choice>
@@ -12474,12 +12829,12 @@
             <p:spPr>
               <a:xfrm>
                 <a:off x="1629916" y="1844824"/>
-                <a:ext cx="9505056" cy="2088232"/>
+                <a:ext cx="9505056" cy="3960440"/>
               </a:xfrm>
               <a:blipFill>
                 <a:blip r:embed="rId2"/>
                 <a:stretch>
-                  <a:fillRect l="-833" t="-4094"/>
+                  <a:fillRect l="-833" t="-2157"/>
                 </a:stretch>
               </a:blipFill>
             </p:spPr>
@@ -12583,8 +12938,8 @@
           </a:p>
         </p:txBody>
       </p:sp>
-      <mc:AlternateContent xmlns:mc="http://schemas.openxmlformats.org/markup-compatibility/2006">
-        <mc:Choice xmlns:a14="http://schemas.microsoft.com/office/drawing/2010/main" Requires="a14">
+      <mc:AlternateContent xmlns:mc="http://schemas.openxmlformats.org/markup-compatibility/2006" xmlns:a14="http://schemas.microsoft.com/office/drawing/2010/main">
+        <mc:Choice Requires="a14">
           <p:sp>
             <p:nvSpPr>
               <p:cNvPr id="3" name="Symbol zastępczy zawartości 2"/>
@@ -12676,7 +13031,7 @@
             </p:txBody>
           </p:sp>
         </mc:Choice>
-        <mc:Fallback>
+        <mc:Fallback xmlns="">
           <p:sp>
             <p:nvSpPr>
               <p:cNvPr id="3" name="Symbol zastępczy zawartości 2"/>
@@ -12988,7 +13343,7 @@
             <p:spPr>
               <a:xfrm>
                 <a:off x="1701924" y="1700808"/>
-                <a:ext cx="4248472" cy="1872208"/>
+                <a:ext cx="4608512" cy="1872208"/>
               </a:xfrm>
             </p:spPr>
             <p:txBody>
@@ -13093,12 +13448,12 @@
             <p:spPr>
               <a:xfrm>
                 <a:off x="1701924" y="1700808"/>
-                <a:ext cx="4248472" cy="1872208"/>
+                <a:ext cx="4608512" cy="1872208"/>
               </a:xfrm>
               <a:blipFill>
                 <a:blip r:embed="rId2"/>
                 <a:stretch>
-                  <a:fillRect l="-2152" t="-4560" r="-3730" b="-326"/>
+                  <a:fillRect l="-1984" t="-4560" r="-3175"/>
                 </a:stretch>
               </a:blipFill>
             </p:spPr>
@@ -13227,8 +13582,8 @@
           </a:p>
         </p:txBody>
       </p:sp>
-      <mc:AlternateContent xmlns:mc="http://schemas.openxmlformats.org/markup-compatibility/2006">
-        <mc:Choice xmlns:a14="http://schemas.microsoft.com/office/drawing/2010/main" Requires="a14">
+      <mc:AlternateContent xmlns:mc="http://schemas.openxmlformats.org/markup-compatibility/2006" xmlns:a14="http://schemas.microsoft.com/office/drawing/2010/main">
+        <mc:Choice Requires="a14">
           <p:sp>
             <p:nvSpPr>
               <p:cNvPr id="7" name="pole tekstowe 6"/>
@@ -13969,7 +14324,7 @@
             </p:txBody>
           </p:sp>
         </mc:Choice>
-        <mc:Fallback>
+        <mc:Fallback xmlns="">
           <p:sp>
             <p:nvSpPr>
               <p:cNvPr id="7" name="pole tekstowe 6"/>
@@ -14342,8 +14697,8 @@
           <a:chExt cx="0" cy="0"/>
         </a:xfrm>
       </p:grpSpPr>
-      <mc:AlternateContent xmlns:mc="http://schemas.openxmlformats.org/markup-compatibility/2006">
-        <mc:Choice xmlns:a14="http://schemas.microsoft.com/office/drawing/2010/main" Requires="a14">
+      <mc:AlternateContent xmlns:mc="http://schemas.openxmlformats.org/markup-compatibility/2006" xmlns:a14="http://schemas.microsoft.com/office/drawing/2010/main">
+        <mc:Choice Requires="a14">
           <p:sp>
             <p:nvSpPr>
               <p:cNvPr id="2" name="Tytuł 1"/>
@@ -14398,7 +14753,7 @@
             </p:txBody>
           </p:sp>
         </mc:Choice>
-        <mc:Fallback>
+        <mc:Fallback xmlns="">
           <p:sp>
             <p:nvSpPr>
               <p:cNvPr id="2" name="Tytuł 1"/>
@@ -14436,8 +14791,8 @@
           </p:sp>
         </mc:Fallback>
       </mc:AlternateContent>
-      <mc:AlternateContent xmlns:mc="http://schemas.openxmlformats.org/markup-compatibility/2006">
-        <mc:Choice xmlns:a14="http://schemas.microsoft.com/office/drawing/2010/main" Requires="a14">
+      <mc:AlternateContent xmlns:mc="http://schemas.openxmlformats.org/markup-compatibility/2006" xmlns:a14="http://schemas.microsoft.com/office/drawing/2010/main">
+        <mc:Choice Requires="a14">
           <p:sp>
             <p:nvSpPr>
               <p:cNvPr id="3" name="Symbol zastępczy zawartości 2"/>
@@ -14742,7 +15097,7 @@
             </p:txBody>
           </p:sp>
         </mc:Choice>
-        <mc:Fallback>
+        <mc:Fallback xmlns="">
           <p:sp>
             <p:nvSpPr>
               <p:cNvPr id="3" name="Symbol zastępczy zawartości 2"/>
@@ -14829,8 +15184,8 @@
           <a:chExt cx="0" cy="0"/>
         </a:xfrm>
       </p:grpSpPr>
-      <mc:AlternateContent xmlns:mc="http://schemas.openxmlformats.org/markup-compatibility/2006">
-        <mc:Choice xmlns:a14="http://schemas.microsoft.com/office/drawing/2010/main" Requires="a14">
+      <mc:AlternateContent xmlns:mc="http://schemas.openxmlformats.org/markup-compatibility/2006" xmlns:a14="http://schemas.microsoft.com/office/drawing/2010/main">
+        <mc:Choice Requires="a14">
           <p:sp>
             <p:nvSpPr>
               <p:cNvPr id="2" name="Tytuł 1"/>
@@ -14898,7 +15253,7 @@
             </p:txBody>
           </p:sp>
         </mc:Choice>
-        <mc:Fallback>
+        <mc:Fallback xmlns="">
           <p:sp>
             <p:nvSpPr>
               <p:cNvPr id="2" name="Tytuł 1"/>
@@ -14966,8 +15321,8 @@
           </a:prstGeom>
         </p:spPr>
       </p:pic>
-      <mc:AlternateContent xmlns:mc="http://schemas.openxmlformats.org/markup-compatibility/2006">
-        <mc:Choice xmlns:a14="http://schemas.microsoft.com/office/drawing/2010/main" Requires="a14">
+      <mc:AlternateContent xmlns:mc="http://schemas.openxmlformats.org/markup-compatibility/2006" xmlns:a14="http://schemas.microsoft.com/office/drawing/2010/main">
+        <mc:Choice Requires="a14">
           <p:sp>
             <p:nvSpPr>
               <p:cNvPr id="5" name="pole tekstowe 4"/>
@@ -15052,7 +15407,7 @@
             </p:txBody>
           </p:sp>
         </mc:Choice>
-        <mc:Fallback>
+        <mc:Fallback xmlns="">
           <p:sp>
             <p:nvSpPr>
               <p:cNvPr id="5" name="pole tekstowe 4"/>
@@ -15140,8 +15495,8 @@
           <a:chExt cx="0" cy="0"/>
         </a:xfrm>
       </p:grpSpPr>
-      <mc:AlternateContent xmlns:mc="http://schemas.openxmlformats.org/markup-compatibility/2006">
-        <mc:Choice xmlns:a14="http://schemas.microsoft.com/office/drawing/2010/main" Requires="a14">
+      <mc:AlternateContent xmlns:mc="http://schemas.openxmlformats.org/markup-compatibility/2006" xmlns:a14="http://schemas.microsoft.com/office/drawing/2010/main">
+        <mc:Choice Requires="a14">
           <p:sp>
             <p:nvSpPr>
               <p:cNvPr id="2" name="Tytuł 1"/>
@@ -15221,7 +15576,7 @@
             </p:txBody>
           </p:sp>
         </mc:Choice>
-        <mc:Fallback>
+        <mc:Fallback xmlns="">
           <p:sp>
             <p:nvSpPr>
               <p:cNvPr id="2" name="Tytuł 1"/>
@@ -15289,8 +15644,8 @@
           </a:prstGeom>
         </p:spPr>
       </p:pic>
-      <mc:AlternateContent xmlns:mc="http://schemas.openxmlformats.org/markup-compatibility/2006">
-        <mc:Choice xmlns:a14="http://schemas.microsoft.com/office/drawing/2010/main" Requires="a14">
+      <mc:AlternateContent xmlns:mc="http://schemas.openxmlformats.org/markup-compatibility/2006" xmlns:a14="http://schemas.microsoft.com/office/drawing/2010/main">
+        <mc:Choice Requires="a14">
           <p:sp>
             <p:nvSpPr>
               <p:cNvPr id="4" name="pole tekstowe 3"/>
@@ -15424,7 +15779,7 @@
             </p:txBody>
           </p:sp>
         </mc:Choice>
-        <mc:Fallback>
+        <mc:Fallback xmlns="">
           <p:sp>
             <p:nvSpPr>
               <p:cNvPr id="4" name="pole tekstowe 3"/>
@@ -15546,8 +15901,8 @@
           </a:p>
         </p:txBody>
       </p:sp>
-      <mc:AlternateContent xmlns:mc="http://schemas.openxmlformats.org/markup-compatibility/2006">
-        <mc:Choice xmlns:a14="http://schemas.microsoft.com/office/drawing/2010/main" Requires="a14">
+      <mc:AlternateContent xmlns:mc="http://schemas.openxmlformats.org/markup-compatibility/2006" xmlns:a14="http://schemas.microsoft.com/office/drawing/2010/main">
+        <mc:Choice Requires="a14">
           <p:sp>
             <p:nvSpPr>
               <p:cNvPr id="3" name="Symbol zastępczy zawartości 2"/>
@@ -15673,7 +16028,7 @@
             </p:txBody>
           </p:sp>
         </mc:Choice>
-        <mc:Fallback>
+        <mc:Fallback xmlns="">
           <p:sp>
             <p:nvSpPr>
               <p:cNvPr id="3" name="Symbol zastępczy zawartości 2"/>
@@ -15921,8 +16276,8 @@
           <a:chExt cx="0" cy="0"/>
         </a:xfrm>
       </p:grpSpPr>
-      <mc:AlternateContent xmlns:mc="http://schemas.openxmlformats.org/markup-compatibility/2006">
-        <mc:Choice xmlns:a14="http://schemas.microsoft.com/office/drawing/2010/main" Requires="a14">
+      <mc:AlternateContent xmlns:mc="http://schemas.openxmlformats.org/markup-compatibility/2006" xmlns:a14="http://schemas.microsoft.com/office/drawing/2010/main">
+        <mc:Choice Requires="a14">
           <p:sp>
             <p:nvSpPr>
               <p:cNvPr id="3" name="Symbol zastępczy zawartości 2"/>
@@ -16630,7 +16985,7 @@
             </p:txBody>
           </p:sp>
         </mc:Choice>
-        <mc:Fallback>
+        <mc:Fallback xmlns="">
           <p:sp>
             <p:nvSpPr>
               <p:cNvPr id="3" name="Symbol zastępczy zawartości 2"/>
@@ -17825,8 +18180,8 @@
             </p:nvSpPr>
             <p:spPr>
               <a:xfrm>
-                <a:off x="1593436" y="1916832"/>
-                <a:ext cx="9782801" cy="3024336"/>
+                <a:off x="1593436" y="1772816"/>
+                <a:ext cx="9782801" cy="2808312"/>
               </a:xfrm>
             </p:spPr>
             <p:txBody>
@@ -17844,38 +18199,69 @@
                       <m:jc m:val="centerGroup"/>
                     </m:oMathParaPr>
                     <m:oMath xmlns:m="http://schemas.openxmlformats.org/officeDocument/2006/math">
-                      <m:d>
-                        <m:dPr>
-                          <m:begChr m:val="‖"/>
-                          <m:endChr m:val="‖"/>
+                      <m:f>
+                        <m:fPr>
                           <m:ctrlPr>
                             <a:rPr lang="pl-PL" sz="2400" i="1" smtClean="0">
                               <a:latin typeface="Cambria Math" panose="02040503050406030204" pitchFamily="18" charset="0"/>
                             </a:rPr>
                           </m:ctrlPr>
-                        </m:dPr>
-                        <m:e>
-                          <m:r>
-                            <a:rPr lang="pl-PL" sz="2400" i="1" smtClean="0">
-                              <a:latin typeface="Cambria Math" panose="02040503050406030204" pitchFamily="18" charset="0"/>
-                            </a:rPr>
-                            <m:t>𝑠</m:t>
-                          </m:r>
-                          <m:r>
-                            <a:rPr lang="pl-PL" sz="2400" b="0" i="1" smtClean="0">
-                              <a:latin typeface="Cambria Math" panose="02040503050406030204" pitchFamily="18" charset="0"/>
-                            </a:rPr>
-                            <m:t>𝑖𝑔𝑛</m:t>
-                          </m:r>
+                        </m:fPr>
+                        <m:num>
                           <m:d>
                             <m:dPr>
+                              <m:begChr m:val="‖"/>
+                              <m:endChr m:val="‖"/>
                               <m:ctrlPr>
-                                <a:rPr lang="pl-PL" sz="2400" b="0" i="1" smtClean="0">
+                                <a:rPr lang="pl-PL" sz="2400" i="1" smtClean="0">
                                   <a:latin typeface="Cambria Math" panose="02040503050406030204" pitchFamily="18" charset="0"/>
                                 </a:rPr>
                               </m:ctrlPr>
                             </m:dPr>
                             <m:e>
+                              <m:sSup>
+                                <m:sSupPr>
+                                  <m:ctrlPr>
+                                    <a:rPr lang="pl-PL" sz="2400" i="1">
+                                      <a:latin typeface="Cambria Math" panose="02040503050406030204" pitchFamily="18" charset="0"/>
+                                    </a:rPr>
+                                  </m:ctrlPr>
+                                </m:sSupPr>
+                                <m:e>
+                                  <m:r>
+                                    <a:rPr lang="pl-PL" sz="2400" i="1">
+                                      <a:latin typeface="Cambria Math" panose="02040503050406030204" pitchFamily="18" charset="0"/>
+                                    </a:rPr>
+                                    <m:t>𝑥</m:t>
+                                  </m:r>
+                                </m:e>
+                                <m:sup>
+                                  <m:r>
+                                    <a:rPr lang="pl-PL" sz="2400" i="1">
+                                      <a:latin typeface="Cambria Math" panose="02040503050406030204" pitchFamily="18" charset="0"/>
+                                    </a:rPr>
+                                    <m:t>(</m:t>
+                                  </m:r>
+                                  <m:r>
+                                    <a:rPr lang="pl-PL" sz="2400" i="1">
+                                      <a:latin typeface="Cambria Math" panose="02040503050406030204" pitchFamily="18" charset="0"/>
+                                    </a:rPr>
+                                    <m:t>𝑘</m:t>
+                                  </m:r>
+                                  <m:r>
+                                    <a:rPr lang="pl-PL" sz="2400" i="1">
+                                      <a:latin typeface="Cambria Math" panose="02040503050406030204" pitchFamily="18" charset="0"/>
+                                    </a:rPr>
+                                    <m:t>+1)</m:t>
+                                  </m:r>
+                                </m:sup>
+                              </m:sSup>
+                              <m:r>
+                                <a:rPr lang="pl-PL" sz="2400" b="0" i="1" smtClean="0">
+                                  <a:latin typeface="Cambria Math" panose="02040503050406030204" pitchFamily="18" charset="0"/>
+                                </a:rPr>
+                                <m:t>−</m:t>
+                              </m:r>
                               <m:sSubSup>
                                 <m:sSubSupPr>
                                   <m:ctrlPr>
@@ -17884,6 +18270,53 @@
                                     </a:rPr>
                                   </m:ctrlPr>
                                 </m:sSubSupPr>
+                                <m:e>
+                                  <m:r>
+                                    <a:rPr lang="pl-PL" sz="2400" i="1">
+                                      <a:latin typeface="Cambria Math" panose="02040503050406030204" pitchFamily="18" charset="0"/>
+                                      <a:ea typeface="Cambria Math" panose="02040503050406030204" pitchFamily="18" charset="0"/>
+                                      <a:cs typeface="Calibri" panose="020F0502020204030204" pitchFamily="34" charset="0"/>
+                                    </a:rPr>
+                                    <m:t>𝜆</m:t>
+                                  </m:r>
+                                </m:e>
+                                <m:sub>
+                                  <m:r>
+                                    <a:rPr lang="pl-PL" sz="2400" b="0" i="1" smtClean="0">
+                                      <a:latin typeface="Cambria Math" panose="02040503050406030204" pitchFamily="18" charset="0"/>
+                                    </a:rPr>
+                                    <m:t>1</m:t>
+                                  </m:r>
+                                </m:sub>
+                                <m:sup>
+                                  <m:r>
+                                    <a:rPr lang="pl-PL" sz="2400" b="0" i="1" smtClean="0">
+                                      <a:latin typeface="Cambria Math" panose="02040503050406030204" pitchFamily="18" charset="0"/>
+                                    </a:rPr>
+                                    <m:t>(</m:t>
+                                  </m:r>
+                                  <m:r>
+                                    <a:rPr lang="pl-PL" sz="2400" b="0" i="1" smtClean="0">
+                                      <a:latin typeface="Cambria Math" panose="02040503050406030204" pitchFamily="18" charset="0"/>
+                                    </a:rPr>
+                                    <m:t>𝑘</m:t>
+                                  </m:r>
+                                  <m:r>
+                                    <a:rPr lang="pl-PL" sz="2400" b="0" i="1" smtClean="0">
+                                      <a:latin typeface="Cambria Math" panose="02040503050406030204" pitchFamily="18" charset="0"/>
+                                    </a:rPr>
+                                    <m:t>)</m:t>
+                                  </m:r>
+                                </m:sup>
+                              </m:sSubSup>
+                              <m:sSup>
+                                <m:sSupPr>
+                                  <m:ctrlPr>
+                                    <a:rPr lang="pl-PL" sz="2400" i="1">
+                                      <a:latin typeface="Cambria Math" panose="02040503050406030204" pitchFamily="18" charset="0"/>
+                                    </a:rPr>
+                                  </m:ctrlPr>
+                                </m:sSupPr>
                                 <m:e>
                                   <m:acc>
                                     <m:accPr>
@@ -17904,120 +18337,37 @@
                                     </m:e>
                                   </m:acc>
                                 </m:e>
-                                <m:sub>
-                                  <m:r>
-                                    <a:rPr lang="pl-PL" sz="2400" b="0" i="1" smtClean="0">
-                                      <a:latin typeface="Cambria Math" panose="02040503050406030204" pitchFamily="18" charset="0"/>
-                                    </a:rPr>
-                                    <m:t>𝑖</m:t>
-                                  </m:r>
-                                </m:sub>
                                 <m:sup>
-                                  <m:d>
-                                    <m:dPr>
-                                      <m:ctrlPr>
-                                        <a:rPr lang="pl-PL" sz="2400" b="0" i="1" smtClean="0">
-                                          <a:latin typeface="Cambria Math" panose="02040503050406030204" pitchFamily="18" charset="0"/>
-                                        </a:rPr>
-                                      </m:ctrlPr>
-                                    </m:dPr>
-                                    <m:e>
-                                      <m:r>
-                                        <a:rPr lang="pl-PL" sz="2400" b="0" i="1" smtClean="0">
-                                          <a:latin typeface="Cambria Math" panose="02040503050406030204" pitchFamily="18" charset="0"/>
-                                        </a:rPr>
-                                        <m:t>𝑘</m:t>
-                                      </m:r>
-                                      <m:r>
-                                        <a:rPr lang="pl-PL" sz="2400" b="0" i="1" smtClean="0">
-                                          <a:latin typeface="Cambria Math" panose="02040503050406030204" pitchFamily="18" charset="0"/>
-                                        </a:rPr>
-                                        <m:t>+1</m:t>
-                                      </m:r>
-                                    </m:e>
-                                  </m:d>
-                                </m:sup>
-                              </m:sSubSup>
-                            </m:e>
-                          </m:d>
-                          <m:r>
-                            <a:rPr lang="pl-PL" sz="2400" b="0" i="1" smtClean="0">
-                              <a:latin typeface="Cambria Math" panose="02040503050406030204" pitchFamily="18" charset="0"/>
-                              <a:ea typeface="Cambria Math" panose="02040503050406030204" pitchFamily="18" charset="0"/>
-                            </a:rPr>
-                            <m:t>∙</m:t>
-                          </m:r>
-                          <m:sSup>
-                            <m:sSupPr>
-                              <m:ctrlPr>
-                                <a:rPr lang="pl-PL" sz="2400" i="1">
-                                  <a:latin typeface="Cambria Math" panose="02040503050406030204" pitchFamily="18" charset="0"/>
-                                </a:rPr>
-                              </m:ctrlPr>
-                            </m:sSupPr>
-                            <m:e>
-                              <m:acc>
-                                <m:accPr>
-                                  <m:chr m:val="̃"/>
-                                  <m:ctrlPr>
-                                    <a:rPr lang="pl-PL" sz="2400" i="1">
-                                      <a:latin typeface="Cambria Math" panose="02040503050406030204" pitchFamily="18" charset="0"/>
-                                    </a:rPr>
-                                  </m:ctrlPr>
-                                </m:accPr>
-                                <m:e>
                                   <m:r>
                                     <a:rPr lang="pl-PL" sz="2400" i="1">
                                       <a:latin typeface="Cambria Math" panose="02040503050406030204" pitchFamily="18" charset="0"/>
                                     </a:rPr>
-                                    <m:t>𝑥</m:t>
+                                    <m:t>(</m:t>
                                   </m:r>
-                                </m:e>
-                              </m:acc>
+                                  <m:r>
+                                    <a:rPr lang="pl-PL" sz="2400" i="1">
+                                      <a:latin typeface="Cambria Math" panose="02040503050406030204" pitchFamily="18" charset="0"/>
+                                    </a:rPr>
+                                    <m:t>𝑘</m:t>
+                                  </m:r>
+                                  <m:r>
+                                    <a:rPr lang="pl-PL" sz="2400" i="1">
+                                      <a:latin typeface="Cambria Math" panose="02040503050406030204" pitchFamily="18" charset="0"/>
+                                    </a:rPr>
+                                    <m:t>)</m:t>
+                                  </m:r>
+                                </m:sup>
+                              </m:sSup>
                             </m:e>
-                            <m:sup>
-                              <m:r>
-                                <a:rPr lang="pl-PL" sz="2400" i="1">
-                                  <a:latin typeface="Cambria Math" panose="02040503050406030204" pitchFamily="18" charset="0"/>
-                                </a:rPr>
-                                <m:t>(</m:t>
-                              </m:r>
-                              <m:r>
-                                <a:rPr lang="pl-PL" sz="2400" i="1">
-                                  <a:latin typeface="Cambria Math" panose="02040503050406030204" pitchFamily="18" charset="0"/>
-                                </a:rPr>
-                                <m:t>𝑘</m:t>
-                              </m:r>
-                              <m:r>
-                                <a:rPr lang="pl-PL" sz="2400" b="0" i="1" smtClean="0">
-                                  <a:latin typeface="Cambria Math" panose="02040503050406030204" pitchFamily="18" charset="0"/>
-                                </a:rPr>
-                                <m:t>+1</m:t>
-                              </m:r>
-                              <m:r>
-                                <a:rPr lang="pl-PL" sz="2400" i="1">
-                                  <a:latin typeface="Cambria Math" panose="02040503050406030204" pitchFamily="18" charset="0"/>
-                                </a:rPr>
-                                <m:t>)</m:t>
-                              </m:r>
-                            </m:sup>
-                          </m:sSup>
-                          <m:r>
-                            <a:rPr lang="pl-PL" sz="2400" b="0" i="1" smtClean="0">
-                              <a:latin typeface="Cambria Math" panose="02040503050406030204" pitchFamily="18" charset="0"/>
-                            </a:rPr>
-                            <m:t>−</m:t>
-                          </m:r>
-                          <m:r>
-                            <a:rPr lang="pl-PL" sz="2400" i="1">
-                              <a:latin typeface="Cambria Math" panose="02040503050406030204" pitchFamily="18" charset="0"/>
-                            </a:rPr>
-                            <m:t>𝑠𝑖𝑔𝑛</m:t>
-                          </m:r>
+                          </m:d>
+                        </m:num>
+                        <m:den>
                           <m:d>
                             <m:dPr>
+                              <m:begChr m:val="|"/>
+                              <m:endChr m:val="|"/>
                               <m:ctrlPr>
-                                <a:rPr lang="pl-PL" sz="2400" i="1">
+                                <a:rPr lang="pl-PL" sz="2400" i="1" smtClean="0">
                                   <a:latin typeface="Cambria Math" panose="02040503050406030204" pitchFamily="18" charset="0"/>
                                 </a:rPr>
                               </m:ctrlPr>
@@ -18032,113 +18382,48 @@
                                   </m:ctrlPr>
                                 </m:sSubSupPr>
                                 <m:e>
-                                  <m:acc>
-                                    <m:accPr>
-                                      <m:chr m:val="̃"/>
-                                      <m:ctrlPr>
-                                        <a:rPr lang="pl-PL" sz="2400" i="1">
-                                          <a:latin typeface="Cambria Math" panose="02040503050406030204" pitchFamily="18" charset="0"/>
-                                        </a:rPr>
-                                      </m:ctrlPr>
-                                    </m:accPr>
-                                    <m:e>
-                                      <m:r>
-                                        <a:rPr lang="pl-PL" sz="2400" i="1">
-                                          <a:latin typeface="Cambria Math" panose="02040503050406030204" pitchFamily="18" charset="0"/>
-                                        </a:rPr>
-                                        <m:t>𝑥</m:t>
-                                      </m:r>
-                                    </m:e>
-                                  </m:acc>
+                                  <m:r>
+                                    <a:rPr lang="pl-PL" sz="2400" i="1">
+                                      <a:latin typeface="Cambria Math" panose="02040503050406030204" pitchFamily="18" charset="0"/>
+                                      <a:ea typeface="Cambria Math" panose="02040503050406030204" pitchFamily="18" charset="0"/>
+                                      <a:cs typeface="Calibri" panose="020F0502020204030204" pitchFamily="34" charset="0"/>
+                                    </a:rPr>
+                                    <m:t>𝜆</m:t>
+                                  </m:r>
                                 </m:e>
                                 <m:sub>
                                   <m:r>
                                     <a:rPr lang="pl-PL" sz="2400" i="1">
                                       <a:latin typeface="Cambria Math" panose="02040503050406030204" pitchFamily="18" charset="0"/>
                                     </a:rPr>
-                                    <m:t>𝑖</m:t>
+                                    <m:t>1</m:t>
                                   </m:r>
                                 </m:sub>
                                 <m:sup>
-                                  <m:d>
-                                    <m:dPr>
-                                      <m:ctrlPr>
-                                        <a:rPr lang="pl-PL" sz="2400" i="1">
-                                          <a:latin typeface="Cambria Math" panose="02040503050406030204" pitchFamily="18" charset="0"/>
-                                        </a:rPr>
-                                      </m:ctrlPr>
-                                    </m:dPr>
-                                    <m:e>
-                                      <m:r>
-                                        <a:rPr lang="pl-PL" sz="2400" i="1">
-                                          <a:latin typeface="Cambria Math" panose="02040503050406030204" pitchFamily="18" charset="0"/>
-                                        </a:rPr>
-                                        <m:t>𝑘</m:t>
-                                      </m:r>
-                                    </m:e>
-                                  </m:d>
+                                  <m:r>
+                                    <a:rPr lang="pl-PL" sz="2400" i="1">
+                                      <a:latin typeface="Cambria Math" panose="02040503050406030204" pitchFamily="18" charset="0"/>
+                                    </a:rPr>
+                                    <m:t>(</m:t>
+                                  </m:r>
+                                  <m:r>
+                                    <a:rPr lang="pl-PL" sz="2400" i="1">
+                                      <a:latin typeface="Cambria Math" panose="02040503050406030204" pitchFamily="18" charset="0"/>
+                                    </a:rPr>
+                                    <m:t>𝑘</m:t>
+                                  </m:r>
+                                  <m:r>
+                                    <a:rPr lang="pl-PL" sz="2400" i="1">
+                                      <a:latin typeface="Cambria Math" panose="02040503050406030204" pitchFamily="18" charset="0"/>
+                                    </a:rPr>
+                                    <m:t>)</m:t>
+                                  </m:r>
                                 </m:sup>
                               </m:sSubSup>
                             </m:e>
                           </m:d>
-                          <m:r>
-                            <a:rPr lang="pl-PL" sz="2400" i="1">
-                              <a:latin typeface="Cambria Math" panose="02040503050406030204" pitchFamily="18" charset="0"/>
-                              <a:ea typeface="Cambria Math" panose="02040503050406030204" pitchFamily="18" charset="0"/>
-                            </a:rPr>
-                            <m:t>∙</m:t>
-                          </m:r>
-                          <m:sSup>
-                            <m:sSupPr>
-                              <m:ctrlPr>
-                                <a:rPr lang="pl-PL" sz="2400" i="1">
-                                  <a:latin typeface="Cambria Math" panose="02040503050406030204" pitchFamily="18" charset="0"/>
-                                </a:rPr>
-                              </m:ctrlPr>
-                            </m:sSupPr>
-                            <m:e>
-                              <m:acc>
-                                <m:accPr>
-                                  <m:chr m:val="̃"/>
-                                  <m:ctrlPr>
-                                    <a:rPr lang="pl-PL" sz="2400" i="1">
-                                      <a:latin typeface="Cambria Math" panose="02040503050406030204" pitchFamily="18" charset="0"/>
-                                    </a:rPr>
-                                  </m:ctrlPr>
-                                </m:accPr>
-                                <m:e>
-                                  <m:r>
-                                    <a:rPr lang="pl-PL" sz="2400" i="1">
-                                      <a:latin typeface="Cambria Math" panose="02040503050406030204" pitchFamily="18" charset="0"/>
-                                    </a:rPr>
-                                    <m:t>𝑥</m:t>
-                                  </m:r>
-                                </m:e>
-                              </m:acc>
-                            </m:e>
-                            <m:sup>
-                              <m:r>
-                                <a:rPr lang="pl-PL" sz="2400" i="1">
-                                  <a:latin typeface="Cambria Math" panose="02040503050406030204" pitchFamily="18" charset="0"/>
-                                </a:rPr>
-                                <m:t>(</m:t>
-                              </m:r>
-                              <m:r>
-                                <a:rPr lang="pl-PL" sz="2400" i="1">
-                                  <a:latin typeface="Cambria Math" panose="02040503050406030204" pitchFamily="18" charset="0"/>
-                                </a:rPr>
-                                <m:t>𝑘</m:t>
-                              </m:r>
-                              <m:r>
-                                <a:rPr lang="pl-PL" sz="2400" i="1">
-                                  <a:latin typeface="Cambria Math" panose="02040503050406030204" pitchFamily="18" charset="0"/>
-                                </a:rPr>
-                                <m:t>)</m:t>
-                              </m:r>
-                            </m:sup>
-                          </m:sSup>
-                        </m:e>
-                      </m:d>
+                        </m:den>
+                      </m:f>
                       <m:r>
                         <a:rPr lang="pl-PL" sz="2400" b="0" i="1" smtClean="0">
                           <a:latin typeface="Cambria Math" panose="02040503050406030204" pitchFamily="18" charset="0"/>
@@ -18183,121 +18468,6 @@
                   <a:buNone/>
                 </a:pPr>
                 <a14:m>
-                  <m:oMathPara xmlns:m="http://schemas.openxmlformats.org/officeDocument/2006/math">
-                    <m:oMathParaPr>
-                      <m:jc m:val="left"/>
-                    </m:oMathParaPr>
-                    <m:oMath xmlns:m="http://schemas.openxmlformats.org/officeDocument/2006/math">
-                      <m:r>
-                        <a:rPr lang="pl-PL" sz="2400" i="1">
-                          <a:latin typeface="Cambria Math" panose="02040503050406030204" pitchFamily="18" charset="0"/>
-                        </a:rPr>
-                        <m:t>𝑠𝑖𝑔𝑛</m:t>
-                      </m:r>
-                      <m:d>
-                        <m:dPr>
-                          <m:ctrlPr>
-                            <a:rPr lang="pl-PL" sz="2400" b="0" i="1" smtClean="0">
-                              <a:latin typeface="Cambria Math" panose="02040503050406030204" pitchFamily="18" charset="0"/>
-                            </a:rPr>
-                          </m:ctrlPr>
-                        </m:dPr>
-                        <m:e>
-                          <m:r>
-                            <a:rPr lang="pl-PL" sz="2400" b="0" i="1" smtClean="0">
-                              <a:latin typeface="Cambria Math" panose="02040503050406030204" pitchFamily="18" charset="0"/>
-                            </a:rPr>
-                            <m:t>𝑥</m:t>
-                          </m:r>
-                        </m:e>
-                      </m:d>
-                      <m:r>
-                        <a:rPr lang="pl-PL" sz="2400" b="0" i="1" smtClean="0">
-                          <a:latin typeface="Cambria Math" panose="02040503050406030204" pitchFamily="18" charset="0"/>
-                        </a:rPr>
-                        <m:t>= </m:t>
-                      </m:r>
-                      <m:d>
-                        <m:dPr>
-                          <m:begChr m:val="{"/>
-                          <m:endChr m:val=""/>
-                          <m:ctrlPr>
-                            <a:rPr lang="pl-PL" sz="2400" b="0" i="1" smtClean="0">
-                              <a:latin typeface="Cambria Math" panose="02040503050406030204" pitchFamily="18" charset="0"/>
-                            </a:rPr>
-                          </m:ctrlPr>
-                        </m:dPr>
-                        <m:e>
-                          <m:eqArr>
-                            <m:eqArrPr>
-                              <m:ctrlPr>
-                                <a:rPr lang="pl-PL" sz="2400" b="0" i="1" smtClean="0">
-                                  <a:latin typeface="Cambria Math" panose="02040503050406030204" pitchFamily="18" charset="0"/>
-                                </a:rPr>
-                              </m:ctrlPr>
-                            </m:eqArrPr>
-                            <m:e>
-                              <m:r>
-                                <a:rPr lang="pl-PL" sz="2400" b="0" i="1" smtClean="0">
-                                  <a:latin typeface="Cambria Math" panose="02040503050406030204" pitchFamily="18" charset="0"/>
-                                </a:rPr>
-                                <m:t>   1,  </m:t>
-                              </m:r>
-                              <m:r>
-                                <a:rPr lang="pl-PL" sz="2400" b="0" i="1" smtClean="0">
-                                  <a:latin typeface="Cambria Math" panose="02040503050406030204" pitchFamily="18" charset="0"/>
-                                </a:rPr>
-                                <m:t>𝑥</m:t>
-                              </m:r>
-                              <m:r>
-                                <a:rPr lang="pl-PL" sz="2400" b="0" i="1" smtClean="0">
-                                  <a:latin typeface="Cambria Math" panose="02040503050406030204" pitchFamily="18" charset="0"/>
-                                </a:rPr>
-                                <m:t>≥0</m:t>
-                              </m:r>
-                            </m:e>
-                            <m:e>
-                              <m:r>
-                                <a:rPr lang="pl-PL" sz="2400" b="0" i="1" smtClean="0">
-                                  <a:latin typeface="Cambria Math" panose="02040503050406030204" pitchFamily="18" charset="0"/>
-                                </a:rPr>
-                                <m:t>−1,  </m:t>
-                              </m:r>
-                              <m:r>
-                                <a:rPr lang="pl-PL" sz="2400" i="1">
-                                  <a:latin typeface="Cambria Math" panose="02040503050406030204" pitchFamily="18" charset="0"/>
-                                </a:rPr>
-                                <m:t>𝑥</m:t>
-                              </m:r>
-                              <m:r>
-                                <a:rPr lang="pl-PL" sz="2400" b="0" i="1" smtClean="0">
-                                  <a:latin typeface="Cambria Math" panose="02040503050406030204" pitchFamily="18" charset="0"/>
-                                </a:rPr>
-                                <m:t>&lt;</m:t>
-                              </m:r>
-                              <m:r>
-                                <a:rPr lang="pl-PL" sz="2400" i="1">
-                                  <a:latin typeface="Cambria Math" panose="02040503050406030204" pitchFamily="18" charset="0"/>
-                                </a:rPr>
-                                <m:t>0</m:t>
-                              </m:r>
-                            </m:e>
-                          </m:eqArr>
-                        </m:e>
-                      </m:d>
-                    </m:oMath>
-                  </m:oMathPara>
-                </a14:m>
-                <a:endParaRPr lang="pl-PL" sz="2400" dirty="0" smtClean="0">
-                  <a:latin typeface="Calibri" panose="020F0502020204030204" pitchFamily="34" charset="0"/>
-                  <a:cs typeface="Calibri" panose="020F0502020204030204" pitchFamily="34" charset="0"/>
-                </a:endParaRPr>
-              </a:p>
-              <a:p>
-                <a:pPr marL="0" indent="0">
-                  <a:buNone/>
-                </a:pPr>
-                <a14:m>
                   <m:oMath xmlns:m="http://schemas.openxmlformats.org/officeDocument/2006/math">
                     <m:sSubSup>
                       <m:sSubSupPr>
@@ -18308,51 +18478,42 @@
                         </m:ctrlPr>
                       </m:sSubSupPr>
                       <m:e>
-                        <m:acc>
-                          <m:accPr>
-                            <m:chr m:val="̃"/>
-                            <m:ctrlPr>
-                              <a:rPr lang="pl-PL" sz="2400" i="1">
-                                <a:latin typeface="Cambria Math" panose="02040503050406030204" pitchFamily="18" charset="0"/>
-                              </a:rPr>
-                            </m:ctrlPr>
-                          </m:accPr>
-                          <m:e>
-                            <m:r>
-                              <a:rPr lang="pl-PL" sz="2400" i="1">
-                                <a:latin typeface="Cambria Math" panose="02040503050406030204" pitchFamily="18" charset="0"/>
-                              </a:rPr>
-                              <m:t>𝑥</m:t>
-                            </m:r>
-                          </m:e>
-                        </m:acc>
+                        <m:r>
+                          <a:rPr lang="pl-PL" sz="2400" i="1">
+                            <a:latin typeface="Cambria Math" panose="02040503050406030204" pitchFamily="18" charset="0"/>
+                            <a:ea typeface="Cambria Math" panose="02040503050406030204" pitchFamily="18" charset="0"/>
+                            <a:cs typeface="Calibri" panose="020F0502020204030204" pitchFamily="34" charset="0"/>
+                          </a:rPr>
+                          <m:t>𝜆</m:t>
+                        </m:r>
                       </m:e>
                       <m:sub>
                         <m:r>
                           <a:rPr lang="pl-PL" sz="2400" i="1">
                             <a:latin typeface="Cambria Math" panose="02040503050406030204" pitchFamily="18" charset="0"/>
                           </a:rPr>
-                          <m:t>𝑖</m:t>
+                          <m:t>1</m:t>
                         </m:r>
                       </m:sub>
                       <m:sup>
-                        <m:d>
-                          <m:dPr>
-                            <m:ctrlPr>
-                              <a:rPr lang="pl-PL" sz="2400" i="1">
-                                <a:latin typeface="Cambria Math" panose="02040503050406030204" pitchFamily="18" charset="0"/>
-                              </a:rPr>
-                            </m:ctrlPr>
-                          </m:dPr>
-                          <m:e>
-                            <m:r>
-                              <a:rPr lang="pl-PL" sz="2400" i="1">
-                                <a:latin typeface="Cambria Math" panose="02040503050406030204" pitchFamily="18" charset="0"/>
-                              </a:rPr>
-                              <m:t>𝑘</m:t>
-                            </m:r>
-                          </m:e>
-                        </m:d>
+                        <m:r>
+                          <a:rPr lang="pl-PL" sz="2400" i="1">
+                            <a:latin typeface="Cambria Math" panose="02040503050406030204" pitchFamily="18" charset="0"/>
+                          </a:rPr>
+                          <m:t>(</m:t>
+                        </m:r>
+                        <m:r>
+                          <a:rPr lang="pl-PL" sz="2400" i="1">
+                            <a:latin typeface="Cambria Math" panose="02040503050406030204" pitchFamily="18" charset="0"/>
+                          </a:rPr>
+                          <m:t>𝑘</m:t>
+                        </m:r>
+                        <m:r>
+                          <a:rPr lang="pl-PL" sz="2400" i="1">
+                            <a:latin typeface="Cambria Math" panose="02040503050406030204" pitchFamily="18" charset="0"/>
+                          </a:rPr>
+                          <m:t>)</m:t>
+                        </m:r>
                       </m:sup>
                     </m:sSubSup>
                   </m:oMath>
@@ -18362,61 +18523,25 @@
                     <a:latin typeface="Calibri" panose="020F0502020204030204" pitchFamily="34" charset="0"/>
                     <a:cs typeface="Calibri" panose="020F0502020204030204" pitchFamily="34" charset="0"/>
                   </a:rPr>
-                  <a:t>	- maksymalna co do modułu współrzędna wektora </a:t>
+                  <a:t>	- przybliżenie wartości własnej w </a:t>
                 </a:r>
                 <a14:m>
                   <m:oMath xmlns:m="http://schemas.openxmlformats.org/officeDocument/2006/math">
-                    <m:sSup>
-                      <m:sSupPr>
-                        <m:ctrlPr>
-                          <a:rPr lang="pl-PL" sz="2400" i="1">
-                            <a:latin typeface="Cambria Math" panose="02040503050406030204" pitchFamily="18" charset="0"/>
-                          </a:rPr>
-                        </m:ctrlPr>
-                      </m:sSupPr>
-                      <m:e>
-                        <m:acc>
-                          <m:accPr>
-                            <m:chr m:val="̃"/>
-                            <m:ctrlPr>
-                              <a:rPr lang="pl-PL" sz="2400" i="1">
-                                <a:latin typeface="Cambria Math" panose="02040503050406030204" pitchFamily="18" charset="0"/>
-                              </a:rPr>
-                            </m:ctrlPr>
-                          </m:accPr>
-                          <m:e>
-                            <m:r>
-                              <a:rPr lang="pl-PL" sz="2400" i="1">
-                                <a:latin typeface="Cambria Math" panose="02040503050406030204" pitchFamily="18" charset="0"/>
-                              </a:rPr>
-                              <m:t>𝑥</m:t>
-                            </m:r>
-                          </m:e>
-                        </m:acc>
-                      </m:e>
-                      <m:sup>
-                        <m:r>
-                          <a:rPr lang="pl-PL" sz="2400" i="1">
-                            <a:latin typeface="Cambria Math" panose="02040503050406030204" pitchFamily="18" charset="0"/>
-                          </a:rPr>
-                          <m:t>(</m:t>
-                        </m:r>
-                        <m:r>
-                          <a:rPr lang="pl-PL" sz="2400" i="1">
-                            <a:latin typeface="Cambria Math" panose="02040503050406030204" pitchFamily="18" charset="0"/>
-                          </a:rPr>
-                          <m:t>𝑘</m:t>
-                        </m:r>
-                        <m:r>
-                          <a:rPr lang="pl-PL" sz="2400" i="1">
-                            <a:latin typeface="Cambria Math" panose="02040503050406030204" pitchFamily="18" charset="0"/>
-                          </a:rPr>
-                          <m:t>)</m:t>
-                        </m:r>
-                      </m:sup>
-                    </m:sSup>
+                    <m:r>
+                      <a:rPr lang="pl-PL" sz="2400" i="1">
+                        <a:latin typeface="Cambria Math" panose="02040503050406030204" pitchFamily="18" charset="0"/>
+                      </a:rPr>
+                      <m:t>𝑘</m:t>
+                    </m:r>
                   </m:oMath>
                 </a14:m>
+                <a:r>
+                  <a:rPr lang="pl-PL" sz="2400" dirty="0" smtClean="0">
+                    <a:latin typeface="Calibri" panose="020F0502020204030204" pitchFamily="34" charset="0"/>
+                    <a:cs typeface="Calibri" panose="020F0502020204030204" pitchFamily="34" charset="0"/>
+                  </a:rPr>
+                  <a:t>-tym kroku</a:t>
+                </a:r>
                 <a:endParaRPr lang="pl-PL" sz="2400" dirty="0" smtClean="0">
                   <a:latin typeface="Calibri" panose="020F0502020204030204" pitchFamily="34" charset="0"/>
                   <a:cs typeface="Calibri" panose="020F0502020204030204" pitchFamily="34" charset="0"/>
@@ -18469,13 +18594,13 @@
             </p:nvSpPr>
             <p:spPr>
               <a:xfrm>
-                <a:off x="1593436" y="1916832"/>
-                <a:ext cx="9782801" cy="3024336"/>
+                <a:off x="1593436" y="1772816"/>
+                <a:ext cx="9782801" cy="2808312"/>
               </a:xfrm>
               <a:blipFill>
                 <a:blip r:embed="rId2"/>
                 <a:stretch>
-                  <a:fillRect l="-935" b="-1207"/>
+                  <a:fillRect l="-935" b="-2174"/>
                 </a:stretch>
               </a:blipFill>
             </p:spPr>
@@ -18579,8 +18704,8 @@
           </a:p>
         </p:txBody>
       </p:sp>
-      <mc:AlternateContent xmlns:mc="http://schemas.openxmlformats.org/markup-compatibility/2006">
-        <mc:Choice xmlns:a14="http://schemas.microsoft.com/office/drawing/2010/main" Requires="a14">
+      <mc:AlternateContent xmlns:mc="http://schemas.openxmlformats.org/markup-compatibility/2006" xmlns:a14="http://schemas.microsoft.com/office/drawing/2010/main">
+        <mc:Choice Requires="a14">
           <p:sp>
             <p:nvSpPr>
               <p:cNvPr id="4" name="Symbol zastępczy zawartości 2"/>
@@ -18926,7 +19051,7 @@
             </p:txBody>
           </p:sp>
         </mc:Choice>
-        <mc:Fallback>
+        <mc:Fallback xmlns="">
           <p:sp>
             <p:nvSpPr>
               <p:cNvPr id="4" name="Symbol zastępczy zawartości 2"/>

--- a/Project2/Presentation/P2Z20_AGR.pptx
+++ b/Project2/Presentation/P2Z20_AGR.pptx
@@ -256,7 +256,7 @@
             <a:pPr rtl="0"/>
             <a:fld id="{259B836B-1D14-4898-A0A6-D61FF17C9DBC}" type="datetime1">
               <a:rPr lang="pl-PL" smtClean="0"/>
-              <a:t>01.01.2024</a:t>
+              <a:t>02.01.2024</a:t>
             </a:fld>
             <a:endParaRPr lang="pl-PL" dirty="0"/>
           </a:p>
@@ -433,7 +433,7 @@
             <a:fld id="{0B49425D-C08F-42D2-9661-205968B2C1FB}" type="datetime1">
               <a:rPr lang="pl-PL" smtClean="0"/>
               <a:pPr/>
-              <a:t>01.01.2024</a:t>
+              <a:t>02.01.2024</a:t>
             </a:fld>
             <a:endParaRPr lang="pl-PL" dirty="0"/>
           </a:p>
@@ -1805,7 +1805,7 @@
             <a:fld id="{0891712C-DFA3-4BBB-949A-441F8D94FB78}" type="datetime1">
               <a:rPr lang="pl-PL" smtClean="0"/>
               <a:pPr/>
-              <a:t>01.01.2024</a:t>
+              <a:t>02.01.2024</a:t>
             </a:fld>
             <a:endParaRPr lang="pl-PL" dirty="0"/>
           </a:p>
@@ -2037,7 +2037,7 @@
             <a:fld id="{945AF6E0-399A-47E1-A1DB-7B7324AFFA86}" type="datetime1">
               <a:rPr lang="pl-PL" smtClean="0"/>
               <a:pPr/>
-              <a:t>01.01.2024</a:t>
+              <a:t>02.01.2024</a:t>
             </a:fld>
             <a:endParaRPr lang="pl-PL" dirty="0"/>
           </a:p>
@@ -2865,7 +2865,7 @@
             <a:fld id="{C607926C-DC73-443E-A62B-EE34064092FB}" type="datetime1">
               <a:rPr lang="pl-PL" smtClean="0"/>
               <a:pPr/>
-              <a:t>01.01.2024</a:t>
+              <a:t>02.01.2024</a:t>
             </a:fld>
             <a:endParaRPr lang="pl-PL" dirty="0"/>
           </a:p>
@@ -3075,7 +3075,7 @@
             <a:fld id="{E5FE2A44-E43C-4DB0-9333-8D36003B44E7}" type="datetime1">
               <a:rPr lang="pl-PL" smtClean="0"/>
               <a:pPr/>
-              <a:t>01.01.2024</a:t>
+              <a:t>02.01.2024</a:t>
             </a:fld>
             <a:endParaRPr lang="pl-PL" dirty="0"/>
           </a:p>
@@ -4346,7 +4346,7 @@
             <a:fld id="{73A63387-177D-4170-9A3F-154CB0D93663}" type="datetime1">
               <a:rPr lang="pl-PL" smtClean="0"/>
               <a:pPr/>
-              <a:t>01.01.2024</a:t>
+              <a:t>02.01.2024</a:t>
             </a:fld>
             <a:endParaRPr lang="pl-PL" dirty="0"/>
           </a:p>
@@ -4680,7 +4680,7 @@
             <a:fld id="{1CFAE661-66FE-4314-8504-F784411951F4}" type="datetime1">
               <a:rPr lang="pl-PL" smtClean="0"/>
               <a:pPr/>
-              <a:t>01.01.2024</a:t>
+              <a:t>02.01.2024</a:t>
             </a:fld>
             <a:endParaRPr lang="pl-PL" dirty="0"/>
           </a:p>
@@ -5140,7 +5140,7 @@
             <a:fld id="{33DE8A6F-0E38-430F-8DDD-319E6F7E6EAA}" type="datetime1">
               <a:rPr lang="pl-PL" smtClean="0"/>
               <a:pPr/>
-              <a:t>01.01.2024</a:t>
+              <a:t>02.01.2024</a:t>
             </a:fld>
             <a:endParaRPr lang="pl-PL" dirty="0"/>
           </a:p>
@@ -5282,7 +5282,7 @@
             <a:fld id="{14227057-05C3-4648-ABCB-F25BC875C77C}" type="datetime1">
               <a:rPr lang="pl-PL" smtClean="0"/>
               <a:pPr/>
-              <a:t>01.01.2024</a:t>
+              <a:t>02.01.2024</a:t>
             </a:fld>
             <a:endParaRPr lang="pl-PL" dirty="0"/>
           </a:p>
@@ -5628,7 +5628,7 @@
             <a:fld id="{9DD6C040-6C40-4FE1-A91C-782E8F88FE59}" type="datetime1">
               <a:rPr lang="pl-PL" smtClean="0"/>
               <a:pPr/>
-              <a:t>01.01.2024</a:t>
+              <a:t>02.01.2024</a:t>
             </a:fld>
             <a:endParaRPr lang="pl-PL" dirty="0"/>
           </a:p>
@@ -6132,7 +6132,7 @@
             <a:fld id="{C1F1E1EE-6F53-47AB-A934-DBB9363F4AE6}" type="datetime1">
               <a:rPr lang="pl-PL" smtClean="0"/>
               <a:pPr/>
-              <a:t>01.01.2024</a:t>
+              <a:t>02.01.2024</a:t>
             </a:fld>
             <a:endParaRPr lang="pl-PL" dirty="0"/>
           </a:p>
@@ -6589,7 +6589,7 @@
             <a:fld id="{88F116C8-0054-4794-B06D-CBA61F961298}" type="datetime1">
               <a:rPr lang="pl-PL" smtClean="0"/>
               <a:pPr/>
-              <a:t>01.01.2024</a:t>
+              <a:t>02.01.2024</a:t>
             </a:fld>
             <a:endParaRPr lang="pl-PL" dirty="0"/>
           </a:p>
@@ -7496,7 +7496,7 @@
             <a:fld id="{7513D91F-FF86-4B7D-8E15-3B9D5855F3A0}" type="datetime1">
               <a:rPr lang="pl-PL" smtClean="0"/>
               <a:pPr/>
-              <a:t>01.01.2024</a:t>
+              <a:t>02.01.2024</a:t>
             </a:fld>
             <a:endParaRPr lang="pl-PL" dirty="0"/>
           </a:p>
@@ -9548,8 +9548,8 @@
           </p:sp>
         </mc:Fallback>
       </mc:AlternateContent>
-      <mc:AlternateContent xmlns:mc="http://schemas.openxmlformats.org/markup-compatibility/2006" xmlns:a14="http://schemas.microsoft.com/office/drawing/2010/main">
-        <mc:Choice Requires="a14">
+      <mc:AlternateContent xmlns:mc="http://schemas.openxmlformats.org/markup-compatibility/2006">
+        <mc:Choice xmlns:a14="http://schemas.microsoft.com/office/drawing/2010/main" Requires="a14">
           <p:sp>
             <p:nvSpPr>
               <p:cNvPr id="6" name="pole tekstowe 5"/>
@@ -9559,7 +9559,7 @@
             <p:spPr>
               <a:xfrm>
                 <a:off x="2850094" y="3959192"/>
-                <a:ext cx="2784801" cy="490006"/>
+                <a:ext cx="2677592" cy="453394"/>
               </a:xfrm>
               <a:prstGeom prst="rect">
                 <a:avLst/>
@@ -9579,8 +9579,8 @@
                       <m:jc m:val="centerGroup"/>
                     </m:oMathParaPr>
                     <m:oMath xmlns:m="http://schemas.openxmlformats.org/officeDocument/2006/math">
-                      <m:sSub>
-                        <m:sSubPr>
+                      <m:sSubSup>
+                        <m:sSubSupPr>
                           <m:ctrlPr>
                             <a:rPr lang="pl-PL" sz="2400" i="1" smtClean="0">
                               <a:latin typeface="Cambria Math" panose="02040503050406030204" pitchFamily="18" charset="0"/>
@@ -9588,7 +9588,7 @@
                               <a:cs typeface="Calibri" panose="020F0502020204030204" pitchFamily="34" charset="0"/>
                             </a:rPr>
                           </m:ctrlPr>
-                        </m:sSubPr>
+                        </m:sSubSupPr>
                         <m:e>
                           <m:r>
                             <a:rPr lang="pl-PL" sz="2400" i="1">
@@ -9601,34 +9601,36 @@
                         </m:e>
                         <m:sub>
                           <m:r>
-                            <a:rPr lang="pl-PL" sz="2400" i="1">
+                            <a:rPr lang="pl-PL" sz="2400" b="0" i="1" smtClean="0">
                               <a:latin typeface="Cambria Math" panose="02040503050406030204" pitchFamily="18" charset="0"/>
                               <a:ea typeface="Cambria Math" panose="02040503050406030204" pitchFamily="18" charset="0"/>
                               <a:cs typeface="Calibri" panose="020F0502020204030204" pitchFamily="34" charset="0"/>
                             </a:rPr>
-                            <m:t>𝑚</m:t>
+                            <m:t>𝑛</m:t>
                           </m:r>
+                        </m:sub>
+                        <m:sup>
                           <m:r>
                             <a:rPr lang="pl-PL" sz="2400" b="0" i="1" smtClean="0">
                               <a:latin typeface="Cambria Math" panose="02040503050406030204" pitchFamily="18" charset="0"/>
                               <a:ea typeface="Cambria Math" panose="02040503050406030204" pitchFamily="18" charset="0"/>
                               <a:cs typeface="Calibri" panose="020F0502020204030204" pitchFamily="34" charset="0"/>
                             </a:rPr>
-                            <m:t>𝑖𝑛</m:t>
+                            <m:t>−1</m:t>
                           </m:r>
-                        </m:sub>
-                      </m:sSub>
+                        </m:sup>
+                      </m:sSubSup>
                       <m:r>
-                        <a:rPr lang="pl-PL" sz="2400" b="0" i="1" smtClean="0">
+                        <a:rPr lang="pl-PL" sz="2400" i="1">
                           <a:latin typeface="Cambria Math" panose="02040503050406030204" pitchFamily="18" charset="0"/>
                           <a:ea typeface="Cambria Math" panose="02040503050406030204" pitchFamily="18" charset="0"/>
                         </a:rPr>
-                        <m:t>=</m:t>
+                        <m:t>≈</m:t>
                       </m:r>
                       <m:sSup>
                         <m:sSupPr>
                           <m:ctrlPr>
-                            <a:rPr lang="pl-PL" sz="2400" b="0" i="1" smtClean="0">
+                            <a:rPr lang="pl-PL" sz="2400" i="1">
                               <a:latin typeface="Cambria Math" panose="02040503050406030204" pitchFamily="18" charset="0"/>
                               <a:ea typeface="Cambria Math" panose="02040503050406030204" pitchFamily="18" charset="0"/>
                             </a:rPr>
@@ -9684,7 +9686,7 @@
                                     <a:rPr lang="pl-PL" sz="2400" i="1">
                                       <a:latin typeface="Cambria Math" panose="02040503050406030204" pitchFamily="18" charset="0"/>
                                     </a:rPr>
-                                    <m:t>𝑛</m:t>
+                                    <m:t>𝑘</m:t>
                                   </m:r>
                                   <m:r>
                                     <a:rPr lang="pl-PL" sz="2400" i="1">
@@ -9699,20 +9701,13 @@
                         </m:e>
                         <m:sup>
                           <m:r>
-                            <a:rPr lang="pl-PL" sz="2400" b="0" i="1" smtClean="0">
+                            <a:rPr lang="pl-PL" sz="2400" i="1">
                               <a:latin typeface="Cambria Math" panose="02040503050406030204" pitchFamily="18" charset="0"/>
-                              <a:ea typeface="Cambria Math" panose="02040503050406030204" pitchFamily="18" charset="0"/>
                             </a:rPr>
-                            <m:t>𝑇</m:t>
+                            <m:t>∗</m:t>
                           </m:r>
                         </m:sup>
                       </m:sSup>
-                      <m:r>
-                        <a:rPr lang="pl-PL" sz="2400" i="1">
-                          <a:latin typeface="Cambria Math" panose="02040503050406030204" pitchFamily="18" charset="0"/>
-                        </a:rPr>
-                        <m:t>𝐴</m:t>
-                      </m:r>
                       <m:sSup>
                         <m:sSupPr>
                           <m:ctrlPr>
@@ -9722,24 +9717,12 @@
                           </m:ctrlPr>
                         </m:sSupPr>
                         <m:e>
-                          <m:acc>
-                            <m:accPr>
-                              <m:chr m:val="̃"/>
-                              <m:ctrlPr>
-                                <a:rPr lang="pl-PL" sz="2400" i="1">
-                                  <a:latin typeface="Cambria Math" panose="02040503050406030204" pitchFamily="18" charset="0"/>
-                                </a:rPr>
-                              </m:ctrlPr>
-                            </m:accPr>
-                            <m:e>
-                              <m:r>
-                                <a:rPr lang="pl-PL" sz="2400" i="1">
-                                  <a:latin typeface="Cambria Math" panose="02040503050406030204" pitchFamily="18" charset="0"/>
-                                </a:rPr>
-                                <m:t>𝑥</m:t>
-                              </m:r>
-                            </m:e>
-                          </m:acc>
+                          <m:r>
+                            <a:rPr lang="pl-PL" sz="2400" i="1">
+                              <a:latin typeface="Cambria Math" panose="02040503050406030204" pitchFamily="18" charset="0"/>
+                            </a:rPr>
+                            <m:t>𝑥</m:t>
+                          </m:r>
                         </m:e>
                         <m:sup>
                           <m:r>
@@ -9752,13 +9735,13 @@
                             <a:rPr lang="pl-PL" sz="2400" i="1">
                               <a:latin typeface="Cambria Math" panose="02040503050406030204" pitchFamily="18" charset="0"/>
                             </a:rPr>
-                            <m:t>𝑛</m:t>
+                            <m:t>𝑘</m:t>
                           </m:r>
                           <m:r>
                             <a:rPr lang="pl-PL" sz="2400" i="1">
                               <a:latin typeface="Cambria Math" panose="02040503050406030204" pitchFamily="18" charset="0"/>
                             </a:rPr>
-                            <m:t>)</m:t>
+                            <m:t>+1)</m:t>
                           </m:r>
                         </m:sup>
                       </m:sSup>
@@ -9770,7 +9753,7 @@
             </p:txBody>
           </p:sp>
         </mc:Choice>
-        <mc:Fallback xmlns="">
+        <mc:Fallback>
           <p:sp>
             <p:nvSpPr>
               <p:cNvPr id="6" name="pole tekstowe 5"/>
@@ -9782,7 +9765,7 @@
             <p:spPr>
               <a:xfrm>
                 <a:off x="2850094" y="3959192"/>
-                <a:ext cx="2784801" cy="490006"/>
+                <a:ext cx="2677592" cy="453394"/>
               </a:xfrm>
               <a:prstGeom prst="rect">
                 <a:avLst/>
@@ -10166,56 +10149,116 @@
           </p:sp>
         </mc:Fallback>
       </mc:AlternateContent>
-      <p:sp>
-        <p:nvSpPr>
-          <p:cNvPr id="3" name="pole tekstowe 2"/>
-          <p:cNvSpPr txBox="1"/>
-          <p:nvPr/>
-        </p:nvSpPr>
-        <p:spPr>
-          <a:xfrm>
-            <a:off x="1617935" y="5085184"/>
-            <a:ext cx="8454288" cy="1569660"/>
-          </a:xfrm>
-          <a:prstGeom prst="rect">
-            <a:avLst/>
-          </a:prstGeom>
-          <a:noFill/>
-        </p:spPr>
-        <p:txBody>
-          <a:bodyPr wrap="square" rtlCol="0">
-            <a:spAutoFit/>
-          </a:bodyPr>
-          <a:lstStyle/>
-          <a:p>
-            <a:r>
-              <a:rPr lang="pl-PL" sz="2400" dirty="0" smtClean="0">
-                <a:latin typeface="Calibri" panose="020F0502020204030204" pitchFamily="34" charset="0"/>
-                <a:cs typeface="Calibri" panose="020F0502020204030204" pitchFamily="34" charset="0"/>
-              </a:rPr>
-              <a:t>Do rozwiązywania układów równań liniowych wykorzystujemy metody oparte na rozkładach macierzy na czynniki lub przekształceniach ortogonalnych takich jak na przykład transformacje </a:t>
-            </a:r>
-            <a:r>
-              <a:rPr lang="pl-PL" sz="2400" dirty="0" err="1" smtClean="0">
-                <a:latin typeface="Calibri" panose="020F0502020204030204" pitchFamily="34" charset="0"/>
-                <a:cs typeface="Calibri" panose="020F0502020204030204" pitchFamily="34" charset="0"/>
-              </a:rPr>
-              <a:t>Householdera</a:t>
-            </a:r>
-            <a:r>
-              <a:rPr lang="pl-PL" sz="2400" dirty="0" smtClean="0">
-                <a:latin typeface="Calibri" panose="020F0502020204030204" pitchFamily="34" charset="0"/>
-                <a:cs typeface="Calibri" panose="020F0502020204030204" pitchFamily="34" charset="0"/>
-              </a:rPr>
-              <a:t>.</a:t>
-            </a:r>
-            <a:endParaRPr lang="pl-PL" sz="2400" dirty="0">
-              <a:latin typeface="Calibri" panose="020F0502020204030204" pitchFamily="34" charset="0"/>
-              <a:cs typeface="Calibri" panose="020F0502020204030204" pitchFamily="34" charset="0"/>
-            </a:endParaRPr>
-          </a:p>
-        </p:txBody>
-      </p:sp>
+      <mc:AlternateContent xmlns:mc="http://schemas.openxmlformats.org/markup-compatibility/2006">
+        <mc:Choice xmlns:a14="http://schemas.microsoft.com/office/drawing/2010/main" Requires="a14">
+          <p:sp>
+            <p:nvSpPr>
+              <p:cNvPr id="3" name="pole tekstowe 2"/>
+              <p:cNvSpPr txBox="1"/>
+              <p:nvPr/>
+            </p:nvSpPr>
+            <p:spPr>
+              <a:xfrm>
+                <a:off x="1617935" y="5085184"/>
+                <a:ext cx="8454288" cy="1569660"/>
+              </a:xfrm>
+              <a:prstGeom prst="rect">
+                <a:avLst/>
+              </a:prstGeom>
+              <a:noFill/>
+            </p:spPr>
+            <p:txBody>
+              <a:bodyPr wrap="square" rtlCol="0">
+                <a:spAutoFit/>
+              </a:bodyPr>
+              <a:lstStyle/>
+              <a:p>
+                <a:r>
+                  <a:rPr lang="pl-PL" sz="2400" dirty="0" smtClean="0">
+                    <a:latin typeface="Calibri" panose="020F0502020204030204" pitchFamily="34" charset="0"/>
+                    <a:cs typeface="Calibri" panose="020F0502020204030204" pitchFamily="34" charset="0"/>
+                  </a:rPr>
+                  <a:t>Do rozwiązywania układów równań liniowych wykorzystujemy metody oparte na rozkładach macierzy na czynniki lub przekształceniach ortogonalnych takich jak na przykład transformacje </a:t>
+                </a:r>
+                <a:r>
+                  <a:rPr lang="pl-PL" sz="2400" dirty="0" err="1" smtClean="0">
+                    <a:latin typeface="Calibri" panose="020F0502020204030204" pitchFamily="34" charset="0"/>
+                    <a:cs typeface="Calibri" panose="020F0502020204030204" pitchFamily="34" charset="0"/>
+                  </a:rPr>
+                  <a:t>Householdera</a:t>
+                </a:r>
+                <a:r>
+                  <a:rPr lang="pl-PL" sz="2400" dirty="0" smtClean="0">
+                    <a:latin typeface="Calibri" panose="020F0502020204030204" pitchFamily="34" charset="0"/>
+                    <a:cs typeface="Calibri" panose="020F0502020204030204" pitchFamily="34" charset="0"/>
+                  </a:rPr>
+                  <a:t> lub rozkład </a:t>
+                </a:r>
+                <a14:m>
+                  <m:oMath xmlns:m="http://schemas.openxmlformats.org/officeDocument/2006/math">
+                    <m:r>
+                      <a:rPr lang="pl-PL" sz="2400" b="0" i="1" smtClean="0">
+                        <a:latin typeface="Cambria Math" panose="02040503050406030204" pitchFamily="18" charset="0"/>
+                        <a:cs typeface="Calibri" panose="020F0502020204030204" pitchFamily="34" charset="0"/>
+                      </a:rPr>
+                      <m:t>𝐿𝑈</m:t>
+                    </m:r>
+                  </m:oMath>
+                </a14:m>
+                <a:r>
+                  <a:rPr lang="pl-PL" sz="2400" dirty="0" smtClean="0">
+                    <a:latin typeface="Calibri" panose="020F0502020204030204" pitchFamily="34" charset="0"/>
+                    <a:cs typeface="Calibri" panose="020F0502020204030204" pitchFamily="34" charset="0"/>
+                  </a:rPr>
+                  <a:t>.</a:t>
+                </a:r>
+                <a:endParaRPr lang="pl-PL" sz="2400" dirty="0">
+                  <a:latin typeface="Calibri" panose="020F0502020204030204" pitchFamily="34" charset="0"/>
+                  <a:cs typeface="Calibri" panose="020F0502020204030204" pitchFamily="34" charset="0"/>
+                </a:endParaRPr>
+              </a:p>
+            </p:txBody>
+          </p:sp>
+        </mc:Choice>
+        <mc:Fallback>
+          <p:sp>
+            <p:nvSpPr>
+              <p:cNvPr id="3" name="pole tekstowe 2"/>
+              <p:cNvSpPr txBox="1">
+                <a:spLocks noRot="1" noChangeAspect="1" noMove="1" noResize="1" noEditPoints="1" noAdjustHandles="1" noChangeArrowheads="1" noChangeShapeType="1" noTextEdit="1"/>
+              </p:cNvSpPr>
+              <p:nvPr/>
+            </p:nvSpPr>
+            <p:spPr>
+              <a:xfrm>
+                <a:off x="1617935" y="5085184"/>
+                <a:ext cx="8454288" cy="1569660"/>
+              </a:xfrm>
+              <a:prstGeom prst="rect">
+                <a:avLst/>
+              </a:prstGeom>
+              <a:blipFill>
+                <a:blip r:embed="rId5"/>
+                <a:stretch>
+                  <a:fillRect l="-1081" t="-3101" b="-7752"/>
+                </a:stretch>
+              </a:blipFill>
+            </p:spPr>
+            <p:txBody>
+              <a:bodyPr/>
+              <a:lstStyle/>
+              <a:p>
+                <a:r>
+                  <a:rPr lang="pl-PL">
+                    <a:noFill/>
+                  </a:rPr>
+                  <a:t> </a:t>
+                </a:r>
+              </a:p>
+            </p:txBody>
+          </p:sp>
+        </mc:Fallback>
+      </mc:AlternateContent>
     </p:spTree>
     <p:extLst>
       <p:ext uri="{BB962C8B-B14F-4D97-AF65-F5344CB8AC3E}">
@@ -10301,8 +10344,8 @@
           </a:p>
         </p:txBody>
       </p:sp>
-      <mc:AlternateContent xmlns:mc="http://schemas.openxmlformats.org/markup-compatibility/2006">
-        <mc:Choice xmlns:a14="http://schemas.microsoft.com/office/drawing/2010/main" Requires="a14">
+      <mc:AlternateContent xmlns:mc="http://schemas.openxmlformats.org/markup-compatibility/2006" xmlns:a14="http://schemas.microsoft.com/office/drawing/2010/main">
+        <mc:Choice Requires="a14">
           <p:sp>
             <p:nvSpPr>
               <p:cNvPr id="3" name="Symbol zastępczy zawartości 2"/>
@@ -10681,10 +10724,6 @@
                   </a:rPr>
                   <a:t>-tym kroku</a:t>
                 </a:r>
-                <a:endParaRPr lang="pl-PL" sz="2400" dirty="0" smtClean="0">
-                  <a:latin typeface="Calibri" panose="020F0502020204030204" pitchFamily="34" charset="0"/>
-                  <a:cs typeface="Calibri" panose="020F0502020204030204" pitchFamily="34" charset="0"/>
-                </a:endParaRPr>
               </a:p>
               <a:p>
                 <a:pPr marL="0" indent="0">
@@ -10720,7 +10759,7 @@
             </p:txBody>
           </p:sp>
         </mc:Choice>
-        <mc:Fallback>
+        <mc:Fallback xmlns="">
           <p:sp>
             <p:nvSpPr>
               <p:cNvPr id="3" name="Symbol zastępczy zawartości 2"/>
@@ -11895,8 +11934,8 @@
           </a:p>
         </p:txBody>
       </p:sp>
-      <mc:AlternateContent xmlns:mc="http://schemas.openxmlformats.org/markup-compatibility/2006">
-        <mc:Choice xmlns:a14="http://schemas.microsoft.com/office/drawing/2010/main" Requires="a14">
+      <mc:AlternateContent xmlns:mc="http://schemas.openxmlformats.org/markup-compatibility/2006" xmlns:a14="http://schemas.microsoft.com/office/drawing/2010/main">
+        <mc:Choice Requires="a14">
           <p:sp>
             <p:nvSpPr>
               <p:cNvPr id="4" name="Symbol zastępczy zawartości 2"/>
@@ -12089,19 +12128,8 @@
                     <a:latin typeface="Calibri" panose="020F0502020204030204" pitchFamily="34" charset="0"/>
                     <a:cs typeface="Calibri" panose="020F0502020204030204" pitchFamily="34" charset="0"/>
                   </a:rPr>
-                  <a:t> (tym samym odwracalna</a:t>
+                  <a:t> (tym samym odwracalna).</a:t>
                 </a:r>
-                <a:r>
-                  <a:rPr lang="pl-PL" sz="2400" dirty="0" smtClean="0">
-                    <a:latin typeface="Calibri" panose="020F0502020204030204" pitchFamily="34" charset="0"/>
-                    <a:cs typeface="Calibri" panose="020F0502020204030204" pitchFamily="34" charset="0"/>
-                  </a:rPr>
-                  <a:t>).</a:t>
-                </a:r>
-                <a:endParaRPr lang="pl-PL" sz="2400" dirty="0" smtClean="0">
-                  <a:latin typeface="Calibri" panose="020F0502020204030204" pitchFamily="34" charset="0"/>
-                  <a:cs typeface="Calibri" panose="020F0502020204030204" pitchFamily="34" charset="0"/>
-                </a:endParaRPr>
               </a:p>
               <a:p>
                 <a:r>
@@ -12807,15 +12835,11 @@
                   </a:rPr>
                   <a:t>.</a:t>
                 </a:r>
-                <a:endParaRPr lang="pl-PL" sz="2400" dirty="0" smtClean="0">
-                  <a:latin typeface="Calibri" panose="020F0502020204030204" pitchFamily="34" charset="0"/>
-                  <a:cs typeface="Calibri" panose="020F0502020204030204" pitchFamily="34" charset="0"/>
-                </a:endParaRPr>
               </a:p>
             </p:txBody>
           </p:sp>
         </mc:Choice>
-        <mc:Fallback>
+        <mc:Fallback xmlns="">
           <p:sp>
             <p:nvSpPr>
               <p:cNvPr id="4" name="Symbol zastępczy zawartości 2"/>
@@ -13391,7 +13415,21 @@
                     <a:latin typeface="Calibri" panose="020F0502020204030204" pitchFamily="34" charset="0"/>
                     <a:cs typeface="Calibri" panose="020F0502020204030204" pitchFamily="34" charset="0"/>
                   </a:rPr>
-                  <a:t> do macierzy górnej macierzy trójkątnej </a:t>
+                  <a:t> do </a:t>
+                </a:r>
+                <a:r>
+                  <a:rPr lang="pl-PL" sz="2400" dirty="0" smtClean="0">
+                    <a:latin typeface="Calibri" panose="020F0502020204030204" pitchFamily="34" charset="0"/>
+                    <a:cs typeface="Calibri" panose="020F0502020204030204" pitchFamily="34" charset="0"/>
+                  </a:rPr>
+                  <a:t>górnej </a:t>
+                </a:r>
+                <a:r>
+                  <a:rPr lang="pl-PL" sz="2400" dirty="0" smtClean="0">
+                    <a:latin typeface="Calibri" panose="020F0502020204030204" pitchFamily="34" charset="0"/>
+                    <a:cs typeface="Calibri" panose="020F0502020204030204" pitchFamily="34" charset="0"/>
+                  </a:rPr>
+                  <a:t>macierzy trójkątnej </a:t>
                 </a:r>
                 <a:r>
                   <a:rPr lang="pl-PL" sz="2400" dirty="0">
@@ -13453,7 +13491,7 @@
               <a:blipFill>
                 <a:blip r:embed="rId2"/>
                 <a:stretch>
-                  <a:fillRect l="-1984" t="-4560" r="-3175"/>
+                  <a:fillRect l="-1984" t="-4560" r="-1852"/>
                 </a:stretch>
               </a:blipFill>
             </p:spPr>
@@ -17468,8 +17506,8 @@
           </p:sp>
         </mc:Fallback>
       </mc:AlternateContent>
-      <mc:AlternateContent xmlns:mc="http://schemas.openxmlformats.org/markup-compatibility/2006" xmlns:a14="http://schemas.microsoft.com/office/drawing/2010/main">
-        <mc:Choice Requires="a14">
+      <mc:AlternateContent xmlns:mc="http://schemas.openxmlformats.org/markup-compatibility/2006">
+        <mc:Choice xmlns:a14="http://schemas.microsoft.com/office/drawing/2010/main" Requires="a14">
           <p:sp>
             <p:nvSpPr>
               <p:cNvPr id="6" name="pole tekstowe 5"/>
@@ -17479,7 +17517,7 @@
             <p:spPr>
               <a:xfrm>
                 <a:off x="2854052" y="4103208"/>
-                <a:ext cx="2836674" cy="490006"/>
+                <a:ext cx="2602572" cy="453394"/>
               </a:xfrm>
               <a:prstGeom prst="rect">
                 <a:avLst/>
@@ -17502,7 +17540,7 @@
                       <m:sSub>
                         <m:sSubPr>
                           <m:ctrlPr>
-                            <a:rPr lang="pl-PL" sz="2400" i="1">
+                            <a:rPr lang="pl-PL" sz="2400" i="1" smtClean="0">
                               <a:latin typeface="Cambria Math" panose="02040503050406030204" pitchFamily="18" charset="0"/>
                               <a:ea typeface="Cambria Math" panose="02040503050406030204" pitchFamily="18" charset="0"/>
                               <a:cs typeface="Calibri" panose="020F0502020204030204" pitchFamily="34" charset="0"/>
@@ -17521,21 +17559,21 @@
                         </m:e>
                         <m:sub>
                           <m:r>
-                            <a:rPr lang="pl-PL" sz="2400" i="1">
+                            <a:rPr lang="pl-PL" sz="2400" b="0" i="1" smtClean="0">
                               <a:latin typeface="Cambria Math" panose="02040503050406030204" pitchFamily="18" charset="0"/>
                               <a:ea typeface="Cambria Math" panose="02040503050406030204" pitchFamily="18" charset="0"/>
                               <a:cs typeface="Calibri" panose="020F0502020204030204" pitchFamily="34" charset="0"/>
                             </a:rPr>
-                            <m:t>𝑚𝑎𝑥</m:t>
+                            <m:t>1</m:t>
                           </m:r>
                         </m:sub>
                       </m:sSub>
                       <m:r>
-                        <a:rPr lang="pl-PL" sz="2400" b="0" i="1" smtClean="0">
+                        <a:rPr lang="pl-PL" sz="2400" i="1">
                           <a:latin typeface="Cambria Math" panose="02040503050406030204" pitchFamily="18" charset="0"/>
                           <a:ea typeface="Cambria Math" panose="02040503050406030204" pitchFamily="18" charset="0"/>
                         </a:rPr>
-                        <m:t>=</m:t>
+                        <m:t>≈</m:t>
                       </m:r>
                       <m:sSup>
                         <m:sSupPr>
@@ -17596,7 +17634,7 @@
                                     <a:rPr lang="pl-PL" sz="2400" i="1">
                                       <a:latin typeface="Cambria Math" panose="02040503050406030204" pitchFamily="18" charset="0"/>
                                     </a:rPr>
-                                    <m:t>𝑛</m:t>
+                                    <m:t>𝑘</m:t>
                                   </m:r>
                                   <m:r>
                                     <a:rPr lang="pl-PL" sz="2400" i="1">
@@ -17613,18 +17651,11 @@
                           <m:r>
                             <a:rPr lang="pl-PL" sz="2400" b="0" i="1" smtClean="0">
                               <a:latin typeface="Cambria Math" panose="02040503050406030204" pitchFamily="18" charset="0"/>
-                              <a:ea typeface="Cambria Math" panose="02040503050406030204" pitchFamily="18" charset="0"/>
                             </a:rPr>
-                            <m:t>𝑇</m:t>
+                            <m:t>∗</m:t>
                           </m:r>
                         </m:sup>
                       </m:sSup>
-                      <m:r>
-                        <a:rPr lang="pl-PL" sz="2400" i="1">
-                          <a:latin typeface="Cambria Math" panose="02040503050406030204" pitchFamily="18" charset="0"/>
-                        </a:rPr>
-                        <m:t>𝐴</m:t>
-                      </m:r>
                       <m:sSup>
                         <m:sSupPr>
                           <m:ctrlPr>
@@ -17634,24 +17665,12 @@
                           </m:ctrlPr>
                         </m:sSupPr>
                         <m:e>
-                          <m:acc>
-                            <m:accPr>
-                              <m:chr m:val="̃"/>
-                              <m:ctrlPr>
-                                <a:rPr lang="pl-PL" sz="2400" i="1">
-                                  <a:latin typeface="Cambria Math" panose="02040503050406030204" pitchFamily="18" charset="0"/>
-                                </a:rPr>
-                              </m:ctrlPr>
-                            </m:accPr>
-                            <m:e>
-                              <m:r>
-                                <a:rPr lang="pl-PL" sz="2400" i="1">
-                                  <a:latin typeface="Cambria Math" panose="02040503050406030204" pitchFamily="18" charset="0"/>
-                                </a:rPr>
-                                <m:t>𝑥</m:t>
-                              </m:r>
-                            </m:e>
-                          </m:acc>
+                          <m:r>
+                            <a:rPr lang="pl-PL" sz="2400" i="1">
+                              <a:latin typeface="Cambria Math" panose="02040503050406030204" pitchFamily="18" charset="0"/>
+                            </a:rPr>
+                            <m:t>𝑥</m:t>
+                          </m:r>
                         </m:e>
                         <m:sup>
                           <m:r>
@@ -17664,13 +17683,13 @@
                             <a:rPr lang="pl-PL" sz="2400" i="1">
                               <a:latin typeface="Cambria Math" panose="02040503050406030204" pitchFamily="18" charset="0"/>
                             </a:rPr>
-                            <m:t>𝑛</m:t>
+                            <m:t>𝑘</m:t>
                           </m:r>
                           <m:r>
                             <a:rPr lang="pl-PL" sz="2400" i="1">
                               <a:latin typeface="Cambria Math" panose="02040503050406030204" pitchFamily="18" charset="0"/>
                             </a:rPr>
-                            <m:t>)</m:t>
+                            <m:t>+1)</m:t>
                           </m:r>
                         </m:sup>
                       </m:sSup>
@@ -17682,7 +17701,7 @@
             </p:txBody>
           </p:sp>
         </mc:Choice>
-        <mc:Fallback xmlns="">
+        <mc:Fallback>
           <p:sp>
             <p:nvSpPr>
               <p:cNvPr id="6" name="pole tekstowe 5"/>
@@ -17694,7 +17713,7 @@
             <p:spPr>
               <a:xfrm>
                 <a:off x="2854052" y="4103208"/>
-                <a:ext cx="2836674" cy="490006"/>
+                <a:ext cx="2602572" cy="453394"/>
               </a:xfrm>
               <a:prstGeom prst="rect">
                 <a:avLst/>
@@ -18166,8 +18185,8 @@
           </a:p>
         </p:txBody>
       </p:sp>
-      <mc:AlternateContent xmlns:mc="http://schemas.openxmlformats.org/markup-compatibility/2006">
-        <mc:Choice xmlns:a14="http://schemas.microsoft.com/office/drawing/2010/main" Requires="a14">
+      <mc:AlternateContent xmlns:mc="http://schemas.openxmlformats.org/markup-compatibility/2006" xmlns:a14="http://schemas.microsoft.com/office/drawing/2010/main">
+        <mc:Choice Requires="a14">
           <p:sp>
             <p:nvSpPr>
               <p:cNvPr id="3" name="Symbol zastępczy zawartości 2"/>
@@ -18542,10 +18561,6 @@
                   </a:rPr>
                   <a:t>-tym kroku</a:t>
                 </a:r>
-                <a:endParaRPr lang="pl-PL" sz="2400" dirty="0" smtClean="0">
-                  <a:latin typeface="Calibri" panose="020F0502020204030204" pitchFamily="34" charset="0"/>
-                  <a:cs typeface="Calibri" panose="020F0502020204030204" pitchFamily="34" charset="0"/>
-                </a:endParaRPr>
               </a:p>
               <a:p>
                 <a:pPr marL="0" indent="0">
@@ -18581,7 +18596,7 @@
             </p:txBody>
           </p:sp>
         </mc:Choice>
-        <mc:Fallback>
+        <mc:Fallback xmlns="">
           <p:sp>
             <p:nvSpPr>
               <p:cNvPr id="3" name="Symbol zastępczy zawartości 2"/>
